--- a/case_study_02_presentation.pptx
+++ b/case_study_02_presentation.pptx
@@ -7,6 +7,7 @@
   <p:sldIdLst>
     <p:sldId id="256" r:id="rId2"/>
     <p:sldId id="257" r:id="rId3"/>
+    <p:sldId id="258" r:id="rId4"/>
   </p:sldIdLst>
   <p:sldSz cx="12192000" cy="6858000"/>
   <p:notesSz cx="6858000" cy="9144000"/>
@@ -105,6 +106,11 @@
       </a:defRPr>
     </a:lvl9pPr>
   </p:defaultTextStyle>
+  <p:extLst>
+    <p:ext uri="{EFAFB233-063F-42B5-8137-9DF3F51BA10A}">
+      <p15:sldGuideLst xmlns:p15="http://schemas.microsoft.com/office/powerpoint/2012/main"/>
+    </p:ext>
+  </p:extLst>
 </p:presentation>
 </file>
 
@@ -255,7 +261,7 @@
           <a:p>
             <a:fld id="{08B136E0-DE68-48F8-B9E2-21BBDA41EF35}" type="datetimeFigureOut">
               <a:rPr lang="en-US" smtClean="0"/>
-              <a:t>4/7/2019</a:t>
+              <a:t>4/10/2019</a:t>
             </a:fld>
             <a:endParaRPr lang="en-US"/>
           </a:p>
@@ -453,7 +459,7 @@
           <a:p>
             <a:fld id="{08B136E0-DE68-48F8-B9E2-21BBDA41EF35}" type="datetimeFigureOut">
               <a:rPr lang="en-US" smtClean="0"/>
-              <a:t>4/7/2019</a:t>
+              <a:t>4/10/2019</a:t>
             </a:fld>
             <a:endParaRPr lang="en-US"/>
           </a:p>
@@ -661,7 +667,7 @@
           <a:p>
             <a:fld id="{08B136E0-DE68-48F8-B9E2-21BBDA41EF35}" type="datetimeFigureOut">
               <a:rPr lang="en-US" smtClean="0"/>
-              <a:t>4/7/2019</a:t>
+              <a:t>4/10/2019</a:t>
             </a:fld>
             <a:endParaRPr lang="en-US"/>
           </a:p>
@@ -859,7 +865,7 @@
           <a:p>
             <a:fld id="{08B136E0-DE68-48F8-B9E2-21BBDA41EF35}" type="datetimeFigureOut">
               <a:rPr lang="en-US" smtClean="0"/>
-              <a:t>4/7/2019</a:t>
+              <a:t>4/10/2019</a:t>
             </a:fld>
             <a:endParaRPr lang="en-US"/>
           </a:p>
@@ -1134,7 +1140,7 @@
           <a:p>
             <a:fld id="{08B136E0-DE68-48F8-B9E2-21BBDA41EF35}" type="datetimeFigureOut">
               <a:rPr lang="en-US" smtClean="0"/>
-              <a:t>4/7/2019</a:t>
+              <a:t>4/10/2019</a:t>
             </a:fld>
             <a:endParaRPr lang="en-US"/>
           </a:p>
@@ -1399,7 +1405,7 @@
           <a:p>
             <a:fld id="{08B136E0-DE68-48F8-B9E2-21BBDA41EF35}" type="datetimeFigureOut">
               <a:rPr lang="en-US" smtClean="0"/>
-              <a:t>4/7/2019</a:t>
+              <a:t>4/10/2019</a:t>
             </a:fld>
             <a:endParaRPr lang="en-US"/>
           </a:p>
@@ -1811,7 +1817,7 @@
           <a:p>
             <a:fld id="{08B136E0-DE68-48F8-B9E2-21BBDA41EF35}" type="datetimeFigureOut">
               <a:rPr lang="en-US" smtClean="0"/>
-              <a:t>4/7/2019</a:t>
+              <a:t>4/10/2019</a:t>
             </a:fld>
             <a:endParaRPr lang="en-US"/>
           </a:p>
@@ -1952,7 +1958,7 @@
           <a:p>
             <a:fld id="{08B136E0-DE68-48F8-B9E2-21BBDA41EF35}" type="datetimeFigureOut">
               <a:rPr lang="en-US" smtClean="0"/>
-              <a:t>4/7/2019</a:t>
+              <a:t>4/10/2019</a:t>
             </a:fld>
             <a:endParaRPr lang="en-US"/>
           </a:p>
@@ -2065,7 +2071,7 @@
           <a:p>
             <a:fld id="{08B136E0-DE68-48F8-B9E2-21BBDA41EF35}" type="datetimeFigureOut">
               <a:rPr lang="en-US" smtClean="0"/>
-              <a:t>4/7/2019</a:t>
+              <a:t>4/10/2019</a:t>
             </a:fld>
             <a:endParaRPr lang="en-US"/>
           </a:p>
@@ -2376,7 +2382,7 @@
           <a:p>
             <a:fld id="{08B136E0-DE68-48F8-B9E2-21BBDA41EF35}" type="datetimeFigureOut">
               <a:rPr lang="en-US" smtClean="0"/>
-              <a:t>4/7/2019</a:t>
+              <a:t>4/10/2019</a:t>
             </a:fld>
             <a:endParaRPr lang="en-US"/>
           </a:p>
@@ -2664,7 +2670,7 @@
           <a:p>
             <a:fld id="{08B136E0-DE68-48F8-B9E2-21BBDA41EF35}" type="datetimeFigureOut">
               <a:rPr lang="en-US" smtClean="0"/>
-              <a:t>4/7/2019</a:t>
+              <a:t>4/10/2019</a:t>
             </a:fld>
             <a:endParaRPr lang="en-US"/>
           </a:p>
@@ -2905,7 +2911,7 @@
           <a:p>
             <a:fld id="{08B136E0-DE68-48F8-B9E2-21BBDA41EF35}" type="datetimeFigureOut">
               <a:rPr lang="en-US" smtClean="0"/>
-              <a:t>4/7/2019</a:t>
+              <a:t>4/10/2019</a:t>
             </a:fld>
             <a:endParaRPr lang="en-US"/>
           </a:p>
@@ -4906,6 +4912,74 @@
 </p:sld>
 </file>
 
+<file path=ppt/slides/slide3.xml><?xml version="1.0" encoding="utf-8"?>
+<p:sld xmlns:a="http://schemas.openxmlformats.org/drawingml/2006/main" xmlns:r="http://schemas.openxmlformats.org/officeDocument/2006/relationships" xmlns:p="http://schemas.openxmlformats.org/presentationml/2006/main">
+  <p:cSld>
+    <p:bg>
+      <p:bgPr>
+        <a:solidFill>
+          <a:schemeClr val="bg1"/>
+        </a:solidFill>
+        <a:effectLst/>
+      </p:bgPr>
+    </p:bg>
+    <p:spTree>
+      <p:nvGrpSpPr>
+        <p:cNvPr id="1" name=""/>
+        <p:cNvGrpSpPr/>
+        <p:nvPr/>
+      </p:nvGrpSpPr>
+      <p:grpSpPr>
+        <a:xfrm>
+          <a:off x="0" y="0"/>
+          <a:ext cx="0" cy="0"/>
+          <a:chOff x="0" y="0"/>
+          <a:chExt cx="0" cy="0"/>
+        </a:xfrm>
+      </p:grpSpPr>
+      <p:pic>
+        <p:nvPicPr>
+          <p:cNvPr id="4" name="Picture 3">
+            <a:extLst>
+              <a:ext uri="{FF2B5EF4-FFF2-40B4-BE49-F238E27FC236}">
+                <a16:creationId xmlns:a16="http://schemas.microsoft.com/office/drawing/2014/main" id="{618A2807-7FCB-4288-902A-4F243F2D5B1D}"/>
+              </a:ext>
+            </a:extLst>
+          </p:cNvPr>
+          <p:cNvPicPr>
+            <a:picLocks noChangeAspect="1"/>
+          </p:cNvPicPr>
+          <p:nvPr/>
+        </p:nvPicPr>
+        <p:blipFill>
+          <a:blip r:embed="rId2"/>
+          <a:stretch>
+            <a:fillRect/>
+          </a:stretch>
+        </p:blipFill>
+        <p:spPr>
+          <a:xfrm>
+            <a:off x="840275" y="643466"/>
+            <a:ext cx="10511450" cy="5571067"/>
+          </a:xfrm>
+          <a:prstGeom prst="rect">
+            <a:avLst/>
+          </a:prstGeom>
+        </p:spPr>
+      </p:pic>
+    </p:spTree>
+    <p:extLst>
+      <p:ext uri="{BB962C8B-B14F-4D97-AF65-F5344CB8AC3E}">
+        <p14:creationId xmlns:p14="http://schemas.microsoft.com/office/powerpoint/2010/main" val="759344408"/>
+      </p:ext>
+    </p:extLst>
+  </p:cSld>
+  <p:clrMapOvr>
+    <a:masterClrMapping/>
+  </p:clrMapOvr>
+</p:sld>
+</file>
+
 <file path=ppt/theme/theme1.xml><?xml version="1.0" encoding="utf-8"?>
 <a:theme xmlns:a="http://schemas.openxmlformats.org/drawingml/2006/main" name="Office Theme">
   <a:themeElements>

--- a/case_study_02_presentation.pptx
+++ b/case_study_02_presentation.pptx
@@ -8,6 +8,11 @@
     <p:sldId id="256" r:id="rId2"/>
     <p:sldId id="257" r:id="rId3"/>
     <p:sldId id="258" r:id="rId4"/>
+    <p:sldId id="259" r:id="rId5"/>
+    <p:sldId id="260" r:id="rId6"/>
+    <p:sldId id="261" r:id="rId7"/>
+    <p:sldId id="262" r:id="rId8"/>
+    <p:sldId id="263" r:id="rId9"/>
   </p:sldIdLst>
   <p:sldSz cx="12192000" cy="6858000"/>
   <p:notesSz cx="6858000" cy="9144000"/>
@@ -261,7 +266,7 @@
           <a:p>
             <a:fld id="{08B136E0-DE68-48F8-B9E2-21BBDA41EF35}" type="datetimeFigureOut">
               <a:rPr lang="en-US" smtClean="0"/>
-              <a:t>4/10/2019</a:t>
+              <a:t>4/11/2019</a:t>
             </a:fld>
             <a:endParaRPr lang="en-US"/>
           </a:p>
@@ -459,7 +464,7 @@
           <a:p>
             <a:fld id="{08B136E0-DE68-48F8-B9E2-21BBDA41EF35}" type="datetimeFigureOut">
               <a:rPr lang="en-US" smtClean="0"/>
-              <a:t>4/10/2019</a:t>
+              <a:t>4/11/2019</a:t>
             </a:fld>
             <a:endParaRPr lang="en-US"/>
           </a:p>
@@ -667,7 +672,7 @@
           <a:p>
             <a:fld id="{08B136E0-DE68-48F8-B9E2-21BBDA41EF35}" type="datetimeFigureOut">
               <a:rPr lang="en-US" smtClean="0"/>
-              <a:t>4/10/2019</a:t>
+              <a:t>4/11/2019</a:t>
             </a:fld>
             <a:endParaRPr lang="en-US"/>
           </a:p>
@@ -865,7 +870,7 @@
           <a:p>
             <a:fld id="{08B136E0-DE68-48F8-B9E2-21BBDA41EF35}" type="datetimeFigureOut">
               <a:rPr lang="en-US" smtClean="0"/>
-              <a:t>4/10/2019</a:t>
+              <a:t>4/11/2019</a:t>
             </a:fld>
             <a:endParaRPr lang="en-US"/>
           </a:p>
@@ -1140,7 +1145,7 @@
           <a:p>
             <a:fld id="{08B136E0-DE68-48F8-B9E2-21BBDA41EF35}" type="datetimeFigureOut">
               <a:rPr lang="en-US" smtClean="0"/>
-              <a:t>4/10/2019</a:t>
+              <a:t>4/11/2019</a:t>
             </a:fld>
             <a:endParaRPr lang="en-US"/>
           </a:p>
@@ -1405,7 +1410,7 @@
           <a:p>
             <a:fld id="{08B136E0-DE68-48F8-B9E2-21BBDA41EF35}" type="datetimeFigureOut">
               <a:rPr lang="en-US" smtClean="0"/>
-              <a:t>4/10/2019</a:t>
+              <a:t>4/11/2019</a:t>
             </a:fld>
             <a:endParaRPr lang="en-US"/>
           </a:p>
@@ -1817,7 +1822,7 @@
           <a:p>
             <a:fld id="{08B136E0-DE68-48F8-B9E2-21BBDA41EF35}" type="datetimeFigureOut">
               <a:rPr lang="en-US" smtClean="0"/>
-              <a:t>4/10/2019</a:t>
+              <a:t>4/11/2019</a:t>
             </a:fld>
             <a:endParaRPr lang="en-US"/>
           </a:p>
@@ -1958,7 +1963,7 @@
           <a:p>
             <a:fld id="{08B136E0-DE68-48F8-B9E2-21BBDA41EF35}" type="datetimeFigureOut">
               <a:rPr lang="en-US" smtClean="0"/>
-              <a:t>4/10/2019</a:t>
+              <a:t>4/11/2019</a:t>
             </a:fld>
             <a:endParaRPr lang="en-US"/>
           </a:p>
@@ -2071,7 +2076,7 @@
           <a:p>
             <a:fld id="{08B136E0-DE68-48F8-B9E2-21BBDA41EF35}" type="datetimeFigureOut">
               <a:rPr lang="en-US" smtClean="0"/>
-              <a:t>4/10/2019</a:t>
+              <a:t>4/11/2019</a:t>
             </a:fld>
             <a:endParaRPr lang="en-US"/>
           </a:p>
@@ -2382,7 +2387,7 @@
           <a:p>
             <a:fld id="{08B136E0-DE68-48F8-B9E2-21BBDA41EF35}" type="datetimeFigureOut">
               <a:rPr lang="en-US" smtClean="0"/>
-              <a:t>4/10/2019</a:t>
+              <a:t>4/11/2019</a:t>
             </a:fld>
             <a:endParaRPr lang="en-US"/>
           </a:p>
@@ -2670,7 +2675,7 @@
           <a:p>
             <a:fld id="{08B136E0-DE68-48F8-B9E2-21BBDA41EF35}" type="datetimeFigureOut">
               <a:rPr lang="en-US" smtClean="0"/>
-              <a:t>4/10/2019</a:t>
+              <a:t>4/11/2019</a:t>
             </a:fld>
             <a:endParaRPr lang="en-US"/>
           </a:p>
@@ -2911,7 +2916,7 @@
           <a:p>
             <a:fld id="{08B136E0-DE68-48F8-B9E2-21BBDA41EF35}" type="datetimeFigureOut">
               <a:rPr lang="en-US" smtClean="0"/>
-              <a:t>4/10/2019</a:t>
+              <a:t>4/11/2019</a:t>
             </a:fld>
             <a:endParaRPr lang="en-US"/>
           </a:p>
@@ -4967,10 +4972,596 @@
           </a:prstGeom>
         </p:spPr>
       </p:pic>
+      <p:sp>
+        <p:nvSpPr>
+          <p:cNvPr id="2" name="Rectangle 1">
+            <a:extLst>
+              <a:ext uri="{FF2B5EF4-FFF2-40B4-BE49-F238E27FC236}">
+                <a16:creationId xmlns:a16="http://schemas.microsoft.com/office/drawing/2014/main" id="{C85397DA-750E-40EA-8740-9AE38E4991EF}"/>
+              </a:ext>
+            </a:extLst>
+          </p:cNvPr>
+          <p:cNvSpPr/>
+          <p:nvPr/>
+        </p:nvSpPr>
+        <p:spPr>
+          <a:xfrm>
+            <a:off x="3048000" y="2551837"/>
+            <a:ext cx="6096000" cy="1754326"/>
+          </a:xfrm>
+          <a:prstGeom prst="rect">
+            <a:avLst/>
+          </a:prstGeom>
+        </p:spPr>
+        <p:txBody>
+          <a:bodyPr>
+            <a:spAutoFit/>
+          </a:bodyPr>
+          <a:lstStyle/>
+          <a:p>
+            <a:r>
+              <a:rPr lang="en-US" dirty="0"/>
+              <a:t>pairs(~Attrition+DailyRate+Age+DistanceFromHome+EnvironmentSatisfaction+JobSatisfaction+MonthlyIncome+MonthlyRate+</a:t>
+            </a:r>
+          </a:p>
+          <a:p>
+            <a:r>
+              <a:rPr lang="en-US" dirty="0"/>
+              <a:t>        </a:t>
+            </a:r>
+            <a:r>
+              <a:rPr lang="en-US" dirty="0" err="1"/>
+              <a:t>YearsSinceLastPromotion+PerformanceRating+JobInvolvement,data</a:t>
+            </a:r>
+            <a:r>
+              <a:rPr lang="en-US" dirty="0"/>
+              <a:t>=</a:t>
+            </a:r>
+            <a:r>
+              <a:rPr lang="en-US" dirty="0" err="1"/>
+              <a:t>attritionData</a:t>
+            </a:r>
+            <a:r>
+              <a:rPr lang="en-US" dirty="0"/>
+              <a:t>, </a:t>
+            </a:r>
+          </a:p>
+          <a:p>
+            <a:r>
+              <a:rPr lang="en-US" dirty="0"/>
+              <a:t>   main="Simple Scatterplot Matrix")</a:t>
+            </a:r>
+          </a:p>
+        </p:txBody>
+      </p:sp>
     </p:spTree>
     <p:extLst>
       <p:ext uri="{BB962C8B-B14F-4D97-AF65-F5344CB8AC3E}">
         <p14:creationId xmlns:p14="http://schemas.microsoft.com/office/powerpoint/2010/main" val="759344408"/>
+      </p:ext>
+    </p:extLst>
+  </p:cSld>
+  <p:clrMapOvr>
+    <a:masterClrMapping/>
+  </p:clrMapOvr>
+</p:sld>
+</file>
+
+<file path=ppt/slides/slide4.xml><?xml version="1.0" encoding="utf-8"?>
+<p:sld xmlns:a="http://schemas.openxmlformats.org/drawingml/2006/main" xmlns:r="http://schemas.openxmlformats.org/officeDocument/2006/relationships" xmlns:p="http://schemas.openxmlformats.org/presentationml/2006/main">
+  <p:cSld>
+    <p:spTree>
+      <p:nvGrpSpPr>
+        <p:cNvPr id="1" name=""/>
+        <p:cNvGrpSpPr/>
+        <p:nvPr/>
+      </p:nvGrpSpPr>
+      <p:grpSpPr>
+        <a:xfrm>
+          <a:off x="0" y="0"/>
+          <a:ext cx="0" cy="0"/>
+          <a:chOff x="0" y="0"/>
+          <a:chExt cx="0" cy="0"/>
+        </a:xfrm>
+      </p:grpSpPr>
+      <p:pic>
+        <p:nvPicPr>
+          <p:cNvPr id="4" name="Picture 3">
+            <a:extLst>
+              <a:ext uri="{FF2B5EF4-FFF2-40B4-BE49-F238E27FC236}">
+                <a16:creationId xmlns:a16="http://schemas.microsoft.com/office/drawing/2014/main" id="{623BE546-FBD6-4550-819F-E2E846D5A641}"/>
+              </a:ext>
+            </a:extLst>
+          </p:cNvPr>
+          <p:cNvPicPr>
+            <a:picLocks noChangeAspect="1"/>
+          </p:cNvPicPr>
+          <p:nvPr/>
+        </p:nvPicPr>
+        <p:blipFill>
+          <a:blip r:embed="rId2"/>
+          <a:stretch>
+            <a:fillRect/>
+          </a:stretch>
+        </p:blipFill>
+        <p:spPr>
+          <a:xfrm>
+            <a:off x="0" y="197643"/>
+            <a:ext cx="12192000" cy="6462713"/>
+          </a:xfrm>
+          <a:prstGeom prst="rect">
+            <a:avLst/>
+          </a:prstGeom>
+        </p:spPr>
+      </p:pic>
+    </p:spTree>
+    <p:extLst>
+      <p:ext uri="{BB962C8B-B14F-4D97-AF65-F5344CB8AC3E}">
+        <p14:creationId xmlns:p14="http://schemas.microsoft.com/office/powerpoint/2010/main" val="370104894"/>
+      </p:ext>
+    </p:extLst>
+  </p:cSld>
+  <p:clrMapOvr>
+    <a:masterClrMapping/>
+  </p:clrMapOvr>
+</p:sld>
+</file>
+
+<file path=ppt/slides/slide5.xml><?xml version="1.0" encoding="utf-8"?>
+<p:sld xmlns:a="http://schemas.openxmlformats.org/drawingml/2006/main" xmlns:r="http://schemas.openxmlformats.org/officeDocument/2006/relationships" xmlns:p="http://schemas.openxmlformats.org/presentationml/2006/main">
+  <p:cSld>
+    <p:spTree>
+      <p:nvGrpSpPr>
+        <p:cNvPr id="1" name=""/>
+        <p:cNvGrpSpPr/>
+        <p:nvPr/>
+      </p:nvGrpSpPr>
+      <p:grpSpPr>
+        <a:xfrm>
+          <a:off x="0" y="0"/>
+          <a:ext cx="0" cy="0"/>
+          <a:chOff x="0" y="0"/>
+          <a:chExt cx="0" cy="0"/>
+        </a:xfrm>
+      </p:grpSpPr>
+      <p:pic>
+        <p:nvPicPr>
+          <p:cNvPr id="5" name="Picture 4">
+            <a:extLst>
+              <a:ext uri="{FF2B5EF4-FFF2-40B4-BE49-F238E27FC236}">
+                <a16:creationId xmlns:a16="http://schemas.microsoft.com/office/drawing/2014/main" id="{9B9CAB55-1222-4045-BC09-2994D6A36780}"/>
+              </a:ext>
+            </a:extLst>
+          </p:cNvPr>
+          <p:cNvPicPr>
+            <a:picLocks noChangeAspect="1"/>
+          </p:cNvPicPr>
+          <p:nvPr/>
+        </p:nvPicPr>
+        <p:blipFill>
+          <a:blip r:embed="rId2"/>
+          <a:stretch>
+            <a:fillRect/>
+          </a:stretch>
+        </p:blipFill>
+        <p:spPr>
+          <a:xfrm>
+            <a:off x="2238176" y="422120"/>
+            <a:ext cx="7715647" cy="6013759"/>
+          </a:xfrm>
+          <a:prstGeom prst="rect">
+            <a:avLst/>
+          </a:prstGeom>
+        </p:spPr>
+      </p:pic>
+    </p:spTree>
+    <p:extLst>
+      <p:ext uri="{BB962C8B-B14F-4D97-AF65-F5344CB8AC3E}">
+        <p14:creationId xmlns:p14="http://schemas.microsoft.com/office/powerpoint/2010/main" val="2690206312"/>
+      </p:ext>
+    </p:extLst>
+  </p:cSld>
+  <p:clrMapOvr>
+    <a:masterClrMapping/>
+  </p:clrMapOvr>
+</p:sld>
+</file>
+
+<file path=ppt/slides/slide6.xml><?xml version="1.0" encoding="utf-8"?>
+<p:sld xmlns:a="http://schemas.openxmlformats.org/drawingml/2006/main" xmlns:r="http://schemas.openxmlformats.org/officeDocument/2006/relationships" xmlns:p="http://schemas.openxmlformats.org/presentationml/2006/main">
+  <p:cSld>
+    <p:spTree>
+      <p:nvGrpSpPr>
+        <p:cNvPr id="1" name=""/>
+        <p:cNvGrpSpPr/>
+        <p:nvPr/>
+      </p:nvGrpSpPr>
+      <p:grpSpPr>
+        <a:xfrm>
+          <a:off x="0" y="0"/>
+          <a:ext cx="0" cy="0"/>
+          <a:chOff x="0" y="0"/>
+          <a:chExt cx="0" cy="0"/>
+        </a:xfrm>
+      </p:grpSpPr>
+      <p:sp>
+        <p:nvSpPr>
+          <p:cNvPr id="2" name="Title 1">
+            <a:extLst>
+              <a:ext uri="{FF2B5EF4-FFF2-40B4-BE49-F238E27FC236}">
+                <a16:creationId xmlns:a16="http://schemas.microsoft.com/office/drawing/2014/main" id="{D6968019-7CF3-4B5C-A4FE-4591AFAEECA0}"/>
+              </a:ext>
+            </a:extLst>
+          </p:cNvPr>
+          <p:cNvSpPr>
+            <a:spLocks noGrp="1"/>
+          </p:cNvSpPr>
+          <p:nvPr>
+            <p:ph type="title"/>
+          </p:nvPr>
+        </p:nvSpPr>
+        <p:spPr/>
+        <p:txBody>
+          <a:bodyPr/>
+          <a:lstStyle/>
+          <a:p>
+            <a:endParaRPr lang="en-US"/>
+          </a:p>
+        </p:txBody>
+      </p:sp>
+      <p:sp>
+        <p:nvSpPr>
+          <p:cNvPr id="3" name="Content Placeholder 2">
+            <a:extLst>
+              <a:ext uri="{FF2B5EF4-FFF2-40B4-BE49-F238E27FC236}">
+                <a16:creationId xmlns:a16="http://schemas.microsoft.com/office/drawing/2014/main" id="{218A9DEE-4D7D-4863-8BCF-3531064E46D3}"/>
+              </a:ext>
+            </a:extLst>
+          </p:cNvPr>
+          <p:cNvSpPr>
+            <a:spLocks noGrp="1"/>
+          </p:cNvSpPr>
+          <p:nvPr>
+            <p:ph idx="1"/>
+          </p:nvPr>
+        </p:nvSpPr>
+        <p:spPr/>
+        <p:txBody>
+          <a:bodyPr/>
+          <a:lstStyle/>
+          <a:p>
+            <a:endParaRPr lang="en-US"/>
+          </a:p>
+        </p:txBody>
+      </p:sp>
+      <p:pic>
+        <p:nvPicPr>
+          <p:cNvPr id="4" name="Picture 3">
+            <a:extLst>
+              <a:ext uri="{FF2B5EF4-FFF2-40B4-BE49-F238E27FC236}">
+                <a16:creationId xmlns:a16="http://schemas.microsoft.com/office/drawing/2014/main" id="{C19F6B8D-7033-4C0A-A089-A51551F9E006}"/>
+              </a:ext>
+            </a:extLst>
+          </p:cNvPr>
+          <p:cNvPicPr>
+            <a:picLocks noChangeAspect="1"/>
+          </p:cNvPicPr>
+          <p:nvPr/>
+        </p:nvPicPr>
+        <p:blipFill>
+          <a:blip r:embed="rId2"/>
+          <a:stretch>
+            <a:fillRect/>
+          </a:stretch>
+        </p:blipFill>
+        <p:spPr>
+          <a:xfrm>
+            <a:off x="164795" y="136525"/>
+            <a:ext cx="11862410" cy="6845652"/>
+          </a:xfrm>
+          <a:prstGeom prst="rect">
+            <a:avLst/>
+          </a:prstGeom>
+        </p:spPr>
+      </p:pic>
+    </p:spTree>
+    <p:extLst>
+      <p:ext uri="{BB962C8B-B14F-4D97-AF65-F5344CB8AC3E}">
+        <p14:creationId xmlns:p14="http://schemas.microsoft.com/office/powerpoint/2010/main" val="1549576465"/>
+      </p:ext>
+    </p:extLst>
+  </p:cSld>
+  <p:clrMapOvr>
+    <a:masterClrMapping/>
+  </p:clrMapOvr>
+</p:sld>
+</file>
+
+<file path=ppt/slides/slide7.xml><?xml version="1.0" encoding="utf-8"?>
+<p:sld xmlns:a="http://schemas.openxmlformats.org/drawingml/2006/main" xmlns:r="http://schemas.openxmlformats.org/officeDocument/2006/relationships" xmlns:p="http://schemas.openxmlformats.org/presentationml/2006/main">
+  <p:cSld>
+    <p:spTree>
+      <p:nvGrpSpPr>
+        <p:cNvPr id="1" name=""/>
+        <p:cNvGrpSpPr/>
+        <p:nvPr/>
+      </p:nvGrpSpPr>
+      <p:grpSpPr>
+        <a:xfrm>
+          <a:off x="0" y="0"/>
+          <a:ext cx="0" cy="0"/>
+          <a:chOff x="0" y="0"/>
+          <a:chExt cx="0" cy="0"/>
+        </a:xfrm>
+      </p:grpSpPr>
+      <p:sp>
+        <p:nvSpPr>
+          <p:cNvPr id="2" name="Title 1">
+            <a:extLst>
+              <a:ext uri="{FF2B5EF4-FFF2-40B4-BE49-F238E27FC236}">
+                <a16:creationId xmlns:a16="http://schemas.microsoft.com/office/drawing/2014/main" id="{239978CB-7DD6-40B8-9E4D-DB881DC724C8}"/>
+              </a:ext>
+            </a:extLst>
+          </p:cNvPr>
+          <p:cNvSpPr>
+            <a:spLocks noGrp="1"/>
+          </p:cNvSpPr>
+          <p:nvPr>
+            <p:ph type="title"/>
+          </p:nvPr>
+        </p:nvSpPr>
+        <p:spPr/>
+        <p:txBody>
+          <a:bodyPr/>
+          <a:lstStyle/>
+          <a:p>
+            <a:endParaRPr lang="en-US"/>
+          </a:p>
+        </p:txBody>
+      </p:sp>
+      <p:sp>
+        <p:nvSpPr>
+          <p:cNvPr id="3" name="Content Placeholder 2">
+            <a:extLst>
+              <a:ext uri="{FF2B5EF4-FFF2-40B4-BE49-F238E27FC236}">
+                <a16:creationId xmlns:a16="http://schemas.microsoft.com/office/drawing/2014/main" id="{35FECA7D-3A43-42AF-AF63-ED2F3EC0505F}"/>
+              </a:ext>
+            </a:extLst>
+          </p:cNvPr>
+          <p:cNvSpPr>
+            <a:spLocks noGrp="1"/>
+          </p:cNvSpPr>
+          <p:nvPr>
+            <p:ph idx="1"/>
+          </p:nvPr>
+        </p:nvSpPr>
+        <p:spPr/>
+        <p:txBody>
+          <a:bodyPr/>
+          <a:lstStyle/>
+          <a:p>
+            <a:endParaRPr lang="en-US"/>
+          </a:p>
+        </p:txBody>
+      </p:sp>
+      <p:pic>
+        <p:nvPicPr>
+          <p:cNvPr id="4" name="Picture 3">
+            <a:extLst>
+              <a:ext uri="{FF2B5EF4-FFF2-40B4-BE49-F238E27FC236}">
+                <a16:creationId xmlns:a16="http://schemas.microsoft.com/office/drawing/2014/main" id="{FE6BA3DE-3323-4E23-AB43-AC5712DFFCC7}"/>
+              </a:ext>
+            </a:extLst>
+          </p:cNvPr>
+          <p:cNvPicPr>
+            <a:picLocks noChangeAspect="1"/>
+          </p:cNvPicPr>
+          <p:nvPr/>
+        </p:nvPicPr>
+        <p:blipFill>
+          <a:blip r:embed="rId2"/>
+          <a:stretch>
+            <a:fillRect/>
+          </a:stretch>
+        </p:blipFill>
+        <p:spPr>
+          <a:xfrm>
+            <a:off x="164795" y="6174"/>
+            <a:ext cx="11862410" cy="6845652"/>
+          </a:xfrm>
+          <a:prstGeom prst="rect">
+            <a:avLst/>
+          </a:prstGeom>
+        </p:spPr>
+      </p:pic>
+      <p:cxnSp>
+        <p:nvCxnSpPr>
+          <p:cNvPr id="6" name="Straight Arrow Connector 5">
+            <a:extLst>
+              <a:ext uri="{FF2B5EF4-FFF2-40B4-BE49-F238E27FC236}">
+                <a16:creationId xmlns:a16="http://schemas.microsoft.com/office/drawing/2014/main" id="{5664B49D-412E-4479-B091-C44E01A21392}"/>
+              </a:ext>
+            </a:extLst>
+          </p:cNvPr>
+          <p:cNvCxnSpPr/>
+          <p:nvPr/>
+        </p:nvCxnSpPr>
+        <p:spPr>
+          <a:xfrm>
+            <a:off x="1866900" y="2000250"/>
+            <a:ext cx="2876550" cy="1136650"/>
+          </a:xfrm>
+          <a:prstGeom prst="straightConnector1">
+            <a:avLst/>
+          </a:prstGeom>
+          <a:ln>
+            <a:tailEnd type="triangle"/>
+          </a:ln>
+        </p:spPr>
+        <p:style>
+          <a:lnRef idx="1">
+            <a:schemeClr val="accent1"/>
+          </a:lnRef>
+          <a:fillRef idx="0">
+            <a:schemeClr val="accent1"/>
+          </a:fillRef>
+          <a:effectRef idx="0">
+            <a:schemeClr val="accent1"/>
+          </a:effectRef>
+          <a:fontRef idx="minor">
+            <a:schemeClr val="tx1"/>
+          </a:fontRef>
+        </p:style>
+      </p:cxnSp>
+      <p:sp>
+        <p:nvSpPr>
+          <p:cNvPr id="7" name="TextBox 6">
+            <a:extLst>
+              <a:ext uri="{FF2B5EF4-FFF2-40B4-BE49-F238E27FC236}">
+                <a16:creationId xmlns:a16="http://schemas.microsoft.com/office/drawing/2014/main" id="{45C41B2D-4438-43B3-8AB4-07F585659B75}"/>
+              </a:ext>
+            </a:extLst>
+          </p:cNvPr>
+          <p:cNvSpPr txBox="1"/>
+          <p:nvPr/>
+        </p:nvSpPr>
+        <p:spPr>
+          <a:xfrm>
+            <a:off x="234950" y="1295400"/>
+            <a:ext cx="1631950" cy="923330"/>
+          </a:xfrm>
+          <a:prstGeom prst="rect">
+            <a:avLst/>
+          </a:prstGeom>
+          <a:noFill/>
+        </p:spPr>
+        <p:txBody>
+          <a:bodyPr wrap="square" rtlCol="0">
+            <a:spAutoFit/>
+          </a:bodyPr>
+          <a:lstStyle/>
+          <a:p>
+            <a:r>
+              <a:rPr lang="en-US" dirty="0"/>
+              <a:t>Interesting, what age is this? </a:t>
+            </a:r>
+          </a:p>
+        </p:txBody>
+      </p:sp>
+    </p:spTree>
+    <p:extLst>
+      <p:ext uri="{BB962C8B-B14F-4D97-AF65-F5344CB8AC3E}">
+        <p14:creationId xmlns:p14="http://schemas.microsoft.com/office/powerpoint/2010/main" val="2096850138"/>
+      </p:ext>
+    </p:extLst>
+  </p:cSld>
+  <p:clrMapOvr>
+    <a:masterClrMapping/>
+  </p:clrMapOvr>
+</p:sld>
+</file>
+
+<file path=ppt/slides/slide8.xml><?xml version="1.0" encoding="utf-8"?>
+<p:sld xmlns:a="http://schemas.openxmlformats.org/drawingml/2006/main" xmlns:r="http://schemas.openxmlformats.org/officeDocument/2006/relationships" xmlns:p="http://schemas.openxmlformats.org/presentationml/2006/main">
+  <p:cSld>
+    <p:spTree>
+      <p:nvGrpSpPr>
+        <p:cNvPr id="1" name=""/>
+        <p:cNvGrpSpPr/>
+        <p:nvPr/>
+      </p:nvGrpSpPr>
+      <p:grpSpPr>
+        <a:xfrm>
+          <a:off x="0" y="0"/>
+          <a:ext cx="0" cy="0"/>
+          <a:chOff x="0" y="0"/>
+          <a:chExt cx="0" cy="0"/>
+        </a:xfrm>
+      </p:grpSpPr>
+      <p:sp>
+        <p:nvSpPr>
+          <p:cNvPr id="2" name="Title 1">
+            <a:extLst>
+              <a:ext uri="{FF2B5EF4-FFF2-40B4-BE49-F238E27FC236}">
+                <a16:creationId xmlns:a16="http://schemas.microsoft.com/office/drawing/2014/main" id="{BC104E05-66F4-4230-AB27-EF37DEC9CC84}"/>
+              </a:ext>
+            </a:extLst>
+          </p:cNvPr>
+          <p:cNvSpPr>
+            <a:spLocks noGrp="1"/>
+          </p:cNvSpPr>
+          <p:nvPr>
+            <p:ph type="title"/>
+          </p:nvPr>
+        </p:nvSpPr>
+        <p:spPr/>
+        <p:txBody>
+          <a:bodyPr/>
+          <a:lstStyle/>
+          <a:p>
+            <a:endParaRPr lang="en-US"/>
+          </a:p>
+        </p:txBody>
+      </p:sp>
+      <p:sp>
+        <p:nvSpPr>
+          <p:cNvPr id="3" name="Content Placeholder 2">
+            <a:extLst>
+              <a:ext uri="{FF2B5EF4-FFF2-40B4-BE49-F238E27FC236}">
+                <a16:creationId xmlns:a16="http://schemas.microsoft.com/office/drawing/2014/main" id="{48C58177-6C18-460E-8F5F-2126E32A3B76}"/>
+              </a:ext>
+            </a:extLst>
+          </p:cNvPr>
+          <p:cNvSpPr>
+            <a:spLocks noGrp="1"/>
+          </p:cNvSpPr>
+          <p:nvPr>
+            <p:ph idx="1"/>
+          </p:nvPr>
+        </p:nvSpPr>
+        <p:spPr/>
+        <p:txBody>
+          <a:bodyPr/>
+          <a:lstStyle/>
+          <a:p>
+            <a:endParaRPr lang="en-US"/>
+          </a:p>
+        </p:txBody>
+      </p:sp>
+      <p:pic>
+        <p:nvPicPr>
+          <p:cNvPr id="4" name="Picture 3">
+            <a:extLst>
+              <a:ext uri="{FF2B5EF4-FFF2-40B4-BE49-F238E27FC236}">
+                <a16:creationId xmlns:a16="http://schemas.microsoft.com/office/drawing/2014/main" id="{643B26D7-03EC-4442-B1E3-49337396B55D}"/>
+              </a:ext>
+            </a:extLst>
+          </p:cNvPr>
+          <p:cNvPicPr>
+            <a:picLocks noChangeAspect="1"/>
+          </p:cNvPicPr>
+          <p:nvPr/>
+        </p:nvPicPr>
+        <p:blipFill>
+          <a:blip r:embed="rId2"/>
+          <a:stretch>
+            <a:fillRect/>
+          </a:stretch>
+        </p:blipFill>
+        <p:spPr>
+          <a:xfrm>
+            <a:off x="164795" y="6174"/>
+            <a:ext cx="11862410" cy="6845652"/>
+          </a:xfrm>
+          <a:prstGeom prst="rect">
+            <a:avLst/>
+          </a:prstGeom>
+        </p:spPr>
+      </p:pic>
+    </p:spTree>
+    <p:extLst>
+      <p:ext uri="{BB962C8B-B14F-4D97-AF65-F5344CB8AC3E}">
+        <p14:creationId xmlns:p14="http://schemas.microsoft.com/office/powerpoint/2010/main" val="2479916901"/>
       </p:ext>
     </p:extLst>
   </p:cSld>

--- a/case_study_02_presentation.pptx
+++ b/case_study_02_presentation.pptx
@@ -5,14 +5,25 @@
     <p:sldMasterId id="2147483648" r:id="rId1"/>
   </p:sldMasterIdLst>
   <p:sldIdLst>
-    <p:sldId id="256" r:id="rId2"/>
-    <p:sldId id="257" r:id="rId3"/>
-    <p:sldId id="258" r:id="rId4"/>
-    <p:sldId id="259" r:id="rId5"/>
-    <p:sldId id="260" r:id="rId6"/>
-    <p:sldId id="261" r:id="rId7"/>
-    <p:sldId id="262" r:id="rId8"/>
-    <p:sldId id="263" r:id="rId9"/>
+    <p:sldId id="264" r:id="rId2"/>
+    <p:sldId id="265" r:id="rId3"/>
+    <p:sldId id="266" r:id="rId4"/>
+    <p:sldId id="267" r:id="rId5"/>
+    <p:sldId id="268" r:id="rId6"/>
+    <p:sldId id="269" r:id="rId7"/>
+    <p:sldId id="256" r:id="rId8"/>
+    <p:sldId id="257" r:id="rId9"/>
+    <p:sldId id="270" r:id="rId10"/>
+    <p:sldId id="271" r:id="rId11"/>
+    <p:sldId id="272" r:id="rId12"/>
+    <p:sldId id="273" r:id="rId13"/>
+    <p:sldId id="274" r:id="rId14"/>
+    <p:sldId id="258" r:id="rId15"/>
+    <p:sldId id="259" r:id="rId16"/>
+    <p:sldId id="260" r:id="rId17"/>
+    <p:sldId id="261" r:id="rId18"/>
+    <p:sldId id="262" r:id="rId19"/>
+    <p:sldId id="263" r:id="rId20"/>
   </p:sldIdLst>
   <p:sldSz cx="12192000" cy="6858000"/>
   <p:notesSz cx="6858000" cy="9144000"/>
@@ -112,6 +123,45 @@
     </a:lvl9pPr>
   </p:defaultTextStyle>
   <p:extLst>
+    <p:ext uri="{521415D9-36F7-43E2-AB2F-B90AF26B5E84}">
+      <p14:sectionLst xmlns:p14="http://schemas.microsoft.com/office/powerpoint/2010/main">
+        <p14:section name="Introduction" id="{2F6788D6-CC27-40E0-AD76-A1D398242723}">
+          <p14:sldIdLst>
+            <p14:sldId id="264"/>
+            <p14:sldId id="265"/>
+            <p14:sldId id="266"/>
+          </p14:sldIdLst>
+        </p14:section>
+        <p14:section name="Story" id="{0D082006-2A04-495E-9CE1-8FEA757F5F91}">
+          <p14:sldIdLst>
+            <p14:sldId id="267"/>
+            <p14:sldId id="268"/>
+          </p14:sldIdLst>
+        </p14:section>
+        <p14:section name="Conclusion" id="{CC523660-F8A3-4597-8458-66C8365C0AE2}">
+          <p14:sldIdLst>
+            <p14:sldId id="269"/>
+          </p14:sldIdLst>
+        </p14:section>
+        <p14:section name="PLOTS" id="{DEADCFA1-F558-47F7-A383-774B4A1ACCF7}">
+          <p14:sldIdLst>
+            <p14:sldId id="256"/>
+            <p14:sldId id="257"/>
+            <p14:sldId id="270"/>
+            <p14:sldId id="271"/>
+            <p14:sldId id="272"/>
+            <p14:sldId id="273"/>
+            <p14:sldId id="274"/>
+            <p14:sldId id="258"/>
+            <p14:sldId id="259"/>
+            <p14:sldId id="260"/>
+            <p14:sldId id="261"/>
+            <p14:sldId id="262"/>
+            <p14:sldId id="263"/>
+          </p14:sldIdLst>
+        </p14:section>
+      </p14:sectionLst>
+    </p:ext>
     <p:ext uri="{EFAFB233-063F-42B5-8137-9DF3F51BA10A}">
       <p15:sldGuideLst xmlns:p15="http://schemas.microsoft.com/office/powerpoint/2012/main"/>
     </p:ext>
@@ -3338,15 +3388,15 @@
           <p:cNvPr id="2" name="Title 1">
             <a:extLst>
               <a:ext uri="{FF2B5EF4-FFF2-40B4-BE49-F238E27FC236}">
-                <a16:creationId xmlns:a16="http://schemas.microsoft.com/office/drawing/2014/main" id="{6F3EDFA2-3009-4284-AE03-FFF227999411}"/>
-              </a:ext>
-            </a:extLst>
-          </p:cNvPr>
-          <p:cNvSpPr>
-            <a:spLocks noGrp="1"/>
-          </p:cNvSpPr>
-          <p:nvPr>
-            <p:ph type="ctrTitle"/>
+                <a16:creationId xmlns:a16="http://schemas.microsoft.com/office/drawing/2014/main" id="{7B26A125-163D-4C7A-8335-DE8A39DA0BE4}"/>
+              </a:ext>
+            </a:extLst>
+          </p:cNvPr>
+          <p:cNvSpPr>
+            <a:spLocks noGrp="1"/>
+          </p:cNvSpPr>
+          <p:nvPr>
+            <p:ph type="title"/>
           </p:nvPr>
         </p:nvSpPr>
         <p:spPr/>
@@ -3356,25 +3406,25 @@
           <a:p>
             <a:r>
               <a:rPr lang="en-US" dirty="0"/>
-              <a:t>Imported data</a:t>
-            </a:r>
-          </a:p>
-        </p:txBody>
-      </p:sp>
-      <p:sp>
-        <p:nvSpPr>
-          <p:cNvPr id="3" name="Subtitle 2">
-            <a:extLst>
-              <a:ext uri="{FF2B5EF4-FFF2-40B4-BE49-F238E27FC236}">
-                <a16:creationId xmlns:a16="http://schemas.microsoft.com/office/drawing/2014/main" id="{C79B5F8E-EF01-4CAB-B44C-EEA14ED6DEB9}"/>
-              </a:ext>
-            </a:extLst>
-          </p:cNvPr>
-          <p:cNvSpPr>
-            <a:spLocks noGrp="1"/>
-          </p:cNvSpPr>
-          <p:nvPr>
-            <p:ph type="subTitle" idx="1"/>
+              <a:t>Introduction</a:t>
+            </a:r>
+          </a:p>
+        </p:txBody>
+      </p:sp>
+      <p:sp>
+        <p:nvSpPr>
+          <p:cNvPr id="3" name="Content Placeholder 2">
+            <a:extLst>
+              <a:ext uri="{FF2B5EF4-FFF2-40B4-BE49-F238E27FC236}">
+                <a16:creationId xmlns:a16="http://schemas.microsoft.com/office/drawing/2014/main" id="{0AD8FDF9-3071-4C93-92D9-926732942A30}"/>
+              </a:ext>
+            </a:extLst>
+          </p:cNvPr>
+          <p:cNvSpPr>
+            <a:spLocks noGrp="1"/>
+          </p:cNvSpPr>
+          <p:nvPr>
+            <p:ph idx="1"/>
           </p:nvPr>
         </p:nvSpPr>
         <p:spPr/>
@@ -3382,35 +3432,14 @@
           <a:bodyPr/>
           <a:lstStyle/>
           <a:p>
-            <a:r>
-              <a:rPr lang="en-US" dirty="0"/>
-              <a:t>library(</a:t>
-            </a:r>
-            <a:r>
-              <a:rPr lang="en-US" dirty="0" err="1"/>
-              <a:t>openxlsx</a:t>
-            </a:r>
-            <a:r>
-              <a:rPr lang="en-US" dirty="0"/>
-              <a:t>)</a:t>
-            </a:r>
-          </a:p>
-          <a:p>
-            <a:r>
-              <a:rPr lang="en-US" dirty="0" err="1"/>
-              <a:t>attritionData</a:t>
-            </a:r>
-            <a:r>
-              <a:rPr lang="en-US" dirty="0"/>
-              <a:t> &lt;- read.xlsx("CaseStudy2-data.xlsx")</a:t>
-            </a:r>
+            <a:endParaRPr lang="en-US" dirty="0"/>
           </a:p>
         </p:txBody>
       </p:sp>
     </p:spTree>
     <p:extLst>
       <p:ext uri="{BB962C8B-B14F-4D97-AF65-F5344CB8AC3E}">
-        <p14:creationId xmlns:p14="http://schemas.microsoft.com/office/powerpoint/2010/main" val="1951453925"/>
+        <p14:creationId xmlns:p14="http://schemas.microsoft.com/office/powerpoint/2010/main" val="1803650574"/>
       </p:ext>
     </p:extLst>
   </p:cSld>
@@ -3420,7 +3449,7 @@
 </p:sld>
 </file>
 
-<file path=ppt/slides/slide2.xml><?xml version="1.0" encoding="utf-8"?>
+<file path=ppt/slides/slide10.xml><?xml version="1.0" encoding="utf-8"?>
 <p:sld xmlns:a="http://schemas.openxmlformats.org/drawingml/2006/main" xmlns:r="http://schemas.openxmlformats.org/officeDocument/2006/relationships" xmlns:p="http://schemas.openxmlformats.org/presentationml/2006/main">
   <p:cSld>
     <p:spTree>
@@ -3437,1477 +3466,75 @@
           <a:chExt cx="0" cy="0"/>
         </a:xfrm>
       </p:grpSpPr>
-      <p:sp>
-        <p:nvSpPr>
-          <p:cNvPr id="2" name="Title 1">
-            <a:extLst>
-              <a:ext uri="{FF2B5EF4-FFF2-40B4-BE49-F238E27FC236}">
-                <a16:creationId xmlns:a16="http://schemas.microsoft.com/office/drawing/2014/main" id="{1700EF96-D0BC-4A91-983C-813B13359FA5}"/>
-              </a:ext>
-            </a:extLst>
-          </p:cNvPr>
-          <p:cNvSpPr>
-            <a:spLocks noGrp="1"/>
-          </p:cNvSpPr>
-          <p:nvPr>
-            <p:ph type="title"/>
-          </p:nvPr>
-        </p:nvSpPr>
-        <p:spPr/>
-        <p:txBody>
-          <a:bodyPr/>
-          <a:lstStyle/>
-          <a:p>
-            <a:r>
-              <a:rPr lang="en-US" dirty="0"/>
-              <a:t>Inspected Data</a:t>
-            </a:r>
-          </a:p>
-        </p:txBody>
-      </p:sp>
-      <p:sp>
-        <p:nvSpPr>
-          <p:cNvPr id="4" name="Content Placeholder 2">
-            <a:extLst>
-              <a:ext uri="{FF2B5EF4-FFF2-40B4-BE49-F238E27FC236}">
-                <a16:creationId xmlns:a16="http://schemas.microsoft.com/office/drawing/2014/main" id="{9BAB3DB7-62C2-4A2F-8D61-BC962C8DF26A}"/>
-              </a:ext>
-            </a:extLst>
-          </p:cNvPr>
-          <p:cNvSpPr txBox="1">
-            <a:spLocks/>
-          </p:cNvSpPr>
+      <p:pic>
+        <p:nvPicPr>
+          <p:cNvPr id="5" name="Picture 4">
+            <a:extLst>
+              <a:ext uri="{FF2B5EF4-FFF2-40B4-BE49-F238E27FC236}">
+                <a16:creationId xmlns:a16="http://schemas.microsoft.com/office/drawing/2014/main" id="{13DED279-D6D4-4397-A153-3F5D0C642BE7}"/>
+              </a:ext>
+            </a:extLst>
+          </p:cNvPr>
+          <p:cNvPicPr>
+            <a:picLocks noChangeAspect="1"/>
+          </p:cNvPicPr>
           <p:nvPr/>
-        </p:nvSpPr>
+        </p:nvPicPr>
+        <p:blipFill>
+          <a:blip r:embed="rId2"/>
+          <a:stretch>
+            <a:fillRect/>
+          </a:stretch>
+        </p:blipFill>
         <p:spPr>
           <a:xfrm>
-            <a:off x="787400" y="2946399"/>
-            <a:ext cx="10515600" cy="3546476"/>
+            <a:off x="3054193" y="228435"/>
+            <a:ext cx="6083613" cy="6401129"/>
           </a:xfrm>
           <a:prstGeom prst="rect">
             <a:avLst/>
           </a:prstGeom>
         </p:spPr>
-        <p:txBody>
-          <a:bodyPr vert="horz" lIns="91440" tIns="45720" rIns="91440" bIns="45720" rtlCol="0">
-            <a:normAutofit fontScale="47500" lnSpcReduction="20000"/>
-          </a:bodyPr>
-          <a:lstStyle>
-            <a:lvl1pPr marL="228600" indent="-228600" algn="l" defTabSz="914400" rtl="0" eaLnBrk="1" latinLnBrk="0" hangingPunct="1">
-              <a:lnSpc>
-                <a:spcPct val="90000"/>
-              </a:lnSpc>
-              <a:spcBef>
-                <a:spcPts val="1000"/>
-              </a:spcBef>
-              <a:buFont typeface="Arial" panose="020B0604020202020204" pitchFamily="34" charset="0"/>
-              <a:buChar char="•"/>
-              <a:defRPr sz="2800" kern="1200">
-                <a:solidFill>
-                  <a:schemeClr val="tx1"/>
-                </a:solidFill>
-                <a:latin typeface="+mn-lt"/>
-                <a:ea typeface="+mn-ea"/>
-                <a:cs typeface="+mn-cs"/>
-              </a:defRPr>
-            </a:lvl1pPr>
-            <a:lvl2pPr marL="685800" indent="-228600" algn="l" defTabSz="914400" rtl="0" eaLnBrk="1" latinLnBrk="0" hangingPunct="1">
-              <a:lnSpc>
-                <a:spcPct val="90000"/>
-              </a:lnSpc>
-              <a:spcBef>
-                <a:spcPts val="500"/>
-              </a:spcBef>
-              <a:buFont typeface="Arial" panose="020B0604020202020204" pitchFamily="34" charset="0"/>
-              <a:buChar char="•"/>
-              <a:defRPr sz="2400" kern="1200">
-                <a:solidFill>
-                  <a:schemeClr val="tx1"/>
-                </a:solidFill>
-                <a:latin typeface="+mn-lt"/>
-                <a:ea typeface="+mn-ea"/>
-                <a:cs typeface="+mn-cs"/>
-              </a:defRPr>
-            </a:lvl2pPr>
-            <a:lvl3pPr marL="1143000" indent="-228600" algn="l" defTabSz="914400" rtl="0" eaLnBrk="1" latinLnBrk="0" hangingPunct="1">
-              <a:lnSpc>
-                <a:spcPct val="90000"/>
-              </a:lnSpc>
-              <a:spcBef>
-                <a:spcPts val="500"/>
-              </a:spcBef>
-              <a:buFont typeface="Arial" panose="020B0604020202020204" pitchFamily="34" charset="0"/>
-              <a:buChar char="•"/>
-              <a:defRPr sz="2000" kern="1200">
-                <a:solidFill>
-                  <a:schemeClr val="tx1"/>
-                </a:solidFill>
-                <a:latin typeface="+mn-lt"/>
-                <a:ea typeface="+mn-ea"/>
-                <a:cs typeface="+mn-cs"/>
-              </a:defRPr>
-            </a:lvl3pPr>
-            <a:lvl4pPr marL="1600200" indent="-228600" algn="l" defTabSz="914400" rtl="0" eaLnBrk="1" latinLnBrk="0" hangingPunct="1">
-              <a:lnSpc>
-                <a:spcPct val="90000"/>
-              </a:lnSpc>
-              <a:spcBef>
-                <a:spcPts val="500"/>
-              </a:spcBef>
-              <a:buFont typeface="Arial" panose="020B0604020202020204" pitchFamily="34" charset="0"/>
-              <a:buChar char="•"/>
-              <a:defRPr sz="1800" kern="1200">
-                <a:solidFill>
-                  <a:schemeClr val="tx1"/>
-                </a:solidFill>
-                <a:latin typeface="+mn-lt"/>
-                <a:ea typeface="+mn-ea"/>
-                <a:cs typeface="+mn-cs"/>
-              </a:defRPr>
-            </a:lvl4pPr>
-            <a:lvl5pPr marL="2057400" indent="-228600" algn="l" defTabSz="914400" rtl="0" eaLnBrk="1" latinLnBrk="0" hangingPunct="1">
-              <a:lnSpc>
-                <a:spcPct val="90000"/>
-              </a:lnSpc>
-              <a:spcBef>
-                <a:spcPts val="500"/>
-              </a:spcBef>
-              <a:buFont typeface="Arial" panose="020B0604020202020204" pitchFamily="34" charset="0"/>
-              <a:buChar char="•"/>
-              <a:defRPr sz="1800" kern="1200">
-                <a:solidFill>
-                  <a:schemeClr val="tx1"/>
-                </a:solidFill>
-                <a:latin typeface="+mn-lt"/>
-                <a:ea typeface="+mn-ea"/>
-                <a:cs typeface="+mn-cs"/>
-              </a:defRPr>
-            </a:lvl5pPr>
-            <a:lvl6pPr marL="2514600" indent="-228600" algn="l" defTabSz="914400" rtl="0" eaLnBrk="1" latinLnBrk="0" hangingPunct="1">
-              <a:lnSpc>
-                <a:spcPct val="90000"/>
-              </a:lnSpc>
-              <a:spcBef>
-                <a:spcPts val="500"/>
-              </a:spcBef>
-              <a:buFont typeface="Arial" panose="020B0604020202020204" pitchFamily="34" charset="0"/>
-              <a:buChar char="•"/>
-              <a:defRPr sz="1800" kern="1200">
-                <a:solidFill>
-                  <a:schemeClr val="tx1"/>
-                </a:solidFill>
-                <a:latin typeface="+mn-lt"/>
-                <a:ea typeface="+mn-ea"/>
-                <a:cs typeface="+mn-cs"/>
-              </a:defRPr>
-            </a:lvl6pPr>
-            <a:lvl7pPr marL="2971800" indent="-228600" algn="l" defTabSz="914400" rtl="0" eaLnBrk="1" latinLnBrk="0" hangingPunct="1">
-              <a:lnSpc>
-                <a:spcPct val="90000"/>
-              </a:lnSpc>
-              <a:spcBef>
-                <a:spcPts val="500"/>
-              </a:spcBef>
-              <a:buFont typeface="Arial" panose="020B0604020202020204" pitchFamily="34" charset="0"/>
-              <a:buChar char="•"/>
-              <a:defRPr sz="1800" kern="1200">
-                <a:solidFill>
-                  <a:schemeClr val="tx1"/>
-                </a:solidFill>
-                <a:latin typeface="+mn-lt"/>
-                <a:ea typeface="+mn-ea"/>
-                <a:cs typeface="+mn-cs"/>
-              </a:defRPr>
-            </a:lvl7pPr>
-            <a:lvl8pPr marL="3429000" indent="-228600" algn="l" defTabSz="914400" rtl="0" eaLnBrk="1" latinLnBrk="0" hangingPunct="1">
-              <a:lnSpc>
-                <a:spcPct val="90000"/>
-              </a:lnSpc>
-              <a:spcBef>
-                <a:spcPts val="500"/>
-              </a:spcBef>
-              <a:buFont typeface="Arial" panose="020B0604020202020204" pitchFamily="34" charset="0"/>
-              <a:buChar char="•"/>
-              <a:defRPr sz="1800" kern="1200">
-                <a:solidFill>
-                  <a:schemeClr val="tx1"/>
-                </a:solidFill>
-                <a:latin typeface="+mn-lt"/>
-                <a:ea typeface="+mn-ea"/>
-                <a:cs typeface="+mn-cs"/>
-              </a:defRPr>
-            </a:lvl8pPr>
-            <a:lvl9pPr marL="3886200" indent="-228600" algn="l" defTabSz="914400" rtl="0" eaLnBrk="1" latinLnBrk="0" hangingPunct="1">
-              <a:lnSpc>
-                <a:spcPct val="90000"/>
-              </a:lnSpc>
-              <a:spcBef>
-                <a:spcPts val="500"/>
-              </a:spcBef>
-              <a:buFont typeface="Arial" panose="020B0604020202020204" pitchFamily="34" charset="0"/>
-              <a:buChar char="•"/>
-              <a:defRPr sz="1800" kern="1200">
-                <a:solidFill>
-                  <a:schemeClr val="tx1"/>
-                </a:solidFill>
-                <a:latin typeface="+mn-lt"/>
-                <a:ea typeface="+mn-ea"/>
-                <a:cs typeface="+mn-cs"/>
-              </a:defRPr>
-            </a:lvl9pPr>
-          </a:lstStyle>
-          <a:p>
-            <a:r>
-              <a:rPr lang="en-US" dirty="0"/>
-              <a:t>Potential Trends related to attrition:</a:t>
-            </a:r>
-          </a:p>
-          <a:p>
-            <a:pPr lvl="1"/>
-            <a:r>
-              <a:rPr lang="en-US" dirty="0"/>
-              <a:t>Age related to Attrition</a:t>
-            </a:r>
-          </a:p>
-          <a:p>
-            <a:pPr lvl="2"/>
-            <a:r>
-              <a:rPr lang="en-US" dirty="0"/>
-              <a:t>People retire, midlife crisis?</a:t>
-            </a:r>
-          </a:p>
-          <a:p>
-            <a:pPr lvl="1"/>
-            <a:r>
-              <a:rPr lang="en-US" dirty="0" err="1"/>
-              <a:t>WorklifeBalance</a:t>
-            </a:r>
-            <a:endParaRPr lang="en-US" dirty="0"/>
-          </a:p>
-          <a:p>
-            <a:pPr lvl="2"/>
-            <a:r>
-              <a:rPr lang="en-US" dirty="0"/>
-              <a:t>People retire, midlife crisis?</a:t>
-            </a:r>
-          </a:p>
-          <a:p>
-            <a:pPr lvl="1"/>
-            <a:r>
-              <a:rPr lang="en-US" dirty="0" err="1"/>
-              <a:t>JobInvolvment</a:t>
-            </a:r>
-            <a:r>
-              <a:rPr lang="en-US" dirty="0"/>
-              <a:t>/</a:t>
-            </a:r>
-            <a:r>
-              <a:rPr lang="en-US" dirty="0" err="1"/>
-              <a:t>JobSatisfaction</a:t>
-            </a:r>
-            <a:endParaRPr lang="en-US" dirty="0"/>
-          </a:p>
-          <a:p>
-            <a:pPr lvl="2"/>
-            <a:r>
-              <a:rPr lang="en-US" dirty="0"/>
-              <a:t>Are people bored? Are they engaged? Too much work?</a:t>
-            </a:r>
-          </a:p>
-          <a:p>
-            <a:pPr lvl="1"/>
-            <a:r>
-              <a:rPr lang="en-US" dirty="0"/>
-              <a:t>Years at company</a:t>
-            </a:r>
-          </a:p>
-          <a:p>
-            <a:pPr lvl="2"/>
-            <a:r>
-              <a:rPr lang="en-US" dirty="0"/>
-              <a:t>Do the longer people work at company deter them more from leaving?</a:t>
-            </a:r>
-          </a:p>
-          <a:p>
-            <a:pPr lvl="1"/>
-            <a:r>
-              <a:rPr lang="en-US" dirty="0"/>
-              <a:t>Job Role</a:t>
-            </a:r>
-          </a:p>
-          <a:p>
-            <a:pPr lvl="2"/>
-            <a:r>
-              <a:rPr lang="en-US" dirty="0"/>
-              <a:t>What jobs have the most people leaving? </a:t>
-            </a:r>
-          </a:p>
-          <a:p>
-            <a:pPr lvl="1"/>
-            <a:r>
-              <a:rPr lang="en-US" dirty="0"/>
-              <a:t>Monthly Income</a:t>
-            </a:r>
-          </a:p>
-          <a:p>
-            <a:pPr lvl="2"/>
-            <a:r>
-              <a:rPr lang="en-US" dirty="0"/>
-              <a:t>Is there an average wage that causes people to leave?</a:t>
-            </a:r>
-          </a:p>
-          <a:p>
-            <a:pPr lvl="1"/>
-            <a:r>
-              <a:rPr lang="en-US" dirty="0"/>
-              <a:t>Gender</a:t>
-            </a:r>
-          </a:p>
-          <a:p>
-            <a:pPr lvl="2"/>
-            <a:r>
-              <a:rPr lang="en-US" dirty="0"/>
-              <a:t>Which gender is leaving more? </a:t>
-            </a:r>
-          </a:p>
-          <a:p>
-            <a:pPr marL="914400" lvl="2" indent="0">
-              <a:buNone/>
-            </a:pPr>
-            <a:endParaRPr lang="en-US" dirty="0"/>
-          </a:p>
-          <a:p>
-            <a:pPr lvl="2"/>
-            <a:endParaRPr lang="en-US" dirty="0"/>
-          </a:p>
-          <a:p>
-            <a:pPr marL="914400" lvl="2" indent="0">
-              <a:buNone/>
-            </a:pPr>
-            <a:endParaRPr lang="en-US" dirty="0"/>
-          </a:p>
-          <a:p>
-            <a:pPr marL="914400" lvl="2" indent="0">
-              <a:buNone/>
-            </a:pPr>
-            <a:r>
-              <a:rPr lang="en-US" dirty="0"/>
-              <a:t> </a:t>
-            </a:r>
-          </a:p>
-          <a:p>
-            <a:pPr marL="914400" lvl="2" indent="0">
-              <a:buNone/>
-            </a:pPr>
-            <a:endParaRPr lang="en-US" dirty="0"/>
-          </a:p>
-        </p:txBody>
-      </p:sp>
-      <p:sp>
-        <p:nvSpPr>
-          <p:cNvPr id="6" name="Rectangle 2">
-            <a:extLst>
-              <a:ext uri="{FF2B5EF4-FFF2-40B4-BE49-F238E27FC236}">
-                <a16:creationId xmlns:a16="http://schemas.microsoft.com/office/drawing/2014/main" id="{37ED1D22-0F4E-4AA1-8713-8B09CC1F07BB}"/>
-              </a:ext>
-            </a:extLst>
-          </p:cNvPr>
-          <p:cNvSpPr>
-            <a:spLocks noGrp="1" noChangeArrowheads="1"/>
-          </p:cNvSpPr>
-          <p:nvPr>
-            <p:ph idx="1"/>
-          </p:nvPr>
-        </p:nvSpPr>
-        <p:spPr bwMode="auto">
+      </p:pic>
+      <p:sp>
+        <p:nvSpPr>
+          <p:cNvPr id="6" name="TextBox 5">
+            <a:extLst>
+              <a:ext uri="{FF2B5EF4-FFF2-40B4-BE49-F238E27FC236}">
+                <a16:creationId xmlns:a16="http://schemas.microsoft.com/office/drawing/2014/main" id="{61C61FA3-85A4-4E0A-A9C0-F361A756102D}"/>
+              </a:ext>
+            </a:extLst>
+          </p:cNvPr>
+          <p:cNvSpPr txBox="1"/>
+          <p:nvPr/>
+        </p:nvSpPr>
+        <p:spPr>
           <a:xfrm>
-            <a:off x="963693" y="1562100"/>
-            <a:ext cx="8771632" cy="1231106"/>
+            <a:off x="203200" y="1257300"/>
+            <a:ext cx="2489200" cy="369332"/>
           </a:xfrm>
           <a:prstGeom prst="rect">
             <a:avLst/>
           </a:prstGeom>
-          <a:solidFill>
-            <a:srgbClr val="FFFFFF"/>
-          </a:solidFill>
-          <a:ln>
-            <a:noFill/>
-          </a:ln>
-          <a:effectLst/>
-          <a:extLst>
-            <a:ext uri="{91240B29-F687-4F45-9708-019B960494DF}">
-              <a14:hiddenLine xmlns:a14="http://schemas.microsoft.com/office/drawing/2010/main" w="9525">
-                <a:solidFill>
-                  <a:schemeClr val="tx1"/>
-                </a:solidFill>
-                <a:miter lim="800000"/>
-                <a:headEnd/>
-                <a:tailEnd/>
-              </a14:hiddenLine>
-            </a:ext>
-            <a:ext uri="{AF507438-7753-43E0-B8FC-AC1667EBCBE1}">
-              <a14:hiddenEffects xmlns:a14="http://schemas.microsoft.com/office/drawing/2010/main">
-                <a:effectLst>
-                  <a:outerShdw dist="35921" dir="2700000" algn="ctr" rotWithShape="0">
-                    <a:schemeClr val="bg2"/>
-                  </a:outerShdw>
-                </a:effectLst>
-              </a14:hiddenEffects>
-            </a:ext>
-          </a:extLst>
+          <a:noFill/>
         </p:spPr>
         <p:txBody>
-          <a:bodyPr vert="horz" wrap="none" lIns="0" tIns="0" rIns="0" bIns="0" numCol="1" anchor="ctr" anchorCtr="0" compatLnSpc="1">
-            <a:prstTxWarp prst="textNoShape">
-              <a:avLst/>
-            </a:prstTxWarp>
+          <a:bodyPr wrap="square" rtlCol="0">
             <a:spAutoFit/>
           </a:bodyPr>
           <a:lstStyle/>
           <a:p>
-            <a:pPr marR="0" lvl="0" algn="l" defTabSz="914400" rtl="0" eaLnBrk="0" fontAlgn="base" latinLnBrk="0" hangingPunct="0">
-              <a:lnSpc>
-                <a:spcPct val="100000"/>
-              </a:lnSpc>
-              <a:spcBef>
-                <a:spcPct val="0"/>
-              </a:spcBef>
-              <a:spcAft>
-                <a:spcPct val="0"/>
-              </a:spcAft>
-              <a:buClrTx/>
-              <a:buSzTx/>
-              <a:buFont typeface="Wingdings" panose="05000000000000000000" pitchFamily="2" charset="2"/>
-              <a:buChar char="Ø"/>
-              <a:tabLst/>
-            </a:pPr>
-            <a:r>
-              <a:rPr kumimoji="0" lang="en-US" altLang="en-US" sz="1000" b="0" i="0" u="none" strike="noStrike" cap="none" normalizeH="0" baseline="0" dirty="0">
-                <a:ln>
-                  <a:noFill/>
-                </a:ln>
-                <a:solidFill>
-                  <a:srgbClr val="0000FF"/>
-                </a:solidFill>
-                <a:effectLst/>
-                <a:latin typeface="Lucida Console" panose="020B0609040504020204" pitchFamily="49" charset="0"/>
-              </a:rPr>
-              <a:t>names(</a:t>
-            </a:r>
-            <a:r>
-              <a:rPr kumimoji="0" lang="en-US" altLang="en-US" sz="1000" b="0" i="0" u="none" strike="noStrike" cap="none" normalizeH="0" baseline="0" dirty="0" err="1">
-                <a:ln>
-                  <a:noFill/>
-                </a:ln>
-                <a:solidFill>
-                  <a:srgbClr val="0000FF"/>
-                </a:solidFill>
-                <a:effectLst/>
-                <a:latin typeface="Lucida Console" panose="020B0609040504020204" pitchFamily="49" charset="0"/>
-              </a:rPr>
-              <a:t>attritionData</a:t>
-            </a:r>
-            <a:r>
-              <a:rPr kumimoji="0" lang="en-US" altLang="en-US" sz="1000" b="0" i="0" u="none" strike="noStrike" cap="none" normalizeH="0" baseline="0" dirty="0">
-                <a:ln>
-                  <a:noFill/>
-                </a:ln>
-                <a:solidFill>
-                  <a:srgbClr val="0000FF"/>
-                </a:solidFill>
-                <a:effectLst/>
-                <a:latin typeface="Lucida Console" panose="020B0609040504020204" pitchFamily="49" charset="0"/>
-              </a:rPr>
-              <a:t>) </a:t>
-            </a:r>
-          </a:p>
-          <a:p>
-            <a:pPr marR="0" lvl="0" algn="l" defTabSz="914400" rtl="0" eaLnBrk="0" fontAlgn="base" latinLnBrk="0" hangingPunct="0">
-              <a:lnSpc>
-                <a:spcPct val="100000"/>
-              </a:lnSpc>
-              <a:spcBef>
-                <a:spcPct val="0"/>
-              </a:spcBef>
-              <a:spcAft>
-                <a:spcPct val="0"/>
-              </a:spcAft>
-              <a:buClrTx/>
-              <a:buSzTx/>
-              <a:buFont typeface="Wingdings" panose="05000000000000000000" pitchFamily="2" charset="2"/>
-              <a:buChar char="Ø"/>
-              <a:tabLst/>
-            </a:pPr>
-            <a:r>
-              <a:rPr kumimoji="0" lang="en-US" altLang="en-US" sz="1000" b="0" i="0" u="none" strike="noStrike" cap="none" normalizeH="0" baseline="0" dirty="0">
-                <a:ln>
-                  <a:noFill/>
-                </a:ln>
-                <a:solidFill>
-                  <a:srgbClr val="000000"/>
-                </a:solidFill>
-                <a:effectLst/>
-                <a:latin typeface="Lucida Console" panose="020B0609040504020204" pitchFamily="49" charset="0"/>
-              </a:rPr>
-              <a:t>[1] "Age" "Attrition" "</a:t>
-            </a:r>
-            <a:r>
-              <a:rPr kumimoji="0" lang="en-US" altLang="en-US" sz="1000" b="0" i="0" u="none" strike="noStrike" cap="none" normalizeH="0" baseline="0" dirty="0" err="1">
-                <a:ln>
-                  <a:noFill/>
-                </a:ln>
-                <a:solidFill>
-                  <a:srgbClr val="000000"/>
-                </a:solidFill>
-                <a:effectLst/>
-                <a:latin typeface="Lucida Console" panose="020B0609040504020204" pitchFamily="49" charset="0"/>
-              </a:rPr>
-              <a:t>BusinessTravel</a:t>
-            </a:r>
-            <a:r>
-              <a:rPr kumimoji="0" lang="en-US" altLang="en-US" sz="1000" b="0" i="0" u="none" strike="noStrike" cap="none" normalizeH="0" baseline="0" dirty="0">
-                <a:ln>
-                  <a:noFill/>
-                </a:ln>
-                <a:solidFill>
-                  <a:srgbClr val="000000"/>
-                </a:solidFill>
-                <a:effectLst/>
-                <a:latin typeface="Lucida Console" panose="020B0609040504020204" pitchFamily="49" charset="0"/>
-              </a:rPr>
-              <a:t>" "</a:t>
-            </a:r>
-            <a:r>
-              <a:rPr kumimoji="0" lang="en-US" altLang="en-US" sz="1000" b="0" i="0" u="none" strike="noStrike" cap="none" normalizeH="0" baseline="0" dirty="0" err="1">
-                <a:ln>
-                  <a:noFill/>
-                </a:ln>
-                <a:solidFill>
-                  <a:srgbClr val="000000"/>
-                </a:solidFill>
-                <a:effectLst/>
-                <a:latin typeface="Lucida Console" panose="020B0609040504020204" pitchFamily="49" charset="0"/>
-              </a:rPr>
-              <a:t>DailyRate</a:t>
-            </a:r>
-            <a:r>
-              <a:rPr kumimoji="0" lang="en-US" altLang="en-US" sz="1000" b="0" i="0" u="none" strike="noStrike" cap="none" normalizeH="0" baseline="0" dirty="0">
-                <a:ln>
-                  <a:noFill/>
-                </a:ln>
-                <a:solidFill>
-                  <a:srgbClr val="000000"/>
-                </a:solidFill>
-                <a:effectLst/>
-                <a:latin typeface="Lucida Console" panose="020B0609040504020204" pitchFamily="49" charset="0"/>
-              </a:rPr>
-              <a:t>" "Department" </a:t>
-            </a:r>
-          </a:p>
-          <a:p>
-            <a:pPr marR="0" lvl="0" algn="l" defTabSz="914400" rtl="0" eaLnBrk="0" fontAlgn="base" latinLnBrk="0" hangingPunct="0">
-              <a:lnSpc>
-                <a:spcPct val="100000"/>
-              </a:lnSpc>
-              <a:spcBef>
-                <a:spcPct val="0"/>
-              </a:spcBef>
-              <a:spcAft>
-                <a:spcPct val="0"/>
-              </a:spcAft>
-              <a:buClrTx/>
-              <a:buSzTx/>
-              <a:buFont typeface="Wingdings" panose="05000000000000000000" pitchFamily="2" charset="2"/>
-              <a:buChar char="Ø"/>
-              <a:tabLst/>
-            </a:pPr>
-            <a:r>
-              <a:rPr kumimoji="0" lang="en-US" altLang="en-US" sz="1000" b="0" i="0" u="none" strike="noStrike" cap="none" normalizeH="0" baseline="0" dirty="0">
-                <a:ln>
-                  <a:noFill/>
-                </a:ln>
-                <a:solidFill>
-                  <a:srgbClr val="000000"/>
-                </a:solidFill>
-                <a:effectLst/>
-                <a:latin typeface="Lucida Console" panose="020B0609040504020204" pitchFamily="49" charset="0"/>
-              </a:rPr>
-              <a:t>[6] "</a:t>
-            </a:r>
-            <a:r>
-              <a:rPr kumimoji="0" lang="en-US" altLang="en-US" sz="1000" b="0" i="0" u="none" strike="noStrike" cap="none" normalizeH="0" baseline="0" dirty="0" err="1">
-                <a:ln>
-                  <a:noFill/>
-                </a:ln>
-                <a:solidFill>
-                  <a:srgbClr val="000000"/>
-                </a:solidFill>
-                <a:effectLst/>
-                <a:latin typeface="Lucida Console" panose="020B0609040504020204" pitchFamily="49" charset="0"/>
-              </a:rPr>
-              <a:t>DistanceFromHome</a:t>
-            </a:r>
-            <a:r>
-              <a:rPr kumimoji="0" lang="en-US" altLang="en-US" sz="1000" b="0" i="0" u="none" strike="noStrike" cap="none" normalizeH="0" baseline="0" dirty="0">
-                <a:ln>
-                  <a:noFill/>
-                </a:ln>
-                <a:solidFill>
-                  <a:srgbClr val="000000"/>
-                </a:solidFill>
-                <a:effectLst/>
-                <a:latin typeface="Lucida Console" panose="020B0609040504020204" pitchFamily="49" charset="0"/>
-              </a:rPr>
-              <a:t>" "Education" "</a:t>
-            </a:r>
-            <a:r>
-              <a:rPr kumimoji="0" lang="en-US" altLang="en-US" sz="1000" b="0" i="0" u="none" strike="noStrike" cap="none" normalizeH="0" baseline="0" dirty="0" err="1">
-                <a:ln>
-                  <a:noFill/>
-                </a:ln>
-                <a:solidFill>
-                  <a:srgbClr val="000000"/>
-                </a:solidFill>
-                <a:effectLst/>
-                <a:latin typeface="Lucida Console" panose="020B0609040504020204" pitchFamily="49" charset="0"/>
-              </a:rPr>
-              <a:t>EducationField</a:t>
-            </a:r>
-            <a:r>
-              <a:rPr kumimoji="0" lang="en-US" altLang="en-US" sz="1000" b="0" i="0" u="none" strike="noStrike" cap="none" normalizeH="0" baseline="0" dirty="0">
-                <a:ln>
-                  <a:noFill/>
-                </a:ln>
-                <a:solidFill>
-                  <a:srgbClr val="000000"/>
-                </a:solidFill>
-                <a:effectLst/>
-                <a:latin typeface="Lucida Console" panose="020B0609040504020204" pitchFamily="49" charset="0"/>
-              </a:rPr>
-              <a:t>" "</a:t>
-            </a:r>
-            <a:r>
-              <a:rPr kumimoji="0" lang="en-US" altLang="en-US" sz="1000" b="0" i="0" u="none" strike="noStrike" cap="none" normalizeH="0" baseline="0" dirty="0" err="1">
-                <a:ln>
-                  <a:noFill/>
-                </a:ln>
-                <a:solidFill>
-                  <a:srgbClr val="000000"/>
-                </a:solidFill>
-                <a:effectLst/>
-                <a:latin typeface="Lucida Console" panose="020B0609040504020204" pitchFamily="49" charset="0"/>
-              </a:rPr>
-              <a:t>EmployeeCount</a:t>
-            </a:r>
-            <a:r>
-              <a:rPr kumimoji="0" lang="en-US" altLang="en-US" sz="1000" b="0" i="0" u="none" strike="noStrike" cap="none" normalizeH="0" baseline="0" dirty="0">
-                <a:ln>
-                  <a:noFill/>
-                </a:ln>
-                <a:solidFill>
-                  <a:srgbClr val="000000"/>
-                </a:solidFill>
-                <a:effectLst/>
-                <a:latin typeface="Lucida Console" panose="020B0609040504020204" pitchFamily="49" charset="0"/>
-              </a:rPr>
-              <a:t>" "</a:t>
-            </a:r>
-            <a:r>
-              <a:rPr kumimoji="0" lang="en-US" altLang="en-US" sz="1000" b="0" i="0" u="none" strike="noStrike" cap="none" normalizeH="0" baseline="0" dirty="0" err="1">
-                <a:ln>
-                  <a:noFill/>
-                </a:ln>
-                <a:solidFill>
-                  <a:srgbClr val="000000"/>
-                </a:solidFill>
-                <a:effectLst/>
-                <a:latin typeface="Lucida Console" panose="020B0609040504020204" pitchFamily="49" charset="0"/>
-              </a:rPr>
-              <a:t>EmployeeNumber</a:t>
-            </a:r>
-            <a:r>
-              <a:rPr kumimoji="0" lang="en-US" altLang="en-US" sz="1000" b="0" i="0" u="none" strike="noStrike" cap="none" normalizeH="0" baseline="0" dirty="0">
-                <a:ln>
-                  <a:noFill/>
-                </a:ln>
-                <a:solidFill>
-                  <a:srgbClr val="000000"/>
-                </a:solidFill>
-                <a:effectLst/>
-                <a:latin typeface="Lucida Console" panose="020B0609040504020204" pitchFamily="49" charset="0"/>
-              </a:rPr>
-              <a:t>" </a:t>
-            </a:r>
-          </a:p>
-          <a:p>
-            <a:pPr marR="0" lvl="0" algn="l" defTabSz="914400" rtl="0" eaLnBrk="0" fontAlgn="base" latinLnBrk="0" hangingPunct="0">
-              <a:lnSpc>
-                <a:spcPct val="100000"/>
-              </a:lnSpc>
-              <a:spcBef>
-                <a:spcPct val="0"/>
-              </a:spcBef>
-              <a:spcAft>
-                <a:spcPct val="0"/>
-              </a:spcAft>
-              <a:buClrTx/>
-              <a:buSzTx/>
-              <a:buFont typeface="Wingdings" panose="05000000000000000000" pitchFamily="2" charset="2"/>
-              <a:buChar char="Ø"/>
-              <a:tabLst/>
-            </a:pPr>
-            <a:r>
-              <a:rPr kumimoji="0" lang="en-US" altLang="en-US" sz="1000" b="0" i="0" u="none" strike="noStrike" cap="none" normalizeH="0" baseline="0" dirty="0">
-                <a:ln>
-                  <a:noFill/>
-                </a:ln>
-                <a:solidFill>
-                  <a:srgbClr val="000000"/>
-                </a:solidFill>
-                <a:effectLst/>
-                <a:latin typeface="Lucida Console" panose="020B0609040504020204" pitchFamily="49" charset="0"/>
-              </a:rPr>
-              <a:t>[11] "</a:t>
-            </a:r>
-            <a:r>
-              <a:rPr kumimoji="0" lang="en-US" altLang="en-US" sz="1000" b="0" i="0" u="none" strike="noStrike" cap="none" normalizeH="0" baseline="0" dirty="0" err="1">
-                <a:ln>
-                  <a:noFill/>
-                </a:ln>
-                <a:solidFill>
-                  <a:srgbClr val="000000"/>
-                </a:solidFill>
-                <a:effectLst/>
-                <a:latin typeface="Lucida Console" panose="020B0609040504020204" pitchFamily="49" charset="0"/>
-              </a:rPr>
-              <a:t>EnvironmentSatisfaction</a:t>
-            </a:r>
-            <a:r>
-              <a:rPr kumimoji="0" lang="en-US" altLang="en-US" sz="1000" b="0" i="0" u="none" strike="noStrike" cap="none" normalizeH="0" baseline="0" dirty="0">
-                <a:ln>
-                  <a:noFill/>
-                </a:ln>
-                <a:solidFill>
-                  <a:srgbClr val="000000"/>
-                </a:solidFill>
-                <a:effectLst/>
-                <a:latin typeface="Lucida Console" panose="020B0609040504020204" pitchFamily="49" charset="0"/>
-              </a:rPr>
-              <a:t>" "Gender" "</a:t>
-            </a:r>
-            <a:r>
-              <a:rPr kumimoji="0" lang="en-US" altLang="en-US" sz="1000" b="0" i="0" u="none" strike="noStrike" cap="none" normalizeH="0" baseline="0" dirty="0" err="1">
-                <a:ln>
-                  <a:noFill/>
-                </a:ln>
-                <a:solidFill>
-                  <a:srgbClr val="000000"/>
-                </a:solidFill>
-                <a:effectLst/>
-                <a:latin typeface="Lucida Console" panose="020B0609040504020204" pitchFamily="49" charset="0"/>
-              </a:rPr>
-              <a:t>HourlyRate</a:t>
-            </a:r>
-            <a:r>
-              <a:rPr kumimoji="0" lang="en-US" altLang="en-US" sz="1000" b="0" i="0" u="none" strike="noStrike" cap="none" normalizeH="0" baseline="0" dirty="0">
-                <a:ln>
-                  <a:noFill/>
-                </a:ln>
-                <a:solidFill>
-                  <a:srgbClr val="000000"/>
-                </a:solidFill>
-                <a:effectLst/>
-                <a:latin typeface="Lucida Console" panose="020B0609040504020204" pitchFamily="49" charset="0"/>
-              </a:rPr>
-              <a:t>" "</a:t>
-            </a:r>
-            <a:r>
-              <a:rPr kumimoji="0" lang="en-US" altLang="en-US" sz="1000" b="0" i="0" u="none" strike="noStrike" cap="none" normalizeH="0" baseline="0" dirty="0" err="1">
-                <a:ln>
-                  <a:noFill/>
-                </a:ln>
-                <a:solidFill>
-                  <a:srgbClr val="000000"/>
-                </a:solidFill>
-                <a:effectLst/>
-                <a:latin typeface="Lucida Console" panose="020B0609040504020204" pitchFamily="49" charset="0"/>
-              </a:rPr>
-              <a:t>JobInvolvement</a:t>
-            </a:r>
-            <a:r>
-              <a:rPr kumimoji="0" lang="en-US" altLang="en-US" sz="1000" b="0" i="0" u="none" strike="noStrike" cap="none" normalizeH="0" baseline="0" dirty="0">
-                <a:ln>
-                  <a:noFill/>
-                </a:ln>
-                <a:solidFill>
-                  <a:srgbClr val="000000"/>
-                </a:solidFill>
-                <a:effectLst/>
-                <a:latin typeface="Lucida Console" panose="020B0609040504020204" pitchFamily="49" charset="0"/>
-              </a:rPr>
-              <a:t>" "</a:t>
-            </a:r>
-            <a:r>
-              <a:rPr kumimoji="0" lang="en-US" altLang="en-US" sz="1000" b="0" i="0" u="none" strike="noStrike" cap="none" normalizeH="0" baseline="0" dirty="0" err="1">
-                <a:ln>
-                  <a:noFill/>
-                </a:ln>
-                <a:solidFill>
-                  <a:srgbClr val="000000"/>
-                </a:solidFill>
-                <a:effectLst/>
-                <a:latin typeface="Lucida Console" panose="020B0609040504020204" pitchFamily="49" charset="0"/>
-              </a:rPr>
-              <a:t>JobLevel</a:t>
-            </a:r>
-            <a:r>
-              <a:rPr kumimoji="0" lang="en-US" altLang="en-US" sz="1000" b="0" i="0" u="none" strike="noStrike" cap="none" normalizeH="0" baseline="0" dirty="0">
-                <a:ln>
-                  <a:noFill/>
-                </a:ln>
-                <a:solidFill>
-                  <a:srgbClr val="000000"/>
-                </a:solidFill>
-                <a:effectLst/>
-                <a:latin typeface="Lucida Console" panose="020B0609040504020204" pitchFamily="49" charset="0"/>
-              </a:rPr>
-              <a:t>" </a:t>
-            </a:r>
-          </a:p>
-          <a:p>
-            <a:pPr marR="0" lvl="0" algn="l" defTabSz="914400" rtl="0" eaLnBrk="0" fontAlgn="base" latinLnBrk="0" hangingPunct="0">
-              <a:lnSpc>
-                <a:spcPct val="100000"/>
-              </a:lnSpc>
-              <a:spcBef>
-                <a:spcPct val="0"/>
-              </a:spcBef>
-              <a:spcAft>
-                <a:spcPct val="0"/>
-              </a:spcAft>
-              <a:buClrTx/>
-              <a:buSzTx/>
-              <a:buFont typeface="Wingdings" panose="05000000000000000000" pitchFamily="2" charset="2"/>
-              <a:buChar char="Ø"/>
-              <a:tabLst/>
-            </a:pPr>
-            <a:r>
-              <a:rPr kumimoji="0" lang="en-US" altLang="en-US" sz="1000" b="0" i="0" u="none" strike="noStrike" cap="none" normalizeH="0" baseline="0" dirty="0">
-                <a:ln>
-                  <a:noFill/>
-                </a:ln>
-                <a:solidFill>
-                  <a:srgbClr val="000000"/>
-                </a:solidFill>
-                <a:effectLst/>
-                <a:latin typeface="Lucida Console" panose="020B0609040504020204" pitchFamily="49" charset="0"/>
-              </a:rPr>
-              <a:t>[16] "</a:t>
-            </a:r>
-            <a:r>
-              <a:rPr kumimoji="0" lang="en-US" altLang="en-US" sz="1000" b="0" i="0" u="none" strike="noStrike" cap="none" normalizeH="0" baseline="0" dirty="0" err="1">
-                <a:ln>
-                  <a:noFill/>
-                </a:ln>
-                <a:solidFill>
-                  <a:srgbClr val="000000"/>
-                </a:solidFill>
-                <a:effectLst/>
-                <a:latin typeface="Lucida Console" panose="020B0609040504020204" pitchFamily="49" charset="0"/>
-              </a:rPr>
-              <a:t>JobRole</a:t>
-            </a:r>
-            <a:r>
-              <a:rPr kumimoji="0" lang="en-US" altLang="en-US" sz="1000" b="0" i="0" u="none" strike="noStrike" cap="none" normalizeH="0" baseline="0" dirty="0">
-                <a:ln>
-                  <a:noFill/>
-                </a:ln>
-                <a:solidFill>
-                  <a:srgbClr val="000000"/>
-                </a:solidFill>
-                <a:effectLst/>
-                <a:latin typeface="Lucida Console" panose="020B0609040504020204" pitchFamily="49" charset="0"/>
-              </a:rPr>
-              <a:t>" "</a:t>
-            </a:r>
-            <a:r>
-              <a:rPr kumimoji="0" lang="en-US" altLang="en-US" sz="1000" b="0" i="0" u="none" strike="noStrike" cap="none" normalizeH="0" baseline="0" dirty="0" err="1">
-                <a:ln>
-                  <a:noFill/>
-                </a:ln>
-                <a:solidFill>
-                  <a:srgbClr val="000000"/>
-                </a:solidFill>
-                <a:effectLst/>
-                <a:latin typeface="Lucida Console" panose="020B0609040504020204" pitchFamily="49" charset="0"/>
-              </a:rPr>
-              <a:t>JobSatisfaction</a:t>
-            </a:r>
-            <a:r>
-              <a:rPr kumimoji="0" lang="en-US" altLang="en-US" sz="1000" b="0" i="0" u="none" strike="noStrike" cap="none" normalizeH="0" baseline="0" dirty="0">
-                <a:ln>
-                  <a:noFill/>
-                </a:ln>
-                <a:solidFill>
-                  <a:srgbClr val="000000"/>
-                </a:solidFill>
-                <a:effectLst/>
-                <a:latin typeface="Lucida Console" panose="020B0609040504020204" pitchFamily="49" charset="0"/>
-              </a:rPr>
-              <a:t>" "</a:t>
-            </a:r>
-            <a:r>
-              <a:rPr kumimoji="0" lang="en-US" altLang="en-US" sz="1000" b="0" i="0" u="none" strike="noStrike" cap="none" normalizeH="0" baseline="0" dirty="0" err="1">
-                <a:ln>
-                  <a:noFill/>
-                </a:ln>
-                <a:solidFill>
-                  <a:srgbClr val="000000"/>
-                </a:solidFill>
-                <a:effectLst/>
-                <a:latin typeface="Lucida Console" panose="020B0609040504020204" pitchFamily="49" charset="0"/>
-              </a:rPr>
-              <a:t>MaritalStatus</a:t>
-            </a:r>
-            <a:r>
-              <a:rPr kumimoji="0" lang="en-US" altLang="en-US" sz="1000" b="0" i="0" u="none" strike="noStrike" cap="none" normalizeH="0" baseline="0" dirty="0">
-                <a:ln>
-                  <a:noFill/>
-                </a:ln>
-                <a:solidFill>
-                  <a:srgbClr val="000000"/>
-                </a:solidFill>
-                <a:effectLst/>
-                <a:latin typeface="Lucida Console" panose="020B0609040504020204" pitchFamily="49" charset="0"/>
-              </a:rPr>
-              <a:t>" "</a:t>
-            </a:r>
-            <a:r>
-              <a:rPr kumimoji="0" lang="en-US" altLang="en-US" sz="1000" b="0" i="0" u="none" strike="noStrike" cap="none" normalizeH="0" baseline="0" dirty="0" err="1">
-                <a:ln>
-                  <a:noFill/>
-                </a:ln>
-                <a:solidFill>
-                  <a:srgbClr val="000000"/>
-                </a:solidFill>
-                <a:effectLst/>
-                <a:latin typeface="Lucida Console" panose="020B0609040504020204" pitchFamily="49" charset="0"/>
-              </a:rPr>
-              <a:t>MonthlyIncome</a:t>
-            </a:r>
-            <a:r>
-              <a:rPr kumimoji="0" lang="en-US" altLang="en-US" sz="1000" b="0" i="0" u="none" strike="noStrike" cap="none" normalizeH="0" baseline="0" dirty="0">
-                <a:ln>
-                  <a:noFill/>
-                </a:ln>
-                <a:solidFill>
-                  <a:srgbClr val="000000"/>
-                </a:solidFill>
-                <a:effectLst/>
-                <a:latin typeface="Lucida Console" panose="020B0609040504020204" pitchFamily="49" charset="0"/>
-              </a:rPr>
-              <a:t>" "</a:t>
-            </a:r>
-            <a:r>
-              <a:rPr kumimoji="0" lang="en-US" altLang="en-US" sz="1000" b="0" i="0" u="none" strike="noStrike" cap="none" normalizeH="0" baseline="0" dirty="0" err="1">
-                <a:ln>
-                  <a:noFill/>
-                </a:ln>
-                <a:solidFill>
-                  <a:srgbClr val="000000"/>
-                </a:solidFill>
-                <a:effectLst/>
-                <a:latin typeface="Lucida Console" panose="020B0609040504020204" pitchFamily="49" charset="0"/>
-              </a:rPr>
-              <a:t>MonthlyRate</a:t>
-            </a:r>
-            <a:r>
-              <a:rPr kumimoji="0" lang="en-US" altLang="en-US" sz="1000" b="0" i="0" u="none" strike="noStrike" cap="none" normalizeH="0" baseline="0" dirty="0">
-                <a:ln>
-                  <a:noFill/>
-                </a:ln>
-                <a:solidFill>
-                  <a:srgbClr val="000000"/>
-                </a:solidFill>
-                <a:effectLst/>
-                <a:latin typeface="Lucida Console" panose="020B0609040504020204" pitchFamily="49" charset="0"/>
-              </a:rPr>
-              <a:t>" </a:t>
-            </a:r>
-          </a:p>
-          <a:p>
-            <a:pPr marR="0" lvl="0" algn="l" defTabSz="914400" rtl="0" eaLnBrk="0" fontAlgn="base" latinLnBrk="0" hangingPunct="0">
-              <a:lnSpc>
-                <a:spcPct val="100000"/>
-              </a:lnSpc>
-              <a:spcBef>
-                <a:spcPct val="0"/>
-              </a:spcBef>
-              <a:spcAft>
-                <a:spcPct val="0"/>
-              </a:spcAft>
-              <a:buClrTx/>
-              <a:buSzTx/>
-              <a:buFont typeface="Wingdings" panose="05000000000000000000" pitchFamily="2" charset="2"/>
-              <a:buChar char="Ø"/>
-              <a:tabLst/>
-            </a:pPr>
-            <a:r>
-              <a:rPr kumimoji="0" lang="en-US" altLang="en-US" sz="1000" b="0" i="0" u="none" strike="noStrike" cap="none" normalizeH="0" baseline="0" dirty="0">
-                <a:ln>
-                  <a:noFill/>
-                </a:ln>
-                <a:solidFill>
-                  <a:srgbClr val="000000"/>
-                </a:solidFill>
-                <a:effectLst/>
-                <a:latin typeface="Lucida Console" panose="020B0609040504020204" pitchFamily="49" charset="0"/>
-              </a:rPr>
-              <a:t>[21] "</a:t>
-            </a:r>
-            <a:r>
-              <a:rPr kumimoji="0" lang="en-US" altLang="en-US" sz="1000" b="0" i="0" u="none" strike="noStrike" cap="none" normalizeH="0" baseline="0" dirty="0" err="1">
-                <a:ln>
-                  <a:noFill/>
-                </a:ln>
-                <a:solidFill>
-                  <a:srgbClr val="000000"/>
-                </a:solidFill>
-                <a:effectLst/>
-                <a:latin typeface="Lucida Console" panose="020B0609040504020204" pitchFamily="49" charset="0"/>
-              </a:rPr>
-              <a:t>NumCompaniesWorked</a:t>
-            </a:r>
-            <a:r>
-              <a:rPr kumimoji="0" lang="en-US" altLang="en-US" sz="1000" b="0" i="0" u="none" strike="noStrike" cap="none" normalizeH="0" baseline="0" dirty="0">
-                <a:ln>
-                  <a:noFill/>
-                </a:ln>
-                <a:solidFill>
-                  <a:srgbClr val="000000"/>
-                </a:solidFill>
-                <a:effectLst/>
-                <a:latin typeface="Lucida Console" panose="020B0609040504020204" pitchFamily="49" charset="0"/>
-              </a:rPr>
-              <a:t>" "Over18" "</a:t>
-            </a:r>
-            <a:r>
-              <a:rPr kumimoji="0" lang="en-US" altLang="en-US" sz="1000" b="0" i="0" u="none" strike="noStrike" cap="none" normalizeH="0" baseline="0" dirty="0" err="1">
-                <a:ln>
-                  <a:noFill/>
-                </a:ln>
-                <a:solidFill>
-                  <a:srgbClr val="000000"/>
-                </a:solidFill>
-                <a:effectLst/>
-                <a:latin typeface="Lucida Console" panose="020B0609040504020204" pitchFamily="49" charset="0"/>
-              </a:rPr>
-              <a:t>OverTime</a:t>
-            </a:r>
-            <a:r>
-              <a:rPr kumimoji="0" lang="en-US" altLang="en-US" sz="1000" b="0" i="0" u="none" strike="noStrike" cap="none" normalizeH="0" baseline="0" dirty="0">
-                <a:ln>
-                  <a:noFill/>
-                </a:ln>
-                <a:solidFill>
-                  <a:srgbClr val="000000"/>
-                </a:solidFill>
-                <a:effectLst/>
-                <a:latin typeface="Lucida Console" panose="020B0609040504020204" pitchFamily="49" charset="0"/>
-              </a:rPr>
-              <a:t>" "</a:t>
-            </a:r>
-            <a:r>
-              <a:rPr kumimoji="0" lang="en-US" altLang="en-US" sz="1000" b="0" i="0" u="none" strike="noStrike" cap="none" normalizeH="0" baseline="0" dirty="0" err="1">
-                <a:ln>
-                  <a:noFill/>
-                </a:ln>
-                <a:solidFill>
-                  <a:srgbClr val="000000"/>
-                </a:solidFill>
-                <a:effectLst/>
-                <a:latin typeface="Lucida Console" panose="020B0609040504020204" pitchFamily="49" charset="0"/>
-              </a:rPr>
-              <a:t>PercentSalaryHike</a:t>
-            </a:r>
-            <a:r>
-              <a:rPr kumimoji="0" lang="en-US" altLang="en-US" sz="1000" b="0" i="0" u="none" strike="noStrike" cap="none" normalizeH="0" baseline="0" dirty="0">
-                <a:ln>
-                  <a:noFill/>
-                </a:ln>
-                <a:solidFill>
-                  <a:srgbClr val="000000"/>
-                </a:solidFill>
-                <a:effectLst/>
-                <a:latin typeface="Lucida Console" panose="020B0609040504020204" pitchFamily="49" charset="0"/>
-              </a:rPr>
-              <a:t>" "</a:t>
-            </a:r>
-            <a:r>
-              <a:rPr kumimoji="0" lang="en-US" altLang="en-US" sz="1000" b="0" i="0" u="none" strike="noStrike" cap="none" normalizeH="0" baseline="0" dirty="0" err="1">
-                <a:ln>
-                  <a:noFill/>
-                </a:ln>
-                <a:solidFill>
-                  <a:srgbClr val="000000"/>
-                </a:solidFill>
-                <a:effectLst/>
-                <a:latin typeface="Lucida Console" panose="020B0609040504020204" pitchFamily="49" charset="0"/>
-              </a:rPr>
-              <a:t>PerformanceRating</a:t>
-            </a:r>
-            <a:r>
-              <a:rPr kumimoji="0" lang="en-US" altLang="en-US" sz="1000" b="0" i="0" u="none" strike="noStrike" cap="none" normalizeH="0" baseline="0" dirty="0">
-                <a:ln>
-                  <a:noFill/>
-                </a:ln>
-                <a:solidFill>
-                  <a:srgbClr val="000000"/>
-                </a:solidFill>
-                <a:effectLst/>
-                <a:latin typeface="Lucida Console" panose="020B0609040504020204" pitchFamily="49" charset="0"/>
-              </a:rPr>
-              <a:t>" </a:t>
-            </a:r>
-          </a:p>
-          <a:p>
-            <a:pPr marR="0" lvl="0" algn="l" defTabSz="914400" rtl="0" eaLnBrk="0" fontAlgn="base" latinLnBrk="0" hangingPunct="0">
-              <a:lnSpc>
-                <a:spcPct val="100000"/>
-              </a:lnSpc>
-              <a:spcBef>
-                <a:spcPct val="0"/>
-              </a:spcBef>
-              <a:spcAft>
-                <a:spcPct val="0"/>
-              </a:spcAft>
-              <a:buClrTx/>
-              <a:buSzTx/>
-              <a:buFont typeface="Wingdings" panose="05000000000000000000" pitchFamily="2" charset="2"/>
-              <a:buChar char="Ø"/>
-              <a:tabLst/>
-            </a:pPr>
-            <a:r>
-              <a:rPr kumimoji="0" lang="en-US" altLang="en-US" sz="1000" b="0" i="0" u="none" strike="noStrike" cap="none" normalizeH="0" baseline="0" dirty="0">
-                <a:ln>
-                  <a:noFill/>
-                </a:ln>
-                <a:solidFill>
-                  <a:srgbClr val="000000"/>
-                </a:solidFill>
-                <a:effectLst/>
-                <a:latin typeface="Lucida Console" panose="020B0609040504020204" pitchFamily="49" charset="0"/>
-              </a:rPr>
-              <a:t>[26] "</a:t>
-            </a:r>
-            <a:r>
-              <a:rPr kumimoji="0" lang="en-US" altLang="en-US" sz="1000" b="0" i="0" u="none" strike="noStrike" cap="none" normalizeH="0" baseline="0" dirty="0" err="1">
-                <a:ln>
-                  <a:noFill/>
-                </a:ln>
-                <a:solidFill>
-                  <a:srgbClr val="000000"/>
-                </a:solidFill>
-                <a:effectLst/>
-                <a:latin typeface="Lucida Console" panose="020B0609040504020204" pitchFamily="49" charset="0"/>
-              </a:rPr>
-              <a:t>RelationshipSatisfaction</a:t>
-            </a:r>
-            <a:r>
-              <a:rPr kumimoji="0" lang="en-US" altLang="en-US" sz="1000" b="0" i="0" u="none" strike="noStrike" cap="none" normalizeH="0" baseline="0" dirty="0">
-                <a:ln>
-                  <a:noFill/>
-                </a:ln>
-                <a:solidFill>
-                  <a:srgbClr val="000000"/>
-                </a:solidFill>
-                <a:effectLst/>
-                <a:latin typeface="Lucida Console" panose="020B0609040504020204" pitchFamily="49" charset="0"/>
-              </a:rPr>
-              <a:t>" "</a:t>
-            </a:r>
-            <a:r>
-              <a:rPr kumimoji="0" lang="en-US" altLang="en-US" sz="1000" b="0" i="0" u="none" strike="noStrike" cap="none" normalizeH="0" baseline="0" dirty="0" err="1">
-                <a:ln>
-                  <a:noFill/>
-                </a:ln>
-                <a:solidFill>
-                  <a:srgbClr val="000000"/>
-                </a:solidFill>
-                <a:effectLst/>
-                <a:latin typeface="Lucida Console" panose="020B0609040504020204" pitchFamily="49" charset="0"/>
-              </a:rPr>
-              <a:t>StandardHours</a:t>
-            </a:r>
-            <a:r>
-              <a:rPr kumimoji="0" lang="en-US" altLang="en-US" sz="1000" b="0" i="0" u="none" strike="noStrike" cap="none" normalizeH="0" baseline="0" dirty="0">
-                <a:ln>
-                  <a:noFill/>
-                </a:ln>
-                <a:solidFill>
-                  <a:srgbClr val="000000"/>
-                </a:solidFill>
-                <a:effectLst/>
-                <a:latin typeface="Lucida Console" panose="020B0609040504020204" pitchFamily="49" charset="0"/>
-              </a:rPr>
-              <a:t>" "</a:t>
-            </a:r>
-            <a:r>
-              <a:rPr kumimoji="0" lang="en-US" altLang="en-US" sz="1000" b="0" i="0" u="none" strike="noStrike" cap="none" normalizeH="0" baseline="0" dirty="0" err="1">
-                <a:ln>
-                  <a:noFill/>
-                </a:ln>
-                <a:solidFill>
-                  <a:srgbClr val="000000"/>
-                </a:solidFill>
-                <a:effectLst/>
-                <a:latin typeface="Lucida Console" panose="020B0609040504020204" pitchFamily="49" charset="0"/>
-              </a:rPr>
-              <a:t>StockOptionLevel</a:t>
-            </a:r>
-            <a:r>
-              <a:rPr kumimoji="0" lang="en-US" altLang="en-US" sz="1000" b="0" i="0" u="none" strike="noStrike" cap="none" normalizeH="0" baseline="0" dirty="0">
-                <a:ln>
-                  <a:noFill/>
-                </a:ln>
-                <a:solidFill>
-                  <a:srgbClr val="000000"/>
-                </a:solidFill>
-                <a:effectLst/>
-                <a:latin typeface="Lucida Console" panose="020B0609040504020204" pitchFamily="49" charset="0"/>
-              </a:rPr>
-              <a:t>" "</a:t>
-            </a:r>
-            <a:r>
-              <a:rPr kumimoji="0" lang="en-US" altLang="en-US" sz="1000" b="0" i="0" u="none" strike="noStrike" cap="none" normalizeH="0" baseline="0" dirty="0" err="1">
-                <a:ln>
-                  <a:noFill/>
-                </a:ln>
-                <a:solidFill>
-                  <a:srgbClr val="000000"/>
-                </a:solidFill>
-                <a:effectLst/>
-                <a:latin typeface="Lucida Console" panose="020B0609040504020204" pitchFamily="49" charset="0"/>
-              </a:rPr>
-              <a:t>TotalWorkingYears</a:t>
-            </a:r>
-            <a:r>
-              <a:rPr kumimoji="0" lang="en-US" altLang="en-US" sz="1000" b="0" i="0" u="none" strike="noStrike" cap="none" normalizeH="0" baseline="0" dirty="0">
-                <a:ln>
-                  <a:noFill/>
-                </a:ln>
-                <a:solidFill>
-                  <a:srgbClr val="000000"/>
-                </a:solidFill>
-                <a:effectLst/>
-                <a:latin typeface="Lucida Console" panose="020B0609040504020204" pitchFamily="49" charset="0"/>
-              </a:rPr>
-              <a:t>" "</a:t>
-            </a:r>
-            <a:r>
-              <a:rPr kumimoji="0" lang="en-US" altLang="en-US" sz="1000" b="0" i="0" u="none" strike="noStrike" cap="none" normalizeH="0" baseline="0" dirty="0" err="1">
-                <a:ln>
-                  <a:noFill/>
-                </a:ln>
-                <a:solidFill>
-                  <a:srgbClr val="000000"/>
-                </a:solidFill>
-                <a:effectLst/>
-                <a:latin typeface="Lucida Console" panose="020B0609040504020204" pitchFamily="49" charset="0"/>
-              </a:rPr>
-              <a:t>TrainingTimesLastYear</a:t>
-            </a:r>
-            <a:r>
-              <a:rPr kumimoji="0" lang="en-US" altLang="en-US" sz="1000" b="0" i="0" u="none" strike="noStrike" cap="none" normalizeH="0" baseline="0" dirty="0">
-                <a:ln>
-                  <a:noFill/>
-                </a:ln>
-                <a:solidFill>
-                  <a:srgbClr val="000000"/>
-                </a:solidFill>
-                <a:effectLst/>
-                <a:latin typeface="Lucida Console" panose="020B0609040504020204" pitchFamily="49" charset="0"/>
-              </a:rPr>
-              <a:t>" </a:t>
-            </a:r>
-          </a:p>
-          <a:p>
-            <a:pPr marR="0" lvl="0" algn="l" defTabSz="914400" rtl="0" eaLnBrk="0" fontAlgn="base" latinLnBrk="0" hangingPunct="0">
-              <a:lnSpc>
-                <a:spcPct val="100000"/>
-              </a:lnSpc>
-              <a:spcBef>
-                <a:spcPct val="0"/>
-              </a:spcBef>
-              <a:spcAft>
-                <a:spcPct val="0"/>
-              </a:spcAft>
-              <a:buClrTx/>
-              <a:buSzTx/>
-              <a:buFont typeface="Wingdings" panose="05000000000000000000" pitchFamily="2" charset="2"/>
-              <a:buChar char="Ø"/>
-              <a:tabLst/>
-            </a:pPr>
-            <a:r>
-              <a:rPr kumimoji="0" lang="en-US" altLang="en-US" sz="1000" b="0" i="0" u="none" strike="noStrike" cap="none" normalizeH="0" baseline="0" dirty="0">
-                <a:ln>
-                  <a:noFill/>
-                </a:ln>
-                <a:solidFill>
-                  <a:srgbClr val="000000"/>
-                </a:solidFill>
-                <a:effectLst/>
-                <a:latin typeface="Lucida Console" panose="020B0609040504020204" pitchFamily="49" charset="0"/>
-              </a:rPr>
-              <a:t>[31] "</a:t>
-            </a:r>
-            <a:r>
-              <a:rPr kumimoji="0" lang="en-US" altLang="en-US" sz="1000" b="0" i="0" u="none" strike="noStrike" cap="none" normalizeH="0" baseline="0" dirty="0" err="1">
-                <a:ln>
-                  <a:noFill/>
-                </a:ln>
-                <a:solidFill>
-                  <a:srgbClr val="000000"/>
-                </a:solidFill>
-                <a:effectLst/>
-                <a:latin typeface="Lucida Console" panose="020B0609040504020204" pitchFamily="49" charset="0"/>
-              </a:rPr>
-              <a:t>WorkLifeBalance</a:t>
-            </a:r>
-            <a:r>
-              <a:rPr kumimoji="0" lang="en-US" altLang="en-US" sz="1000" b="0" i="0" u="none" strike="noStrike" cap="none" normalizeH="0" baseline="0" dirty="0">
-                <a:ln>
-                  <a:noFill/>
-                </a:ln>
-                <a:solidFill>
-                  <a:srgbClr val="000000"/>
-                </a:solidFill>
-                <a:effectLst/>
-                <a:latin typeface="Lucida Console" panose="020B0609040504020204" pitchFamily="49" charset="0"/>
-              </a:rPr>
-              <a:t>" "</a:t>
-            </a:r>
-            <a:r>
-              <a:rPr kumimoji="0" lang="en-US" altLang="en-US" sz="1000" b="0" i="0" u="none" strike="noStrike" cap="none" normalizeH="0" baseline="0" dirty="0" err="1">
-                <a:ln>
-                  <a:noFill/>
-                </a:ln>
-                <a:solidFill>
-                  <a:srgbClr val="000000"/>
-                </a:solidFill>
-                <a:effectLst/>
-                <a:latin typeface="Lucida Console" panose="020B0609040504020204" pitchFamily="49" charset="0"/>
-              </a:rPr>
-              <a:t>YearsAtCompany</a:t>
-            </a:r>
-            <a:r>
-              <a:rPr kumimoji="0" lang="en-US" altLang="en-US" sz="1000" b="0" i="0" u="none" strike="noStrike" cap="none" normalizeH="0" baseline="0" dirty="0">
-                <a:ln>
-                  <a:noFill/>
-                </a:ln>
-                <a:solidFill>
-                  <a:srgbClr val="000000"/>
-                </a:solidFill>
-                <a:effectLst/>
-                <a:latin typeface="Lucida Console" panose="020B0609040504020204" pitchFamily="49" charset="0"/>
-              </a:rPr>
-              <a:t>" "</a:t>
-            </a:r>
-            <a:r>
-              <a:rPr kumimoji="0" lang="en-US" altLang="en-US" sz="1000" b="0" i="0" u="none" strike="noStrike" cap="none" normalizeH="0" baseline="0" dirty="0" err="1">
-                <a:ln>
-                  <a:noFill/>
-                </a:ln>
-                <a:solidFill>
-                  <a:srgbClr val="000000"/>
-                </a:solidFill>
-                <a:effectLst/>
-                <a:latin typeface="Lucida Console" panose="020B0609040504020204" pitchFamily="49" charset="0"/>
-              </a:rPr>
-              <a:t>YearsInCurrentRole</a:t>
-            </a:r>
-            <a:r>
-              <a:rPr kumimoji="0" lang="en-US" altLang="en-US" sz="1000" b="0" i="0" u="none" strike="noStrike" cap="none" normalizeH="0" baseline="0" dirty="0">
-                <a:ln>
-                  <a:noFill/>
-                </a:ln>
-                <a:solidFill>
-                  <a:srgbClr val="000000"/>
-                </a:solidFill>
-                <a:effectLst/>
-                <a:latin typeface="Lucida Console" panose="020B0609040504020204" pitchFamily="49" charset="0"/>
-              </a:rPr>
-              <a:t>" "</a:t>
-            </a:r>
-            <a:r>
-              <a:rPr kumimoji="0" lang="en-US" altLang="en-US" sz="1000" b="0" i="0" u="none" strike="noStrike" cap="none" normalizeH="0" baseline="0" dirty="0" err="1">
-                <a:ln>
-                  <a:noFill/>
-                </a:ln>
-                <a:solidFill>
-                  <a:srgbClr val="000000"/>
-                </a:solidFill>
-                <a:effectLst/>
-                <a:latin typeface="Lucida Console" panose="020B0609040504020204" pitchFamily="49" charset="0"/>
-              </a:rPr>
-              <a:t>YearsSinceLastPromotion</a:t>
-            </a:r>
-            <a:r>
-              <a:rPr kumimoji="0" lang="en-US" altLang="en-US" sz="1000" b="0" i="0" u="none" strike="noStrike" cap="none" normalizeH="0" baseline="0" dirty="0">
-                <a:ln>
-                  <a:noFill/>
-                </a:ln>
-                <a:solidFill>
-                  <a:srgbClr val="000000"/>
-                </a:solidFill>
-                <a:effectLst/>
-                <a:latin typeface="Lucida Console" panose="020B0609040504020204" pitchFamily="49" charset="0"/>
-              </a:rPr>
-              <a:t>" "</a:t>
-            </a:r>
-            <a:r>
-              <a:rPr kumimoji="0" lang="en-US" altLang="en-US" sz="1000" b="0" i="0" u="none" strike="noStrike" cap="none" normalizeH="0" baseline="0" dirty="0" err="1">
-                <a:ln>
-                  <a:noFill/>
-                </a:ln>
-                <a:solidFill>
-                  <a:srgbClr val="000000"/>
-                </a:solidFill>
-                <a:effectLst/>
-                <a:latin typeface="Lucida Console" panose="020B0609040504020204" pitchFamily="49" charset="0"/>
-              </a:rPr>
-              <a:t>YearsWithCurrManager</a:t>
-            </a:r>
-            <a:r>
-              <a:rPr kumimoji="0" lang="en-US" altLang="en-US" sz="1000" b="0" i="0" u="none" strike="noStrike" cap="none" normalizeH="0" baseline="0" dirty="0">
-                <a:ln>
-                  <a:noFill/>
-                </a:ln>
-                <a:solidFill>
-                  <a:srgbClr val="000000"/>
-                </a:solidFill>
-                <a:effectLst/>
-                <a:latin typeface="Lucida Console" panose="020B0609040504020204" pitchFamily="49" charset="0"/>
-              </a:rPr>
-              <a:t>" </a:t>
-            </a:r>
-            <a:endParaRPr kumimoji="0" lang="en-US" altLang="en-US" sz="1800" b="0" i="0" u="none" strike="noStrike" cap="none" normalizeH="0" baseline="0" dirty="0">
-              <a:ln>
-                <a:noFill/>
-              </a:ln>
-              <a:solidFill>
-                <a:schemeClr val="tx1"/>
-              </a:solidFill>
-              <a:effectLst/>
-              <a:latin typeface="Arial" panose="020B0604020202020204" pitchFamily="34" charset="0"/>
-            </a:endParaRPr>
+            <a:r>
+              <a:rPr lang="en-US" dirty="0"/>
+              <a:t>I suspect these are </a:t>
+            </a:r>
           </a:p>
         </p:txBody>
       </p:sp>
     </p:spTree>
     <p:extLst>
       <p:ext uri="{BB962C8B-B14F-4D97-AF65-F5344CB8AC3E}">
-        <p14:creationId xmlns:p14="http://schemas.microsoft.com/office/powerpoint/2010/main" val="2852773575"/>
+        <p14:creationId xmlns:p14="http://schemas.microsoft.com/office/powerpoint/2010/main" val="1021290166"/>
       </p:ext>
     </p:extLst>
   </p:cSld>
@@ -4917,7 +3544,187 @@
 </p:sld>
 </file>
 
-<file path=ppt/slides/slide3.xml><?xml version="1.0" encoding="utf-8"?>
+<file path=ppt/slides/slide11.xml><?xml version="1.0" encoding="utf-8"?>
+<p:sld xmlns:a="http://schemas.openxmlformats.org/drawingml/2006/main" xmlns:r="http://schemas.openxmlformats.org/officeDocument/2006/relationships" xmlns:p="http://schemas.openxmlformats.org/presentationml/2006/main">
+  <p:cSld>
+    <p:spTree>
+      <p:nvGrpSpPr>
+        <p:cNvPr id="1" name=""/>
+        <p:cNvGrpSpPr/>
+        <p:nvPr/>
+      </p:nvGrpSpPr>
+      <p:grpSpPr>
+        <a:xfrm>
+          <a:off x="0" y="0"/>
+          <a:ext cx="0" cy="0"/>
+          <a:chOff x="0" y="0"/>
+          <a:chExt cx="0" cy="0"/>
+        </a:xfrm>
+      </p:grpSpPr>
+      <p:pic>
+        <p:nvPicPr>
+          <p:cNvPr id="4" name="Picture 3">
+            <a:extLst>
+              <a:ext uri="{FF2B5EF4-FFF2-40B4-BE49-F238E27FC236}">
+                <a16:creationId xmlns:a16="http://schemas.microsoft.com/office/drawing/2014/main" id="{5CAD30AE-DF50-4242-AEF6-98EFF5823855}"/>
+              </a:ext>
+            </a:extLst>
+          </p:cNvPr>
+          <p:cNvPicPr>
+            <a:picLocks noChangeAspect="1"/>
+          </p:cNvPicPr>
+          <p:nvPr/>
+        </p:nvPicPr>
+        <p:blipFill>
+          <a:blip r:embed="rId2"/>
+          <a:stretch>
+            <a:fillRect/>
+          </a:stretch>
+        </p:blipFill>
+        <p:spPr>
+          <a:xfrm>
+            <a:off x="3054193" y="228435"/>
+            <a:ext cx="6083613" cy="6401129"/>
+          </a:xfrm>
+          <a:prstGeom prst="rect">
+            <a:avLst/>
+          </a:prstGeom>
+        </p:spPr>
+      </p:pic>
+    </p:spTree>
+    <p:extLst>
+      <p:ext uri="{BB962C8B-B14F-4D97-AF65-F5344CB8AC3E}">
+        <p14:creationId xmlns:p14="http://schemas.microsoft.com/office/powerpoint/2010/main" val="4098183219"/>
+      </p:ext>
+    </p:extLst>
+  </p:cSld>
+  <p:clrMapOvr>
+    <a:masterClrMapping/>
+  </p:clrMapOvr>
+</p:sld>
+</file>
+
+<file path=ppt/slides/slide12.xml><?xml version="1.0" encoding="utf-8"?>
+<p:sld xmlns:a="http://schemas.openxmlformats.org/drawingml/2006/main" xmlns:r="http://schemas.openxmlformats.org/officeDocument/2006/relationships" xmlns:p="http://schemas.openxmlformats.org/presentationml/2006/main">
+  <p:cSld>
+    <p:spTree>
+      <p:nvGrpSpPr>
+        <p:cNvPr id="1" name=""/>
+        <p:cNvGrpSpPr/>
+        <p:nvPr/>
+      </p:nvGrpSpPr>
+      <p:grpSpPr>
+        <a:xfrm>
+          <a:off x="0" y="0"/>
+          <a:ext cx="0" cy="0"/>
+          <a:chOff x="0" y="0"/>
+          <a:chExt cx="0" cy="0"/>
+        </a:xfrm>
+      </p:grpSpPr>
+      <p:pic>
+        <p:nvPicPr>
+          <p:cNvPr id="4" name="Picture 3">
+            <a:extLst>
+              <a:ext uri="{FF2B5EF4-FFF2-40B4-BE49-F238E27FC236}">
+                <a16:creationId xmlns:a16="http://schemas.microsoft.com/office/drawing/2014/main" id="{BAB2CD9A-BAD6-4B41-8A4D-237F3661CA4E}"/>
+              </a:ext>
+            </a:extLst>
+          </p:cNvPr>
+          <p:cNvPicPr>
+            <a:picLocks noChangeAspect="1"/>
+          </p:cNvPicPr>
+          <p:nvPr/>
+        </p:nvPicPr>
+        <p:blipFill>
+          <a:blip r:embed="rId2"/>
+          <a:stretch>
+            <a:fillRect/>
+          </a:stretch>
+        </p:blipFill>
+        <p:spPr>
+          <a:xfrm>
+            <a:off x="3054193" y="228435"/>
+            <a:ext cx="6083613" cy="6401129"/>
+          </a:xfrm>
+          <a:prstGeom prst="rect">
+            <a:avLst/>
+          </a:prstGeom>
+        </p:spPr>
+      </p:pic>
+    </p:spTree>
+    <p:extLst>
+      <p:ext uri="{BB962C8B-B14F-4D97-AF65-F5344CB8AC3E}">
+        <p14:creationId xmlns:p14="http://schemas.microsoft.com/office/powerpoint/2010/main" val="3761961582"/>
+      </p:ext>
+    </p:extLst>
+  </p:cSld>
+  <p:clrMapOvr>
+    <a:masterClrMapping/>
+  </p:clrMapOvr>
+</p:sld>
+</file>
+
+<file path=ppt/slides/slide13.xml><?xml version="1.0" encoding="utf-8"?>
+<p:sld xmlns:a="http://schemas.openxmlformats.org/drawingml/2006/main" xmlns:r="http://schemas.openxmlformats.org/officeDocument/2006/relationships" xmlns:p="http://schemas.openxmlformats.org/presentationml/2006/main">
+  <p:cSld>
+    <p:spTree>
+      <p:nvGrpSpPr>
+        <p:cNvPr id="1" name=""/>
+        <p:cNvGrpSpPr/>
+        <p:nvPr/>
+      </p:nvGrpSpPr>
+      <p:grpSpPr>
+        <a:xfrm>
+          <a:off x="0" y="0"/>
+          <a:ext cx="0" cy="0"/>
+          <a:chOff x="0" y="0"/>
+          <a:chExt cx="0" cy="0"/>
+        </a:xfrm>
+      </p:grpSpPr>
+      <p:pic>
+        <p:nvPicPr>
+          <p:cNvPr id="4" name="Picture 3">
+            <a:extLst>
+              <a:ext uri="{FF2B5EF4-FFF2-40B4-BE49-F238E27FC236}">
+                <a16:creationId xmlns:a16="http://schemas.microsoft.com/office/drawing/2014/main" id="{F12AEFAC-8EDA-4E29-8AB9-5255FDD6E52C}"/>
+              </a:ext>
+            </a:extLst>
+          </p:cNvPr>
+          <p:cNvPicPr>
+            <a:picLocks noChangeAspect="1"/>
+          </p:cNvPicPr>
+          <p:nvPr/>
+        </p:nvPicPr>
+        <p:blipFill>
+          <a:blip r:embed="rId2"/>
+          <a:stretch>
+            <a:fillRect/>
+          </a:stretch>
+        </p:blipFill>
+        <p:spPr>
+          <a:xfrm>
+            <a:off x="1561867" y="504674"/>
+            <a:ext cx="9068266" cy="5848651"/>
+          </a:xfrm>
+          <a:prstGeom prst="rect">
+            <a:avLst/>
+          </a:prstGeom>
+        </p:spPr>
+      </p:pic>
+    </p:spTree>
+    <p:extLst>
+      <p:ext uri="{BB962C8B-B14F-4D97-AF65-F5344CB8AC3E}">
+        <p14:creationId xmlns:p14="http://schemas.microsoft.com/office/powerpoint/2010/main" val="3442542927"/>
+      </p:ext>
+    </p:extLst>
+  </p:cSld>
+  <p:clrMapOvr>
+    <a:masterClrMapping/>
+  </p:clrMapOvr>
+</p:sld>
+</file>
+
+<file path=ppt/slides/slide14.xml><?xml version="1.0" encoding="utf-8"?>
 <p:sld xmlns:a="http://schemas.openxmlformats.org/drawingml/2006/main" xmlns:r="http://schemas.openxmlformats.org/officeDocument/2006/relationships" xmlns:p="http://schemas.openxmlformats.org/presentationml/2006/main">
   <p:cSld>
     <p:bg>
@@ -4972,68 +3779,6 @@
           </a:prstGeom>
         </p:spPr>
       </p:pic>
-      <p:sp>
-        <p:nvSpPr>
-          <p:cNvPr id="2" name="Rectangle 1">
-            <a:extLst>
-              <a:ext uri="{FF2B5EF4-FFF2-40B4-BE49-F238E27FC236}">
-                <a16:creationId xmlns:a16="http://schemas.microsoft.com/office/drawing/2014/main" id="{C85397DA-750E-40EA-8740-9AE38E4991EF}"/>
-              </a:ext>
-            </a:extLst>
-          </p:cNvPr>
-          <p:cNvSpPr/>
-          <p:nvPr/>
-        </p:nvSpPr>
-        <p:spPr>
-          <a:xfrm>
-            <a:off x="3048000" y="2551837"/>
-            <a:ext cx="6096000" cy="1754326"/>
-          </a:xfrm>
-          <a:prstGeom prst="rect">
-            <a:avLst/>
-          </a:prstGeom>
-        </p:spPr>
-        <p:txBody>
-          <a:bodyPr>
-            <a:spAutoFit/>
-          </a:bodyPr>
-          <a:lstStyle/>
-          <a:p>
-            <a:r>
-              <a:rPr lang="en-US" dirty="0"/>
-              <a:t>pairs(~Attrition+DailyRate+Age+DistanceFromHome+EnvironmentSatisfaction+JobSatisfaction+MonthlyIncome+MonthlyRate+</a:t>
-            </a:r>
-          </a:p>
-          <a:p>
-            <a:r>
-              <a:rPr lang="en-US" dirty="0"/>
-              <a:t>        </a:t>
-            </a:r>
-            <a:r>
-              <a:rPr lang="en-US" dirty="0" err="1"/>
-              <a:t>YearsSinceLastPromotion+PerformanceRating+JobInvolvement,data</a:t>
-            </a:r>
-            <a:r>
-              <a:rPr lang="en-US" dirty="0"/>
-              <a:t>=</a:t>
-            </a:r>
-            <a:r>
-              <a:rPr lang="en-US" dirty="0" err="1"/>
-              <a:t>attritionData</a:t>
-            </a:r>
-            <a:r>
-              <a:rPr lang="en-US" dirty="0"/>
-              <a:t>, </a:t>
-            </a:r>
-          </a:p>
-          <a:p>
-            <a:r>
-              <a:rPr lang="en-US" dirty="0"/>
-              <a:t>   main="Simple Scatterplot Matrix")</a:t>
-            </a:r>
-          </a:p>
-        </p:txBody>
-      </p:sp>
     </p:spTree>
     <p:extLst>
       <p:ext uri="{BB962C8B-B14F-4D97-AF65-F5344CB8AC3E}">
@@ -5047,7 +3792,7 @@
 </p:sld>
 </file>
 
-<file path=ppt/slides/slide4.xml><?xml version="1.0" encoding="utf-8"?>
+<file path=ppt/slides/slide15.xml><?xml version="1.0" encoding="utf-8"?>
 <p:sld xmlns:a="http://schemas.openxmlformats.org/drawingml/2006/main" xmlns:r="http://schemas.openxmlformats.org/officeDocument/2006/relationships" xmlns:p="http://schemas.openxmlformats.org/presentationml/2006/main">
   <p:cSld>
     <p:spTree>
@@ -5107,7 +3852,7 @@
 </p:sld>
 </file>
 
-<file path=ppt/slides/slide5.xml><?xml version="1.0" encoding="utf-8"?>
+<file path=ppt/slides/slide16.xml><?xml version="1.0" encoding="utf-8"?>
 <p:sld xmlns:a="http://schemas.openxmlformats.org/drawingml/2006/main" xmlns:r="http://schemas.openxmlformats.org/officeDocument/2006/relationships" xmlns:p="http://schemas.openxmlformats.org/presentationml/2006/main">
   <p:cSld>
     <p:spTree>
@@ -5167,7 +3912,7 @@
 </p:sld>
 </file>
 
-<file path=ppt/slides/slide6.xml><?xml version="1.0" encoding="utf-8"?>
+<file path=ppt/slides/slide17.xml><?xml version="1.0" encoding="utf-8"?>
 <p:sld xmlns:a="http://schemas.openxmlformats.org/drawingml/2006/main" xmlns:r="http://schemas.openxmlformats.org/officeDocument/2006/relationships" xmlns:p="http://schemas.openxmlformats.org/presentationml/2006/main">
   <p:cSld>
     <p:spTree>
@@ -5277,7 +4022,7 @@
 </p:sld>
 </file>
 
-<file path=ppt/slides/slide7.xml><?xml version="1.0" encoding="utf-8"?>
+<file path=ppt/slides/slide18.xml><?xml version="1.0" encoding="utf-8"?>
 <p:sld xmlns:a="http://schemas.openxmlformats.org/drawingml/2006/main" xmlns:r="http://schemas.openxmlformats.org/officeDocument/2006/relationships" xmlns:p="http://schemas.openxmlformats.org/presentationml/2006/main">
   <p:cSld>
     <p:spTree>
@@ -5461,7 +4206,7 @@
 </p:sld>
 </file>
 
-<file path=ppt/slides/slide8.xml><?xml version="1.0" encoding="utf-8"?>
+<file path=ppt/slides/slide19.xml><?xml version="1.0" encoding="utf-8"?>
 <p:sld xmlns:a="http://schemas.openxmlformats.org/drawingml/2006/main" xmlns:r="http://schemas.openxmlformats.org/officeDocument/2006/relationships" xmlns:p="http://schemas.openxmlformats.org/presentationml/2006/main">
   <p:cSld>
     <p:spTree>
@@ -5562,6 +4307,2133 @@
     <p:extLst>
       <p:ext uri="{BB962C8B-B14F-4D97-AF65-F5344CB8AC3E}">
         <p14:creationId xmlns:p14="http://schemas.microsoft.com/office/powerpoint/2010/main" val="2479916901"/>
+      </p:ext>
+    </p:extLst>
+  </p:cSld>
+  <p:clrMapOvr>
+    <a:masterClrMapping/>
+  </p:clrMapOvr>
+</p:sld>
+</file>
+
+<file path=ppt/slides/slide2.xml><?xml version="1.0" encoding="utf-8"?>
+<p:sld xmlns:a="http://schemas.openxmlformats.org/drawingml/2006/main" xmlns:r="http://schemas.openxmlformats.org/officeDocument/2006/relationships" xmlns:p="http://schemas.openxmlformats.org/presentationml/2006/main">
+  <p:cSld>
+    <p:spTree>
+      <p:nvGrpSpPr>
+        <p:cNvPr id="1" name=""/>
+        <p:cNvGrpSpPr/>
+        <p:nvPr/>
+      </p:nvGrpSpPr>
+      <p:grpSpPr>
+        <a:xfrm>
+          <a:off x="0" y="0"/>
+          <a:ext cx="0" cy="0"/>
+          <a:chOff x="0" y="0"/>
+          <a:chExt cx="0" cy="0"/>
+        </a:xfrm>
+      </p:grpSpPr>
+      <p:sp>
+        <p:nvSpPr>
+          <p:cNvPr id="2" name="Title 1">
+            <a:extLst>
+              <a:ext uri="{FF2B5EF4-FFF2-40B4-BE49-F238E27FC236}">
+                <a16:creationId xmlns:a16="http://schemas.microsoft.com/office/drawing/2014/main" id="{0588550F-DE99-4C13-BCBF-E3B09C06C526}"/>
+              </a:ext>
+            </a:extLst>
+          </p:cNvPr>
+          <p:cNvSpPr>
+            <a:spLocks noGrp="1"/>
+          </p:cNvSpPr>
+          <p:nvPr>
+            <p:ph type="title"/>
+          </p:nvPr>
+        </p:nvSpPr>
+        <p:spPr/>
+        <p:txBody>
+          <a:bodyPr/>
+          <a:lstStyle/>
+          <a:p>
+            <a:r>
+              <a:rPr lang="en-US" dirty="0"/>
+              <a:t>Describe Data</a:t>
+            </a:r>
+          </a:p>
+        </p:txBody>
+      </p:sp>
+      <p:sp>
+        <p:nvSpPr>
+          <p:cNvPr id="3" name="Content Placeholder 2">
+            <a:extLst>
+              <a:ext uri="{FF2B5EF4-FFF2-40B4-BE49-F238E27FC236}">
+                <a16:creationId xmlns:a16="http://schemas.microsoft.com/office/drawing/2014/main" id="{D33BB1BC-41BE-4F62-A599-7DD5A19150C5}"/>
+              </a:ext>
+            </a:extLst>
+          </p:cNvPr>
+          <p:cNvSpPr>
+            <a:spLocks noGrp="1"/>
+          </p:cNvSpPr>
+          <p:nvPr>
+            <p:ph idx="1"/>
+          </p:nvPr>
+        </p:nvSpPr>
+        <p:spPr/>
+        <p:txBody>
+          <a:bodyPr/>
+          <a:lstStyle/>
+          <a:p>
+            <a:endParaRPr lang="en-US"/>
+          </a:p>
+        </p:txBody>
+      </p:sp>
+    </p:spTree>
+    <p:extLst>
+      <p:ext uri="{BB962C8B-B14F-4D97-AF65-F5344CB8AC3E}">
+        <p14:creationId xmlns:p14="http://schemas.microsoft.com/office/powerpoint/2010/main" val="3800497767"/>
+      </p:ext>
+    </p:extLst>
+  </p:cSld>
+  <p:clrMapOvr>
+    <a:masterClrMapping/>
+  </p:clrMapOvr>
+</p:sld>
+</file>
+
+<file path=ppt/slides/slide3.xml><?xml version="1.0" encoding="utf-8"?>
+<p:sld xmlns:a="http://schemas.openxmlformats.org/drawingml/2006/main" xmlns:r="http://schemas.openxmlformats.org/officeDocument/2006/relationships" xmlns:p="http://schemas.openxmlformats.org/presentationml/2006/main">
+  <p:cSld>
+    <p:spTree>
+      <p:nvGrpSpPr>
+        <p:cNvPr id="1" name=""/>
+        <p:cNvGrpSpPr/>
+        <p:nvPr/>
+      </p:nvGrpSpPr>
+      <p:grpSpPr>
+        <a:xfrm>
+          <a:off x="0" y="0"/>
+          <a:ext cx="0" cy="0"/>
+          <a:chOff x="0" y="0"/>
+          <a:chExt cx="0" cy="0"/>
+        </a:xfrm>
+      </p:grpSpPr>
+      <p:sp>
+        <p:nvSpPr>
+          <p:cNvPr id="2" name="Title 1">
+            <a:extLst>
+              <a:ext uri="{FF2B5EF4-FFF2-40B4-BE49-F238E27FC236}">
+                <a16:creationId xmlns:a16="http://schemas.microsoft.com/office/drawing/2014/main" id="{B06C5B85-D07C-4B02-B2DC-7EC0DF9A459C}"/>
+              </a:ext>
+            </a:extLst>
+          </p:cNvPr>
+          <p:cNvSpPr>
+            <a:spLocks noGrp="1"/>
+          </p:cNvSpPr>
+          <p:nvPr>
+            <p:ph type="title"/>
+          </p:nvPr>
+        </p:nvSpPr>
+        <p:spPr/>
+        <p:txBody>
+          <a:bodyPr/>
+          <a:lstStyle/>
+          <a:p>
+            <a:r>
+              <a:rPr lang="en-US" dirty="0"/>
+              <a:t>Describe Objectives</a:t>
+            </a:r>
+          </a:p>
+        </p:txBody>
+      </p:sp>
+      <p:sp>
+        <p:nvSpPr>
+          <p:cNvPr id="3" name="Content Placeholder 2">
+            <a:extLst>
+              <a:ext uri="{FF2B5EF4-FFF2-40B4-BE49-F238E27FC236}">
+                <a16:creationId xmlns:a16="http://schemas.microsoft.com/office/drawing/2014/main" id="{26E9781E-B349-4C81-B64B-4C0CEE415123}"/>
+              </a:ext>
+            </a:extLst>
+          </p:cNvPr>
+          <p:cNvSpPr>
+            <a:spLocks noGrp="1"/>
+          </p:cNvSpPr>
+          <p:nvPr>
+            <p:ph idx="1"/>
+          </p:nvPr>
+        </p:nvSpPr>
+        <p:spPr/>
+        <p:txBody>
+          <a:bodyPr/>
+          <a:lstStyle/>
+          <a:p>
+            <a:endParaRPr lang="en-US"/>
+          </a:p>
+        </p:txBody>
+      </p:sp>
+    </p:spTree>
+    <p:extLst>
+      <p:ext uri="{BB962C8B-B14F-4D97-AF65-F5344CB8AC3E}">
+        <p14:creationId xmlns:p14="http://schemas.microsoft.com/office/powerpoint/2010/main" val="3466138596"/>
+      </p:ext>
+    </p:extLst>
+  </p:cSld>
+  <p:clrMapOvr>
+    <a:masterClrMapping/>
+  </p:clrMapOvr>
+</p:sld>
+</file>
+
+<file path=ppt/slides/slide4.xml><?xml version="1.0" encoding="utf-8"?>
+<p:sld xmlns:a="http://schemas.openxmlformats.org/drawingml/2006/main" xmlns:r="http://schemas.openxmlformats.org/officeDocument/2006/relationships" xmlns:p="http://schemas.openxmlformats.org/presentationml/2006/main">
+  <p:cSld>
+    <p:spTree>
+      <p:nvGrpSpPr>
+        <p:cNvPr id="1" name=""/>
+        <p:cNvGrpSpPr/>
+        <p:nvPr/>
+      </p:nvGrpSpPr>
+      <p:grpSpPr>
+        <a:xfrm>
+          <a:off x="0" y="0"/>
+          <a:ext cx="0" cy="0"/>
+          <a:chOff x="0" y="0"/>
+          <a:chExt cx="0" cy="0"/>
+        </a:xfrm>
+      </p:grpSpPr>
+      <p:sp>
+        <p:nvSpPr>
+          <p:cNvPr id="4" name="TextBox 3">
+            <a:extLst>
+              <a:ext uri="{FF2B5EF4-FFF2-40B4-BE49-F238E27FC236}">
+                <a16:creationId xmlns:a16="http://schemas.microsoft.com/office/drawing/2014/main" id="{DC4E2D60-2CF0-4F20-8AAF-A234BD6C85C5}"/>
+              </a:ext>
+            </a:extLst>
+          </p:cNvPr>
+          <p:cNvSpPr txBox="1"/>
+          <p:nvPr/>
+        </p:nvSpPr>
+        <p:spPr>
+          <a:xfrm>
+            <a:off x="730250" y="679450"/>
+            <a:ext cx="10896600" cy="646331"/>
+          </a:xfrm>
+          <a:prstGeom prst="rect">
+            <a:avLst/>
+          </a:prstGeom>
+          <a:noFill/>
+        </p:spPr>
+        <p:txBody>
+          <a:bodyPr wrap="square" rtlCol="0">
+            <a:spAutoFit/>
+          </a:bodyPr>
+          <a:lstStyle/>
+          <a:p>
+            <a:r>
+              <a:rPr lang="en-US" dirty="0"/>
+              <a:t>After much </a:t>
+            </a:r>
+            <a:r>
+              <a:rPr lang="en-US" dirty="0" err="1"/>
+              <a:t>explaratory</a:t>
+            </a:r>
+            <a:r>
+              <a:rPr lang="en-US" dirty="0"/>
+              <a:t> analysis, we’ve concluded that the top three attributes for discerning potential </a:t>
+            </a:r>
+            <a:r>
+              <a:rPr lang="en-US" dirty="0" err="1"/>
+              <a:t>exmployee</a:t>
+            </a:r>
+            <a:r>
+              <a:rPr lang="en-US" dirty="0"/>
+              <a:t> attrition are…</a:t>
+            </a:r>
+          </a:p>
+        </p:txBody>
+      </p:sp>
+      <p:sp>
+        <p:nvSpPr>
+          <p:cNvPr id="6" name="TextBox 5">
+            <a:extLst>
+              <a:ext uri="{FF2B5EF4-FFF2-40B4-BE49-F238E27FC236}">
+                <a16:creationId xmlns:a16="http://schemas.microsoft.com/office/drawing/2014/main" id="{9962BC75-AAFC-41B1-A95E-508B1775E584}"/>
+              </a:ext>
+            </a:extLst>
+          </p:cNvPr>
+          <p:cNvSpPr txBox="1"/>
+          <p:nvPr/>
+        </p:nvSpPr>
+        <p:spPr>
+          <a:xfrm>
+            <a:off x="647700" y="5537200"/>
+            <a:ext cx="10896600" cy="369332"/>
+          </a:xfrm>
+          <a:prstGeom prst="rect">
+            <a:avLst/>
+          </a:prstGeom>
+          <a:noFill/>
+        </p:spPr>
+        <p:txBody>
+          <a:bodyPr wrap="square" rtlCol="0">
+            <a:spAutoFit/>
+          </a:bodyPr>
+          <a:lstStyle/>
+          <a:p>
+            <a:r>
+              <a:rPr lang="en-US" dirty="0"/>
+              <a:t>There were many paths traveled that led us to this conclusion.  These are the paths we took…</a:t>
+            </a:r>
+          </a:p>
+        </p:txBody>
+      </p:sp>
+    </p:spTree>
+    <p:extLst>
+      <p:ext uri="{BB962C8B-B14F-4D97-AF65-F5344CB8AC3E}">
+        <p14:creationId xmlns:p14="http://schemas.microsoft.com/office/powerpoint/2010/main" val="3440744934"/>
+      </p:ext>
+    </p:extLst>
+  </p:cSld>
+  <p:clrMapOvr>
+    <a:masterClrMapping/>
+  </p:clrMapOvr>
+</p:sld>
+</file>
+
+<file path=ppt/slides/slide5.xml><?xml version="1.0" encoding="utf-8"?>
+<p:sld xmlns:a="http://schemas.openxmlformats.org/drawingml/2006/main" xmlns:r="http://schemas.openxmlformats.org/officeDocument/2006/relationships" xmlns:p="http://schemas.openxmlformats.org/presentationml/2006/main">
+  <p:cSld>
+    <p:spTree>
+      <p:nvGrpSpPr>
+        <p:cNvPr id="1" name=""/>
+        <p:cNvGrpSpPr/>
+        <p:nvPr/>
+      </p:nvGrpSpPr>
+      <p:grpSpPr>
+        <a:xfrm>
+          <a:off x="0" y="0"/>
+          <a:ext cx="0" cy="0"/>
+          <a:chOff x="0" y="0"/>
+          <a:chExt cx="0" cy="0"/>
+        </a:xfrm>
+      </p:grpSpPr>
+      <p:sp>
+        <p:nvSpPr>
+          <p:cNvPr id="2" name="Title 1">
+            <a:extLst>
+              <a:ext uri="{FF2B5EF4-FFF2-40B4-BE49-F238E27FC236}">
+                <a16:creationId xmlns:a16="http://schemas.microsoft.com/office/drawing/2014/main" id="{0091E0EF-61A9-43EA-8B81-EF72B6DA1AB2}"/>
+              </a:ext>
+            </a:extLst>
+          </p:cNvPr>
+          <p:cNvSpPr>
+            <a:spLocks noGrp="1"/>
+          </p:cNvSpPr>
+          <p:nvPr>
+            <p:ph type="title"/>
+          </p:nvPr>
+        </p:nvSpPr>
+        <p:spPr/>
+        <p:txBody>
+          <a:bodyPr/>
+          <a:lstStyle/>
+          <a:p>
+            <a:r>
+              <a:rPr lang="en-US" dirty="0"/>
+              <a:t>Path Title (* Figure a bunch of these type of slides to pass time and highlight insights)</a:t>
+            </a:r>
+          </a:p>
+        </p:txBody>
+      </p:sp>
+      <p:sp>
+        <p:nvSpPr>
+          <p:cNvPr id="3" name="Content Placeholder 2">
+            <a:extLst>
+              <a:ext uri="{FF2B5EF4-FFF2-40B4-BE49-F238E27FC236}">
+                <a16:creationId xmlns:a16="http://schemas.microsoft.com/office/drawing/2014/main" id="{D1FFD01A-B4E4-4435-9CBE-00A3FB334D07}"/>
+              </a:ext>
+            </a:extLst>
+          </p:cNvPr>
+          <p:cNvSpPr>
+            <a:spLocks noGrp="1"/>
+          </p:cNvSpPr>
+          <p:nvPr>
+            <p:ph idx="1"/>
+          </p:nvPr>
+        </p:nvSpPr>
+        <p:spPr/>
+        <p:txBody>
+          <a:bodyPr/>
+          <a:lstStyle/>
+          <a:p>
+            <a:r>
+              <a:rPr lang="en-US" dirty="0"/>
+              <a:t>Notion/Idea behind test or plot analysis</a:t>
+            </a:r>
+          </a:p>
+          <a:p>
+            <a:r>
+              <a:rPr lang="en-US" dirty="0"/>
+              <a:t>GRAPH/T-TEST proving/disproving point</a:t>
+            </a:r>
+          </a:p>
+          <a:p>
+            <a:r>
+              <a:rPr lang="en-US" dirty="0"/>
+              <a:t>Insight from test/plot</a:t>
+            </a:r>
+          </a:p>
+        </p:txBody>
+      </p:sp>
+    </p:spTree>
+    <p:extLst>
+      <p:ext uri="{BB962C8B-B14F-4D97-AF65-F5344CB8AC3E}">
+        <p14:creationId xmlns:p14="http://schemas.microsoft.com/office/powerpoint/2010/main" val="2279870972"/>
+      </p:ext>
+    </p:extLst>
+  </p:cSld>
+  <p:clrMapOvr>
+    <a:masterClrMapping/>
+  </p:clrMapOvr>
+</p:sld>
+</file>
+
+<file path=ppt/slides/slide6.xml><?xml version="1.0" encoding="utf-8"?>
+<p:sld xmlns:a="http://schemas.openxmlformats.org/drawingml/2006/main" xmlns:r="http://schemas.openxmlformats.org/officeDocument/2006/relationships" xmlns:p="http://schemas.openxmlformats.org/presentationml/2006/main">
+  <p:cSld>
+    <p:spTree>
+      <p:nvGrpSpPr>
+        <p:cNvPr id="1" name=""/>
+        <p:cNvGrpSpPr/>
+        <p:nvPr/>
+      </p:nvGrpSpPr>
+      <p:grpSpPr>
+        <a:xfrm>
+          <a:off x="0" y="0"/>
+          <a:ext cx="0" cy="0"/>
+          <a:chOff x="0" y="0"/>
+          <a:chExt cx="0" cy="0"/>
+        </a:xfrm>
+      </p:grpSpPr>
+      <p:sp>
+        <p:nvSpPr>
+          <p:cNvPr id="2" name="Title 1">
+            <a:extLst>
+              <a:ext uri="{FF2B5EF4-FFF2-40B4-BE49-F238E27FC236}">
+                <a16:creationId xmlns:a16="http://schemas.microsoft.com/office/drawing/2014/main" id="{E1832BE2-B24E-4D87-82AE-E0A24F19B9CA}"/>
+              </a:ext>
+            </a:extLst>
+          </p:cNvPr>
+          <p:cNvSpPr>
+            <a:spLocks noGrp="1"/>
+          </p:cNvSpPr>
+          <p:nvPr>
+            <p:ph type="title"/>
+          </p:nvPr>
+        </p:nvSpPr>
+        <p:spPr/>
+        <p:txBody>
+          <a:bodyPr/>
+          <a:lstStyle/>
+          <a:p>
+            <a:r>
+              <a:rPr lang="en-US" dirty="0"/>
+              <a:t>Conclusion</a:t>
+            </a:r>
+          </a:p>
+        </p:txBody>
+      </p:sp>
+      <p:sp>
+        <p:nvSpPr>
+          <p:cNvPr id="3" name="Content Placeholder 2">
+            <a:extLst>
+              <a:ext uri="{FF2B5EF4-FFF2-40B4-BE49-F238E27FC236}">
+                <a16:creationId xmlns:a16="http://schemas.microsoft.com/office/drawing/2014/main" id="{A4FA69BC-815E-47B8-8300-270A52A235E3}"/>
+              </a:ext>
+            </a:extLst>
+          </p:cNvPr>
+          <p:cNvSpPr>
+            <a:spLocks noGrp="1"/>
+          </p:cNvSpPr>
+          <p:nvPr>
+            <p:ph idx="1"/>
+          </p:nvPr>
+        </p:nvSpPr>
+        <p:spPr/>
+        <p:txBody>
+          <a:bodyPr/>
+          <a:lstStyle/>
+          <a:p>
+            <a:r>
+              <a:rPr lang="en-US" dirty="0"/>
+              <a:t>From graphs, reiterate the variables we’ve chosen and the trends we find most interesting.</a:t>
+            </a:r>
+          </a:p>
+        </p:txBody>
+      </p:sp>
+    </p:spTree>
+    <p:extLst>
+      <p:ext uri="{BB962C8B-B14F-4D97-AF65-F5344CB8AC3E}">
+        <p14:creationId xmlns:p14="http://schemas.microsoft.com/office/powerpoint/2010/main" val="1279829978"/>
+      </p:ext>
+    </p:extLst>
+  </p:cSld>
+  <p:clrMapOvr>
+    <a:masterClrMapping/>
+  </p:clrMapOvr>
+</p:sld>
+</file>
+
+<file path=ppt/slides/slide7.xml><?xml version="1.0" encoding="utf-8"?>
+<p:sld xmlns:a="http://schemas.openxmlformats.org/drawingml/2006/main" xmlns:r="http://schemas.openxmlformats.org/officeDocument/2006/relationships" xmlns:p="http://schemas.openxmlformats.org/presentationml/2006/main">
+  <p:cSld>
+    <p:spTree>
+      <p:nvGrpSpPr>
+        <p:cNvPr id="1" name=""/>
+        <p:cNvGrpSpPr/>
+        <p:nvPr/>
+      </p:nvGrpSpPr>
+      <p:grpSpPr>
+        <a:xfrm>
+          <a:off x="0" y="0"/>
+          <a:ext cx="0" cy="0"/>
+          <a:chOff x="0" y="0"/>
+          <a:chExt cx="0" cy="0"/>
+        </a:xfrm>
+      </p:grpSpPr>
+      <p:sp>
+        <p:nvSpPr>
+          <p:cNvPr id="2" name="Title 1">
+            <a:extLst>
+              <a:ext uri="{FF2B5EF4-FFF2-40B4-BE49-F238E27FC236}">
+                <a16:creationId xmlns:a16="http://schemas.microsoft.com/office/drawing/2014/main" id="{6F3EDFA2-3009-4284-AE03-FFF227999411}"/>
+              </a:ext>
+            </a:extLst>
+          </p:cNvPr>
+          <p:cNvSpPr>
+            <a:spLocks noGrp="1"/>
+          </p:cNvSpPr>
+          <p:nvPr>
+            <p:ph type="ctrTitle"/>
+          </p:nvPr>
+        </p:nvSpPr>
+        <p:spPr/>
+        <p:txBody>
+          <a:bodyPr/>
+          <a:lstStyle/>
+          <a:p>
+            <a:r>
+              <a:rPr lang="en-US" dirty="0"/>
+              <a:t>Imported data</a:t>
+            </a:r>
+          </a:p>
+        </p:txBody>
+      </p:sp>
+      <p:sp>
+        <p:nvSpPr>
+          <p:cNvPr id="3" name="Subtitle 2">
+            <a:extLst>
+              <a:ext uri="{FF2B5EF4-FFF2-40B4-BE49-F238E27FC236}">
+                <a16:creationId xmlns:a16="http://schemas.microsoft.com/office/drawing/2014/main" id="{C79B5F8E-EF01-4CAB-B44C-EEA14ED6DEB9}"/>
+              </a:ext>
+            </a:extLst>
+          </p:cNvPr>
+          <p:cNvSpPr>
+            <a:spLocks noGrp="1"/>
+          </p:cNvSpPr>
+          <p:nvPr>
+            <p:ph type="subTitle" idx="1"/>
+          </p:nvPr>
+        </p:nvSpPr>
+        <p:spPr/>
+        <p:txBody>
+          <a:bodyPr/>
+          <a:lstStyle/>
+          <a:p>
+            <a:r>
+              <a:rPr lang="en-US" dirty="0"/>
+              <a:t>library(</a:t>
+            </a:r>
+            <a:r>
+              <a:rPr lang="en-US" dirty="0" err="1"/>
+              <a:t>openxlsx</a:t>
+            </a:r>
+            <a:r>
+              <a:rPr lang="en-US" dirty="0"/>
+              <a:t>)</a:t>
+            </a:r>
+          </a:p>
+          <a:p>
+            <a:r>
+              <a:rPr lang="en-US" dirty="0" err="1"/>
+              <a:t>attritionData</a:t>
+            </a:r>
+            <a:r>
+              <a:rPr lang="en-US" dirty="0"/>
+              <a:t> &lt;- read.xlsx("CaseStudy2-data.xlsx")</a:t>
+            </a:r>
+          </a:p>
+        </p:txBody>
+      </p:sp>
+    </p:spTree>
+    <p:extLst>
+      <p:ext uri="{BB962C8B-B14F-4D97-AF65-F5344CB8AC3E}">
+        <p14:creationId xmlns:p14="http://schemas.microsoft.com/office/powerpoint/2010/main" val="1951453925"/>
+      </p:ext>
+    </p:extLst>
+  </p:cSld>
+  <p:clrMapOvr>
+    <a:masterClrMapping/>
+  </p:clrMapOvr>
+</p:sld>
+</file>
+
+<file path=ppt/slides/slide8.xml><?xml version="1.0" encoding="utf-8"?>
+<p:sld xmlns:a="http://schemas.openxmlformats.org/drawingml/2006/main" xmlns:r="http://schemas.openxmlformats.org/officeDocument/2006/relationships" xmlns:p="http://schemas.openxmlformats.org/presentationml/2006/main">
+  <p:cSld>
+    <p:spTree>
+      <p:nvGrpSpPr>
+        <p:cNvPr id="1" name=""/>
+        <p:cNvGrpSpPr/>
+        <p:nvPr/>
+      </p:nvGrpSpPr>
+      <p:grpSpPr>
+        <a:xfrm>
+          <a:off x="0" y="0"/>
+          <a:ext cx="0" cy="0"/>
+          <a:chOff x="0" y="0"/>
+          <a:chExt cx="0" cy="0"/>
+        </a:xfrm>
+      </p:grpSpPr>
+      <p:sp>
+        <p:nvSpPr>
+          <p:cNvPr id="2" name="Title 1">
+            <a:extLst>
+              <a:ext uri="{FF2B5EF4-FFF2-40B4-BE49-F238E27FC236}">
+                <a16:creationId xmlns:a16="http://schemas.microsoft.com/office/drawing/2014/main" id="{1700EF96-D0BC-4A91-983C-813B13359FA5}"/>
+              </a:ext>
+            </a:extLst>
+          </p:cNvPr>
+          <p:cNvSpPr>
+            <a:spLocks noGrp="1"/>
+          </p:cNvSpPr>
+          <p:nvPr>
+            <p:ph type="title"/>
+          </p:nvPr>
+        </p:nvSpPr>
+        <p:spPr/>
+        <p:txBody>
+          <a:bodyPr/>
+          <a:lstStyle/>
+          <a:p>
+            <a:r>
+              <a:rPr lang="en-US" dirty="0"/>
+              <a:t>Inspected Data</a:t>
+            </a:r>
+          </a:p>
+        </p:txBody>
+      </p:sp>
+      <p:sp>
+        <p:nvSpPr>
+          <p:cNvPr id="4" name="Content Placeholder 2">
+            <a:extLst>
+              <a:ext uri="{FF2B5EF4-FFF2-40B4-BE49-F238E27FC236}">
+                <a16:creationId xmlns:a16="http://schemas.microsoft.com/office/drawing/2014/main" id="{9BAB3DB7-62C2-4A2F-8D61-BC962C8DF26A}"/>
+              </a:ext>
+            </a:extLst>
+          </p:cNvPr>
+          <p:cNvSpPr txBox="1">
+            <a:spLocks/>
+          </p:cNvSpPr>
+          <p:nvPr/>
+        </p:nvSpPr>
+        <p:spPr>
+          <a:xfrm>
+            <a:off x="787400" y="2946399"/>
+            <a:ext cx="10515600" cy="3546476"/>
+          </a:xfrm>
+          <a:prstGeom prst="rect">
+            <a:avLst/>
+          </a:prstGeom>
+        </p:spPr>
+        <p:txBody>
+          <a:bodyPr vert="horz" lIns="91440" tIns="45720" rIns="91440" bIns="45720" rtlCol="0">
+            <a:normAutofit fontScale="47500" lnSpcReduction="20000"/>
+          </a:bodyPr>
+          <a:lstStyle>
+            <a:lvl1pPr marL="228600" indent="-228600" algn="l" defTabSz="914400" rtl="0" eaLnBrk="1" latinLnBrk="0" hangingPunct="1">
+              <a:lnSpc>
+                <a:spcPct val="90000"/>
+              </a:lnSpc>
+              <a:spcBef>
+                <a:spcPts val="1000"/>
+              </a:spcBef>
+              <a:buFont typeface="Arial" panose="020B0604020202020204" pitchFamily="34" charset="0"/>
+              <a:buChar char="•"/>
+              <a:defRPr sz="2800" kern="1200">
+                <a:solidFill>
+                  <a:schemeClr val="tx1"/>
+                </a:solidFill>
+                <a:latin typeface="+mn-lt"/>
+                <a:ea typeface="+mn-ea"/>
+                <a:cs typeface="+mn-cs"/>
+              </a:defRPr>
+            </a:lvl1pPr>
+            <a:lvl2pPr marL="685800" indent="-228600" algn="l" defTabSz="914400" rtl="0" eaLnBrk="1" latinLnBrk="0" hangingPunct="1">
+              <a:lnSpc>
+                <a:spcPct val="90000"/>
+              </a:lnSpc>
+              <a:spcBef>
+                <a:spcPts val="500"/>
+              </a:spcBef>
+              <a:buFont typeface="Arial" panose="020B0604020202020204" pitchFamily="34" charset="0"/>
+              <a:buChar char="•"/>
+              <a:defRPr sz="2400" kern="1200">
+                <a:solidFill>
+                  <a:schemeClr val="tx1"/>
+                </a:solidFill>
+                <a:latin typeface="+mn-lt"/>
+                <a:ea typeface="+mn-ea"/>
+                <a:cs typeface="+mn-cs"/>
+              </a:defRPr>
+            </a:lvl2pPr>
+            <a:lvl3pPr marL="1143000" indent="-228600" algn="l" defTabSz="914400" rtl="0" eaLnBrk="1" latinLnBrk="0" hangingPunct="1">
+              <a:lnSpc>
+                <a:spcPct val="90000"/>
+              </a:lnSpc>
+              <a:spcBef>
+                <a:spcPts val="500"/>
+              </a:spcBef>
+              <a:buFont typeface="Arial" panose="020B0604020202020204" pitchFamily="34" charset="0"/>
+              <a:buChar char="•"/>
+              <a:defRPr sz="2000" kern="1200">
+                <a:solidFill>
+                  <a:schemeClr val="tx1"/>
+                </a:solidFill>
+                <a:latin typeface="+mn-lt"/>
+                <a:ea typeface="+mn-ea"/>
+                <a:cs typeface="+mn-cs"/>
+              </a:defRPr>
+            </a:lvl3pPr>
+            <a:lvl4pPr marL="1600200" indent="-228600" algn="l" defTabSz="914400" rtl="0" eaLnBrk="1" latinLnBrk="0" hangingPunct="1">
+              <a:lnSpc>
+                <a:spcPct val="90000"/>
+              </a:lnSpc>
+              <a:spcBef>
+                <a:spcPts val="500"/>
+              </a:spcBef>
+              <a:buFont typeface="Arial" panose="020B0604020202020204" pitchFamily="34" charset="0"/>
+              <a:buChar char="•"/>
+              <a:defRPr sz="1800" kern="1200">
+                <a:solidFill>
+                  <a:schemeClr val="tx1"/>
+                </a:solidFill>
+                <a:latin typeface="+mn-lt"/>
+                <a:ea typeface="+mn-ea"/>
+                <a:cs typeface="+mn-cs"/>
+              </a:defRPr>
+            </a:lvl4pPr>
+            <a:lvl5pPr marL="2057400" indent="-228600" algn="l" defTabSz="914400" rtl="0" eaLnBrk="1" latinLnBrk="0" hangingPunct="1">
+              <a:lnSpc>
+                <a:spcPct val="90000"/>
+              </a:lnSpc>
+              <a:spcBef>
+                <a:spcPts val="500"/>
+              </a:spcBef>
+              <a:buFont typeface="Arial" panose="020B0604020202020204" pitchFamily="34" charset="0"/>
+              <a:buChar char="•"/>
+              <a:defRPr sz="1800" kern="1200">
+                <a:solidFill>
+                  <a:schemeClr val="tx1"/>
+                </a:solidFill>
+                <a:latin typeface="+mn-lt"/>
+                <a:ea typeface="+mn-ea"/>
+                <a:cs typeface="+mn-cs"/>
+              </a:defRPr>
+            </a:lvl5pPr>
+            <a:lvl6pPr marL="2514600" indent="-228600" algn="l" defTabSz="914400" rtl="0" eaLnBrk="1" latinLnBrk="0" hangingPunct="1">
+              <a:lnSpc>
+                <a:spcPct val="90000"/>
+              </a:lnSpc>
+              <a:spcBef>
+                <a:spcPts val="500"/>
+              </a:spcBef>
+              <a:buFont typeface="Arial" panose="020B0604020202020204" pitchFamily="34" charset="0"/>
+              <a:buChar char="•"/>
+              <a:defRPr sz="1800" kern="1200">
+                <a:solidFill>
+                  <a:schemeClr val="tx1"/>
+                </a:solidFill>
+                <a:latin typeface="+mn-lt"/>
+                <a:ea typeface="+mn-ea"/>
+                <a:cs typeface="+mn-cs"/>
+              </a:defRPr>
+            </a:lvl6pPr>
+            <a:lvl7pPr marL="2971800" indent="-228600" algn="l" defTabSz="914400" rtl="0" eaLnBrk="1" latinLnBrk="0" hangingPunct="1">
+              <a:lnSpc>
+                <a:spcPct val="90000"/>
+              </a:lnSpc>
+              <a:spcBef>
+                <a:spcPts val="500"/>
+              </a:spcBef>
+              <a:buFont typeface="Arial" panose="020B0604020202020204" pitchFamily="34" charset="0"/>
+              <a:buChar char="•"/>
+              <a:defRPr sz="1800" kern="1200">
+                <a:solidFill>
+                  <a:schemeClr val="tx1"/>
+                </a:solidFill>
+                <a:latin typeface="+mn-lt"/>
+                <a:ea typeface="+mn-ea"/>
+                <a:cs typeface="+mn-cs"/>
+              </a:defRPr>
+            </a:lvl7pPr>
+            <a:lvl8pPr marL="3429000" indent="-228600" algn="l" defTabSz="914400" rtl="0" eaLnBrk="1" latinLnBrk="0" hangingPunct="1">
+              <a:lnSpc>
+                <a:spcPct val="90000"/>
+              </a:lnSpc>
+              <a:spcBef>
+                <a:spcPts val="500"/>
+              </a:spcBef>
+              <a:buFont typeface="Arial" panose="020B0604020202020204" pitchFamily="34" charset="0"/>
+              <a:buChar char="•"/>
+              <a:defRPr sz="1800" kern="1200">
+                <a:solidFill>
+                  <a:schemeClr val="tx1"/>
+                </a:solidFill>
+                <a:latin typeface="+mn-lt"/>
+                <a:ea typeface="+mn-ea"/>
+                <a:cs typeface="+mn-cs"/>
+              </a:defRPr>
+            </a:lvl8pPr>
+            <a:lvl9pPr marL="3886200" indent="-228600" algn="l" defTabSz="914400" rtl="0" eaLnBrk="1" latinLnBrk="0" hangingPunct="1">
+              <a:lnSpc>
+                <a:spcPct val="90000"/>
+              </a:lnSpc>
+              <a:spcBef>
+                <a:spcPts val="500"/>
+              </a:spcBef>
+              <a:buFont typeface="Arial" panose="020B0604020202020204" pitchFamily="34" charset="0"/>
+              <a:buChar char="•"/>
+              <a:defRPr sz="1800" kern="1200">
+                <a:solidFill>
+                  <a:schemeClr val="tx1"/>
+                </a:solidFill>
+                <a:latin typeface="+mn-lt"/>
+                <a:ea typeface="+mn-ea"/>
+                <a:cs typeface="+mn-cs"/>
+              </a:defRPr>
+            </a:lvl9pPr>
+          </a:lstStyle>
+          <a:p>
+            <a:r>
+              <a:rPr lang="en-US" dirty="0"/>
+              <a:t>Potential Trends related to attrition:</a:t>
+            </a:r>
+          </a:p>
+          <a:p>
+            <a:pPr lvl="1"/>
+            <a:r>
+              <a:rPr lang="en-US" dirty="0"/>
+              <a:t>Age related to Attrition</a:t>
+            </a:r>
+          </a:p>
+          <a:p>
+            <a:pPr lvl="2"/>
+            <a:r>
+              <a:rPr lang="en-US" dirty="0"/>
+              <a:t>People retire, midlife crisis?</a:t>
+            </a:r>
+          </a:p>
+          <a:p>
+            <a:pPr lvl="1"/>
+            <a:r>
+              <a:rPr lang="en-US" dirty="0" err="1"/>
+              <a:t>WorklifeBalance</a:t>
+            </a:r>
+            <a:endParaRPr lang="en-US" dirty="0"/>
+          </a:p>
+          <a:p>
+            <a:pPr lvl="2"/>
+            <a:r>
+              <a:rPr lang="en-US" dirty="0"/>
+              <a:t>People retire, midlife crisis?</a:t>
+            </a:r>
+          </a:p>
+          <a:p>
+            <a:pPr lvl="1"/>
+            <a:r>
+              <a:rPr lang="en-US" dirty="0" err="1"/>
+              <a:t>JobInvolvment</a:t>
+            </a:r>
+            <a:r>
+              <a:rPr lang="en-US" dirty="0"/>
+              <a:t>/</a:t>
+            </a:r>
+            <a:r>
+              <a:rPr lang="en-US" dirty="0" err="1"/>
+              <a:t>JobSatisfaction</a:t>
+            </a:r>
+            <a:endParaRPr lang="en-US" dirty="0"/>
+          </a:p>
+          <a:p>
+            <a:pPr lvl="2"/>
+            <a:r>
+              <a:rPr lang="en-US" dirty="0"/>
+              <a:t>Are people bored? Are they engaged? Too much work?</a:t>
+            </a:r>
+          </a:p>
+          <a:p>
+            <a:pPr lvl="1"/>
+            <a:r>
+              <a:rPr lang="en-US" dirty="0"/>
+              <a:t>Years at company</a:t>
+            </a:r>
+          </a:p>
+          <a:p>
+            <a:pPr lvl="2"/>
+            <a:r>
+              <a:rPr lang="en-US" dirty="0"/>
+              <a:t>Do the longer people work at company deter them more from leaving?</a:t>
+            </a:r>
+          </a:p>
+          <a:p>
+            <a:pPr lvl="1"/>
+            <a:r>
+              <a:rPr lang="en-US" dirty="0"/>
+              <a:t>Job Role</a:t>
+            </a:r>
+          </a:p>
+          <a:p>
+            <a:pPr lvl="2"/>
+            <a:r>
+              <a:rPr lang="en-US" dirty="0"/>
+              <a:t>What jobs have the most people leaving? </a:t>
+            </a:r>
+          </a:p>
+          <a:p>
+            <a:pPr lvl="1"/>
+            <a:r>
+              <a:rPr lang="en-US" dirty="0"/>
+              <a:t>Monthly Income</a:t>
+            </a:r>
+          </a:p>
+          <a:p>
+            <a:pPr lvl="2"/>
+            <a:r>
+              <a:rPr lang="en-US" dirty="0"/>
+              <a:t>Is there an average wage that causes people to leave?</a:t>
+            </a:r>
+          </a:p>
+          <a:p>
+            <a:pPr lvl="1"/>
+            <a:r>
+              <a:rPr lang="en-US" dirty="0"/>
+              <a:t>Gender</a:t>
+            </a:r>
+          </a:p>
+          <a:p>
+            <a:pPr lvl="2"/>
+            <a:r>
+              <a:rPr lang="en-US" dirty="0"/>
+              <a:t>Which gender is leaving more? </a:t>
+            </a:r>
+          </a:p>
+          <a:p>
+            <a:pPr marL="914400" lvl="2" indent="0">
+              <a:buNone/>
+            </a:pPr>
+            <a:endParaRPr lang="en-US" dirty="0"/>
+          </a:p>
+          <a:p>
+            <a:pPr lvl="2"/>
+            <a:endParaRPr lang="en-US" dirty="0"/>
+          </a:p>
+          <a:p>
+            <a:pPr marL="914400" lvl="2" indent="0">
+              <a:buNone/>
+            </a:pPr>
+            <a:endParaRPr lang="en-US" dirty="0"/>
+          </a:p>
+          <a:p>
+            <a:pPr marL="914400" lvl="2" indent="0">
+              <a:buNone/>
+            </a:pPr>
+            <a:r>
+              <a:rPr lang="en-US" dirty="0"/>
+              <a:t> </a:t>
+            </a:r>
+          </a:p>
+          <a:p>
+            <a:pPr marL="914400" lvl="2" indent="0">
+              <a:buNone/>
+            </a:pPr>
+            <a:endParaRPr lang="en-US" dirty="0"/>
+          </a:p>
+        </p:txBody>
+      </p:sp>
+      <p:sp>
+        <p:nvSpPr>
+          <p:cNvPr id="6" name="Rectangle 2">
+            <a:extLst>
+              <a:ext uri="{FF2B5EF4-FFF2-40B4-BE49-F238E27FC236}">
+                <a16:creationId xmlns:a16="http://schemas.microsoft.com/office/drawing/2014/main" id="{37ED1D22-0F4E-4AA1-8713-8B09CC1F07BB}"/>
+              </a:ext>
+            </a:extLst>
+          </p:cNvPr>
+          <p:cNvSpPr>
+            <a:spLocks noGrp="1" noChangeArrowheads="1"/>
+          </p:cNvSpPr>
+          <p:nvPr>
+            <p:ph idx="1"/>
+          </p:nvPr>
+        </p:nvSpPr>
+        <p:spPr bwMode="auto">
+          <a:xfrm>
+            <a:off x="963693" y="1562100"/>
+            <a:ext cx="8771632" cy="1231106"/>
+          </a:xfrm>
+          <a:prstGeom prst="rect">
+            <a:avLst/>
+          </a:prstGeom>
+          <a:solidFill>
+            <a:srgbClr val="FFFFFF"/>
+          </a:solidFill>
+          <a:ln>
+            <a:noFill/>
+          </a:ln>
+          <a:effectLst/>
+          <a:extLst>
+            <a:ext uri="{91240B29-F687-4F45-9708-019B960494DF}">
+              <a14:hiddenLine xmlns:a14="http://schemas.microsoft.com/office/drawing/2010/main" w="9525">
+                <a:solidFill>
+                  <a:schemeClr val="tx1"/>
+                </a:solidFill>
+                <a:miter lim="800000"/>
+                <a:headEnd/>
+                <a:tailEnd/>
+              </a14:hiddenLine>
+            </a:ext>
+            <a:ext uri="{AF507438-7753-43E0-B8FC-AC1667EBCBE1}">
+              <a14:hiddenEffects xmlns:a14="http://schemas.microsoft.com/office/drawing/2010/main">
+                <a:effectLst>
+                  <a:outerShdw dist="35921" dir="2700000" algn="ctr" rotWithShape="0">
+                    <a:schemeClr val="bg2"/>
+                  </a:outerShdw>
+                </a:effectLst>
+              </a14:hiddenEffects>
+            </a:ext>
+          </a:extLst>
+        </p:spPr>
+        <p:txBody>
+          <a:bodyPr vert="horz" wrap="none" lIns="0" tIns="0" rIns="0" bIns="0" numCol="1" anchor="ctr" anchorCtr="0" compatLnSpc="1">
+            <a:prstTxWarp prst="textNoShape">
+              <a:avLst/>
+            </a:prstTxWarp>
+            <a:spAutoFit/>
+          </a:bodyPr>
+          <a:lstStyle/>
+          <a:p>
+            <a:pPr marR="0" lvl="0" algn="l" defTabSz="914400" rtl="0" eaLnBrk="0" fontAlgn="base" latinLnBrk="0" hangingPunct="0">
+              <a:lnSpc>
+                <a:spcPct val="100000"/>
+              </a:lnSpc>
+              <a:spcBef>
+                <a:spcPct val="0"/>
+              </a:spcBef>
+              <a:spcAft>
+                <a:spcPct val="0"/>
+              </a:spcAft>
+              <a:buClrTx/>
+              <a:buSzTx/>
+              <a:buFont typeface="Wingdings" panose="05000000000000000000" pitchFamily="2" charset="2"/>
+              <a:buChar char="Ø"/>
+              <a:tabLst/>
+            </a:pPr>
+            <a:r>
+              <a:rPr kumimoji="0" lang="en-US" altLang="en-US" sz="1000" b="0" i="0" u="none" strike="noStrike" cap="none" normalizeH="0" baseline="0" dirty="0">
+                <a:ln>
+                  <a:noFill/>
+                </a:ln>
+                <a:solidFill>
+                  <a:srgbClr val="0000FF"/>
+                </a:solidFill>
+                <a:effectLst/>
+                <a:latin typeface="Lucida Console" panose="020B0609040504020204" pitchFamily="49" charset="0"/>
+              </a:rPr>
+              <a:t>names(</a:t>
+            </a:r>
+            <a:r>
+              <a:rPr kumimoji="0" lang="en-US" altLang="en-US" sz="1000" b="0" i="0" u="none" strike="noStrike" cap="none" normalizeH="0" baseline="0" dirty="0" err="1">
+                <a:ln>
+                  <a:noFill/>
+                </a:ln>
+                <a:solidFill>
+                  <a:srgbClr val="0000FF"/>
+                </a:solidFill>
+                <a:effectLst/>
+                <a:latin typeface="Lucida Console" panose="020B0609040504020204" pitchFamily="49" charset="0"/>
+              </a:rPr>
+              <a:t>attritionData</a:t>
+            </a:r>
+            <a:r>
+              <a:rPr kumimoji="0" lang="en-US" altLang="en-US" sz="1000" b="0" i="0" u="none" strike="noStrike" cap="none" normalizeH="0" baseline="0" dirty="0">
+                <a:ln>
+                  <a:noFill/>
+                </a:ln>
+                <a:solidFill>
+                  <a:srgbClr val="0000FF"/>
+                </a:solidFill>
+                <a:effectLst/>
+                <a:latin typeface="Lucida Console" panose="020B0609040504020204" pitchFamily="49" charset="0"/>
+              </a:rPr>
+              <a:t>) </a:t>
+            </a:r>
+          </a:p>
+          <a:p>
+            <a:pPr marR="0" lvl="0" algn="l" defTabSz="914400" rtl="0" eaLnBrk="0" fontAlgn="base" latinLnBrk="0" hangingPunct="0">
+              <a:lnSpc>
+                <a:spcPct val="100000"/>
+              </a:lnSpc>
+              <a:spcBef>
+                <a:spcPct val="0"/>
+              </a:spcBef>
+              <a:spcAft>
+                <a:spcPct val="0"/>
+              </a:spcAft>
+              <a:buClrTx/>
+              <a:buSzTx/>
+              <a:buFont typeface="Wingdings" panose="05000000000000000000" pitchFamily="2" charset="2"/>
+              <a:buChar char="Ø"/>
+              <a:tabLst/>
+            </a:pPr>
+            <a:r>
+              <a:rPr kumimoji="0" lang="en-US" altLang="en-US" sz="1000" b="0" i="0" u="none" strike="noStrike" cap="none" normalizeH="0" baseline="0" dirty="0">
+                <a:ln>
+                  <a:noFill/>
+                </a:ln>
+                <a:solidFill>
+                  <a:srgbClr val="000000"/>
+                </a:solidFill>
+                <a:effectLst/>
+                <a:latin typeface="Lucida Console" panose="020B0609040504020204" pitchFamily="49" charset="0"/>
+              </a:rPr>
+              <a:t>[1] "Age" "Attrition" "</a:t>
+            </a:r>
+            <a:r>
+              <a:rPr kumimoji="0" lang="en-US" altLang="en-US" sz="1000" b="0" i="0" u="none" strike="noStrike" cap="none" normalizeH="0" baseline="0" dirty="0" err="1">
+                <a:ln>
+                  <a:noFill/>
+                </a:ln>
+                <a:solidFill>
+                  <a:srgbClr val="000000"/>
+                </a:solidFill>
+                <a:effectLst/>
+                <a:latin typeface="Lucida Console" panose="020B0609040504020204" pitchFamily="49" charset="0"/>
+              </a:rPr>
+              <a:t>BusinessTravel</a:t>
+            </a:r>
+            <a:r>
+              <a:rPr kumimoji="0" lang="en-US" altLang="en-US" sz="1000" b="0" i="0" u="none" strike="noStrike" cap="none" normalizeH="0" baseline="0" dirty="0">
+                <a:ln>
+                  <a:noFill/>
+                </a:ln>
+                <a:solidFill>
+                  <a:srgbClr val="000000"/>
+                </a:solidFill>
+                <a:effectLst/>
+                <a:latin typeface="Lucida Console" panose="020B0609040504020204" pitchFamily="49" charset="0"/>
+              </a:rPr>
+              <a:t>" "</a:t>
+            </a:r>
+            <a:r>
+              <a:rPr kumimoji="0" lang="en-US" altLang="en-US" sz="1000" b="0" i="0" u="none" strike="noStrike" cap="none" normalizeH="0" baseline="0" dirty="0" err="1">
+                <a:ln>
+                  <a:noFill/>
+                </a:ln>
+                <a:solidFill>
+                  <a:srgbClr val="000000"/>
+                </a:solidFill>
+                <a:effectLst/>
+                <a:latin typeface="Lucida Console" panose="020B0609040504020204" pitchFamily="49" charset="0"/>
+              </a:rPr>
+              <a:t>DailyRate</a:t>
+            </a:r>
+            <a:r>
+              <a:rPr kumimoji="0" lang="en-US" altLang="en-US" sz="1000" b="0" i="0" u="none" strike="noStrike" cap="none" normalizeH="0" baseline="0" dirty="0">
+                <a:ln>
+                  <a:noFill/>
+                </a:ln>
+                <a:solidFill>
+                  <a:srgbClr val="000000"/>
+                </a:solidFill>
+                <a:effectLst/>
+                <a:latin typeface="Lucida Console" panose="020B0609040504020204" pitchFamily="49" charset="0"/>
+              </a:rPr>
+              <a:t>" "Department" </a:t>
+            </a:r>
+          </a:p>
+          <a:p>
+            <a:pPr marR="0" lvl="0" algn="l" defTabSz="914400" rtl="0" eaLnBrk="0" fontAlgn="base" latinLnBrk="0" hangingPunct="0">
+              <a:lnSpc>
+                <a:spcPct val="100000"/>
+              </a:lnSpc>
+              <a:spcBef>
+                <a:spcPct val="0"/>
+              </a:spcBef>
+              <a:spcAft>
+                <a:spcPct val="0"/>
+              </a:spcAft>
+              <a:buClrTx/>
+              <a:buSzTx/>
+              <a:buFont typeface="Wingdings" panose="05000000000000000000" pitchFamily="2" charset="2"/>
+              <a:buChar char="Ø"/>
+              <a:tabLst/>
+            </a:pPr>
+            <a:r>
+              <a:rPr kumimoji="0" lang="en-US" altLang="en-US" sz="1000" b="0" i="0" u="none" strike="noStrike" cap="none" normalizeH="0" baseline="0" dirty="0">
+                <a:ln>
+                  <a:noFill/>
+                </a:ln>
+                <a:solidFill>
+                  <a:srgbClr val="000000"/>
+                </a:solidFill>
+                <a:effectLst/>
+                <a:latin typeface="Lucida Console" panose="020B0609040504020204" pitchFamily="49" charset="0"/>
+              </a:rPr>
+              <a:t>[6] "</a:t>
+            </a:r>
+            <a:r>
+              <a:rPr kumimoji="0" lang="en-US" altLang="en-US" sz="1000" b="0" i="0" u="none" strike="noStrike" cap="none" normalizeH="0" baseline="0" dirty="0" err="1">
+                <a:ln>
+                  <a:noFill/>
+                </a:ln>
+                <a:solidFill>
+                  <a:srgbClr val="000000"/>
+                </a:solidFill>
+                <a:effectLst/>
+                <a:latin typeface="Lucida Console" panose="020B0609040504020204" pitchFamily="49" charset="0"/>
+              </a:rPr>
+              <a:t>DistanceFromHome</a:t>
+            </a:r>
+            <a:r>
+              <a:rPr kumimoji="0" lang="en-US" altLang="en-US" sz="1000" b="0" i="0" u="none" strike="noStrike" cap="none" normalizeH="0" baseline="0" dirty="0">
+                <a:ln>
+                  <a:noFill/>
+                </a:ln>
+                <a:solidFill>
+                  <a:srgbClr val="000000"/>
+                </a:solidFill>
+                <a:effectLst/>
+                <a:latin typeface="Lucida Console" panose="020B0609040504020204" pitchFamily="49" charset="0"/>
+              </a:rPr>
+              <a:t>" "Education" "</a:t>
+            </a:r>
+            <a:r>
+              <a:rPr kumimoji="0" lang="en-US" altLang="en-US" sz="1000" b="0" i="0" u="none" strike="noStrike" cap="none" normalizeH="0" baseline="0" dirty="0" err="1">
+                <a:ln>
+                  <a:noFill/>
+                </a:ln>
+                <a:solidFill>
+                  <a:srgbClr val="000000"/>
+                </a:solidFill>
+                <a:effectLst/>
+                <a:latin typeface="Lucida Console" panose="020B0609040504020204" pitchFamily="49" charset="0"/>
+              </a:rPr>
+              <a:t>EducationField</a:t>
+            </a:r>
+            <a:r>
+              <a:rPr kumimoji="0" lang="en-US" altLang="en-US" sz="1000" b="0" i="0" u="none" strike="noStrike" cap="none" normalizeH="0" baseline="0" dirty="0">
+                <a:ln>
+                  <a:noFill/>
+                </a:ln>
+                <a:solidFill>
+                  <a:srgbClr val="000000"/>
+                </a:solidFill>
+                <a:effectLst/>
+                <a:latin typeface="Lucida Console" panose="020B0609040504020204" pitchFamily="49" charset="0"/>
+              </a:rPr>
+              <a:t>" "</a:t>
+            </a:r>
+            <a:r>
+              <a:rPr kumimoji="0" lang="en-US" altLang="en-US" sz="1000" b="0" i="0" u="none" strike="noStrike" cap="none" normalizeH="0" baseline="0" dirty="0" err="1">
+                <a:ln>
+                  <a:noFill/>
+                </a:ln>
+                <a:solidFill>
+                  <a:srgbClr val="000000"/>
+                </a:solidFill>
+                <a:effectLst/>
+                <a:latin typeface="Lucida Console" panose="020B0609040504020204" pitchFamily="49" charset="0"/>
+              </a:rPr>
+              <a:t>EmployeeCount</a:t>
+            </a:r>
+            <a:r>
+              <a:rPr kumimoji="0" lang="en-US" altLang="en-US" sz="1000" b="0" i="0" u="none" strike="noStrike" cap="none" normalizeH="0" baseline="0" dirty="0">
+                <a:ln>
+                  <a:noFill/>
+                </a:ln>
+                <a:solidFill>
+                  <a:srgbClr val="000000"/>
+                </a:solidFill>
+                <a:effectLst/>
+                <a:latin typeface="Lucida Console" panose="020B0609040504020204" pitchFamily="49" charset="0"/>
+              </a:rPr>
+              <a:t>" "</a:t>
+            </a:r>
+            <a:r>
+              <a:rPr kumimoji="0" lang="en-US" altLang="en-US" sz="1000" b="0" i="0" u="none" strike="noStrike" cap="none" normalizeH="0" baseline="0" dirty="0" err="1">
+                <a:ln>
+                  <a:noFill/>
+                </a:ln>
+                <a:solidFill>
+                  <a:srgbClr val="000000"/>
+                </a:solidFill>
+                <a:effectLst/>
+                <a:latin typeface="Lucida Console" panose="020B0609040504020204" pitchFamily="49" charset="0"/>
+              </a:rPr>
+              <a:t>EmployeeNumber</a:t>
+            </a:r>
+            <a:r>
+              <a:rPr kumimoji="0" lang="en-US" altLang="en-US" sz="1000" b="0" i="0" u="none" strike="noStrike" cap="none" normalizeH="0" baseline="0" dirty="0">
+                <a:ln>
+                  <a:noFill/>
+                </a:ln>
+                <a:solidFill>
+                  <a:srgbClr val="000000"/>
+                </a:solidFill>
+                <a:effectLst/>
+                <a:latin typeface="Lucida Console" panose="020B0609040504020204" pitchFamily="49" charset="0"/>
+              </a:rPr>
+              <a:t>" </a:t>
+            </a:r>
+          </a:p>
+          <a:p>
+            <a:pPr marR="0" lvl="0" algn="l" defTabSz="914400" rtl="0" eaLnBrk="0" fontAlgn="base" latinLnBrk="0" hangingPunct="0">
+              <a:lnSpc>
+                <a:spcPct val="100000"/>
+              </a:lnSpc>
+              <a:spcBef>
+                <a:spcPct val="0"/>
+              </a:spcBef>
+              <a:spcAft>
+                <a:spcPct val="0"/>
+              </a:spcAft>
+              <a:buClrTx/>
+              <a:buSzTx/>
+              <a:buFont typeface="Wingdings" panose="05000000000000000000" pitchFamily="2" charset="2"/>
+              <a:buChar char="Ø"/>
+              <a:tabLst/>
+            </a:pPr>
+            <a:r>
+              <a:rPr kumimoji="0" lang="en-US" altLang="en-US" sz="1000" b="0" i="0" u="none" strike="noStrike" cap="none" normalizeH="0" baseline="0" dirty="0">
+                <a:ln>
+                  <a:noFill/>
+                </a:ln>
+                <a:solidFill>
+                  <a:srgbClr val="000000"/>
+                </a:solidFill>
+                <a:effectLst/>
+                <a:latin typeface="Lucida Console" panose="020B0609040504020204" pitchFamily="49" charset="0"/>
+              </a:rPr>
+              <a:t>[11] "</a:t>
+            </a:r>
+            <a:r>
+              <a:rPr kumimoji="0" lang="en-US" altLang="en-US" sz="1000" b="0" i="0" u="none" strike="noStrike" cap="none" normalizeH="0" baseline="0" dirty="0" err="1">
+                <a:ln>
+                  <a:noFill/>
+                </a:ln>
+                <a:solidFill>
+                  <a:srgbClr val="000000"/>
+                </a:solidFill>
+                <a:effectLst/>
+                <a:latin typeface="Lucida Console" panose="020B0609040504020204" pitchFamily="49" charset="0"/>
+              </a:rPr>
+              <a:t>EnvironmentSatisfaction</a:t>
+            </a:r>
+            <a:r>
+              <a:rPr kumimoji="0" lang="en-US" altLang="en-US" sz="1000" b="0" i="0" u="none" strike="noStrike" cap="none" normalizeH="0" baseline="0" dirty="0">
+                <a:ln>
+                  <a:noFill/>
+                </a:ln>
+                <a:solidFill>
+                  <a:srgbClr val="000000"/>
+                </a:solidFill>
+                <a:effectLst/>
+                <a:latin typeface="Lucida Console" panose="020B0609040504020204" pitchFamily="49" charset="0"/>
+              </a:rPr>
+              <a:t>" "Gender" "</a:t>
+            </a:r>
+            <a:r>
+              <a:rPr kumimoji="0" lang="en-US" altLang="en-US" sz="1000" b="0" i="0" u="none" strike="noStrike" cap="none" normalizeH="0" baseline="0" dirty="0" err="1">
+                <a:ln>
+                  <a:noFill/>
+                </a:ln>
+                <a:solidFill>
+                  <a:srgbClr val="000000"/>
+                </a:solidFill>
+                <a:effectLst/>
+                <a:latin typeface="Lucida Console" panose="020B0609040504020204" pitchFamily="49" charset="0"/>
+              </a:rPr>
+              <a:t>HourlyRate</a:t>
+            </a:r>
+            <a:r>
+              <a:rPr kumimoji="0" lang="en-US" altLang="en-US" sz="1000" b="0" i="0" u="none" strike="noStrike" cap="none" normalizeH="0" baseline="0" dirty="0">
+                <a:ln>
+                  <a:noFill/>
+                </a:ln>
+                <a:solidFill>
+                  <a:srgbClr val="000000"/>
+                </a:solidFill>
+                <a:effectLst/>
+                <a:latin typeface="Lucida Console" panose="020B0609040504020204" pitchFamily="49" charset="0"/>
+              </a:rPr>
+              <a:t>" "</a:t>
+            </a:r>
+            <a:r>
+              <a:rPr kumimoji="0" lang="en-US" altLang="en-US" sz="1000" b="0" i="0" u="none" strike="noStrike" cap="none" normalizeH="0" baseline="0" dirty="0" err="1">
+                <a:ln>
+                  <a:noFill/>
+                </a:ln>
+                <a:solidFill>
+                  <a:srgbClr val="000000"/>
+                </a:solidFill>
+                <a:effectLst/>
+                <a:latin typeface="Lucida Console" panose="020B0609040504020204" pitchFamily="49" charset="0"/>
+              </a:rPr>
+              <a:t>JobInvolvement</a:t>
+            </a:r>
+            <a:r>
+              <a:rPr kumimoji="0" lang="en-US" altLang="en-US" sz="1000" b="0" i="0" u="none" strike="noStrike" cap="none" normalizeH="0" baseline="0" dirty="0">
+                <a:ln>
+                  <a:noFill/>
+                </a:ln>
+                <a:solidFill>
+                  <a:srgbClr val="000000"/>
+                </a:solidFill>
+                <a:effectLst/>
+                <a:latin typeface="Lucida Console" panose="020B0609040504020204" pitchFamily="49" charset="0"/>
+              </a:rPr>
+              <a:t>" "</a:t>
+            </a:r>
+            <a:r>
+              <a:rPr kumimoji="0" lang="en-US" altLang="en-US" sz="1000" b="0" i="0" u="none" strike="noStrike" cap="none" normalizeH="0" baseline="0" dirty="0" err="1">
+                <a:ln>
+                  <a:noFill/>
+                </a:ln>
+                <a:solidFill>
+                  <a:srgbClr val="000000"/>
+                </a:solidFill>
+                <a:effectLst/>
+                <a:latin typeface="Lucida Console" panose="020B0609040504020204" pitchFamily="49" charset="0"/>
+              </a:rPr>
+              <a:t>JobLevel</a:t>
+            </a:r>
+            <a:r>
+              <a:rPr kumimoji="0" lang="en-US" altLang="en-US" sz="1000" b="0" i="0" u="none" strike="noStrike" cap="none" normalizeH="0" baseline="0" dirty="0">
+                <a:ln>
+                  <a:noFill/>
+                </a:ln>
+                <a:solidFill>
+                  <a:srgbClr val="000000"/>
+                </a:solidFill>
+                <a:effectLst/>
+                <a:latin typeface="Lucida Console" panose="020B0609040504020204" pitchFamily="49" charset="0"/>
+              </a:rPr>
+              <a:t>" </a:t>
+            </a:r>
+          </a:p>
+          <a:p>
+            <a:pPr marR="0" lvl="0" algn="l" defTabSz="914400" rtl="0" eaLnBrk="0" fontAlgn="base" latinLnBrk="0" hangingPunct="0">
+              <a:lnSpc>
+                <a:spcPct val="100000"/>
+              </a:lnSpc>
+              <a:spcBef>
+                <a:spcPct val="0"/>
+              </a:spcBef>
+              <a:spcAft>
+                <a:spcPct val="0"/>
+              </a:spcAft>
+              <a:buClrTx/>
+              <a:buSzTx/>
+              <a:buFont typeface="Wingdings" panose="05000000000000000000" pitchFamily="2" charset="2"/>
+              <a:buChar char="Ø"/>
+              <a:tabLst/>
+            </a:pPr>
+            <a:r>
+              <a:rPr kumimoji="0" lang="en-US" altLang="en-US" sz="1000" b="0" i="0" u="none" strike="noStrike" cap="none" normalizeH="0" baseline="0" dirty="0">
+                <a:ln>
+                  <a:noFill/>
+                </a:ln>
+                <a:solidFill>
+                  <a:srgbClr val="000000"/>
+                </a:solidFill>
+                <a:effectLst/>
+                <a:latin typeface="Lucida Console" panose="020B0609040504020204" pitchFamily="49" charset="0"/>
+              </a:rPr>
+              <a:t>[16] "</a:t>
+            </a:r>
+            <a:r>
+              <a:rPr kumimoji="0" lang="en-US" altLang="en-US" sz="1000" b="0" i="0" u="none" strike="noStrike" cap="none" normalizeH="0" baseline="0" dirty="0" err="1">
+                <a:ln>
+                  <a:noFill/>
+                </a:ln>
+                <a:solidFill>
+                  <a:srgbClr val="000000"/>
+                </a:solidFill>
+                <a:effectLst/>
+                <a:latin typeface="Lucida Console" panose="020B0609040504020204" pitchFamily="49" charset="0"/>
+              </a:rPr>
+              <a:t>JobRole</a:t>
+            </a:r>
+            <a:r>
+              <a:rPr kumimoji="0" lang="en-US" altLang="en-US" sz="1000" b="0" i="0" u="none" strike="noStrike" cap="none" normalizeH="0" baseline="0" dirty="0">
+                <a:ln>
+                  <a:noFill/>
+                </a:ln>
+                <a:solidFill>
+                  <a:srgbClr val="000000"/>
+                </a:solidFill>
+                <a:effectLst/>
+                <a:latin typeface="Lucida Console" panose="020B0609040504020204" pitchFamily="49" charset="0"/>
+              </a:rPr>
+              <a:t>" "</a:t>
+            </a:r>
+            <a:r>
+              <a:rPr kumimoji="0" lang="en-US" altLang="en-US" sz="1000" b="0" i="0" u="none" strike="noStrike" cap="none" normalizeH="0" baseline="0" dirty="0" err="1">
+                <a:ln>
+                  <a:noFill/>
+                </a:ln>
+                <a:solidFill>
+                  <a:srgbClr val="000000"/>
+                </a:solidFill>
+                <a:effectLst/>
+                <a:latin typeface="Lucida Console" panose="020B0609040504020204" pitchFamily="49" charset="0"/>
+              </a:rPr>
+              <a:t>JobSatisfaction</a:t>
+            </a:r>
+            <a:r>
+              <a:rPr kumimoji="0" lang="en-US" altLang="en-US" sz="1000" b="0" i="0" u="none" strike="noStrike" cap="none" normalizeH="0" baseline="0" dirty="0">
+                <a:ln>
+                  <a:noFill/>
+                </a:ln>
+                <a:solidFill>
+                  <a:srgbClr val="000000"/>
+                </a:solidFill>
+                <a:effectLst/>
+                <a:latin typeface="Lucida Console" panose="020B0609040504020204" pitchFamily="49" charset="0"/>
+              </a:rPr>
+              <a:t>" "</a:t>
+            </a:r>
+            <a:r>
+              <a:rPr kumimoji="0" lang="en-US" altLang="en-US" sz="1000" b="0" i="0" u="none" strike="noStrike" cap="none" normalizeH="0" baseline="0" dirty="0" err="1">
+                <a:ln>
+                  <a:noFill/>
+                </a:ln>
+                <a:solidFill>
+                  <a:srgbClr val="000000"/>
+                </a:solidFill>
+                <a:effectLst/>
+                <a:latin typeface="Lucida Console" panose="020B0609040504020204" pitchFamily="49" charset="0"/>
+              </a:rPr>
+              <a:t>MaritalStatus</a:t>
+            </a:r>
+            <a:r>
+              <a:rPr kumimoji="0" lang="en-US" altLang="en-US" sz="1000" b="0" i="0" u="none" strike="noStrike" cap="none" normalizeH="0" baseline="0" dirty="0">
+                <a:ln>
+                  <a:noFill/>
+                </a:ln>
+                <a:solidFill>
+                  <a:srgbClr val="000000"/>
+                </a:solidFill>
+                <a:effectLst/>
+                <a:latin typeface="Lucida Console" panose="020B0609040504020204" pitchFamily="49" charset="0"/>
+              </a:rPr>
+              <a:t>" "</a:t>
+            </a:r>
+            <a:r>
+              <a:rPr kumimoji="0" lang="en-US" altLang="en-US" sz="1000" b="0" i="0" u="none" strike="noStrike" cap="none" normalizeH="0" baseline="0" dirty="0" err="1">
+                <a:ln>
+                  <a:noFill/>
+                </a:ln>
+                <a:solidFill>
+                  <a:srgbClr val="000000"/>
+                </a:solidFill>
+                <a:effectLst/>
+                <a:latin typeface="Lucida Console" panose="020B0609040504020204" pitchFamily="49" charset="0"/>
+              </a:rPr>
+              <a:t>MonthlyIncome</a:t>
+            </a:r>
+            <a:r>
+              <a:rPr kumimoji="0" lang="en-US" altLang="en-US" sz="1000" b="0" i="0" u="none" strike="noStrike" cap="none" normalizeH="0" baseline="0" dirty="0">
+                <a:ln>
+                  <a:noFill/>
+                </a:ln>
+                <a:solidFill>
+                  <a:srgbClr val="000000"/>
+                </a:solidFill>
+                <a:effectLst/>
+                <a:latin typeface="Lucida Console" panose="020B0609040504020204" pitchFamily="49" charset="0"/>
+              </a:rPr>
+              <a:t>" "</a:t>
+            </a:r>
+            <a:r>
+              <a:rPr kumimoji="0" lang="en-US" altLang="en-US" sz="1000" b="0" i="0" u="none" strike="noStrike" cap="none" normalizeH="0" baseline="0" dirty="0" err="1">
+                <a:ln>
+                  <a:noFill/>
+                </a:ln>
+                <a:solidFill>
+                  <a:srgbClr val="000000"/>
+                </a:solidFill>
+                <a:effectLst/>
+                <a:latin typeface="Lucida Console" panose="020B0609040504020204" pitchFamily="49" charset="0"/>
+              </a:rPr>
+              <a:t>MonthlyRate</a:t>
+            </a:r>
+            <a:r>
+              <a:rPr kumimoji="0" lang="en-US" altLang="en-US" sz="1000" b="0" i="0" u="none" strike="noStrike" cap="none" normalizeH="0" baseline="0" dirty="0">
+                <a:ln>
+                  <a:noFill/>
+                </a:ln>
+                <a:solidFill>
+                  <a:srgbClr val="000000"/>
+                </a:solidFill>
+                <a:effectLst/>
+                <a:latin typeface="Lucida Console" panose="020B0609040504020204" pitchFamily="49" charset="0"/>
+              </a:rPr>
+              <a:t>" </a:t>
+            </a:r>
+          </a:p>
+          <a:p>
+            <a:pPr marR="0" lvl="0" algn="l" defTabSz="914400" rtl="0" eaLnBrk="0" fontAlgn="base" latinLnBrk="0" hangingPunct="0">
+              <a:lnSpc>
+                <a:spcPct val="100000"/>
+              </a:lnSpc>
+              <a:spcBef>
+                <a:spcPct val="0"/>
+              </a:spcBef>
+              <a:spcAft>
+                <a:spcPct val="0"/>
+              </a:spcAft>
+              <a:buClrTx/>
+              <a:buSzTx/>
+              <a:buFont typeface="Wingdings" panose="05000000000000000000" pitchFamily="2" charset="2"/>
+              <a:buChar char="Ø"/>
+              <a:tabLst/>
+            </a:pPr>
+            <a:r>
+              <a:rPr kumimoji="0" lang="en-US" altLang="en-US" sz="1000" b="0" i="0" u="none" strike="noStrike" cap="none" normalizeH="0" baseline="0" dirty="0">
+                <a:ln>
+                  <a:noFill/>
+                </a:ln>
+                <a:solidFill>
+                  <a:srgbClr val="000000"/>
+                </a:solidFill>
+                <a:effectLst/>
+                <a:latin typeface="Lucida Console" panose="020B0609040504020204" pitchFamily="49" charset="0"/>
+              </a:rPr>
+              <a:t>[21] "</a:t>
+            </a:r>
+            <a:r>
+              <a:rPr kumimoji="0" lang="en-US" altLang="en-US" sz="1000" b="0" i="0" u="none" strike="noStrike" cap="none" normalizeH="0" baseline="0" dirty="0" err="1">
+                <a:ln>
+                  <a:noFill/>
+                </a:ln>
+                <a:solidFill>
+                  <a:srgbClr val="000000"/>
+                </a:solidFill>
+                <a:effectLst/>
+                <a:latin typeface="Lucida Console" panose="020B0609040504020204" pitchFamily="49" charset="0"/>
+              </a:rPr>
+              <a:t>NumCompaniesWorked</a:t>
+            </a:r>
+            <a:r>
+              <a:rPr kumimoji="0" lang="en-US" altLang="en-US" sz="1000" b="0" i="0" u="none" strike="noStrike" cap="none" normalizeH="0" baseline="0" dirty="0">
+                <a:ln>
+                  <a:noFill/>
+                </a:ln>
+                <a:solidFill>
+                  <a:srgbClr val="000000"/>
+                </a:solidFill>
+                <a:effectLst/>
+                <a:latin typeface="Lucida Console" panose="020B0609040504020204" pitchFamily="49" charset="0"/>
+              </a:rPr>
+              <a:t>" "Over18" "</a:t>
+            </a:r>
+            <a:r>
+              <a:rPr kumimoji="0" lang="en-US" altLang="en-US" sz="1000" b="0" i="0" u="none" strike="noStrike" cap="none" normalizeH="0" baseline="0" dirty="0" err="1">
+                <a:ln>
+                  <a:noFill/>
+                </a:ln>
+                <a:solidFill>
+                  <a:srgbClr val="000000"/>
+                </a:solidFill>
+                <a:effectLst/>
+                <a:latin typeface="Lucida Console" panose="020B0609040504020204" pitchFamily="49" charset="0"/>
+              </a:rPr>
+              <a:t>OverTime</a:t>
+            </a:r>
+            <a:r>
+              <a:rPr kumimoji="0" lang="en-US" altLang="en-US" sz="1000" b="0" i="0" u="none" strike="noStrike" cap="none" normalizeH="0" baseline="0" dirty="0">
+                <a:ln>
+                  <a:noFill/>
+                </a:ln>
+                <a:solidFill>
+                  <a:srgbClr val="000000"/>
+                </a:solidFill>
+                <a:effectLst/>
+                <a:latin typeface="Lucida Console" panose="020B0609040504020204" pitchFamily="49" charset="0"/>
+              </a:rPr>
+              <a:t>" "</a:t>
+            </a:r>
+            <a:r>
+              <a:rPr kumimoji="0" lang="en-US" altLang="en-US" sz="1000" b="0" i="0" u="none" strike="noStrike" cap="none" normalizeH="0" baseline="0" dirty="0" err="1">
+                <a:ln>
+                  <a:noFill/>
+                </a:ln>
+                <a:solidFill>
+                  <a:srgbClr val="000000"/>
+                </a:solidFill>
+                <a:effectLst/>
+                <a:latin typeface="Lucida Console" panose="020B0609040504020204" pitchFamily="49" charset="0"/>
+              </a:rPr>
+              <a:t>PercentSalaryHike</a:t>
+            </a:r>
+            <a:r>
+              <a:rPr kumimoji="0" lang="en-US" altLang="en-US" sz="1000" b="0" i="0" u="none" strike="noStrike" cap="none" normalizeH="0" baseline="0" dirty="0">
+                <a:ln>
+                  <a:noFill/>
+                </a:ln>
+                <a:solidFill>
+                  <a:srgbClr val="000000"/>
+                </a:solidFill>
+                <a:effectLst/>
+                <a:latin typeface="Lucida Console" panose="020B0609040504020204" pitchFamily="49" charset="0"/>
+              </a:rPr>
+              <a:t>" "</a:t>
+            </a:r>
+            <a:r>
+              <a:rPr kumimoji="0" lang="en-US" altLang="en-US" sz="1000" b="0" i="0" u="none" strike="noStrike" cap="none" normalizeH="0" baseline="0" dirty="0" err="1">
+                <a:ln>
+                  <a:noFill/>
+                </a:ln>
+                <a:solidFill>
+                  <a:srgbClr val="000000"/>
+                </a:solidFill>
+                <a:effectLst/>
+                <a:latin typeface="Lucida Console" panose="020B0609040504020204" pitchFamily="49" charset="0"/>
+              </a:rPr>
+              <a:t>PerformanceRating</a:t>
+            </a:r>
+            <a:r>
+              <a:rPr kumimoji="0" lang="en-US" altLang="en-US" sz="1000" b="0" i="0" u="none" strike="noStrike" cap="none" normalizeH="0" baseline="0" dirty="0">
+                <a:ln>
+                  <a:noFill/>
+                </a:ln>
+                <a:solidFill>
+                  <a:srgbClr val="000000"/>
+                </a:solidFill>
+                <a:effectLst/>
+                <a:latin typeface="Lucida Console" panose="020B0609040504020204" pitchFamily="49" charset="0"/>
+              </a:rPr>
+              <a:t>" </a:t>
+            </a:r>
+          </a:p>
+          <a:p>
+            <a:pPr marR="0" lvl="0" algn="l" defTabSz="914400" rtl="0" eaLnBrk="0" fontAlgn="base" latinLnBrk="0" hangingPunct="0">
+              <a:lnSpc>
+                <a:spcPct val="100000"/>
+              </a:lnSpc>
+              <a:spcBef>
+                <a:spcPct val="0"/>
+              </a:spcBef>
+              <a:spcAft>
+                <a:spcPct val="0"/>
+              </a:spcAft>
+              <a:buClrTx/>
+              <a:buSzTx/>
+              <a:buFont typeface="Wingdings" panose="05000000000000000000" pitchFamily="2" charset="2"/>
+              <a:buChar char="Ø"/>
+              <a:tabLst/>
+            </a:pPr>
+            <a:r>
+              <a:rPr kumimoji="0" lang="en-US" altLang="en-US" sz="1000" b="0" i="0" u="none" strike="noStrike" cap="none" normalizeH="0" baseline="0" dirty="0">
+                <a:ln>
+                  <a:noFill/>
+                </a:ln>
+                <a:solidFill>
+                  <a:srgbClr val="000000"/>
+                </a:solidFill>
+                <a:effectLst/>
+                <a:latin typeface="Lucida Console" panose="020B0609040504020204" pitchFamily="49" charset="0"/>
+              </a:rPr>
+              <a:t>[26] "</a:t>
+            </a:r>
+            <a:r>
+              <a:rPr kumimoji="0" lang="en-US" altLang="en-US" sz="1000" b="0" i="0" u="none" strike="noStrike" cap="none" normalizeH="0" baseline="0" dirty="0" err="1">
+                <a:ln>
+                  <a:noFill/>
+                </a:ln>
+                <a:solidFill>
+                  <a:srgbClr val="000000"/>
+                </a:solidFill>
+                <a:effectLst/>
+                <a:latin typeface="Lucida Console" panose="020B0609040504020204" pitchFamily="49" charset="0"/>
+              </a:rPr>
+              <a:t>RelationshipSatisfaction</a:t>
+            </a:r>
+            <a:r>
+              <a:rPr kumimoji="0" lang="en-US" altLang="en-US" sz="1000" b="0" i="0" u="none" strike="noStrike" cap="none" normalizeH="0" baseline="0" dirty="0">
+                <a:ln>
+                  <a:noFill/>
+                </a:ln>
+                <a:solidFill>
+                  <a:srgbClr val="000000"/>
+                </a:solidFill>
+                <a:effectLst/>
+                <a:latin typeface="Lucida Console" panose="020B0609040504020204" pitchFamily="49" charset="0"/>
+              </a:rPr>
+              <a:t>" "</a:t>
+            </a:r>
+            <a:r>
+              <a:rPr kumimoji="0" lang="en-US" altLang="en-US" sz="1000" b="0" i="0" u="none" strike="noStrike" cap="none" normalizeH="0" baseline="0" dirty="0" err="1">
+                <a:ln>
+                  <a:noFill/>
+                </a:ln>
+                <a:solidFill>
+                  <a:srgbClr val="000000"/>
+                </a:solidFill>
+                <a:effectLst/>
+                <a:latin typeface="Lucida Console" panose="020B0609040504020204" pitchFamily="49" charset="0"/>
+              </a:rPr>
+              <a:t>StandardHours</a:t>
+            </a:r>
+            <a:r>
+              <a:rPr kumimoji="0" lang="en-US" altLang="en-US" sz="1000" b="0" i="0" u="none" strike="noStrike" cap="none" normalizeH="0" baseline="0" dirty="0">
+                <a:ln>
+                  <a:noFill/>
+                </a:ln>
+                <a:solidFill>
+                  <a:srgbClr val="000000"/>
+                </a:solidFill>
+                <a:effectLst/>
+                <a:latin typeface="Lucida Console" panose="020B0609040504020204" pitchFamily="49" charset="0"/>
+              </a:rPr>
+              <a:t>" "</a:t>
+            </a:r>
+            <a:r>
+              <a:rPr kumimoji="0" lang="en-US" altLang="en-US" sz="1000" b="0" i="0" u="none" strike="noStrike" cap="none" normalizeH="0" baseline="0" dirty="0" err="1">
+                <a:ln>
+                  <a:noFill/>
+                </a:ln>
+                <a:solidFill>
+                  <a:srgbClr val="000000"/>
+                </a:solidFill>
+                <a:effectLst/>
+                <a:latin typeface="Lucida Console" panose="020B0609040504020204" pitchFamily="49" charset="0"/>
+              </a:rPr>
+              <a:t>StockOptionLevel</a:t>
+            </a:r>
+            <a:r>
+              <a:rPr kumimoji="0" lang="en-US" altLang="en-US" sz="1000" b="0" i="0" u="none" strike="noStrike" cap="none" normalizeH="0" baseline="0" dirty="0">
+                <a:ln>
+                  <a:noFill/>
+                </a:ln>
+                <a:solidFill>
+                  <a:srgbClr val="000000"/>
+                </a:solidFill>
+                <a:effectLst/>
+                <a:latin typeface="Lucida Console" panose="020B0609040504020204" pitchFamily="49" charset="0"/>
+              </a:rPr>
+              <a:t>" "</a:t>
+            </a:r>
+            <a:r>
+              <a:rPr kumimoji="0" lang="en-US" altLang="en-US" sz="1000" b="0" i="0" u="none" strike="noStrike" cap="none" normalizeH="0" baseline="0" dirty="0" err="1">
+                <a:ln>
+                  <a:noFill/>
+                </a:ln>
+                <a:solidFill>
+                  <a:srgbClr val="000000"/>
+                </a:solidFill>
+                <a:effectLst/>
+                <a:latin typeface="Lucida Console" panose="020B0609040504020204" pitchFamily="49" charset="0"/>
+              </a:rPr>
+              <a:t>TotalWorkingYears</a:t>
+            </a:r>
+            <a:r>
+              <a:rPr kumimoji="0" lang="en-US" altLang="en-US" sz="1000" b="0" i="0" u="none" strike="noStrike" cap="none" normalizeH="0" baseline="0" dirty="0">
+                <a:ln>
+                  <a:noFill/>
+                </a:ln>
+                <a:solidFill>
+                  <a:srgbClr val="000000"/>
+                </a:solidFill>
+                <a:effectLst/>
+                <a:latin typeface="Lucida Console" panose="020B0609040504020204" pitchFamily="49" charset="0"/>
+              </a:rPr>
+              <a:t>" "</a:t>
+            </a:r>
+            <a:r>
+              <a:rPr kumimoji="0" lang="en-US" altLang="en-US" sz="1000" b="0" i="0" u="none" strike="noStrike" cap="none" normalizeH="0" baseline="0" dirty="0" err="1">
+                <a:ln>
+                  <a:noFill/>
+                </a:ln>
+                <a:solidFill>
+                  <a:srgbClr val="000000"/>
+                </a:solidFill>
+                <a:effectLst/>
+                <a:latin typeface="Lucida Console" panose="020B0609040504020204" pitchFamily="49" charset="0"/>
+              </a:rPr>
+              <a:t>TrainingTimesLastYear</a:t>
+            </a:r>
+            <a:r>
+              <a:rPr kumimoji="0" lang="en-US" altLang="en-US" sz="1000" b="0" i="0" u="none" strike="noStrike" cap="none" normalizeH="0" baseline="0" dirty="0">
+                <a:ln>
+                  <a:noFill/>
+                </a:ln>
+                <a:solidFill>
+                  <a:srgbClr val="000000"/>
+                </a:solidFill>
+                <a:effectLst/>
+                <a:latin typeface="Lucida Console" panose="020B0609040504020204" pitchFamily="49" charset="0"/>
+              </a:rPr>
+              <a:t>" </a:t>
+            </a:r>
+          </a:p>
+          <a:p>
+            <a:pPr marR="0" lvl="0" algn="l" defTabSz="914400" rtl="0" eaLnBrk="0" fontAlgn="base" latinLnBrk="0" hangingPunct="0">
+              <a:lnSpc>
+                <a:spcPct val="100000"/>
+              </a:lnSpc>
+              <a:spcBef>
+                <a:spcPct val="0"/>
+              </a:spcBef>
+              <a:spcAft>
+                <a:spcPct val="0"/>
+              </a:spcAft>
+              <a:buClrTx/>
+              <a:buSzTx/>
+              <a:buFont typeface="Wingdings" panose="05000000000000000000" pitchFamily="2" charset="2"/>
+              <a:buChar char="Ø"/>
+              <a:tabLst/>
+            </a:pPr>
+            <a:r>
+              <a:rPr kumimoji="0" lang="en-US" altLang="en-US" sz="1000" b="0" i="0" u="none" strike="noStrike" cap="none" normalizeH="0" baseline="0" dirty="0">
+                <a:ln>
+                  <a:noFill/>
+                </a:ln>
+                <a:solidFill>
+                  <a:srgbClr val="000000"/>
+                </a:solidFill>
+                <a:effectLst/>
+                <a:latin typeface="Lucida Console" panose="020B0609040504020204" pitchFamily="49" charset="0"/>
+              </a:rPr>
+              <a:t>[31] "</a:t>
+            </a:r>
+            <a:r>
+              <a:rPr kumimoji="0" lang="en-US" altLang="en-US" sz="1000" b="0" i="0" u="none" strike="noStrike" cap="none" normalizeH="0" baseline="0" dirty="0" err="1">
+                <a:ln>
+                  <a:noFill/>
+                </a:ln>
+                <a:solidFill>
+                  <a:srgbClr val="000000"/>
+                </a:solidFill>
+                <a:effectLst/>
+                <a:latin typeface="Lucida Console" panose="020B0609040504020204" pitchFamily="49" charset="0"/>
+              </a:rPr>
+              <a:t>WorkLifeBalance</a:t>
+            </a:r>
+            <a:r>
+              <a:rPr kumimoji="0" lang="en-US" altLang="en-US" sz="1000" b="0" i="0" u="none" strike="noStrike" cap="none" normalizeH="0" baseline="0" dirty="0">
+                <a:ln>
+                  <a:noFill/>
+                </a:ln>
+                <a:solidFill>
+                  <a:srgbClr val="000000"/>
+                </a:solidFill>
+                <a:effectLst/>
+                <a:latin typeface="Lucida Console" panose="020B0609040504020204" pitchFamily="49" charset="0"/>
+              </a:rPr>
+              <a:t>" "</a:t>
+            </a:r>
+            <a:r>
+              <a:rPr kumimoji="0" lang="en-US" altLang="en-US" sz="1000" b="0" i="0" u="none" strike="noStrike" cap="none" normalizeH="0" baseline="0" dirty="0" err="1">
+                <a:ln>
+                  <a:noFill/>
+                </a:ln>
+                <a:solidFill>
+                  <a:srgbClr val="000000"/>
+                </a:solidFill>
+                <a:effectLst/>
+                <a:latin typeface="Lucida Console" panose="020B0609040504020204" pitchFamily="49" charset="0"/>
+              </a:rPr>
+              <a:t>YearsAtCompany</a:t>
+            </a:r>
+            <a:r>
+              <a:rPr kumimoji="0" lang="en-US" altLang="en-US" sz="1000" b="0" i="0" u="none" strike="noStrike" cap="none" normalizeH="0" baseline="0" dirty="0">
+                <a:ln>
+                  <a:noFill/>
+                </a:ln>
+                <a:solidFill>
+                  <a:srgbClr val="000000"/>
+                </a:solidFill>
+                <a:effectLst/>
+                <a:latin typeface="Lucida Console" panose="020B0609040504020204" pitchFamily="49" charset="0"/>
+              </a:rPr>
+              <a:t>" "</a:t>
+            </a:r>
+            <a:r>
+              <a:rPr kumimoji="0" lang="en-US" altLang="en-US" sz="1000" b="0" i="0" u="none" strike="noStrike" cap="none" normalizeH="0" baseline="0" dirty="0" err="1">
+                <a:ln>
+                  <a:noFill/>
+                </a:ln>
+                <a:solidFill>
+                  <a:srgbClr val="000000"/>
+                </a:solidFill>
+                <a:effectLst/>
+                <a:latin typeface="Lucida Console" panose="020B0609040504020204" pitchFamily="49" charset="0"/>
+              </a:rPr>
+              <a:t>YearsInCurrentRole</a:t>
+            </a:r>
+            <a:r>
+              <a:rPr kumimoji="0" lang="en-US" altLang="en-US" sz="1000" b="0" i="0" u="none" strike="noStrike" cap="none" normalizeH="0" baseline="0" dirty="0">
+                <a:ln>
+                  <a:noFill/>
+                </a:ln>
+                <a:solidFill>
+                  <a:srgbClr val="000000"/>
+                </a:solidFill>
+                <a:effectLst/>
+                <a:latin typeface="Lucida Console" panose="020B0609040504020204" pitchFamily="49" charset="0"/>
+              </a:rPr>
+              <a:t>" "</a:t>
+            </a:r>
+            <a:r>
+              <a:rPr kumimoji="0" lang="en-US" altLang="en-US" sz="1000" b="0" i="0" u="none" strike="noStrike" cap="none" normalizeH="0" baseline="0" dirty="0" err="1">
+                <a:ln>
+                  <a:noFill/>
+                </a:ln>
+                <a:solidFill>
+                  <a:srgbClr val="000000"/>
+                </a:solidFill>
+                <a:effectLst/>
+                <a:latin typeface="Lucida Console" panose="020B0609040504020204" pitchFamily="49" charset="0"/>
+              </a:rPr>
+              <a:t>YearsSinceLastPromotion</a:t>
+            </a:r>
+            <a:r>
+              <a:rPr kumimoji="0" lang="en-US" altLang="en-US" sz="1000" b="0" i="0" u="none" strike="noStrike" cap="none" normalizeH="0" baseline="0" dirty="0">
+                <a:ln>
+                  <a:noFill/>
+                </a:ln>
+                <a:solidFill>
+                  <a:srgbClr val="000000"/>
+                </a:solidFill>
+                <a:effectLst/>
+                <a:latin typeface="Lucida Console" panose="020B0609040504020204" pitchFamily="49" charset="0"/>
+              </a:rPr>
+              <a:t>" "</a:t>
+            </a:r>
+            <a:r>
+              <a:rPr kumimoji="0" lang="en-US" altLang="en-US" sz="1000" b="0" i="0" u="none" strike="noStrike" cap="none" normalizeH="0" baseline="0" dirty="0" err="1">
+                <a:ln>
+                  <a:noFill/>
+                </a:ln>
+                <a:solidFill>
+                  <a:srgbClr val="000000"/>
+                </a:solidFill>
+                <a:effectLst/>
+                <a:latin typeface="Lucida Console" panose="020B0609040504020204" pitchFamily="49" charset="0"/>
+              </a:rPr>
+              <a:t>YearsWithCurrManager</a:t>
+            </a:r>
+            <a:r>
+              <a:rPr kumimoji="0" lang="en-US" altLang="en-US" sz="1000" b="0" i="0" u="none" strike="noStrike" cap="none" normalizeH="0" baseline="0" dirty="0">
+                <a:ln>
+                  <a:noFill/>
+                </a:ln>
+                <a:solidFill>
+                  <a:srgbClr val="000000"/>
+                </a:solidFill>
+                <a:effectLst/>
+                <a:latin typeface="Lucida Console" panose="020B0609040504020204" pitchFamily="49" charset="0"/>
+              </a:rPr>
+              <a:t>" </a:t>
+            </a:r>
+            <a:endParaRPr kumimoji="0" lang="en-US" altLang="en-US" sz="1800" b="0" i="0" u="none" strike="noStrike" cap="none" normalizeH="0" baseline="0" dirty="0">
+              <a:ln>
+                <a:noFill/>
+              </a:ln>
+              <a:solidFill>
+                <a:schemeClr val="tx1"/>
+              </a:solidFill>
+              <a:effectLst/>
+              <a:latin typeface="Arial" panose="020B0604020202020204" pitchFamily="34" charset="0"/>
+            </a:endParaRPr>
+          </a:p>
+        </p:txBody>
+      </p:sp>
+    </p:spTree>
+    <p:extLst>
+      <p:ext uri="{BB962C8B-B14F-4D97-AF65-F5344CB8AC3E}">
+        <p14:creationId xmlns:p14="http://schemas.microsoft.com/office/powerpoint/2010/main" val="2852773575"/>
+      </p:ext>
+    </p:extLst>
+  </p:cSld>
+  <p:clrMapOvr>
+    <a:masterClrMapping/>
+  </p:clrMapOvr>
+</p:sld>
+</file>
+
+<file path=ppt/slides/slide9.xml><?xml version="1.0" encoding="utf-8"?>
+<p:sld xmlns:a="http://schemas.openxmlformats.org/drawingml/2006/main" xmlns:r="http://schemas.openxmlformats.org/officeDocument/2006/relationships" xmlns:p="http://schemas.openxmlformats.org/presentationml/2006/main">
+  <p:cSld>
+    <p:spTree>
+      <p:nvGrpSpPr>
+        <p:cNvPr id="1" name=""/>
+        <p:cNvGrpSpPr/>
+        <p:nvPr/>
+      </p:nvGrpSpPr>
+      <p:grpSpPr>
+        <a:xfrm>
+          <a:off x="0" y="0"/>
+          <a:ext cx="0" cy="0"/>
+          <a:chOff x="0" y="0"/>
+          <a:chExt cx="0" cy="0"/>
+        </a:xfrm>
+      </p:grpSpPr>
+      <p:pic>
+        <p:nvPicPr>
+          <p:cNvPr id="4" name="Picture 3">
+            <a:extLst>
+              <a:ext uri="{FF2B5EF4-FFF2-40B4-BE49-F238E27FC236}">
+                <a16:creationId xmlns:a16="http://schemas.microsoft.com/office/drawing/2014/main" id="{6A0C16AB-AA18-41FA-839F-5D893CE2A644}"/>
+              </a:ext>
+            </a:extLst>
+          </p:cNvPr>
+          <p:cNvPicPr>
+            <a:picLocks noChangeAspect="1"/>
+          </p:cNvPicPr>
+          <p:nvPr/>
+        </p:nvPicPr>
+        <p:blipFill>
+          <a:blip r:embed="rId2"/>
+          <a:stretch>
+            <a:fillRect/>
+          </a:stretch>
+        </p:blipFill>
+        <p:spPr>
+          <a:xfrm>
+            <a:off x="164795" y="6174"/>
+            <a:ext cx="11862410" cy="6845652"/>
+          </a:xfrm>
+          <a:prstGeom prst="rect">
+            <a:avLst/>
+          </a:prstGeom>
+        </p:spPr>
+      </p:pic>
+    </p:spTree>
+    <p:extLst>
+      <p:ext uri="{BB962C8B-B14F-4D97-AF65-F5344CB8AC3E}">
+        <p14:creationId xmlns:p14="http://schemas.microsoft.com/office/powerpoint/2010/main" val="4042849372"/>
       </p:ext>
     </p:extLst>
   </p:cSld>

--- a/case_study_02_presentation.pptx
+++ b/case_study_02_presentation.pptx
@@ -24,6 +24,7 @@
     <p:sldId id="261" r:id="rId18"/>
     <p:sldId id="262" r:id="rId19"/>
     <p:sldId id="263" r:id="rId20"/>
+    <p:sldId id="275" r:id="rId21"/>
   </p:sldIdLst>
   <p:sldSz cx="12192000" cy="6858000"/>
   <p:notesSz cx="6858000" cy="9144000"/>
@@ -158,6 +159,7 @@
             <p14:sldId id="261"/>
             <p14:sldId id="262"/>
             <p14:sldId id="263"/>
+            <p14:sldId id="275"/>
           </p14:sldIdLst>
         </p14:section>
       </p14:sectionLst>
@@ -316,7 +318,7 @@
           <a:p>
             <a:fld id="{08B136E0-DE68-48F8-B9E2-21BBDA41EF35}" type="datetimeFigureOut">
               <a:rPr lang="en-US" smtClean="0"/>
-              <a:t>4/11/2019</a:t>
+              <a:t>4/12/2019</a:t>
             </a:fld>
             <a:endParaRPr lang="en-US"/>
           </a:p>
@@ -514,7 +516,7 @@
           <a:p>
             <a:fld id="{08B136E0-DE68-48F8-B9E2-21BBDA41EF35}" type="datetimeFigureOut">
               <a:rPr lang="en-US" smtClean="0"/>
-              <a:t>4/11/2019</a:t>
+              <a:t>4/12/2019</a:t>
             </a:fld>
             <a:endParaRPr lang="en-US"/>
           </a:p>
@@ -722,7 +724,7 @@
           <a:p>
             <a:fld id="{08B136E0-DE68-48F8-B9E2-21BBDA41EF35}" type="datetimeFigureOut">
               <a:rPr lang="en-US" smtClean="0"/>
-              <a:t>4/11/2019</a:t>
+              <a:t>4/12/2019</a:t>
             </a:fld>
             <a:endParaRPr lang="en-US"/>
           </a:p>
@@ -920,7 +922,7 @@
           <a:p>
             <a:fld id="{08B136E0-DE68-48F8-B9E2-21BBDA41EF35}" type="datetimeFigureOut">
               <a:rPr lang="en-US" smtClean="0"/>
-              <a:t>4/11/2019</a:t>
+              <a:t>4/12/2019</a:t>
             </a:fld>
             <a:endParaRPr lang="en-US"/>
           </a:p>
@@ -1195,7 +1197,7 @@
           <a:p>
             <a:fld id="{08B136E0-DE68-48F8-B9E2-21BBDA41EF35}" type="datetimeFigureOut">
               <a:rPr lang="en-US" smtClean="0"/>
-              <a:t>4/11/2019</a:t>
+              <a:t>4/12/2019</a:t>
             </a:fld>
             <a:endParaRPr lang="en-US"/>
           </a:p>
@@ -1460,7 +1462,7 @@
           <a:p>
             <a:fld id="{08B136E0-DE68-48F8-B9E2-21BBDA41EF35}" type="datetimeFigureOut">
               <a:rPr lang="en-US" smtClean="0"/>
-              <a:t>4/11/2019</a:t>
+              <a:t>4/12/2019</a:t>
             </a:fld>
             <a:endParaRPr lang="en-US"/>
           </a:p>
@@ -1872,7 +1874,7 @@
           <a:p>
             <a:fld id="{08B136E0-DE68-48F8-B9E2-21BBDA41EF35}" type="datetimeFigureOut">
               <a:rPr lang="en-US" smtClean="0"/>
-              <a:t>4/11/2019</a:t>
+              <a:t>4/12/2019</a:t>
             </a:fld>
             <a:endParaRPr lang="en-US"/>
           </a:p>
@@ -2013,7 +2015,7 @@
           <a:p>
             <a:fld id="{08B136E0-DE68-48F8-B9E2-21BBDA41EF35}" type="datetimeFigureOut">
               <a:rPr lang="en-US" smtClean="0"/>
-              <a:t>4/11/2019</a:t>
+              <a:t>4/12/2019</a:t>
             </a:fld>
             <a:endParaRPr lang="en-US"/>
           </a:p>
@@ -2126,7 +2128,7 @@
           <a:p>
             <a:fld id="{08B136E0-DE68-48F8-B9E2-21BBDA41EF35}" type="datetimeFigureOut">
               <a:rPr lang="en-US" smtClean="0"/>
-              <a:t>4/11/2019</a:t>
+              <a:t>4/12/2019</a:t>
             </a:fld>
             <a:endParaRPr lang="en-US"/>
           </a:p>
@@ -2437,7 +2439,7 @@
           <a:p>
             <a:fld id="{08B136E0-DE68-48F8-B9E2-21BBDA41EF35}" type="datetimeFigureOut">
               <a:rPr lang="en-US" smtClean="0"/>
-              <a:t>4/11/2019</a:t>
+              <a:t>4/12/2019</a:t>
             </a:fld>
             <a:endParaRPr lang="en-US"/>
           </a:p>
@@ -2725,7 +2727,7 @@
           <a:p>
             <a:fld id="{08B136E0-DE68-48F8-B9E2-21BBDA41EF35}" type="datetimeFigureOut">
               <a:rPr lang="en-US" smtClean="0"/>
-              <a:t>4/11/2019</a:t>
+              <a:t>4/12/2019</a:t>
             </a:fld>
             <a:endParaRPr lang="en-US"/>
           </a:p>
@@ -2966,7 +2968,7 @@
           <a:p>
             <a:fld id="{08B136E0-DE68-48F8-B9E2-21BBDA41EF35}" type="datetimeFigureOut">
               <a:rPr lang="en-US" smtClean="0"/>
-              <a:t>4/11/2019</a:t>
+              <a:t>4/12/2019</a:t>
             </a:fld>
             <a:endParaRPr lang="en-US"/>
           </a:p>
@@ -4390,6 +4392,66 @@
     <p:extLst>
       <p:ext uri="{BB962C8B-B14F-4D97-AF65-F5344CB8AC3E}">
         <p14:creationId xmlns:p14="http://schemas.microsoft.com/office/powerpoint/2010/main" val="3800497767"/>
+      </p:ext>
+    </p:extLst>
+  </p:cSld>
+  <p:clrMapOvr>
+    <a:masterClrMapping/>
+  </p:clrMapOvr>
+</p:sld>
+</file>
+
+<file path=ppt/slides/slide20.xml><?xml version="1.0" encoding="utf-8"?>
+<p:sld xmlns:a="http://schemas.openxmlformats.org/drawingml/2006/main" xmlns:r="http://schemas.openxmlformats.org/officeDocument/2006/relationships" xmlns:p="http://schemas.openxmlformats.org/presentationml/2006/main">
+  <p:cSld>
+    <p:spTree>
+      <p:nvGrpSpPr>
+        <p:cNvPr id="1" name=""/>
+        <p:cNvGrpSpPr/>
+        <p:nvPr/>
+      </p:nvGrpSpPr>
+      <p:grpSpPr>
+        <a:xfrm>
+          <a:off x="0" y="0"/>
+          <a:ext cx="0" cy="0"/>
+          <a:chOff x="0" y="0"/>
+          <a:chExt cx="0" cy="0"/>
+        </a:xfrm>
+      </p:grpSpPr>
+      <p:pic>
+        <p:nvPicPr>
+          <p:cNvPr id="5" name="Picture 4">
+            <a:extLst>
+              <a:ext uri="{FF2B5EF4-FFF2-40B4-BE49-F238E27FC236}">
+                <a16:creationId xmlns:a16="http://schemas.microsoft.com/office/drawing/2014/main" id="{C790DBBA-10CB-400F-A417-E9E6FD901715}"/>
+              </a:ext>
+            </a:extLst>
+          </p:cNvPr>
+          <p:cNvPicPr>
+            <a:picLocks noChangeAspect="1"/>
+          </p:cNvPicPr>
+          <p:nvPr/>
+        </p:nvPicPr>
+        <p:blipFill>
+          <a:blip r:embed="rId2"/>
+          <a:stretch>
+            <a:fillRect/>
+          </a:stretch>
+        </p:blipFill>
+        <p:spPr>
+          <a:xfrm>
+            <a:off x="0" y="200025"/>
+            <a:ext cx="12192000" cy="6457950"/>
+          </a:xfrm>
+          <a:prstGeom prst="rect">
+            <a:avLst/>
+          </a:prstGeom>
+        </p:spPr>
+      </p:pic>
+    </p:spTree>
+    <p:extLst>
+      <p:ext uri="{BB962C8B-B14F-4D97-AF65-F5344CB8AC3E}">
+        <p14:creationId xmlns:p14="http://schemas.microsoft.com/office/powerpoint/2010/main" val="2433233052"/>
       </p:ext>
     </p:extLst>
   </p:cSld>

--- a/case_study_02_presentation.pptx
+++ b/case_study_02_presentation.pptx
@@ -9,22 +9,24 @@
     <p:sldId id="275" r:id="rId3"/>
     <p:sldId id="265" r:id="rId4"/>
     <p:sldId id="266" r:id="rId5"/>
-    <p:sldId id="267" r:id="rId6"/>
-    <p:sldId id="268" r:id="rId7"/>
-    <p:sldId id="269" r:id="rId8"/>
-    <p:sldId id="256" r:id="rId9"/>
-    <p:sldId id="257" r:id="rId10"/>
-    <p:sldId id="270" r:id="rId11"/>
-    <p:sldId id="271" r:id="rId12"/>
-    <p:sldId id="272" r:id="rId13"/>
-    <p:sldId id="273" r:id="rId14"/>
-    <p:sldId id="274" r:id="rId15"/>
-    <p:sldId id="258" r:id="rId16"/>
-    <p:sldId id="259" r:id="rId17"/>
-    <p:sldId id="260" r:id="rId18"/>
-    <p:sldId id="261" r:id="rId19"/>
-    <p:sldId id="262" r:id="rId20"/>
-    <p:sldId id="263" r:id="rId21"/>
+    <p:sldId id="276" r:id="rId6"/>
+    <p:sldId id="279" r:id="rId7"/>
+    <p:sldId id="278" r:id="rId8"/>
+    <p:sldId id="267" r:id="rId9"/>
+    <p:sldId id="269" r:id="rId10"/>
+    <p:sldId id="256" r:id="rId11"/>
+    <p:sldId id="257" r:id="rId12"/>
+    <p:sldId id="270" r:id="rId13"/>
+    <p:sldId id="271" r:id="rId14"/>
+    <p:sldId id="272" r:id="rId15"/>
+    <p:sldId id="273" r:id="rId16"/>
+    <p:sldId id="274" r:id="rId17"/>
+    <p:sldId id="258" r:id="rId18"/>
+    <p:sldId id="259" r:id="rId19"/>
+    <p:sldId id="260" r:id="rId20"/>
+    <p:sldId id="261" r:id="rId21"/>
+    <p:sldId id="262" r:id="rId22"/>
+    <p:sldId id="263" r:id="rId23"/>
   </p:sldIdLst>
   <p:sldSz cx="12192000" cy="6858000"/>
   <p:notesSz cx="6858000" cy="9144000"/>
@@ -136,8 +138,10 @@
         </p14:section>
         <p14:section name="Story" id="{0D082006-2A04-495E-9CE1-8FEA757F5F91}">
           <p14:sldIdLst>
+            <p14:sldId id="276"/>
+            <p14:sldId id="279"/>
+            <p14:sldId id="278"/>
             <p14:sldId id="267"/>
-            <p14:sldId id="268"/>
           </p14:sldIdLst>
         </p14:section>
         <p14:section name="Conclusion" id="{CC523660-F8A3-4597-8458-66C8365C0AE2}">
@@ -6603,6 +6607,1607 @@
           <a:chExt cx="0" cy="0"/>
         </a:xfrm>
       </p:grpSpPr>
+      <p:sp>
+        <p:nvSpPr>
+          <p:cNvPr id="2" name="Title 1">
+            <a:extLst>
+              <a:ext uri="{FF2B5EF4-FFF2-40B4-BE49-F238E27FC236}">
+                <a16:creationId xmlns:a16="http://schemas.microsoft.com/office/drawing/2014/main" id="{6F3EDFA2-3009-4284-AE03-FFF227999411}"/>
+              </a:ext>
+            </a:extLst>
+          </p:cNvPr>
+          <p:cNvSpPr>
+            <a:spLocks noGrp="1"/>
+          </p:cNvSpPr>
+          <p:nvPr>
+            <p:ph type="ctrTitle"/>
+          </p:nvPr>
+        </p:nvSpPr>
+        <p:spPr/>
+        <p:txBody>
+          <a:bodyPr/>
+          <a:lstStyle/>
+          <a:p>
+            <a:r>
+              <a:rPr lang="en-US" dirty="0"/>
+              <a:t>Imported data</a:t>
+            </a:r>
+          </a:p>
+        </p:txBody>
+      </p:sp>
+      <p:sp>
+        <p:nvSpPr>
+          <p:cNvPr id="3" name="Subtitle 2">
+            <a:extLst>
+              <a:ext uri="{FF2B5EF4-FFF2-40B4-BE49-F238E27FC236}">
+                <a16:creationId xmlns:a16="http://schemas.microsoft.com/office/drawing/2014/main" id="{C79B5F8E-EF01-4CAB-B44C-EEA14ED6DEB9}"/>
+              </a:ext>
+            </a:extLst>
+          </p:cNvPr>
+          <p:cNvSpPr>
+            <a:spLocks noGrp="1"/>
+          </p:cNvSpPr>
+          <p:nvPr>
+            <p:ph type="subTitle" idx="1"/>
+          </p:nvPr>
+        </p:nvSpPr>
+        <p:spPr/>
+        <p:txBody>
+          <a:bodyPr/>
+          <a:lstStyle/>
+          <a:p>
+            <a:r>
+              <a:rPr lang="en-US" dirty="0"/>
+              <a:t>library(</a:t>
+            </a:r>
+            <a:r>
+              <a:rPr lang="en-US" dirty="0" err="1"/>
+              <a:t>openxlsx</a:t>
+            </a:r>
+            <a:r>
+              <a:rPr lang="en-US" dirty="0"/>
+              <a:t>)</a:t>
+            </a:r>
+          </a:p>
+          <a:p>
+            <a:r>
+              <a:rPr lang="en-US" dirty="0" err="1"/>
+              <a:t>attritionData</a:t>
+            </a:r>
+            <a:r>
+              <a:rPr lang="en-US" dirty="0"/>
+              <a:t> &lt;- read.xlsx("CaseStudy2-data.xlsx")</a:t>
+            </a:r>
+          </a:p>
+        </p:txBody>
+      </p:sp>
+    </p:spTree>
+    <p:extLst>
+      <p:ext uri="{BB962C8B-B14F-4D97-AF65-F5344CB8AC3E}">
+        <p14:creationId xmlns:p14="http://schemas.microsoft.com/office/powerpoint/2010/main" val="1951453925"/>
+      </p:ext>
+    </p:extLst>
+  </p:cSld>
+  <p:clrMapOvr>
+    <a:masterClrMapping/>
+  </p:clrMapOvr>
+</p:sld>
+</file>
+
+<file path=ppt/slides/slide11.xml><?xml version="1.0" encoding="utf-8"?>
+<p:sld xmlns:a="http://schemas.openxmlformats.org/drawingml/2006/main" xmlns:r="http://schemas.openxmlformats.org/officeDocument/2006/relationships" xmlns:p="http://schemas.openxmlformats.org/presentationml/2006/main">
+  <p:cSld>
+    <p:spTree>
+      <p:nvGrpSpPr>
+        <p:cNvPr id="1" name=""/>
+        <p:cNvGrpSpPr/>
+        <p:nvPr/>
+      </p:nvGrpSpPr>
+      <p:grpSpPr>
+        <a:xfrm>
+          <a:off x="0" y="0"/>
+          <a:ext cx="0" cy="0"/>
+          <a:chOff x="0" y="0"/>
+          <a:chExt cx="0" cy="0"/>
+        </a:xfrm>
+      </p:grpSpPr>
+      <p:sp>
+        <p:nvSpPr>
+          <p:cNvPr id="2" name="Title 1">
+            <a:extLst>
+              <a:ext uri="{FF2B5EF4-FFF2-40B4-BE49-F238E27FC236}">
+                <a16:creationId xmlns:a16="http://schemas.microsoft.com/office/drawing/2014/main" id="{1700EF96-D0BC-4A91-983C-813B13359FA5}"/>
+              </a:ext>
+            </a:extLst>
+          </p:cNvPr>
+          <p:cNvSpPr>
+            <a:spLocks noGrp="1"/>
+          </p:cNvSpPr>
+          <p:nvPr>
+            <p:ph type="title"/>
+          </p:nvPr>
+        </p:nvSpPr>
+        <p:spPr/>
+        <p:txBody>
+          <a:bodyPr/>
+          <a:lstStyle/>
+          <a:p>
+            <a:r>
+              <a:rPr lang="en-US" dirty="0"/>
+              <a:t>Inspected Data</a:t>
+            </a:r>
+          </a:p>
+        </p:txBody>
+      </p:sp>
+      <p:sp>
+        <p:nvSpPr>
+          <p:cNvPr id="6" name="Rectangle 2">
+            <a:extLst>
+              <a:ext uri="{FF2B5EF4-FFF2-40B4-BE49-F238E27FC236}">
+                <a16:creationId xmlns:a16="http://schemas.microsoft.com/office/drawing/2014/main" id="{37ED1D22-0F4E-4AA1-8713-8B09CC1F07BB}"/>
+              </a:ext>
+            </a:extLst>
+          </p:cNvPr>
+          <p:cNvSpPr>
+            <a:spLocks noGrp="1" noChangeArrowheads="1"/>
+          </p:cNvSpPr>
+          <p:nvPr>
+            <p:ph idx="1"/>
+          </p:nvPr>
+        </p:nvSpPr>
+        <p:spPr bwMode="auto">
+          <a:xfrm>
+            <a:off x="963693" y="1562100"/>
+            <a:ext cx="8771632" cy="1231106"/>
+          </a:xfrm>
+          <a:prstGeom prst="rect">
+            <a:avLst/>
+          </a:prstGeom>
+          <a:solidFill>
+            <a:srgbClr val="FFFFFF"/>
+          </a:solidFill>
+          <a:ln>
+            <a:noFill/>
+          </a:ln>
+          <a:effectLst/>
+          <a:extLst>
+            <a:ext uri="{91240B29-F687-4F45-9708-019B960494DF}">
+              <a14:hiddenLine xmlns:a14="http://schemas.microsoft.com/office/drawing/2010/main" w="9525">
+                <a:solidFill>
+                  <a:schemeClr val="tx1"/>
+                </a:solidFill>
+                <a:miter lim="800000"/>
+                <a:headEnd/>
+                <a:tailEnd/>
+              </a14:hiddenLine>
+            </a:ext>
+            <a:ext uri="{AF507438-7753-43E0-B8FC-AC1667EBCBE1}">
+              <a14:hiddenEffects xmlns:a14="http://schemas.microsoft.com/office/drawing/2010/main">
+                <a:effectLst>
+                  <a:outerShdw dist="35921" dir="2700000" algn="ctr" rotWithShape="0">
+                    <a:schemeClr val="bg2"/>
+                  </a:outerShdw>
+                </a:effectLst>
+              </a14:hiddenEffects>
+            </a:ext>
+          </a:extLst>
+        </p:spPr>
+        <p:txBody>
+          <a:bodyPr vert="horz" wrap="none" lIns="0" tIns="0" rIns="0" bIns="0" numCol="1" anchor="ctr" anchorCtr="0" compatLnSpc="1">
+            <a:prstTxWarp prst="textNoShape">
+              <a:avLst/>
+            </a:prstTxWarp>
+            <a:spAutoFit/>
+          </a:bodyPr>
+          <a:lstStyle/>
+          <a:p>
+            <a:pPr marR="0" lvl="0" algn="l" defTabSz="914400" rtl="0" eaLnBrk="0" fontAlgn="base" latinLnBrk="0" hangingPunct="0">
+              <a:lnSpc>
+                <a:spcPct val="100000"/>
+              </a:lnSpc>
+              <a:spcBef>
+                <a:spcPct val="0"/>
+              </a:spcBef>
+              <a:spcAft>
+                <a:spcPct val="0"/>
+              </a:spcAft>
+              <a:buClrTx/>
+              <a:buSzTx/>
+              <a:buFont typeface="Wingdings" panose="05000000000000000000" pitchFamily="2" charset="2"/>
+              <a:buChar char="Ø"/>
+              <a:tabLst/>
+            </a:pPr>
+            <a:r>
+              <a:rPr kumimoji="0" lang="en-US" altLang="en-US" sz="1000" b="0" i="0" u="none" strike="noStrike" cap="none" normalizeH="0" baseline="0" dirty="0">
+                <a:ln>
+                  <a:noFill/>
+                </a:ln>
+                <a:solidFill>
+                  <a:srgbClr val="0000FF"/>
+                </a:solidFill>
+                <a:effectLst/>
+                <a:latin typeface="Lucida Console" panose="020B0609040504020204" pitchFamily="49" charset="0"/>
+              </a:rPr>
+              <a:t>names(</a:t>
+            </a:r>
+            <a:r>
+              <a:rPr kumimoji="0" lang="en-US" altLang="en-US" sz="1000" b="0" i="0" u="none" strike="noStrike" cap="none" normalizeH="0" baseline="0" dirty="0" err="1">
+                <a:ln>
+                  <a:noFill/>
+                </a:ln>
+                <a:solidFill>
+                  <a:srgbClr val="0000FF"/>
+                </a:solidFill>
+                <a:effectLst/>
+                <a:latin typeface="Lucida Console" panose="020B0609040504020204" pitchFamily="49" charset="0"/>
+              </a:rPr>
+              <a:t>attritionData</a:t>
+            </a:r>
+            <a:r>
+              <a:rPr kumimoji="0" lang="en-US" altLang="en-US" sz="1000" b="0" i="0" u="none" strike="noStrike" cap="none" normalizeH="0" baseline="0" dirty="0">
+                <a:ln>
+                  <a:noFill/>
+                </a:ln>
+                <a:solidFill>
+                  <a:srgbClr val="0000FF"/>
+                </a:solidFill>
+                <a:effectLst/>
+                <a:latin typeface="Lucida Console" panose="020B0609040504020204" pitchFamily="49" charset="0"/>
+              </a:rPr>
+              <a:t>) </a:t>
+            </a:r>
+          </a:p>
+          <a:p>
+            <a:pPr marR="0" lvl="0" algn="l" defTabSz="914400" rtl="0" eaLnBrk="0" fontAlgn="base" latinLnBrk="0" hangingPunct="0">
+              <a:lnSpc>
+                <a:spcPct val="100000"/>
+              </a:lnSpc>
+              <a:spcBef>
+                <a:spcPct val="0"/>
+              </a:spcBef>
+              <a:spcAft>
+                <a:spcPct val="0"/>
+              </a:spcAft>
+              <a:buClrTx/>
+              <a:buSzTx/>
+              <a:buFont typeface="Wingdings" panose="05000000000000000000" pitchFamily="2" charset="2"/>
+              <a:buChar char="Ø"/>
+              <a:tabLst/>
+            </a:pPr>
+            <a:r>
+              <a:rPr kumimoji="0" lang="en-US" altLang="en-US" sz="1000" b="0" i="0" u="none" strike="noStrike" cap="none" normalizeH="0" baseline="0" dirty="0">
+                <a:ln>
+                  <a:noFill/>
+                </a:ln>
+                <a:solidFill>
+                  <a:srgbClr val="000000"/>
+                </a:solidFill>
+                <a:effectLst/>
+                <a:latin typeface="Lucida Console" panose="020B0609040504020204" pitchFamily="49" charset="0"/>
+              </a:rPr>
+              <a:t>[1] "Age" "Attrition" "</a:t>
+            </a:r>
+            <a:r>
+              <a:rPr kumimoji="0" lang="en-US" altLang="en-US" sz="1000" b="0" i="0" u="none" strike="noStrike" cap="none" normalizeH="0" baseline="0" dirty="0" err="1">
+                <a:ln>
+                  <a:noFill/>
+                </a:ln>
+                <a:solidFill>
+                  <a:srgbClr val="000000"/>
+                </a:solidFill>
+                <a:effectLst/>
+                <a:latin typeface="Lucida Console" panose="020B0609040504020204" pitchFamily="49" charset="0"/>
+              </a:rPr>
+              <a:t>BusinessTravel</a:t>
+            </a:r>
+            <a:r>
+              <a:rPr kumimoji="0" lang="en-US" altLang="en-US" sz="1000" b="0" i="0" u="none" strike="noStrike" cap="none" normalizeH="0" baseline="0" dirty="0">
+                <a:ln>
+                  <a:noFill/>
+                </a:ln>
+                <a:solidFill>
+                  <a:srgbClr val="000000"/>
+                </a:solidFill>
+                <a:effectLst/>
+                <a:latin typeface="Lucida Console" panose="020B0609040504020204" pitchFamily="49" charset="0"/>
+              </a:rPr>
+              <a:t>" "</a:t>
+            </a:r>
+            <a:r>
+              <a:rPr kumimoji="0" lang="en-US" altLang="en-US" sz="1000" b="0" i="0" u="none" strike="noStrike" cap="none" normalizeH="0" baseline="0" dirty="0" err="1">
+                <a:ln>
+                  <a:noFill/>
+                </a:ln>
+                <a:solidFill>
+                  <a:srgbClr val="000000"/>
+                </a:solidFill>
+                <a:effectLst/>
+                <a:latin typeface="Lucida Console" panose="020B0609040504020204" pitchFamily="49" charset="0"/>
+              </a:rPr>
+              <a:t>DailyRate</a:t>
+            </a:r>
+            <a:r>
+              <a:rPr kumimoji="0" lang="en-US" altLang="en-US" sz="1000" b="0" i="0" u="none" strike="noStrike" cap="none" normalizeH="0" baseline="0" dirty="0">
+                <a:ln>
+                  <a:noFill/>
+                </a:ln>
+                <a:solidFill>
+                  <a:srgbClr val="000000"/>
+                </a:solidFill>
+                <a:effectLst/>
+                <a:latin typeface="Lucida Console" panose="020B0609040504020204" pitchFamily="49" charset="0"/>
+              </a:rPr>
+              <a:t>" "Department" </a:t>
+            </a:r>
+          </a:p>
+          <a:p>
+            <a:pPr marR="0" lvl="0" algn="l" defTabSz="914400" rtl="0" eaLnBrk="0" fontAlgn="base" latinLnBrk="0" hangingPunct="0">
+              <a:lnSpc>
+                <a:spcPct val="100000"/>
+              </a:lnSpc>
+              <a:spcBef>
+                <a:spcPct val="0"/>
+              </a:spcBef>
+              <a:spcAft>
+                <a:spcPct val="0"/>
+              </a:spcAft>
+              <a:buClrTx/>
+              <a:buSzTx/>
+              <a:buFont typeface="Wingdings" panose="05000000000000000000" pitchFamily="2" charset="2"/>
+              <a:buChar char="Ø"/>
+              <a:tabLst/>
+            </a:pPr>
+            <a:r>
+              <a:rPr kumimoji="0" lang="en-US" altLang="en-US" sz="1000" b="0" i="0" u="none" strike="noStrike" cap="none" normalizeH="0" baseline="0" dirty="0">
+                <a:ln>
+                  <a:noFill/>
+                </a:ln>
+                <a:solidFill>
+                  <a:srgbClr val="000000"/>
+                </a:solidFill>
+                <a:effectLst/>
+                <a:latin typeface="Lucida Console" panose="020B0609040504020204" pitchFamily="49" charset="0"/>
+              </a:rPr>
+              <a:t>[6] "</a:t>
+            </a:r>
+            <a:r>
+              <a:rPr kumimoji="0" lang="en-US" altLang="en-US" sz="1000" b="0" i="0" u="none" strike="noStrike" cap="none" normalizeH="0" baseline="0" dirty="0" err="1">
+                <a:ln>
+                  <a:noFill/>
+                </a:ln>
+                <a:solidFill>
+                  <a:srgbClr val="000000"/>
+                </a:solidFill>
+                <a:effectLst/>
+                <a:latin typeface="Lucida Console" panose="020B0609040504020204" pitchFamily="49" charset="0"/>
+              </a:rPr>
+              <a:t>DistanceFromHome</a:t>
+            </a:r>
+            <a:r>
+              <a:rPr kumimoji="0" lang="en-US" altLang="en-US" sz="1000" b="0" i="0" u="none" strike="noStrike" cap="none" normalizeH="0" baseline="0" dirty="0">
+                <a:ln>
+                  <a:noFill/>
+                </a:ln>
+                <a:solidFill>
+                  <a:srgbClr val="000000"/>
+                </a:solidFill>
+                <a:effectLst/>
+                <a:latin typeface="Lucida Console" panose="020B0609040504020204" pitchFamily="49" charset="0"/>
+              </a:rPr>
+              <a:t>" "Education" "</a:t>
+            </a:r>
+            <a:r>
+              <a:rPr kumimoji="0" lang="en-US" altLang="en-US" sz="1000" b="0" i="0" u="none" strike="noStrike" cap="none" normalizeH="0" baseline="0" dirty="0" err="1">
+                <a:ln>
+                  <a:noFill/>
+                </a:ln>
+                <a:solidFill>
+                  <a:srgbClr val="000000"/>
+                </a:solidFill>
+                <a:effectLst/>
+                <a:latin typeface="Lucida Console" panose="020B0609040504020204" pitchFamily="49" charset="0"/>
+              </a:rPr>
+              <a:t>EducationField</a:t>
+            </a:r>
+            <a:r>
+              <a:rPr kumimoji="0" lang="en-US" altLang="en-US" sz="1000" b="0" i="0" u="none" strike="noStrike" cap="none" normalizeH="0" baseline="0" dirty="0">
+                <a:ln>
+                  <a:noFill/>
+                </a:ln>
+                <a:solidFill>
+                  <a:srgbClr val="000000"/>
+                </a:solidFill>
+                <a:effectLst/>
+                <a:latin typeface="Lucida Console" panose="020B0609040504020204" pitchFamily="49" charset="0"/>
+              </a:rPr>
+              <a:t>" "</a:t>
+            </a:r>
+            <a:r>
+              <a:rPr kumimoji="0" lang="en-US" altLang="en-US" sz="1000" b="0" i="0" u="none" strike="noStrike" cap="none" normalizeH="0" baseline="0" dirty="0" err="1">
+                <a:ln>
+                  <a:noFill/>
+                </a:ln>
+                <a:solidFill>
+                  <a:srgbClr val="000000"/>
+                </a:solidFill>
+                <a:effectLst/>
+                <a:latin typeface="Lucida Console" panose="020B0609040504020204" pitchFamily="49" charset="0"/>
+              </a:rPr>
+              <a:t>EmployeeCount</a:t>
+            </a:r>
+            <a:r>
+              <a:rPr kumimoji="0" lang="en-US" altLang="en-US" sz="1000" b="0" i="0" u="none" strike="noStrike" cap="none" normalizeH="0" baseline="0" dirty="0">
+                <a:ln>
+                  <a:noFill/>
+                </a:ln>
+                <a:solidFill>
+                  <a:srgbClr val="000000"/>
+                </a:solidFill>
+                <a:effectLst/>
+                <a:latin typeface="Lucida Console" panose="020B0609040504020204" pitchFamily="49" charset="0"/>
+              </a:rPr>
+              <a:t>" "</a:t>
+            </a:r>
+            <a:r>
+              <a:rPr kumimoji="0" lang="en-US" altLang="en-US" sz="1000" b="0" i="0" u="none" strike="noStrike" cap="none" normalizeH="0" baseline="0" dirty="0" err="1">
+                <a:ln>
+                  <a:noFill/>
+                </a:ln>
+                <a:solidFill>
+                  <a:srgbClr val="000000"/>
+                </a:solidFill>
+                <a:effectLst/>
+                <a:latin typeface="Lucida Console" panose="020B0609040504020204" pitchFamily="49" charset="0"/>
+              </a:rPr>
+              <a:t>EmployeeNumber</a:t>
+            </a:r>
+            <a:r>
+              <a:rPr kumimoji="0" lang="en-US" altLang="en-US" sz="1000" b="0" i="0" u="none" strike="noStrike" cap="none" normalizeH="0" baseline="0" dirty="0">
+                <a:ln>
+                  <a:noFill/>
+                </a:ln>
+                <a:solidFill>
+                  <a:srgbClr val="000000"/>
+                </a:solidFill>
+                <a:effectLst/>
+                <a:latin typeface="Lucida Console" panose="020B0609040504020204" pitchFamily="49" charset="0"/>
+              </a:rPr>
+              <a:t>" </a:t>
+            </a:r>
+          </a:p>
+          <a:p>
+            <a:pPr marR="0" lvl="0" algn="l" defTabSz="914400" rtl="0" eaLnBrk="0" fontAlgn="base" latinLnBrk="0" hangingPunct="0">
+              <a:lnSpc>
+                <a:spcPct val="100000"/>
+              </a:lnSpc>
+              <a:spcBef>
+                <a:spcPct val="0"/>
+              </a:spcBef>
+              <a:spcAft>
+                <a:spcPct val="0"/>
+              </a:spcAft>
+              <a:buClrTx/>
+              <a:buSzTx/>
+              <a:buFont typeface="Wingdings" panose="05000000000000000000" pitchFamily="2" charset="2"/>
+              <a:buChar char="Ø"/>
+              <a:tabLst/>
+            </a:pPr>
+            <a:r>
+              <a:rPr kumimoji="0" lang="en-US" altLang="en-US" sz="1000" b="0" i="0" u="none" strike="noStrike" cap="none" normalizeH="0" baseline="0" dirty="0">
+                <a:ln>
+                  <a:noFill/>
+                </a:ln>
+                <a:solidFill>
+                  <a:srgbClr val="000000"/>
+                </a:solidFill>
+                <a:effectLst/>
+                <a:latin typeface="Lucida Console" panose="020B0609040504020204" pitchFamily="49" charset="0"/>
+              </a:rPr>
+              <a:t>[11] "</a:t>
+            </a:r>
+            <a:r>
+              <a:rPr kumimoji="0" lang="en-US" altLang="en-US" sz="1000" b="0" i="0" u="none" strike="noStrike" cap="none" normalizeH="0" baseline="0" dirty="0" err="1">
+                <a:ln>
+                  <a:noFill/>
+                </a:ln>
+                <a:solidFill>
+                  <a:srgbClr val="000000"/>
+                </a:solidFill>
+                <a:effectLst/>
+                <a:latin typeface="Lucida Console" panose="020B0609040504020204" pitchFamily="49" charset="0"/>
+              </a:rPr>
+              <a:t>EnvironmentSatisfaction</a:t>
+            </a:r>
+            <a:r>
+              <a:rPr kumimoji="0" lang="en-US" altLang="en-US" sz="1000" b="0" i="0" u="none" strike="noStrike" cap="none" normalizeH="0" baseline="0" dirty="0">
+                <a:ln>
+                  <a:noFill/>
+                </a:ln>
+                <a:solidFill>
+                  <a:srgbClr val="000000"/>
+                </a:solidFill>
+                <a:effectLst/>
+                <a:latin typeface="Lucida Console" panose="020B0609040504020204" pitchFamily="49" charset="0"/>
+              </a:rPr>
+              <a:t>" "Gender" "</a:t>
+            </a:r>
+            <a:r>
+              <a:rPr kumimoji="0" lang="en-US" altLang="en-US" sz="1000" b="0" i="0" u="none" strike="noStrike" cap="none" normalizeH="0" baseline="0" dirty="0" err="1">
+                <a:ln>
+                  <a:noFill/>
+                </a:ln>
+                <a:solidFill>
+                  <a:srgbClr val="000000"/>
+                </a:solidFill>
+                <a:effectLst/>
+                <a:latin typeface="Lucida Console" panose="020B0609040504020204" pitchFamily="49" charset="0"/>
+              </a:rPr>
+              <a:t>HourlyRate</a:t>
+            </a:r>
+            <a:r>
+              <a:rPr kumimoji="0" lang="en-US" altLang="en-US" sz="1000" b="0" i="0" u="none" strike="noStrike" cap="none" normalizeH="0" baseline="0" dirty="0">
+                <a:ln>
+                  <a:noFill/>
+                </a:ln>
+                <a:solidFill>
+                  <a:srgbClr val="000000"/>
+                </a:solidFill>
+                <a:effectLst/>
+                <a:latin typeface="Lucida Console" panose="020B0609040504020204" pitchFamily="49" charset="0"/>
+              </a:rPr>
+              <a:t>" "</a:t>
+            </a:r>
+            <a:r>
+              <a:rPr kumimoji="0" lang="en-US" altLang="en-US" sz="1000" b="0" i="0" u="none" strike="noStrike" cap="none" normalizeH="0" baseline="0" dirty="0" err="1">
+                <a:ln>
+                  <a:noFill/>
+                </a:ln>
+                <a:solidFill>
+                  <a:srgbClr val="000000"/>
+                </a:solidFill>
+                <a:effectLst/>
+                <a:latin typeface="Lucida Console" panose="020B0609040504020204" pitchFamily="49" charset="0"/>
+              </a:rPr>
+              <a:t>JobInvolvement</a:t>
+            </a:r>
+            <a:r>
+              <a:rPr kumimoji="0" lang="en-US" altLang="en-US" sz="1000" b="0" i="0" u="none" strike="noStrike" cap="none" normalizeH="0" baseline="0" dirty="0">
+                <a:ln>
+                  <a:noFill/>
+                </a:ln>
+                <a:solidFill>
+                  <a:srgbClr val="000000"/>
+                </a:solidFill>
+                <a:effectLst/>
+                <a:latin typeface="Lucida Console" panose="020B0609040504020204" pitchFamily="49" charset="0"/>
+              </a:rPr>
+              <a:t>" "</a:t>
+            </a:r>
+            <a:r>
+              <a:rPr kumimoji="0" lang="en-US" altLang="en-US" sz="1000" b="0" i="0" u="none" strike="noStrike" cap="none" normalizeH="0" baseline="0" dirty="0" err="1">
+                <a:ln>
+                  <a:noFill/>
+                </a:ln>
+                <a:solidFill>
+                  <a:srgbClr val="000000"/>
+                </a:solidFill>
+                <a:effectLst/>
+                <a:latin typeface="Lucida Console" panose="020B0609040504020204" pitchFamily="49" charset="0"/>
+              </a:rPr>
+              <a:t>JobLevel</a:t>
+            </a:r>
+            <a:r>
+              <a:rPr kumimoji="0" lang="en-US" altLang="en-US" sz="1000" b="0" i="0" u="none" strike="noStrike" cap="none" normalizeH="0" baseline="0" dirty="0">
+                <a:ln>
+                  <a:noFill/>
+                </a:ln>
+                <a:solidFill>
+                  <a:srgbClr val="000000"/>
+                </a:solidFill>
+                <a:effectLst/>
+                <a:latin typeface="Lucida Console" panose="020B0609040504020204" pitchFamily="49" charset="0"/>
+              </a:rPr>
+              <a:t>" </a:t>
+            </a:r>
+          </a:p>
+          <a:p>
+            <a:pPr marR="0" lvl="0" algn="l" defTabSz="914400" rtl="0" eaLnBrk="0" fontAlgn="base" latinLnBrk="0" hangingPunct="0">
+              <a:lnSpc>
+                <a:spcPct val="100000"/>
+              </a:lnSpc>
+              <a:spcBef>
+                <a:spcPct val="0"/>
+              </a:spcBef>
+              <a:spcAft>
+                <a:spcPct val="0"/>
+              </a:spcAft>
+              <a:buClrTx/>
+              <a:buSzTx/>
+              <a:buFont typeface="Wingdings" panose="05000000000000000000" pitchFamily="2" charset="2"/>
+              <a:buChar char="Ø"/>
+              <a:tabLst/>
+            </a:pPr>
+            <a:r>
+              <a:rPr kumimoji="0" lang="en-US" altLang="en-US" sz="1000" b="0" i="0" u="none" strike="noStrike" cap="none" normalizeH="0" baseline="0" dirty="0">
+                <a:ln>
+                  <a:noFill/>
+                </a:ln>
+                <a:solidFill>
+                  <a:srgbClr val="000000"/>
+                </a:solidFill>
+                <a:effectLst/>
+                <a:latin typeface="Lucida Console" panose="020B0609040504020204" pitchFamily="49" charset="0"/>
+              </a:rPr>
+              <a:t>[16] "</a:t>
+            </a:r>
+            <a:r>
+              <a:rPr kumimoji="0" lang="en-US" altLang="en-US" sz="1000" b="0" i="0" u="none" strike="noStrike" cap="none" normalizeH="0" baseline="0" dirty="0" err="1">
+                <a:ln>
+                  <a:noFill/>
+                </a:ln>
+                <a:solidFill>
+                  <a:srgbClr val="000000"/>
+                </a:solidFill>
+                <a:effectLst/>
+                <a:latin typeface="Lucida Console" panose="020B0609040504020204" pitchFamily="49" charset="0"/>
+              </a:rPr>
+              <a:t>JobRole</a:t>
+            </a:r>
+            <a:r>
+              <a:rPr kumimoji="0" lang="en-US" altLang="en-US" sz="1000" b="0" i="0" u="none" strike="noStrike" cap="none" normalizeH="0" baseline="0" dirty="0">
+                <a:ln>
+                  <a:noFill/>
+                </a:ln>
+                <a:solidFill>
+                  <a:srgbClr val="000000"/>
+                </a:solidFill>
+                <a:effectLst/>
+                <a:latin typeface="Lucida Console" panose="020B0609040504020204" pitchFamily="49" charset="0"/>
+              </a:rPr>
+              <a:t>" "</a:t>
+            </a:r>
+            <a:r>
+              <a:rPr kumimoji="0" lang="en-US" altLang="en-US" sz="1000" b="0" i="0" u="none" strike="noStrike" cap="none" normalizeH="0" baseline="0" dirty="0" err="1">
+                <a:ln>
+                  <a:noFill/>
+                </a:ln>
+                <a:solidFill>
+                  <a:srgbClr val="000000"/>
+                </a:solidFill>
+                <a:effectLst/>
+                <a:latin typeface="Lucida Console" panose="020B0609040504020204" pitchFamily="49" charset="0"/>
+              </a:rPr>
+              <a:t>JobSatisfaction</a:t>
+            </a:r>
+            <a:r>
+              <a:rPr kumimoji="0" lang="en-US" altLang="en-US" sz="1000" b="0" i="0" u="none" strike="noStrike" cap="none" normalizeH="0" baseline="0" dirty="0">
+                <a:ln>
+                  <a:noFill/>
+                </a:ln>
+                <a:solidFill>
+                  <a:srgbClr val="000000"/>
+                </a:solidFill>
+                <a:effectLst/>
+                <a:latin typeface="Lucida Console" panose="020B0609040504020204" pitchFamily="49" charset="0"/>
+              </a:rPr>
+              <a:t>" "</a:t>
+            </a:r>
+            <a:r>
+              <a:rPr kumimoji="0" lang="en-US" altLang="en-US" sz="1000" b="0" i="0" u="none" strike="noStrike" cap="none" normalizeH="0" baseline="0" dirty="0" err="1">
+                <a:ln>
+                  <a:noFill/>
+                </a:ln>
+                <a:solidFill>
+                  <a:srgbClr val="000000"/>
+                </a:solidFill>
+                <a:effectLst/>
+                <a:latin typeface="Lucida Console" panose="020B0609040504020204" pitchFamily="49" charset="0"/>
+              </a:rPr>
+              <a:t>MaritalStatus</a:t>
+            </a:r>
+            <a:r>
+              <a:rPr kumimoji="0" lang="en-US" altLang="en-US" sz="1000" b="0" i="0" u="none" strike="noStrike" cap="none" normalizeH="0" baseline="0" dirty="0">
+                <a:ln>
+                  <a:noFill/>
+                </a:ln>
+                <a:solidFill>
+                  <a:srgbClr val="000000"/>
+                </a:solidFill>
+                <a:effectLst/>
+                <a:latin typeface="Lucida Console" panose="020B0609040504020204" pitchFamily="49" charset="0"/>
+              </a:rPr>
+              <a:t>" "</a:t>
+            </a:r>
+            <a:r>
+              <a:rPr kumimoji="0" lang="en-US" altLang="en-US" sz="1000" b="0" i="0" u="none" strike="noStrike" cap="none" normalizeH="0" baseline="0" dirty="0" err="1">
+                <a:ln>
+                  <a:noFill/>
+                </a:ln>
+                <a:solidFill>
+                  <a:srgbClr val="000000"/>
+                </a:solidFill>
+                <a:effectLst/>
+                <a:latin typeface="Lucida Console" panose="020B0609040504020204" pitchFamily="49" charset="0"/>
+              </a:rPr>
+              <a:t>MonthlyIncome</a:t>
+            </a:r>
+            <a:r>
+              <a:rPr kumimoji="0" lang="en-US" altLang="en-US" sz="1000" b="0" i="0" u="none" strike="noStrike" cap="none" normalizeH="0" baseline="0" dirty="0">
+                <a:ln>
+                  <a:noFill/>
+                </a:ln>
+                <a:solidFill>
+                  <a:srgbClr val="000000"/>
+                </a:solidFill>
+                <a:effectLst/>
+                <a:latin typeface="Lucida Console" panose="020B0609040504020204" pitchFamily="49" charset="0"/>
+              </a:rPr>
+              <a:t>" "</a:t>
+            </a:r>
+            <a:r>
+              <a:rPr kumimoji="0" lang="en-US" altLang="en-US" sz="1000" b="0" i="0" u="none" strike="noStrike" cap="none" normalizeH="0" baseline="0" dirty="0" err="1">
+                <a:ln>
+                  <a:noFill/>
+                </a:ln>
+                <a:solidFill>
+                  <a:srgbClr val="000000"/>
+                </a:solidFill>
+                <a:effectLst/>
+                <a:latin typeface="Lucida Console" panose="020B0609040504020204" pitchFamily="49" charset="0"/>
+              </a:rPr>
+              <a:t>MonthlyRate</a:t>
+            </a:r>
+            <a:r>
+              <a:rPr kumimoji="0" lang="en-US" altLang="en-US" sz="1000" b="0" i="0" u="none" strike="noStrike" cap="none" normalizeH="0" baseline="0" dirty="0">
+                <a:ln>
+                  <a:noFill/>
+                </a:ln>
+                <a:solidFill>
+                  <a:srgbClr val="000000"/>
+                </a:solidFill>
+                <a:effectLst/>
+                <a:latin typeface="Lucida Console" panose="020B0609040504020204" pitchFamily="49" charset="0"/>
+              </a:rPr>
+              <a:t>" </a:t>
+            </a:r>
+          </a:p>
+          <a:p>
+            <a:pPr marR="0" lvl="0" algn="l" defTabSz="914400" rtl="0" eaLnBrk="0" fontAlgn="base" latinLnBrk="0" hangingPunct="0">
+              <a:lnSpc>
+                <a:spcPct val="100000"/>
+              </a:lnSpc>
+              <a:spcBef>
+                <a:spcPct val="0"/>
+              </a:spcBef>
+              <a:spcAft>
+                <a:spcPct val="0"/>
+              </a:spcAft>
+              <a:buClrTx/>
+              <a:buSzTx/>
+              <a:buFont typeface="Wingdings" panose="05000000000000000000" pitchFamily="2" charset="2"/>
+              <a:buChar char="Ø"/>
+              <a:tabLst/>
+            </a:pPr>
+            <a:r>
+              <a:rPr kumimoji="0" lang="en-US" altLang="en-US" sz="1000" b="0" i="0" u="none" strike="noStrike" cap="none" normalizeH="0" baseline="0" dirty="0">
+                <a:ln>
+                  <a:noFill/>
+                </a:ln>
+                <a:solidFill>
+                  <a:srgbClr val="000000"/>
+                </a:solidFill>
+                <a:effectLst/>
+                <a:latin typeface="Lucida Console" panose="020B0609040504020204" pitchFamily="49" charset="0"/>
+              </a:rPr>
+              <a:t>[21] "</a:t>
+            </a:r>
+            <a:r>
+              <a:rPr kumimoji="0" lang="en-US" altLang="en-US" sz="1000" b="0" i="0" u="none" strike="noStrike" cap="none" normalizeH="0" baseline="0" dirty="0" err="1">
+                <a:ln>
+                  <a:noFill/>
+                </a:ln>
+                <a:solidFill>
+                  <a:srgbClr val="000000"/>
+                </a:solidFill>
+                <a:effectLst/>
+                <a:latin typeface="Lucida Console" panose="020B0609040504020204" pitchFamily="49" charset="0"/>
+              </a:rPr>
+              <a:t>NumCompaniesWorked</a:t>
+            </a:r>
+            <a:r>
+              <a:rPr kumimoji="0" lang="en-US" altLang="en-US" sz="1000" b="0" i="0" u="none" strike="noStrike" cap="none" normalizeH="0" baseline="0" dirty="0">
+                <a:ln>
+                  <a:noFill/>
+                </a:ln>
+                <a:solidFill>
+                  <a:srgbClr val="000000"/>
+                </a:solidFill>
+                <a:effectLst/>
+                <a:latin typeface="Lucida Console" panose="020B0609040504020204" pitchFamily="49" charset="0"/>
+              </a:rPr>
+              <a:t>" "Over18" "</a:t>
+            </a:r>
+            <a:r>
+              <a:rPr kumimoji="0" lang="en-US" altLang="en-US" sz="1000" b="0" i="0" u="none" strike="noStrike" cap="none" normalizeH="0" baseline="0" dirty="0" err="1">
+                <a:ln>
+                  <a:noFill/>
+                </a:ln>
+                <a:solidFill>
+                  <a:srgbClr val="000000"/>
+                </a:solidFill>
+                <a:effectLst/>
+                <a:latin typeface="Lucida Console" panose="020B0609040504020204" pitchFamily="49" charset="0"/>
+              </a:rPr>
+              <a:t>OverTime</a:t>
+            </a:r>
+            <a:r>
+              <a:rPr kumimoji="0" lang="en-US" altLang="en-US" sz="1000" b="0" i="0" u="none" strike="noStrike" cap="none" normalizeH="0" baseline="0" dirty="0">
+                <a:ln>
+                  <a:noFill/>
+                </a:ln>
+                <a:solidFill>
+                  <a:srgbClr val="000000"/>
+                </a:solidFill>
+                <a:effectLst/>
+                <a:latin typeface="Lucida Console" panose="020B0609040504020204" pitchFamily="49" charset="0"/>
+              </a:rPr>
+              <a:t>" "</a:t>
+            </a:r>
+            <a:r>
+              <a:rPr kumimoji="0" lang="en-US" altLang="en-US" sz="1000" b="0" i="0" u="none" strike="noStrike" cap="none" normalizeH="0" baseline="0" dirty="0" err="1">
+                <a:ln>
+                  <a:noFill/>
+                </a:ln>
+                <a:solidFill>
+                  <a:srgbClr val="000000"/>
+                </a:solidFill>
+                <a:effectLst/>
+                <a:latin typeface="Lucida Console" panose="020B0609040504020204" pitchFamily="49" charset="0"/>
+              </a:rPr>
+              <a:t>PercentSalaryHike</a:t>
+            </a:r>
+            <a:r>
+              <a:rPr kumimoji="0" lang="en-US" altLang="en-US" sz="1000" b="0" i="0" u="none" strike="noStrike" cap="none" normalizeH="0" baseline="0" dirty="0">
+                <a:ln>
+                  <a:noFill/>
+                </a:ln>
+                <a:solidFill>
+                  <a:srgbClr val="000000"/>
+                </a:solidFill>
+                <a:effectLst/>
+                <a:latin typeface="Lucida Console" panose="020B0609040504020204" pitchFamily="49" charset="0"/>
+              </a:rPr>
+              <a:t>" "</a:t>
+            </a:r>
+            <a:r>
+              <a:rPr kumimoji="0" lang="en-US" altLang="en-US" sz="1000" b="0" i="0" u="none" strike="noStrike" cap="none" normalizeH="0" baseline="0" dirty="0" err="1">
+                <a:ln>
+                  <a:noFill/>
+                </a:ln>
+                <a:solidFill>
+                  <a:srgbClr val="000000"/>
+                </a:solidFill>
+                <a:effectLst/>
+                <a:latin typeface="Lucida Console" panose="020B0609040504020204" pitchFamily="49" charset="0"/>
+              </a:rPr>
+              <a:t>PerformanceRating</a:t>
+            </a:r>
+            <a:r>
+              <a:rPr kumimoji="0" lang="en-US" altLang="en-US" sz="1000" b="0" i="0" u="none" strike="noStrike" cap="none" normalizeH="0" baseline="0" dirty="0">
+                <a:ln>
+                  <a:noFill/>
+                </a:ln>
+                <a:solidFill>
+                  <a:srgbClr val="000000"/>
+                </a:solidFill>
+                <a:effectLst/>
+                <a:latin typeface="Lucida Console" panose="020B0609040504020204" pitchFamily="49" charset="0"/>
+              </a:rPr>
+              <a:t>" </a:t>
+            </a:r>
+          </a:p>
+          <a:p>
+            <a:pPr marR="0" lvl="0" algn="l" defTabSz="914400" rtl="0" eaLnBrk="0" fontAlgn="base" latinLnBrk="0" hangingPunct="0">
+              <a:lnSpc>
+                <a:spcPct val="100000"/>
+              </a:lnSpc>
+              <a:spcBef>
+                <a:spcPct val="0"/>
+              </a:spcBef>
+              <a:spcAft>
+                <a:spcPct val="0"/>
+              </a:spcAft>
+              <a:buClrTx/>
+              <a:buSzTx/>
+              <a:buFont typeface="Wingdings" panose="05000000000000000000" pitchFamily="2" charset="2"/>
+              <a:buChar char="Ø"/>
+              <a:tabLst/>
+            </a:pPr>
+            <a:r>
+              <a:rPr kumimoji="0" lang="en-US" altLang="en-US" sz="1000" b="0" i="0" u="none" strike="noStrike" cap="none" normalizeH="0" baseline="0" dirty="0">
+                <a:ln>
+                  <a:noFill/>
+                </a:ln>
+                <a:solidFill>
+                  <a:srgbClr val="000000"/>
+                </a:solidFill>
+                <a:effectLst/>
+                <a:latin typeface="Lucida Console" panose="020B0609040504020204" pitchFamily="49" charset="0"/>
+              </a:rPr>
+              <a:t>[26] "</a:t>
+            </a:r>
+            <a:r>
+              <a:rPr kumimoji="0" lang="en-US" altLang="en-US" sz="1000" b="0" i="0" u="none" strike="noStrike" cap="none" normalizeH="0" baseline="0" dirty="0" err="1">
+                <a:ln>
+                  <a:noFill/>
+                </a:ln>
+                <a:solidFill>
+                  <a:srgbClr val="000000"/>
+                </a:solidFill>
+                <a:effectLst/>
+                <a:latin typeface="Lucida Console" panose="020B0609040504020204" pitchFamily="49" charset="0"/>
+              </a:rPr>
+              <a:t>RelationshipSatisfaction</a:t>
+            </a:r>
+            <a:r>
+              <a:rPr kumimoji="0" lang="en-US" altLang="en-US" sz="1000" b="0" i="0" u="none" strike="noStrike" cap="none" normalizeH="0" baseline="0" dirty="0">
+                <a:ln>
+                  <a:noFill/>
+                </a:ln>
+                <a:solidFill>
+                  <a:srgbClr val="000000"/>
+                </a:solidFill>
+                <a:effectLst/>
+                <a:latin typeface="Lucida Console" panose="020B0609040504020204" pitchFamily="49" charset="0"/>
+              </a:rPr>
+              <a:t>" "</a:t>
+            </a:r>
+            <a:r>
+              <a:rPr kumimoji="0" lang="en-US" altLang="en-US" sz="1000" b="0" i="0" u="none" strike="noStrike" cap="none" normalizeH="0" baseline="0" dirty="0" err="1">
+                <a:ln>
+                  <a:noFill/>
+                </a:ln>
+                <a:solidFill>
+                  <a:srgbClr val="000000"/>
+                </a:solidFill>
+                <a:effectLst/>
+                <a:latin typeface="Lucida Console" panose="020B0609040504020204" pitchFamily="49" charset="0"/>
+              </a:rPr>
+              <a:t>StandardHours</a:t>
+            </a:r>
+            <a:r>
+              <a:rPr kumimoji="0" lang="en-US" altLang="en-US" sz="1000" b="0" i="0" u="none" strike="noStrike" cap="none" normalizeH="0" baseline="0" dirty="0">
+                <a:ln>
+                  <a:noFill/>
+                </a:ln>
+                <a:solidFill>
+                  <a:srgbClr val="000000"/>
+                </a:solidFill>
+                <a:effectLst/>
+                <a:latin typeface="Lucida Console" panose="020B0609040504020204" pitchFamily="49" charset="0"/>
+              </a:rPr>
+              <a:t>" "</a:t>
+            </a:r>
+            <a:r>
+              <a:rPr kumimoji="0" lang="en-US" altLang="en-US" sz="1000" b="0" i="0" u="none" strike="noStrike" cap="none" normalizeH="0" baseline="0" dirty="0" err="1">
+                <a:ln>
+                  <a:noFill/>
+                </a:ln>
+                <a:solidFill>
+                  <a:srgbClr val="000000"/>
+                </a:solidFill>
+                <a:effectLst/>
+                <a:latin typeface="Lucida Console" panose="020B0609040504020204" pitchFamily="49" charset="0"/>
+              </a:rPr>
+              <a:t>StockOptionLevel</a:t>
+            </a:r>
+            <a:r>
+              <a:rPr kumimoji="0" lang="en-US" altLang="en-US" sz="1000" b="0" i="0" u="none" strike="noStrike" cap="none" normalizeH="0" baseline="0" dirty="0">
+                <a:ln>
+                  <a:noFill/>
+                </a:ln>
+                <a:solidFill>
+                  <a:srgbClr val="000000"/>
+                </a:solidFill>
+                <a:effectLst/>
+                <a:latin typeface="Lucida Console" panose="020B0609040504020204" pitchFamily="49" charset="0"/>
+              </a:rPr>
+              <a:t>" "</a:t>
+            </a:r>
+            <a:r>
+              <a:rPr kumimoji="0" lang="en-US" altLang="en-US" sz="1000" b="0" i="0" u="none" strike="noStrike" cap="none" normalizeH="0" baseline="0" dirty="0" err="1">
+                <a:ln>
+                  <a:noFill/>
+                </a:ln>
+                <a:solidFill>
+                  <a:srgbClr val="000000"/>
+                </a:solidFill>
+                <a:effectLst/>
+                <a:latin typeface="Lucida Console" panose="020B0609040504020204" pitchFamily="49" charset="0"/>
+              </a:rPr>
+              <a:t>TotalWorkingYears</a:t>
+            </a:r>
+            <a:r>
+              <a:rPr kumimoji="0" lang="en-US" altLang="en-US" sz="1000" b="0" i="0" u="none" strike="noStrike" cap="none" normalizeH="0" baseline="0" dirty="0">
+                <a:ln>
+                  <a:noFill/>
+                </a:ln>
+                <a:solidFill>
+                  <a:srgbClr val="000000"/>
+                </a:solidFill>
+                <a:effectLst/>
+                <a:latin typeface="Lucida Console" panose="020B0609040504020204" pitchFamily="49" charset="0"/>
+              </a:rPr>
+              <a:t>" "</a:t>
+            </a:r>
+            <a:r>
+              <a:rPr kumimoji="0" lang="en-US" altLang="en-US" sz="1000" b="0" i="0" u="none" strike="noStrike" cap="none" normalizeH="0" baseline="0" dirty="0" err="1">
+                <a:ln>
+                  <a:noFill/>
+                </a:ln>
+                <a:solidFill>
+                  <a:srgbClr val="000000"/>
+                </a:solidFill>
+                <a:effectLst/>
+                <a:latin typeface="Lucida Console" panose="020B0609040504020204" pitchFamily="49" charset="0"/>
+              </a:rPr>
+              <a:t>TrainingTimesLastYear</a:t>
+            </a:r>
+            <a:r>
+              <a:rPr kumimoji="0" lang="en-US" altLang="en-US" sz="1000" b="0" i="0" u="none" strike="noStrike" cap="none" normalizeH="0" baseline="0" dirty="0">
+                <a:ln>
+                  <a:noFill/>
+                </a:ln>
+                <a:solidFill>
+                  <a:srgbClr val="000000"/>
+                </a:solidFill>
+                <a:effectLst/>
+                <a:latin typeface="Lucida Console" panose="020B0609040504020204" pitchFamily="49" charset="0"/>
+              </a:rPr>
+              <a:t>" </a:t>
+            </a:r>
+          </a:p>
+          <a:p>
+            <a:pPr marR="0" lvl="0" algn="l" defTabSz="914400" rtl="0" eaLnBrk="0" fontAlgn="base" latinLnBrk="0" hangingPunct="0">
+              <a:lnSpc>
+                <a:spcPct val="100000"/>
+              </a:lnSpc>
+              <a:spcBef>
+                <a:spcPct val="0"/>
+              </a:spcBef>
+              <a:spcAft>
+                <a:spcPct val="0"/>
+              </a:spcAft>
+              <a:buClrTx/>
+              <a:buSzTx/>
+              <a:buFont typeface="Wingdings" panose="05000000000000000000" pitchFamily="2" charset="2"/>
+              <a:buChar char="Ø"/>
+              <a:tabLst/>
+            </a:pPr>
+            <a:r>
+              <a:rPr kumimoji="0" lang="en-US" altLang="en-US" sz="1000" b="0" i="0" u="none" strike="noStrike" cap="none" normalizeH="0" baseline="0" dirty="0">
+                <a:ln>
+                  <a:noFill/>
+                </a:ln>
+                <a:solidFill>
+                  <a:srgbClr val="000000"/>
+                </a:solidFill>
+                <a:effectLst/>
+                <a:latin typeface="Lucida Console" panose="020B0609040504020204" pitchFamily="49" charset="0"/>
+              </a:rPr>
+              <a:t>[31] "</a:t>
+            </a:r>
+            <a:r>
+              <a:rPr kumimoji="0" lang="en-US" altLang="en-US" sz="1000" b="0" i="0" u="none" strike="noStrike" cap="none" normalizeH="0" baseline="0" dirty="0" err="1">
+                <a:ln>
+                  <a:noFill/>
+                </a:ln>
+                <a:solidFill>
+                  <a:srgbClr val="000000"/>
+                </a:solidFill>
+                <a:effectLst/>
+                <a:latin typeface="Lucida Console" panose="020B0609040504020204" pitchFamily="49" charset="0"/>
+              </a:rPr>
+              <a:t>WorkLifeBalance</a:t>
+            </a:r>
+            <a:r>
+              <a:rPr kumimoji="0" lang="en-US" altLang="en-US" sz="1000" b="0" i="0" u="none" strike="noStrike" cap="none" normalizeH="0" baseline="0" dirty="0">
+                <a:ln>
+                  <a:noFill/>
+                </a:ln>
+                <a:solidFill>
+                  <a:srgbClr val="000000"/>
+                </a:solidFill>
+                <a:effectLst/>
+                <a:latin typeface="Lucida Console" panose="020B0609040504020204" pitchFamily="49" charset="0"/>
+              </a:rPr>
+              <a:t>" "</a:t>
+            </a:r>
+            <a:r>
+              <a:rPr kumimoji="0" lang="en-US" altLang="en-US" sz="1000" b="0" i="0" u="none" strike="noStrike" cap="none" normalizeH="0" baseline="0" dirty="0" err="1">
+                <a:ln>
+                  <a:noFill/>
+                </a:ln>
+                <a:solidFill>
+                  <a:srgbClr val="000000"/>
+                </a:solidFill>
+                <a:effectLst/>
+                <a:latin typeface="Lucida Console" panose="020B0609040504020204" pitchFamily="49" charset="0"/>
+              </a:rPr>
+              <a:t>YearsAtCompany</a:t>
+            </a:r>
+            <a:r>
+              <a:rPr kumimoji="0" lang="en-US" altLang="en-US" sz="1000" b="0" i="0" u="none" strike="noStrike" cap="none" normalizeH="0" baseline="0" dirty="0">
+                <a:ln>
+                  <a:noFill/>
+                </a:ln>
+                <a:solidFill>
+                  <a:srgbClr val="000000"/>
+                </a:solidFill>
+                <a:effectLst/>
+                <a:latin typeface="Lucida Console" panose="020B0609040504020204" pitchFamily="49" charset="0"/>
+              </a:rPr>
+              <a:t>" "</a:t>
+            </a:r>
+            <a:r>
+              <a:rPr kumimoji="0" lang="en-US" altLang="en-US" sz="1000" b="0" i="0" u="none" strike="noStrike" cap="none" normalizeH="0" baseline="0" dirty="0" err="1">
+                <a:ln>
+                  <a:noFill/>
+                </a:ln>
+                <a:solidFill>
+                  <a:srgbClr val="000000"/>
+                </a:solidFill>
+                <a:effectLst/>
+                <a:latin typeface="Lucida Console" panose="020B0609040504020204" pitchFamily="49" charset="0"/>
+              </a:rPr>
+              <a:t>YearsInCurrentRole</a:t>
+            </a:r>
+            <a:r>
+              <a:rPr kumimoji="0" lang="en-US" altLang="en-US" sz="1000" b="0" i="0" u="none" strike="noStrike" cap="none" normalizeH="0" baseline="0" dirty="0">
+                <a:ln>
+                  <a:noFill/>
+                </a:ln>
+                <a:solidFill>
+                  <a:srgbClr val="000000"/>
+                </a:solidFill>
+                <a:effectLst/>
+                <a:latin typeface="Lucida Console" panose="020B0609040504020204" pitchFamily="49" charset="0"/>
+              </a:rPr>
+              <a:t>" "</a:t>
+            </a:r>
+            <a:r>
+              <a:rPr kumimoji="0" lang="en-US" altLang="en-US" sz="1000" b="0" i="0" u="none" strike="noStrike" cap="none" normalizeH="0" baseline="0" dirty="0" err="1">
+                <a:ln>
+                  <a:noFill/>
+                </a:ln>
+                <a:solidFill>
+                  <a:srgbClr val="000000"/>
+                </a:solidFill>
+                <a:effectLst/>
+                <a:latin typeface="Lucida Console" panose="020B0609040504020204" pitchFamily="49" charset="0"/>
+              </a:rPr>
+              <a:t>YearsSinceLastPromotion</a:t>
+            </a:r>
+            <a:r>
+              <a:rPr kumimoji="0" lang="en-US" altLang="en-US" sz="1000" b="0" i="0" u="none" strike="noStrike" cap="none" normalizeH="0" baseline="0" dirty="0">
+                <a:ln>
+                  <a:noFill/>
+                </a:ln>
+                <a:solidFill>
+                  <a:srgbClr val="000000"/>
+                </a:solidFill>
+                <a:effectLst/>
+                <a:latin typeface="Lucida Console" panose="020B0609040504020204" pitchFamily="49" charset="0"/>
+              </a:rPr>
+              <a:t>" "</a:t>
+            </a:r>
+            <a:r>
+              <a:rPr kumimoji="0" lang="en-US" altLang="en-US" sz="1000" b="0" i="0" u="none" strike="noStrike" cap="none" normalizeH="0" baseline="0" dirty="0" err="1">
+                <a:ln>
+                  <a:noFill/>
+                </a:ln>
+                <a:solidFill>
+                  <a:srgbClr val="000000"/>
+                </a:solidFill>
+                <a:effectLst/>
+                <a:latin typeface="Lucida Console" panose="020B0609040504020204" pitchFamily="49" charset="0"/>
+              </a:rPr>
+              <a:t>YearsWithCurrManager</a:t>
+            </a:r>
+            <a:r>
+              <a:rPr kumimoji="0" lang="en-US" altLang="en-US" sz="1000" b="0" i="0" u="none" strike="noStrike" cap="none" normalizeH="0" baseline="0" dirty="0">
+                <a:ln>
+                  <a:noFill/>
+                </a:ln>
+                <a:solidFill>
+                  <a:srgbClr val="000000"/>
+                </a:solidFill>
+                <a:effectLst/>
+                <a:latin typeface="Lucida Console" panose="020B0609040504020204" pitchFamily="49" charset="0"/>
+              </a:rPr>
+              <a:t>" </a:t>
+            </a:r>
+            <a:endParaRPr kumimoji="0" lang="en-US" altLang="en-US" sz="1800" b="0" i="0" u="none" strike="noStrike" cap="none" normalizeH="0" baseline="0" dirty="0">
+              <a:ln>
+                <a:noFill/>
+              </a:ln>
+              <a:solidFill>
+                <a:schemeClr val="tx1"/>
+              </a:solidFill>
+              <a:effectLst/>
+              <a:latin typeface="Arial" panose="020B0604020202020204" pitchFamily="34" charset="0"/>
+            </a:endParaRPr>
+          </a:p>
+        </p:txBody>
+      </p:sp>
+      <p:sp>
+        <p:nvSpPr>
+          <p:cNvPr id="4" name="Content Placeholder 2">
+            <a:extLst>
+              <a:ext uri="{FF2B5EF4-FFF2-40B4-BE49-F238E27FC236}">
+                <a16:creationId xmlns:a16="http://schemas.microsoft.com/office/drawing/2014/main" id="{9BAB3DB7-62C2-4A2F-8D61-BC962C8DF26A}"/>
+              </a:ext>
+            </a:extLst>
+          </p:cNvPr>
+          <p:cNvSpPr txBox="1">
+            <a:spLocks/>
+          </p:cNvSpPr>
+          <p:nvPr/>
+        </p:nvSpPr>
+        <p:spPr>
+          <a:xfrm>
+            <a:off x="787400" y="2946399"/>
+            <a:ext cx="10515600" cy="3546476"/>
+          </a:xfrm>
+          <a:prstGeom prst="rect">
+            <a:avLst/>
+          </a:prstGeom>
+        </p:spPr>
+        <p:txBody>
+          <a:bodyPr vert="horz" lIns="91440" tIns="45720" rIns="91440" bIns="45720" rtlCol="0">
+            <a:normAutofit fontScale="47500" lnSpcReduction="20000"/>
+          </a:bodyPr>
+          <a:lstStyle>
+            <a:lvl1pPr marL="228600" indent="-228600" algn="l" defTabSz="914400" rtl="0" eaLnBrk="1" latinLnBrk="0" hangingPunct="1">
+              <a:lnSpc>
+                <a:spcPct val="90000"/>
+              </a:lnSpc>
+              <a:spcBef>
+                <a:spcPts val="1000"/>
+              </a:spcBef>
+              <a:buFont typeface="Arial" panose="020B0604020202020204" pitchFamily="34" charset="0"/>
+              <a:buChar char="•"/>
+              <a:defRPr sz="2800" kern="1200">
+                <a:solidFill>
+                  <a:schemeClr val="tx1"/>
+                </a:solidFill>
+                <a:latin typeface="+mn-lt"/>
+                <a:ea typeface="+mn-ea"/>
+                <a:cs typeface="+mn-cs"/>
+              </a:defRPr>
+            </a:lvl1pPr>
+            <a:lvl2pPr marL="685800" indent="-228600" algn="l" defTabSz="914400" rtl="0" eaLnBrk="1" latinLnBrk="0" hangingPunct="1">
+              <a:lnSpc>
+                <a:spcPct val="90000"/>
+              </a:lnSpc>
+              <a:spcBef>
+                <a:spcPts val="500"/>
+              </a:spcBef>
+              <a:buFont typeface="Arial" panose="020B0604020202020204" pitchFamily="34" charset="0"/>
+              <a:buChar char="•"/>
+              <a:defRPr sz="2400" kern="1200">
+                <a:solidFill>
+                  <a:schemeClr val="tx1"/>
+                </a:solidFill>
+                <a:latin typeface="+mn-lt"/>
+                <a:ea typeface="+mn-ea"/>
+                <a:cs typeface="+mn-cs"/>
+              </a:defRPr>
+            </a:lvl2pPr>
+            <a:lvl3pPr marL="1143000" indent="-228600" algn="l" defTabSz="914400" rtl="0" eaLnBrk="1" latinLnBrk="0" hangingPunct="1">
+              <a:lnSpc>
+                <a:spcPct val="90000"/>
+              </a:lnSpc>
+              <a:spcBef>
+                <a:spcPts val="500"/>
+              </a:spcBef>
+              <a:buFont typeface="Arial" panose="020B0604020202020204" pitchFamily="34" charset="0"/>
+              <a:buChar char="•"/>
+              <a:defRPr sz="2000" kern="1200">
+                <a:solidFill>
+                  <a:schemeClr val="tx1"/>
+                </a:solidFill>
+                <a:latin typeface="+mn-lt"/>
+                <a:ea typeface="+mn-ea"/>
+                <a:cs typeface="+mn-cs"/>
+              </a:defRPr>
+            </a:lvl3pPr>
+            <a:lvl4pPr marL="1600200" indent="-228600" algn="l" defTabSz="914400" rtl="0" eaLnBrk="1" latinLnBrk="0" hangingPunct="1">
+              <a:lnSpc>
+                <a:spcPct val="90000"/>
+              </a:lnSpc>
+              <a:spcBef>
+                <a:spcPts val="500"/>
+              </a:spcBef>
+              <a:buFont typeface="Arial" panose="020B0604020202020204" pitchFamily="34" charset="0"/>
+              <a:buChar char="•"/>
+              <a:defRPr sz="1800" kern="1200">
+                <a:solidFill>
+                  <a:schemeClr val="tx1"/>
+                </a:solidFill>
+                <a:latin typeface="+mn-lt"/>
+                <a:ea typeface="+mn-ea"/>
+                <a:cs typeface="+mn-cs"/>
+              </a:defRPr>
+            </a:lvl4pPr>
+            <a:lvl5pPr marL="2057400" indent="-228600" algn="l" defTabSz="914400" rtl="0" eaLnBrk="1" latinLnBrk="0" hangingPunct="1">
+              <a:lnSpc>
+                <a:spcPct val="90000"/>
+              </a:lnSpc>
+              <a:spcBef>
+                <a:spcPts val="500"/>
+              </a:spcBef>
+              <a:buFont typeface="Arial" panose="020B0604020202020204" pitchFamily="34" charset="0"/>
+              <a:buChar char="•"/>
+              <a:defRPr sz="1800" kern="1200">
+                <a:solidFill>
+                  <a:schemeClr val="tx1"/>
+                </a:solidFill>
+                <a:latin typeface="+mn-lt"/>
+                <a:ea typeface="+mn-ea"/>
+                <a:cs typeface="+mn-cs"/>
+              </a:defRPr>
+            </a:lvl5pPr>
+            <a:lvl6pPr marL="2514600" indent="-228600" algn="l" defTabSz="914400" rtl="0" eaLnBrk="1" latinLnBrk="0" hangingPunct="1">
+              <a:lnSpc>
+                <a:spcPct val="90000"/>
+              </a:lnSpc>
+              <a:spcBef>
+                <a:spcPts val="500"/>
+              </a:spcBef>
+              <a:buFont typeface="Arial" panose="020B0604020202020204" pitchFamily="34" charset="0"/>
+              <a:buChar char="•"/>
+              <a:defRPr sz="1800" kern="1200">
+                <a:solidFill>
+                  <a:schemeClr val="tx1"/>
+                </a:solidFill>
+                <a:latin typeface="+mn-lt"/>
+                <a:ea typeface="+mn-ea"/>
+                <a:cs typeface="+mn-cs"/>
+              </a:defRPr>
+            </a:lvl6pPr>
+            <a:lvl7pPr marL="2971800" indent="-228600" algn="l" defTabSz="914400" rtl="0" eaLnBrk="1" latinLnBrk="0" hangingPunct="1">
+              <a:lnSpc>
+                <a:spcPct val="90000"/>
+              </a:lnSpc>
+              <a:spcBef>
+                <a:spcPts val="500"/>
+              </a:spcBef>
+              <a:buFont typeface="Arial" panose="020B0604020202020204" pitchFamily="34" charset="0"/>
+              <a:buChar char="•"/>
+              <a:defRPr sz="1800" kern="1200">
+                <a:solidFill>
+                  <a:schemeClr val="tx1"/>
+                </a:solidFill>
+                <a:latin typeface="+mn-lt"/>
+                <a:ea typeface="+mn-ea"/>
+                <a:cs typeface="+mn-cs"/>
+              </a:defRPr>
+            </a:lvl7pPr>
+            <a:lvl8pPr marL="3429000" indent="-228600" algn="l" defTabSz="914400" rtl="0" eaLnBrk="1" latinLnBrk="0" hangingPunct="1">
+              <a:lnSpc>
+                <a:spcPct val="90000"/>
+              </a:lnSpc>
+              <a:spcBef>
+                <a:spcPts val="500"/>
+              </a:spcBef>
+              <a:buFont typeface="Arial" panose="020B0604020202020204" pitchFamily="34" charset="0"/>
+              <a:buChar char="•"/>
+              <a:defRPr sz="1800" kern="1200">
+                <a:solidFill>
+                  <a:schemeClr val="tx1"/>
+                </a:solidFill>
+                <a:latin typeface="+mn-lt"/>
+                <a:ea typeface="+mn-ea"/>
+                <a:cs typeface="+mn-cs"/>
+              </a:defRPr>
+            </a:lvl8pPr>
+            <a:lvl9pPr marL="3886200" indent="-228600" algn="l" defTabSz="914400" rtl="0" eaLnBrk="1" latinLnBrk="0" hangingPunct="1">
+              <a:lnSpc>
+                <a:spcPct val="90000"/>
+              </a:lnSpc>
+              <a:spcBef>
+                <a:spcPts val="500"/>
+              </a:spcBef>
+              <a:buFont typeface="Arial" panose="020B0604020202020204" pitchFamily="34" charset="0"/>
+              <a:buChar char="•"/>
+              <a:defRPr sz="1800" kern="1200">
+                <a:solidFill>
+                  <a:schemeClr val="tx1"/>
+                </a:solidFill>
+                <a:latin typeface="+mn-lt"/>
+                <a:ea typeface="+mn-ea"/>
+                <a:cs typeface="+mn-cs"/>
+              </a:defRPr>
+            </a:lvl9pPr>
+          </a:lstStyle>
+          <a:p>
+            <a:r>
+              <a:rPr lang="en-US" dirty="0"/>
+              <a:t>Potential Trends related to attrition:</a:t>
+            </a:r>
+          </a:p>
+          <a:p>
+            <a:pPr lvl="1"/>
+            <a:r>
+              <a:rPr lang="en-US" dirty="0"/>
+              <a:t>Age related to Attrition</a:t>
+            </a:r>
+          </a:p>
+          <a:p>
+            <a:pPr lvl="2"/>
+            <a:r>
+              <a:rPr lang="en-US" dirty="0"/>
+              <a:t>People retire, midlife crisis?</a:t>
+            </a:r>
+          </a:p>
+          <a:p>
+            <a:pPr lvl="1"/>
+            <a:r>
+              <a:rPr lang="en-US" dirty="0" err="1"/>
+              <a:t>WorklifeBalance</a:t>
+            </a:r>
+            <a:endParaRPr lang="en-US" dirty="0"/>
+          </a:p>
+          <a:p>
+            <a:pPr lvl="2"/>
+            <a:r>
+              <a:rPr lang="en-US" dirty="0"/>
+              <a:t>People retire, midlife crisis?</a:t>
+            </a:r>
+          </a:p>
+          <a:p>
+            <a:pPr lvl="1"/>
+            <a:r>
+              <a:rPr lang="en-US" dirty="0" err="1"/>
+              <a:t>JobInvolvment</a:t>
+            </a:r>
+            <a:r>
+              <a:rPr lang="en-US" dirty="0"/>
+              <a:t>/</a:t>
+            </a:r>
+            <a:r>
+              <a:rPr lang="en-US" dirty="0" err="1"/>
+              <a:t>JobSatisfaction</a:t>
+            </a:r>
+            <a:endParaRPr lang="en-US" dirty="0"/>
+          </a:p>
+          <a:p>
+            <a:pPr lvl="2"/>
+            <a:r>
+              <a:rPr lang="en-US" dirty="0"/>
+              <a:t>Are people bored? Are they engaged? Too much work?</a:t>
+            </a:r>
+          </a:p>
+          <a:p>
+            <a:pPr lvl="1"/>
+            <a:r>
+              <a:rPr lang="en-US" dirty="0"/>
+              <a:t>Years at company</a:t>
+            </a:r>
+          </a:p>
+          <a:p>
+            <a:pPr lvl="2"/>
+            <a:r>
+              <a:rPr lang="en-US" dirty="0"/>
+              <a:t>Do the longer people work at company deter them more from leaving?</a:t>
+            </a:r>
+          </a:p>
+          <a:p>
+            <a:pPr lvl="1"/>
+            <a:r>
+              <a:rPr lang="en-US" dirty="0"/>
+              <a:t>Job Role</a:t>
+            </a:r>
+          </a:p>
+          <a:p>
+            <a:pPr lvl="2"/>
+            <a:r>
+              <a:rPr lang="en-US" dirty="0"/>
+              <a:t>What jobs have the most people leaving? </a:t>
+            </a:r>
+          </a:p>
+          <a:p>
+            <a:pPr lvl="1"/>
+            <a:r>
+              <a:rPr lang="en-US" dirty="0"/>
+              <a:t>Monthly Income</a:t>
+            </a:r>
+          </a:p>
+          <a:p>
+            <a:pPr lvl="2"/>
+            <a:r>
+              <a:rPr lang="en-US" dirty="0"/>
+              <a:t>Is there an average wage that causes people to leave?</a:t>
+            </a:r>
+          </a:p>
+          <a:p>
+            <a:pPr lvl="1"/>
+            <a:r>
+              <a:rPr lang="en-US" dirty="0"/>
+              <a:t>Gender</a:t>
+            </a:r>
+          </a:p>
+          <a:p>
+            <a:pPr lvl="2"/>
+            <a:r>
+              <a:rPr lang="en-US" dirty="0"/>
+              <a:t>Which gender is leaving more? </a:t>
+            </a:r>
+          </a:p>
+          <a:p>
+            <a:pPr marL="914400" lvl="2" indent="0">
+              <a:buNone/>
+            </a:pPr>
+            <a:endParaRPr lang="en-US" dirty="0"/>
+          </a:p>
+          <a:p>
+            <a:pPr lvl="2"/>
+            <a:endParaRPr lang="en-US" dirty="0"/>
+          </a:p>
+          <a:p>
+            <a:pPr marL="914400" lvl="2" indent="0">
+              <a:buNone/>
+            </a:pPr>
+            <a:endParaRPr lang="en-US" dirty="0"/>
+          </a:p>
+          <a:p>
+            <a:pPr marL="914400" lvl="2" indent="0">
+              <a:buNone/>
+            </a:pPr>
+            <a:r>
+              <a:rPr lang="en-US" dirty="0"/>
+              <a:t> </a:t>
+            </a:r>
+          </a:p>
+          <a:p>
+            <a:pPr marL="914400" lvl="2" indent="0">
+              <a:buNone/>
+            </a:pPr>
+            <a:endParaRPr lang="en-US" dirty="0"/>
+          </a:p>
+        </p:txBody>
+      </p:sp>
+    </p:spTree>
+    <p:extLst>
+      <p:ext uri="{BB962C8B-B14F-4D97-AF65-F5344CB8AC3E}">
+        <p14:creationId xmlns:p14="http://schemas.microsoft.com/office/powerpoint/2010/main" val="2852773575"/>
+      </p:ext>
+    </p:extLst>
+  </p:cSld>
+  <p:clrMapOvr>
+    <a:masterClrMapping/>
+  </p:clrMapOvr>
+</p:sld>
+</file>
+
+<file path=ppt/slides/slide12.xml><?xml version="1.0" encoding="utf-8"?>
+<p:sld xmlns:a="http://schemas.openxmlformats.org/drawingml/2006/main" xmlns:r="http://schemas.openxmlformats.org/officeDocument/2006/relationships" xmlns:p="http://schemas.openxmlformats.org/presentationml/2006/main">
+  <p:cSld>
+    <p:spTree>
+      <p:nvGrpSpPr>
+        <p:cNvPr id="1" name=""/>
+        <p:cNvGrpSpPr/>
+        <p:nvPr/>
+      </p:nvGrpSpPr>
+      <p:grpSpPr>
+        <a:xfrm>
+          <a:off x="0" y="0"/>
+          <a:ext cx="0" cy="0"/>
+          <a:chOff x="0" y="0"/>
+          <a:chExt cx="0" cy="0"/>
+        </a:xfrm>
+      </p:grpSpPr>
       <p:pic>
         <p:nvPicPr>
           <p:cNvPr id="4" name="Picture 3">
@@ -6646,7 +8251,7 @@
 </p:sld>
 </file>
 
-<file path=ppt/slides/slide11.xml><?xml version="1.0" encoding="utf-8"?>
+<file path=ppt/slides/slide13.xml><?xml version="1.0" encoding="utf-8"?>
 <p:sld xmlns:a="http://schemas.openxmlformats.org/drawingml/2006/main" xmlns:r="http://schemas.openxmlformats.org/officeDocument/2006/relationships" xmlns:p="http://schemas.openxmlformats.org/presentationml/2006/main">
   <p:cSld>
     <p:spTree>
@@ -6741,7 +8346,7 @@
 </p:sld>
 </file>
 
-<file path=ppt/slides/slide12.xml><?xml version="1.0" encoding="utf-8"?>
+<file path=ppt/slides/slide14.xml><?xml version="1.0" encoding="utf-8"?>
 <p:sld xmlns:a="http://schemas.openxmlformats.org/drawingml/2006/main" xmlns:r="http://schemas.openxmlformats.org/officeDocument/2006/relationships" xmlns:p="http://schemas.openxmlformats.org/presentationml/2006/main">
   <p:cSld>
     <p:spTree>
@@ -6801,7 +8406,7 @@
 </p:sld>
 </file>
 
-<file path=ppt/slides/slide13.xml><?xml version="1.0" encoding="utf-8"?>
+<file path=ppt/slides/slide15.xml><?xml version="1.0" encoding="utf-8"?>
 <p:sld xmlns:a="http://schemas.openxmlformats.org/drawingml/2006/main" xmlns:r="http://schemas.openxmlformats.org/officeDocument/2006/relationships" xmlns:p="http://schemas.openxmlformats.org/presentationml/2006/main">
   <p:cSld>
     <p:spTree>
@@ -6861,7 +8466,7 @@
 </p:sld>
 </file>
 
-<file path=ppt/slides/slide14.xml><?xml version="1.0" encoding="utf-8"?>
+<file path=ppt/slides/slide16.xml><?xml version="1.0" encoding="utf-8"?>
 <p:sld xmlns:a="http://schemas.openxmlformats.org/drawingml/2006/main" xmlns:r="http://schemas.openxmlformats.org/officeDocument/2006/relationships" xmlns:p="http://schemas.openxmlformats.org/presentationml/2006/main">
   <p:cSld>
     <p:spTree>
@@ -6921,7 +8526,7 @@
 </p:sld>
 </file>
 
-<file path=ppt/slides/slide15.xml><?xml version="1.0" encoding="utf-8"?>
+<file path=ppt/slides/slide17.xml><?xml version="1.0" encoding="utf-8"?>
 <p:sld xmlns:a="http://schemas.openxmlformats.org/drawingml/2006/main" xmlns:r="http://schemas.openxmlformats.org/officeDocument/2006/relationships" xmlns:p="http://schemas.openxmlformats.org/presentationml/2006/main">
   <p:cSld>
     <p:bg>
@@ -6989,7 +8594,7 @@
 </p:sld>
 </file>
 
-<file path=ppt/slides/slide16.xml><?xml version="1.0" encoding="utf-8"?>
+<file path=ppt/slides/slide18.xml><?xml version="1.0" encoding="utf-8"?>
 <p:sld xmlns:a="http://schemas.openxmlformats.org/drawingml/2006/main" xmlns:r="http://schemas.openxmlformats.org/officeDocument/2006/relationships" xmlns:p="http://schemas.openxmlformats.org/presentationml/2006/main">
   <p:cSld>
     <p:spTree>
@@ -7049,7 +8654,7 @@
 </p:sld>
 </file>
 
-<file path=ppt/slides/slide17.xml><?xml version="1.0" encoding="utf-8"?>
+<file path=ppt/slides/slide19.xml><?xml version="1.0" encoding="utf-8"?>
 <p:sld xmlns:a="http://schemas.openxmlformats.org/drawingml/2006/main" xmlns:r="http://schemas.openxmlformats.org/officeDocument/2006/relationships" xmlns:p="http://schemas.openxmlformats.org/presentationml/2006/main">
   <p:cSld>
     <p:spTree>
@@ -7109,7 +8714,115 @@
 </p:sld>
 </file>
 
-<file path=ppt/slides/slide18.xml><?xml version="1.0" encoding="utf-8"?>
+<file path=ppt/slides/slide2.xml><?xml version="1.0" encoding="utf-8"?>
+<p:sld xmlns:a="http://schemas.openxmlformats.org/drawingml/2006/main" xmlns:r="http://schemas.openxmlformats.org/officeDocument/2006/relationships" xmlns:p="http://schemas.openxmlformats.org/presentationml/2006/main">
+  <p:cSld>
+    <p:spTree>
+      <p:nvGrpSpPr>
+        <p:cNvPr id="1" name=""/>
+        <p:cNvGrpSpPr/>
+        <p:nvPr/>
+      </p:nvGrpSpPr>
+      <p:grpSpPr>
+        <a:xfrm>
+          <a:off x="0" y="0"/>
+          <a:ext cx="0" cy="0"/>
+          <a:chOff x="0" y="0"/>
+          <a:chExt cx="0" cy="0"/>
+        </a:xfrm>
+      </p:grpSpPr>
+      <p:sp>
+        <p:nvSpPr>
+          <p:cNvPr id="2" name="Title 1">
+            <a:extLst>
+              <a:ext uri="{FF2B5EF4-FFF2-40B4-BE49-F238E27FC236}">
+                <a16:creationId xmlns:a16="http://schemas.microsoft.com/office/drawing/2014/main" id="{60116AC1-02DC-4899-BE09-3CBAF13ED2FB}"/>
+              </a:ext>
+            </a:extLst>
+          </p:cNvPr>
+          <p:cNvSpPr>
+            <a:spLocks noGrp="1"/>
+          </p:cNvSpPr>
+          <p:nvPr>
+            <p:ph type="title"/>
+          </p:nvPr>
+        </p:nvSpPr>
+        <p:spPr/>
+        <p:txBody>
+          <a:bodyPr/>
+          <a:lstStyle/>
+          <a:p>
+            <a:r>
+              <a:rPr lang="en-US" dirty="0"/>
+              <a:t>Study Overview</a:t>
+            </a:r>
+          </a:p>
+        </p:txBody>
+      </p:sp>
+      <p:sp>
+        <p:nvSpPr>
+          <p:cNvPr id="3" name="Content Placeholder 2">
+            <a:extLst>
+              <a:ext uri="{FF2B5EF4-FFF2-40B4-BE49-F238E27FC236}">
+                <a16:creationId xmlns:a16="http://schemas.microsoft.com/office/drawing/2014/main" id="{106DCD8B-B370-478D-A725-096D32CB95D8}"/>
+              </a:ext>
+            </a:extLst>
+          </p:cNvPr>
+          <p:cNvSpPr>
+            <a:spLocks noGrp="1"/>
+          </p:cNvSpPr>
+          <p:nvPr>
+            <p:ph idx="1"/>
+          </p:nvPr>
+        </p:nvSpPr>
+        <p:spPr/>
+        <p:txBody>
+          <a:bodyPr>
+            <a:normAutofit/>
+          </a:bodyPr>
+          <a:lstStyle/>
+          <a:p>
+            <a:r>
+              <a:rPr lang="en-US" sz="3200" dirty="0"/>
+              <a:t>Why does an employee quit a job?</a:t>
+            </a:r>
+          </a:p>
+          <a:p>
+            <a:pPr lvl="1"/>
+            <a:r>
+              <a:rPr lang="en-US" sz="2800" dirty="0"/>
+              <a:t>Do they hate their boss?</a:t>
+            </a:r>
+          </a:p>
+          <a:p>
+            <a:pPr lvl="1"/>
+            <a:r>
+              <a:rPr lang="en-US" sz="2800" dirty="0"/>
+              <a:t>Is the work unfulfilling?</a:t>
+            </a:r>
+          </a:p>
+          <a:p>
+            <a:r>
+              <a:rPr lang="en-US" sz="3200" dirty="0"/>
+              <a:t>We can answer this, with DATA!</a:t>
+            </a:r>
+          </a:p>
+        </p:txBody>
+      </p:sp>
+    </p:spTree>
+    <p:extLst>
+      <p:ext uri="{BB962C8B-B14F-4D97-AF65-F5344CB8AC3E}">
+        <p14:creationId xmlns:p14="http://schemas.microsoft.com/office/powerpoint/2010/main" val="3371773095"/>
+      </p:ext>
+    </p:extLst>
+  </p:cSld>
+  <p:clrMapOvr>
+    <a:masterClrMapping/>
+  </p:clrMapOvr>
+</p:sld>
+</file>
+
+<file path=ppt/slides/slide20.xml><?xml version="1.0" encoding="utf-8"?>
 <p:sld xmlns:a="http://schemas.openxmlformats.org/drawingml/2006/main" xmlns:r="http://schemas.openxmlformats.org/officeDocument/2006/relationships" xmlns:p="http://schemas.openxmlformats.org/presentationml/2006/main">
   <p:cSld>
     <p:spTree>
@@ -7219,7 +8932,7 @@
 </p:sld>
 </file>
 
-<file path=ppt/slides/slide19.xml><?xml version="1.0" encoding="utf-8"?>
+<file path=ppt/slides/slide21.xml><?xml version="1.0" encoding="utf-8"?>
 <p:sld xmlns:a="http://schemas.openxmlformats.org/drawingml/2006/main" xmlns:r="http://schemas.openxmlformats.org/officeDocument/2006/relationships" xmlns:p="http://schemas.openxmlformats.org/presentationml/2006/main">
   <p:cSld>
     <p:spTree>
@@ -7403,115 +9116,7 @@
 </p:sld>
 </file>
 
-<file path=ppt/slides/slide2.xml><?xml version="1.0" encoding="utf-8"?>
-<p:sld xmlns:a="http://schemas.openxmlformats.org/drawingml/2006/main" xmlns:r="http://schemas.openxmlformats.org/officeDocument/2006/relationships" xmlns:p="http://schemas.openxmlformats.org/presentationml/2006/main">
-  <p:cSld>
-    <p:spTree>
-      <p:nvGrpSpPr>
-        <p:cNvPr id="1" name=""/>
-        <p:cNvGrpSpPr/>
-        <p:nvPr/>
-      </p:nvGrpSpPr>
-      <p:grpSpPr>
-        <a:xfrm>
-          <a:off x="0" y="0"/>
-          <a:ext cx="0" cy="0"/>
-          <a:chOff x="0" y="0"/>
-          <a:chExt cx="0" cy="0"/>
-        </a:xfrm>
-      </p:grpSpPr>
-      <p:sp>
-        <p:nvSpPr>
-          <p:cNvPr id="2" name="Title 1">
-            <a:extLst>
-              <a:ext uri="{FF2B5EF4-FFF2-40B4-BE49-F238E27FC236}">
-                <a16:creationId xmlns:a16="http://schemas.microsoft.com/office/drawing/2014/main" id="{60116AC1-02DC-4899-BE09-3CBAF13ED2FB}"/>
-              </a:ext>
-            </a:extLst>
-          </p:cNvPr>
-          <p:cNvSpPr>
-            <a:spLocks noGrp="1"/>
-          </p:cNvSpPr>
-          <p:nvPr>
-            <p:ph type="title"/>
-          </p:nvPr>
-        </p:nvSpPr>
-        <p:spPr/>
-        <p:txBody>
-          <a:bodyPr/>
-          <a:lstStyle/>
-          <a:p>
-            <a:r>
-              <a:rPr lang="en-US" dirty="0"/>
-              <a:t>Study Overview</a:t>
-            </a:r>
-          </a:p>
-        </p:txBody>
-      </p:sp>
-      <p:sp>
-        <p:nvSpPr>
-          <p:cNvPr id="3" name="Content Placeholder 2">
-            <a:extLst>
-              <a:ext uri="{FF2B5EF4-FFF2-40B4-BE49-F238E27FC236}">
-                <a16:creationId xmlns:a16="http://schemas.microsoft.com/office/drawing/2014/main" id="{106DCD8B-B370-478D-A725-096D32CB95D8}"/>
-              </a:ext>
-            </a:extLst>
-          </p:cNvPr>
-          <p:cNvSpPr>
-            <a:spLocks noGrp="1"/>
-          </p:cNvSpPr>
-          <p:nvPr>
-            <p:ph idx="1"/>
-          </p:nvPr>
-        </p:nvSpPr>
-        <p:spPr/>
-        <p:txBody>
-          <a:bodyPr>
-            <a:normAutofit/>
-          </a:bodyPr>
-          <a:lstStyle/>
-          <a:p>
-            <a:r>
-              <a:rPr lang="en-US" sz="3200" dirty="0"/>
-              <a:t>Why does an employee quit a job?</a:t>
-            </a:r>
-          </a:p>
-          <a:p>
-            <a:pPr lvl="1"/>
-            <a:r>
-              <a:rPr lang="en-US" sz="2800" dirty="0"/>
-              <a:t>Do they hate their boss?</a:t>
-            </a:r>
-          </a:p>
-          <a:p>
-            <a:pPr lvl="1"/>
-            <a:r>
-              <a:rPr lang="en-US" sz="2800" dirty="0"/>
-              <a:t>Is the work unfulfilling?</a:t>
-            </a:r>
-          </a:p>
-          <a:p>
-            <a:r>
-              <a:rPr lang="en-US" sz="3200" dirty="0"/>
-              <a:t>We can answer this, with DATA!</a:t>
-            </a:r>
-          </a:p>
-        </p:txBody>
-      </p:sp>
-    </p:spTree>
-    <p:extLst>
-      <p:ext uri="{BB962C8B-B14F-4D97-AF65-F5344CB8AC3E}">
-        <p14:creationId xmlns:p14="http://schemas.microsoft.com/office/powerpoint/2010/main" val="3371773095"/>
-      </p:ext>
-    </p:extLst>
-  </p:cSld>
-  <p:clrMapOvr>
-    <a:masterClrMapping/>
-  </p:clrMapOvr>
-</p:sld>
-</file>
-
-<file path=ppt/slides/slide20.xml><?xml version="1.0" encoding="utf-8"?>
+<file path=ppt/slides/slide22.xml><?xml version="1.0" encoding="utf-8"?>
 <p:sld xmlns:a="http://schemas.openxmlformats.org/drawingml/2006/main" xmlns:r="http://schemas.openxmlformats.org/officeDocument/2006/relationships" xmlns:p="http://schemas.openxmlformats.org/presentationml/2006/main">
   <p:cSld>
     <p:spTree>
@@ -7703,7 +9308,11 @@
           </a:p>
           <a:p>
             <a:r>
-              <a:rPr lang="en-US" dirty="0"/>
+              <a:rPr lang="en-US" dirty="0">
+                <a:highlight>
+                  <a:srgbClr val="FFFF00"/>
+                </a:highlight>
+              </a:rPr>
               <a:t>Responses included 30 meaningful questions, including:</a:t>
             </a:r>
           </a:p>
@@ -7862,6 +9471,12 @@
           <a:p>
             <a:r>
               <a:rPr lang="en-US" dirty="0"/>
+              <a:t>How can retain employees?</a:t>
+            </a:r>
+          </a:p>
+          <a:p>
+            <a:r>
+              <a:rPr lang="en-US" dirty="0"/>
               <a:t>How can we use this data to deliver value?</a:t>
             </a:r>
           </a:p>
@@ -7886,6 +9501,14 @@
 <file path=ppt/slides/slide5.xml><?xml version="1.0" encoding="utf-8"?>
 <p:sld xmlns:a="http://schemas.openxmlformats.org/drawingml/2006/main" xmlns:r="http://schemas.openxmlformats.org/officeDocument/2006/relationships" xmlns:p="http://schemas.openxmlformats.org/presentationml/2006/main">
   <p:cSld>
+    <p:bg>
+      <p:bgPr>
+        <a:solidFill>
+          <a:schemeClr val="bg1"/>
+        </a:solidFill>
+        <a:effectLst/>
+      </p:bgPr>
+    </p:bg>
     <p:spTree>
       <p:nvGrpSpPr>
         <p:cNvPr id="1" name=""/>
@@ -7902,83 +9525,1075 @@
       </p:grpSpPr>
       <p:sp>
         <p:nvSpPr>
-          <p:cNvPr id="4" name="TextBox 3">
+          <p:cNvPr id="9" name="Rectangle 8">
             <a:extLst>
               <a:ext uri="{FF2B5EF4-FFF2-40B4-BE49-F238E27FC236}">
-                <a16:creationId xmlns:a16="http://schemas.microsoft.com/office/drawing/2014/main" id="{DC4E2D60-2CF0-4F20-8AAF-A234BD6C85C5}"/>
+                <a16:creationId xmlns:a16="http://schemas.microsoft.com/office/drawing/2014/main" id="{EE4E366E-272A-409E-840F-9A6A64A9E3FF}"/>
+              </a:ext>
+              <a:ext uri="{C183D7F6-B498-43B3-948B-1728B52AA6E4}">
+                <adec:decorative xmlns:adec="http://schemas.microsoft.com/office/drawing/2017/decorative" val="1"/>
               </a:ext>
             </a:extLst>
           </p:cNvPr>
-          <p:cNvSpPr txBox="1"/>
-          <p:nvPr/>
+          <p:cNvSpPr>
+            <a:spLocks noGrp="1" noRot="1" noChangeAspect="1" noMove="1" noResize="1" noEditPoints="1" noAdjustHandles="1" noChangeArrowheads="1" noChangeShapeType="1" noTextEdit="1"/>
+          </p:cNvSpPr>
+          <p:nvPr>
+            <p:extLst>
+              <p:ext uri="{386F3935-93C4-4BCD-93E2-E3B085C9AB24}">
+                <p16:designElem xmlns:p16="http://schemas.microsoft.com/office/powerpoint/2015/main" val="1"/>
+              </p:ext>
+            </p:extLst>
+          </p:nvPr>
         </p:nvSpPr>
         <p:spPr>
           <a:xfrm>
-            <a:off x="647700" y="1149712"/>
-            <a:ext cx="10896600" cy="646331"/>
+            <a:off x="0" y="0"/>
+            <a:ext cx="12192000" cy="6858000"/>
           </a:xfrm>
           <a:prstGeom prst="rect">
             <a:avLst/>
           </a:prstGeom>
-          <a:noFill/>
+          <a:ln>
+            <a:noFill/>
+          </a:ln>
         </p:spPr>
-        <p:txBody>
-          <a:bodyPr wrap="square" rtlCol="0">
-            <a:spAutoFit/>
-          </a:bodyPr>
+        <p:style>
+          <a:lnRef idx="2">
+            <a:schemeClr val="accent1">
+              <a:shade val="50000"/>
+            </a:schemeClr>
+          </a:lnRef>
+          <a:fillRef idx="1003">
+            <a:schemeClr val="dk2"/>
+          </a:fillRef>
+          <a:effectRef idx="0">
+            <a:schemeClr val="accent1"/>
+          </a:effectRef>
+          <a:fontRef idx="minor">
+            <a:schemeClr val="lt1"/>
+          </a:fontRef>
+        </p:style>
+        <p:txBody>
+          <a:bodyPr rtlCol="0" anchor="ctr"/>
           <a:lstStyle/>
           <a:p>
-            <a:r>
-              <a:rPr lang="en-US" dirty="0"/>
-              <a:t>After much exploratory analysis, we’ve concluded that the top three attributes for discerning potential employee attrition are…</a:t>
-            </a:r>
-          </a:p>
-        </p:txBody>
-      </p:sp>
-      <p:sp>
-        <p:nvSpPr>
-          <p:cNvPr id="6" name="TextBox 5">
+            <a:pPr algn="ctr"/>
+            <a:endParaRPr lang="en-US"/>
+          </a:p>
+        </p:txBody>
+      </p:sp>
+      <p:sp>
+        <p:nvSpPr>
+          <p:cNvPr id="11" name="Rectangle 10">
             <a:extLst>
               <a:ext uri="{FF2B5EF4-FFF2-40B4-BE49-F238E27FC236}">
-                <a16:creationId xmlns:a16="http://schemas.microsoft.com/office/drawing/2014/main" id="{9962BC75-AAFC-41B1-A95E-508B1775E584}"/>
+                <a16:creationId xmlns:a16="http://schemas.microsoft.com/office/drawing/2014/main" id="{A721560C-E4AB-4287-A29C-3F6916794CB9}"/>
+              </a:ext>
+              <a:ext uri="{C183D7F6-B498-43B3-948B-1728B52AA6E4}">
+                <adec:decorative xmlns:adec="http://schemas.microsoft.com/office/drawing/2017/decorative" val="1"/>
               </a:ext>
             </a:extLst>
           </p:cNvPr>
-          <p:cNvSpPr txBox="1"/>
-          <p:nvPr/>
+          <p:cNvSpPr>
+            <a:spLocks noGrp="1" noRot="1" noChangeAspect="1" noMove="1" noResize="1" noEditPoints="1" noAdjustHandles="1" noChangeArrowheads="1" noChangeShapeType="1" noTextEdit="1"/>
+          </p:cNvSpPr>
+          <p:nvPr>
+            <p:extLst>
+              <p:ext uri="{386F3935-93C4-4BCD-93E2-E3B085C9AB24}">
+                <p16:designElem xmlns:p16="http://schemas.microsoft.com/office/powerpoint/2015/main" val="1"/>
+              </p:ext>
+            </p:extLst>
+          </p:nvPr>
         </p:nvSpPr>
         <p:spPr>
           <a:xfrm>
-            <a:off x="647700" y="5537200"/>
-            <a:ext cx="10896600" cy="369332"/>
+            <a:off x="10442448" y="0"/>
+            <a:ext cx="685800" cy="1143000"/>
           </a:xfrm>
           <a:prstGeom prst="rect">
             <a:avLst/>
           </a:prstGeom>
-          <a:noFill/>
+          <a:solidFill>
+            <a:schemeClr val="accent1"/>
+          </a:solidFill>
+          <a:ln>
+            <a:noFill/>
+          </a:ln>
         </p:spPr>
-        <p:txBody>
-          <a:bodyPr wrap="square" rtlCol="0">
-            <a:spAutoFit/>
+        <p:style>
+          <a:lnRef idx="1">
+            <a:schemeClr val="accent1"/>
+          </a:lnRef>
+          <a:fillRef idx="3">
+            <a:schemeClr val="accent1"/>
+          </a:fillRef>
+          <a:effectRef idx="2">
+            <a:schemeClr val="accent1"/>
+          </a:effectRef>
+          <a:fontRef idx="minor">
+            <a:schemeClr val="lt1"/>
+          </a:fontRef>
+        </p:style>
+      </p:sp>
+      <p:sp>
+        <p:nvSpPr>
+          <p:cNvPr id="13" name="Freeform 7">
+            <a:extLst>
+              <a:ext uri="{FF2B5EF4-FFF2-40B4-BE49-F238E27FC236}">
+                <a16:creationId xmlns:a16="http://schemas.microsoft.com/office/drawing/2014/main" id="{DF6CFF07-D953-4F9C-9A0E-E0A6AACB6158}"/>
+              </a:ext>
+              <a:ext uri="{C183D7F6-B498-43B3-948B-1728B52AA6E4}">
+                <adec:decorative xmlns:adec="http://schemas.microsoft.com/office/drawing/2017/decorative" val="1"/>
+              </a:ext>
+            </a:extLst>
+          </p:cNvPr>
+          <p:cNvSpPr>
+            <a:spLocks noGrp="1" noRot="1" noChangeAspect="1" noMove="1" noResize="1" noEditPoints="1" noAdjustHandles="1" noChangeArrowheads="1" noChangeShapeType="1" noTextEdit="1"/>
+          </p:cNvSpPr>
+          <p:nvPr>
+            <p:extLst>
+              <p:ext uri="{386F3935-93C4-4BCD-93E2-E3B085C9AB24}">
+                <p16:designElem xmlns:p16="http://schemas.microsoft.com/office/powerpoint/2015/main" val="1"/>
+              </p:ext>
+            </p:extLst>
+          </p:nvPr>
+        </p:nvSpPr>
+        <p:spPr>
+          <a:xfrm>
+            <a:off x="8719939" y="1460230"/>
+            <a:ext cx="3472060" cy="825932"/>
+          </a:xfrm>
+          <a:custGeom>
+            <a:avLst/>
+            <a:gdLst>
+              <a:gd name="connsiteX0" fmla="*/ 3470310 w 3472060"/>
+              <a:gd name="connsiteY0" fmla="*/ 0 h 825932"/>
+              <a:gd name="connsiteX1" fmla="*/ 3472060 w 3472060"/>
+              <a:gd name="connsiteY1" fmla="*/ 12850 h 825932"/>
+              <a:gd name="connsiteX2" fmla="*/ 3472060 w 3472060"/>
+              <a:gd name="connsiteY2" fmla="*/ 480529 h 825932"/>
+              <a:gd name="connsiteX3" fmla="*/ 3363699 w 3472060"/>
+              <a:gd name="connsiteY3" fmla="*/ 498471 h 825932"/>
+              <a:gd name="connsiteX4" fmla="*/ 42060 w 3472060"/>
+              <a:gd name="connsiteY4" fmla="*/ 824486 h 825932"/>
+              <a:gd name="connsiteX5" fmla="*/ 0 w 3472060"/>
+              <a:gd name="connsiteY5" fmla="*/ 758452 h 825932"/>
+              <a:gd name="connsiteX6" fmla="*/ 188014 w 3472060"/>
+              <a:gd name="connsiteY6" fmla="*/ 735602 h 825932"/>
+              <a:gd name="connsiteX7" fmla="*/ 284087 w 3472060"/>
+              <a:gd name="connsiteY7" fmla="*/ 722590 h 825932"/>
+              <a:gd name="connsiteX8" fmla="*/ 382288 w 3472060"/>
+              <a:gd name="connsiteY8" fmla="*/ 709392 h 825932"/>
+              <a:gd name="connsiteX9" fmla="*/ 481858 w 3472060"/>
+              <a:gd name="connsiteY9" fmla="*/ 695774 h 825932"/>
+              <a:gd name="connsiteX10" fmla="*/ 581897 w 3472060"/>
+              <a:gd name="connsiteY10" fmla="*/ 680711 h 825932"/>
+              <a:gd name="connsiteX11" fmla="*/ 683670 w 3472060"/>
+              <a:gd name="connsiteY11" fmla="*/ 665256 h 825932"/>
+              <a:gd name="connsiteX12" fmla="*/ 787206 w 3472060"/>
+              <a:gd name="connsiteY12" fmla="*/ 649587 h 825932"/>
+              <a:gd name="connsiteX13" fmla="*/ 892019 w 3472060"/>
+              <a:gd name="connsiteY13" fmla="*/ 632968 h 825932"/>
+              <a:gd name="connsiteX14" fmla="*/ 997620 w 3472060"/>
+              <a:gd name="connsiteY14" fmla="*/ 614667 h 825932"/>
+              <a:gd name="connsiteX15" fmla="*/ 1104727 w 3472060"/>
+              <a:gd name="connsiteY15" fmla="*/ 596741 h 825932"/>
+              <a:gd name="connsiteX16" fmla="*/ 1212669 w 3472060"/>
+              <a:gd name="connsiteY16" fmla="*/ 577397 h 825932"/>
+              <a:gd name="connsiteX17" fmla="*/ 1321506 w 3472060"/>
+              <a:gd name="connsiteY17" fmla="*/ 556988 h 825932"/>
+              <a:gd name="connsiteX18" fmla="*/ 1430709 w 3472060"/>
+              <a:gd name="connsiteY18" fmla="*/ 536607 h 825932"/>
+              <a:gd name="connsiteX19" fmla="*/ 1541050 w 3472060"/>
+              <a:gd name="connsiteY19" fmla="*/ 514481 h 825932"/>
+              <a:gd name="connsiteX20" fmla="*/ 1652805 w 3472060"/>
+              <a:gd name="connsiteY20" fmla="*/ 492202 h 825932"/>
+              <a:gd name="connsiteX21" fmla="*/ 1763708 w 3472060"/>
+              <a:gd name="connsiteY21" fmla="*/ 469161 h 825932"/>
+              <a:gd name="connsiteX22" fmla="*/ 1875795 w 3472060"/>
+              <a:gd name="connsiteY22" fmla="*/ 444641 h 825932"/>
+              <a:gd name="connsiteX23" fmla="*/ 1989128 w 3472060"/>
+              <a:gd name="connsiteY23" fmla="*/ 418995 h 825932"/>
+              <a:gd name="connsiteX24" fmla="*/ 2102476 w 3472060"/>
+              <a:gd name="connsiteY24" fmla="*/ 393438 h 825932"/>
+              <a:gd name="connsiteX25" fmla="*/ 2215549 w 3472060"/>
+              <a:gd name="connsiteY25" fmla="*/ 366291 h 825932"/>
+              <a:gd name="connsiteX26" fmla="*/ 2330490 w 3472060"/>
+              <a:gd name="connsiteY26" fmla="*/ 337455 h 825932"/>
+              <a:gd name="connsiteX27" fmla="*/ 2443333 w 3472060"/>
+              <a:gd name="connsiteY27" fmla="*/ 308983 h 825932"/>
+              <a:gd name="connsiteX28" fmla="*/ 2558014 w 3472060"/>
+              <a:gd name="connsiteY28" fmla="*/ 278646 h 825932"/>
+              <a:gd name="connsiteX29" fmla="*/ 2673621 w 3472060"/>
+              <a:gd name="connsiteY29" fmla="*/ 247421 h 825932"/>
+              <a:gd name="connsiteX30" fmla="*/ 2787008 w 3472060"/>
+              <a:gd name="connsiteY30" fmla="*/ 215853 h 825932"/>
+              <a:gd name="connsiteX31" fmla="*/ 2901442 w 3472060"/>
+              <a:gd name="connsiteY31" fmla="*/ 182011 h 825932"/>
+              <a:gd name="connsiteX32" fmla="*/ 3015722 w 3472060"/>
+              <a:gd name="connsiteY32" fmla="*/ 147286 h 825932"/>
+              <a:gd name="connsiteX33" fmla="*/ 3130018 w 3472060"/>
+              <a:gd name="connsiteY33" fmla="*/ 112649 h 825932"/>
+              <a:gd name="connsiteX34" fmla="*/ 3243551 w 3472060"/>
+              <a:gd name="connsiteY34" fmla="*/ 75688 h 825932"/>
+              <a:gd name="connsiteX35" fmla="*/ 3356992 w 3472060"/>
+              <a:gd name="connsiteY35" fmla="*/ 38197 h 825932"/>
+              <a:gd name="connsiteX36" fmla="*/ 3470310 w 3472060"/>
+              <a:gd name="connsiteY36" fmla="*/ 0 h 825932"/>
+            </a:gdLst>
+            <a:ahLst/>
+            <a:cxnLst>
+              <a:cxn ang="0">
+                <a:pos x="connsiteX0" y="connsiteY0"/>
+              </a:cxn>
+              <a:cxn ang="0">
+                <a:pos x="connsiteX1" y="connsiteY1"/>
+              </a:cxn>
+              <a:cxn ang="0">
+                <a:pos x="connsiteX2" y="connsiteY2"/>
+              </a:cxn>
+              <a:cxn ang="0">
+                <a:pos x="connsiteX3" y="connsiteY3"/>
+              </a:cxn>
+              <a:cxn ang="0">
+                <a:pos x="connsiteX4" y="connsiteY4"/>
+              </a:cxn>
+              <a:cxn ang="0">
+                <a:pos x="connsiteX5" y="connsiteY5"/>
+              </a:cxn>
+              <a:cxn ang="0">
+                <a:pos x="connsiteX6" y="connsiteY6"/>
+              </a:cxn>
+              <a:cxn ang="0">
+                <a:pos x="connsiteX7" y="connsiteY7"/>
+              </a:cxn>
+              <a:cxn ang="0">
+                <a:pos x="connsiteX8" y="connsiteY8"/>
+              </a:cxn>
+              <a:cxn ang="0">
+                <a:pos x="connsiteX9" y="connsiteY9"/>
+              </a:cxn>
+              <a:cxn ang="0">
+                <a:pos x="connsiteX10" y="connsiteY10"/>
+              </a:cxn>
+              <a:cxn ang="0">
+                <a:pos x="connsiteX11" y="connsiteY11"/>
+              </a:cxn>
+              <a:cxn ang="0">
+                <a:pos x="connsiteX12" y="connsiteY12"/>
+              </a:cxn>
+              <a:cxn ang="0">
+                <a:pos x="connsiteX13" y="connsiteY13"/>
+              </a:cxn>
+              <a:cxn ang="0">
+                <a:pos x="connsiteX14" y="connsiteY14"/>
+              </a:cxn>
+              <a:cxn ang="0">
+                <a:pos x="connsiteX15" y="connsiteY15"/>
+              </a:cxn>
+              <a:cxn ang="0">
+                <a:pos x="connsiteX16" y="connsiteY16"/>
+              </a:cxn>
+              <a:cxn ang="0">
+                <a:pos x="connsiteX17" y="connsiteY17"/>
+              </a:cxn>
+              <a:cxn ang="0">
+                <a:pos x="connsiteX18" y="connsiteY18"/>
+              </a:cxn>
+              <a:cxn ang="0">
+                <a:pos x="connsiteX19" y="connsiteY19"/>
+              </a:cxn>
+              <a:cxn ang="0">
+                <a:pos x="connsiteX20" y="connsiteY20"/>
+              </a:cxn>
+              <a:cxn ang="0">
+                <a:pos x="connsiteX21" y="connsiteY21"/>
+              </a:cxn>
+              <a:cxn ang="0">
+                <a:pos x="connsiteX22" y="connsiteY22"/>
+              </a:cxn>
+              <a:cxn ang="0">
+                <a:pos x="connsiteX23" y="connsiteY23"/>
+              </a:cxn>
+              <a:cxn ang="0">
+                <a:pos x="connsiteX24" y="connsiteY24"/>
+              </a:cxn>
+              <a:cxn ang="0">
+                <a:pos x="connsiteX25" y="connsiteY25"/>
+              </a:cxn>
+              <a:cxn ang="0">
+                <a:pos x="connsiteX26" y="connsiteY26"/>
+              </a:cxn>
+              <a:cxn ang="0">
+                <a:pos x="connsiteX27" y="connsiteY27"/>
+              </a:cxn>
+              <a:cxn ang="0">
+                <a:pos x="connsiteX28" y="connsiteY28"/>
+              </a:cxn>
+              <a:cxn ang="0">
+                <a:pos x="connsiteX29" y="connsiteY29"/>
+              </a:cxn>
+              <a:cxn ang="0">
+                <a:pos x="connsiteX30" y="connsiteY30"/>
+              </a:cxn>
+              <a:cxn ang="0">
+                <a:pos x="connsiteX31" y="connsiteY31"/>
+              </a:cxn>
+              <a:cxn ang="0">
+                <a:pos x="connsiteX32" y="connsiteY32"/>
+              </a:cxn>
+              <a:cxn ang="0">
+                <a:pos x="connsiteX33" y="connsiteY33"/>
+              </a:cxn>
+              <a:cxn ang="0">
+                <a:pos x="connsiteX34" y="connsiteY34"/>
+              </a:cxn>
+              <a:cxn ang="0">
+                <a:pos x="connsiteX35" y="connsiteY35"/>
+              </a:cxn>
+              <a:cxn ang="0">
+                <a:pos x="connsiteX36" y="connsiteY36"/>
+              </a:cxn>
+            </a:cxnLst>
+            <a:rect l="l" t="t" r="r" b="b"/>
+            <a:pathLst>
+              <a:path w="3472060" h="825932">
+                <a:moveTo>
+                  <a:pt x="3470310" y="0"/>
+                </a:moveTo>
+                <a:lnTo>
+                  <a:pt x="3472060" y="12850"/>
+                </a:lnTo>
+                <a:lnTo>
+                  <a:pt x="3472060" y="480529"/>
+                </a:lnTo>
+                <a:lnTo>
+                  <a:pt x="3363699" y="498471"/>
+                </a:lnTo>
+                <a:cubicBezTo>
+                  <a:pt x="2435623" y="645518"/>
+                  <a:pt x="603076" y="844866"/>
+                  <a:pt x="42060" y="824486"/>
+                </a:cubicBezTo>
+                <a:cubicBezTo>
+                  <a:pt x="28151" y="802425"/>
+                  <a:pt x="13909" y="780513"/>
+                  <a:pt x="0" y="758452"/>
+                </a:cubicBezTo>
+                <a:lnTo>
+                  <a:pt x="188014" y="735602"/>
+                </a:lnTo>
+                <a:lnTo>
+                  <a:pt x="284087" y="722590"/>
+                </a:lnTo>
+                <a:lnTo>
+                  <a:pt x="382288" y="709392"/>
+                </a:lnTo>
+                <a:lnTo>
+                  <a:pt x="481858" y="695774"/>
+                </a:lnTo>
+                <a:lnTo>
+                  <a:pt x="581897" y="680711"/>
+                </a:lnTo>
+                <a:lnTo>
+                  <a:pt x="683670" y="665256"/>
+                </a:lnTo>
+                <a:lnTo>
+                  <a:pt x="787206" y="649587"/>
+                </a:lnTo>
+                <a:lnTo>
+                  <a:pt x="892019" y="632968"/>
+                </a:lnTo>
+                <a:lnTo>
+                  <a:pt x="997620" y="614667"/>
+                </a:lnTo>
+                <a:lnTo>
+                  <a:pt x="1104727" y="596741"/>
+                </a:lnTo>
+                <a:lnTo>
+                  <a:pt x="1212669" y="577397"/>
+                </a:lnTo>
+                <a:lnTo>
+                  <a:pt x="1321506" y="556988"/>
+                </a:lnTo>
+                <a:lnTo>
+                  <a:pt x="1430709" y="536607"/>
+                </a:lnTo>
+                <a:lnTo>
+                  <a:pt x="1541050" y="514481"/>
+                </a:lnTo>
+                <a:lnTo>
+                  <a:pt x="1652805" y="492202"/>
+                </a:lnTo>
+                <a:lnTo>
+                  <a:pt x="1763708" y="469161"/>
+                </a:lnTo>
+                <a:lnTo>
+                  <a:pt x="1875795" y="444641"/>
+                </a:lnTo>
+                <a:lnTo>
+                  <a:pt x="1989128" y="418995"/>
+                </a:lnTo>
+                <a:lnTo>
+                  <a:pt x="2102476" y="393438"/>
+                </a:lnTo>
+                <a:lnTo>
+                  <a:pt x="2215549" y="366291"/>
+                </a:lnTo>
+                <a:lnTo>
+                  <a:pt x="2330490" y="337455"/>
+                </a:lnTo>
+                <a:lnTo>
+                  <a:pt x="2443333" y="308983"/>
+                </a:lnTo>
+                <a:lnTo>
+                  <a:pt x="2558014" y="278646"/>
+                </a:lnTo>
+                <a:lnTo>
+                  <a:pt x="2673621" y="247421"/>
+                </a:lnTo>
+                <a:lnTo>
+                  <a:pt x="2787008" y="215853"/>
+                </a:lnTo>
+                <a:lnTo>
+                  <a:pt x="2901442" y="182011"/>
+                </a:lnTo>
+                <a:lnTo>
+                  <a:pt x="3015722" y="147286"/>
+                </a:lnTo>
+                <a:lnTo>
+                  <a:pt x="3130018" y="112649"/>
+                </a:lnTo>
+                <a:lnTo>
+                  <a:pt x="3243551" y="75688"/>
+                </a:lnTo>
+                <a:lnTo>
+                  <a:pt x="3356992" y="38197"/>
+                </a:lnTo>
+                <a:lnTo>
+                  <a:pt x="3470310" y="0"/>
+                </a:lnTo>
+                <a:close/>
+              </a:path>
+            </a:pathLst>
+          </a:custGeom>
+          <a:solidFill>
+            <a:schemeClr val="bg1">
+              <a:alpha val="20000"/>
+            </a:schemeClr>
+          </a:solidFill>
+          <a:ln>
+            <a:noFill/>
+          </a:ln>
+        </p:spPr>
+        <p:txBody>
+          <a:bodyPr rtlCol="0" anchor="ctr"/>
+          <a:lstStyle/>
+          <a:p>
+            <a:pPr algn="ctr"/>
+            <a:endParaRPr lang="en-US">
+              <a:solidFill>
+                <a:schemeClr val="tx1"/>
+              </a:solidFill>
+            </a:endParaRPr>
+          </a:p>
+        </p:txBody>
+      </p:sp>
+      <p:sp>
+        <p:nvSpPr>
+          <p:cNvPr id="2" name="Title 1">
+            <a:extLst>
+              <a:ext uri="{FF2B5EF4-FFF2-40B4-BE49-F238E27FC236}">
+                <a16:creationId xmlns:a16="http://schemas.microsoft.com/office/drawing/2014/main" id="{2AAF36B1-2B06-45A9-B9E9-6F86E20BBCF6}"/>
+              </a:ext>
+            </a:extLst>
+          </p:cNvPr>
+          <p:cNvSpPr>
+            <a:spLocks noGrp="1"/>
+          </p:cNvSpPr>
+          <p:nvPr>
+            <p:ph type="title"/>
+          </p:nvPr>
+        </p:nvSpPr>
+        <p:spPr>
+          <a:xfrm>
+            <a:off x="648930" y="629267"/>
+            <a:ext cx="9252154" cy="1016654"/>
+          </a:xfrm>
+        </p:spPr>
+        <p:txBody>
+          <a:bodyPr>
+            <a:normAutofit/>
           </a:bodyPr>
           <a:lstStyle/>
           <a:p>
+            <a:pPr>
+              <a:lnSpc>
+                <a:spcPct val="90000"/>
+              </a:lnSpc>
+            </a:pPr>
+            <a:r>
+              <a:rPr lang="en-US" sz="3300">
+                <a:solidFill>
+                  <a:srgbClr val="EBEBEB"/>
+                </a:solidFill>
+              </a:rPr>
+              <a:t>Can a stepwise selection method help us find top attributes? </a:t>
+            </a:r>
+          </a:p>
+        </p:txBody>
+      </p:sp>
+      <p:sp useBgFill="1">
+        <p:nvSpPr>
+          <p:cNvPr id="15" name="Freeform: Shape 14">
+            <a:extLst>
+              <a:ext uri="{FF2B5EF4-FFF2-40B4-BE49-F238E27FC236}">
+                <a16:creationId xmlns:a16="http://schemas.microsoft.com/office/drawing/2014/main" id="{DAA4FEEE-0B5F-41BF-825D-60F9FB089568}"/>
+              </a:ext>
+              <a:ext uri="{C183D7F6-B498-43B3-948B-1728B52AA6E4}">
+                <adec:decorative xmlns:adec="http://schemas.microsoft.com/office/drawing/2017/decorative" val="1"/>
+              </a:ext>
+            </a:extLst>
+          </p:cNvPr>
+          <p:cNvSpPr>
+            <a:spLocks noGrp="1" noRot="1" noChangeAspect="1" noMove="1" noResize="1" noEditPoints="1" noAdjustHandles="1" noChangeArrowheads="1" noChangeShapeType="1" noTextEdit="1"/>
+          </p:cNvSpPr>
+          <p:nvPr>
+            <p:extLst>
+              <p:ext uri="{386F3935-93C4-4BCD-93E2-E3B085C9AB24}">
+                <p16:designElem xmlns:p16="http://schemas.microsoft.com/office/powerpoint/2015/main" val="1"/>
+              </p:ext>
+            </p:extLst>
+          </p:nvPr>
+        </p:nvSpPr>
+        <p:spPr bwMode="gray">
+          <a:xfrm>
+            <a:off x="1" y="1762067"/>
+            <a:ext cx="12192417" cy="5095933"/>
+          </a:xfrm>
+          <a:custGeom>
+            <a:avLst/>
+            <a:gdLst>
+              <a:gd name="connsiteX0" fmla="*/ 0 w 12192417"/>
+              <a:gd name="connsiteY0" fmla="*/ 0 h 5095933"/>
+              <a:gd name="connsiteX1" fmla="*/ 71931 w 12192417"/>
+              <a:gd name="connsiteY1" fmla="*/ 12261 h 5095933"/>
+              <a:gd name="connsiteX2" fmla="*/ 282848 w 12192417"/>
+              <a:gd name="connsiteY2" fmla="*/ 48343 h 5095933"/>
+              <a:gd name="connsiteX3" fmla="*/ 436463 w 12192417"/>
+              <a:gd name="connsiteY3" fmla="*/ 73565 h 5095933"/>
+              <a:gd name="connsiteX4" fmla="*/ 619338 w 12192417"/>
+              <a:gd name="connsiteY4" fmla="*/ 100188 h 5095933"/>
+              <a:gd name="connsiteX5" fmla="*/ 836350 w 12192417"/>
+              <a:gd name="connsiteY5" fmla="*/ 132066 h 5095933"/>
+              <a:gd name="connsiteX6" fmla="*/ 1076527 w 12192417"/>
+              <a:gd name="connsiteY6" fmla="*/ 165696 h 5095933"/>
+              <a:gd name="connsiteX7" fmla="*/ 1347183 w 12192417"/>
+              <a:gd name="connsiteY7" fmla="*/ 201077 h 5095933"/>
+              <a:gd name="connsiteX8" fmla="*/ 1642222 w 12192417"/>
+              <a:gd name="connsiteY8" fmla="*/ 238560 h 5095933"/>
+              <a:gd name="connsiteX9" fmla="*/ 1962863 w 12192417"/>
+              <a:gd name="connsiteY9" fmla="*/ 276043 h 5095933"/>
+              <a:gd name="connsiteX10" fmla="*/ 2304231 w 12192417"/>
+              <a:gd name="connsiteY10" fmla="*/ 314227 h 5095933"/>
+              <a:gd name="connsiteX11" fmla="*/ 2672420 w 12192417"/>
+              <a:gd name="connsiteY11" fmla="*/ 349608 h 5095933"/>
+              <a:gd name="connsiteX12" fmla="*/ 3057677 w 12192417"/>
+              <a:gd name="connsiteY12" fmla="*/ 383588 h 5095933"/>
+              <a:gd name="connsiteX13" fmla="*/ 3464880 w 12192417"/>
+              <a:gd name="connsiteY13" fmla="*/ 414415 h 5095933"/>
+              <a:gd name="connsiteX14" fmla="*/ 3889151 w 12192417"/>
+              <a:gd name="connsiteY14" fmla="*/ 443841 h 5095933"/>
+              <a:gd name="connsiteX15" fmla="*/ 4331709 w 12192417"/>
+              <a:gd name="connsiteY15" fmla="*/ 471515 h 5095933"/>
+              <a:gd name="connsiteX16" fmla="*/ 4558475 w 12192417"/>
+              <a:gd name="connsiteY16" fmla="*/ 481324 h 5095933"/>
+              <a:gd name="connsiteX17" fmla="*/ 4790117 w 12192417"/>
+              <a:gd name="connsiteY17" fmla="*/ 492183 h 5095933"/>
+              <a:gd name="connsiteX18" fmla="*/ 5025417 w 12192417"/>
+              <a:gd name="connsiteY18" fmla="*/ 502342 h 5095933"/>
+              <a:gd name="connsiteX19" fmla="*/ 5261936 w 12192417"/>
+              <a:gd name="connsiteY19" fmla="*/ 508998 h 5095933"/>
+              <a:gd name="connsiteX20" fmla="*/ 5503331 w 12192417"/>
+              <a:gd name="connsiteY20" fmla="*/ 514953 h 5095933"/>
+              <a:gd name="connsiteX21" fmla="*/ 5747166 w 12192417"/>
+              <a:gd name="connsiteY21" fmla="*/ 521259 h 5095933"/>
+              <a:gd name="connsiteX22" fmla="*/ 5995876 w 12192417"/>
+              <a:gd name="connsiteY22" fmla="*/ 525463 h 5095933"/>
+              <a:gd name="connsiteX23" fmla="*/ 6247025 w 12192417"/>
+              <a:gd name="connsiteY23" fmla="*/ 525463 h 5095933"/>
+              <a:gd name="connsiteX24" fmla="*/ 6500612 w 12192417"/>
+              <a:gd name="connsiteY24" fmla="*/ 527565 h 5095933"/>
+              <a:gd name="connsiteX25" fmla="*/ 6756638 w 12192417"/>
+              <a:gd name="connsiteY25" fmla="*/ 525463 h 5095933"/>
+              <a:gd name="connsiteX26" fmla="*/ 7016321 w 12192417"/>
+              <a:gd name="connsiteY26" fmla="*/ 521259 h 5095933"/>
+              <a:gd name="connsiteX27" fmla="*/ 7276004 w 12192417"/>
+              <a:gd name="connsiteY27" fmla="*/ 517406 h 5095933"/>
+              <a:gd name="connsiteX28" fmla="*/ 7539344 w 12192417"/>
+              <a:gd name="connsiteY28" fmla="*/ 508998 h 5095933"/>
+              <a:gd name="connsiteX29" fmla="*/ 7805123 w 12192417"/>
+              <a:gd name="connsiteY29" fmla="*/ 500241 h 5095933"/>
+              <a:gd name="connsiteX30" fmla="*/ 8070902 w 12192417"/>
+              <a:gd name="connsiteY30" fmla="*/ 490082 h 5095933"/>
+              <a:gd name="connsiteX31" fmla="*/ 8339120 w 12192417"/>
+              <a:gd name="connsiteY31" fmla="*/ 475719 h 5095933"/>
+              <a:gd name="connsiteX32" fmla="*/ 8609775 w 12192417"/>
+              <a:gd name="connsiteY32" fmla="*/ 458554 h 5095933"/>
+              <a:gd name="connsiteX33" fmla="*/ 8881650 w 12192417"/>
+              <a:gd name="connsiteY33" fmla="*/ 442089 h 5095933"/>
+              <a:gd name="connsiteX34" fmla="*/ 9153525 w 12192417"/>
+              <a:gd name="connsiteY34" fmla="*/ 421071 h 5095933"/>
+              <a:gd name="connsiteX35" fmla="*/ 9429057 w 12192417"/>
+              <a:gd name="connsiteY35" fmla="*/ 395849 h 5095933"/>
+              <a:gd name="connsiteX36" fmla="*/ 9700932 w 12192417"/>
+              <a:gd name="connsiteY36" fmla="*/ 370626 h 5095933"/>
+              <a:gd name="connsiteX37" fmla="*/ 9977683 w 12192417"/>
+              <a:gd name="connsiteY37" fmla="*/ 341551 h 5095933"/>
+              <a:gd name="connsiteX38" fmla="*/ 10255654 w 12192417"/>
+              <a:gd name="connsiteY38" fmla="*/ 309673 h 5095933"/>
+              <a:gd name="connsiteX39" fmla="*/ 10529967 w 12192417"/>
+              <a:gd name="connsiteY39" fmla="*/ 276043 h 5095933"/>
+              <a:gd name="connsiteX40" fmla="*/ 10807938 w 12192417"/>
+              <a:gd name="connsiteY40" fmla="*/ 236809 h 5095933"/>
+              <a:gd name="connsiteX41" fmla="*/ 11084689 w 12192417"/>
+              <a:gd name="connsiteY41" fmla="*/ 194772 h 5095933"/>
+              <a:gd name="connsiteX42" fmla="*/ 11362660 w 12192417"/>
+              <a:gd name="connsiteY42" fmla="*/ 153085 h 5095933"/>
+              <a:gd name="connsiteX43" fmla="*/ 11639411 w 12192417"/>
+              <a:gd name="connsiteY43" fmla="*/ 104392 h 5095933"/>
+              <a:gd name="connsiteX44" fmla="*/ 11914944 w 12192417"/>
+              <a:gd name="connsiteY44" fmla="*/ 54648 h 5095933"/>
+              <a:gd name="connsiteX45" fmla="*/ 12191695 w 12192417"/>
+              <a:gd name="connsiteY45" fmla="*/ 2452 h 5095933"/>
+              <a:gd name="connsiteX46" fmla="*/ 12191695 w 12192417"/>
+              <a:gd name="connsiteY46" fmla="*/ 2162231 h 5095933"/>
+              <a:gd name="connsiteX47" fmla="*/ 12192417 w 12192417"/>
+              <a:gd name="connsiteY47" fmla="*/ 2162231 h 5095933"/>
+              <a:gd name="connsiteX48" fmla="*/ 12192417 w 12192417"/>
+              <a:gd name="connsiteY48" fmla="*/ 5095933 h 5095933"/>
+              <a:gd name="connsiteX49" fmla="*/ 0 w 12192417"/>
+              <a:gd name="connsiteY49" fmla="*/ 5095933 h 5095933"/>
+              <a:gd name="connsiteX50" fmla="*/ 0 w 12192417"/>
+              <a:gd name="connsiteY50" fmla="*/ 2791958 h 5095933"/>
+              <a:gd name="connsiteX51" fmla="*/ 0 w 12192417"/>
+              <a:gd name="connsiteY51" fmla="*/ 2162231 h 5095933"/>
+            </a:gdLst>
+            <a:ahLst/>
+            <a:cxnLst>
+              <a:cxn ang="0">
+                <a:pos x="connsiteX0" y="connsiteY0"/>
+              </a:cxn>
+              <a:cxn ang="0">
+                <a:pos x="connsiteX1" y="connsiteY1"/>
+              </a:cxn>
+              <a:cxn ang="0">
+                <a:pos x="connsiteX2" y="connsiteY2"/>
+              </a:cxn>
+              <a:cxn ang="0">
+                <a:pos x="connsiteX3" y="connsiteY3"/>
+              </a:cxn>
+              <a:cxn ang="0">
+                <a:pos x="connsiteX4" y="connsiteY4"/>
+              </a:cxn>
+              <a:cxn ang="0">
+                <a:pos x="connsiteX5" y="connsiteY5"/>
+              </a:cxn>
+              <a:cxn ang="0">
+                <a:pos x="connsiteX6" y="connsiteY6"/>
+              </a:cxn>
+              <a:cxn ang="0">
+                <a:pos x="connsiteX7" y="connsiteY7"/>
+              </a:cxn>
+              <a:cxn ang="0">
+                <a:pos x="connsiteX8" y="connsiteY8"/>
+              </a:cxn>
+              <a:cxn ang="0">
+                <a:pos x="connsiteX9" y="connsiteY9"/>
+              </a:cxn>
+              <a:cxn ang="0">
+                <a:pos x="connsiteX10" y="connsiteY10"/>
+              </a:cxn>
+              <a:cxn ang="0">
+                <a:pos x="connsiteX11" y="connsiteY11"/>
+              </a:cxn>
+              <a:cxn ang="0">
+                <a:pos x="connsiteX12" y="connsiteY12"/>
+              </a:cxn>
+              <a:cxn ang="0">
+                <a:pos x="connsiteX13" y="connsiteY13"/>
+              </a:cxn>
+              <a:cxn ang="0">
+                <a:pos x="connsiteX14" y="connsiteY14"/>
+              </a:cxn>
+              <a:cxn ang="0">
+                <a:pos x="connsiteX15" y="connsiteY15"/>
+              </a:cxn>
+              <a:cxn ang="0">
+                <a:pos x="connsiteX16" y="connsiteY16"/>
+              </a:cxn>
+              <a:cxn ang="0">
+                <a:pos x="connsiteX17" y="connsiteY17"/>
+              </a:cxn>
+              <a:cxn ang="0">
+                <a:pos x="connsiteX18" y="connsiteY18"/>
+              </a:cxn>
+              <a:cxn ang="0">
+                <a:pos x="connsiteX19" y="connsiteY19"/>
+              </a:cxn>
+              <a:cxn ang="0">
+                <a:pos x="connsiteX20" y="connsiteY20"/>
+              </a:cxn>
+              <a:cxn ang="0">
+                <a:pos x="connsiteX21" y="connsiteY21"/>
+              </a:cxn>
+              <a:cxn ang="0">
+                <a:pos x="connsiteX22" y="connsiteY22"/>
+              </a:cxn>
+              <a:cxn ang="0">
+                <a:pos x="connsiteX23" y="connsiteY23"/>
+              </a:cxn>
+              <a:cxn ang="0">
+                <a:pos x="connsiteX24" y="connsiteY24"/>
+              </a:cxn>
+              <a:cxn ang="0">
+                <a:pos x="connsiteX25" y="connsiteY25"/>
+              </a:cxn>
+              <a:cxn ang="0">
+                <a:pos x="connsiteX26" y="connsiteY26"/>
+              </a:cxn>
+              <a:cxn ang="0">
+                <a:pos x="connsiteX27" y="connsiteY27"/>
+              </a:cxn>
+              <a:cxn ang="0">
+                <a:pos x="connsiteX28" y="connsiteY28"/>
+              </a:cxn>
+              <a:cxn ang="0">
+                <a:pos x="connsiteX29" y="connsiteY29"/>
+              </a:cxn>
+              <a:cxn ang="0">
+                <a:pos x="connsiteX30" y="connsiteY30"/>
+              </a:cxn>
+              <a:cxn ang="0">
+                <a:pos x="connsiteX31" y="connsiteY31"/>
+              </a:cxn>
+              <a:cxn ang="0">
+                <a:pos x="connsiteX32" y="connsiteY32"/>
+              </a:cxn>
+              <a:cxn ang="0">
+                <a:pos x="connsiteX33" y="connsiteY33"/>
+              </a:cxn>
+              <a:cxn ang="0">
+                <a:pos x="connsiteX34" y="connsiteY34"/>
+              </a:cxn>
+              <a:cxn ang="0">
+                <a:pos x="connsiteX35" y="connsiteY35"/>
+              </a:cxn>
+              <a:cxn ang="0">
+                <a:pos x="connsiteX36" y="connsiteY36"/>
+              </a:cxn>
+              <a:cxn ang="0">
+                <a:pos x="connsiteX37" y="connsiteY37"/>
+              </a:cxn>
+              <a:cxn ang="0">
+                <a:pos x="connsiteX38" y="connsiteY38"/>
+              </a:cxn>
+              <a:cxn ang="0">
+                <a:pos x="connsiteX39" y="connsiteY39"/>
+              </a:cxn>
+              <a:cxn ang="0">
+                <a:pos x="connsiteX40" y="connsiteY40"/>
+              </a:cxn>
+              <a:cxn ang="0">
+                <a:pos x="connsiteX41" y="connsiteY41"/>
+              </a:cxn>
+              <a:cxn ang="0">
+                <a:pos x="connsiteX42" y="connsiteY42"/>
+              </a:cxn>
+              <a:cxn ang="0">
+                <a:pos x="connsiteX43" y="connsiteY43"/>
+              </a:cxn>
+              <a:cxn ang="0">
+                <a:pos x="connsiteX44" y="connsiteY44"/>
+              </a:cxn>
+              <a:cxn ang="0">
+                <a:pos x="connsiteX45" y="connsiteY45"/>
+              </a:cxn>
+              <a:cxn ang="0">
+                <a:pos x="connsiteX46" y="connsiteY46"/>
+              </a:cxn>
+              <a:cxn ang="0">
+                <a:pos x="connsiteX47" y="connsiteY47"/>
+              </a:cxn>
+              <a:cxn ang="0">
+                <a:pos x="connsiteX48" y="connsiteY48"/>
+              </a:cxn>
+              <a:cxn ang="0">
+                <a:pos x="connsiteX49" y="connsiteY49"/>
+              </a:cxn>
+              <a:cxn ang="0">
+                <a:pos x="connsiteX50" y="connsiteY50"/>
+              </a:cxn>
+              <a:cxn ang="0">
+                <a:pos x="connsiteX51" y="connsiteY51"/>
+              </a:cxn>
+            </a:cxnLst>
+            <a:rect l="l" t="t" r="r" b="b"/>
+            <a:pathLst>
+              <a:path w="12192417" h="5095933">
+                <a:moveTo>
+                  <a:pt x="0" y="0"/>
+                </a:moveTo>
+                <a:lnTo>
+                  <a:pt x="71931" y="12261"/>
+                </a:lnTo>
+                <a:lnTo>
+                  <a:pt x="282848" y="48343"/>
+                </a:lnTo>
+                <a:lnTo>
+                  <a:pt x="436463" y="73565"/>
+                </a:lnTo>
+                <a:lnTo>
+                  <a:pt x="619338" y="100188"/>
+                </a:lnTo>
+                <a:lnTo>
+                  <a:pt x="836350" y="132066"/>
+                </a:lnTo>
+                <a:lnTo>
+                  <a:pt x="1076527" y="165696"/>
+                </a:lnTo>
+                <a:lnTo>
+                  <a:pt x="1347183" y="201077"/>
+                </a:lnTo>
+                <a:lnTo>
+                  <a:pt x="1642222" y="238560"/>
+                </a:lnTo>
+                <a:lnTo>
+                  <a:pt x="1962863" y="276043"/>
+                </a:lnTo>
+                <a:lnTo>
+                  <a:pt x="2304231" y="314227"/>
+                </a:lnTo>
+                <a:lnTo>
+                  <a:pt x="2672420" y="349608"/>
+                </a:lnTo>
+                <a:lnTo>
+                  <a:pt x="3057677" y="383588"/>
+                </a:lnTo>
+                <a:lnTo>
+                  <a:pt x="3464880" y="414415"/>
+                </a:lnTo>
+                <a:lnTo>
+                  <a:pt x="3889151" y="443841"/>
+                </a:lnTo>
+                <a:lnTo>
+                  <a:pt x="4331709" y="471515"/>
+                </a:lnTo>
+                <a:lnTo>
+                  <a:pt x="4558475" y="481324"/>
+                </a:lnTo>
+                <a:lnTo>
+                  <a:pt x="4790117" y="492183"/>
+                </a:lnTo>
+                <a:lnTo>
+                  <a:pt x="5025417" y="502342"/>
+                </a:lnTo>
+                <a:lnTo>
+                  <a:pt x="5261936" y="508998"/>
+                </a:lnTo>
+                <a:lnTo>
+                  <a:pt x="5503331" y="514953"/>
+                </a:lnTo>
+                <a:lnTo>
+                  <a:pt x="5747166" y="521259"/>
+                </a:lnTo>
+                <a:lnTo>
+                  <a:pt x="5995876" y="525463"/>
+                </a:lnTo>
+                <a:lnTo>
+                  <a:pt x="6247025" y="525463"/>
+                </a:lnTo>
+                <a:lnTo>
+                  <a:pt x="6500612" y="527565"/>
+                </a:lnTo>
+                <a:lnTo>
+                  <a:pt x="6756638" y="525463"/>
+                </a:lnTo>
+                <a:lnTo>
+                  <a:pt x="7016321" y="521259"/>
+                </a:lnTo>
+                <a:lnTo>
+                  <a:pt x="7276004" y="517406"/>
+                </a:lnTo>
+                <a:lnTo>
+                  <a:pt x="7539344" y="508998"/>
+                </a:lnTo>
+                <a:lnTo>
+                  <a:pt x="7805123" y="500241"/>
+                </a:lnTo>
+                <a:lnTo>
+                  <a:pt x="8070902" y="490082"/>
+                </a:lnTo>
+                <a:lnTo>
+                  <a:pt x="8339120" y="475719"/>
+                </a:lnTo>
+                <a:lnTo>
+                  <a:pt x="8609775" y="458554"/>
+                </a:lnTo>
+                <a:lnTo>
+                  <a:pt x="8881650" y="442089"/>
+                </a:lnTo>
+                <a:lnTo>
+                  <a:pt x="9153525" y="421071"/>
+                </a:lnTo>
+                <a:lnTo>
+                  <a:pt x="9429057" y="395849"/>
+                </a:lnTo>
+                <a:lnTo>
+                  <a:pt x="9700932" y="370626"/>
+                </a:lnTo>
+                <a:lnTo>
+                  <a:pt x="9977683" y="341551"/>
+                </a:lnTo>
+                <a:lnTo>
+                  <a:pt x="10255654" y="309673"/>
+                </a:lnTo>
+                <a:lnTo>
+                  <a:pt x="10529967" y="276043"/>
+                </a:lnTo>
+                <a:lnTo>
+                  <a:pt x="10807938" y="236809"/>
+                </a:lnTo>
+                <a:lnTo>
+                  <a:pt x="11084689" y="194772"/>
+                </a:lnTo>
+                <a:lnTo>
+                  <a:pt x="11362660" y="153085"/>
+                </a:lnTo>
+                <a:lnTo>
+                  <a:pt x="11639411" y="104392"/>
+                </a:lnTo>
+                <a:lnTo>
+                  <a:pt x="11914944" y="54648"/>
+                </a:lnTo>
+                <a:lnTo>
+                  <a:pt x="12191695" y="2452"/>
+                </a:lnTo>
+                <a:lnTo>
+                  <a:pt x="12191695" y="2162231"/>
+                </a:lnTo>
+                <a:lnTo>
+                  <a:pt x="12192417" y="2162231"/>
+                </a:lnTo>
+                <a:lnTo>
+                  <a:pt x="12192417" y="5095933"/>
+                </a:lnTo>
+                <a:lnTo>
+                  <a:pt x="0" y="5095933"/>
+                </a:lnTo>
+                <a:lnTo>
+                  <a:pt x="0" y="2791958"/>
+                </a:lnTo>
+                <a:lnTo>
+                  <a:pt x="0" y="2162231"/>
+                </a:lnTo>
+                <a:close/>
+              </a:path>
+            </a:pathLst>
+          </a:custGeom>
+          <a:ln>
+            <a:noFill/>
+          </a:ln>
+        </p:spPr>
+      </p:sp>
+      <p:sp>
+        <p:nvSpPr>
+          <p:cNvPr id="3" name="Content Placeholder 2">
+            <a:extLst>
+              <a:ext uri="{FF2B5EF4-FFF2-40B4-BE49-F238E27FC236}">
+                <a16:creationId xmlns:a16="http://schemas.microsoft.com/office/drawing/2014/main" id="{62F1F08F-0113-47D5-9A1D-DEACE103D98A}"/>
+              </a:ext>
+            </a:extLst>
+          </p:cNvPr>
+          <p:cNvSpPr>
+            <a:spLocks noGrp="1"/>
+          </p:cNvSpPr>
+          <p:nvPr>
+            <p:ph idx="1"/>
+          </p:nvPr>
+        </p:nvSpPr>
+        <p:spPr>
+          <a:xfrm>
+            <a:off x="648931" y="2548281"/>
+            <a:ext cx="5122606" cy="3658689"/>
+          </a:xfrm>
+        </p:spPr>
+        <p:txBody>
+          <a:bodyPr>
+            <a:normAutofit/>
+          </a:bodyPr>
+          <a:lstStyle/>
+          <a:p>
             <a:r>
               <a:rPr lang="en-US" dirty="0"/>
-              <a:t>There were many paths traveled that led us to this conclusion.  These are the paths we took…</a:t>
-            </a:r>
-          </a:p>
-        </p:txBody>
-      </p:sp>
+              <a:t>Talk about excluded variables for model</a:t>
+            </a:r>
+          </a:p>
+          <a:p>
+            <a:r>
+              <a:rPr lang="en-US" dirty="0"/>
+              <a:t>Stepwise shows top attributes to be Job level, Performance Rating, and Monthly Income.</a:t>
+            </a:r>
+          </a:p>
+          <a:p>
+            <a:r>
+              <a:rPr lang="en-US" dirty="0"/>
+              <a:t>Lets look a little further.</a:t>
+            </a:r>
+          </a:p>
+        </p:txBody>
+      </p:sp>
+      <p:pic>
+        <p:nvPicPr>
+          <p:cNvPr id="4" name="Picture 3">
+            <a:extLst>
+              <a:ext uri="{FF2B5EF4-FFF2-40B4-BE49-F238E27FC236}">
+                <a16:creationId xmlns:a16="http://schemas.microsoft.com/office/drawing/2014/main" id="{C7D2A72E-1101-4FFE-AD71-BBD676E8ACA9}"/>
+              </a:ext>
+            </a:extLst>
+          </p:cNvPr>
+          <p:cNvPicPr>
+            <a:picLocks noChangeAspect="1"/>
+          </p:cNvPicPr>
+          <p:nvPr/>
+        </p:nvPicPr>
+        <p:blipFill>
+          <a:blip r:embed="rId2"/>
+          <a:stretch>
+            <a:fillRect/>
+          </a:stretch>
+        </p:blipFill>
+        <p:spPr>
+          <a:xfrm>
+            <a:off x="6091916" y="2682471"/>
+            <a:ext cx="5451627" cy="3393637"/>
+          </a:xfrm>
+          <a:prstGeom prst="rect">
+            <a:avLst/>
+          </a:prstGeom>
+          <a:effectLst/>
+        </p:spPr>
+      </p:pic>
     </p:spTree>
     <p:extLst>
       <p:ext uri="{BB962C8B-B14F-4D97-AF65-F5344CB8AC3E}">
-        <p14:creationId xmlns:p14="http://schemas.microsoft.com/office/powerpoint/2010/main" val="3440744934"/>
+        <p14:creationId xmlns:p14="http://schemas.microsoft.com/office/powerpoint/2010/main" val="2052362543"/>
       </p:ext>
     </p:extLst>
   </p:cSld>
   <p:clrMapOvr>
-    <a:masterClrMapping/>
+    <a:overrideClrMapping bg1="lt1" tx1="dk1" bg2="lt2" tx2="dk2" accent1="accent1" accent2="accent2" accent3="accent3" accent4="accent4" accent5="accent5" accent6="accent6" hlink="hlink" folHlink="folHlink"/>
   </p:clrMapOvr>
 </p:sld>
 </file>
@@ -8005,7 +10620,7 @@
           <p:cNvPr id="2" name="Title 1">
             <a:extLst>
               <a:ext uri="{FF2B5EF4-FFF2-40B4-BE49-F238E27FC236}">
-                <a16:creationId xmlns:a16="http://schemas.microsoft.com/office/drawing/2014/main" id="{0091E0EF-61A9-43EA-8B81-EF72B6DA1AB2}"/>
+                <a16:creationId xmlns:a16="http://schemas.microsoft.com/office/drawing/2014/main" id="{48A4BB22-8C36-4EB3-AE0E-1239372524D6}"/>
               </a:ext>
             </a:extLst>
           </p:cNvPr>
@@ -8023,55 +10638,47 @@
           <a:p>
             <a:r>
               <a:rPr lang="en-US" dirty="0"/>
-              <a:t>Path Title (* Figure a bunch of these type of slides to pass time and highlight insights)</a:t>
-            </a:r>
-          </a:p>
-        </p:txBody>
-      </p:sp>
-      <p:sp>
-        <p:nvSpPr>
-          <p:cNvPr id="3" name="Content Placeholder 2">
+              <a:t>Meets criterion for stepwise selection, normality and independence</a:t>
+            </a:r>
+          </a:p>
+        </p:txBody>
+      </p:sp>
+      <p:pic>
+        <p:nvPicPr>
+          <p:cNvPr id="4" name="Content Placeholder 3">
             <a:extLst>
               <a:ext uri="{FF2B5EF4-FFF2-40B4-BE49-F238E27FC236}">
-                <a16:creationId xmlns:a16="http://schemas.microsoft.com/office/drawing/2014/main" id="{D1FFD01A-B4E4-4435-9CBE-00A3FB334D07}"/>
+                <a16:creationId xmlns:a16="http://schemas.microsoft.com/office/drawing/2014/main" id="{F6371A19-D4EA-41C8-8E2D-E11325EEA3C3}"/>
               </a:ext>
             </a:extLst>
           </p:cNvPr>
-          <p:cNvSpPr>
-            <a:spLocks noGrp="1"/>
-          </p:cNvSpPr>
+          <p:cNvPicPr>
+            <a:picLocks noGrp="1" noChangeAspect="1"/>
+          </p:cNvPicPr>
           <p:nvPr>
             <p:ph idx="1"/>
           </p:nvPr>
-        </p:nvSpPr>
-        <p:spPr/>
-        <p:txBody>
-          <a:bodyPr/>
-          <a:lstStyle/>
-          <a:p>
-            <a:r>
-              <a:rPr lang="en-US" dirty="0"/>
-              <a:t>Notion/Idea behind test or plot analysis</a:t>
-            </a:r>
-          </a:p>
-          <a:p>
-            <a:r>
-              <a:rPr lang="en-US" dirty="0"/>
-              <a:t>GRAPH/T-TEST proving/disproving point</a:t>
-            </a:r>
-          </a:p>
-          <a:p>
-            <a:r>
-              <a:rPr lang="en-US" dirty="0"/>
-              <a:t>Insight from test/plot</a:t>
-            </a:r>
-          </a:p>
-        </p:txBody>
-      </p:sp>
+        </p:nvPicPr>
+        <p:blipFill>
+          <a:blip r:embed="rId2"/>
+          <a:stretch>
+            <a:fillRect/>
+          </a:stretch>
+        </p:blipFill>
+        <p:spPr>
+          <a:xfrm>
+            <a:off x="3527345" y="2052638"/>
+            <a:ext cx="4099085" cy="4195762"/>
+          </a:xfrm>
+          <a:prstGeom prst="rect">
+            <a:avLst/>
+          </a:prstGeom>
+        </p:spPr>
+      </p:pic>
     </p:spTree>
     <p:extLst>
       <p:ext uri="{BB962C8B-B14F-4D97-AF65-F5344CB8AC3E}">
-        <p14:creationId xmlns:p14="http://schemas.microsoft.com/office/powerpoint/2010/main" val="2279870972"/>
+        <p14:creationId xmlns:p14="http://schemas.microsoft.com/office/powerpoint/2010/main" val="795567922"/>
       </p:ext>
     </p:extLst>
   </p:cSld>
@@ -8103,7 +10710,7 @@
           <p:cNvPr id="2" name="Title 1">
             <a:extLst>
               <a:ext uri="{FF2B5EF4-FFF2-40B4-BE49-F238E27FC236}">
-                <a16:creationId xmlns:a16="http://schemas.microsoft.com/office/drawing/2014/main" id="{E1832BE2-B24E-4D87-82AE-E0A24F19B9CA}"/>
+                <a16:creationId xmlns:a16="http://schemas.microsoft.com/office/drawing/2014/main" id="{D8A719B4-6860-43A2-ABAD-303A4E5260F6}"/>
               </a:ext>
             </a:extLst>
           </p:cNvPr>
@@ -8121,43 +10728,107 @@
           <a:p>
             <a:r>
               <a:rPr lang="en-US" dirty="0"/>
-              <a:t>Conclusion</a:t>
-            </a:r>
-          </a:p>
-        </p:txBody>
-      </p:sp>
-      <p:sp>
-        <p:nvSpPr>
-          <p:cNvPr id="3" name="Content Placeholder 2">
+              <a:t>Lets look at Job Level</a:t>
+            </a:r>
+          </a:p>
+        </p:txBody>
+      </p:sp>
+      <p:pic>
+        <p:nvPicPr>
+          <p:cNvPr id="5" name="Content Placeholder 4">
             <a:extLst>
               <a:ext uri="{FF2B5EF4-FFF2-40B4-BE49-F238E27FC236}">
-                <a16:creationId xmlns:a16="http://schemas.microsoft.com/office/drawing/2014/main" id="{A4FA69BC-815E-47B8-8300-270A52A235E3}"/>
+                <a16:creationId xmlns:a16="http://schemas.microsoft.com/office/drawing/2014/main" id="{DA894F5D-3BD4-40BC-B7C2-BD6B196516E4}"/>
               </a:ext>
             </a:extLst>
           </p:cNvPr>
-          <p:cNvSpPr>
-            <a:spLocks noGrp="1"/>
-          </p:cNvSpPr>
+          <p:cNvPicPr>
+            <a:picLocks noGrp="1" noChangeAspect="1"/>
+          </p:cNvPicPr>
           <p:nvPr>
             <p:ph idx="1"/>
           </p:nvPr>
-        </p:nvSpPr>
-        <p:spPr/>
-        <p:txBody>
-          <a:bodyPr/>
-          <a:lstStyle/>
-          <a:p>
-            <a:r>
-              <a:rPr lang="en-US" dirty="0"/>
-              <a:t>From graphs, reiterate the variables we’ve chosen and the trends we find most interesting.</a:t>
-            </a:r>
-          </a:p>
-        </p:txBody>
-      </p:sp>
+        </p:nvPicPr>
+        <p:blipFill>
+          <a:blip r:embed="rId2"/>
+          <a:stretch>
+            <a:fillRect/>
+          </a:stretch>
+        </p:blipFill>
+        <p:spPr>
+          <a:xfrm>
+            <a:off x="7570381" y="1174888"/>
+            <a:ext cx="4221864" cy="4321437"/>
+          </a:xfrm>
+          <a:prstGeom prst="rect">
+            <a:avLst/>
+          </a:prstGeom>
+        </p:spPr>
+      </p:pic>
+      <p:pic>
+        <p:nvPicPr>
+          <p:cNvPr id="7" name="Picture 6">
+            <a:extLst>
+              <a:ext uri="{FF2B5EF4-FFF2-40B4-BE49-F238E27FC236}">
+                <a16:creationId xmlns:a16="http://schemas.microsoft.com/office/drawing/2014/main" id="{157F5ECC-56EC-4829-A53B-763D1FD3E81B}"/>
+              </a:ext>
+            </a:extLst>
+          </p:cNvPr>
+          <p:cNvPicPr>
+            <a:picLocks noChangeAspect="1"/>
+          </p:cNvPicPr>
+          <p:nvPr/>
+        </p:nvPicPr>
+        <p:blipFill>
+          <a:blip r:embed="rId3"/>
+          <a:stretch>
+            <a:fillRect/>
+          </a:stretch>
+        </p:blipFill>
+        <p:spPr>
+          <a:xfrm>
+            <a:off x="561848" y="2892056"/>
+            <a:ext cx="3294688" cy="3786998"/>
+          </a:xfrm>
+          <a:prstGeom prst="rect">
+            <a:avLst/>
+          </a:prstGeom>
+        </p:spPr>
+      </p:pic>
+      <p:pic>
+        <p:nvPicPr>
+          <p:cNvPr id="13" name="Picture 12">
+            <a:extLst>
+              <a:ext uri="{FF2B5EF4-FFF2-40B4-BE49-F238E27FC236}">
+                <a16:creationId xmlns:a16="http://schemas.microsoft.com/office/drawing/2014/main" id="{0A24CA11-4A02-4644-A62F-256DE7E90136}"/>
+              </a:ext>
+            </a:extLst>
+          </p:cNvPr>
+          <p:cNvPicPr>
+            <a:picLocks noChangeAspect="1"/>
+          </p:cNvPicPr>
+          <p:nvPr/>
+        </p:nvPicPr>
+        <p:blipFill>
+          <a:blip r:embed="rId4"/>
+          <a:stretch>
+            <a:fillRect/>
+          </a:stretch>
+        </p:blipFill>
+        <p:spPr>
+          <a:xfrm>
+            <a:off x="3735572" y="1174888"/>
+            <a:ext cx="3622158" cy="4163400"/>
+          </a:xfrm>
+          <a:prstGeom prst="rect">
+            <a:avLst/>
+          </a:prstGeom>
+        </p:spPr>
+      </p:pic>
     </p:spTree>
     <p:extLst>
       <p:ext uri="{BB962C8B-B14F-4D97-AF65-F5344CB8AC3E}">
-        <p14:creationId xmlns:p14="http://schemas.microsoft.com/office/powerpoint/2010/main" val="1279829978"/>
+        <p14:creationId xmlns:p14="http://schemas.microsoft.com/office/powerpoint/2010/main" val="1319832048"/>
       </p:ext>
     </p:extLst>
   </p:cSld>
@@ -8186,74 +10857,200 @@
       </p:grpSpPr>
       <p:sp>
         <p:nvSpPr>
-          <p:cNvPr id="2" name="Title 1">
+          <p:cNvPr id="4" name="TextBox 3">
             <a:extLst>
               <a:ext uri="{FF2B5EF4-FFF2-40B4-BE49-F238E27FC236}">
-                <a16:creationId xmlns:a16="http://schemas.microsoft.com/office/drawing/2014/main" id="{6F3EDFA2-3009-4284-AE03-FFF227999411}"/>
+                <a16:creationId xmlns:a16="http://schemas.microsoft.com/office/drawing/2014/main" id="{DC4E2D60-2CF0-4F20-8AAF-A234BD6C85C5}"/>
               </a:ext>
             </a:extLst>
           </p:cNvPr>
-          <p:cNvSpPr>
-            <a:spLocks noGrp="1"/>
-          </p:cNvSpPr>
-          <p:nvPr>
-            <p:ph type="ctrTitle"/>
-          </p:nvPr>
-        </p:nvSpPr>
-        <p:spPr/>
-        <p:txBody>
-          <a:bodyPr/>
+          <p:cNvSpPr txBox="1"/>
+          <p:nvPr/>
+        </p:nvSpPr>
+        <p:spPr>
+          <a:xfrm>
+            <a:off x="647700" y="1149712"/>
+            <a:ext cx="10896600" cy="369332"/>
+          </a:xfrm>
+          <a:prstGeom prst="rect">
+            <a:avLst/>
+          </a:prstGeom>
+          <a:noFill/>
+        </p:spPr>
+        <p:txBody>
+          <a:bodyPr wrap="square" rtlCol="0">
+            <a:spAutoFit/>
+          </a:bodyPr>
           <a:lstStyle/>
           <a:p>
             <a:r>
               <a:rPr lang="en-US" dirty="0"/>
-              <a:t>Imported data</a:t>
-            </a:r>
-          </a:p>
-        </p:txBody>
-      </p:sp>
-      <p:sp>
-        <p:nvSpPr>
-          <p:cNvPr id="3" name="Subtitle 2">
+              <a:t>Highest Attrition Rates – Man or Woman?</a:t>
+            </a:r>
+          </a:p>
+        </p:txBody>
+      </p:sp>
+      <p:sp>
+        <p:nvSpPr>
+          <p:cNvPr id="6" name="TextBox 5">
             <a:extLst>
               <a:ext uri="{FF2B5EF4-FFF2-40B4-BE49-F238E27FC236}">
-                <a16:creationId xmlns:a16="http://schemas.microsoft.com/office/drawing/2014/main" id="{C79B5F8E-EF01-4CAB-B44C-EEA14ED6DEB9}"/>
+                <a16:creationId xmlns:a16="http://schemas.microsoft.com/office/drawing/2014/main" id="{9962BC75-AAFC-41B1-A95E-508B1775E584}"/>
               </a:ext>
             </a:extLst>
           </p:cNvPr>
-          <p:cNvSpPr>
-            <a:spLocks noGrp="1"/>
-          </p:cNvSpPr>
-          <p:nvPr>
-            <p:ph type="subTitle" idx="1"/>
-          </p:nvPr>
-        </p:nvSpPr>
-        <p:spPr/>
-        <p:txBody>
-          <a:bodyPr/>
+          <p:cNvSpPr txBox="1"/>
+          <p:nvPr/>
+        </p:nvSpPr>
+        <p:spPr>
+          <a:xfrm>
+            <a:off x="647700" y="5537200"/>
+            <a:ext cx="10896600" cy="369332"/>
+          </a:xfrm>
+          <a:prstGeom prst="rect">
+            <a:avLst/>
+          </a:prstGeom>
+          <a:noFill/>
+        </p:spPr>
+        <p:txBody>
+          <a:bodyPr wrap="square" rtlCol="0">
+            <a:spAutoFit/>
+          </a:bodyPr>
           <a:lstStyle/>
           <a:p>
             <a:r>
               <a:rPr lang="en-US" dirty="0"/>
-              <a:t>library(</a:t>
-            </a:r>
-            <a:r>
-              <a:rPr lang="en-US" dirty="0" err="1"/>
-              <a:t>openxlsx</a:t>
-            </a:r>
+              <a:t>There were many paths traveled that led us to this conclusion.  These are the paths we took…</a:t>
+            </a:r>
+          </a:p>
+        </p:txBody>
+      </p:sp>
+      <p:pic>
+        <p:nvPicPr>
+          <p:cNvPr id="5" name="Picture 4">
+            <a:extLst>
+              <a:ext uri="{FF2B5EF4-FFF2-40B4-BE49-F238E27FC236}">
+                <a16:creationId xmlns:a16="http://schemas.microsoft.com/office/drawing/2014/main" id="{10FC8C96-EE96-4F67-917C-C6E289554ED4}"/>
+              </a:ext>
+            </a:extLst>
+          </p:cNvPr>
+          <p:cNvPicPr>
+            <a:picLocks noChangeAspect="1"/>
+          </p:cNvPicPr>
+          <p:nvPr/>
+        </p:nvPicPr>
+        <p:blipFill>
+          <a:blip r:embed="rId2"/>
+          <a:stretch>
+            <a:fillRect/>
+          </a:stretch>
+        </p:blipFill>
+        <p:spPr>
+          <a:xfrm>
+            <a:off x="6511847" y="1772257"/>
+            <a:ext cx="3041806" cy="3511730"/>
+          </a:xfrm>
+          <a:prstGeom prst="rect">
+            <a:avLst/>
+          </a:prstGeom>
+        </p:spPr>
+      </p:pic>
+      <p:pic>
+        <p:nvPicPr>
+          <p:cNvPr id="7" name="Picture 6">
+            <a:extLst>
+              <a:ext uri="{FF2B5EF4-FFF2-40B4-BE49-F238E27FC236}">
+                <a16:creationId xmlns:a16="http://schemas.microsoft.com/office/drawing/2014/main" id="{407E4395-FFCF-46C2-987C-75F0B2DB2419}"/>
+              </a:ext>
+            </a:extLst>
+          </p:cNvPr>
+          <p:cNvPicPr>
+            <a:picLocks noChangeAspect="1"/>
+          </p:cNvPicPr>
+          <p:nvPr/>
+        </p:nvPicPr>
+        <p:blipFill>
+          <a:blip r:embed="rId3"/>
+          <a:stretch>
+            <a:fillRect/>
+          </a:stretch>
+        </p:blipFill>
+        <p:spPr>
+          <a:xfrm>
+            <a:off x="2638347" y="1772257"/>
+            <a:ext cx="3041806" cy="3511730"/>
+          </a:xfrm>
+          <a:prstGeom prst="rect">
+            <a:avLst/>
+          </a:prstGeom>
+        </p:spPr>
+      </p:pic>
+      <p:sp>
+        <p:nvSpPr>
+          <p:cNvPr id="8" name="TextBox 7">
+            <a:extLst>
+              <a:ext uri="{FF2B5EF4-FFF2-40B4-BE49-F238E27FC236}">
+                <a16:creationId xmlns:a16="http://schemas.microsoft.com/office/drawing/2014/main" id="{2BAA4D92-15B4-4787-9234-D781A60DE2D1}"/>
+              </a:ext>
+            </a:extLst>
+          </p:cNvPr>
+          <p:cNvSpPr txBox="1"/>
+          <p:nvPr/>
+        </p:nvSpPr>
+        <p:spPr>
+          <a:xfrm>
+            <a:off x="495300" y="1772257"/>
+            <a:ext cx="1720850" cy="1200329"/>
+          </a:xfrm>
+          <a:prstGeom prst="rect">
+            <a:avLst/>
+          </a:prstGeom>
+          <a:noFill/>
+        </p:spPr>
+        <p:txBody>
+          <a:bodyPr wrap="square" rtlCol="0">
+            <a:spAutoFit/>
+          </a:bodyPr>
+          <a:lstStyle/>
+          <a:p>
             <a:r>
               <a:rPr lang="en-US" dirty="0"/>
-              <a:t>)</a:t>
-            </a:r>
-          </a:p>
-          <a:p>
-            <a:r>
-              <a:rPr lang="en-US" dirty="0" err="1"/>
-              <a:t>attritionData</a:t>
-            </a:r>
+              <a:t>* ~ 15% women leaving the company.</a:t>
+            </a:r>
+          </a:p>
+        </p:txBody>
+      </p:sp>
+      <p:sp>
+        <p:nvSpPr>
+          <p:cNvPr id="9" name="TextBox 8">
+            <a:extLst>
+              <a:ext uri="{FF2B5EF4-FFF2-40B4-BE49-F238E27FC236}">
+                <a16:creationId xmlns:a16="http://schemas.microsoft.com/office/drawing/2014/main" id="{13D0463F-E7BB-48D7-AA37-540D22BB2896}"/>
+              </a:ext>
+            </a:extLst>
+          </p:cNvPr>
+          <p:cNvSpPr txBox="1"/>
+          <p:nvPr/>
+        </p:nvSpPr>
+        <p:spPr>
+          <a:xfrm>
+            <a:off x="9975850" y="1727628"/>
+            <a:ext cx="1720850" cy="923330"/>
+          </a:xfrm>
+          <a:prstGeom prst="rect">
+            <a:avLst/>
+          </a:prstGeom>
+          <a:noFill/>
+        </p:spPr>
+        <p:txBody>
+          <a:bodyPr wrap="square" rtlCol="0">
+            <a:spAutoFit/>
+          </a:bodyPr>
+          <a:lstStyle/>
+          <a:p>
             <a:r>
               <a:rPr lang="en-US" dirty="0"/>
-              <a:t> &lt;- read.xlsx("CaseStudy2-data.xlsx")</a:t>
+              <a:t>* ~ 17% men leaving the company.</a:t>
             </a:r>
           </a:p>
         </p:txBody>
@@ -8261,7 +11058,7 @@
     </p:spTree>
     <p:extLst>
       <p:ext uri="{BB962C8B-B14F-4D97-AF65-F5344CB8AC3E}">
-        <p14:creationId xmlns:p14="http://schemas.microsoft.com/office/powerpoint/2010/main" val="1951453925"/>
+        <p14:creationId xmlns:p14="http://schemas.microsoft.com/office/powerpoint/2010/main" val="3440744934"/>
       </p:ext>
     </p:extLst>
   </p:cSld>
@@ -8293,7 +11090,7 @@
           <p:cNvPr id="2" name="Title 1">
             <a:extLst>
               <a:ext uri="{FF2B5EF4-FFF2-40B4-BE49-F238E27FC236}">
-                <a16:creationId xmlns:a16="http://schemas.microsoft.com/office/drawing/2014/main" id="{1700EF96-D0BC-4A91-983C-813B13359FA5}"/>
+                <a16:creationId xmlns:a16="http://schemas.microsoft.com/office/drawing/2014/main" id="{E1832BE2-B24E-4D87-82AE-E0A24F19B9CA}"/>
               </a:ext>
             </a:extLst>
           </p:cNvPr>
@@ -8311,1454 +11108,43 @@
           <a:p>
             <a:r>
               <a:rPr lang="en-US" dirty="0"/>
-              <a:t>Inspected Data</a:t>
-            </a:r>
-          </a:p>
-        </p:txBody>
-      </p:sp>
-      <p:sp>
-        <p:nvSpPr>
-          <p:cNvPr id="6" name="Rectangle 2">
+              <a:t>Conclusion</a:t>
+            </a:r>
+          </a:p>
+        </p:txBody>
+      </p:sp>
+      <p:sp>
+        <p:nvSpPr>
+          <p:cNvPr id="3" name="Content Placeholder 2">
             <a:extLst>
               <a:ext uri="{FF2B5EF4-FFF2-40B4-BE49-F238E27FC236}">
-                <a16:creationId xmlns:a16="http://schemas.microsoft.com/office/drawing/2014/main" id="{37ED1D22-0F4E-4AA1-8713-8B09CC1F07BB}"/>
+                <a16:creationId xmlns:a16="http://schemas.microsoft.com/office/drawing/2014/main" id="{A4FA69BC-815E-47B8-8300-270A52A235E3}"/>
               </a:ext>
             </a:extLst>
           </p:cNvPr>
           <p:cNvSpPr>
-            <a:spLocks noGrp="1" noChangeArrowheads="1"/>
+            <a:spLocks noGrp="1"/>
           </p:cNvSpPr>
           <p:nvPr>
             <p:ph idx="1"/>
           </p:nvPr>
         </p:nvSpPr>
-        <p:spPr bwMode="auto">
-          <a:xfrm>
-            <a:off x="963693" y="1562100"/>
-            <a:ext cx="8771632" cy="1231106"/>
-          </a:xfrm>
-          <a:prstGeom prst="rect">
-            <a:avLst/>
-          </a:prstGeom>
-          <a:solidFill>
-            <a:srgbClr val="FFFFFF"/>
-          </a:solidFill>
-          <a:ln>
-            <a:noFill/>
-          </a:ln>
-          <a:effectLst/>
-          <a:extLst>
-            <a:ext uri="{91240B29-F687-4F45-9708-019B960494DF}">
-              <a14:hiddenLine xmlns:a14="http://schemas.microsoft.com/office/drawing/2010/main" w="9525">
-                <a:solidFill>
-                  <a:schemeClr val="tx1"/>
-                </a:solidFill>
-                <a:miter lim="800000"/>
-                <a:headEnd/>
-                <a:tailEnd/>
-              </a14:hiddenLine>
-            </a:ext>
-            <a:ext uri="{AF507438-7753-43E0-B8FC-AC1667EBCBE1}">
-              <a14:hiddenEffects xmlns:a14="http://schemas.microsoft.com/office/drawing/2010/main">
-                <a:effectLst>
-                  <a:outerShdw dist="35921" dir="2700000" algn="ctr" rotWithShape="0">
-                    <a:schemeClr val="bg2"/>
-                  </a:outerShdw>
-                </a:effectLst>
-              </a14:hiddenEffects>
-            </a:ext>
-          </a:extLst>
-        </p:spPr>
-        <p:txBody>
-          <a:bodyPr vert="horz" wrap="none" lIns="0" tIns="0" rIns="0" bIns="0" numCol="1" anchor="ctr" anchorCtr="0" compatLnSpc="1">
-            <a:prstTxWarp prst="textNoShape">
-              <a:avLst/>
-            </a:prstTxWarp>
-            <a:spAutoFit/>
-          </a:bodyPr>
+        <p:spPr/>
+        <p:txBody>
+          <a:bodyPr/>
           <a:lstStyle/>
           <a:p>
-            <a:pPr marR="0" lvl="0" algn="l" defTabSz="914400" rtl="0" eaLnBrk="0" fontAlgn="base" latinLnBrk="0" hangingPunct="0">
-              <a:lnSpc>
-                <a:spcPct val="100000"/>
-              </a:lnSpc>
-              <a:spcBef>
-                <a:spcPct val="0"/>
-              </a:spcBef>
-              <a:spcAft>
-                <a:spcPct val="0"/>
-              </a:spcAft>
-              <a:buClrTx/>
-              <a:buSzTx/>
-              <a:buFont typeface="Wingdings" panose="05000000000000000000" pitchFamily="2" charset="2"/>
-              <a:buChar char="Ø"/>
-              <a:tabLst/>
-            </a:pPr>
-            <a:r>
-              <a:rPr kumimoji="0" lang="en-US" altLang="en-US" sz="1000" b="0" i="0" u="none" strike="noStrike" cap="none" normalizeH="0" baseline="0" dirty="0">
-                <a:ln>
-                  <a:noFill/>
-                </a:ln>
-                <a:solidFill>
-                  <a:srgbClr val="0000FF"/>
-                </a:solidFill>
-                <a:effectLst/>
-                <a:latin typeface="Lucida Console" panose="020B0609040504020204" pitchFamily="49" charset="0"/>
-              </a:rPr>
-              <a:t>names(</a:t>
-            </a:r>
-            <a:r>
-              <a:rPr kumimoji="0" lang="en-US" altLang="en-US" sz="1000" b="0" i="0" u="none" strike="noStrike" cap="none" normalizeH="0" baseline="0" dirty="0" err="1">
-                <a:ln>
-                  <a:noFill/>
-                </a:ln>
-                <a:solidFill>
-                  <a:srgbClr val="0000FF"/>
-                </a:solidFill>
-                <a:effectLst/>
-                <a:latin typeface="Lucida Console" panose="020B0609040504020204" pitchFamily="49" charset="0"/>
-              </a:rPr>
-              <a:t>attritionData</a:t>
-            </a:r>
-            <a:r>
-              <a:rPr kumimoji="0" lang="en-US" altLang="en-US" sz="1000" b="0" i="0" u="none" strike="noStrike" cap="none" normalizeH="0" baseline="0" dirty="0">
-                <a:ln>
-                  <a:noFill/>
-                </a:ln>
-                <a:solidFill>
-                  <a:srgbClr val="0000FF"/>
-                </a:solidFill>
-                <a:effectLst/>
-                <a:latin typeface="Lucida Console" panose="020B0609040504020204" pitchFamily="49" charset="0"/>
-              </a:rPr>
-              <a:t>) </a:t>
-            </a:r>
-          </a:p>
-          <a:p>
-            <a:pPr marR="0" lvl="0" algn="l" defTabSz="914400" rtl="0" eaLnBrk="0" fontAlgn="base" latinLnBrk="0" hangingPunct="0">
-              <a:lnSpc>
-                <a:spcPct val="100000"/>
-              </a:lnSpc>
-              <a:spcBef>
-                <a:spcPct val="0"/>
-              </a:spcBef>
-              <a:spcAft>
-                <a:spcPct val="0"/>
-              </a:spcAft>
-              <a:buClrTx/>
-              <a:buSzTx/>
-              <a:buFont typeface="Wingdings" panose="05000000000000000000" pitchFamily="2" charset="2"/>
-              <a:buChar char="Ø"/>
-              <a:tabLst/>
-            </a:pPr>
-            <a:r>
-              <a:rPr kumimoji="0" lang="en-US" altLang="en-US" sz="1000" b="0" i="0" u="none" strike="noStrike" cap="none" normalizeH="0" baseline="0" dirty="0">
-                <a:ln>
-                  <a:noFill/>
-                </a:ln>
-                <a:solidFill>
-                  <a:srgbClr val="000000"/>
-                </a:solidFill>
-                <a:effectLst/>
-                <a:latin typeface="Lucida Console" panose="020B0609040504020204" pitchFamily="49" charset="0"/>
-              </a:rPr>
-              <a:t>[1] "Age" "Attrition" "</a:t>
-            </a:r>
-            <a:r>
-              <a:rPr kumimoji="0" lang="en-US" altLang="en-US" sz="1000" b="0" i="0" u="none" strike="noStrike" cap="none" normalizeH="0" baseline="0" dirty="0" err="1">
-                <a:ln>
-                  <a:noFill/>
-                </a:ln>
-                <a:solidFill>
-                  <a:srgbClr val="000000"/>
-                </a:solidFill>
-                <a:effectLst/>
-                <a:latin typeface="Lucida Console" panose="020B0609040504020204" pitchFamily="49" charset="0"/>
-              </a:rPr>
-              <a:t>BusinessTravel</a:t>
-            </a:r>
-            <a:r>
-              <a:rPr kumimoji="0" lang="en-US" altLang="en-US" sz="1000" b="0" i="0" u="none" strike="noStrike" cap="none" normalizeH="0" baseline="0" dirty="0">
-                <a:ln>
-                  <a:noFill/>
-                </a:ln>
-                <a:solidFill>
-                  <a:srgbClr val="000000"/>
-                </a:solidFill>
-                <a:effectLst/>
-                <a:latin typeface="Lucida Console" panose="020B0609040504020204" pitchFamily="49" charset="0"/>
-              </a:rPr>
-              <a:t>" "</a:t>
-            </a:r>
-            <a:r>
-              <a:rPr kumimoji="0" lang="en-US" altLang="en-US" sz="1000" b="0" i="0" u="none" strike="noStrike" cap="none" normalizeH="0" baseline="0" dirty="0" err="1">
-                <a:ln>
-                  <a:noFill/>
-                </a:ln>
-                <a:solidFill>
-                  <a:srgbClr val="000000"/>
-                </a:solidFill>
-                <a:effectLst/>
-                <a:latin typeface="Lucida Console" panose="020B0609040504020204" pitchFamily="49" charset="0"/>
-              </a:rPr>
-              <a:t>DailyRate</a:t>
-            </a:r>
-            <a:r>
-              <a:rPr kumimoji="0" lang="en-US" altLang="en-US" sz="1000" b="0" i="0" u="none" strike="noStrike" cap="none" normalizeH="0" baseline="0" dirty="0">
-                <a:ln>
-                  <a:noFill/>
-                </a:ln>
-                <a:solidFill>
-                  <a:srgbClr val="000000"/>
-                </a:solidFill>
-                <a:effectLst/>
-                <a:latin typeface="Lucida Console" panose="020B0609040504020204" pitchFamily="49" charset="0"/>
-              </a:rPr>
-              <a:t>" "Department" </a:t>
-            </a:r>
-          </a:p>
-          <a:p>
-            <a:pPr marR="0" lvl="0" algn="l" defTabSz="914400" rtl="0" eaLnBrk="0" fontAlgn="base" latinLnBrk="0" hangingPunct="0">
-              <a:lnSpc>
-                <a:spcPct val="100000"/>
-              </a:lnSpc>
-              <a:spcBef>
-                <a:spcPct val="0"/>
-              </a:spcBef>
-              <a:spcAft>
-                <a:spcPct val="0"/>
-              </a:spcAft>
-              <a:buClrTx/>
-              <a:buSzTx/>
-              <a:buFont typeface="Wingdings" panose="05000000000000000000" pitchFamily="2" charset="2"/>
-              <a:buChar char="Ø"/>
-              <a:tabLst/>
-            </a:pPr>
-            <a:r>
-              <a:rPr kumimoji="0" lang="en-US" altLang="en-US" sz="1000" b="0" i="0" u="none" strike="noStrike" cap="none" normalizeH="0" baseline="0" dirty="0">
-                <a:ln>
-                  <a:noFill/>
-                </a:ln>
-                <a:solidFill>
-                  <a:srgbClr val="000000"/>
-                </a:solidFill>
-                <a:effectLst/>
-                <a:latin typeface="Lucida Console" panose="020B0609040504020204" pitchFamily="49" charset="0"/>
-              </a:rPr>
-              <a:t>[6] "</a:t>
-            </a:r>
-            <a:r>
-              <a:rPr kumimoji="0" lang="en-US" altLang="en-US" sz="1000" b="0" i="0" u="none" strike="noStrike" cap="none" normalizeH="0" baseline="0" dirty="0" err="1">
-                <a:ln>
-                  <a:noFill/>
-                </a:ln>
-                <a:solidFill>
-                  <a:srgbClr val="000000"/>
-                </a:solidFill>
-                <a:effectLst/>
-                <a:latin typeface="Lucida Console" panose="020B0609040504020204" pitchFamily="49" charset="0"/>
-              </a:rPr>
-              <a:t>DistanceFromHome</a:t>
-            </a:r>
-            <a:r>
-              <a:rPr kumimoji="0" lang="en-US" altLang="en-US" sz="1000" b="0" i="0" u="none" strike="noStrike" cap="none" normalizeH="0" baseline="0" dirty="0">
-                <a:ln>
-                  <a:noFill/>
-                </a:ln>
-                <a:solidFill>
-                  <a:srgbClr val="000000"/>
-                </a:solidFill>
-                <a:effectLst/>
-                <a:latin typeface="Lucida Console" panose="020B0609040504020204" pitchFamily="49" charset="0"/>
-              </a:rPr>
-              <a:t>" "Education" "</a:t>
-            </a:r>
-            <a:r>
-              <a:rPr kumimoji="0" lang="en-US" altLang="en-US" sz="1000" b="0" i="0" u="none" strike="noStrike" cap="none" normalizeH="0" baseline="0" dirty="0" err="1">
-                <a:ln>
-                  <a:noFill/>
-                </a:ln>
-                <a:solidFill>
-                  <a:srgbClr val="000000"/>
-                </a:solidFill>
-                <a:effectLst/>
-                <a:latin typeface="Lucida Console" panose="020B0609040504020204" pitchFamily="49" charset="0"/>
-              </a:rPr>
-              <a:t>EducationField</a:t>
-            </a:r>
-            <a:r>
-              <a:rPr kumimoji="0" lang="en-US" altLang="en-US" sz="1000" b="0" i="0" u="none" strike="noStrike" cap="none" normalizeH="0" baseline="0" dirty="0">
-                <a:ln>
-                  <a:noFill/>
-                </a:ln>
-                <a:solidFill>
-                  <a:srgbClr val="000000"/>
-                </a:solidFill>
-                <a:effectLst/>
-                <a:latin typeface="Lucida Console" panose="020B0609040504020204" pitchFamily="49" charset="0"/>
-              </a:rPr>
-              <a:t>" "</a:t>
-            </a:r>
-            <a:r>
-              <a:rPr kumimoji="0" lang="en-US" altLang="en-US" sz="1000" b="0" i="0" u="none" strike="noStrike" cap="none" normalizeH="0" baseline="0" dirty="0" err="1">
-                <a:ln>
-                  <a:noFill/>
-                </a:ln>
-                <a:solidFill>
-                  <a:srgbClr val="000000"/>
-                </a:solidFill>
-                <a:effectLst/>
-                <a:latin typeface="Lucida Console" panose="020B0609040504020204" pitchFamily="49" charset="0"/>
-              </a:rPr>
-              <a:t>EmployeeCount</a:t>
-            </a:r>
-            <a:r>
-              <a:rPr kumimoji="0" lang="en-US" altLang="en-US" sz="1000" b="0" i="0" u="none" strike="noStrike" cap="none" normalizeH="0" baseline="0" dirty="0">
-                <a:ln>
-                  <a:noFill/>
-                </a:ln>
-                <a:solidFill>
-                  <a:srgbClr val="000000"/>
-                </a:solidFill>
-                <a:effectLst/>
-                <a:latin typeface="Lucida Console" panose="020B0609040504020204" pitchFamily="49" charset="0"/>
-              </a:rPr>
-              <a:t>" "</a:t>
-            </a:r>
-            <a:r>
-              <a:rPr kumimoji="0" lang="en-US" altLang="en-US" sz="1000" b="0" i="0" u="none" strike="noStrike" cap="none" normalizeH="0" baseline="0" dirty="0" err="1">
-                <a:ln>
-                  <a:noFill/>
-                </a:ln>
-                <a:solidFill>
-                  <a:srgbClr val="000000"/>
-                </a:solidFill>
-                <a:effectLst/>
-                <a:latin typeface="Lucida Console" panose="020B0609040504020204" pitchFamily="49" charset="0"/>
-              </a:rPr>
-              <a:t>EmployeeNumber</a:t>
-            </a:r>
-            <a:r>
-              <a:rPr kumimoji="0" lang="en-US" altLang="en-US" sz="1000" b="0" i="0" u="none" strike="noStrike" cap="none" normalizeH="0" baseline="0" dirty="0">
-                <a:ln>
-                  <a:noFill/>
-                </a:ln>
-                <a:solidFill>
-                  <a:srgbClr val="000000"/>
-                </a:solidFill>
-                <a:effectLst/>
-                <a:latin typeface="Lucida Console" panose="020B0609040504020204" pitchFamily="49" charset="0"/>
-              </a:rPr>
-              <a:t>" </a:t>
-            </a:r>
-          </a:p>
-          <a:p>
-            <a:pPr marR="0" lvl="0" algn="l" defTabSz="914400" rtl="0" eaLnBrk="0" fontAlgn="base" latinLnBrk="0" hangingPunct="0">
-              <a:lnSpc>
-                <a:spcPct val="100000"/>
-              </a:lnSpc>
-              <a:spcBef>
-                <a:spcPct val="0"/>
-              </a:spcBef>
-              <a:spcAft>
-                <a:spcPct val="0"/>
-              </a:spcAft>
-              <a:buClrTx/>
-              <a:buSzTx/>
-              <a:buFont typeface="Wingdings" panose="05000000000000000000" pitchFamily="2" charset="2"/>
-              <a:buChar char="Ø"/>
-              <a:tabLst/>
-            </a:pPr>
-            <a:r>
-              <a:rPr kumimoji="0" lang="en-US" altLang="en-US" sz="1000" b="0" i="0" u="none" strike="noStrike" cap="none" normalizeH="0" baseline="0" dirty="0">
-                <a:ln>
-                  <a:noFill/>
-                </a:ln>
-                <a:solidFill>
-                  <a:srgbClr val="000000"/>
-                </a:solidFill>
-                <a:effectLst/>
-                <a:latin typeface="Lucida Console" panose="020B0609040504020204" pitchFamily="49" charset="0"/>
-              </a:rPr>
-              <a:t>[11] "</a:t>
-            </a:r>
-            <a:r>
-              <a:rPr kumimoji="0" lang="en-US" altLang="en-US" sz="1000" b="0" i="0" u="none" strike="noStrike" cap="none" normalizeH="0" baseline="0" dirty="0" err="1">
-                <a:ln>
-                  <a:noFill/>
-                </a:ln>
-                <a:solidFill>
-                  <a:srgbClr val="000000"/>
-                </a:solidFill>
-                <a:effectLst/>
-                <a:latin typeface="Lucida Console" panose="020B0609040504020204" pitchFamily="49" charset="0"/>
-              </a:rPr>
-              <a:t>EnvironmentSatisfaction</a:t>
-            </a:r>
-            <a:r>
-              <a:rPr kumimoji="0" lang="en-US" altLang="en-US" sz="1000" b="0" i="0" u="none" strike="noStrike" cap="none" normalizeH="0" baseline="0" dirty="0">
-                <a:ln>
-                  <a:noFill/>
-                </a:ln>
-                <a:solidFill>
-                  <a:srgbClr val="000000"/>
-                </a:solidFill>
-                <a:effectLst/>
-                <a:latin typeface="Lucida Console" panose="020B0609040504020204" pitchFamily="49" charset="0"/>
-              </a:rPr>
-              <a:t>" "Gender" "</a:t>
-            </a:r>
-            <a:r>
-              <a:rPr kumimoji="0" lang="en-US" altLang="en-US" sz="1000" b="0" i="0" u="none" strike="noStrike" cap="none" normalizeH="0" baseline="0" dirty="0" err="1">
-                <a:ln>
-                  <a:noFill/>
-                </a:ln>
-                <a:solidFill>
-                  <a:srgbClr val="000000"/>
-                </a:solidFill>
-                <a:effectLst/>
-                <a:latin typeface="Lucida Console" panose="020B0609040504020204" pitchFamily="49" charset="0"/>
-              </a:rPr>
-              <a:t>HourlyRate</a:t>
-            </a:r>
-            <a:r>
-              <a:rPr kumimoji="0" lang="en-US" altLang="en-US" sz="1000" b="0" i="0" u="none" strike="noStrike" cap="none" normalizeH="0" baseline="0" dirty="0">
-                <a:ln>
-                  <a:noFill/>
-                </a:ln>
-                <a:solidFill>
-                  <a:srgbClr val="000000"/>
-                </a:solidFill>
-                <a:effectLst/>
-                <a:latin typeface="Lucida Console" panose="020B0609040504020204" pitchFamily="49" charset="0"/>
-              </a:rPr>
-              <a:t>" "</a:t>
-            </a:r>
-            <a:r>
-              <a:rPr kumimoji="0" lang="en-US" altLang="en-US" sz="1000" b="0" i="0" u="none" strike="noStrike" cap="none" normalizeH="0" baseline="0" dirty="0" err="1">
-                <a:ln>
-                  <a:noFill/>
-                </a:ln>
-                <a:solidFill>
-                  <a:srgbClr val="000000"/>
-                </a:solidFill>
-                <a:effectLst/>
-                <a:latin typeface="Lucida Console" panose="020B0609040504020204" pitchFamily="49" charset="0"/>
-              </a:rPr>
-              <a:t>JobInvolvement</a:t>
-            </a:r>
-            <a:r>
-              <a:rPr kumimoji="0" lang="en-US" altLang="en-US" sz="1000" b="0" i="0" u="none" strike="noStrike" cap="none" normalizeH="0" baseline="0" dirty="0">
-                <a:ln>
-                  <a:noFill/>
-                </a:ln>
-                <a:solidFill>
-                  <a:srgbClr val="000000"/>
-                </a:solidFill>
-                <a:effectLst/>
-                <a:latin typeface="Lucida Console" panose="020B0609040504020204" pitchFamily="49" charset="0"/>
-              </a:rPr>
-              <a:t>" "</a:t>
-            </a:r>
-            <a:r>
-              <a:rPr kumimoji="0" lang="en-US" altLang="en-US" sz="1000" b="0" i="0" u="none" strike="noStrike" cap="none" normalizeH="0" baseline="0" dirty="0" err="1">
-                <a:ln>
-                  <a:noFill/>
-                </a:ln>
-                <a:solidFill>
-                  <a:srgbClr val="000000"/>
-                </a:solidFill>
-                <a:effectLst/>
-                <a:latin typeface="Lucida Console" panose="020B0609040504020204" pitchFamily="49" charset="0"/>
-              </a:rPr>
-              <a:t>JobLevel</a:t>
-            </a:r>
-            <a:r>
-              <a:rPr kumimoji="0" lang="en-US" altLang="en-US" sz="1000" b="0" i="0" u="none" strike="noStrike" cap="none" normalizeH="0" baseline="0" dirty="0">
-                <a:ln>
-                  <a:noFill/>
-                </a:ln>
-                <a:solidFill>
-                  <a:srgbClr val="000000"/>
-                </a:solidFill>
-                <a:effectLst/>
-                <a:latin typeface="Lucida Console" panose="020B0609040504020204" pitchFamily="49" charset="0"/>
-              </a:rPr>
-              <a:t>" </a:t>
-            </a:r>
-          </a:p>
-          <a:p>
-            <a:pPr marR="0" lvl="0" algn="l" defTabSz="914400" rtl="0" eaLnBrk="0" fontAlgn="base" latinLnBrk="0" hangingPunct="0">
-              <a:lnSpc>
-                <a:spcPct val="100000"/>
-              </a:lnSpc>
-              <a:spcBef>
-                <a:spcPct val="0"/>
-              </a:spcBef>
-              <a:spcAft>
-                <a:spcPct val="0"/>
-              </a:spcAft>
-              <a:buClrTx/>
-              <a:buSzTx/>
-              <a:buFont typeface="Wingdings" panose="05000000000000000000" pitchFamily="2" charset="2"/>
-              <a:buChar char="Ø"/>
-              <a:tabLst/>
-            </a:pPr>
-            <a:r>
-              <a:rPr kumimoji="0" lang="en-US" altLang="en-US" sz="1000" b="0" i="0" u="none" strike="noStrike" cap="none" normalizeH="0" baseline="0" dirty="0">
-                <a:ln>
-                  <a:noFill/>
-                </a:ln>
-                <a:solidFill>
-                  <a:srgbClr val="000000"/>
-                </a:solidFill>
-                <a:effectLst/>
-                <a:latin typeface="Lucida Console" panose="020B0609040504020204" pitchFamily="49" charset="0"/>
-              </a:rPr>
-              <a:t>[16] "</a:t>
-            </a:r>
-            <a:r>
-              <a:rPr kumimoji="0" lang="en-US" altLang="en-US" sz="1000" b="0" i="0" u="none" strike="noStrike" cap="none" normalizeH="0" baseline="0" dirty="0" err="1">
-                <a:ln>
-                  <a:noFill/>
-                </a:ln>
-                <a:solidFill>
-                  <a:srgbClr val="000000"/>
-                </a:solidFill>
-                <a:effectLst/>
-                <a:latin typeface="Lucida Console" panose="020B0609040504020204" pitchFamily="49" charset="0"/>
-              </a:rPr>
-              <a:t>JobRole</a:t>
-            </a:r>
-            <a:r>
-              <a:rPr kumimoji="0" lang="en-US" altLang="en-US" sz="1000" b="0" i="0" u="none" strike="noStrike" cap="none" normalizeH="0" baseline="0" dirty="0">
-                <a:ln>
-                  <a:noFill/>
-                </a:ln>
-                <a:solidFill>
-                  <a:srgbClr val="000000"/>
-                </a:solidFill>
-                <a:effectLst/>
-                <a:latin typeface="Lucida Console" panose="020B0609040504020204" pitchFamily="49" charset="0"/>
-              </a:rPr>
-              <a:t>" "</a:t>
-            </a:r>
-            <a:r>
-              <a:rPr kumimoji="0" lang="en-US" altLang="en-US" sz="1000" b="0" i="0" u="none" strike="noStrike" cap="none" normalizeH="0" baseline="0" dirty="0" err="1">
-                <a:ln>
-                  <a:noFill/>
-                </a:ln>
-                <a:solidFill>
-                  <a:srgbClr val="000000"/>
-                </a:solidFill>
-                <a:effectLst/>
-                <a:latin typeface="Lucida Console" panose="020B0609040504020204" pitchFamily="49" charset="0"/>
-              </a:rPr>
-              <a:t>JobSatisfaction</a:t>
-            </a:r>
-            <a:r>
-              <a:rPr kumimoji="0" lang="en-US" altLang="en-US" sz="1000" b="0" i="0" u="none" strike="noStrike" cap="none" normalizeH="0" baseline="0" dirty="0">
-                <a:ln>
-                  <a:noFill/>
-                </a:ln>
-                <a:solidFill>
-                  <a:srgbClr val="000000"/>
-                </a:solidFill>
-                <a:effectLst/>
-                <a:latin typeface="Lucida Console" panose="020B0609040504020204" pitchFamily="49" charset="0"/>
-              </a:rPr>
-              <a:t>" "</a:t>
-            </a:r>
-            <a:r>
-              <a:rPr kumimoji="0" lang="en-US" altLang="en-US" sz="1000" b="0" i="0" u="none" strike="noStrike" cap="none" normalizeH="0" baseline="0" dirty="0" err="1">
-                <a:ln>
-                  <a:noFill/>
-                </a:ln>
-                <a:solidFill>
-                  <a:srgbClr val="000000"/>
-                </a:solidFill>
-                <a:effectLst/>
-                <a:latin typeface="Lucida Console" panose="020B0609040504020204" pitchFamily="49" charset="0"/>
-              </a:rPr>
-              <a:t>MaritalStatus</a:t>
-            </a:r>
-            <a:r>
-              <a:rPr kumimoji="0" lang="en-US" altLang="en-US" sz="1000" b="0" i="0" u="none" strike="noStrike" cap="none" normalizeH="0" baseline="0" dirty="0">
-                <a:ln>
-                  <a:noFill/>
-                </a:ln>
-                <a:solidFill>
-                  <a:srgbClr val="000000"/>
-                </a:solidFill>
-                <a:effectLst/>
-                <a:latin typeface="Lucida Console" panose="020B0609040504020204" pitchFamily="49" charset="0"/>
-              </a:rPr>
-              <a:t>" "</a:t>
-            </a:r>
-            <a:r>
-              <a:rPr kumimoji="0" lang="en-US" altLang="en-US" sz="1000" b="0" i="0" u="none" strike="noStrike" cap="none" normalizeH="0" baseline="0" dirty="0" err="1">
-                <a:ln>
-                  <a:noFill/>
-                </a:ln>
-                <a:solidFill>
-                  <a:srgbClr val="000000"/>
-                </a:solidFill>
-                <a:effectLst/>
-                <a:latin typeface="Lucida Console" panose="020B0609040504020204" pitchFamily="49" charset="0"/>
-              </a:rPr>
-              <a:t>MonthlyIncome</a:t>
-            </a:r>
-            <a:r>
-              <a:rPr kumimoji="0" lang="en-US" altLang="en-US" sz="1000" b="0" i="0" u="none" strike="noStrike" cap="none" normalizeH="0" baseline="0" dirty="0">
-                <a:ln>
-                  <a:noFill/>
-                </a:ln>
-                <a:solidFill>
-                  <a:srgbClr val="000000"/>
-                </a:solidFill>
-                <a:effectLst/>
-                <a:latin typeface="Lucida Console" panose="020B0609040504020204" pitchFamily="49" charset="0"/>
-              </a:rPr>
-              <a:t>" "</a:t>
-            </a:r>
-            <a:r>
-              <a:rPr kumimoji="0" lang="en-US" altLang="en-US" sz="1000" b="0" i="0" u="none" strike="noStrike" cap="none" normalizeH="0" baseline="0" dirty="0" err="1">
-                <a:ln>
-                  <a:noFill/>
-                </a:ln>
-                <a:solidFill>
-                  <a:srgbClr val="000000"/>
-                </a:solidFill>
-                <a:effectLst/>
-                <a:latin typeface="Lucida Console" panose="020B0609040504020204" pitchFamily="49" charset="0"/>
-              </a:rPr>
-              <a:t>MonthlyRate</a:t>
-            </a:r>
-            <a:r>
-              <a:rPr kumimoji="0" lang="en-US" altLang="en-US" sz="1000" b="0" i="0" u="none" strike="noStrike" cap="none" normalizeH="0" baseline="0" dirty="0">
-                <a:ln>
-                  <a:noFill/>
-                </a:ln>
-                <a:solidFill>
-                  <a:srgbClr val="000000"/>
-                </a:solidFill>
-                <a:effectLst/>
-                <a:latin typeface="Lucida Console" panose="020B0609040504020204" pitchFamily="49" charset="0"/>
-              </a:rPr>
-              <a:t>" </a:t>
-            </a:r>
-          </a:p>
-          <a:p>
-            <a:pPr marR="0" lvl="0" algn="l" defTabSz="914400" rtl="0" eaLnBrk="0" fontAlgn="base" latinLnBrk="0" hangingPunct="0">
-              <a:lnSpc>
-                <a:spcPct val="100000"/>
-              </a:lnSpc>
-              <a:spcBef>
-                <a:spcPct val="0"/>
-              </a:spcBef>
-              <a:spcAft>
-                <a:spcPct val="0"/>
-              </a:spcAft>
-              <a:buClrTx/>
-              <a:buSzTx/>
-              <a:buFont typeface="Wingdings" panose="05000000000000000000" pitchFamily="2" charset="2"/>
-              <a:buChar char="Ø"/>
-              <a:tabLst/>
-            </a:pPr>
-            <a:r>
-              <a:rPr kumimoji="0" lang="en-US" altLang="en-US" sz="1000" b="0" i="0" u="none" strike="noStrike" cap="none" normalizeH="0" baseline="0" dirty="0">
-                <a:ln>
-                  <a:noFill/>
-                </a:ln>
-                <a:solidFill>
-                  <a:srgbClr val="000000"/>
-                </a:solidFill>
-                <a:effectLst/>
-                <a:latin typeface="Lucida Console" panose="020B0609040504020204" pitchFamily="49" charset="0"/>
-              </a:rPr>
-              <a:t>[21] "</a:t>
-            </a:r>
-            <a:r>
-              <a:rPr kumimoji="0" lang="en-US" altLang="en-US" sz="1000" b="0" i="0" u="none" strike="noStrike" cap="none" normalizeH="0" baseline="0" dirty="0" err="1">
-                <a:ln>
-                  <a:noFill/>
-                </a:ln>
-                <a:solidFill>
-                  <a:srgbClr val="000000"/>
-                </a:solidFill>
-                <a:effectLst/>
-                <a:latin typeface="Lucida Console" panose="020B0609040504020204" pitchFamily="49" charset="0"/>
-              </a:rPr>
-              <a:t>NumCompaniesWorked</a:t>
-            </a:r>
-            <a:r>
-              <a:rPr kumimoji="0" lang="en-US" altLang="en-US" sz="1000" b="0" i="0" u="none" strike="noStrike" cap="none" normalizeH="0" baseline="0" dirty="0">
-                <a:ln>
-                  <a:noFill/>
-                </a:ln>
-                <a:solidFill>
-                  <a:srgbClr val="000000"/>
-                </a:solidFill>
-                <a:effectLst/>
-                <a:latin typeface="Lucida Console" panose="020B0609040504020204" pitchFamily="49" charset="0"/>
-              </a:rPr>
-              <a:t>" "Over18" "</a:t>
-            </a:r>
-            <a:r>
-              <a:rPr kumimoji="0" lang="en-US" altLang="en-US" sz="1000" b="0" i="0" u="none" strike="noStrike" cap="none" normalizeH="0" baseline="0" dirty="0" err="1">
-                <a:ln>
-                  <a:noFill/>
-                </a:ln>
-                <a:solidFill>
-                  <a:srgbClr val="000000"/>
-                </a:solidFill>
-                <a:effectLst/>
-                <a:latin typeface="Lucida Console" panose="020B0609040504020204" pitchFamily="49" charset="0"/>
-              </a:rPr>
-              <a:t>OverTime</a:t>
-            </a:r>
-            <a:r>
-              <a:rPr kumimoji="0" lang="en-US" altLang="en-US" sz="1000" b="0" i="0" u="none" strike="noStrike" cap="none" normalizeH="0" baseline="0" dirty="0">
-                <a:ln>
-                  <a:noFill/>
-                </a:ln>
-                <a:solidFill>
-                  <a:srgbClr val="000000"/>
-                </a:solidFill>
-                <a:effectLst/>
-                <a:latin typeface="Lucida Console" panose="020B0609040504020204" pitchFamily="49" charset="0"/>
-              </a:rPr>
-              <a:t>" "</a:t>
-            </a:r>
-            <a:r>
-              <a:rPr kumimoji="0" lang="en-US" altLang="en-US" sz="1000" b="0" i="0" u="none" strike="noStrike" cap="none" normalizeH="0" baseline="0" dirty="0" err="1">
-                <a:ln>
-                  <a:noFill/>
-                </a:ln>
-                <a:solidFill>
-                  <a:srgbClr val="000000"/>
-                </a:solidFill>
-                <a:effectLst/>
-                <a:latin typeface="Lucida Console" panose="020B0609040504020204" pitchFamily="49" charset="0"/>
-              </a:rPr>
-              <a:t>PercentSalaryHike</a:t>
-            </a:r>
-            <a:r>
-              <a:rPr kumimoji="0" lang="en-US" altLang="en-US" sz="1000" b="0" i="0" u="none" strike="noStrike" cap="none" normalizeH="0" baseline="0" dirty="0">
-                <a:ln>
-                  <a:noFill/>
-                </a:ln>
-                <a:solidFill>
-                  <a:srgbClr val="000000"/>
-                </a:solidFill>
-                <a:effectLst/>
-                <a:latin typeface="Lucida Console" panose="020B0609040504020204" pitchFamily="49" charset="0"/>
-              </a:rPr>
-              <a:t>" "</a:t>
-            </a:r>
-            <a:r>
-              <a:rPr kumimoji="0" lang="en-US" altLang="en-US" sz="1000" b="0" i="0" u="none" strike="noStrike" cap="none" normalizeH="0" baseline="0" dirty="0" err="1">
-                <a:ln>
-                  <a:noFill/>
-                </a:ln>
-                <a:solidFill>
-                  <a:srgbClr val="000000"/>
-                </a:solidFill>
-                <a:effectLst/>
-                <a:latin typeface="Lucida Console" panose="020B0609040504020204" pitchFamily="49" charset="0"/>
-              </a:rPr>
-              <a:t>PerformanceRating</a:t>
-            </a:r>
-            <a:r>
-              <a:rPr kumimoji="0" lang="en-US" altLang="en-US" sz="1000" b="0" i="0" u="none" strike="noStrike" cap="none" normalizeH="0" baseline="0" dirty="0">
-                <a:ln>
-                  <a:noFill/>
-                </a:ln>
-                <a:solidFill>
-                  <a:srgbClr val="000000"/>
-                </a:solidFill>
-                <a:effectLst/>
-                <a:latin typeface="Lucida Console" panose="020B0609040504020204" pitchFamily="49" charset="0"/>
-              </a:rPr>
-              <a:t>" </a:t>
-            </a:r>
-          </a:p>
-          <a:p>
-            <a:pPr marR="0" lvl="0" algn="l" defTabSz="914400" rtl="0" eaLnBrk="0" fontAlgn="base" latinLnBrk="0" hangingPunct="0">
-              <a:lnSpc>
-                <a:spcPct val="100000"/>
-              </a:lnSpc>
-              <a:spcBef>
-                <a:spcPct val="0"/>
-              </a:spcBef>
-              <a:spcAft>
-                <a:spcPct val="0"/>
-              </a:spcAft>
-              <a:buClrTx/>
-              <a:buSzTx/>
-              <a:buFont typeface="Wingdings" panose="05000000000000000000" pitchFamily="2" charset="2"/>
-              <a:buChar char="Ø"/>
-              <a:tabLst/>
-            </a:pPr>
-            <a:r>
-              <a:rPr kumimoji="0" lang="en-US" altLang="en-US" sz="1000" b="0" i="0" u="none" strike="noStrike" cap="none" normalizeH="0" baseline="0" dirty="0">
-                <a:ln>
-                  <a:noFill/>
-                </a:ln>
-                <a:solidFill>
-                  <a:srgbClr val="000000"/>
-                </a:solidFill>
-                <a:effectLst/>
-                <a:latin typeface="Lucida Console" panose="020B0609040504020204" pitchFamily="49" charset="0"/>
-              </a:rPr>
-              <a:t>[26] "</a:t>
-            </a:r>
-            <a:r>
-              <a:rPr kumimoji="0" lang="en-US" altLang="en-US" sz="1000" b="0" i="0" u="none" strike="noStrike" cap="none" normalizeH="0" baseline="0" dirty="0" err="1">
-                <a:ln>
-                  <a:noFill/>
-                </a:ln>
-                <a:solidFill>
-                  <a:srgbClr val="000000"/>
-                </a:solidFill>
-                <a:effectLst/>
-                <a:latin typeface="Lucida Console" panose="020B0609040504020204" pitchFamily="49" charset="0"/>
-              </a:rPr>
-              <a:t>RelationshipSatisfaction</a:t>
-            </a:r>
-            <a:r>
-              <a:rPr kumimoji="0" lang="en-US" altLang="en-US" sz="1000" b="0" i="0" u="none" strike="noStrike" cap="none" normalizeH="0" baseline="0" dirty="0">
-                <a:ln>
-                  <a:noFill/>
-                </a:ln>
-                <a:solidFill>
-                  <a:srgbClr val="000000"/>
-                </a:solidFill>
-                <a:effectLst/>
-                <a:latin typeface="Lucida Console" panose="020B0609040504020204" pitchFamily="49" charset="0"/>
-              </a:rPr>
-              <a:t>" "</a:t>
-            </a:r>
-            <a:r>
-              <a:rPr kumimoji="0" lang="en-US" altLang="en-US" sz="1000" b="0" i="0" u="none" strike="noStrike" cap="none" normalizeH="0" baseline="0" dirty="0" err="1">
-                <a:ln>
-                  <a:noFill/>
-                </a:ln>
-                <a:solidFill>
-                  <a:srgbClr val="000000"/>
-                </a:solidFill>
-                <a:effectLst/>
-                <a:latin typeface="Lucida Console" panose="020B0609040504020204" pitchFamily="49" charset="0"/>
-              </a:rPr>
-              <a:t>StandardHours</a:t>
-            </a:r>
-            <a:r>
-              <a:rPr kumimoji="0" lang="en-US" altLang="en-US" sz="1000" b="0" i="0" u="none" strike="noStrike" cap="none" normalizeH="0" baseline="0" dirty="0">
-                <a:ln>
-                  <a:noFill/>
-                </a:ln>
-                <a:solidFill>
-                  <a:srgbClr val="000000"/>
-                </a:solidFill>
-                <a:effectLst/>
-                <a:latin typeface="Lucida Console" panose="020B0609040504020204" pitchFamily="49" charset="0"/>
-              </a:rPr>
-              <a:t>" "</a:t>
-            </a:r>
-            <a:r>
-              <a:rPr kumimoji="0" lang="en-US" altLang="en-US" sz="1000" b="0" i="0" u="none" strike="noStrike" cap="none" normalizeH="0" baseline="0" dirty="0" err="1">
-                <a:ln>
-                  <a:noFill/>
-                </a:ln>
-                <a:solidFill>
-                  <a:srgbClr val="000000"/>
-                </a:solidFill>
-                <a:effectLst/>
-                <a:latin typeface="Lucida Console" panose="020B0609040504020204" pitchFamily="49" charset="0"/>
-              </a:rPr>
-              <a:t>StockOptionLevel</a:t>
-            </a:r>
-            <a:r>
-              <a:rPr kumimoji="0" lang="en-US" altLang="en-US" sz="1000" b="0" i="0" u="none" strike="noStrike" cap="none" normalizeH="0" baseline="0" dirty="0">
-                <a:ln>
-                  <a:noFill/>
-                </a:ln>
-                <a:solidFill>
-                  <a:srgbClr val="000000"/>
-                </a:solidFill>
-                <a:effectLst/>
-                <a:latin typeface="Lucida Console" panose="020B0609040504020204" pitchFamily="49" charset="0"/>
-              </a:rPr>
-              <a:t>" "</a:t>
-            </a:r>
-            <a:r>
-              <a:rPr kumimoji="0" lang="en-US" altLang="en-US" sz="1000" b="0" i="0" u="none" strike="noStrike" cap="none" normalizeH="0" baseline="0" dirty="0" err="1">
-                <a:ln>
-                  <a:noFill/>
-                </a:ln>
-                <a:solidFill>
-                  <a:srgbClr val="000000"/>
-                </a:solidFill>
-                <a:effectLst/>
-                <a:latin typeface="Lucida Console" panose="020B0609040504020204" pitchFamily="49" charset="0"/>
-              </a:rPr>
-              <a:t>TotalWorkingYears</a:t>
-            </a:r>
-            <a:r>
-              <a:rPr kumimoji="0" lang="en-US" altLang="en-US" sz="1000" b="0" i="0" u="none" strike="noStrike" cap="none" normalizeH="0" baseline="0" dirty="0">
-                <a:ln>
-                  <a:noFill/>
-                </a:ln>
-                <a:solidFill>
-                  <a:srgbClr val="000000"/>
-                </a:solidFill>
-                <a:effectLst/>
-                <a:latin typeface="Lucida Console" panose="020B0609040504020204" pitchFamily="49" charset="0"/>
-              </a:rPr>
-              <a:t>" "</a:t>
-            </a:r>
-            <a:r>
-              <a:rPr kumimoji="0" lang="en-US" altLang="en-US" sz="1000" b="0" i="0" u="none" strike="noStrike" cap="none" normalizeH="0" baseline="0" dirty="0" err="1">
-                <a:ln>
-                  <a:noFill/>
-                </a:ln>
-                <a:solidFill>
-                  <a:srgbClr val="000000"/>
-                </a:solidFill>
-                <a:effectLst/>
-                <a:latin typeface="Lucida Console" panose="020B0609040504020204" pitchFamily="49" charset="0"/>
-              </a:rPr>
-              <a:t>TrainingTimesLastYear</a:t>
-            </a:r>
-            <a:r>
-              <a:rPr kumimoji="0" lang="en-US" altLang="en-US" sz="1000" b="0" i="0" u="none" strike="noStrike" cap="none" normalizeH="0" baseline="0" dirty="0">
-                <a:ln>
-                  <a:noFill/>
-                </a:ln>
-                <a:solidFill>
-                  <a:srgbClr val="000000"/>
-                </a:solidFill>
-                <a:effectLst/>
-                <a:latin typeface="Lucida Console" panose="020B0609040504020204" pitchFamily="49" charset="0"/>
-              </a:rPr>
-              <a:t>" </a:t>
-            </a:r>
-          </a:p>
-          <a:p>
-            <a:pPr marR="0" lvl="0" algn="l" defTabSz="914400" rtl="0" eaLnBrk="0" fontAlgn="base" latinLnBrk="0" hangingPunct="0">
-              <a:lnSpc>
-                <a:spcPct val="100000"/>
-              </a:lnSpc>
-              <a:spcBef>
-                <a:spcPct val="0"/>
-              </a:spcBef>
-              <a:spcAft>
-                <a:spcPct val="0"/>
-              </a:spcAft>
-              <a:buClrTx/>
-              <a:buSzTx/>
-              <a:buFont typeface="Wingdings" panose="05000000000000000000" pitchFamily="2" charset="2"/>
-              <a:buChar char="Ø"/>
-              <a:tabLst/>
-            </a:pPr>
-            <a:r>
-              <a:rPr kumimoji="0" lang="en-US" altLang="en-US" sz="1000" b="0" i="0" u="none" strike="noStrike" cap="none" normalizeH="0" baseline="0" dirty="0">
-                <a:ln>
-                  <a:noFill/>
-                </a:ln>
-                <a:solidFill>
-                  <a:srgbClr val="000000"/>
-                </a:solidFill>
-                <a:effectLst/>
-                <a:latin typeface="Lucida Console" panose="020B0609040504020204" pitchFamily="49" charset="0"/>
-              </a:rPr>
-              <a:t>[31] "</a:t>
-            </a:r>
-            <a:r>
-              <a:rPr kumimoji="0" lang="en-US" altLang="en-US" sz="1000" b="0" i="0" u="none" strike="noStrike" cap="none" normalizeH="0" baseline="0" dirty="0" err="1">
-                <a:ln>
-                  <a:noFill/>
-                </a:ln>
-                <a:solidFill>
-                  <a:srgbClr val="000000"/>
-                </a:solidFill>
-                <a:effectLst/>
-                <a:latin typeface="Lucida Console" panose="020B0609040504020204" pitchFamily="49" charset="0"/>
-              </a:rPr>
-              <a:t>WorkLifeBalance</a:t>
-            </a:r>
-            <a:r>
-              <a:rPr kumimoji="0" lang="en-US" altLang="en-US" sz="1000" b="0" i="0" u="none" strike="noStrike" cap="none" normalizeH="0" baseline="0" dirty="0">
-                <a:ln>
-                  <a:noFill/>
-                </a:ln>
-                <a:solidFill>
-                  <a:srgbClr val="000000"/>
-                </a:solidFill>
-                <a:effectLst/>
-                <a:latin typeface="Lucida Console" panose="020B0609040504020204" pitchFamily="49" charset="0"/>
-              </a:rPr>
-              <a:t>" "</a:t>
-            </a:r>
-            <a:r>
-              <a:rPr kumimoji="0" lang="en-US" altLang="en-US" sz="1000" b="0" i="0" u="none" strike="noStrike" cap="none" normalizeH="0" baseline="0" dirty="0" err="1">
-                <a:ln>
-                  <a:noFill/>
-                </a:ln>
-                <a:solidFill>
-                  <a:srgbClr val="000000"/>
-                </a:solidFill>
-                <a:effectLst/>
-                <a:latin typeface="Lucida Console" panose="020B0609040504020204" pitchFamily="49" charset="0"/>
-              </a:rPr>
-              <a:t>YearsAtCompany</a:t>
-            </a:r>
-            <a:r>
-              <a:rPr kumimoji="0" lang="en-US" altLang="en-US" sz="1000" b="0" i="0" u="none" strike="noStrike" cap="none" normalizeH="0" baseline="0" dirty="0">
-                <a:ln>
-                  <a:noFill/>
-                </a:ln>
-                <a:solidFill>
-                  <a:srgbClr val="000000"/>
-                </a:solidFill>
-                <a:effectLst/>
-                <a:latin typeface="Lucida Console" panose="020B0609040504020204" pitchFamily="49" charset="0"/>
-              </a:rPr>
-              <a:t>" "</a:t>
-            </a:r>
-            <a:r>
-              <a:rPr kumimoji="0" lang="en-US" altLang="en-US" sz="1000" b="0" i="0" u="none" strike="noStrike" cap="none" normalizeH="0" baseline="0" dirty="0" err="1">
-                <a:ln>
-                  <a:noFill/>
-                </a:ln>
-                <a:solidFill>
-                  <a:srgbClr val="000000"/>
-                </a:solidFill>
-                <a:effectLst/>
-                <a:latin typeface="Lucida Console" panose="020B0609040504020204" pitchFamily="49" charset="0"/>
-              </a:rPr>
-              <a:t>YearsInCurrentRole</a:t>
-            </a:r>
-            <a:r>
-              <a:rPr kumimoji="0" lang="en-US" altLang="en-US" sz="1000" b="0" i="0" u="none" strike="noStrike" cap="none" normalizeH="0" baseline="0" dirty="0">
-                <a:ln>
-                  <a:noFill/>
-                </a:ln>
-                <a:solidFill>
-                  <a:srgbClr val="000000"/>
-                </a:solidFill>
-                <a:effectLst/>
-                <a:latin typeface="Lucida Console" panose="020B0609040504020204" pitchFamily="49" charset="0"/>
-              </a:rPr>
-              <a:t>" "</a:t>
-            </a:r>
-            <a:r>
-              <a:rPr kumimoji="0" lang="en-US" altLang="en-US" sz="1000" b="0" i="0" u="none" strike="noStrike" cap="none" normalizeH="0" baseline="0" dirty="0" err="1">
-                <a:ln>
-                  <a:noFill/>
-                </a:ln>
-                <a:solidFill>
-                  <a:srgbClr val="000000"/>
-                </a:solidFill>
-                <a:effectLst/>
-                <a:latin typeface="Lucida Console" panose="020B0609040504020204" pitchFamily="49" charset="0"/>
-              </a:rPr>
-              <a:t>YearsSinceLastPromotion</a:t>
-            </a:r>
-            <a:r>
-              <a:rPr kumimoji="0" lang="en-US" altLang="en-US" sz="1000" b="0" i="0" u="none" strike="noStrike" cap="none" normalizeH="0" baseline="0" dirty="0">
-                <a:ln>
-                  <a:noFill/>
-                </a:ln>
-                <a:solidFill>
-                  <a:srgbClr val="000000"/>
-                </a:solidFill>
-                <a:effectLst/>
-                <a:latin typeface="Lucida Console" panose="020B0609040504020204" pitchFamily="49" charset="0"/>
-              </a:rPr>
-              <a:t>" "</a:t>
-            </a:r>
-            <a:r>
-              <a:rPr kumimoji="0" lang="en-US" altLang="en-US" sz="1000" b="0" i="0" u="none" strike="noStrike" cap="none" normalizeH="0" baseline="0" dirty="0" err="1">
-                <a:ln>
-                  <a:noFill/>
-                </a:ln>
-                <a:solidFill>
-                  <a:srgbClr val="000000"/>
-                </a:solidFill>
-                <a:effectLst/>
-                <a:latin typeface="Lucida Console" panose="020B0609040504020204" pitchFamily="49" charset="0"/>
-              </a:rPr>
-              <a:t>YearsWithCurrManager</a:t>
-            </a:r>
-            <a:r>
-              <a:rPr kumimoji="0" lang="en-US" altLang="en-US" sz="1000" b="0" i="0" u="none" strike="noStrike" cap="none" normalizeH="0" baseline="0" dirty="0">
-                <a:ln>
-                  <a:noFill/>
-                </a:ln>
-                <a:solidFill>
-                  <a:srgbClr val="000000"/>
-                </a:solidFill>
-                <a:effectLst/>
-                <a:latin typeface="Lucida Console" panose="020B0609040504020204" pitchFamily="49" charset="0"/>
-              </a:rPr>
-              <a:t>" </a:t>
-            </a:r>
-            <a:endParaRPr kumimoji="0" lang="en-US" altLang="en-US" sz="1800" b="0" i="0" u="none" strike="noStrike" cap="none" normalizeH="0" baseline="0" dirty="0">
-              <a:ln>
-                <a:noFill/>
-              </a:ln>
-              <a:solidFill>
-                <a:schemeClr val="tx1"/>
-              </a:solidFill>
-              <a:effectLst/>
-              <a:latin typeface="Arial" panose="020B0604020202020204" pitchFamily="34" charset="0"/>
-            </a:endParaRPr>
-          </a:p>
-        </p:txBody>
-      </p:sp>
-      <p:sp>
-        <p:nvSpPr>
-          <p:cNvPr id="4" name="Content Placeholder 2">
-            <a:extLst>
-              <a:ext uri="{FF2B5EF4-FFF2-40B4-BE49-F238E27FC236}">
-                <a16:creationId xmlns:a16="http://schemas.microsoft.com/office/drawing/2014/main" id="{9BAB3DB7-62C2-4A2F-8D61-BC962C8DF26A}"/>
-              </a:ext>
-            </a:extLst>
-          </p:cNvPr>
-          <p:cNvSpPr txBox="1">
-            <a:spLocks/>
-          </p:cNvSpPr>
-          <p:nvPr/>
-        </p:nvSpPr>
-        <p:spPr>
-          <a:xfrm>
-            <a:off x="787400" y="2946399"/>
-            <a:ext cx="10515600" cy="3546476"/>
-          </a:xfrm>
-          <a:prstGeom prst="rect">
-            <a:avLst/>
-          </a:prstGeom>
-        </p:spPr>
-        <p:txBody>
-          <a:bodyPr vert="horz" lIns="91440" tIns="45720" rIns="91440" bIns="45720" rtlCol="0">
-            <a:normAutofit fontScale="47500" lnSpcReduction="20000"/>
-          </a:bodyPr>
-          <a:lstStyle>
-            <a:lvl1pPr marL="228600" indent="-228600" algn="l" defTabSz="914400" rtl="0" eaLnBrk="1" latinLnBrk="0" hangingPunct="1">
-              <a:lnSpc>
-                <a:spcPct val="90000"/>
-              </a:lnSpc>
-              <a:spcBef>
-                <a:spcPts val="1000"/>
-              </a:spcBef>
-              <a:buFont typeface="Arial" panose="020B0604020202020204" pitchFamily="34" charset="0"/>
-              <a:buChar char="•"/>
-              <a:defRPr sz="2800" kern="1200">
-                <a:solidFill>
-                  <a:schemeClr val="tx1"/>
-                </a:solidFill>
-                <a:latin typeface="+mn-lt"/>
-                <a:ea typeface="+mn-ea"/>
-                <a:cs typeface="+mn-cs"/>
-              </a:defRPr>
-            </a:lvl1pPr>
-            <a:lvl2pPr marL="685800" indent="-228600" algn="l" defTabSz="914400" rtl="0" eaLnBrk="1" latinLnBrk="0" hangingPunct="1">
-              <a:lnSpc>
-                <a:spcPct val="90000"/>
-              </a:lnSpc>
-              <a:spcBef>
-                <a:spcPts val="500"/>
-              </a:spcBef>
-              <a:buFont typeface="Arial" panose="020B0604020202020204" pitchFamily="34" charset="0"/>
-              <a:buChar char="•"/>
-              <a:defRPr sz="2400" kern="1200">
-                <a:solidFill>
-                  <a:schemeClr val="tx1"/>
-                </a:solidFill>
-                <a:latin typeface="+mn-lt"/>
-                <a:ea typeface="+mn-ea"/>
-                <a:cs typeface="+mn-cs"/>
-              </a:defRPr>
-            </a:lvl2pPr>
-            <a:lvl3pPr marL="1143000" indent="-228600" algn="l" defTabSz="914400" rtl="0" eaLnBrk="1" latinLnBrk="0" hangingPunct="1">
-              <a:lnSpc>
-                <a:spcPct val="90000"/>
-              </a:lnSpc>
-              <a:spcBef>
-                <a:spcPts val="500"/>
-              </a:spcBef>
-              <a:buFont typeface="Arial" panose="020B0604020202020204" pitchFamily="34" charset="0"/>
-              <a:buChar char="•"/>
-              <a:defRPr sz="2000" kern="1200">
-                <a:solidFill>
-                  <a:schemeClr val="tx1"/>
-                </a:solidFill>
-                <a:latin typeface="+mn-lt"/>
-                <a:ea typeface="+mn-ea"/>
-                <a:cs typeface="+mn-cs"/>
-              </a:defRPr>
-            </a:lvl3pPr>
-            <a:lvl4pPr marL="1600200" indent="-228600" algn="l" defTabSz="914400" rtl="0" eaLnBrk="1" latinLnBrk="0" hangingPunct="1">
-              <a:lnSpc>
-                <a:spcPct val="90000"/>
-              </a:lnSpc>
-              <a:spcBef>
-                <a:spcPts val="500"/>
-              </a:spcBef>
-              <a:buFont typeface="Arial" panose="020B0604020202020204" pitchFamily="34" charset="0"/>
-              <a:buChar char="•"/>
-              <a:defRPr sz="1800" kern="1200">
-                <a:solidFill>
-                  <a:schemeClr val="tx1"/>
-                </a:solidFill>
-                <a:latin typeface="+mn-lt"/>
-                <a:ea typeface="+mn-ea"/>
-                <a:cs typeface="+mn-cs"/>
-              </a:defRPr>
-            </a:lvl4pPr>
-            <a:lvl5pPr marL="2057400" indent="-228600" algn="l" defTabSz="914400" rtl="0" eaLnBrk="1" latinLnBrk="0" hangingPunct="1">
-              <a:lnSpc>
-                <a:spcPct val="90000"/>
-              </a:lnSpc>
-              <a:spcBef>
-                <a:spcPts val="500"/>
-              </a:spcBef>
-              <a:buFont typeface="Arial" panose="020B0604020202020204" pitchFamily="34" charset="0"/>
-              <a:buChar char="•"/>
-              <a:defRPr sz="1800" kern="1200">
-                <a:solidFill>
-                  <a:schemeClr val="tx1"/>
-                </a:solidFill>
-                <a:latin typeface="+mn-lt"/>
-                <a:ea typeface="+mn-ea"/>
-                <a:cs typeface="+mn-cs"/>
-              </a:defRPr>
-            </a:lvl5pPr>
-            <a:lvl6pPr marL="2514600" indent="-228600" algn="l" defTabSz="914400" rtl="0" eaLnBrk="1" latinLnBrk="0" hangingPunct="1">
-              <a:lnSpc>
-                <a:spcPct val="90000"/>
-              </a:lnSpc>
-              <a:spcBef>
-                <a:spcPts val="500"/>
-              </a:spcBef>
-              <a:buFont typeface="Arial" panose="020B0604020202020204" pitchFamily="34" charset="0"/>
-              <a:buChar char="•"/>
-              <a:defRPr sz="1800" kern="1200">
-                <a:solidFill>
-                  <a:schemeClr val="tx1"/>
-                </a:solidFill>
-                <a:latin typeface="+mn-lt"/>
-                <a:ea typeface="+mn-ea"/>
-                <a:cs typeface="+mn-cs"/>
-              </a:defRPr>
-            </a:lvl6pPr>
-            <a:lvl7pPr marL="2971800" indent="-228600" algn="l" defTabSz="914400" rtl="0" eaLnBrk="1" latinLnBrk="0" hangingPunct="1">
-              <a:lnSpc>
-                <a:spcPct val="90000"/>
-              </a:lnSpc>
-              <a:spcBef>
-                <a:spcPts val="500"/>
-              </a:spcBef>
-              <a:buFont typeface="Arial" panose="020B0604020202020204" pitchFamily="34" charset="0"/>
-              <a:buChar char="•"/>
-              <a:defRPr sz="1800" kern="1200">
-                <a:solidFill>
-                  <a:schemeClr val="tx1"/>
-                </a:solidFill>
-                <a:latin typeface="+mn-lt"/>
-                <a:ea typeface="+mn-ea"/>
-                <a:cs typeface="+mn-cs"/>
-              </a:defRPr>
-            </a:lvl7pPr>
-            <a:lvl8pPr marL="3429000" indent="-228600" algn="l" defTabSz="914400" rtl="0" eaLnBrk="1" latinLnBrk="0" hangingPunct="1">
-              <a:lnSpc>
-                <a:spcPct val="90000"/>
-              </a:lnSpc>
-              <a:spcBef>
-                <a:spcPts val="500"/>
-              </a:spcBef>
-              <a:buFont typeface="Arial" panose="020B0604020202020204" pitchFamily="34" charset="0"/>
-              <a:buChar char="•"/>
-              <a:defRPr sz="1800" kern="1200">
-                <a:solidFill>
-                  <a:schemeClr val="tx1"/>
-                </a:solidFill>
-                <a:latin typeface="+mn-lt"/>
-                <a:ea typeface="+mn-ea"/>
-                <a:cs typeface="+mn-cs"/>
-              </a:defRPr>
-            </a:lvl8pPr>
-            <a:lvl9pPr marL="3886200" indent="-228600" algn="l" defTabSz="914400" rtl="0" eaLnBrk="1" latinLnBrk="0" hangingPunct="1">
-              <a:lnSpc>
-                <a:spcPct val="90000"/>
-              </a:lnSpc>
-              <a:spcBef>
-                <a:spcPts val="500"/>
-              </a:spcBef>
-              <a:buFont typeface="Arial" panose="020B0604020202020204" pitchFamily="34" charset="0"/>
-              <a:buChar char="•"/>
-              <a:defRPr sz="1800" kern="1200">
-                <a:solidFill>
-                  <a:schemeClr val="tx1"/>
-                </a:solidFill>
-                <a:latin typeface="+mn-lt"/>
-                <a:ea typeface="+mn-ea"/>
-                <a:cs typeface="+mn-cs"/>
-              </a:defRPr>
-            </a:lvl9pPr>
-          </a:lstStyle>
-          <a:p>
             <a:r>
               <a:rPr lang="en-US" dirty="0"/>
-              <a:t>Potential Trends related to attrition:</a:t>
-            </a:r>
-          </a:p>
-          <a:p>
-            <a:pPr lvl="1"/>
-            <a:r>
-              <a:rPr lang="en-US" dirty="0"/>
-              <a:t>Age related to Attrition</a:t>
-            </a:r>
-          </a:p>
-          <a:p>
-            <a:pPr lvl="2"/>
-            <a:r>
-              <a:rPr lang="en-US" dirty="0"/>
-              <a:t>People retire, midlife crisis?</a:t>
-            </a:r>
-          </a:p>
-          <a:p>
-            <a:pPr lvl="1"/>
-            <a:r>
-              <a:rPr lang="en-US" dirty="0" err="1"/>
-              <a:t>WorklifeBalance</a:t>
-            </a:r>
-            <a:endParaRPr lang="en-US" dirty="0"/>
-          </a:p>
-          <a:p>
-            <a:pPr lvl="2"/>
-            <a:r>
-              <a:rPr lang="en-US" dirty="0"/>
-              <a:t>People retire, midlife crisis?</a:t>
-            </a:r>
-          </a:p>
-          <a:p>
-            <a:pPr lvl="1"/>
-            <a:r>
-              <a:rPr lang="en-US" dirty="0" err="1"/>
-              <a:t>JobInvolvment</a:t>
-            </a:r>
-            <a:r>
-              <a:rPr lang="en-US" dirty="0"/>
-              <a:t>/</a:t>
-            </a:r>
-            <a:r>
-              <a:rPr lang="en-US" dirty="0" err="1"/>
-              <a:t>JobSatisfaction</a:t>
-            </a:r>
-            <a:endParaRPr lang="en-US" dirty="0"/>
-          </a:p>
-          <a:p>
-            <a:pPr lvl="2"/>
-            <a:r>
-              <a:rPr lang="en-US" dirty="0"/>
-              <a:t>Are people bored? Are they engaged? Too much work?</a:t>
-            </a:r>
-          </a:p>
-          <a:p>
-            <a:pPr lvl="1"/>
-            <a:r>
-              <a:rPr lang="en-US" dirty="0"/>
-              <a:t>Years at company</a:t>
-            </a:r>
-          </a:p>
-          <a:p>
-            <a:pPr lvl="2"/>
-            <a:r>
-              <a:rPr lang="en-US" dirty="0"/>
-              <a:t>Do the longer people work at company deter them more from leaving?</a:t>
-            </a:r>
-          </a:p>
-          <a:p>
-            <a:pPr lvl="1"/>
-            <a:r>
-              <a:rPr lang="en-US" dirty="0"/>
-              <a:t>Job Role</a:t>
-            </a:r>
-          </a:p>
-          <a:p>
-            <a:pPr lvl="2"/>
-            <a:r>
-              <a:rPr lang="en-US" dirty="0"/>
-              <a:t>What jobs have the most people leaving? </a:t>
-            </a:r>
-          </a:p>
-          <a:p>
-            <a:pPr lvl="1"/>
-            <a:r>
-              <a:rPr lang="en-US" dirty="0"/>
-              <a:t>Monthly Income</a:t>
-            </a:r>
-          </a:p>
-          <a:p>
-            <a:pPr lvl="2"/>
-            <a:r>
-              <a:rPr lang="en-US" dirty="0"/>
-              <a:t>Is there an average wage that causes people to leave?</a:t>
-            </a:r>
-          </a:p>
-          <a:p>
-            <a:pPr lvl="1"/>
-            <a:r>
-              <a:rPr lang="en-US" dirty="0"/>
-              <a:t>Gender</a:t>
-            </a:r>
-          </a:p>
-          <a:p>
-            <a:pPr lvl="2"/>
-            <a:r>
-              <a:rPr lang="en-US" dirty="0"/>
-              <a:t>Which gender is leaving more? </a:t>
-            </a:r>
-          </a:p>
-          <a:p>
-            <a:pPr marL="914400" lvl="2" indent="0">
-              <a:buNone/>
-            </a:pPr>
-            <a:endParaRPr lang="en-US" dirty="0"/>
-          </a:p>
-          <a:p>
-            <a:pPr lvl="2"/>
-            <a:endParaRPr lang="en-US" dirty="0"/>
-          </a:p>
-          <a:p>
-            <a:pPr marL="914400" lvl="2" indent="0">
-              <a:buNone/>
-            </a:pPr>
-            <a:endParaRPr lang="en-US" dirty="0"/>
-          </a:p>
-          <a:p>
-            <a:pPr marL="914400" lvl="2" indent="0">
-              <a:buNone/>
-            </a:pPr>
-            <a:r>
-              <a:rPr lang="en-US" dirty="0"/>
-              <a:t> </a:t>
-            </a:r>
-          </a:p>
-          <a:p>
-            <a:pPr marL="914400" lvl="2" indent="0">
-              <a:buNone/>
-            </a:pPr>
-            <a:endParaRPr lang="en-US" dirty="0"/>
+              <a:t>From graphs, reiterate the variables we’ve chosen and the trends we find most interesting.</a:t>
+            </a:r>
           </a:p>
         </p:txBody>
       </p:sp>
     </p:spTree>
     <p:extLst>
       <p:ext uri="{BB962C8B-B14F-4D97-AF65-F5344CB8AC3E}">
-        <p14:creationId xmlns:p14="http://schemas.microsoft.com/office/powerpoint/2010/main" val="2852773575"/>
+        <p14:creationId xmlns:p14="http://schemas.microsoft.com/office/powerpoint/2010/main" val="1279829978"/>
       </p:ext>
     </p:extLst>
   </p:cSld>

--- a/case_study_02_presentation.pptx
+++ b/case_study_02_presentation.pptx
@@ -10,23 +10,27 @@
     <p:sldId id="265" r:id="rId4"/>
     <p:sldId id="266" r:id="rId5"/>
     <p:sldId id="276" r:id="rId6"/>
-    <p:sldId id="279" r:id="rId7"/>
-    <p:sldId id="278" r:id="rId8"/>
-    <p:sldId id="267" r:id="rId9"/>
-    <p:sldId id="269" r:id="rId10"/>
-    <p:sldId id="256" r:id="rId11"/>
-    <p:sldId id="257" r:id="rId12"/>
-    <p:sldId id="270" r:id="rId13"/>
-    <p:sldId id="271" r:id="rId14"/>
-    <p:sldId id="272" r:id="rId15"/>
-    <p:sldId id="273" r:id="rId16"/>
-    <p:sldId id="274" r:id="rId17"/>
-    <p:sldId id="258" r:id="rId18"/>
-    <p:sldId id="259" r:id="rId19"/>
-    <p:sldId id="260" r:id="rId20"/>
-    <p:sldId id="261" r:id="rId21"/>
-    <p:sldId id="262" r:id="rId22"/>
-    <p:sldId id="263" r:id="rId23"/>
+    <p:sldId id="284" r:id="rId7"/>
+    <p:sldId id="285" r:id="rId8"/>
+    <p:sldId id="281" r:id="rId9"/>
+    <p:sldId id="283" r:id="rId10"/>
+    <p:sldId id="280" r:id="rId11"/>
+    <p:sldId id="282" r:id="rId12"/>
+    <p:sldId id="278" r:id="rId13"/>
+    <p:sldId id="267" r:id="rId14"/>
+    <p:sldId id="269" r:id="rId15"/>
+    <p:sldId id="256" r:id="rId16"/>
+    <p:sldId id="257" r:id="rId17"/>
+    <p:sldId id="270" r:id="rId18"/>
+    <p:sldId id="271" r:id="rId19"/>
+    <p:sldId id="272" r:id="rId20"/>
+    <p:sldId id="273" r:id="rId21"/>
+    <p:sldId id="274" r:id="rId22"/>
+    <p:sldId id="259" r:id="rId23"/>
+    <p:sldId id="260" r:id="rId24"/>
+    <p:sldId id="261" r:id="rId25"/>
+    <p:sldId id="262" r:id="rId26"/>
+    <p:sldId id="263" r:id="rId27"/>
   </p:sldIdLst>
   <p:sldSz cx="12192000" cy="6858000"/>
   <p:notesSz cx="6858000" cy="9144000"/>
@@ -139,7 +143,12 @@
         <p14:section name="Story" id="{0D082006-2A04-495E-9CE1-8FEA757F5F91}">
           <p14:sldIdLst>
             <p14:sldId id="276"/>
-            <p14:sldId id="279"/>
+            <p14:sldId id="284"/>
+            <p14:sldId id="285"/>
+            <p14:sldId id="281"/>
+            <p14:sldId id="283"/>
+            <p14:sldId id="280"/>
+            <p14:sldId id="282"/>
             <p14:sldId id="278"/>
             <p14:sldId id="267"/>
           </p14:sldIdLst>
@@ -158,7 +167,6 @@
             <p14:sldId id="272"/>
             <p14:sldId id="273"/>
             <p14:sldId id="274"/>
-            <p14:sldId id="258"/>
             <p14:sldId id="259"/>
             <p14:sldId id="260"/>
             <p14:sldId id="261"/>
@@ -361,7 +369,7 @@
           <a:p>
             <a:fld id="{08B136E0-DE68-48F8-B9E2-21BBDA41EF35}" type="datetimeFigureOut">
               <a:rPr lang="en-US" smtClean="0"/>
-              <a:t>4/13/2019</a:t>
+              <a:t>4/14/2019</a:t>
             </a:fld>
             <a:endParaRPr lang="en-US"/>
           </a:p>
@@ -636,7 +644,7 @@
           <a:p>
             <a:fld id="{08B136E0-DE68-48F8-B9E2-21BBDA41EF35}" type="datetimeFigureOut">
               <a:rPr lang="en-US" smtClean="0"/>
-              <a:t>4/13/2019</a:t>
+              <a:t>4/14/2019</a:t>
             </a:fld>
             <a:endParaRPr lang="en-US"/>
           </a:p>
@@ -830,7 +838,7 @@
           <a:p>
             <a:fld id="{08B136E0-DE68-48F8-B9E2-21BBDA41EF35}" type="datetimeFigureOut">
               <a:rPr lang="en-US" smtClean="0"/>
-              <a:t>4/13/2019</a:t>
+              <a:t>4/14/2019</a:t>
             </a:fld>
             <a:endParaRPr lang="en-US"/>
           </a:p>
@@ -1103,7 +1111,7 @@
           <a:p>
             <a:fld id="{08B136E0-DE68-48F8-B9E2-21BBDA41EF35}" type="datetimeFigureOut">
               <a:rPr lang="en-US" smtClean="0"/>
-              <a:t>4/13/2019</a:t>
+              <a:t>4/14/2019</a:t>
             </a:fld>
             <a:endParaRPr lang="en-US"/>
           </a:p>
@@ -1444,7 +1452,7 @@
           <a:p>
             <a:fld id="{08B136E0-DE68-48F8-B9E2-21BBDA41EF35}" type="datetimeFigureOut">
               <a:rPr lang="en-US" smtClean="0"/>
-              <a:t>4/13/2019</a:t>
+              <a:t>4/14/2019</a:t>
             </a:fld>
             <a:endParaRPr lang="en-US"/>
           </a:p>
@@ -2067,7 +2075,7 @@
           <a:p>
             <a:fld id="{08B136E0-DE68-48F8-B9E2-21BBDA41EF35}" type="datetimeFigureOut">
               <a:rPr lang="en-US" smtClean="0"/>
-              <a:t>4/13/2019</a:t>
+              <a:t>4/14/2019</a:t>
             </a:fld>
             <a:endParaRPr lang="en-US"/>
           </a:p>
@@ -2927,7 +2935,7 @@
           <a:p>
             <a:fld id="{08B136E0-DE68-48F8-B9E2-21BBDA41EF35}" type="datetimeFigureOut">
               <a:rPr lang="en-US" smtClean="0"/>
-              <a:t>4/13/2019</a:t>
+              <a:t>4/14/2019</a:t>
             </a:fld>
             <a:endParaRPr lang="en-US"/>
           </a:p>
@@ -3097,7 +3105,7 @@
           <a:p>
             <a:fld id="{08B136E0-DE68-48F8-B9E2-21BBDA41EF35}" type="datetimeFigureOut">
               <a:rPr lang="en-US" smtClean="0"/>
-              <a:t>4/13/2019</a:t>
+              <a:t>4/14/2019</a:t>
             </a:fld>
             <a:endParaRPr lang="en-US"/>
           </a:p>
@@ -3277,7 +3285,7 @@
           <a:p>
             <a:fld id="{08B136E0-DE68-48F8-B9E2-21BBDA41EF35}" type="datetimeFigureOut">
               <a:rPr lang="en-US" smtClean="0"/>
-              <a:t>4/13/2019</a:t>
+              <a:t>4/14/2019</a:t>
             </a:fld>
             <a:endParaRPr lang="en-US"/>
           </a:p>
@@ -3447,7 +3455,7 @@
           <a:p>
             <a:fld id="{08B136E0-DE68-48F8-B9E2-21BBDA41EF35}" type="datetimeFigureOut">
               <a:rPr lang="en-US" smtClean="0"/>
-              <a:t>4/13/2019</a:t>
+              <a:t>4/14/2019</a:t>
             </a:fld>
             <a:endParaRPr lang="en-US"/>
           </a:p>
@@ -3694,7 +3702,7 @@
           <a:p>
             <a:fld id="{08B136E0-DE68-48F8-B9E2-21BBDA41EF35}" type="datetimeFigureOut">
               <a:rPr lang="en-US" smtClean="0"/>
-              <a:t>4/13/2019</a:t>
+              <a:t>4/14/2019</a:t>
             </a:fld>
             <a:endParaRPr lang="en-US"/>
           </a:p>
@@ -3986,7 +3994,7 @@
           <a:p>
             <a:fld id="{08B136E0-DE68-48F8-B9E2-21BBDA41EF35}" type="datetimeFigureOut">
               <a:rPr lang="en-US" smtClean="0"/>
-              <a:t>4/13/2019</a:t>
+              <a:t>4/14/2019</a:t>
             </a:fld>
             <a:endParaRPr lang="en-US"/>
           </a:p>
@@ -4430,7 +4438,7 @@
           <a:p>
             <a:fld id="{08B136E0-DE68-48F8-B9E2-21BBDA41EF35}" type="datetimeFigureOut">
               <a:rPr lang="en-US" smtClean="0"/>
-              <a:t>4/13/2019</a:t>
+              <a:t>4/14/2019</a:t>
             </a:fld>
             <a:endParaRPr lang="en-US"/>
           </a:p>
@@ -4548,7 +4556,7 @@
           <a:p>
             <a:fld id="{08B136E0-DE68-48F8-B9E2-21BBDA41EF35}" type="datetimeFigureOut">
               <a:rPr lang="en-US" smtClean="0"/>
-              <a:t>4/13/2019</a:t>
+              <a:t>4/14/2019</a:t>
             </a:fld>
             <a:endParaRPr lang="en-US"/>
           </a:p>
@@ -4643,7 +4651,7 @@
           <a:p>
             <a:fld id="{08B136E0-DE68-48F8-B9E2-21BBDA41EF35}" type="datetimeFigureOut">
               <a:rPr lang="en-US" smtClean="0"/>
-              <a:t>4/13/2019</a:t>
+              <a:t>4/14/2019</a:t>
             </a:fld>
             <a:endParaRPr lang="en-US"/>
           </a:p>
@@ -4922,7 +4930,7 @@
           <a:p>
             <a:fld id="{08B136E0-DE68-48F8-B9E2-21BBDA41EF35}" type="datetimeFigureOut">
               <a:rPr lang="en-US" smtClean="0"/>
-              <a:t>4/13/2019</a:t>
+              <a:t>4/14/2019</a:t>
             </a:fld>
             <a:endParaRPr lang="en-US"/>
           </a:p>
@@ -5197,7 +5205,7 @@
           <a:p>
             <a:fld id="{08B136E0-DE68-48F8-B9E2-21BBDA41EF35}" type="datetimeFigureOut">
               <a:rPr lang="en-US" smtClean="0"/>
-              <a:t>4/13/2019</a:t>
+              <a:t>4/14/2019</a:t>
             </a:fld>
             <a:endParaRPr lang="en-US"/>
           </a:p>
@@ -5626,7 +5634,7 @@
           <a:p>
             <a:fld id="{08B136E0-DE68-48F8-B9E2-21BBDA41EF35}" type="datetimeFigureOut">
               <a:rPr lang="en-US" smtClean="0"/>
-              <a:t>4/13/2019</a:t>
+              <a:t>4/14/2019</a:t>
             </a:fld>
             <a:endParaRPr lang="en-US"/>
           </a:p>
@@ -6593,6 +6601,31 @@
 <file path=ppt/slides/slide10.xml><?xml version="1.0" encoding="utf-8"?>
 <p:sld xmlns:a="http://schemas.openxmlformats.org/drawingml/2006/main" xmlns:r="http://schemas.openxmlformats.org/officeDocument/2006/relationships" xmlns:p="http://schemas.openxmlformats.org/presentationml/2006/main">
   <p:cSld>
+    <p:bg>
+      <p:bgPr>
+        <a:blipFill rotWithShape="1">
+          <a:blip r:embed="rId2">
+            <a:duotone>
+              <a:schemeClr val="bg2">
+                <a:shade val="69000"/>
+                <a:hueMod val="108000"/>
+                <a:satMod val="164000"/>
+                <a:lumMod val="74000"/>
+              </a:schemeClr>
+              <a:schemeClr val="bg2">
+                <a:tint val="96000"/>
+                <a:hueMod val="88000"/>
+                <a:satMod val="140000"/>
+                <a:lumMod val="132000"/>
+              </a:schemeClr>
+            </a:duotone>
+            <a:extLst/>
+          </a:blip>
+          <a:stretch/>
+        </a:blipFill>
+        <a:effectLst/>
+      </p:bgPr>
+    </p:bg>
     <p:spTree>
       <p:nvGrpSpPr>
         <p:cNvPr id="1" name=""/>
@@ -6607,6 +6640,1696 @@
           <a:chExt cx="0" cy="0"/>
         </a:xfrm>
       </p:grpSpPr>
+      <p:pic>
+        <p:nvPicPr>
+          <p:cNvPr id="10" name="Picture 9">
+            <a:extLst>
+              <a:ext uri="{FF2B5EF4-FFF2-40B4-BE49-F238E27FC236}">
+                <a16:creationId xmlns:a16="http://schemas.microsoft.com/office/drawing/2014/main" id="{412E3267-7ABE-412B-8580-47EC0D1F61FE}"/>
+              </a:ext>
+              <a:ext uri="{C183D7F6-B498-43B3-948B-1728B52AA6E4}">
+                <adec:decorative xmlns:adec="http://schemas.microsoft.com/office/drawing/2017/decorative" val="1"/>
+              </a:ext>
+            </a:extLst>
+          </p:cNvPr>
+          <p:cNvPicPr>
+            <a:picLocks noGrp="1" noRot="1" noChangeAspect="1" noMove="1" noResize="1" noEditPoints="1" noAdjustHandles="1" noChangeArrowheads="1" noChangeShapeType="1" noCrop="1"/>
+          </p:cNvPicPr>
+          <p:nvPr>
+            <p:extLst>
+              <p:ext uri="{386F3935-93C4-4BCD-93E2-E3B085C9AB24}">
+                <p16:designElem xmlns:p16="http://schemas.microsoft.com/office/powerpoint/2015/main" val="1"/>
+              </p:ext>
+            </p:extLst>
+          </p:nvPr>
+        </p:nvPicPr>
+        <p:blipFill rotWithShape="1">
+          <a:blip r:embed="rId3">
+            <a:extLst>
+              <a:ext uri="{28A0092B-C50C-407E-A947-70E740481C1C}">
+                <a14:useLocalDpi xmlns:a14="http://schemas.microsoft.com/office/drawing/2010/main" val="0"/>
+              </a:ext>
+            </a:extLst>
+          </a:blip>
+          <a:srcRect l="3613"/>
+          <a:stretch/>
+        </p:blipFill>
+        <p:spPr>
+          <a:xfrm>
+            <a:off x="0" y="2669685"/>
+            <a:ext cx="4037012" cy="4188315"/>
+          </a:xfrm>
+          <a:prstGeom prst="rect">
+            <a:avLst/>
+          </a:prstGeom>
+        </p:spPr>
+      </p:pic>
+      <p:pic>
+        <p:nvPicPr>
+          <p:cNvPr id="12" name="Picture 11">
+            <a:extLst>
+              <a:ext uri="{FF2B5EF4-FFF2-40B4-BE49-F238E27FC236}">
+                <a16:creationId xmlns:a16="http://schemas.microsoft.com/office/drawing/2014/main" id="{20B62C5A-2250-4380-AB23-DB87446CCED0}"/>
+              </a:ext>
+              <a:ext uri="{C183D7F6-B498-43B3-948B-1728B52AA6E4}">
+                <adec:decorative xmlns:adec="http://schemas.microsoft.com/office/drawing/2017/decorative" val="1"/>
+              </a:ext>
+            </a:extLst>
+          </p:cNvPr>
+          <p:cNvPicPr>
+            <a:picLocks noGrp="1" noRot="1" noChangeAspect="1" noMove="1" noResize="1" noEditPoints="1" noAdjustHandles="1" noChangeArrowheads="1" noChangeShapeType="1" noCrop="1"/>
+          </p:cNvPicPr>
+          <p:nvPr>
+            <p:extLst>
+              <p:ext uri="{386F3935-93C4-4BCD-93E2-E3B085C9AB24}">
+                <p16:designElem xmlns:p16="http://schemas.microsoft.com/office/powerpoint/2015/main" val="1"/>
+              </p:ext>
+            </p:extLst>
+          </p:nvPr>
+        </p:nvPicPr>
+        <p:blipFill rotWithShape="1">
+          <a:blip r:embed="rId4">
+            <a:extLst>
+              <a:ext uri="{28A0092B-C50C-407E-A947-70E740481C1C}">
+                <a14:useLocalDpi xmlns:a14="http://schemas.microsoft.com/office/drawing/2010/main" val="0"/>
+              </a:ext>
+            </a:extLst>
+          </a:blip>
+          <a:srcRect l="35640"/>
+          <a:stretch/>
+        </p:blipFill>
+        <p:spPr>
+          <a:xfrm>
+            <a:off x="0" y="2892347"/>
+            <a:ext cx="1522412" cy="2365453"/>
+          </a:xfrm>
+          <a:prstGeom prst="rect">
+            <a:avLst/>
+          </a:prstGeom>
+        </p:spPr>
+      </p:pic>
+      <p:sp>
+        <p:nvSpPr>
+          <p:cNvPr id="14" name="Oval 13">
+            <a:extLst>
+              <a:ext uri="{FF2B5EF4-FFF2-40B4-BE49-F238E27FC236}">
+                <a16:creationId xmlns:a16="http://schemas.microsoft.com/office/drawing/2014/main" id="{D42CF425-7213-4F89-B0FF-4C2BDDD9C680}"/>
+              </a:ext>
+              <a:ext uri="{C183D7F6-B498-43B3-948B-1728B52AA6E4}">
+                <adec:decorative xmlns:adec="http://schemas.microsoft.com/office/drawing/2017/decorative" val="1"/>
+              </a:ext>
+            </a:extLst>
+          </p:cNvPr>
+          <p:cNvSpPr>
+            <a:spLocks noGrp="1" noRot="1" noChangeAspect="1" noMove="1" noResize="1" noEditPoints="1" noAdjustHandles="1" noChangeArrowheads="1" noChangeShapeType="1" noTextEdit="1"/>
+          </p:cNvSpPr>
+          <p:nvPr>
+            <p:extLst>
+              <p:ext uri="{386F3935-93C4-4BCD-93E2-E3B085C9AB24}">
+                <p16:designElem xmlns:p16="http://schemas.microsoft.com/office/powerpoint/2015/main" val="1"/>
+              </p:ext>
+            </p:extLst>
+          </p:nvPr>
+        </p:nvSpPr>
+        <p:spPr>
+          <a:xfrm>
+            <a:off x="8609012" y="1676400"/>
+            <a:ext cx="2819400" cy="2819400"/>
+          </a:xfrm>
+          <a:prstGeom prst="ellipse">
+            <a:avLst/>
+          </a:prstGeom>
+          <a:gradFill flip="none" rotWithShape="1">
+            <a:gsLst>
+              <a:gs pos="0">
+                <a:schemeClr val="bg2">
+                  <a:lumMod val="60000"/>
+                  <a:lumOff val="40000"/>
+                  <a:alpha val="7000"/>
+                </a:schemeClr>
+              </a:gs>
+              <a:gs pos="69000">
+                <a:schemeClr val="bg2">
+                  <a:lumMod val="60000"/>
+                  <a:lumOff val="40000"/>
+                  <a:alpha val="0"/>
+                </a:schemeClr>
+              </a:gs>
+              <a:gs pos="36000">
+                <a:schemeClr val="bg2">
+                  <a:lumMod val="60000"/>
+                  <a:lumOff val="40000"/>
+                  <a:alpha val="6000"/>
+                </a:schemeClr>
+              </a:gs>
+            </a:gsLst>
+            <a:path path="circle">
+              <a:fillToRect l="50000" t="50000" r="50000" b="50000"/>
+            </a:path>
+            <a:tileRect/>
+          </a:gradFill>
+          <a:ln>
+            <a:noFill/>
+          </a:ln>
+          <a:effectLst/>
+        </p:spPr>
+        <p:style>
+          <a:lnRef idx="1">
+            <a:schemeClr val="accent1"/>
+          </a:lnRef>
+          <a:fillRef idx="3">
+            <a:schemeClr val="accent1"/>
+          </a:fillRef>
+          <a:effectRef idx="2">
+            <a:schemeClr val="accent1"/>
+          </a:effectRef>
+          <a:fontRef idx="minor">
+            <a:schemeClr val="lt1"/>
+          </a:fontRef>
+        </p:style>
+      </p:sp>
+      <p:pic>
+        <p:nvPicPr>
+          <p:cNvPr id="16" name="Picture 15">
+            <a:extLst>
+              <a:ext uri="{FF2B5EF4-FFF2-40B4-BE49-F238E27FC236}">
+                <a16:creationId xmlns:a16="http://schemas.microsoft.com/office/drawing/2014/main" id="{D35DA97D-88F8-4249-B650-4FC9FD50A382}"/>
+              </a:ext>
+              <a:ext uri="{C183D7F6-B498-43B3-948B-1728B52AA6E4}">
+                <adec:decorative xmlns:adec="http://schemas.microsoft.com/office/drawing/2017/decorative" val="1"/>
+              </a:ext>
+            </a:extLst>
+          </p:cNvPr>
+          <p:cNvPicPr>
+            <a:picLocks noGrp="1" noRot="1" noChangeAspect="1" noMove="1" noResize="1" noEditPoints="1" noAdjustHandles="1" noChangeArrowheads="1" noChangeShapeType="1" noCrop="1"/>
+          </p:cNvPicPr>
+          <p:nvPr>
+            <p:extLst>
+              <p:ext uri="{386F3935-93C4-4BCD-93E2-E3B085C9AB24}">
+                <p16:designElem xmlns:p16="http://schemas.microsoft.com/office/powerpoint/2015/main" val="1"/>
+              </p:ext>
+            </p:extLst>
+          </p:nvPr>
+        </p:nvPicPr>
+        <p:blipFill rotWithShape="1">
+          <a:blip r:embed="rId5">
+            <a:extLst>
+              <a:ext uri="{28A0092B-C50C-407E-A947-70E740481C1C}">
+                <a14:useLocalDpi xmlns:a14="http://schemas.microsoft.com/office/drawing/2010/main" val="0"/>
+              </a:ext>
+            </a:extLst>
+          </a:blip>
+          <a:srcRect t="28813"/>
+          <a:stretch/>
+        </p:blipFill>
+        <p:spPr>
+          <a:xfrm>
+            <a:off x="7999412" y="0"/>
+            <a:ext cx="1603387" cy="1141407"/>
+          </a:xfrm>
+          <a:prstGeom prst="rect">
+            <a:avLst/>
+          </a:prstGeom>
+        </p:spPr>
+      </p:pic>
+      <p:pic>
+        <p:nvPicPr>
+          <p:cNvPr id="18" name="Picture 17">
+            <a:extLst>
+              <a:ext uri="{FF2B5EF4-FFF2-40B4-BE49-F238E27FC236}">
+                <a16:creationId xmlns:a16="http://schemas.microsoft.com/office/drawing/2014/main" id="{43F38673-6E30-4BAE-AC67-0B283EBF4291}"/>
+              </a:ext>
+              <a:ext uri="{C183D7F6-B498-43B3-948B-1728B52AA6E4}">
+                <adec:decorative xmlns:adec="http://schemas.microsoft.com/office/drawing/2017/decorative" val="1"/>
+              </a:ext>
+            </a:extLst>
+          </p:cNvPr>
+          <p:cNvPicPr>
+            <a:picLocks noGrp="1" noRot="1" noChangeAspect="1" noMove="1" noResize="1" noEditPoints="1" noAdjustHandles="1" noChangeArrowheads="1" noChangeShapeType="1" noCrop="1"/>
+          </p:cNvPicPr>
+          <p:nvPr>
+            <p:extLst>
+              <p:ext uri="{386F3935-93C4-4BCD-93E2-E3B085C9AB24}">
+                <p16:designElem xmlns:p16="http://schemas.microsoft.com/office/powerpoint/2015/main" val="1"/>
+              </p:ext>
+            </p:extLst>
+          </p:nvPr>
+        </p:nvPicPr>
+        <p:blipFill rotWithShape="1">
+          <a:blip r:embed="rId6">
+            <a:extLst>
+              <a:ext uri="{28A0092B-C50C-407E-A947-70E740481C1C}">
+                <a14:useLocalDpi xmlns:a14="http://schemas.microsoft.com/office/drawing/2010/main" val="0"/>
+              </a:ext>
+            </a:extLst>
+          </a:blip>
+          <a:srcRect b="23320"/>
+          <a:stretch/>
+        </p:blipFill>
+        <p:spPr>
+          <a:xfrm>
+            <a:off x="8605878" y="6096000"/>
+            <a:ext cx="993734" cy="762000"/>
+          </a:xfrm>
+          <a:prstGeom prst="rect">
+            <a:avLst/>
+          </a:prstGeom>
+        </p:spPr>
+      </p:pic>
+      <p:sp>
+        <p:nvSpPr>
+          <p:cNvPr id="20" name="Rectangle 19">
+            <a:extLst>
+              <a:ext uri="{FF2B5EF4-FFF2-40B4-BE49-F238E27FC236}">
+                <a16:creationId xmlns:a16="http://schemas.microsoft.com/office/drawing/2014/main" id="{202A25CB-1ED1-4C87-AB49-8D3BC684D1CE}"/>
+              </a:ext>
+              <a:ext uri="{C183D7F6-B498-43B3-948B-1728B52AA6E4}">
+                <adec:decorative xmlns:adec="http://schemas.microsoft.com/office/drawing/2017/decorative" val="1"/>
+              </a:ext>
+            </a:extLst>
+          </p:cNvPr>
+          <p:cNvSpPr>
+            <a:spLocks noGrp="1" noRot="1" noChangeAspect="1" noMove="1" noResize="1" noEditPoints="1" noAdjustHandles="1" noChangeArrowheads="1" noChangeShapeType="1" noTextEdit="1"/>
+          </p:cNvSpPr>
+          <p:nvPr>
+            <p:extLst>
+              <p:ext uri="{386F3935-93C4-4BCD-93E2-E3B085C9AB24}">
+                <p16:designElem xmlns:p16="http://schemas.microsoft.com/office/powerpoint/2015/main" val="1"/>
+              </p:ext>
+            </p:extLst>
+          </p:nvPr>
+        </p:nvSpPr>
+        <p:spPr>
+          <a:xfrm>
+            <a:off x="10437812" y="0"/>
+            <a:ext cx="685800" cy="1143000"/>
+          </a:xfrm>
+          <a:prstGeom prst="rect">
+            <a:avLst/>
+          </a:prstGeom>
+          <a:solidFill>
+            <a:schemeClr val="accent1"/>
+          </a:solidFill>
+          <a:ln>
+            <a:noFill/>
+          </a:ln>
+        </p:spPr>
+        <p:style>
+          <a:lnRef idx="1">
+            <a:schemeClr val="accent1"/>
+          </a:lnRef>
+          <a:fillRef idx="3">
+            <a:schemeClr val="accent1"/>
+          </a:fillRef>
+          <a:effectRef idx="2">
+            <a:schemeClr val="accent1"/>
+          </a:effectRef>
+          <a:fontRef idx="minor">
+            <a:schemeClr val="lt1"/>
+          </a:fontRef>
+        </p:style>
+      </p:sp>
+      <p:pic>
+        <p:nvPicPr>
+          <p:cNvPr id="21" name="Picture 20">
+            <a:extLst>
+              <a:ext uri="{FF2B5EF4-FFF2-40B4-BE49-F238E27FC236}">
+                <a16:creationId xmlns:a16="http://schemas.microsoft.com/office/drawing/2014/main" id="{4C5AE542-5EB8-434B-9FD3-BA993B83F9CC}"/>
+              </a:ext>
+            </a:extLst>
+          </p:cNvPr>
+          <p:cNvPicPr>
+            <a:picLocks noChangeAspect="1"/>
+          </p:cNvPicPr>
+          <p:nvPr/>
+        </p:nvPicPr>
+        <p:blipFill>
+          <a:blip r:embed="rId7"/>
+          <a:stretch>
+            <a:fillRect/>
+          </a:stretch>
+        </p:blipFill>
+        <p:spPr>
+          <a:xfrm>
+            <a:off x="367616" y="855768"/>
+            <a:ext cx="11604667" cy="5240232"/>
+          </a:xfrm>
+          <a:prstGeom prst="rect">
+            <a:avLst/>
+          </a:prstGeom>
+          <a:ln w="38100" cap="sq">
+            <a:solidFill>
+              <a:srgbClr val="000000"/>
+            </a:solidFill>
+            <a:prstDash val="solid"/>
+            <a:miter lim="800000"/>
+          </a:ln>
+          <a:effectLst>
+            <a:outerShdw blurRad="50800" dist="38100" dir="2700000" algn="tl" rotWithShape="0">
+              <a:srgbClr val="000000">
+                <a:alpha val="43000"/>
+              </a:srgbClr>
+            </a:outerShdw>
+          </a:effectLst>
+        </p:spPr>
+      </p:pic>
+      <p:cxnSp>
+        <p:nvCxnSpPr>
+          <p:cNvPr id="24" name="Straight Arrow Connector 23">
+            <a:extLst>
+              <a:ext uri="{FF2B5EF4-FFF2-40B4-BE49-F238E27FC236}">
+                <a16:creationId xmlns:a16="http://schemas.microsoft.com/office/drawing/2014/main" id="{421D85BD-6A2E-49A6-9011-DC5E5EA9B3FE}"/>
+              </a:ext>
+            </a:extLst>
+          </p:cNvPr>
+          <p:cNvCxnSpPr>
+            <a:cxnSpLocks/>
+            <a:stCxn id="27" idx="4"/>
+          </p:cNvCxnSpPr>
+          <p:nvPr/>
+        </p:nvCxnSpPr>
+        <p:spPr>
+          <a:xfrm flipH="1">
+            <a:off x="4565651" y="2480732"/>
+            <a:ext cx="1076442" cy="2942168"/>
+          </a:xfrm>
+          <a:prstGeom prst="straightConnector1">
+            <a:avLst/>
+          </a:prstGeom>
+          <a:ln>
+            <a:tailEnd type="triangle"/>
+          </a:ln>
+        </p:spPr>
+        <p:style>
+          <a:lnRef idx="1">
+            <a:schemeClr val="accent4"/>
+          </a:lnRef>
+          <a:fillRef idx="0">
+            <a:schemeClr val="accent4"/>
+          </a:fillRef>
+          <a:effectRef idx="0">
+            <a:schemeClr val="accent4"/>
+          </a:effectRef>
+          <a:fontRef idx="minor">
+            <a:schemeClr val="tx1"/>
+          </a:fontRef>
+        </p:style>
+      </p:cxnSp>
+      <p:sp>
+        <p:nvSpPr>
+          <p:cNvPr id="27" name="Oval 26">
+            <a:extLst>
+              <a:ext uri="{FF2B5EF4-FFF2-40B4-BE49-F238E27FC236}">
+                <a16:creationId xmlns:a16="http://schemas.microsoft.com/office/drawing/2014/main" id="{F2918E3B-DCDC-4A39-B413-D7D632DB568E}"/>
+              </a:ext>
+            </a:extLst>
+          </p:cNvPr>
+          <p:cNvSpPr/>
+          <p:nvPr/>
+        </p:nvSpPr>
+        <p:spPr>
+          <a:xfrm>
+            <a:off x="4864335" y="1549400"/>
+            <a:ext cx="1555515" cy="931332"/>
+          </a:xfrm>
+          <a:prstGeom prst="ellipse">
+            <a:avLst/>
+          </a:prstGeom>
+        </p:spPr>
+        <p:style>
+          <a:lnRef idx="2">
+            <a:schemeClr val="accent4">
+              <a:shade val="50000"/>
+            </a:schemeClr>
+          </a:lnRef>
+          <a:fillRef idx="1">
+            <a:schemeClr val="accent4"/>
+          </a:fillRef>
+          <a:effectRef idx="0">
+            <a:schemeClr val="accent4"/>
+          </a:effectRef>
+          <a:fontRef idx="minor">
+            <a:schemeClr val="lt1"/>
+          </a:fontRef>
+        </p:style>
+        <p:txBody>
+          <a:bodyPr rtlCol="0" anchor="ctr"/>
+          <a:lstStyle/>
+          <a:p>
+            <a:pPr algn="ctr"/>
+            <a:r>
+              <a:rPr lang="en-US" sz="1000" dirty="0">
+                <a:solidFill>
+                  <a:schemeClr val="bg1"/>
+                </a:solidFill>
+              </a:rPr>
+              <a:t>Manager’s and Research Directors only in upper class</a:t>
+            </a:r>
+          </a:p>
+        </p:txBody>
+      </p:sp>
+      <p:cxnSp>
+        <p:nvCxnSpPr>
+          <p:cNvPr id="67" name="Straight Arrow Connector 66">
+            <a:extLst>
+              <a:ext uri="{FF2B5EF4-FFF2-40B4-BE49-F238E27FC236}">
+                <a16:creationId xmlns:a16="http://schemas.microsoft.com/office/drawing/2014/main" id="{CA9C0CCC-922C-4F7B-9CDE-3FE66A71E4C3}"/>
+              </a:ext>
+            </a:extLst>
+          </p:cNvPr>
+          <p:cNvCxnSpPr>
+            <a:cxnSpLocks/>
+            <a:stCxn id="27" idx="4"/>
+          </p:cNvCxnSpPr>
+          <p:nvPr/>
+        </p:nvCxnSpPr>
+        <p:spPr>
+          <a:xfrm>
+            <a:off x="5642093" y="2480732"/>
+            <a:ext cx="1488957" cy="2669118"/>
+          </a:xfrm>
+          <a:prstGeom prst="straightConnector1">
+            <a:avLst/>
+          </a:prstGeom>
+          <a:ln>
+            <a:tailEnd type="triangle"/>
+          </a:ln>
+        </p:spPr>
+        <p:style>
+          <a:lnRef idx="1">
+            <a:schemeClr val="accent4"/>
+          </a:lnRef>
+          <a:fillRef idx="0">
+            <a:schemeClr val="accent4"/>
+          </a:fillRef>
+          <a:effectRef idx="0">
+            <a:schemeClr val="accent4"/>
+          </a:effectRef>
+          <a:fontRef idx="minor">
+            <a:schemeClr val="tx1"/>
+          </a:fontRef>
+        </p:style>
+      </p:cxnSp>
+    </p:spTree>
+    <p:extLst>
+      <p:ext uri="{BB962C8B-B14F-4D97-AF65-F5344CB8AC3E}">
+        <p14:creationId xmlns:p14="http://schemas.microsoft.com/office/powerpoint/2010/main" val="3787231778"/>
+      </p:ext>
+    </p:extLst>
+  </p:cSld>
+  <p:clrMapOvr>
+    <a:masterClrMapping/>
+  </p:clrMapOvr>
+</p:sld>
+</file>
+
+<file path=ppt/slides/slide11.xml><?xml version="1.0" encoding="utf-8"?>
+<p:sld xmlns:a="http://schemas.openxmlformats.org/drawingml/2006/main" xmlns:r="http://schemas.openxmlformats.org/officeDocument/2006/relationships" xmlns:p="http://schemas.openxmlformats.org/presentationml/2006/main">
+  <p:cSld>
+    <p:bg>
+      <p:bgPr>
+        <a:blipFill rotWithShape="1">
+          <a:blip r:embed="rId2">
+            <a:duotone>
+              <a:schemeClr val="bg2">
+                <a:shade val="69000"/>
+                <a:hueMod val="108000"/>
+                <a:satMod val="164000"/>
+                <a:lumMod val="74000"/>
+              </a:schemeClr>
+              <a:schemeClr val="bg2">
+                <a:tint val="96000"/>
+                <a:hueMod val="88000"/>
+                <a:satMod val="140000"/>
+                <a:lumMod val="132000"/>
+              </a:schemeClr>
+            </a:duotone>
+            <a:extLst/>
+          </a:blip>
+          <a:stretch/>
+        </a:blipFill>
+        <a:effectLst/>
+      </p:bgPr>
+    </p:bg>
+    <p:spTree>
+      <p:nvGrpSpPr>
+        <p:cNvPr id="1" name=""/>
+        <p:cNvGrpSpPr/>
+        <p:nvPr/>
+      </p:nvGrpSpPr>
+      <p:grpSpPr>
+        <a:xfrm>
+          <a:off x="0" y="0"/>
+          <a:ext cx="0" cy="0"/>
+          <a:chOff x="0" y="0"/>
+          <a:chExt cx="0" cy="0"/>
+        </a:xfrm>
+      </p:grpSpPr>
+      <p:pic>
+        <p:nvPicPr>
+          <p:cNvPr id="10" name="Picture 9">
+            <a:extLst>
+              <a:ext uri="{FF2B5EF4-FFF2-40B4-BE49-F238E27FC236}">
+                <a16:creationId xmlns:a16="http://schemas.microsoft.com/office/drawing/2014/main" id="{C9ECDD5C-152A-4CC7-8333-0F367B3A62EA}"/>
+              </a:ext>
+              <a:ext uri="{C183D7F6-B498-43B3-948B-1728B52AA6E4}">
+                <adec:decorative xmlns:adec="http://schemas.microsoft.com/office/drawing/2017/decorative" val="1"/>
+              </a:ext>
+            </a:extLst>
+          </p:cNvPr>
+          <p:cNvPicPr>
+            <a:picLocks noGrp="1" noRot="1" noChangeAspect="1" noMove="1" noResize="1" noEditPoints="1" noAdjustHandles="1" noChangeArrowheads="1" noChangeShapeType="1" noCrop="1"/>
+          </p:cNvPicPr>
+          <p:nvPr>
+            <p:extLst>
+              <p:ext uri="{386F3935-93C4-4BCD-93E2-E3B085C9AB24}">
+                <p16:designElem xmlns:p16="http://schemas.microsoft.com/office/powerpoint/2015/main" val="1"/>
+              </p:ext>
+            </p:extLst>
+          </p:nvPr>
+        </p:nvPicPr>
+        <p:blipFill rotWithShape="1">
+          <a:blip r:embed="rId3">
+            <a:extLst>
+              <a:ext uri="{28A0092B-C50C-407E-A947-70E740481C1C}">
+                <a14:useLocalDpi xmlns:a14="http://schemas.microsoft.com/office/drawing/2010/main" val="0"/>
+              </a:ext>
+            </a:extLst>
+          </a:blip>
+          <a:srcRect l="3613"/>
+          <a:stretch/>
+        </p:blipFill>
+        <p:spPr>
+          <a:xfrm>
+            <a:off x="0" y="2669685"/>
+            <a:ext cx="4037012" cy="4188315"/>
+          </a:xfrm>
+          <a:prstGeom prst="rect">
+            <a:avLst/>
+          </a:prstGeom>
+        </p:spPr>
+      </p:pic>
+      <p:pic>
+        <p:nvPicPr>
+          <p:cNvPr id="12" name="Picture 11">
+            <a:extLst>
+              <a:ext uri="{FF2B5EF4-FFF2-40B4-BE49-F238E27FC236}">
+                <a16:creationId xmlns:a16="http://schemas.microsoft.com/office/drawing/2014/main" id="{7F5C92A3-369B-43F3-BDCE-E560B1B0EC89}"/>
+              </a:ext>
+              <a:ext uri="{C183D7F6-B498-43B3-948B-1728B52AA6E4}">
+                <adec:decorative xmlns:adec="http://schemas.microsoft.com/office/drawing/2017/decorative" val="1"/>
+              </a:ext>
+            </a:extLst>
+          </p:cNvPr>
+          <p:cNvPicPr>
+            <a:picLocks noGrp="1" noRot="1" noChangeAspect="1" noMove="1" noResize="1" noEditPoints="1" noAdjustHandles="1" noChangeArrowheads="1" noChangeShapeType="1" noCrop="1"/>
+          </p:cNvPicPr>
+          <p:nvPr>
+            <p:extLst>
+              <p:ext uri="{386F3935-93C4-4BCD-93E2-E3B085C9AB24}">
+                <p16:designElem xmlns:p16="http://schemas.microsoft.com/office/powerpoint/2015/main" val="1"/>
+              </p:ext>
+            </p:extLst>
+          </p:nvPr>
+        </p:nvPicPr>
+        <p:blipFill rotWithShape="1">
+          <a:blip r:embed="rId4">
+            <a:extLst>
+              <a:ext uri="{28A0092B-C50C-407E-A947-70E740481C1C}">
+                <a14:useLocalDpi xmlns:a14="http://schemas.microsoft.com/office/drawing/2010/main" val="0"/>
+              </a:ext>
+            </a:extLst>
+          </a:blip>
+          <a:srcRect l="35640"/>
+          <a:stretch/>
+        </p:blipFill>
+        <p:spPr>
+          <a:xfrm>
+            <a:off x="0" y="2892347"/>
+            <a:ext cx="1522412" cy="2365453"/>
+          </a:xfrm>
+          <a:prstGeom prst="rect">
+            <a:avLst/>
+          </a:prstGeom>
+        </p:spPr>
+      </p:pic>
+      <p:sp>
+        <p:nvSpPr>
+          <p:cNvPr id="14" name="Oval 13">
+            <a:extLst>
+              <a:ext uri="{FF2B5EF4-FFF2-40B4-BE49-F238E27FC236}">
+                <a16:creationId xmlns:a16="http://schemas.microsoft.com/office/drawing/2014/main" id="{AEBE9F1A-B38D-446E-83AE-14B17CE77FF2}"/>
+              </a:ext>
+              <a:ext uri="{C183D7F6-B498-43B3-948B-1728B52AA6E4}">
+                <adec:decorative xmlns:adec="http://schemas.microsoft.com/office/drawing/2017/decorative" val="1"/>
+              </a:ext>
+            </a:extLst>
+          </p:cNvPr>
+          <p:cNvSpPr>
+            <a:spLocks noGrp="1" noRot="1" noChangeAspect="1" noMove="1" noResize="1" noEditPoints="1" noAdjustHandles="1" noChangeArrowheads="1" noChangeShapeType="1" noTextEdit="1"/>
+          </p:cNvSpPr>
+          <p:nvPr>
+            <p:extLst>
+              <p:ext uri="{386F3935-93C4-4BCD-93E2-E3B085C9AB24}">
+                <p16:designElem xmlns:p16="http://schemas.microsoft.com/office/powerpoint/2015/main" val="1"/>
+              </p:ext>
+            </p:extLst>
+          </p:nvPr>
+        </p:nvSpPr>
+        <p:spPr>
+          <a:xfrm>
+            <a:off x="8609012" y="1676400"/>
+            <a:ext cx="2819400" cy="2819400"/>
+          </a:xfrm>
+          <a:prstGeom prst="ellipse">
+            <a:avLst/>
+          </a:prstGeom>
+          <a:gradFill flip="none" rotWithShape="1">
+            <a:gsLst>
+              <a:gs pos="0">
+                <a:schemeClr val="bg2">
+                  <a:lumMod val="60000"/>
+                  <a:lumOff val="40000"/>
+                  <a:alpha val="7000"/>
+                </a:schemeClr>
+              </a:gs>
+              <a:gs pos="69000">
+                <a:schemeClr val="bg2">
+                  <a:lumMod val="60000"/>
+                  <a:lumOff val="40000"/>
+                  <a:alpha val="0"/>
+                </a:schemeClr>
+              </a:gs>
+              <a:gs pos="36000">
+                <a:schemeClr val="bg2">
+                  <a:lumMod val="60000"/>
+                  <a:lumOff val="40000"/>
+                  <a:alpha val="6000"/>
+                </a:schemeClr>
+              </a:gs>
+            </a:gsLst>
+            <a:path path="circle">
+              <a:fillToRect l="50000" t="50000" r="50000" b="50000"/>
+            </a:path>
+            <a:tileRect/>
+          </a:gradFill>
+          <a:ln>
+            <a:noFill/>
+          </a:ln>
+          <a:effectLst/>
+        </p:spPr>
+        <p:style>
+          <a:lnRef idx="1">
+            <a:schemeClr val="accent1"/>
+          </a:lnRef>
+          <a:fillRef idx="3">
+            <a:schemeClr val="accent1"/>
+          </a:fillRef>
+          <a:effectRef idx="2">
+            <a:schemeClr val="accent1"/>
+          </a:effectRef>
+          <a:fontRef idx="minor">
+            <a:schemeClr val="lt1"/>
+          </a:fontRef>
+        </p:style>
+      </p:sp>
+      <p:pic>
+        <p:nvPicPr>
+          <p:cNvPr id="16" name="Picture 15">
+            <a:extLst>
+              <a:ext uri="{FF2B5EF4-FFF2-40B4-BE49-F238E27FC236}">
+                <a16:creationId xmlns:a16="http://schemas.microsoft.com/office/drawing/2014/main" id="{915B5014-A7EC-4BA6-9C83-8840CF81DB28}"/>
+              </a:ext>
+              <a:ext uri="{C183D7F6-B498-43B3-948B-1728B52AA6E4}">
+                <adec:decorative xmlns:adec="http://schemas.microsoft.com/office/drawing/2017/decorative" val="1"/>
+              </a:ext>
+            </a:extLst>
+          </p:cNvPr>
+          <p:cNvPicPr>
+            <a:picLocks noGrp="1" noRot="1" noChangeAspect="1" noMove="1" noResize="1" noEditPoints="1" noAdjustHandles="1" noChangeArrowheads="1" noChangeShapeType="1" noCrop="1"/>
+          </p:cNvPicPr>
+          <p:nvPr>
+            <p:extLst>
+              <p:ext uri="{386F3935-93C4-4BCD-93E2-E3B085C9AB24}">
+                <p16:designElem xmlns:p16="http://schemas.microsoft.com/office/powerpoint/2015/main" val="1"/>
+              </p:ext>
+            </p:extLst>
+          </p:nvPr>
+        </p:nvPicPr>
+        <p:blipFill rotWithShape="1">
+          <a:blip r:embed="rId5">
+            <a:extLst>
+              <a:ext uri="{28A0092B-C50C-407E-A947-70E740481C1C}">
+                <a14:useLocalDpi xmlns:a14="http://schemas.microsoft.com/office/drawing/2010/main" val="0"/>
+              </a:ext>
+            </a:extLst>
+          </a:blip>
+          <a:srcRect t="28813"/>
+          <a:stretch/>
+        </p:blipFill>
+        <p:spPr>
+          <a:xfrm>
+            <a:off x="7999412" y="0"/>
+            <a:ext cx="1603387" cy="1141407"/>
+          </a:xfrm>
+          <a:prstGeom prst="rect">
+            <a:avLst/>
+          </a:prstGeom>
+        </p:spPr>
+      </p:pic>
+      <p:pic>
+        <p:nvPicPr>
+          <p:cNvPr id="18" name="Picture 17">
+            <a:extLst>
+              <a:ext uri="{FF2B5EF4-FFF2-40B4-BE49-F238E27FC236}">
+                <a16:creationId xmlns:a16="http://schemas.microsoft.com/office/drawing/2014/main" id="{022C43AB-86D7-420D-8AD7-DC0A15FDD0AF}"/>
+              </a:ext>
+              <a:ext uri="{C183D7F6-B498-43B3-948B-1728B52AA6E4}">
+                <adec:decorative xmlns:adec="http://schemas.microsoft.com/office/drawing/2017/decorative" val="1"/>
+              </a:ext>
+            </a:extLst>
+          </p:cNvPr>
+          <p:cNvPicPr>
+            <a:picLocks noGrp="1" noRot="1" noChangeAspect="1" noMove="1" noResize="1" noEditPoints="1" noAdjustHandles="1" noChangeArrowheads="1" noChangeShapeType="1" noCrop="1"/>
+          </p:cNvPicPr>
+          <p:nvPr>
+            <p:extLst>
+              <p:ext uri="{386F3935-93C4-4BCD-93E2-E3B085C9AB24}">
+                <p16:designElem xmlns:p16="http://schemas.microsoft.com/office/powerpoint/2015/main" val="1"/>
+              </p:ext>
+            </p:extLst>
+          </p:nvPr>
+        </p:nvPicPr>
+        <p:blipFill rotWithShape="1">
+          <a:blip r:embed="rId6">
+            <a:extLst>
+              <a:ext uri="{28A0092B-C50C-407E-A947-70E740481C1C}">
+                <a14:useLocalDpi xmlns:a14="http://schemas.microsoft.com/office/drawing/2010/main" val="0"/>
+              </a:ext>
+            </a:extLst>
+          </a:blip>
+          <a:srcRect b="23320"/>
+          <a:stretch/>
+        </p:blipFill>
+        <p:spPr>
+          <a:xfrm>
+            <a:off x="8605878" y="6096000"/>
+            <a:ext cx="993734" cy="762000"/>
+          </a:xfrm>
+          <a:prstGeom prst="rect">
+            <a:avLst/>
+          </a:prstGeom>
+        </p:spPr>
+      </p:pic>
+      <p:sp>
+        <p:nvSpPr>
+          <p:cNvPr id="20" name="Rectangle 19">
+            <a:extLst>
+              <a:ext uri="{FF2B5EF4-FFF2-40B4-BE49-F238E27FC236}">
+                <a16:creationId xmlns:a16="http://schemas.microsoft.com/office/drawing/2014/main" id="{5E3EB826-A471-488F-9E8A-D65528A3C0CA}"/>
+              </a:ext>
+              <a:ext uri="{C183D7F6-B498-43B3-948B-1728B52AA6E4}">
+                <adec:decorative xmlns:adec="http://schemas.microsoft.com/office/drawing/2017/decorative" val="1"/>
+              </a:ext>
+            </a:extLst>
+          </p:cNvPr>
+          <p:cNvSpPr>
+            <a:spLocks noGrp="1" noRot="1" noChangeAspect="1" noMove="1" noResize="1" noEditPoints="1" noAdjustHandles="1" noChangeArrowheads="1" noChangeShapeType="1" noTextEdit="1"/>
+          </p:cNvSpPr>
+          <p:nvPr>
+            <p:extLst>
+              <p:ext uri="{386F3935-93C4-4BCD-93E2-E3B085C9AB24}">
+                <p16:designElem xmlns:p16="http://schemas.microsoft.com/office/powerpoint/2015/main" val="1"/>
+              </p:ext>
+            </p:extLst>
+          </p:nvPr>
+        </p:nvSpPr>
+        <p:spPr>
+          <a:xfrm>
+            <a:off x="10437812" y="0"/>
+            <a:ext cx="685800" cy="1143000"/>
+          </a:xfrm>
+          <a:prstGeom prst="rect">
+            <a:avLst/>
+          </a:prstGeom>
+          <a:solidFill>
+            <a:schemeClr val="accent1"/>
+          </a:solidFill>
+          <a:ln>
+            <a:noFill/>
+          </a:ln>
+        </p:spPr>
+        <p:style>
+          <a:lnRef idx="1">
+            <a:schemeClr val="accent1"/>
+          </a:lnRef>
+          <a:fillRef idx="3">
+            <a:schemeClr val="accent1"/>
+          </a:fillRef>
+          <a:effectRef idx="2">
+            <a:schemeClr val="accent1"/>
+          </a:effectRef>
+          <a:fontRef idx="minor">
+            <a:schemeClr val="lt1"/>
+          </a:fontRef>
+        </p:style>
+      </p:sp>
+      <p:sp>
+        <p:nvSpPr>
+          <p:cNvPr id="22" name="Rectangle 21">
+            <a:extLst>
+              <a:ext uri="{FF2B5EF4-FFF2-40B4-BE49-F238E27FC236}">
+                <a16:creationId xmlns:a16="http://schemas.microsoft.com/office/drawing/2014/main" id="{DFB3CEA1-88D9-42FB-88ED-1E9807FE6596}"/>
+              </a:ext>
+              <a:ext uri="{C183D7F6-B498-43B3-948B-1728B52AA6E4}">
+                <adec:decorative xmlns:adec="http://schemas.microsoft.com/office/drawing/2017/decorative" val="1"/>
+              </a:ext>
+            </a:extLst>
+          </p:cNvPr>
+          <p:cNvSpPr>
+            <a:spLocks noGrp="1" noRot="1" noChangeAspect="1" noMove="1" noResize="1" noEditPoints="1" noAdjustHandles="1" noChangeArrowheads="1" noChangeShapeType="1" noTextEdit="1"/>
+          </p:cNvSpPr>
+          <p:nvPr>
+            <p:extLst>
+              <p:ext uri="{386F3935-93C4-4BCD-93E2-E3B085C9AB24}">
+                <p16:designElem xmlns:p16="http://schemas.microsoft.com/office/powerpoint/2015/main" val="1"/>
+              </p:ext>
+            </p:extLst>
+          </p:nvPr>
+        </p:nvSpPr>
+        <p:spPr>
+          <a:xfrm>
+            <a:off x="477012" y="480060"/>
+            <a:ext cx="11237976" cy="5897880"/>
+          </a:xfrm>
+          <a:prstGeom prst="rect">
+            <a:avLst/>
+          </a:prstGeom>
+          <a:solidFill>
+            <a:srgbClr val="FFFFFF"/>
+          </a:solidFill>
+          <a:ln>
+            <a:noFill/>
+          </a:ln>
+        </p:spPr>
+        <p:style>
+          <a:lnRef idx="2">
+            <a:schemeClr val="accent1">
+              <a:shade val="50000"/>
+            </a:schemeClr>
+          </a:lnRef>
+          <a:fillRef idx="1">
+            <a:schemeClr val="accent1"/>
+          </a:fillRef>
+          <a:effectRef idx="0">
+            <a:schemeClr val="accent1"/>
+          </a:effectRef>
+          <a:fontRef idx="minor">
+            <a:schemeClr val="lt1"/>
+          </a:fontRef>
+        </p:style>
+        <p:txBody>
+          <a:bodyPr rtlCol="0" anchor="ctr"/>
+          <a:lstStyle/>
+          <a:p>
+            <a:pPr algn="ctr"/>
+            <a:endParaRPr lang="en-US" dirty="0"/>
+          </a:p>
+        </p:txBody>
+      </p:sp>
+      <p:pic>
+        <p:nvPicPr>
+          <p:cNvPr id="5" name="Picture 4">
+            <a:extLst>
+              <a:ext uri="{FF2B5EF4-FFF2-40B4-BE49-F238E27FC236}">
+                <a16:creationId xmlns:a16="http://schemas.microsoft.com/office/drawing/2014/main" id="{89C05959-82EF-4AD7-B12B-F3775F3AE687}"/>
+              </a:ext>
+            </a:extLst>
+          </p:cNvPr>
+          <p:cNvPicPr>
+            <a:picLocks noChangeAspect="1"/>
+          </p:cNvPicPr>
+          <p:nvPr/>
+        </p:nvPicPr>
+        <p:blipFill>
+          <a:blip r:embed="rId7"/>
+          <a:stretch>
+            <a:fillRect/>
+          </a:stretch>
+        </p:blipFill>
+        <p:spPr>
+          <a:xfrm>
+            <a:off x="487977" y="775747"/>
+            <a:ext cx="11227011" cy="5080223"/>
+          </a:xfrm>
+          <a:prstGeom prst="rect">
+            <a:avLst/>
+          </a:prstGeom>
+        </p:spPr>
+      </p:pic>
+      <p:sp>
+        <p:nvSpPr>
+          <p:cNvPr id="24" name="Rectangle 23">
+            <a:extLst>
+              <a:ext uri="{FF2B5EF4-FFF2-40B4-BE49-F238E27FC236}">
+                <a16:creationId xmlns:a16="http://schemas.microsoft.com/office/drawing/2014/main" id="{9A6C928E-4252-4F33-8C34-E50A12A3170B}"/>
+              </a:ext>
+              <a:ext uri="{C183D7F6-B498-43B3-948B-1728B52AA6E4}">
+                <adec:decorative xmlns:adec="http://schemas.microsoft.com/office/drawing/2017/decorative" val="1"/>
+              </a:ext>
+            </a:extLst>
+          </p:cNvPr>
+          <p:cNvSpPr>
+            <a:spLocks noGrp="1" noRot="1" noChangeAspect="1" noMove="1" noResize="1" noEditPoints="1" noAdjustHandles="1" noChangeArrowheads="1" noChangeShapeType="1" noTextEdit="1"/>
+          </p:cNvSpPr>
+          <p:nvPr>
+            <p:extLst>
+              <p:ext uri="{386F3935-93C4-4BCD-93E2-E3B085C9AB24}">
+                <p16:designElem xmlns:p16="http://schemas.microsoft.com/office/powerpoint/2015/main" val="1"/>
+              </p:ext>
+            </p:extLst>
+          </p:nvPr>
+        </p:nvSpPr>
+        <p:spPr>
+          <a:xfrm>
+            <a:off x="10437812" y="0"/>
+            <a:ext cx="685800" cy="1143000"/>
+          </a:xfrm>
+          <a:prstGeom prst="rect">
+            <a:avLst/>
+          </a:prstGeom>
+          <a:solidFill>
+            <a:schemeClr val="accent1"/>
+          </a:solidFill>
+          <a:ln>
+            <a:noFill/>
+          </a:ln>
+        </p:spPr>
+        <p:style>
+          <a:lnRef idx="1">
+            <a:schemeClr val="accent1"/>
+          </a:lnRef>
+          <a:fillRef idx="3">
+            <a:schemeClr val="accent1"/>
+          </a:fillRef>
+          <a:effectRef idx="2">
+            <a:schemeClr val="accent1"/>
+          </a:effectRef>
+          <a:fontRef idx="minor">
+            <a:schemeClr val="lt1"/>
+          </a:fontRef>
+        </p:style>
+      </p:sp>
+      <p:cxnSp>
+        <p:nvCxnSpPr>
+          <p:cNvPr id="15" name="Straight Arrow Connector 14">
+            <a:extLst>
+              <a:ext uri="{FF2B5EF4-FFF2-40B4-BE49-F238E27FC236}">
+                <a16:creationId xmlns:a16="http://schemas.microsoft.com/office/drawing/2014/main" id="{F498AFC2-FFA6-4A0C-8FF1-4E4AD520D3D0}"/>
+              </a:ext>
+            </a:extLst>
+          </p:cNvPr>
+          <p:cNvCxnSpPr>
+            <a:cxnSpLocks/>
+            <a:stCxn id="17" idx="4"/>
+          </p:cNvCxnSpPr>
+          <p:nvPr/>
+        </p:nvCxnSpPr>
+        <p:spPr>
+          <a:xfrm>
+            <a:off x="4603751" y="2978150"/>
+            <a:ext cx="151682" cy="2214880"/>
+          </a:xfrm>
+          <a:prstGeom prst="straightConnector1">
+            <a:avLst/>
+          </a:prstGeom>
+          <a:ln>
+            <a:tailEnd type="triangle"/>
+          </a:ln>
+        </p:spPr>
+        <p:style>
+          <a:lnRef idx="1">
+            <a:schemeClr val="accent4"/>
+          </a:lnRef>
+          <a:fillRef idx="0">
+            <a:schemeClr val="accent4"/>
+          </a:fillRef>
+          <a:effectRef idx="0">
+            <a:schemeClr val="accent4"/>
+          </a:effectRef>
+          <a:fontRef idx="minor">
+            <a:schemeClr val="tx1"/>
+          </a:fontRef>
+        </p:style>
+      </p:cxnSp>
+      <p:sp>
+        <p:nvSpPr>
+          <p:cNvPr id="17" name="Oval 16">
+            <a:extLst>
+              <a:ext uri="{FF2B5EF4-FFF2-40B4-BE49-F238E27FC236}">
+                <a16:creationId xmlns:a16="http://schemas.microsoft.com/office/drawing/2014/main" id="{C68F1EAF-6830-4B4A-ABAF-3360C74E0914}"/>
+              </a:ext>
+            </a:extLst>
+          </p:cNvPr>
+          <p:cNvSpPr/>
+          <p:nvPr/>
+        </p:nvSpPr>
+        <p:spPr>
+          <a:xfrm>
+            <a:off x="3460750" y="1587500"/>
+            <a:ext cx="2286001" cy="1390650"/>
+          </a:xfrm>
+          <a:prstGeom prst="ellipse">
+            <a:avLst/>
+          </a:prstGeom>
+        </p:spPr>
+        <p:style>
+          <a:lnRef idx="2">
+            <a:schemeClr val="accent4">
+              <a:shade val="50000"/>
+            </a:schemeClr>
+          </a:lnRef>
+          <a:fillRef idx="1">
+            <a:schemeClr val="accent4"/>
+          </a:fillRef>
+          <a:effectRef idx="0">
+            <a:schemeClr val="accent4"/>
+          </a:effectRef>
+          <a:fontRef idx="minor">
+            <a:schemeClr val="lt1"/>
+          </a:fontRef>
+        </p:style>
+        <p:txBody>
+          <a:bodyPr rtlCol="0" anchor="ctr"/>
+          <a:lstStyle/>
+          <a:p>
+            <a:pPr algn="ctr"/>
+            <a:r>
+              <a:rPr lang="en-US" sz="1000" dirty="0">
+                <a:solidFill>
+                  <a:schemeClr val="bg1"/>
+                </a:solidFill>
+              </a:rPr>
+              <a:t>“Bad” – (31.3%)</a:t>
+            </a:r>
+          </a:p>
+          <a:p>
+            <a:pPr algn="ctr"/>
+            <a:r>
+              <a:rPr lang="en-US" sz="1000" dirty="0">
+                <a:solidFill>
+                  <a:schemeClr val="bg1"/>
+                </a:solidFill>
+              </a:rPr>
+              <a:t>“Good” – (16.9%)</a:t>
+            </a:r>
+          </a:p>
+          <a:p>
+            <a:pPr algn="ctr"/>
+            <a:r>
+              <a:rPr lang="en-US" sz="1000" dirty="0">
+                <a:solidFill>
+                  <a:schemeClr val="bg1"/>
+                </a:solidFill>
+              </a:rPr>
+              <a:t>“Better”-(14.2%)</a:t>
+            </a:r>
+          </a:p>
+          <a:p>
+            <a:pPr algn="ctr"/>
+            <a:r>
+              <a:rPr lang="en-US" sz="1000" dirty="0">
+                <a:solidFill>
+                  <a:schemeClr val="bg1"/>
+                </a:solidFill>
+              </a:rPr>
+              <a:t>“Bad” – (17.6%)</a:t>
+            </a:r>
+          </a:p>
+        </p:txBody>
+      </p:sp>
+      <p:cxnSp>
+        <p:nvCxnSpPr>
+          <p:cNvPr id="19" name="Straight Arrow Connector 18">
+            <a:extLst>
+              <a:ext uri="{FF2B5EF4-FFF2-40B4-BE49-F238E27FC236}">
+                <a16:creationId xmlns:a16="http://schemas.microsoft.com/office/drawing/2014/main" id="{DEF7FB09-0063-4C5F-A7E8-90E4517D41D2}"/>
+              </a:ext>
+            </a:extLst>
+          </p:cNvPr>
+          <p:cNvCxnSpPr>
+            <a:cxnSpLocks/>
+            <a:stCxn id="17" idx="4"/>
+          </p:cNvCxnSpPr>
+          <p:nvPr/>
+        </p:nvCxnSpPr>
+        <p:spPr>
+          <a:xfrm>
+            <a:off x="4603751" y="2978150"/>
+            <a:ext cx="1777999" cy="1790700"/>
+          </a:xfrm>
+          <a:prstGeom prst="straightConnector1">
+            <a:avLst/>
+          </a:prstGeom>
+          <a:ln>
+            <a:tailEnd type="triangle"/>
+          </a:ln>
+        </p:spPr>
+        <p:style>
+          <a:lnRef idx="1">
+            <a:schemeClr val="accent4"/>
+          </a:lnRef>
+          <a:fillRef idx="0">
+            <a:schemeClr val="accent4"/>
+          </a:fillRef>
+          <a:effectRef idx="0">
+            <a:schemeClr val="accent4"/>
+          </a:effectRef>
+          <a:fontRef idx="minor">
+            <a:schemeClr val="tx1"/>
+          </a:fontRef>
+        </p:style>
+      </p:cxnSp>
+      <p:cxnSp>
+        <p:nvCxnSpPr>
+          <p:cNvPr id="30" name="Straight Arrow Connector 29">
+            <a:extLst>
+              <a:ext uri="{FF2B5EF4-FFF2-40B4-BE49-F238E27FC236}">
+                <a16:creationId xmlns:a16="http://schemas.microsoft.com/office/drawing/2014/main" id="{8899606E-17B5-4CC8-B153-42659B475D32}"/>
+              </a:ext>
+            </a:extLst>
+          </p:cNvPr>
+          <p:cNvCxnSpPr>
+            <a:cxnSpLocks/>
+            <a:stCxn id="17" idx="4"/>
+          </p:cNvCxnSpPr>
+          <p:nvPr/>
+        </p:nvCxnSpPr>
+        <p:spPr>
+          <a:xfrm flipH="1">
+            <a:off x="2609851" y="2978150"/>
+            <a:ext cx="1993900" cy="1892300"/>
+          </a:xfrm>
+          <a:prstGeom prst="straightConnector1">
+            <a:avLst/>
+          </a:prstGeom>
+          <a:ln>
+            <a:tailEnd type="triangle"/>
+          </a:ln>
+        </p:spPr>
+        <p:style>
+          <a:lnRef idx="1">
+            <a:schemeClr val="accent4"/>
+          </a:lnRef>
+          <a:fillRef idx="0">
+            <a:schemeClr val="accent4"/>
+          </a:fillRef>
+          <a:effectRef idx="0">
+            <a:schemeClr val="accent4"/>
+          </a:effectRef>
+          <a:fontRef idx="minor">
+            <a:schemeClr val="tx1"/>
+          </a:fontRef>
+        </p:style>
+      </p:cxnSp>
+      <p:cxnSp>
+        <p:nvCxnSpPr>
+          <p:cNvPr id="33" name="Straight Arrow Connector 32">
+            <a:extLst>
+              <a:ext uri="{FF2B5EF4-FFF2-40B4-BE49-F238E27FC236}">
+                <a16:creationId xmlns:a16="http://schemas.microsoft.com/office/drawing/2014/main" id="{9F5D315B-735C-4EAE-94F8-22F9ECC11172}"/>
+              </a:ext>
+            </a:extLst>
+          </p:cNvPr>
+          <p:cNvCxnSpPr>
+            <a:cxnSpLocks/>
+            <a:stCxn id="17" idx="4"/>
+          </p:cNvCxnSpPr>
+          <p:nvPr/>
+        </p:nvCxnSpPr>
+        <p:spPr>
+          <a:xfrm>
+            <a:off x="4603751" y="2978150"/>
+            <a:ext cx="4813299" cy="1517650"/>
+          </a:xfrm>
+          <a:prstGeom prst="straightConnector1">
+            <a:avLst/>
+          </a:prstGeom>
+          <a:ln>
+            <a:tailEnd type="triangle"/>
+          </a:ln>
+        </p:spPr>
+        <p:style>
+          <a:lnRef idx="1">
+            <a:schemeClr val="accent4"/>
+          </a:lnRef>
+          <a:fillRef idx="0">
+            <a:schemeClr val="accent4"/>
+          </a:fillRef>
+          <a:effectRef idx="0">
+            <a:schemeClr val="accent4"/>
+          </a:effectRef>
+          <a:fontRef idx="minor">
+            <a:schemeClr val="tx1"/>
+          </a:fontRef>
+        </p:style>
+      </p:cxnSp>
+    </p:spTree>
+    <p:extLst>
+      <p:ext uri="{BB962C8B-B14F-4D97-AF65-F5344CB8AC3E}">
+        <p14:creationId xmlns:p14="http://schemas.microsoft.com/office/powerpoint/2010/main" val="4191996210"/>
+      </p:ext>
+    </p:extLst>
+  </p:cSld>
+  <p:clrMapOvr>
+    <a:masterClrMapping/>
+  </p:clrMapOvr>
+</p:sld>
+</file>
+
+<file path=ppt/slides/slide12.xml><?xml version="1.0" encoding="utf-8"?>
+<p:sld xmlns:a="http://schemas.openxmlformats.org/drawingml/2006/main" xmlns:r="http://schemas.openxmlformats.org/officeDocument/2006/relationships" xmlns:p="http://schemas.openxmlformats.org/presentationml/2006/main">
+  <p:cSld>
+    <p:spTree>
+      <p:nvGrpSpPr>
+        <p:cNvPr id="1" name=""/>
+        <p:cNvGrpSpPr/>
+        <p:nvPr/>
+      </p:nvGrpSpPr>
+      <p:grpSpPr>
+        <a:xfrm>
+          <a:off x="0" y="0"/>
+          <a:ext cx="0" cy="0"/>
+          <a:chOff x="0" y="0"/>
+          <a:chExt cx="0" cy="0"/>
+        </a:xfrm>
+      </p:grpSpPr>
+      <p:pic>
+        <p:nvPicPr>
+          <p:cNvPr id="7" name="Picture 6">
+            <a:extLst>
+              <a:ext uri="{FF2B5EF4-FFF2-40B4-BE49-F238E27FC236}">
+                <a16:creationId xmlns:a16="http://schemas.microsoft.com/office/drawing/2014/main" id="{157F5ECC-56EC-4829-A53B-763D1FD3E81B}"/>
+              </a:ext>
+            </a:extLst>
+          </p:cNvPr>
+          <p:cNvPicPr>
+            <a:picLocks noChangeAspect="1"/>
+          </p:cNvPicPr>
+          <p:nvPr/>
+        </p:nvPicPr>
+        <p:blipFill>
+          <a:blip r:embed="rId2"/>
+          <a:stretch>
+            <a:fillRect/>
+          </a:stretch>
+        </p:blipFill>
+        <p:spPr>
+          <a:xfrm>
+            <a:off x="837760" y="797203"/>
+            <a:ext cx="4770841" cy="5483726"/>
+          </a:xfrm>
+          <a:prstGeom prst="rect">
+            <a:avLst/>
+          </a:prstGeom>
+        </p:spPr>
+      </p:pic>
+      <p:pic>
+        <p:nvPicPr>
+          <p:cNvPr id="13" name="Picture 12">
+            <a:extLst>
+              <a:ext uri="{FF2B5EF4-FFF2-40B4-BE49-F238E27FC236}">
+                <a16:creationId xmlns:a16="http://schemas.microsoft.com/office/drawing/2014/main" id="{0A24CA11-4A02-4644-A62F-256DE7E90136}"/>
+              </a:ext>
+            </a:extLst>
+          </p:cNvPr>
+          <p:cNvPicPr>
+            <a:picLocks noChangeAspect="1"/>
+          </p:cNvPicPr>
+          <p:nvPr/>
+        </p:nvPicPr>
+        <p:blipFill>
+          <a:blip r:embed="rId3"/>
+          <a:stretch>
+            <a:fillRect/>
+          </a:stretch>
+        </p:blipFill>
+        <p:spPr>
+          <a:xfrm>
+            <a:off x="6023934" y="1621133"/>
+            <a:ext cx="3958265" cy="4549730"/>
+          </a:xfrm>
+          <a:prstGeom prst="rect">
+            <a:avLst/>
+          </a:prstGeom>
+        </p:spPr>
+      </p:pic>
+    </p:spTree>
+    <p:extLst>
+      <p:ext uri="{BB962C8B-B14F-4D97-AF65-F5344CB8AC3E}">
+        <p14:creationId xmlns:p14="http://schemas.microsoft.com/office/powerpoint/2010/main" val="1319832048"/>
+      </p:ext>
+    </p:extLst>
+  </p:cSld>
+  <p:clrMapOvr>
+    <a:masterClrMapping/>
+  </p:clrMapOvr>
+</p:sld>
+</file>
+
+<file path=ppt/slides/slide13.xml><?xml version="1.0" encoding="utf-8"?>
+<p:sld xmlns:a="http://schemas.openxmlformats.org/drawingml/2006/main" xmlns:r="http://schemas.openxmlformats.org/officeDocument/2006/relationships" xmlns:p="http://schemas.openxmlformats.org/presentationml/2006/main">
+  <p:cSld>
+    <p:spTree>
+      <p:nvGrpSpPr>
+        <p:cNvPr id="1" name=""/>
+        <p:cNvGrpSpPr/>
+        <p:nvPr/>
+      </p:nvGrpSpPr>
+      <p:grpSpPr>
+        <a:xfrm>
+          <a:off x="0" y="0"/>
+          <a:ext cx="0" cy="0"/>
+          <a:chOff x="0" y="0"/>
+          <a:chExt cx="0" cy="0"/>
+        </a:xfrm>
+      </p:grpSpPr>
+      <p:sp>
+        <p:nvSpPr>
+          <p:cNvPr id="4" name="TextBox 3">
+            <a:extLst>
+              <a:ext uri="{FF2B5EF4-FFF2-40B4-BE49-F238E27FC236}">
+                <a16:creationId xmlns:a16="http://schemas.microsoft.com/office/drawing/2014/main" id="{DC4E2D60-2CF0-4F20-8AAF-A234BD6C85C5}"/>
+              </a:ext>
+            </a:extLst>
+          </p:cNvPr>
+          <p:cNvSpPr txBox="1"/>
+          <p:nvPr/>
+        </p:nvSpPr>
+        <p:spPr>
+          <a:xfrm>
+            <a:off x="647700" y="1149712"/>
+            <a:ext cx="10896600" cy="369332"/>
+          </a:xfrm>
+          <a:prstGeom prst="rect">
+            <a:avLst/>
+          </a:prstGeom>
+          <a:noFill/>
+        </p:spPr>
+        <p:txBody>
+          <a:bodyPr wrap="square" rtlCol="0">
+            <a:spAutoFit/>
+          </a:bodyPr>
+          <a:lstStyle/>
+          <a:p>
+            <a:r>
+              <a:rPr lang="en-US" dirty="0"/>
+              <a:t>Highest Attrition Rates – Man or Woman?</a:t>
+            </a:r>
+          </a:p>
+        </p:txBody>
+      </p:sp>
+      <p:sp>
+        <p:nvSpPr>
+          <p:cNvPr id="6" name="TextBox 5">
+            <a:extLst>
+              <a:ext uri="{FF2B5EF4-FFF2-40B4-BE49-F238E27FC236}">
+                <a16:creationId xmlns:a16="http://schemas.microsoft.com/office/drawing/2014/main" id="{9962BC75-AAFC-41B1-A95E-508B1775E584}"/>
+              </a:ext>
+            </a:extLst>
+          </p:cNvPr>
+          <p:cNvSpPr txBox="1"/>
+          <p:nvPr/>
+        </p:nvSpPr>
+        <p:spPr>
+          <a:xfrm>
+            <a:off x="647700" y="5537200"/>
+            <a:ext cx="10896600" cy="369332"/>
+          </a:xfrm>
+          <a:prstGeom prst="rect">
+            <a:avLst/>
+          </a:prstGeom>
+          <a:noFill/>
+        </p:spPr>
+        <p:txBody>
+          <a:bodyPr wrap="square" rtlCol="0">
+            <a:spAutoFit/>
+          </a:bodyPr>
+          <a:lstStyle/>
+          <a:p>
+            <a:r>
+              <a:rPr lang="en-US" dirty="0"/>
+              <a:t>There were many paths traveled that led us to this conclusion.  These are the paths we took…</a:t>
+            </a:r>
+          </a:p>
+        </p:txBody>
+      </p:sp>
+      <p:pic>
+        <p:nvPicPr>
+          <p:cNvPr id="5" name="Picture 4">
+            <a:extLst>
+              <a:ext uri="{FF2B5EF4-FFF2-40B4-BE49-F238E27FC236}">
+                <a16:creationId xmlns:a16="http://schemas.microsoft.com/office/drawing/2014/main" id="{10FC8C96-EE96-4F67-917C-C6E289554ED4}"/>
+              </a:ext>
+            </a:extLst>
+          </p:cNvPr>
+          <p:cNvPicPr>
+            <a:picLocks noChangeAspect="1"/>
+          </p:cNvPicPr>
+          <p:nvPr/>
+        </p:nvPicPr>
+        <p:blipFill>
+          <a:blip r:embed="rId2"/>
+          <a:stretch>
+            <a:fillRect/>
+          </a:stretch>
+        </p:blipFill>
+        <p:spPr>
+          <a:xfrm>
+            <a:off x="6511847" y="1772257"/>
+            <a:ext cx="3041806" cy="3511730"/>
+          </a:xfrm>
+          <a:prstGeom prst="rect">
+            <a:avLst/>
+          </a:prstGeom>
+        </p:spPr>
+      </p:pic>
+      <p:pic>
+        <p:nvPicPr>
+          <p:cNvPr id="7" name="Picture 6">
+            <a:extLst>
+              <a:ext uri="{FF2B5EF4-FFF2-40B4-BE49-F238E27FC236}">
+                <a16:creationId xmlns:a16="http://schemas.microsoft.com/office/drawing/2014/main" id="{407E4395-FFCF-46C2-987C-75F0B2DB2419}"/>
+              </a:ext>
+            </a:extLst>
+          </p:cNvPr>
+          <p:cNvPicPr>
+            <a:picLocks noChangeAspect="1"/>
+          </p:cNvPicPr>
+          <p:nvPr/>
+        </p:nvPicPr>
+        <p:blipFill>
+          <a:blip r:embed="rId3"/>
+          <a:stretch>
+            <a:fillRect/>
+          </a:stretch>
+        </p:blipFill>
+        <p:spPr>
+          <a:xfrm>
+            <a:off x="2638347" y="1772257"/>
+            <a:ext cx="3041806" cy="3511730"/>
+          </a:xfrm>
+          <a:prstGeom prst="rect">
+            <a:avLst/>
+          </a:prstGeom>
+        </p:spPr>
+      </p:pic>
+      <p:sp>
+        <p:nvSpPr>
+          <p:cNvPr id="8" name="TextBox 7">
+            <a:extLst>
+              <a:ext uri="{FF2B5EF4-FFF2-40B4-BE49-F238E27FC236}">
+                <a16:creationId xmlns:a16="http://schemas.microsoft.com/office/drawing/2014/main" id="{2BAA4D92-15B4-4787-9234-D781A60DE2D1}"/>
+              </a:ext>
+            </a:extLst>
+          </p:cNvPr>
+          <p:cNvSpPr txBox="1"/>
+          <p:nvPr/>
+        </p:nvSpPr>
+        <p:spPr>
+          <a:xfrm>
+            <a:off x="495300" y="1772257"/>
+            <a:ext cx="1720850" cy="1200329"/>
+          </a:xfrm>
+          <a:prstGeom prst="rect">
+            <a:avLst/>
+          </a:prstGeom>
+          <a:noFill/>
+        </p:spPr>
+        <p:txBody>
+          <a:bodyPr wrap="square" rtlCol="0">
+            <a:spAutoFit/>
+          </a:bodyPr>
+          <a:lstStyle/>
+          <a:p>
+            <a:r>
+              <a:rPr lang="en-US" dirty="0"/>
+              <a:t>* ~ 15% women leaving the company.</a:t>
+            </a:r>
+          </a:p>
+        </p:txBody>
+      </p:sp>
+      <p:sp>
+        <p:nvSpPr>
+          <p:cNvPr id="9" name="TextBox 8">
+            <a:extLst>
+              <a:ext uri="{FF2B5EF4-FFF2-40B4-BE49-F238E27FC236}">
+                <a16:creationId xmlns:a16="http://schemas.microsoft.com/office/drawing/2014/main" id="{13D0463F-E7BB-48D7-AA37-540D22BB2896}"/>
+              </a:ext>
+            </a:extLst>
+          </p:cNvPr>
+          <p:cNvSpPr txBox="1"/>
+          <p:nvPr/>
+        </p:nvSpPr>
+        <p:spPr>
+          <a:xfrm>
+            <a:off x="9975850" y="1727628"/>
+            <a:ext cx="1720850" cy="923330"/>
+          </a:xfrm>
+          <a:prstGeom prst="rect">
+            <a:avLst/>
+          </a:prstGeom>
+          <a:noFill/>
+        </p:spPr>
+        <p:txBody>
+          <a:bodyPr wrap="square" rtlCol="0">
+            <a:spAutoFit/>
+          </a:bodyPr>
+          <a:lstStyle/>
+          <a:p>
+            <a:r>
+              <a:rPr lang="en-US" dirty="0"/>
+              <a:t>* ~ 17% men leaving the company.</a:t>
+            </a:r>
+          </a:p>
+        </p:txBody>
+      </p:sp>
+    </p:spTree>
+    <p:extLst>
+      <p:ext uri="{BB962C8B-B14F-4D97-AF65-F5344CB8AC3E}">
+        <p14:creationId xmlns:p14="http://schemas.microsoft.com/office/powerpoint/2010/main" val="3440744934"/>
+      </p:ext>
+    </p:extLst>
+  </p:cSld>
+  <p:clrMapOvr>
+    <a:masterClrMapping/>
+  </p:clrMapOvr>
+</p:sld>
+</file>
+
+<file path=ppt/slides/slide14.xml><?xml version="1.0" encoding="utf-8"?>
+<p:sld xmlns:a="http://schemas.openxmlformats.org/drawingml/2006/main" xmlns:r="http://schemas.openxmlformats.org/officeDocument/2006/relationships" xmlns:p="http://schemas.openxmlformats.org/presentationml/2006/main">
+  <p:cSld>
+    <p:spTree>
+      <p:nvGrpSpPr>
+        <p:cNvPr id="1" name=""/>
+        <p:cNvGrpSpPr/>
+        <p:nvPr/>
+      </p:nvGrpSpPr>
+      <p:grpSpPr>
+        <a:xfrm>
+          <a:off x="0" y="0"/>
+          <a:ext cx="0" cy="0"/>
+          <a:chOff x="0" y="0"/>
+          <a:chExt cx="0" cy="0"/>
+        </a:xfrm>
+      </p:grpSpPr>
+      <p:sp>
+        <p:nvSpPr>
+          <p:cNvPr id="2" name="Title 1">
+            <a:extLst>
+              <a:ext uri="{FF2B5EF4-FFF2-40B4-BE49-F238E27FC236}">
+                <a16:creationId xmlns:a16="http://schemas.microsoft.com/office/drawing/2014/main" id="{E1832BE2-B24E-4D87-82AE-E0A24F19B9CA}"/>
+              </a:ext>
+            </a:extLst>
+          </p:cNvPr>
+          <p:cNvSpPr>
+            <a:spLocks noGrp="1"/>
+          </p:cNvSpPr>
+          <p:nvPr>
+            <p:ph type="title"/>
+          </p:nvPr>
+        </p:nvSpPr>
+        <p:spPr/>
+        <p:txBody>
+          <a:bodyPr/>
+          <a:lstStyle/>
+          <a:p>
+            <a:r>
+              <a:rPr lang="en-US" dirty="0"/>
+              <a:t>Conclusion</a:t>
+            </a:r>
+          </a:p>
+        </p:txBody>
+      </p:sp>
+      <p:sp>
+        <p:nvSpPr>
+          <p:cNvPr id="3" name="Content Placeholder 2">
+            <a:extLst>
+              <a:ext uri="{FF2B5EF4-FFF2-40B4-BE49-F238E27FC236}">
+                <a16:creationId xmlns:a16="http://schemas.microsoft.com/office/drawing/2014/main" id="{A4FA69BC-815E-47B8-8300-270A52A235E3}"/>
+              </a:ext>
+            </a:extLst>
+          </p:cNvPr>
+          <p:cNvSpPr>
+            <a:spLocks noGrp="1"/>
+          </p:cNvSpPr>
+          <p:nvPr>
+            <p:ph idx="1"/>
+          </p:nvPr>
+        </p:nvSpPr>
+        <p:spPr/>
+        <p:txBody>
+          <a:bodyPr/>
+          <a:lstStyle/>
+          <a:p>
+            <a:r>
+              <a:rPr lang="en-US" dirty="0"/>
+              <a:t>From graphs, reiterate the variables we’ve chosen and the trends we find most interesting.</a:t>
+            </a:r>
+          </a:p>
+        </p:txBody>
+      </p:sp>
+    </p:spTree>
+    <p:extLst>
+      <p:ext uri="{BB962C8B-B14F-4D97-AF65-F5344CB8AC3E}">
+        <p14:creationId xmlns:p14="http://schemas.microsoft.com/office/powerpoint/2010/main" val="1279829978"/>
+      </p:ext>
+    </p:extLst>
+  </p:cSld>
+  <p:clrMapOvr>
+    <a:masterClrMapping/>
+  </p:clrMapOvr>
+</p:sld>
+</file>
+
+<file path=ppt/slides/slide15.xml><?xml version="1.0" encoding="utf-8"?>
+<p:sld xmlns:a="http://schemas.openxmlformats.org/drawingml/2006/main" xmlns:r="http://schemas.openxmlformats.org/officeDocument/2006/relationships" xmlns:p="http://schemas.openxmlformats.org/presentationml/2006/main">
+  <p:cSld>
+    <p:spTree>
+      <p:nvGrpSpPr>
+        <p:cNvPr id="1" name=""/>
+        <p:cNvGrpSpPr/>
+        <p:nvPr/>
+      </p:nvGrpSpPr>
+      <p:grpSpPr>
+        <a:xfrm>
+          <a:off x="0" y="0"/>
+          <a:ext cx="0" cy="0"/>
+          <a:chOff x="0" y="0"/>
+          <a:chExt cx="0" cy="0"/>
+        </a:xfrm>
+      </p:grpSpPr>
       <p:sp>
         <p:nvSpPr>
           <p:cNvPr id="2" name="Title 1">
@@ -6694,7 +8417,7 @@
 </p:sld>
 </file>
 
-<file path=ppt/slides/slide11.xml><?xml version="1.0" encoding="utf-8"?>
+<file path=ppt/slides/slide16.xml><?xml version="1.0" encoding="utf-8"?>
 <p:sld xmlns:a="http://schemas.openxmlformats.org/drawingml/2006/main" xmlns:r="http://schemas.openxmlformats.org/officeDocument/2006/relationships" xmlns:p="http://schemas.openxmlformats.org/presentationml/2006/main">
   <p:cSld>
     <p:spTree>
@@ -8191,7 +9914,7 @@
 </p:sld>
 </file>
 
-<file path=ppt/slides/slide12.xml><?xml version="1.0" encoding="utf-8"?>
+<file path=ppt/slides/slide17.xml><?xml version="1.0" encoding="utf-8"?>
 <p:sld xmlns:a="http://schemas.openxmlformats.org/drawingml/2006/main" xmlns:r="http://schemas.openxmlformats.org/officeDocument/2006/relationships" xmlns:p="http://schemas.openxmlformats.org/presentationml/2006/main">
   <p:cSld>
     <p:spTree>
@@ -8242,349 +9965,6 @@
     <p:extLst>
       <p:ext uri="{BB962C8B-B14F-4D97-AF65-F5344CB8AC3E}">
         <p14:creationId xmlns:p14="http://schemas.microsoft.com/office/powerpoint/2010/main" val="4042849372"/>
-      </p:ext>
-    </p:extLst>
-  </p:cSld>
-  <p:clrMapOvr>
-    <a:masterClrMapping/>
-  </p:clrMapOvr>
-</p:sld>
-</file>
-
-<file path=ppt/slides/slide13.xml><?xml version="1.0" encoding="utf-8"?>
-<p:sld xmlns:a="http://schemas.openxmlformats.org/drawingml/2006/main" xmlns:r="http://schemas.openxmlformats.org/officeDocument/2006/relationships" xmlns:p="http://schemas.openxmlformats.org/presentationml/2006/main">
-  <p:cSld>
-    <p:spTree>
-      <p:nvGrpSpPr>
-        <p:cNvPr id="1" name=""/>
-        <p:cNvGrpSpPr/>
-        <p:nvPr/>
-      </p:nvGrpSpPr>
-      <p:grpSpPr>
-        <a:xfrm>
-          <a:off x="0" y="0"/>
-          <a:ext cx="0" cy="0"/>
-          <a:chOff x="0" y="0"/>
-          <a:chExt cx="0" cy="0"/>
-        </a:xfrm>
-      </p:grpSpPr>
-      <p:pic>
-        <p:nvPicPr>
-          <p:cNvPr id="5" name="Picture 4">
-            <a:extLst>
-              <a:ext uri="{FF2B5EF4-FFF2-40B4-BE49-F238E27FC236}">
-                <a16:creationId xmlns:a16="http://schemas.microsoft.com/office/drawing/2014/main" id="{13DED279-D6D4-4397-A153-3F5D0C642BE7}"/>
-              </a:ext>
-            </a:extLst>
-          </p:cNvPr>
-          <p:cNvPicPr>
-            <a:picLocks noChangeAspect="1"/>
-          </p:cNvPicPr>
-          <p:nvPr/>
-        </p:nvPicPr>
-        <p:blipFill>
-          <a:blip r:embed="rId2"/>
-          <a:stretch>
-            <a:fillRect/>
-          </a:stretch>
-        </p:blipFill>
-        <p:spPr>
-          <a:xfrm>
-            <a:off x="3054193" y="228435"/>
-            <a:ext cx="6083613" cy="6401129"/>
-          </a:xfrm>
-          <a:prstGeom prst="rect">
-            <a:avLst/>
-          </a:prstGeom>
-        </p:spPr>
-      </p:pic>
-      <p:sp>
-        <p:nvSpPr>
-          <p:cNvPr id="6" name="TextBox 5">
-            <a:extLst>
-              <a:ext uri="{FF2B5EF4-FFF2-40B4-BE49-F238E27FC236}">
-                <a16:creationId xmlns:a16="http://schemas.microsoft.com/office/drawing/2014/main" id="{61C61FA3-85A4-4E0A-A9C0-F361A756102D}"/>
-              </a:ext>
-            </a:extLst>
-          </p:cNvPr>
-          <p:cNvSpPr txBox="1"/>
-          <p:nvPr/>
-        </p:nvSpPr>
-        <p:spPr>
-          <a:xfrm>
-            <a:off x="203200" y="1257300"/>
-            <a:ext cx="2489200" cy="369332"/>
-          </a:xfrm>
-          <a:prstGeom prst="rect">
-            <a:avLst/>
-          </a:prstGeom>
-          <a:noFill/>
-        </p:spPr>
-        <p:txBody>
-          <a:bodyPr wrap="square" rtlCol="0">
-            <a:spAutoFit/>
-          </a:bodyPr>
-          <a:lstStyle/>
-          <a:p>
-            <a:r>
-              <a:rPr lang="en-US" dirty="0"/>
-              <a:t>I suspect these are </a:t>
-            </a:r>
-          </a:p>
-        </p:txBody>
-      </p:sp>
-    </p:spTree>
-    <p:extLst>
-      <p:ext uri="{BB962C8B-B14F-4D97-AF65-F5344CB8AC3E}">
-        <p14:creationId xmlns:p14="http://schemas.microsoft.com/office/powerpoint/2010/main" val="1021290166"/>
-      </p:ext>
-    </p:extLst>
-  </p:cSld>
-  <p:clrMapOvr>
-    <a:masterClrMapping/>
-  </p:clrMapOvr>
-</p:sld>
-</file>
-
-<file path=ppt/slides/slide14.xml><?xml version="1.0" encoding="utf-8"?>
-<p:sld xmlns:a="http://schemas.openxmlformats.org/drawingml/2006/main" xmlns:r="http://schemas.openxmlformats.org/officeDocument/2006/relationships" xmlns:p="http://schemas.openxmlformats.org/presentationml/2006/main">
-  <p:cSld>
-    <p:spTree>
-      <p:nvGrpSpPr>
-        <p:cNvPr id="1" name=""/>
-        <p:cNvGrpSpPr/>
-        <p:nvPr/>
-      </p:nvGrpSpPr>
-      <p:grpSpPr>
-        <a:xfrm>
-          <a:off x="0" y="0"/>
-          <a:ext cx="0" cy="0"/>
-          <a:chOff x="0" y="0"/>
-          <a:chExt cx="0" cy="0"/>
-        </a:xfrm>
-      </p:grpSpPr>
-      <p:pic>
-        <p:nvPicPr>
-          <p:cNvPr id="4" name="Picture 3">
-            <a:extLst>
-              <a:ext uri="{FF2B5EF4-FFF2-40B4-BE49-F238E27FC236}">
-                <a16:creationId xmlns:a16="http://schemas.microsoft.com/office/drawing/2014/main" id="{5CAD30AE-DF50-4242-AEF6-98EFF5823855}"/>
-              </a:ext>
-            </a:extLst>
-          </p:cNvPr>
-          <p:cNvPicPr>
-            <a:picLocks noChangeAspect="1"/>
-          </p:cNvPicPr>
-          <p:nvPr/>
-        </p:nvPicPr>
-        <p:blipFill>
-          <a:blip r:embed="rId2"/>
-          <a:stretch>
-            <a:fillRect/>
-          </a:stretch>
-        </p:blipFill>
-        <p:spPr>
-          <a:xfrm>
-            <a:off x="3054193" y="228435"/>
-            <a:ext cx="6083613" cy="6401129"/>
-          </a:xfrm>
-          <a:prstGeom prst="rect">
-            <a:avLst/>
-          </a:prstGeom>
-        </p:spPr>
-      </p:pic>
-    </p:spTree>
-    <p:extLst>
-      <p:ext uri="{BB962C8B-B14F-4D97-AF65-F5344CB8AC3E}">
-        <p14:creationId xmlns:p14="http://schemas.microsoft.com/office/powerpoint/2010/main" val="4098183219"/>
-      </p:ext>
-    </p:extLst>
-  </p:cSld>
-  <p:clrMapOvr>
-    <a:masterClrMapping/>
-  </p:clrMapOvr>
-</p:sld>
-</file>
-
-<file path=ppt/slides/slide15.xml><?xml version="1.0" encoding="utf-8"?>
-<p:sld xmlns:a="http://schemas.openxmlformats.org/drawingml/2006/main" xmlns:r="http://schemas.openxmlformats.org/officeDocument/2006/relationships" xmlns:p="http://schemas.openxmlformats.org/presentationml/2006/main">
-  <p:cSld>
-    <p:spTree>
-      <p:nvGrpSpPr>
-        <p:cNvPr id="1" name=""/>
-        <p:cNvGrpSpPr/>
-        <p:nvPr/>
-      </p:nvGrpSpPr>
-      <p:grpSpPr>
-        <a:xfrm>
-          <a:off x="0" y="0"/>
-          <a:ext cx="0" cy="0"/>
-          <a:chOff x="0" y="0"/>
-          <a:chExt cx="0" cy="0"/>
-        </a:xfrm>
-      </p:grpSpPr>
-      <p:pic>
-        <p:nvPicPr>
-          <p:cNvPr id="4" name="Picture 3">
-            <a:extLst>
-              <a:ext uri="{FF2B5EF4-FFF2-40B4-BE49-F238E27FC236}">
-                <a16:creationId xmlns:a16="http://schemas.microsoft.com/office/drawing/2014/main" id="{BAB2CD9A-BAD6-4B41-8A4D-237F3661CA4E}"/>
-              </a:ext>
-            </a:extLst>
-          </p:cNvPr>
-          <p:cNvPicPr>
-            <a:picLocks noChangeAspect="1"/>
-          </p:cNvPicPr>
-          <p:nvPr/>
-        </p:nvPicPr>
-        <p:blipFill>
-          <a:blip r:embed="rId2"/>
-          <a:stretch>
-            <a:fillRect/>
-          </a:stretch>
-        </p:blipFill>
-        <p:spPr>
-          <a:xfrm>
-            <a:off x="3054193" y="228435"/>
-            <a:ext cx="6083613" cy="6401129"/>
-          </a:xfrm>
-          <a:prstGeom prst="rect">
-            <a:avLst/>
-          </a:prstGeom>
-        </p:spPr>
-      </p:pic>
-    </p:spTree>
-    <p:extLst>
-      <p:ext uri="{BB962C8B-B14F-4D97-AF65-F5344CB8AC3E}">
-        <p14:creationId xmlns:p14="http://schemas.microsoft.com/office/powerpoint/2010/main" val="3761961582"/>
-      </p:ext>
-    </p:extLst>
-  </p:cSld>
-  <p:clrMapOvr>
-    <a:masterClrMapping/>
-  </p:clrMapOvr>
-</p:sld>
-</file>
-
-<file path=ppt/slides/slide16.xml><?xml version="1.0" encoding="utf-8"?>
-<p:sld xmlns:a="http://schemas.openxmlformats.org/drawingml/2006/main" xmlns:r="http://schemas.openxmlformats.org/officeDocument/2006/relationships" xmlns:p="http://schemas.openxmlformats.org/presentationml/2006/main">
-  <p:cSld>
-    <p:spTree>
-      <p:nvGrpSpPr>
-        <p:cNvPr id="1" name=""/>
-        <p:cNvGrpSpPr/>
-        <p:nvPr/>
-      </p:nvGrpSpPr>
-      <p:grpSpPr>
-        <a:xfrm>
-          <a:off x="0" y="0"/>
-          <a:ext cx="0" cy="0"/>
-          <a:chOff x="0" y="0"/>
-          <a:chExt cx="0" cy="0"/>
-        </a:xfrm>
-      </p:grpSpPr>
-      <p:pic>
-        <p:nvPicPr>
-          <p:cNvPr id="4" name="Picture 3">
-            <a:extLst>
-              <a:ext uri="{FF2B5EF4-FFF2-40B4-BE49-F238E27FC236}">
-                <a16:creationId xmlns:a16="http://schemas.microsoft.com/office/drawing/2014/main" id="{F12AEFAC-8EDA-4E29-8AB9-5255FDD6E52C}"/>
-              </a:ext>
-            </a:extLst>
-          </p:cNvPr>
-          <p:cNvPicPr>
-            <a:picLocks noChangeAspect="1"/>
-          </p:cNvPicPr>
-          <p:nvPr/>
-        </p:nvPicPr>
-        <p:blipFill>
-          <a:blip r:embed="rId2"/>
-          <a:stretch>
-            <a:fillRect/>
-          </a:stretch>
-        </p:blipFill>
-        <p:spPr>
-          <a:xfrm>
-            <a:off x="1561867" y="504674"/>
-            <a:ext cx="9068266" cy="5848651"/>
-          </a:xfrm>
-          <a:prstGeom prst="rect">
-            <a:avLst/>
-          </a:prstGeom>
-        </p:spPr>
-      </p:pic>
-    </p:spTree>
-    <p:extLst>
-      <p:ext uri="{BB962C8B-B14F-4D97-AF65-F5344CB8AC3E}">
-        <p14:creationId xmlns:p14="http://schemas.microsoft.com/office/powerpoint/2010/main" val="3442542927"/>
-      </p:ext>
-    </p:extLst>
-  </p:cSld>
-  <p:clrMapOvr>
-    <a:masterClrMapping/>
-  </p:clrMapOvr>
-</p:sld>
-</file>
-
-<file path=ppt/slides/slide17.xml><?xml version="1.0" encoding="utf-8"?>
-<p:sld xmlns:a="http://schemas.openxmlformats.org/drawingml/2006/main" xmlns:r="http://schemas.openxmlformats.org/officeDocument/2006/relationships" xmlns:p="http://schemas.openxmlformats.org/presentationml/2006/main">
-  <p:cSld>
-    <p:bg>
-      <p:bgPr>
-        <a:solidFill>
-          <a:schemeClr val="bg1"/>
-        </a:solidFill>
-        <a:effectLst/>
-      </p:bgPr>
-    </p:bg>
-    <p:spTree>
-      <p:nvGrpSpPr>
-        <p:cNvPr id="1" name=""/>
-        <p:cNvGrpSpPr/>
-        <p:nvPr/>
-      </p:nvGrpSpPr>
-      <p:grpSpPr>
-        <a:xfrm>
-          <a:off x="0" y="0"/>
-          <a:ext cx="0" cy="0"/>
-          <a:chOff x="0" y="0"/>
-          <a:chExt cx="0" cy="0"/>
-        </a:xfrm>
-      </p:grpSpPr>
-      <p:pic>
-        <p:nvPicPr>
-          <p:cNvPr id="4" name="Picture 3">
-            <a:extLst>
-              <a:ext uri="{FF2B5EF4-FFF2-40B4-BE49-F238E27FC236}">
-                <a16:creationId xmlns:a16="http://schemas.microsoft.com/office/drawing/2014/main" id="{618A2807-7FCB-4288-902A-4F243F2D5B1D}"/>
-              </a:ext>
-            </a:extLst>
-          </p:cNvPr>
-          <p:cNvPicPr>
-            <a:picLocks noChangeAspect="1"/>
-          </p:cNvPicPr>
-          <p:nvPr/>
-        </p:nvPicPr>
-        <p:blipFill>
-          <a:blip r:embed="rId2"/>
-          <a:stretch>
-            <a:fillRect/>
-          </a:stretch>
-        </p:blipFill>
-        <p:spPr>
-          <a:xfrm>
-            <a:off x="840275" y="643466"/>
-            <a:ext cx="10511450" cy="5571067"/>
-          </a:xfrm>
-          <a:prstGeom prst="rect">
-            <a:avLst/>
-          </a:prstGeom>
-        </p:spPr>
-      </p:pic>
-    </p:spTree>
-    <p:extLst>
-      <p:ext uri="{BB962C8B-B14F-4D97-AF65-F5344CB8AC3E}">
-        <p14:creationId xmlns:p14="http://schemas.microsoft.com/office/powerpoint/2010/main" val="759344408"/>
       </p:ext>
     </p:extLst>
   </p:cSld>
@@ -8613,10 +9993,10 @@
       </p:grpSpPr>
       <p:pic>
         <p:nvPicPr>
-          <p:cNvPr id="4" name="Picture 3">
+          <p:cNvPr id="5" name="Picture 4">
             <a:extLst>
               <a:ext uri="{FF2B5EF4-FFF2-40B4-BE49-F238E27FC236}">
-                <a16:creationId xmlns:a16="http://schemas.microsoft.com/office/drawing/2014/main" id="{623BE546-FBD6-4550-819F-E2E846D5A641}"/>
+                <a16:creationId xmlns:a16="http://schemas.microsoft.com/office/drawing/2014/main" id="{13DED279-D6D4-4397-A153-3F5D0C642BE7}"/>
               </a:ext>
             </a:extLst>
           </p:cNvPr>
@@ -8633,18 +10013,53 @@
         </p:blipFill>
         <p:spPr>
           <a:xfrm>
-            <a:off x="0" y="197643"/>
-            <a:ext cx="12192000" cy="6462713"/>
+            <a:off x="3054193" y="228435"/>
+            <a:ext cx="6083613" cy="6401129"/>
           </a:xfrm>
           <a:prstGeom prst="rect">
             <a:avLst/>
           </a:prstGeom>
         </p:spPr>
       </p:pic>
+      <p:sp>
+        <p:nvSpPr>
+          <p:cNvPr id="6" name="TextBox 5">
+            <a:extLst>
+              <a:ext uri="{FF2B5EF4-FFF2-40B4-BE49-F238E27FC236}">
+                <a16:creationId xmlns:a16="http://schemas.microsoft.com/office/drawing/2014/main" id="{61C61FA3-85A4-4E0A-A9C0-F361A756102D}"/>
+              </a:ext>
+            </a:extLst>
+          </p:cNvPr>
+          <p:cNvSpPr txBox="1"/>
+          <p:nvPr/>
+        </p:nvSpPr>
+        <p:spPr>
+          <a:xfrm>
+            <a:off x="203200" y="1257300"/>
+            <a:ext cx="2489200" cy="369332"/>
+          </a:xfrm>
+          <a:prstGeom prst="rect">
+            <a:avLst/>
+          </a:prstGeom>
+          <a:noFill/>
+        </p:spPr>
+        <p:txBody>
+          <a:bodyPr wrap="square" rtlCol="0">
+            <a:spAutoFit/>
+          </a:bodyPr>
+          <a:lstStyle/>
+          <a:p>
+            <a:r>
+              <a:rPr lang="en-US" dirty="0"/>
+              <a:t>I suspect these are </a:t>
+            </a:r>
+          </a:p>
+        </p:txBody>
+      </p:sp>
     </p:spTree>
     <p:extLst>
       <p:ext uri="{BB962C8B-B14F-4D97-AF65-F5344CB8AC3E}">
-        <p14:creationId xmlns:p14="http://schemas.microsoft.com/office/powerpoint/2010/main" val="370104894"/>
+        <p14:creationId xmlns:p14="http://schemas.microsoft.com/office/powerpoint/2010/main" val="1021290166"/>
       </p:ext>
     </p:extLst>
   </p:cSld>
@@ -8673,10 +10088,10 @@
       </p:grpSpPr>
       <p:pic>
         <p:nvPicPr>
-          <p:cNvPr id="5" name="Picture 4">
+          <p:cNvPr id="4" name="Picture 3">
             <a:extLst>
               <a:ext uri="{FF2B5EF4-FFF2-40B4-BE49-F238E27FC236}">
-                <a16:creationId xmlns:a16="http://schemas.microsoft.com/office/drawing/2014/main" id="{9B9CAB55-1222-4045-BC09-2994D6A36780}"/>
+                <a16:creationId xmlns:a16="http://schemas.microsoft.com/office/drawing/2014/main" id="{5CAD30AE-DF50-4242-AEF6-98EFF5823855}"/>
               </a:ext>
             </a:extLst>
           </p:cNvPr>
@@ -8693,8 +10108,8 @@
         </p:blipFill>
         <p:spPr>
           <a:xfrm>
-            <a:off x="2238176" y="422120"/>
-            <a:ext cx="7715647" cy="6013759"/>
+            <a:off x="3054193" y="228435"/>
+            <a:ext cx="6083613" cy="6401129"/>
           </a:xfrm>
           <a:prstGeom prst="rect">
             <a:avLst/>
@@ -8704,7 +10119,7 @@
     </p:spTree>
     <p:extLst>
       <p:ext uri="{BB962C8B-B14F-4D97-AF65-F5344CB8AC3E}">
-        <p14:creationId xmlns:p14="http://schemas.microsoft.com/office/powerpoint/2010/main" val="2690206312"/>
+        <p14:creationId xmlns:p14="http://schemas.microsoft.com/office/powerpoint/2010/main" val="4098183219"/>
       </p:ext>
     </p:extLst>
   </p:cSld>
@@ -8839,62 +10254,12 @@
           <a:chExt cx="0" cy="0"/>
         </a:xfrm>
       </p:grpSpPr>
-      <p:sp>
-        <p:nvSpPr>
-          <p:cNvPr id="2" name="Title 1">
-            <a:extLst>
-              <a:ext uri="{FF2B5EF4-FFF2-40B4-BE49-F238E27FC236}">
-                <a16:creationId xmlns:a16="http://schemas.microsoft.com/office/drawing/2014/main" id="{D6968019-7CF3-4B5C-A4FE-4591AFAEECA0}"/>
-              </a:ext>
-            </a:extLst>
-          </p:cNvPr>
-          <p:cNvSpPr>
-            <a:spLocks noGrp="1"/>
-          </p:cNvSpPr>
-          <p:nvPr>
-            <p:ph type="title"/>
-          </p:nvPr>
-        </p:nvSpPr>
-        <p:spPr/>
-        <p:txBody>
-          <a:bodyPr/>
-          <a:lstStyle/>
-          <a:p>
-            <a:endParaRPr lang="en-US"/>
-          </a:p>
-        </p:txBody>
-      </p:sp>
-      <p:sp>
-        <p:nvSpPr>
-          <p:cNvPr id="3" name="Content Placeholder 2">
-            <a:extLst>
-              <a:ext uri="{FF2B5EF4-FFF2-40B4-BE49-F238E27FC236}">
-                <a16:creationId xmlns:a16="http://schemas.microsoft.com/office/drawing/2014/main" id="{218A9DEE-4D7D-4863-8BCF-3531064E46D3}"/>
-              </a:ext>
-            </a:extLst>
-          </p:cNvPr>
-          <p:cNvSpPr>
-            <a:spLocks noGrp="1"/>
-          </p:cNvSpPr>
-          <p:nvPr>
-            <p:ph idx="1"/>
-          </p:nvPr>
-        </p:nvSpPr>
-        <p:spPr/>
-        <p:txBody>
-          <a:bodyPr/>
-          <a:lstStyle/>
-          <a:p>
-            <a:endParaRPr lang="en-US"/>
-          </a:p>
-        </p:txBody>
-      </p:sp>
       <p:pic>
         <p:nvPicPr>
           <p:cNvPr id="4" name="Picture 3">
             <a:extLst>
               <a:ext uri="{FF2B5EF4-FFF2-40B4-BE49-F238E27FC236}">
-                <a16:creationId xmlns:a16="http://schemas.microsoft.com/office/drawing/2014/main" id="{C19F6B8D-7033-4C0A-A089-A51551F9E006}"/>
+                <a16:creationId xmlns:a16="http://schemas.microsoft.com/office/drawing/2014/main" id="{BAB2CD9A-BAD6-4B41-8A4D-237F3661CA4E}"/>
               </a:ext>
             </a:extLst>
           </p:cNvPr>
@@ -8911,8 +10276,8 @@
         </p:blipFill>
         <p:spPr>
           <a:xfrm>
-            <a:off x="164795" y="136525"/>
-            <a:ext cx="11862410" cy="6845652"/>
+            <a:off x="3054193" y="228435"/>
+            <a:ext cx="6083613" cy="6401129"/>
           </a:xfrm>
           <a:prstGeom prst="rect">
             <a:avLst/>
@@ -8922,7 +10287,7 @@
     </p:spTree>
     <p:extLst>
       <p:ext uri="{BB962C8B-B14F-4D97-AF65-F5344CB8AC3E}">
-        <p14:creationId xmlns:p14="http://schemas.microsoft.com/office/powerpoint/2010/main" val="1549576465"/>
+        <p14:creationId xmlns:p14="http://schemas.microsoft.com/office/powerpoint/2010/main" val="3761961582"/>
       </p:ext>
     </p:extLst>
   </p:cSld>
@@ -8949,62 +10314,12 @@
           <a:chExt cx="0" cy="0"/>
         </a:xfrm>
       </p:grpSpPr>
-      <p:sp>
-        <p:nvSpPr>
-          <p:cNvPr id="2" name="Title 1">
-            <a:extLst>
-              <a:ext uri="{FF2B5EF4-FFF2-40B4-BE49-F238E27FC236}">
-                <a16:creationId xmlns:a16="http://schemas.microsoft.com/office/drawing/2014/main" id="{239978CB-7DD6-40B8-9E4D-DB881DC724C8}"/>
-              </a:ext>
-            </a:extLst>
-          </p:cNvPr>
-          <p:cNvSpPr>
-            <a:spLocks noGrp="1"/>
-          </p:cNvSpPr>
-          <p:nvPr>
-            <p:ph type="title"/>
-          </p:nvPr>
-        </p:nvSpPr>
-        <p:spPr/>
-        <p:txBody>
-          <a:bodyPr/>
-          <a:lstStyle/>
-          <a:p>
-            <a:endParaRPr lang="en-US"/>
-          </a:p>
-        </p:txBody>
-      </p:sp>
-      <p:sp>
-        <p:nvSpPr>
-          <p:cNvPr id="3" name="Content Placeholder 2">
-            <a:extLst>
-              <a:ext uri="{FF2B5EF4-FFF2-40B4-BE49-F238E27FC236}">
-                <a16:creationId xmlns:a16="http://schemas.microsoft.com/office/drawing/2014/main" id="{35FECA7D-3A43-42AF-AF63-ED2F3EC0505F}"/>
-              </a:ext>
-            </a:extLst>
-          </p:cNvPr>
-          <p:cNvSpPr>
-            <a:spLocks noGrp="1"/>
-          </p:cNvSpPr>
-          <p:nvPr>
-            <p:ph idx="1"/>
-          </p:nvPr>
-        </p:nvSpPr>
-        <p:spPr/>
-        <p:txBody>
-          <a:bodyPr/>
-          <a:lstStyle/>
-          <a:p>
-            <a:endParaRPr lang="en-US"/>
-          </a:p>
-        </p:txBody>
-      </p:sp>
       <p:pic>
         <p:nvPicPr>
           <p:cNvPr id="4" name="Picture 3">
             <a:extLst>
               <a:ext uri="{FF2B5EF4-FFF2-40B4-BE49-F238E27FC236}">
-                <a16:creationId xmlns:a16="http://schemas.microsoft.com/office/drawing/2014/main" id="{FE6BA3DE-3323-4E23-AB43-AC5712DFFCC7}"/>
+                <a16:creationId xmlns:a16="http://schemas.microsoft.com/office/drawing/2014/main" id="{F12AEFAC-8EDA-4E29-8AB9-5255FDD6E52C}"/>
               </a:ext>
             </a:extLst>
           </p:cNvPr>
@@ -9021,8 +10336,323 @@
         </p:blipFill>
         <p:spPr>
           <a:xfrm>
-            <a:off x="164795" y="6174"/>
+            <a:off x="1561867" y="504674"/>
+            <a:ext cx="9068266" cy="5848651"/>
+          </a:xfrm>
+          <a:prstGeom prst="rect">
+            <a:avLst/>
+          </a:prstGeom>
+        </p:spPr>
+      </p:pic>
+    </p:spTree>
+    <p:extLst>
+      <p:ext uri="{BB962C8B-B14F-4D97-AF65-F5344CB8AC3E}">
+        <p14:creationId xmlns:p14="http://schemas.microsoft.com/office/powerpoint/2010/main" val="3442542927"/>
+      </p:ext>
+    </p:extLst>
+  </p:cSld>
+  <p:clrMapOvr>
+    <a:masterClrMapping/>
+  </p:clrMapOvr>
+</p:sld>
+</file>
+
+<file path=ppt/slides/slide22.xml><?xml version="1.0" encoding="utf-8"?>
+<p:sld xmlns:a="http://schemas.openxmlformats.org/drawingml/2006/main" xmlns:r="http://schemas.openxmlformats.org/officeDocument/2006/relationships" xmlns:p="http://schemas.openxmlformats.org/presentationml/2006/main">
+  <p:cSld>
+    <p:spTree>
+      <p:nvGrpSpPr>
+        <p:cNvPr id="1" name=""/>
+        <p:cNvGrpSpPr/>
+        <p:nvPr/>
+      </p:nvGrpSpPr>
+      <p:grpSpPr>
+        <a:xfrm>
+          <a:off x="0" y="0"/>
+          <a:ext cx="0" cy="0"/>
+          <a:chOff x="0" y="0"/>
+          <a:chExt cx="0" cy="0"/>
+        </a:xfrm>
+      </p:grpSpPr>
+      <p:pic>
+        <p:nvPicPr>
+          <p:cNvPr id="4" name="Picture 3">
+            <a:extLst>
+              <a:ext uri="{FF2B5EF4-FFF2-40B4-BE49-F238E27FC236}">
+                <a16:creationId xmlns:a16="http://schemas.microsoft.com/office/drawing/2014/main" id="{623BE546-FBD6-4550-819F-E2E846D5A641}"/>
+              </a:ext>
+            </a:extLst>
+          </p:cNvPr>
+          <p:cNvPicPr>
+            <a:picLocks noChangeAspect="1"/>
+          </p:cNvPicPr>
+          <p:nvPr/>
+        </p:nvPicPr>
+        <p:blipFill>
+          <a:blip r:embed="rId2"/>
+          <a:stretch>
+            <a:fillRect/>
+          </a:stretch>
+        </p:blipFill>
+        <p:spPr>
+          <a:xfrm>
+            <a:off x="0" y="197643"/>
+            <a:ext cx="12192000" cy="6462713"/>
+          </a:xfrm>
+          <a:prstGeom prst="rect">
+            <a:avLst/>
+          </a:prstGeom>
+        </p:spPr>
+      </p:pic>
+    </p:spTree>
+    <p:extLst>
+      <p:ext uri="{BB962C8B-B14F-4D97-AF65-F5344CB8AC3E}">
+        <p14:creationId xmlns:p14="http://schemas.microsoft.com/office/powerpoint/2010/main" val="370104894"/>
+      </p:ext>
+    </p:extLst>
+  </p:cSld>
+  <p:clrMapOvr>
+    <a:masterClrMapping/>
+  </p:clrMapOvr>
+</p:sld>
+</file>
+
+<file path=ppt/slides/slide23.xml><?xml version="1.0" encoding="utf-8"?>
+<p:sld xmlns:a="http://schemas.openxmlformats.org/drawingml/2006/main" xmlns:r="http://schemas.openxmlformats.org/officeDocument/2006/relationships" xmlns:p="http://schemas.openxmlformats.org/presentationml/2006/main">
+  <p:cSld>
+    <p:spTree>
+      <p:nvGrpSpPr>
+        <p:cNvPr id="1" name=""/>
+        <p:cNvGrpSpPr/>
+        <p:nvPr/>
+      </p:nvGrpSpPr>
+      <p:grpSpPr>
+        <a:xfrm>
+          <a:off x="0" y="0"/>
+          <a:ext cx="0" cy="0"/>
+          <a:chOff x="0" y="0"/>
+          <a:chExt cx="0" cy="0"/>
+        </a:xfrm>
+      </p:grpSpPr>
+      <p:pic>
+        <p:nvPicPr>
+          <p:cNvPr id="5" name="Picture 4">
+            <a:extLst>
+              <a:ext uri="{FF2B5EF4-FFF2-40B4-BE49-F238E27FC236}">
+                <a16:creationId xmlns:a16="http://schemas.microsoft.com/office/drawing/2014/main" id="{9B9CAB55-1222-4045-BC09-2994D6A36780}"/>
+              </a:ext>
+            </a:extLst>
+          </p:cNvPr>
+          <p:cNvPicPr>
+            <a:picLocks noChangeAspect="1"/>
+          </p:cNvPicPr>
+          <p:nvPr/>
+        </p:nvPicPr>
+        <p:blipFill>
+          <a:blip r:embed="rId2"/>
+          <a:stretch>
+            <a:fillRect/>
+          </a:stretch>
+        </p:blipFill>
+        <p:spPr>
+          <a:xfrm>
+            <a:off x="2238176" y="422120"/>
+            <a:ext cx="7715647" cy="6013759"/>
+          </a:xfrm>
+          <a:prstGeom prst="rect">
+            <a:avLst/>
+          </a:prstGeom>
+        </p:spPr>
+      </p:pic>
+    </p:spTree>
+    <p:extLst>
+      <p:ext uri="{BB962C8B-B14F-4D97-AF65-F5344CB8AC3E}">
+        <p14:creationId xmlns:p14="http://schemas.microsoft.com/office/powerpoint/2010/main" val="2690206312"/>
+      </p:ext>
+    </p:extLst>
+  </p:cSld>
+  <p:clrMapOvr>
+    <a:masterClrMapping/>
+  </p:clrMapOvr>
+</p:sld>
+</file>
+
+<file path=ppt/slides/slide24.xml><?xml version="1.0" encoding="utf-8"?>
+<p:sld xmlns:a="http://schemas.openxmlformats.org/drawingml/2006/main" xmlns:r="http://schemas.openxmlformats.org/officeDocument/2006/relationships" xmlns:p="http://schemas.openxmlformats.org/presentationml/2006/main">
+  <p:cSld>
+    <p:spTree>
+      <p:nvGrpSpPr>
+        <p:cNvPr id="1" name=""/>
+        <p:cNvGrpSpPr/>
+        <p:nvPr/>
+      </p:nvGrpSpPr>
+      <p:grpSpPr>
+        <a:xfrm>
+          <a:off x="0" y="0"/>
+          <a:ext cx="0" cy="0"/>
+          <a:chOff x="0" y="0"/>
+          <a:chExt cx="0" cy="0"/>
+        </a:xfrm>
+      </p:grpSpPr>
+      <p:sp>
+        <p:nvSpPr>
+          <p:cNvPr id="2" name="Title 1">
+            <a:extLst>
+              <a:ext uri="{FF2B5EF4-FFF2-40B4-BE49-F238E27FC236}">
+                <a16:creationId xmlns:a16="http://schemas.microsoft.com/office/drawing/2014/main" id="{D6968019-7CF3-4B5C-A4FE-4591AFAEECA0}"/>
+              </a:ext>
+            </a:extLst>
+          </p:cNvPr>
+          <p:cNvSpPr>
+            <a:spLocks noGrp="1"/>
+          </p:cNvSpPr>
+          <p:nvPr>
+            <p:ph type="title"/>
+          </p:nvPr>
+        </p:nvSpPr>
+        <p:spPr/>
+        <p:txBody>
+          <a:bodyPr/>
+          <a:lstStyle/>
+          <a:p>
+            <a:endParaRPr lang="en-US"/>
+          </a:p>
+        </p:txBody>
+      </p:sp>
+      <p:sp>
+        <p:nvSpPr>
+          <p:cNvPr id="3" name="Content Placeholder 2">
+            <a:extLst>
+              <a:ext uri="{FF2B5EF4-FFF2-40B4-BE49-F238E27FC236}">
+                <a16:creationId xmlns:a16="http://schemas.microsoft.com/office/drawing/2014/main" id="{218A9DEE-4D7D-4863-8BCF-3531064E46D3}"/>
+              </a:ext>
+            </a:extLst>
+          </p:cNvPr>
+          <p:cNvSpPr>
+            <a:spLocks noGrp="1"/>
+          </p:cNvSpPr>
+          <p:nvPr>
+            <p:ph idx="1"/>
+          </p:nvPr>
+        </p:nvSpPr>
+        <p:spPr/>
+        <p:txBody>
+          <a:bodyPr/>
+          <a:lstStyle/>
+          <a:p>
+            <a:endParaRPr lang="en-US"/>
+          </a:p>
+        </p:txBody>
+      </p:sp>
+      <p:pic>
+        <p:nvPicPr>
+          <p:cNvPr id="4" name="Picture 3">
+            <a:extLst>
+              <a:ext uri="{FF2B5EF4-FFF2-40B4-BE49-F238E27FC236}">
+                <a16:creationId xmlns:a16="http://schemas.microsoft.com/office/drawing/2014/main" id="{C19F6B8D-7033-4C0A-A089-A51551F9E006}"/>
+              </a:ext>
+            </a:extLst>
+          </p:cNvPr>
+          <p:cNvPicPr>
+            <a:picLocks noChangeAspect="1"/>
+          </p:cNvPicPr>
+          <p:nvPr/>
+        </p:nvPicPr>
+        <p:blipFill>
+          <a:blip r:embed="rId2"/>
+          <a:stretch>
+            <a:fillRect/>
+          </a:stretch>
+        </p:blipFill>
+        <p:spPr>
+          <a:xfrm>
+            <a:off x="224062" y="-92075"/>
             <a:ext cx="11862410" cy="6845652"/>
+          </a:xfrm>
+          <a:prstGeom prst="rect">
+            <a:avLst/>
+          </a:prstGeom>
+        </p:spPr>
+      </p:pic>
+    </p:spTree>
+    <p:extLst>
+      <p:ext uri="{BB962C8B-B14F-4D97-AF65-F5344CB8AC3E}">
+        <p14:creationId xmlns:p14="http://schemas.microsoft.com/office/powerpoint/2010/main" val="1549576465"/>
+      </p:ext>
+    </p:extLst>
+  </p:cSld>
+  <p:clrMapOvr>
+    <a:masterClrMapping/>
+  </p:clrMapOvr>
+</p:sld>
+</file>
+
+<file path=ppt/slides/slide25.xml><?xml version="1.0" encoding="utf-8"?>
+<p:sld xmlns:a="http://schemas.openxmlformats.org/drawingml/2006/main" xmlns:r="http://schemas.openxmlformats.org/officeDocument/2006/relationships" xmlns:p="http://schemas.openxmlformats.org/presentationml/2006/main">
+  <p:cSld>
+    <p:spTree>
+      <p:nvGrpSpPr>
+        <p:cNvPr id="1" name=""/>
+        <p:cNvGrpSpPr/>
+        <p:nvPr/>
+      </p:nvGrpSpPr>
+      <p:grpSpPr>
+        <a:xfrm>
+          <a:off x="0" y="0"/>
+          <a:ext cx="0" cy="0"/>
+          <a:chOff x="0" y="0"/>
+          <a:chExt cx="0" cy="0"/>
+        </a:xfrm>
+      </p:grpSpPr>
+      <p:sp>
+        <p:nvSpPr>
+          <p:cNvPr id="3" name="Content Placeholder 2">
+            <a:extLst>
+              <a:ext uri="{FF2B5EF4-FFF2-40B4-BE49-F238E27FC236}">
+                <a16:creationId xmlns:a16="http://schemas.microsoft.com/office/drawing/2014/main" id="{35FECA7D-3A43-42AF-AF63-ED2F3EC0505F}"/>
+              </a:ext>
+            </a:extLst>
+          </p:cNvPr>
+          <p:cNvSpPr>
+            <a:spLocks noGrp="1"/>
+          </p:cNvSpPr>
+          <p:nvPr>
+            <p:ph idx="1"/>
+          </p:nvPr>
+        </p:nvSpPr>
+        <p:spPr/>
+        <p:txBody>
+          <a:bodyPr/>
+          <a:lstStyle/>
+          <a:p>
+            <a:endParaRPr lang="en-US"/>
+          </a:p>
+        </p:txBody>
+      </p:sp>
+      <p:pic>
+        <p:nvPicPr>
+          <p:cNvPr id="4" name="Picture 3">
+            <a:extLst>
+              <a:ext uri="{FF2B5EF4-FFF2-40B4-BE49-F238E27FC236}">
+                <a16:creationId xmlns:a16="http://schemas.microsoft.com/office/drawing/2014/main" id="{FE6BA3DE-3323-4E23-AB43-AC5712DFFCC7}"/>
+              </a:ext>
+            </a:extLst>
+          </p:cNvPr>
+          <p:cNvPicPr>
+            <a:picLocks noChangeAspect="1"/>
+          </p:cNvPicPr>
+          <p:nvPr/>
+        </p:nvPicPr>
+        <p:blipFill>
+          <a:blip r:embed="rId2"/>
+          <a:stretch>
+            <a:fillRect/>
+          </a:stretch>
+        </p:blipFill>
+        <p:spPr>
+          <a:xfrm>
+            <a:off x="427160" y="179444"/>
+            <a:ext cx="11056512" cy="6380578"/>
           </a:xfrm>
           <a:prstGeom prst="rect">
             <a:avLst/>
@@ -9055,13 +10685,13 @@
         </p:spPr>
         <p:style>
           <a:lnRef idx="1">
-            <a:schemeClr val="accent1"/>
+            <a:schemeClr val="accent4"/>
           </a:lnRef>
           <a:fillRef idx="0">
-            <a:schemeClr val="accent1"/>
+            <a:schemeClr val="accent4"/>
           </a:fillRef>
           <a:effectRef idx="0">
-            <a:schemeClr val="accent1"/>
+            <a:schemeClr val="accent4"/>
           </a:effectRef>
           <a:fontRef idx="minor">
             <a:schemeClr val="tx1"/>
@@ -9070,35 +10700,53 @@
       </p:cxnSp>
       <p:sp>
         <p:nvSpPr>
-          <p:cNvPr id="7" name="TextBox 6">
+          <p:cNvPr id="5" name="Oval 4">
             <a:extLst>
               <a:ext uri="{FF2B5EF4-FFF2-40B4-BE49-F238E27FC236}">
-                <a16:creationId xmlns:a16="http://schemas.microsoft.com/office/drawing/2014/main" id="{45C41B2D-4438-43B3-8AB4-07F585659B75}"/>
+                <a16:creationId xmlns:a16="http://schemas.microsoft.com/office/drawing/2014/main" id="{AE258DEA-7817-41B9-9568-EEED9DB9DEA8}"/>
               </a:ext>
             </a:extLst>
           </p:cNvPr>
-          <p:cNvSpPr txBox="1"/>
+          <p:cNvSpPr/>
           <p:nvPr/>
         </p:nvSpPr>
         <p:spPr>
           <a:xfrm>
-            <a:off x="234950" y="1295400"/>
-            <a:ext cx="1631950" cy="923330"/>
-          </a:xfrm>
-          <a:prstGeom prst="rect">
+            <a:off x="634054" y="924662"/>
+            <a:ext cx="1702105" cy="1400530"/>
+          </a:xfrm>
+          <a:prstGeom prst="ellipse">
             <a:avLst/>
           </a:prstGeom>
-          <a:noFill/>
-        </p:spPr>
-        <p:txBody>
-          <a:bodyPr wrap="square" rtlCol="0">
-            <a:spAutoFit/>
-          </a:bodyPr>
+        </p:spPr>
+        <p:style>
+          <a:lnRef idx="2">
+            <a:schemeClr val="accent4">
+              <a:shade val="50000"/>
+            </a:schemeClr>
+          </a:lnRef>
+          <a:fillRef idx="1">
+            <a:schemeClr val="accent4"/>
+          </a:fillRef>
+          <a:effectRef idx="0">
+            <a:schemeClr val="accent4"/>
+          </a:effectRef>
+          <a:fontRef idx="minor">
+            <a:schemeClr val="lt1"/>
+          </a:fontRef>
+        </p:style>
+        <p:txBody>
+          <a:bodyPr rtlCol="0" anchor="ctr"/>
           <a:lstStyle/>
           <a:p>
-            <a:r>
-              <a:rPr lang="en-US" dirty="0"/>
-              <a:t>Interesting, what age is this? </a:t>
+            <a:pPr algn="ctr"/>
+            <a:r>
+              <a:rPr lang="en-US" sz="1100" dirty="0">
+                <a:solidFill>
+                  <a:schemeClr val="bg1"/>
+                </a:solidFill>
+              </a:rPr>
+              <a:t>Makes you think what jobs are within 1 mile that people~30 are leaving?</a:t>
             </a:r>
           </a:p>
         </p:txBody>
@@ -9116,7 +10764,7 @@
 </p:sld>
 </file>
 
-<file path=ppt/slides/slide22.xml><?xml version="1.0" encoding="utf-8"?>
+<file path=ppt/slides/slide26.xml><?xml version="1.0" encoding="utf-8"?>
 <p:sld xmlns:a="http://schemas.openxmlformats.org/drawingml/2006/main" xmlns:r="http://schemas.openxmlformats.org/officeDocument/2006/relationships" xmlns:p="http://schemas.openxmlformats.org/presentationml/2006/main">
   <p:cSld>
     <p:spTree>
@@ -9471,7 +11119,7 @@
           <a:p>
             <a:r>
               <a:rPr lang="en-US" dirty="0"/>
-              <a:t>How can retain employees?</a:t>
+              <a:t>How can we retain employees?</a:t>
             </a:r>
           </a:p>
           <a:p>
@@ -10034,7 +11682,7 @@
               </a:lnSpc>
             </a:pPr>
             <a:r>
-              <a:rPr lang="en-US" sz="3300">
+              <a:rPr lang="en-US" sz="3300" dirty="0">
                 <a:solidFill>
                   <a:srgbClr val="EBEBEB"/>
                 </a:solidFill>
@@ -10537,20 +12185,94 @@
           <a:p>
             <a:r>
               <a:rPr lang="en-US" dirty="0"/>
-              <a:t>Talk about excluded variables for model</a:t>
-            </a:r>
-          </a:p>
-          <a:p>
-            <a:r>
-              <a:rPr lang="en-US" dirty="0"/>
-              <a:t>Stepwise shows top attributes to be Job level, Performance Rating, and Monthly Income.</a:t>
-            </a:r>
-          </a:p>
-          <a:p>
-            <a:r>
-              <a:rPr lang="en-US" dirty="0"/>
-              <a:t>Lets look a little further.</a:t>
-            </a:r>
+              <a:t>From stepwise selection method we produce the below model:</a:t>
+            </a:r>
+          </a:p>
+          <a:p>
+            <a:pPr marL="457200" lvl="1" indent="0">
+              <a:buNone/>
+            </a:pPr>
+            <a:r>
+              <a:rPr lang="en-US" sz="1400" dirty="0"/>
+              <a:t>Attrition = </a:t>
+            </a:r>
+            <a:r>
+              <a:rPr lang="en-US" sz="1400" dirty="0" err="1"/>
+              <a:t>JobRole</a:t>
+            </a:r>
+            <a:r>
+              <a:rPr lang="en-US" sz="1400" dirty="0"/>
+              <a:t> + </a:t>
+            </a:r>
+            <a:r>
+              <a:rPr lang="en-US" sz="1400" dirty="0" err="1"/>
+              <a:t>StockOptionLevel</a:t>
+            </a:r>
+            <a:r>
+              <a:rPr lang="en-US" sz="1400" dirty="0"/>
+              <a:t> + </a:t>
+            </a:r>
+            <a:r>
+              <a:rPr lang="en-US" sz="1400" dirty="0" err="1"/>
+              <a:t>YearlyIncomeGroup</a:t>
+            </a:r>
+            <a:r>
+              <a:rPr lang="en-US" sz="1400" dirty="0"/>
+              <a:t> + </a:t>
+            </a:r>
+            <a:r>
+              <a:rPr lang="en-US" sz="1400" dirty="0" err="1"/>
+              <a:t>EnvironmentSatisfaction</a:t>
+            </a:r>
+            <a:r>
+              <a:rPr lang="en-US" sz="1400" dirty="0"/>
+              <a:t> + </a:t>
+            </a:r>
+            <a:r>
+              <a:rPr lang="en-US" sz="1400" dirty="0" err="1"/>
+              <a:t>DistanceFromHome</a:t>
+            </a:r>
+            <a:r>
+              <a:rPr lang="en-US" sz="1400" dirty="0"/>
+              <a:t> + </a:t>
+            </a:r>
+            <a:r>
+              <a:rPr lang="en-US" sz="1400" dirty="0" err="1"/>
+              <a:t>NumCompaniesWorked</a:t>
+            </a:r>
+            <a:r>
+              <a:rPr lang="en-US" sz="1400" dirty="0"/>
+              <a:t> + Age + </a:t>
+            </a:r>
+            <a:r>
+              <a:rPr lang="en-US" sz="1400" dirty="0" err="1"/>
+              <a:t>YearsInCurrentRole</a:t>
+            </a:r>
+            <a:r>
+              <a:rPr lang="en-US" sz="1400" dirty="0"/>
+              <a:t> + </a:t>
+            </a:r>
+            <a:r>
+              <a:rPr lang="en-US" sz="1400" dirty="0" err="1"/>
+              <a:t>YersSinceLastPromotion</a:t>
+            </a:r>
+            <a:r>
+              <a:rPr lang="en-US" sz="1400" dirty="0"/>
+              <a:t> + </a:t>
+            </a:r>
+            <a:r>
+              <a:rPr lang="en-US" sz="1400" dirty="0" err="1"/>
+              <a:t>WorkLifeBalance</a:t>
+            </a:r>
+            <a:r>
+              <a:rPr lang="en-US" sz="1400" dirty="0"/>
+              <a:t> + </a:t>
+            </a:r>
+            <a:r>
+              <a:rPr lang="en-US" sz="1400" dirty="0" err="1"/>
+              <a:t>DailyRate</a:t>
+            </a:r>
+            <a:endParaRPr lang="en-US" sz="1400" dirty="0"/>
           </a:p>
         </p:txBody>
       </p:sp>
@@ -10601,6 +12323,31 @@
 <file path=ppt/slides/slide6.xml><?xml version="1.0" encoding="utf-8"?>
 <p:sld xmlns:a="http://schemas.openxmlformats.org/drawingml/2006/main" xmlns:r="http://schemas.openxmlformats.org/officeDocument/2006/relationships" xmlns:p="http://schemas.openxmlformats.org/presentationml/2006/main">
   <p:cSld>
+    <p:bg>
+      <p:bgPr>
+        <a:blipFill rotWithShape="1">
+          <a:blip r:embed="rId2">
+            <a:duotone>
+              <a:schemeClr val="bg2">
+                <a:shade val="69000"/>
+                <a:hueMod val="108000"/>
+                <a:satMod val="164000"/>
+                <a:lumMod val="74000"/>
+              </a:schemeClr>
+              <a:schemeClr val="bg2">
+                <a:tint val="96000"/>
+                <a:hueMod val="88000"/>
+                <a:satMod val="140000"/>
+                <a:lumMod val="132000"/>
+              </a:schemeClr>
+            </a:duotone>
+            <a:extLst/>
+          </a:blip>
+          <a:stretch/>
+        </a:blipFill>
+        <a:effectLst/>
+      </p:bgPr>
+    </p:bg>
     <p:spTree>
       <p:nvGrpSpPr>
         <p:cNvPr id="1" name=""/>
@@ -10615,40 +12362,384 @@
           <a:chExt cx="0" cy="0"/>
         </a:xfrm>
       </p:grpSpPr>
-      <p:sp>
-        <p:nvSpPr>
-          <p:cNvPr id="2" name="Title 1">
+      <p:pic>
+        <p:nvPicPr>
+          <p:cNvPr id="10" name="Picture 9">
             <a:extLst>
               <a:ext uri="{FF2B5EF4-FFF2-40B4-BE49-F238E27FC236}">
-                <a16:creationId xmlns:a16="http://schemas.microsoft.com/office/drawing/2014/main" id="{48A4BB22-8C36-4EB3-AE0E-1239372524D6}"/>
+                <a16:creationId xmlns:a16="http://schemas.microsoft.com/office/drawing/2014/main" id="{C9ECDD5C-152A-4CC7-8333-0F367B3A62EA}"/>
+              </a:ext>
+              <a:ext uri="{C183D7F6-B498-43B3-948B-1728B52AA6E4}">
+                <adec:decorative xmlns:adec="http://schemas.microsoft.com/office/drawing/2017/decorative" val="1"/>
+              </a:ext>
+            </a:extLst>
+          </p:cNvPr>
+          <p:cNvPicPr>
+            <a:picLocks noGrp="1" noRot="1" noChangeAspect="1" noMove="1" noResize="1" noEditPoints="1" noAdjustHandles="1" noChangeArrowheads="1" noChangeShapeType="1" noCrop="1"/>
+          </p:cNvPicPr>
+          <p:nvPr>
+            <p:extLst>
+              <p:ext uri="{386F3935-93C4-4BCD-93E2-E3B085C9AB24}">
+                <p16:designElem xmlns:p16="http://schemas.microsoft.com/office/powerpoint/2015/main" val="1"/>
+              </p:ext>
+            </p:extLst>
+          </p:nvPr>
+        </p:nvPicPr>
+        <p:blipFill rotWithShape="1">
+          <a:blip r:embed="rId3">
+            <a:extLst>
+              <a:ext uri="{28A0092B-C50C-407E-A947-70E740481C1C}">
+                <a14:useLocalDpi xmlns:a14="http://schemas.microsoft.com/office/drawing/2010/main" val="0"/>
+              </a:ext>
+            </a:extLst>
+          </a:blip>
+          <a:srcRect l="3613"/>
+          <a:stretch/>
+        </p:blipFill>
+        <p:spPr>
+          <a:xfrm>
+            <a:off x="0" y="2669685"/>
+            <a:ext cx="4037012" cy="4188315"/>
+          </a:xfrm>
+          <a:prstGeom prst="rect">
+            <a:avLst/>
+          </a:prstGeom>
+        </p:spPr>
+      </p:pic>
+      <p:pic>
+        <p:nvPicPr>
+          <p:cNvPr id="12" name="Picture 11">
+            <a:extLst>
+              <a:ext uri="{FF2B5EF4-FFF2-40B4-BE49-F238E27FC236}">
+                <a16:creationId xmlns:a16="http://schemas.microsoft.com/office/drawing/2014/main" id="{7F5C92A3-369B-43F3-BDCE-E560B1B0EC89}"/>
+              </a:ext>
+              <a:ext uri="{C183D7F6-B498-43B3-948B-1728B52AA6E4}">
+                <adec:decorative xmlns:adec="http://schemas.microsoft.com/office/drawing/2017/decorative" val="1"/>
+              </a:ext>
+            </a:extLst>
+          </p:cNvPr>
+          <p:cNvPicPr>
+            <a:picLocks noGrp="1" noRot="1" noChangeAspect="1" noMove="1" noResize="1" noEditPoints="1" noAdjustHandles="1" noChangeArrowheads="1" noChangeShapeType="1" noCrop="1"/>
+          </p:cNvPicPr>
+          <p:nvPr>
+            <p:extLst>
+              <p:ext uri="{386F3935-93C4-4BCD-93E2-E3B085C9AB24}">
+                <p16:designElem xmlns:p16="http://schemas.microsoft.com/office/powerpoint/2015/main" val="1"/>
+              </p:ext>
+            </p:extLst>
+          </p:nvPr>
+        </p:nvPicPr>
+        <p:blipFill rotWithShape="1">
+          <a:blip r:embed="rId4">
+            <a:extLst>
+              <a:ext uri="{28A0092B-C50C-407E-A947-70E740481C1C}">
+                <a14:useLocalDpi xmlns:a14="http://schemas.microsoft.com/office/drawing/2010/main" val="0"/>
+              </a:ext>
+            </a:extLst>
+          </a:blip>
+          <a:srcRect l="35640"/>
+          <a:stretch/>
+        </p:blipFill>
+        <p:spPr>
+          <a:xfrm>
+            <a:off x="0" y="2892347"/>
+            <a:ext cx="1522412" cy="2365453"/>
+          </a:xfrm>
+          <a:prstGeom prst="rect">
+            <a:avLst/>
+          </a:prstGeom>
+        </p:spPr>
+      </p:pic>
+      <p:sp>
+        <p:nvSpPr>
+          <p:cNvPr id="14" name="Oval 13">
+            <a:extLst>
+              <a:ext uri="{FF2B5EF4-FFF2-40B4-BE49-F238E27FC236}">
+                <a16:creationId xmlns:a16="http://schemas.microsoft.com/office/drawing/2014/main" id="{AEBE9F1A-B38D-446E-83AE-14B17CE77FF2}"/>
+              </a:ext>
+              <a:ext uri="{C183D7F6-B498-43B3-948B-1728B52AA6E4}">
+                <adec:decorative xmlns:adec="http://schemas.microsoft.com/office/drawing/2017/decorative" val="1"/>
               </a:ext>
             </a:extLst>
           </p:cNvPr>
           <p:cNvSpPr>
-            <a:spLocks noGrp="1"/>
+            <a:spLocks noGrp="1" noRot="1" noChangeAspect="1" noMove="1" noResize="1" noEditPoints="1" noAdjustHandles="1" noChangeArrowheads="1" noChangeShapeType="1" noTextEdit="1"/>
           </p:cNvSpPr>
           <p:nvPr>
-            <p:ph type="title"/>
-          </p:nvPr>
-        </p:nvSpPr>
-        <p:spPr/>
-        <p:txBody>
-          <a:bodyPr/>
-          <a:lstStyle/>
-          <a:p>
-            <a:r>
-              <a:rPr lang="en-US" dirty="0"/>
-              <a:t>Meets criterion for stepwise selection, normality and independence</a:t>
-            </a:r>
-          </a:p>
-        </p:txBody>
+            <p:extLst>
+              <p:ext uri="{386F3935-93C4-4BCD-93E2-E3B085C9AB24}">
+                <p16:designElem xmlns:p16="http://schemas.microsoft.com/office/powerpoint/2015/main" val="1"/>
+              </p:ext>
+            </p:extLst>
+          </p:nvPr>
+        </p:nvSpPr>
+        <p:spPr>
+          <a:xfrm>
+            <a:off x="8609012" y="1676400"/>
+            <a:ext cx="2819400" cy="2819400"/>
+          </a:xfrm>
+          <a:prstGeom prst="ellipse">
+            <a:avLst/>
+          </a:prstGeom>
+          <a:gradFill flip="none" rotWithShape="1">
+            <a:gsLst>
+              <a:gs pos="0">
+                <a:schemeClr val="bg2">
+                  <a:lumMod val="60000"/>
+                  <a:lumOff val="40000"/>
+                  <a:alpha val="7000"/>
+                </a:schemeClr>
+              </a:gs>
+              <a:gs pos="69000">
+                <a:schemeClr val="bg2">
+                  <a:lumMod val="60000"/>
+                  <a:lumOff val="40000"/>
+                  <a:alpha val="0"/>
+                </a:schemeClr>
+              </a:gs>
+              <a:gs pos="36000">
+                <a:schemeClr val="bg2">
+                  <a:lumMod val="60000"/>
+                  <a:lumOff val="40000"/>
+                  <a:alpha val="6000"/>
+                </a:schemeClr>
+              </a:gs>
+            </a:gsLst>
+            <a:path path="circle">
+              <a:fillToRect l="50000" t="50000" r="50000" b="50000"/>
+            </a:path>
+            <a:tileRect/>
+          </a:gradFill>
+          <a:ln>
+            <a:noFill/>
+          </a:ln>
+          <a:effectLst/>
+        </p:spPr>
+        <p:style>
+          <a:lnRef idx="1">
+            <a:schemeClr val="accent1"/>
+          </a:lnRef>
+          <a:fillRef idx="3">
+            <a:schemeClr val="accent1"/>
+          </a:fillRef>
+          <a:effectRef idx="2">
+            <a:schemeClr val="accent1"/>
+          </a:effectRef>
+          <a:fontRef idx="minor">
+            <a:schemeClr val="lt1"/>
+          </a:fontRef>
+        </p:style>
       </p:sp>
       <p:pic>
         <p:nvPicPr>
-          <p:cNvPr id="4" name="Content Placeholder 3">
+          <p:cNvPr id="16" name="Picture 15">
             <a:extLst>
               <a:ext uri="{FF2B5EF4-FFF2-40B4-BE49-F238E27FC236}">
-                <a16:creationId xmlns:a16="http://schemas.microsoft.com/office/drawing/2014/main" id="{F6371A19-D4EA-41C8-8E2D-E11325EEA3C3}"/>
+                <a16:creationId xmlns:a16="http://schemas.microsoft.com/office/drawing/2014/main" id="{915B5014-A7EC-4BA6-9C83-8840CF81DB28}"/>
+              </a:ext>
+              <a:ext uri="{C183D7F6-B498-43B3-948B-1728B52AA6E4}">
+                <adec:decorative xmlns:adec="http://schemas.microsoft.com/office/drawing/2017/decorative" val="1"/>
+              </a:ext>
+            </a:extLst>
+          </p:cNvPr>
+          <p:cNvPicPr>
+            <a:picLocks noGrp="1" noRot="1" noChangeAspect="1" noMove="1" noResize="1" noEditPoints="1" noAdjustHandles="1" noChangeArrowheads="1" noChangeShapeType="1" noCrop="1"/>
+          </p:cNvPicPr>
+          <p:nvPr>
+            <p:extLst>
+              <p:ext uri="{386F3935-93C4-4BCD-93E2-E3B085C9AB24}">
+                <p16:designElem xmlns:p16="http://schemas.microsoft.com/office/powerpoint/2015/main" val="1"/>
+              </p:ext>
+            </p:extLst>
+          </p:nvPr>
+        </p:nvPicPr>
+        <p:blipFill rotWithShape="1">
+          <a:blip r:embed="rId5">
+            <a:extLst>
+              <a:ext uri="{28A0092B-C50C-407E-A947-70E740481C1C}">
+                <a14:useLocalDpi xmlns:a14="http://schemas.microsoft.com/office/drawing/2010/main" val="0"/>
+              </a:ext>
+            </a:extLst>
+          </a:blip>
+          <a:srcRect t="28813"/>
+          <a:stretch/>
+        </p:blipFill>
+        <p:spPr>
+          <a:xfrm>
+            <a:off x="7999412" y="0"/>
+            <a:ext cx="1603387" cy="1141407"/>
+          </a:xfrm>
+          <a:prstGeom prst="rect">
+            <a:avLst/>
+          </a:prstGeom>
+        </p:spPr>
+      </p:pic>
+      <p:pic>
+        <p:nvPicPr>
+          <p:cNvPr id="18" name="Picture 17">
+            <a:extLst>
+              <a:ext uri="{FF2B5EF4-FFF2-40B4-BE49-F238E27FC236}">
+                <a16:creationId xmlns:a16="http://schemas.microsoft.com/office/drawing/2014/main" id="{022C43AB-86D7-420D-8AD7-DC0A15FDD0AF}"/>
+              </a:ext>
+              <a:ext uri="{C183D7F6-B498-43B3-948B-1728B52AA6E4}">
+                <adec:decorative xmlns:adec="http://schemas.microsoft.com/office/drawing/2017/decorative" val="1"/>
+              </a:ext>
+            </a:extLst>
+          </p:cNvPr>
+          <p:cNvPicPr>
+            <a:picLocks noGrp="1" noRot="1" noChangeAspect="1" noMove="1" noResize="1" noEditPoints="1" noAdjustHandles="1" noChangeArrowheads="1" noChangeShapeType="1" noCrop="1"/>
+          </p:cNvPicPr>
+          <p:nvPr>
+            <p:extLst>
+              <p:ext uri="{386F3935-93C4-4BCD-93E2-E3B085C9AB24}">
+                <p16:designElem xmlns:p16="http://schemas.microsoft.com/office/powerpoint/2015/main" val="1"/>
+              </p:ext>
+            </p:extLst>
+          </p:nvPr>
+        </p:nvPicPr>
+        <p:blipFill rotWithShape="1">
+          <a:blip r:embed="rId6">
+            <a:extLst>
+              <a:ext uri="{28A0092B-C50C-407E-A947-70E740481C1C}">
+                <a14:useLocalDpi xmlns:a14="http://schemas.microsoft.com/office/drawing/2010/main" val="0"/>
+              </a:ext>
+            </a:extLst>
+          </a:blip>
+          <a:srcRect b="23320"/>
+          <a:stretch/>
+        </p:blipFill>
+        <p:spPr>
+          <a:xfrm>
+            <a:off x="8605878" y="6096000"/>
+            <a:ext cx="993734" cy="762000"/>
+          </a:xfrm>
+          <a:prstGeom prst="rect">
+            <a:avLst/>
+          </a:prstGeom>
+        </p:spPr>
+      </p:pic>
+      <p:sp>
+        <p:nvSpPr>
+          <p:cNvPr id="20" name="Rectangle 19">
+            <a:extLst>
+              <a:ext uri="{FF2B5EF4-FFF2-40B4-BE49-F238E27FC236}">
+                <a16:creationId xmlns:a16="http://schemas.microsoft.com/office/drawing/2014/main" id="{5E3EB826-A471-488F-9E8A-D65528A3C0CA}"/>
+              </a:ext>
+              <a:ext uri="{C183D7F6-B498-43B3-948B-1728B52AA6E4}">
+                <adec:decorative xmlns:adec="http://schemas.microsoft.com/office/drawing/2017/decorative" val="1"/>
+              </a:ext>
+            </a:extLst>
+          </p:cNvPr>
+          <p:cNvSpPr>
+            <a:spLocks noGrp="1" noRot="1" noChangeAspect="1" noMove="1" noResize="1" noEditPoints="1" noAdjustHandles="1" noChangeArrowheads="1" noChangeShapeType="1" noTextEdit="1"/>
+          </p:cNvSpPr>
+          <p:nvPr>
+            <p:extLst>
+              <p:ext uri="{386F3935-93C4-4BCD-93E2-E3B085C9AB24}">
+                <p16:designElem xmlns:p16="http://schemas.microsoft.com/office/powerpoint/2015/main" val="1"/>
+              </p:ext>
+            </p:extLst>
+          </p:nvPr>
+        </p:nvSpPr>
+        <p:spPr>
+          <a:xfrm>
+            <a:off x="10437812" y="0"/>
+            <a:ext cx="685800" cy="1143000"/>
+          </a:xfrm>
+          <a:prstGeom prst="rect">
+            <a:avLst/>
+          </a:prstGeom>
+          <a:solidFill>
+            <a:schemeClr val="accent1"/>
+          </a:solidFill>
+          <a:ln>
+            <a:noFill/>
+          </a:ln>
+        </p:spPr>
+        <p:style>
+          <a:lnRef idx="1">
+            <a:schemeClr val="accent1"/>
+          </a:lnRef>
+          <a:fillRef idx="3">
+            <a:schemeClr val="accent1"/>
+          </a:fillRef>
+          <a:effectRef idx="2">
+            <a:schemeClr val="accent1"/>
+          </a:effectRef>
+          <a:fontRef idx="minor">
+            <a:schemeClr val="lt1"/>
+          </a:fontRef>
+        </p:style>
+      </p:sp>
+      <p:sp>
+        <p:nvSpPr>
+          <p:cNvPr id="22" name="Rectangle 21">
+            <a:extLst>
+              <a:ext uri="{FF2B5EF4-FFF2-40B4-BE49-F238E27FC236}">
+                <a16:creationId xmlns:a16="http://schemas.microsoft.com/office/drawing/2014/main" id="{DFB3CEA1-88D9-42FB-88ED-1E9807FE6596}"/>
+              </a:ext>
+              <a:ext uri="{C183D7F6-B498-43B3-948B-1728B52AA6E4}">
+                <adec:decorative xmlns:adec="http://schemas.microsoft.com/office/drawing/2017/decorative" val="1"/>
+              </a:ext>
+            </a:extLst>
+          </p:cNvPr>
+          <p:cNvSpPr>
+            <a:spLocks noGrp="1" noRot="1" noChangeAspect="1" noMove="1" noResize="1" noEditPoints="1" noAdjustHandles="1" noChangeArrowheads="1" noChangeShapeType="1" noTextEdit="1"/>
+          </p:cNvSpPr>
+          <p:nvPr>
+            <p:extLst>
+              <p:ext uri="{386F3935-93C4-4BCD-93E2-E3B085C9AB24}">
+                <p16:designElem xmlns:p16="http://schemas.microsoft.com/office/powerpoint/2015/main" val="1"/>
+              </p:ext>
+            </p:extLst>
+          </p:nvPr>
+        </p:nvSpPr>
+        <p:spPr>
+          <a:xfrm>
+            <a:off x="477012" y="480060"/>
+            <a:ext cx="11237976" cy="5897880"/>
+          </a:xfrm>
+          <a:prstGeom prst="rect">
+            <a:avLst/>
+          </a:prstGeom>
+          <a:solidFill>
+            <a:srgbClr val="FFFFFF"/>
+          </a:solidFill>
+          <a:ln>
+            <a:noFill/>
+          </a:ln>
+        </p:spPr>
+        <p:style>
+          <a:lnRef idx="2">
+            <a:schemeClr val="accent1">
+              <a:shade val="50000"/>
+            </a:schemeClr>
+          </a:lnRef>
+          <a:fillRef idx="1">
+            <a:schemeClr val="accent1"/>
+          </a:fillRef>
+          <a:effectRef idx="0">
+            <a:schemeClr val="accent1"/>
+          </a:effectRef>
+          <a:fontRef idx="minor">
+            <a:schemeClr val="lt1"/>
+          </a:fontRef>
+        </p:style>
+        <p:txBody>
+          <a:bodyPr rtlCol="0" anchor="ctr"/>
+          <a:lstStyle/>
+          <a:p>
+            <a:pPr algn="ctr"/>
+            <a:endParaRPr lang="en-US" dirty="0"/>
+          </a:p>
+        </p:txBody>
+      </p:sp>
+      <p:pic>
+        <p:nvPicPr>
+          <p:cNvPr id="7" name="Content Placeholder 3">
+            <a:extLst>
+              <a:ext uri="{FF2B5EF4-FFF2-40B4-BE49-F238E27FC236}">
+                <a16:creationId xmlns:a16="http://schemas.microsoft.com/office/drawing/2014/main" id="{BF8AE7AC-3172-405C-AD79-28224EA57742}"/>
               </a:ext>
             </a:extLst>
           </p:cNvPr>
@@ -10660,25 +12751,78 @@
           </p:nvPr>
         </p:nvPicPr>
         <p:blipFill>
-          <a:blip r:embed="rId2"/>
+          <a:blip r:embed="rId7"/>
           <a:stretch>
             <a:fillRect/>
           </a:stretch>
         </p:blipFill>
         <p:spPr>
           <a:xfrm>
-            <a:off x="3527345" y="2052638"/>
-            <a:ext cx="4099085" cy="4195762"/>
+            <a:off x="643467" y="961728"/>
+            <a:ext cx="10905066" cy="4934543"/>
           </a:xfrm>
           <a:prstGeom prst="rect">
             <a:avLst/>
           </a:prstGeom>
         </p:spPr>
       </p:pic>
+      <p:sp>
+        <p:nvSpPr>
+          <p:cNvPr id="24" name="Rectangle 23">
+            <a:extLst>
+              <a:ext uri="{FF2B5EF4-FFF2-40B4-BE49-F238E27FC236}">
+                <a16:creationId xmlns:a16="http://schemas.microsoft.com/office/drawing/2014/main" id="{9A6C928E-4252-4F33-8C34-E50A12A3170B}"/>
+              </a:ext>
+              <a:ext uri="{C183D7F6-B498-43B3-948B-1728B52AA6E4}">
+                <adec:decorative xmlns:adec="http://schemas.microsoft.com/office/drawing/2017/decorative" val="1"/>
+              </a:ext>
+            </a:extLst>
+          </p:cNvPr>
+          <p:cNvSpPr>
+            <a:spLocks noGrp="1" noRot="1" noChangeAspect="1" noMove="1" noResize="1" noEditPoints="1" noAdjustHandles="1" noChangeArrowheads="1" noChangeShapeType="1" noTextEdit="1"/>
+          </p:cNvSpPr>
+          <p:nvPr>
+            <p:extLst>
+              <p:ext uri="{386F3935-93C4-4BCD-93E2-E3B085C9AB24}">
+                <p16:designElem xmlns:p16="http://schemas.microsoft.com/office/powerpoint/2015/main" val="1"/>
+              </p:ext>
+            </p:extLst>
+          </p:nvPr>
+        </p:nvSpPr>
+        <p:spPr>
+          <a:xfrm>
+            <a:off x="10437812" y="0"/>
+            <a:ext cx="685800" cy="1143000"/>
+          </a:xfrm>
+          <a:prstGeom prst="rect">
+            <a:avLst/>
+          </a:prstGeom>
+          <a:solidFill>
+            <a:schemeClr val="accent1"/>
+          </a:solidFill>
+          <a:ln>
+            <a:noFill/>
+          </a:ln>
+        </p:spPr>
+        <p:style>
+          <a:lnRef idx="1">
+            <a:schemeClr val="accent1"/>
+          </a:lnRef>
+          <a:fillRef idx="3">
+            <a:schemeClr val="accent1"/>
+          </a:fillRef>
+          <a:effectRef idx="2">
+            <a:schemeClr val="accent1"/>
+          </a:effectRef>
+          <a:fontRef idx="minor">
+            <a:schemeClr val="lt1"/>
+          </a:fontRef>
+        </p:style>
+      </p:sp>
     </p:spTree>
     <p:extLst>
       <p:ext uri="{BB962C8B-B14F-4D97-AF65-F5344CB8AC3E}">
-        <p14:creationId xmlns:p14="http://schemas.microsoft.com/office/powerpoint/2010/main" val="795567922"/>
+        <p14:creationId xmlns:p14="http://schemas.microsoft.com/office/powerpoint/2010/main" val="1155765092"/>
       </p:ext>
     </p:extLst>
   </p:cSld>
@@ -10705,130 +12849,677 @@
           <a:chExt cx="0" cy="0"/>
         </a:xfrm>
       </p:grpSpPr>
-      <p:sp>
-        <p:nvSpPr>
-          <p:cNvPr id="2" name="Title 1">
+      <p:grpSp>
+        <p:nvGrpSpPr>
+          <p:cNvPr id="16" name="Group 15">
             <a:extLst>
               <a:ext uri="{FF2B5EF4-FFF2-40B4-BE49-F238E27FC236}">
-                <a16:creationId xmlns:a16="http://schemas.microsoft.com/office/drawing/2014/main" id="{D8A719B4-6860-43A2-ABAD-303A4E5260F6}"/>
+                <a16:creationId xmlns:a16="http://schemas.microsoft.com/office/drawing/2014/main" id="{F67728AA-ECC0-4168-8D0C-767093C933DA}"/>
               </a:ext>
             </a:extLst>
           </p:cNvPr>
-          <p:cNvSpPr>
-            <a:spLocks noGrp="1"/>
-          </p:cNvSpPr>
-          <p:nvPr>
-            <p:ph type="title"/>
-          </p:nvPr>
-        </p:nvSpPr>
-        <p:spPr/>
-        <p:txBody>
-          <a:bodyPr/>
-          <a:lstStyle/>
-          <a:p>
-            <a:r>
-              <a:rPr lang="en-US" dirty="0"/>
-              <a:t>Lets look at Job Level</a:t>
-            </a:r>
-          </a:p>
-        </p:txBody>
-      </p:sp>
-      <p:pic>
-        <p:nvPicPr>
-          <p:cNvPr id="5" name="Content Placeholder 4">
+          <p:cNvGrpSpPr/>
+          <p:nvPr/>
+        </p:nvGrpSpPr>
+        <p:grpSpPr>
+          <a:xfrm>
+            <a:off x="0" y="914267"/>
+            <a:ext cx="12192000" cy="5662905"/>
+            <a:chOff x="0" y="914267"/>
+            <a:chExt cx="12192000" cy="5662905"/>
+          </a:xfrm>
+        </p:grpSpPr>
+        <p:pic>
+          <p:nvPicPr>
+            <p:cNvPr id="5" name="Picture 4">
+              <a:extLst>
+                <a:ext uri="{FF2B5EF4-FFF2-40B4-BE49-F238E27FC236}">
+                  <a16:creationId xmlns:a16="http://schemas.microsoft.com/office/drawing/2014/main" id="{C999ED7C-9C3E-4A27-A777-3CCD257EF288}"/>
+                </a:ext>
+              </a:extLst>
+            </p:cNvPr>
+            <p:cNvPicPr>
+              <a:picLocks noChangeAspect="1"/>
+            </p:cNvPicPr>
+            <p:nvPr/>
+          </p:nvPicPr>
+          <p:blipFill>
+            <a:blip r:embed="rId2"/>
+            <a:stretch>
+              <a:fillRect/>
+            </a:stretch>
+          </p:blipFill>
+          <p:spPr>
+            <a:xfrm>
+              <a:off x="440757" y="914267"/>
+              <a:ext cx="11539085" cy="5210618"/>
+            </a:xfrm>
+            <a:prstGeom prst="rect">
+              <a:avLst/>
+            </a:prstGeom>
+          </p:spPr>
+        </p:pic>
+        <p:pic>
+          <p:nvPicPr>
+            <p:cNvPr id="6" name="Picture 5">
+              <a:extLst>
+                <a:ext uri="{FF2B5EF4-FFF2-40B4-BE49-F238E27FC236}">
+                  <a16:creationId xmlns:a16="http://schemas.microsoft.com/office/drawing/2014/main" id="{030AEF29-42CC-43BC-AAF2-6578CDFC1CEA}"/>
+                </a:ext>
+              </a:extLst>
+            </p:cNvPr>
+            <p:cNvPicPr>
+              <a:picLocks noChangeAspect="1"/>
+            </p:cNvPicPr>
+            <p:nvPr/>
+          </p:nvPicPr>
+          <p:blipFill>
+            <a:blip r:embed="rId3"/>
+            <a:stretch>
+              <a:fillRect/>
+            </a:stretch>
+          </p:blipFill>
+          <p:spPr>
+            <a:xfrm>
+              <a:off x="0" y="6195907"/>
+              <a:ext cx="12192000" cy="381265"/>
+            </a:xfrm>
+            <a:prstGeom prst="rect">
+              <a:avLst/>
+            </a:prstGeom>
+          </p:spPr>
+        </p:pic>
+        <p:sp>
+          <p:nvSpPr>
+            <p:cNvPr id="7" name="TextBox 6">
+              <a:extLst>
+                <a:ext uri="{FF2B5EF4-FFF2-40B4-BE49-F238E27FC236}">
+                  <a16:creationId xmlns:a16="http://schemas.microsoft.com/office/drawing/2014/main" id="{59A64CF6-6D7E-4B65-B700-29F06B0170BD}"/>
+                </a:ext>
+              </a:extLst>
+            </p:cNvPr>
+            <p:cNvSpPr txBox="1"/>
+            <p:nvPr/>
+          </p:nvSpPr>
+          <p:spPr>
+            <a:xfrm>
+              <a:off x="1454150" y="4445000"/>
+              <a:ext cx="698500" cy="276999"/>
+            </a:xfrm>
+            <a:prstGeom prst="rect">
+              <a:avLst/>
+            </a:prstGeom>
+            <a:noFill/>
+          </p:spPr>
+          <p:txBody>
+            <a:bodyPr wrap="square" rtlCol="0">
+              <a:spAutoFit/>
+            </a:bodyPr>
+            <a:lstStyle/>
+            <a:p>
+              <a:r>
+                <a:rPr lang="en-US" sz="1200" dirty="0">
+                  <a:solidFill>
+                    <a:schemeClr val="bg1"/>
+                  </a:solidFill>
+                </a:rPr>
+                <a:t>6.9%</a:t>
+              </a:r>
+            </a:p>
+          </p:txBody>
+        </p:sp>
+        <p:sp>
+          <p:nvSpPr>
+            <p:cNvPr id="8" name="TextBox 7">
+              <a:extLst>
+                <a:ext uri="{FF2B5EF4-FFF2-40B4-BE49-F238E27FC236}">
+                  <a16:creationId xmlns:a16="http://schemas.microsoft.com/office/drawing/2014/main" id="{362A6DC7-A043-42A2-B15D-BE590AB584B0}"/>
+                </a:ext>
+              </a:extLst>
+            </p:cNvPr>
+            <p:cNvSpPr txBox="1"/>
+            <p:nvPr/>
+          </p:nvSpPr>
+          <p:spPr>
+            <a:xfrm>
+              <a:off x="3727450" y="3771900"/>
+              <a:ext cx="698500" cy="276999"/>
+            </a:xfrm>
+            <a:prstGeom prst="rect">
+              <a:avLst/>
+            </a:prstGeom>
+            <a:noFill/>
+          </p:spPr>
+          <p:txBody>
+            <a:bodyPr wrap="square" rtlCol="0">
+              <a:spAutoFit/>
+            </a:bodyPr>
+            <a:lstStyle/>
+            <a:p>
+              <a:r>
+                <a:rPr lang="en-US" sz="1200" dirty="0">
+                  <a:solidFill>
+                    <a:schemeClr val="bg1"/>
+                  </a:solidFill>
+                </a:rPr>
+                <a:t>23.9%</a:t>
+              </a:r>
+            </a:p>
+          </p:txBody>
+        </p:sp>
+        <p:sp>
+          <p:nvSpPr>
+            <p:cNvPr id="9" name="TextBox 8">
+              <a:extLst>
+                <a:ext uri="{FF2B5EF4-FFF2-40B4-BE49-F238E27FC236}">
+                  <a16:creationId xmlns:a16="http://schemas.microsoft.com/office/drawing/2014/main" id="{3BE65E5D-9EDC-44E7-A1EF-9A8F071E0EFB}"/>
+                </a:ext>
+              </a:extLst>
+            </p:cNvPr>
+            <p:cNvSpPr txBox="1"/>
+            <p:nvPr/>
+          </p:nvSpPr>
+          <p:spPr>
+            <a:xfrm>
+              <a:off x="2593407" y="4437449"/>
+              <a:ext cx="698500" cy="276999"/>
+            </a:xfrm>
+            <a:prstGeom prst="rect">
+              <a:avLst/>
+            </a:prstGeom>
+            <a:noFill/>
+          </p:spPr>
+          <p:txBody>
+            <a:bodyPr wrap="square" rtlCol="0">
+              <a:spAutoFit/>
+            </a:bodyPr>
+            <a:lstStyle/>
+            <a:p>
+              <a:r>
+                <a:rPr lang="en-US" sz="1200" dirty="0">
+                  <a:solidFill>
+                    <a:schemeClr val="bg1"/>
+                  </a:solidFill>
+                </a:rPr>
+                <a:t>23.1%</a:t>
+              </a:r>
+            </a:p>
+          </p:txBody>
+        </p:sp>
+        <p:sp>
+          <p:nvSpPr>
+            <p:cNvPr id="10" name="TextBox 9">
+              <a:extLst>
+                <a:ext uri="{FF2B5EF4-FFF2-40B4-BE49-F238E27FC236}">
+                  <a16:creationId xmlns:a16="http://schemas.microsoft.com/office/drawing/2014/main" id="{C363A8B3-26D0-4392-B641-CFDCECA6E8E0}"/>
+                </a:ext>
+              </a:extLst>
+            </p:cNvPr>
+            <p:cNvSpPr txBox="1"/>
+            <p:nvPr/>
+          </p:nvSpPr>
+          <p:spPr>
+            <a:xfrm>
+              <a:off x="4927600" y="4521200"/>
+              <a:ext cx="698500" cy="276999"/>
+            </a:xfrm>
+            <a:prstGeom prst="rect">
+              <a:avLst/>
+            </a:prstGeom>
+            <a:noFill/>
+          </p:spPr>
+          <p:txBody>
+            <a:bodyPr wrap="square" rtlCol="0">
+              <a:spAutoFit/>
+            </a:bodyPr>
+            <a:lstStyle/>
+            <a:p>
+              <a:r>
+                <a:rPr lang="en-US" sz="1200" dirty="0">
+                  <a:solidFill>
+                    <a:schemeClr val="bg1"/>
+                  </a:solidFill>
+                </a:rPr>
+                <a:t>4.9%</a:t>
+              </a:r>
+            </a:p>
+          </p:txBody>
+        </p:sp>
+        <p:sp>
+          <p:nvSpPr>
+            <p:cNvPr id="11" name="TextBox 10">
+              <a:extLst>
+                <a:ext uri="{FF2B5EF4-FFF2-40B4-BE49-F238E27FC236}">
+                  <a16:creationId xmlns:a16="http://schemas.microsoft.com/office/drawing/2014/main" id="{82E84A6D-1AD1-4396-B5F9-CF901C0DC589}"/>
+                </a:ext>
+              </a:extLst>
+            </p:cNvPr>
+            <p:cNvSpPr txBox="1"/>
+            <p:nvPr/>
+          </p:nvSpPr>
+          <p:spPr>
+            <a:xfrm>
+              <a:off x="6066857" y="4445000"/>
+              <a:ext cx="698500" cy="276999"/>
+            </a:xfrm>
+            <a:prstGeom prst="rect">
+              <a:avLst/>
+            </a:prstGeom>
+            <a:noFill/>
+          </p:spPr>
+          <p:txBody>
+            <a:bodyPr wrap="square" rtlCol="0">
+              <a:spAutoFit/>
+            </a:bodyPr>
+            <a:lstStyle/>
+            <a:p>
+              <a:r>
+                <a:rPr lang="en-US" sz="1200" dirty="0">
+                  <a:solidFill>
+                    <a:schemeClr val="bg1"/>
+                  </a:solidFill>
+                </a:rPr>
+                <a:t>6.9%</a:t>
+              </a:r>
+            </a:p>
+          </p:txBody>
+        </p:sp>
+        <p:sp>
+          <p:nvSpPr>
+            <p:cNvPr id="12" name="TextBox 11">
+              <a:extLst>
+                <a:ext uri="{FF2B5EF4-FFF2-40B4-BE49-F238E27FC236}">
+                  <a16:creationId xmlns:a16="http://schemas.microsoft.com/office/drawing/2014/main" id="{E68EC5F7-515E-4E49-B476-E00C07B21BE9}"/>
+                </a:ext>
+              </a:extLst>
+            </p:cNvPr>
+            <p:cNvSpPr txBox="1"/>
+            <p:nvPr/>
+          </p:nvSpPr>
+          <p:spPr>
+            <a:xfrm>
+              <a:off x="7261793" y="4562047"/>
+              <a:ext cx="698500" cy="276999"/>
+            </a:xfrm>
+            <a:prstGeom prst="rect">
+              <a:avLst/>
+            </a:prstGeom>
+            <a:noFill/>
+          </p:spPr>
+          <p:txBody>
+            <a:bodyPr wrap="square" rtlCol="0">
+              <a:spAutoFit/>
+            </a:bodyPr>
+            <a:lstStyle/>
+            <a:p>
+              <a:r>
+                <a:rPr lang="en-US" sz="1200" dirty="0">
+                  <a:solidFill>
+                    <a:schemeClr val="bg1"/>
+                  </a:solidFill>
+                </a:rPr>
+                <a:t>2.5%</a:t>
+              </a:r>
+            </a:p>
+          </p:txBody>
+        </p:sp>
+        <p:sp>
+          <p:nvSpPr>
+            <p:cNvPr id="13" name="TextBox 12">
+              <a:extLst>
+                <a:ext uri="{FF2B5EF4-FFF2-40B4-BE49-F238E27FC236}">
+                  <a16:creationId xmlns:a16="http://schemas.microsoft.com/office/drawing/2014/main" id="{A3C85827-7BAD-454F-A3A1-69D946923143}"/>
+                </a:ext>
+              </a:extLst>
+            </p:cNvPr>
+            <p:cNvSpPr txBox="1"/>
+            <p:nvPr/>
+          </p:nvSpPr>
+          <p:spPr>
+            <a:xfrm>
+              <a:off x="8398443" y="3977847"/>
+              <a:ext cx="698500" cy="276999"/>
+            </a:xfrm>
+            <a:prstGeom prst="rect">
+              <a:avLst/>
+            </a:prstGeom>
+            <a:noFill/>
+          </p:spPr>
+          <p:txBody>
+            <a:bodyPr wrap="square" rtlCol="0">
+              <a:spAutoFit/>
+            </a:bodyPr>
+            <a:lstStyle/>
+            <a:p>
+              <a:r>
+                <a:rPr lang="en-US" sz="1200" dirty="0">
+                  <a:solidFill>
+                    <a:schemeClr val="bg1"/>
+                  </a:solidFill>
+                </a:rPr>
+                <a:t>16.1%</a:t>
+              </a:r>
+            </a:p>
+          </p:txBody>
+        </p:sp>
+        <p:sp>
+          <p:nvSpPr>
+            <p:cNvPr id="14" name="TextBox 13">
+              <a:extLst>
+                <a:ext uri="{FF2B5EF4-FFF2-40B4-BE49-F238E27FC236}">
+                  <a16:creationId xmlns:a16="http://schemas.microsoft.com/office/drawing/2014/main" id="{10E87A68-0821-494B-95BF-C6996CBDE2BC}"/>
+                </a:ext>
+              </a:extLst>
+            </p:cNvPr>
+            <p:cNvSpPr txBox="1"/>
+            <p:nvPr/>
+          </p:nvSpPr>
+          <p:spPr>
+            <a:xfrm>
+              <a:off x="9585893" y="3839347"/>
+              <a:ext cx="698500" cy="276999"/>
+            </a:xfrm>
+            <a:prstGeom prst="rect">
+              <a:avLst/>
+            </a:prstGeom>
+            <a:noFill/>
+          </p:spPr>
+          <p:txBody>
+            <a:bodyPr wrap="square" rtlCol="0">
+              <a:spAutoFit/>
+            </a:bodyPr>
+            <a:lstStyle/>
+            <a:p>
+              <a:r>
+                <a:rPr lang="en-US" sz="1200" dirty="0">
+                  <a:solidFill>
+                    <a:schemeClr val="bg1"/>
+                  </a:solidFill>
+                </a:rPr>
+                <a:t>17.5%</a:t>
+              </a:r>
+            </a:p>
+          </p:txBody>
+        </p:sp>
+        <p:sp>
+          <p:nvSpPr>
+            <p:cNvPr id="15" name="TextBox 14">
+              <a:extLst>
+                <a:ext uri="{FF2B5EF4-FFF2-40B4-BE49-F238E27FC236}">
+                  <a16:creationId xmlns:a16="http://schemas.microsoft.com/office/drawing/2014/main" id="{C429A67C-C0F6-421E-88C9-E7928DD3EDAC}"/>
+                </a:ext>
+              </a:extLst>
+            </p:cNvPr>
+            <p:cNvSpPr txBox="1"/>
+            <p:nvPr/>
+          </p:nvSpPr>
+          <p:spPr>
+            <a:xfrm>
+              <a:off x="10737850" y="4168001"/>
+              <a:ext cx="698500" cy="276999"/>
+            </a:xfrm>
+            <a:prstGeom prst="rect">
+              <a:avLst/>
+            </a:prstGeom>
+            <a:noFill/>
+          </p:spPr>
+          <p:txBody>
+            <a:bodyPr wrap="square" rtlCol="0">
+              <a:spAutoFit/>
+            </a:bodyPr>
+            <a:lstStyle/>
+            <a:p>
+              <a:r>
+                <a:rPr lang="en-US" sz="1200" dirty="0">
+                  <a:solidFill>
+                    <a:schemeClr val="bg1"/>
+                  </a:solidFill>
+                </a:rPr>
+                <a:t>39.8%</a:t>
+              </a:r>
+            </a:p>
+          </p:txBody>
+        </p:sp>
+      </p:grpSp>
+      <p:cxnSp>
+        <p:nvCxnSpPr>
+          <p:cNvPr id="18" name="Straight Arrow Connector 17">
             <a:extLst>
               <a:ext uri="{FF2B5EF4-FFF2-40B4-BE49-F238E27FC236}">
-                <a16:creationId xmlns:a16="http://schemas.microsoft.com/office/drawing/2014/main" id="{DA894F5D-3BD4-40BC-B7C2-BD6B196516E4}"/>
+                <a16:creationId xmlns:a16="http://schemas.microsoft.com/office/drawing/2014/main" id="{8DD0A60F-7A24-4EB8-8D43-4A35582B382A}"/>
               </a:ext>
             </a:extLst>
           </p:cNvPr>
-          <p:cNvPicPr>
-            <a:picLocks noGrp="1" noChangeAspect="1"/>
-          </p:cNvPicPr>
-          <p:nvPr>
-            <p:ph idx="1"/>
-          </p:nvPr>
-        </p:nvPicPr>
-        <p:blipFill>
-          <a:blip r:embed="rId2"/>
-          <a:stretch>
-            <a:fillRect/>
-          </a:stretch>
-        </p:blipFill>
-        <p:spPr>
-          <a:xfrm>
-            <a:off x="7570381" y="1174888"/>
-            <a:ext cx="4221864" cy="4321437"/>
+          <p:cNvCxnSpPr>
+            <a:cxnSpLocks/>
+            <a:stCxn id="19" idx="5"/>
+            <a:endCxn id="12" idx="0"/>
+          </p:cNvCxnSpPr>
+          <p:nvPr/>
+        </p:nvCxnSpPr>
+        <p:spPr>
+          <a:xfrm>
+            <a:off x="7354606" y="2881618"/>
+            <a:ext cx="256437" cy="1680429"/>
+          </a:xfrm>
+          <a:prstGeom prst="straightConnector1">
+            <a:avLst/>
+          </a:prstGeom>
+          <a:ln>
+            <a:solidFill>
+              <a:schemeClr val="accent4">
+                <a:lumMod val="50000"/>
+              </a:schemeClr>
+            </a:solidFill>
+            <a:tailEnd type="triangle"/>
+          </a:ln>
+        </p:spPr>
+        <p:style>
+          <a:lnRef idx="1">
+            <a:schemeClr val="accent1"/>
+          </a:lnRef>
+          <a:fillRef idx="0">
+            <a:schemeClr val="accent1"/>
+          </a:fillRef>
+          <a:effectRef idx="0">
+            <a:schemeClr val="accent1"/>
+          </a:effectRef>
+          <a:fontRef idx="minor">
+            <a:schemeClr val="tx1"/>
+          </a:fontRef>
+        </p:style>
+      </p:cxnSp>
+      <p:sp>
+        <p:nvSpPr>
+          <p:cNvPr id="19" name="Oval 18">
+            <a:extLst>
+              <a:ext uri="{FF2B5EF4-FFF2-40B4-BE49-F238E27FC236}">
+                <a16:creationId xmlns:a16="http://schemas.microsoft.com/office/drawing/2014/main" id="{38B877E6-1574-4DF9-AC29-AD1FBC7278E3}"/>
+              </a:ext>
+            </a:extLst>
+          </p:cNvPr>
+          <p:cNvSpPr/>
+          <p:nvPr/>
+        </p:nvSpPr>
+        <p:spPr>
+          <a:xfrm>
+            <a:off x="6066856" y="1835150"/>
+            <a:ext cx="1508693" cy="1226014"/>
+          </a:xfrm>
+          <a:prstGeom prst="ellipse">
+            <a:avLst/>
+          </a:prstGeom>
+        </p:spPr>
+        <p:style>
+          <a:lnRef idx="2">
+            <a:schemeClr val="accent4">
+              <a:shade val="50000"/>
+            </a:schemeClr>
+          </a:lnRef>
+          <a:fillRef idx="1">
+            <a:schemeClr val="accent4"/>
+          </a:fillRef>
+          <a:effectRef idx="0">
+            <a:schemeClr val="accent4"/>
+          </a:effectRef>
+          <a:fontRef idx="minor">
+            <a:schemeClr val="lt1"/>
+          </a:fontRef>
+        </p:style>
+        <p:txBody>
+          <a:bodyPr rtlCol="0" anchor="ctr"/>
+          <a:lstStyle/>
+          <a:p>
+            <a:pPr algn="ctr"/>
+            <a:r>
+              <a:rPr lang="en-US" sz="1400" dirty="0"/>
+              <a:t>Job Role with Lowest Attrition Rate</a:t>
+            </a:r>
+          </a:p>
+        </p:txBody>
+      </p:sp>
+      <p:cxnSp>
+        <p:nvCxnSpPr>
+          <p:cNvPr id="23" name="Straight Arrow Connector 22">
+            <a:extLst>
+              <a:ext uri="{FF2B5EF4-FFF2-40B4-BE49-F238E27FC236}">
+                <a16:creationId xmlns:a16="http://schemas.microsoft.com/office/drawing/2014/main" id="{31A49ED3-DA78-4EF4-896E-08E390C096A2}"/>
+              </a:ext>
+            </a:extLst>
+          </p:cNvPr>
+          <p:cNvCxnSpPr>
+            <a:cxnSpLocks/>
+            <a:stCxn id="24" idx="5"/>
+            <a:endCxn id="15" idx="0"/>
+          </p:cNvCxnSpPr>
+          <p:nvPr/>
+        </p:nvCxnSpPr>
+        <p:spPr>
+          <a:xfrm flipH="1">
+            <a:off x="11087100" y="2510453"/>
+            <a:ext cx="144181" cy="1657548"/>
+          </a:xfrm>
+          <a:prstGeom prst="straightConnector1">
+            <a:avLst/>
+          </a:prstGeom>
+          <a:ln>
+            <a:solidFill>
+              <a:schemeClr val="accent4">
+                <a:lumMod val="50000"/>
+              </a:schemeClr>
+            </a:solidFill>
+            <a:tailEnd type="triangle"/>
+          </a:ln>
+        </p:spPr>
+        <p:style>
+          <a:lnRef idx="1">
+            <a:schemeClr val="accent1"/>
+          </a:lnRef>
+          <a:fillRef idx="0">
+            <a:schemeClr val="accent1"/>
+          </a:fillRef>
+          <a:effectRef idx="0">
+            <a:schemeClr val="accent1"/>
+          </a:effectRef>
+          <a:fontRef idx="minor">
+            <a:schemeClr val="tx1"/>
+          </a:fontRef>
+        </p:style>
+      </p:cxnSp>
+      <p:sp>
+        <p:nvSpPr>
+          <p:cNvPr id="24" name="Oval 23">
+            <a:extLst>
+              <a:ext uri="{FF2B5EF4-FFF2-40B4-BE49-F238E27FC236}">
+                <a16:creationId xmlns:a16="http://schemas.microsoft.com/office/drawing/2014/main" id="{FC6AB8BE-6B8C-4D8E-B1BD-C54DB1CC9A32}"/>
+              </a:ext>
+            </a:extLst>
+          </p:cNvPr>
+          <p:cNvSpPr/>
+          <p:nvPr/>
+        </p:nvSpPr>
+        <p:spPr>
+          <a:xfrm>
+            <a:off x="9943531" y="1463985"/>
+            <a:ext cx="1508693" cy="1226014"/>
+          </a:xfrm>
+          <a:prstGeom prst="ellipse">
+            <a:avLst/>
+          </a:prstGeom>
+        </p:spPr>
+        <p:style>
+          <a:lnRef idx="2">
+            <a:schemeClr val="accent4">
+              <a:shade val="50000"/>
+            </a:schemeClr>
+          </a:lnRef>
+          <a:fillRef idx="1">
+            <a:schemeClr val="accent4"/>
+          </a:fillRef>
+          <a:effectRef idx="0">
+            <a:schemeClr val="accent4"/>
+          </a:effectRef>
+          <a:fontRef idx="minor">
+            <a:schemeClr val="lt1"/>
+          </a:fontRef>
+        </p:style>
+        <p:txBody>
+          <a:bodyPr rtlCol="0" anchor="ctr"/>
+          <a:lstStyle/>
+          <a:p>
+            <a:pPr algn="ctr"/>
+            <a:r>
+              <a:rPr lang="en-US" sz="1400" dirty="0"/>
+              <a:t>Job Role with Highest Attrition Rate</a:t>
+            </a:r>
+          </a:p>
+        </p:txBody>
+      </p:sp>
+      <p:sp>
+        <p:nvSpPr>
+          <p:cNvPr id="26" name="TextBox 25">
+            <a:extLst>
+              <a:ext uri="{FF2B5EF4-FFF2-40B4-BE49-F238E27FC236}">
+                <a16:creationId xmlns:a16="http://schemas.microsoft.com/office/drawing/2014/main" id="{FFC268E2-3023-4AD3-AE50-3E80BF36985E}"/>
+              </a:ext>
+            </a:extLst>
+          </p:cNvPr>
+          <p:cNvSpPr txBox="1"/>
+          <p:nvPr/>
+        </p:nvSpPr>
+        <p:spPr>
+          <a:xfrm>
+            <a:off x="5861049" y="5909441"/>
+            <a:ext cx="698500" cy="215444"/>
           </a:xfrm>
           <a:prstGeom prst="rect">
             <a:avLst/>
           </a:prstGeom>
-        </p:spPr>
-      </p:pic>
-      <p:pic>
-        <p:nvPicPr>
-          <p:cNvPr id="7" name="Picture 6">
-            <a:extLst>
-              <a:ext uri="{FF2B5EF4-FFF2-40B4-BE49-F238E27FC236}">
-                <a16:creationId xmlns:a16="http://schemas.microsoft.com/office/drawing/2014/main" id="{157F5ECC-56EC-4829-A53B-763D1FD3E81B}"/>
-              </a:ext>
-            </a:extLst>
-          </p:cNvPr>
-          <p:cNvPicPr>
-            <a:picLocks noChangeAspect="1"/>
-          </p:cNvPicPr>
-          <p:nvPr/>
-        </p:nvPicPr>
-        <p:blipFill>
-          <a:blip r:embed="rId3"/>
-          <a:stretch>
-            <a:fillRect/>
-          </a:stretch>
-        </p:blipFill>
-        <p:spPr>
-          <a:xfrm>
-            <a:off x="561848" y="2892056"/>
-            <a:ext cx="3294688" cy="3786998"/>
-          </a:xfrm>
-          <a:prstGeom prst="rect">
-            <a:avLst/>
-          </a:prstGeom>
-        </p:spPr>
-      </p:pic>
-      <p:pic>
-        <p:nvPicPr>
-          <p:cNvPr id="13" name="Picture 12">
-            <a:extLst>
-              <a:ext uri="{FF2B5EF4-FFF2-40B4-BE49-F238E27FC236}">
-                <a16:creationId xmlns:a16="http://schemas.microsoft.com/office/drawing/2014/main" id="{0A24CA11-4A02-4644-A62F-256DE7E90136}"/>
-              </a:ext>
-            </a:extLst>
-          </p:cNvPr>
-          <p:cNvPicPr>
-            <a:picLocks noChangeAspect="1"/>
-          </p:cNvPicPr>
-          <p:nvPr/>
-        </p:nvPicPr>
-        <p:blipFill>
-          <a:blip r:embed="rId4"/>
-          <a:stretch>
-            <a:fillRect/>
-          </a:stretch>
-        </p:blipFill>
-        <p:spPr>
-          <a:xfrm>
-            <a:off x="3735572" y="1174888"/>
-            <a:ext cx="3622158" cy="4163400"/>
-          </a:xfrm>
-          <a:prstGeom prst="rect">
-            <a:avLst/>
-          </a:prstGeom>
-        </p:spPr>
-      </p:pic>
+          <a:solidFill>
+            <a:schemeClr val="tx1"/>
+          </a:solidFill>
+        </p:spPr>
+        <p:txBody>
+          <a:bodyPr wrap="square" rtlCol="0">
+            <a:spAutoFit/>
+          </a:bodyPr>
+          <a:lstStyle/>
+          <a:p>
+            <a:r>
+              <a:rPr lang="en-US" sz="800" dirty="0">
+                <a:solidFill>
+                  <a:schemeClr val="bg1"/>
+                </a:solidFill>
+              </a:rPr>
+              <a:t>Job Role</a:t>
+            </a:r>
+          </a:p>
+        </p:txBody>
+      </p:sp>
     </p:spTree>
     <p:extLst>
       <p:ext uri="{BB962C8B-B14F-4D97-AF65-F5344CB8AC3E}">
-        <p14:creationId xmlns:p14="http://schemas.microsoft.com/office/powerpoint/2010/main" val="1319832048"/>
+        <p14:creationId xmlns:p14="http://schemas.microsoft.com/office/powerpoint/2010/main" val="2511278651"/>
       </p:ext>
     </p:extLst>
   </p:cSld>
@@ -10855,82 +13546,12 @@
           <a:chExt cx="0" cy="0"/>
         </a:xfrm>
       </p:grpSpPr>
-      <p:sp>
-        <p:nvSpPr>
-          <p:cNvPr id="4" name="TextBox 3">
+      <p:pic>
+        <p:nvPicPr>
+          <p:cNvPr id="7" name="Picture 6">
             <a:extLst>
               <a:ext uri="{FF2B5EF4-FFF2-40B4-BE49-F238E27FC236}">
-                <a16:creationId xmlns:a16="http://schemas.microsoft.com/office/drawing/2014/main" id="{DC4E2D60-2CF0-4F20-8AAF-A234BD6C85C5}"/>
-              </a:ext>
-            </a:extLst>
-          </p:cNvPr>
-          <p:cNvSpPr txBox="1"/>
-          <p:nvPr/>
-        </p:nvSpPr>
-        <p:spPr>
-          <a:xfrm>
-            <a:off x="647700" y="1149712"/>
-            <a:ext cx="10896600" cy="369332"/>
-          </a:xfrm>
-          <a:prstGeom prst="rect">
-            <a:avLst/>
-          </a:prstGeom>
-          <a:noFill/>
-        </p:spPr>
-        <p:txBody>
-          <a:bodyPr wrap="square" rtlCol="0">
-            <a:spAutoFit/>
-          </a:bodyPr>
-          <a:lstStyle/>
-          <a:p>
-            <a:r>
-              <a:rPr lang="en-US" dirty="0"/>
-              <a:t>Highest Attrition Rates – Man or Woman?</a:t>
-            </a:r>
-          </a:p>
-        </p:txBody>
-      </p:sp>
-      <p:sp>
-        <p:nvSpPr>
-          <p:cNvPr id="6" name="TextBox 5">
-            <a:extLst>
-              <a:ext uri="{FF2B5EF4-FFF2-40B4-BE49-F238E27FC236}">
-                <a16:creationId xmlns:a16="http://schemas.microsoft.com/office/drawing/2014/main" id="{9962BC75-AAFC-41B1-A95E-508B1775E584}"/>
-              </a:ext>
-            </a:extLst>
-          </p:cNvPr>
-          <p:cNvSpPr txBox="1"/>
-          <p:nvPr/>
-        </p:nvSpPr>
-        <p:spPr>
-          <a:xfrm>
-            <a:off x="647700" y="5537200"/>
-            <a:ext cx="10896600" cy="369332"/>
-          </a:xfrm>
-          <a:prstGeom prst="rect">
-            <a:avLst/>
-          </a:prstGeom>
-          <a:noFill/>
-        </p:spPr>
-        <p:txBody>
-          <a:bodyPr wrap="square" rtlCol="0">
-            <a:spAutoFit/>
-          </a:bodyPr>
-          <a:lstStyle/>
-          <a:p>
-            <a:r>
-              <a:rPr lang="en-US" dirty="0"/>
-              <a:t>There were many paths traveled that led us to this conclusion.  These are the paths we took…</a:t>
-            </a:r>
-          </a:p>
-        </p:txBody>
-      </p:sp>
-      <p:pic>
-        <p:nvPicPr>
-          <p:cNvPr id="5" name="Picture 4">
-            <a:extLst>
-              <a:ext uri="{FF2B5EF4-FFF2-40B4-BE49-F238E27FC236}">
-                <a16:creationId xmlns:a16="http://schemas.microsoft.com/office/drawing/2014/main" id="{10FC8C96-EE96-4F67-917C-C6E289554ED4}"/>
+                <a16:creationId xmlns:a16="http://schemas.microsoft.com/office/drawing/2014/main" id="{C9B14F72-C47B-49CA-9E56-4DE1C3565762}"/>
               </a:ext>
             </a:extLst>
           </p:cNvPr>
@@ -10947,8 +13568,8 @@
         </p:blipFill>
         <p:spPr>
           <a:xfrm>
-            <a:off x="6511847" y="1772257"/>
-            <a:ext cx="3041806" cy="3511730"/>
+            <a:off x="0" y="358775"/>
+            <a:ext cx="12192000" cy="5505450"/>
           </a:xfrm>
           <a:prstGeom prst="rect">
             <a:avLst/>
@@ -10957,10 +13578,10 @@
       </p:pic>
       <p:pic>
         <p:nvPicPr>
-          <p:cNvPr id="7" name="Picture 6">
+          <p:cNvPr id="9" name="Picture 8">
             <a:extLst>
               <a:ext uri="{FF2B5EF4-FFF2-40B4-BE49-F238E27FC236}">
-                <a16:creationId xmlns:a16="http://schemas.microsoft.com/office/drawing/2014/main" id="{407E4395-FFCF-46C2-987C-75F0B2DB2419}"/>
+                <a16:creationId xmlns:a16="http://schemas.microsoft.com/office/drawing/2014/main" id="{7D65780A-E5FB-4605-B243-0664EAEF5D90}"/>
               </a:ext>
             </a:extLst>
           </p:cNvPr>
@@ -10977,8 +13598,8 @@
         </p:blipFill>
         <p:spPr>
           <a:xfrm>
-            <a:off x="2638347" y="1772257"/>
-            <a:ext cx="3041806" cy="3511730"/>
+            <a:off x="3033712" y="5991225"/>
+            <a:ext cx="5705475" cy="590550"/>
           </a:xfrm>
           <a:prstGeom prst="rect">
             <a:avLst/>
@@ -10987,10 +13608,10 @@
       </p:pic>
       <p:sp>
         <p:nvSpPr>
-          <p:cNvPr id="8" name="TextBox 7">
+          <p:cNvPr id="10" name="TextBox 9">
             <a:extLst>
               <a:ext uri="{FF2B5EF4-FFF2-40B4-BE49-F238E27FC236}">
-                <a16:creationId xmlns:a16="http://schemas.microsoft.com/office/drawing/2014/main" id="{2BAA4D92-15B4-4787-9234-D781A60DE2D1}"/>
+                <a16:creationId xmlns:a16="http://schemas.microsoft.com/office/drawing/2014/main" id="{9FD6920C-3CF7-4380-807F-DF234F11F2C8}"/>
               </a:ext>
             </a:extLst>
           </p:cNvPr>
@@ -10999,8 +13620,8 @@
         </p:nvSpPr>
         <p:spPr>
           <a:xfrm>
-            <a:off x="495300" y="1772257"/>
-            <a:ext cx="1720850" cy="1200329"/>
+            <a:off x="1098550" y="4044950"/>
+            <a:ext cx="425450" cy="200055"/>
           </a:xfrm>
           <a:prstGeom prst="rect">
             <a:avLst/>
@@ -11014,18 +13635,22 @@
           <a:lstStyle/>
           <a:p>
             <a:r>
-              <a:rPr lang="en-US" dirty="0"/>
-              <a:t>* ~ 15% women leaving the company.</a:t>
-            </a:r>
-          </a:p>
-        </p:txBody>
-      </p:sp>
-      <p:sp>
-        <p:nvSpPr>
-          <p:cNvPr id="9" name="TextBox 8">
+              <a:rPr lang="en-US" sz="700" dirty="0">
+                <a:solidFill>
+                  <a:schemeClr val="bg1"/>
+                </a:solidFill>
+              </a:rPr>
+              <a:t>18.9%</a:t>
+            </a:r>
+          </a:p>
+        </p:txBody>
+      </p:sp>
+      <p:sp>
+        <p:nvSpPr>
+          <p:cNvPr id="13" name="TextBox 12">
             <a:extLst>
               <a:ext uri="{FF2B5EF4-FFF2-40B4-BE49-F238E27FC236}">
-                <a16:creationId xmlns:a16="http://schemas.microsoft.com/office/drawing/2014/main" id="{13D0463F-E7BB-48D7-AA37-540D22BB2896}"/>
+                <a16:creationId xmlns:a16="http://schemas.microsoft.com/office/drawing/2014/main" id="{137F2322-26FB-49AC-AAE1-D287FE985D91}"/>
               </a:ext>
             </a:extLst>
           </p:cNvPr>
@@ -11034,8 +13659,8 @@
         </p:nvSpPr>
         <p:spPr>
           <a:xfrm>
-            <a:off x="9975850" y="1727628"/>
-            <a:ext cx="1720850" cy="923330"/>
+            <a:off x="1739900" y="4686300"/>
+            <a:ext cx="425450" cy="200055"/>
           </a:xfrm>
           <a:prstGeom prst="rect">
             <a:avLst/>
@@ -11049,8 +13674,571 @@
           <a:lstStyle/>
           <a:p>
             <a:r>
-              <a:rPr lang="en-US" dirty="0"/>
-              <a:t>* ~ 17% men leaving the company.</a:t>
+              <a:rPr lang="en-US" sz="700" dirty="0">
+                <a:solidFill>
+                  <a:schemeClr val="bg1"/>
+                </a:solidFill>
+              </a:rPr>
+              <a:t>13.7%</a:t>
+            </a:r>
+          </a:p>
+        </p:txBody>
+      </p:sp>
+      <p:sp>
+        <p:nvSpPr>
+          <p:cNvPr id="14" name="TextBox 13">
+            <a:extLst>
+              <a:ext uri="{FF2B5EF4-FFF2-40B4-BE49-F238E27FC236}">
+                <a16:creationId xmlns:a16="http://schemas.microsoft.com/office/drawing/2014/main" id="{9A40765F-B0DA-42E2-8F4F-E010719321A6}"/>
+              </a:ext>
+            </a:extLst>
+          </p:cNvPr>
+          <p:cNvSpPr txBox="1"/>
+          <p:nvPr/>
+        </p:nvSpPr>
+        <p:spPr>
+          <a:xfrm>
+            <a:off x="2381250" y="4886355"/>
+            <a:ext cx="425450" cy="200055"/>
+          </a:xfrm>
+          <a:prstGeom prst="rect">
+            <a:avLst/>
+          </a:prstGeom>
+          <a:noFill/>
+        </p:spPr>
+        <p:txBody>
+          <a:bodyPr wrap="square" rtlCol="0">
+            <a:spAutoFit/>
+          </a:bodyPr>
+          <a:lstStyle/>
+          <a:p>
+            <a:r>
+              <a:rPr lang="en-US" sz="700" dirty="0">
+                <a:solidFill>
+                  <a:schemeClr val="bg1"/>
+                </a:solidFill>
+              </a:rPr>
+              <a:t>17.0%</a:t>
+            </a:r>
+          </a:p>
+        </p:txBody>
+      </p:sp>
+      <p:sp>
+        <p:nvSpPr>
+          <p:cNvPr id="15" name="TextBox 14">
+            <a:extLst>
+              <a:ext uri="{FF2B5EF4-FFF2-40B4-BE49-F238E27FC236}">
+                <a16:creationId xmlns:a16="http://schemas.microsoft.com/office/drawing/2014/main" id="{2D1D5608-F976-483F-8713-D355C66F9F32}"/>
+              </a:ext>
+            </a:extLst>
+          </p:cNvPr>
+          <p:cNvSpPr txBox="1"/>
+          <p:nvPr/>
+        </p:nvSpPr>
+        <p:spPr>
+          <a:xfrm>
+            <a:off x="3022600" y="5056292"/>
+            <a:ext cx="425450" cy="200055"/>
+          </a:xfrm>
+          <a:prstGeom prst="rect">
+            <a:avLst/>
+          </a:prstGeom>
+          <a:noFill/>
+        </p:spPr>
+        <p:txBody>
+          <a:bodyPr wrap="square" rtlCol="0">
+            <a:spAutoFit/>
+          </a:bodyPr>
+          <a:lstStyle/>
+          <a:p>
+            <a:r>
+              <a:rPr lang="en-US" sz="700" dirty="0">
+                <a:solidFill>
+                  <a:schemeClr val="bg1"/>
+                </a:solidFill>
+              </a:rPr>
+              <a:t>17.3%</a:t>
+            </a:r>
+          </a:p>
+        </p:txBody>
+      </p:sp>
+      <p:sp>
+        <p:nvSpPr>
+          <p:cNvPr id="16" name="TextBox 15">
+            <a:extLst>
+              <a:ext uri="{FF2B5EF4-FFF2-40B4-BE49-F238E27FC236}">
+                <a16:creationId xmlns:a16="http://schemas.microsoft.com/office/drawing/2014/main" id="{8738B6E4-9072-4F0D-8305-2C21543E90DE}"/>
+              </a:ext>
+            </a:extLst>
+          </p:cNvPr>
+          <p:cNvSpPr txBox="1"/>
+          <p:nvPr/>
+        </p:nvSpPr>
+        <p:spPr>
+          <a:xfrm>
+            <a:off x="3663950" y="5146914"/>
+            <a:ext cx="425450" cy="200055"/>
+          </a:xfrm>
+          <a:prstGeom prst="rect">
+            <a:avLst/>
+          </a:prstGeom>
+          <a:noFill/>
+        </p:spPr>
+        <p:txBody>
+          <a:bodyPr wrap="square" rtlCol="0">
+            <a:spAutoFit/>
+          </a:bodyPr>
+          <a:lstStyle/>
+          <a:p>
+            <a:r>
+              <a:rPr lang="en-US" sz="700" dirty="0">
+                <a:solidFill>
+                  <a:schemeClr val="bg1"/>
+                </a:solidFill>
+              </a:rPr>
+              <a:t>8.2%</a:t>
+            </a:r>
+          </a:p>
+        </p:txBody>
+      </p:sp>
+      <p:sp>
+        <p:nvSpPr>
+          <p:cNvPr id="17" name="TextBox 16">
+            <a:extLst>
+              <a:ext uri="{FF2B5EF4-FFF2-40B4-BE49-F238E27FC236}">
+                <a16:creationId xmlns:a16="http://schemas.microsoft.com/office/drawing/2014/main" id="{F86F6E7F-E50B-4ABF-9268-B9372E99DC8A}"/>
+              </a:ext>
+            </a:extLst>
+          </p:cNvPr>
+          <p:cNvSpPr txBox="1"/>
+          <p:nvPr/>
+        </p:nvSpPr>
+        <p:spPr>
+          <a:xfrm>
+            <a:off x="4305300" y="5134483"/>
+            <a:ext cx="425450" cy="200055"/>
+          </a:xfrm>
+          <a:prstGeom prst="rect">
+            <a:avLst/>
+          </a:prstGeom>
+          <a:noFill/>
+        </p:spPr>
+        <p:txBody>
+          <a:bodyPr wrap="square" rtlCol="0">
+            <a:spAutoFit/>
+          </a:bodyPr>
+          <a:lstStyle/>
+          <a:p>
+            <a:r>
+              <a:rPr lang="en-US" sz="700" dirty="0">
+                <a:solidFill>
+                  <a:schemeClr val="bg1"/>
+                </a:solidFill>
+              </a:rPr>
+              <a:t>4.4%</a:t>
+            </a:r>
+          </a:p>
+        </p:txBody>
+      </p:sp>
+      <p:sp>
+        <p:nvSpPr>
+          <p:cNvPr id="18" name="TextBox 17">
+            <a:extLst>
+              <a:ext uri="{FF2B5EF4-FFF2-40B4-BE49-F238E27FC236}">
+                <a16:creationId xmlns:a16="http://schemas.microsoft.com/office/drawing/2014/main" id="{B57CD49B-497C-475E-B1DC-5F2CB64A12F1}"/>
+              </a:ext>
+            </a:extLst>
+          </p:cNvPr>
+          <p:cNvSpPr txBox="1"/>
+          <p:nvPr/>
+        </p:nvSpPr>
+        <p:spPr>
+          <a:xfrm>
+            <a:off x="4975225" y="5086410"/>
+            <a:ext cx="425450" cy="200055"/>
+          </a:xfrm>
+          <a:prstGeom prst="rect">
+            <a:avLst/>
+          </a:prstGeom>
+          <a:noFill/>
+        </p:spPr>
+        <p:txBody>
+          <a:bodyPr wrap="square" rtlCol="0">
+            <a:spAutoFit/>
+          </a:bodyPr>
+          <a:lstStyle/>
+          <a:p>
+            <a:r>
+              <a:rPr lang="en-US" sz="700" dirty="0">
+                <a:solidFill>
+                  <a:schemeClr val="bg1"/>
+                </a:solidFill>
+              </a:rPr>
+              <a:t>18.8%</a:t>
+            </a:r>
+          </a:p>
+        </p:txBody>
+      </p:sp>
+      <p:sp>
+        <p:nvSpPr>
+          <p:cNvPr id="19" name="TextBox 18">
+            <a:extLst>
+              <a:ext uri="{FF2B5EF4-FFF2-40B4-BE49-F238E27FC236}">
+                <a16:creationId xmlns:a16="http://schemas.microsoft.com/office/drawing/2014/main" id="{21E6618D-1A10-4A93-A639-277B17392CAE}"/>
+              </a:ext>
+            </a:extLst>
+          </p:cNvPr>
+          <p:cNvSpPr txBox="1"/>
+          <p:nvPr/>
+        </p:nvSpPr>
+        <p:spPr>
+          <a:xfrm>
+            <a:off x="5616575" y="4986382"/>
+            <a:ext cx="425450" cy="200055"/>
+          </a:xfrm>
+          <a:prstGeom prst="rect">
+            <a:avLst/>
+          </a:prstGeom>
+          <a:noFill/>
+        </p:spPr>
+        <p:txBody>
+          <a:bodyPr wrap="square" rtlCol="0">
+            <a:spAutoFit/>
+          </a:bodyPr>
+          <a:lstStyle/>
+          <a:p>
+            <a:r>
+              <a:rPr lang="en-US" sz="700" dirty="0">
+                <a:solidFill>
+                  <a:schemeClr val="bg1"/>
+                </a:solidFill>
+              </a:rPr>
+              <a:t>21.1%</a:t>
+            </a:r>
+          </a:p>
+        </p:txBody>
+      </p:sp>
+      <p:sp>
+        <p:nvSpPr>
+          <p:cNvPr id="22" name="TextBox 21">
+            <a:extLst>
+              <a:ext uri="{FF2B5EF4-FFF2-40B4-BE49-F238E27FC236}">
+                <a16:creationId xmlns:a16="http://schemas.microsoft.com/office/drawing/2014/main" id="{257DB29A-53ED-46D9-874F-6223E4FEA1FC}"/>
+              </a:ext>
+            </a:extLst>
+          </p:cNvPr>
+          <p:cNvSpPr txBox="1"/>
+          <p:nvPr/>
+        </p:nvSpPr>
+        <p:spPr>
+          <a:xfrm>
+            <a:off x="6892925" y="5134480"/>
+            <a:ext cx="425450" cy="200055"/>
+          </a:xfrm>
+          <a:prstGeom prst="rect">
+            <a:avLst/>
+          </a:prstGeom>
+          <a:noFill/>
+        </p:spPr>
+        <p:txBody>
+          <a:bodyPr wrap="square" rtlCol="0">
+            <a:spAutoFit/>
+          </a:bodyPr>
+          <a:lstStyle/>
+          <a:p>
+            <a:r>
+              <a:rPr lang="en-US" sz="700" dirty="0">
+                <a:solidFill>
+                  <a:schemeClr val="bg1"/>
+                </a:solidFill>
+              </a:rPr>
+              <a:t>23.5%</a:t>
+            </a:r>
+          </a:p>
+        </p:txBody>
+      </p:sp>
+      <p:sp>
+        <p:nvSpPr>
+          <p:cNvPr id="23" name="TextBox 22">
+            <a:extLst>
+              <a:ext uri="{FF2B5EF4-FFF2-40B4-BE49-F238E27FC236}">
+                <a16:creationId xmlns:a16="http://schemas.microsoft.com/office/drawing/2014/main" id="{E9ED0706-E81B-48C8-A2CB-030F6CAF3954}"/>
+              </a:ext>
+            </a:extLst>
+          </p:cNvPr>
+          <p:cNvSpPr txBox="1"/>
+          <p:nvPr/>
+        </p:nvSpPr>
+        <p:spPr>
+          <a:xfrm>
+            <a:off x="7540625" y="5146914"/>
+            <a:ext cx="425450" cy="200055"/>
+          </a:xfrm>
+          <a:prstGeom prst="rect">
+            <a:avLst/>
+          </a:prstGeom>
+          <a:noFill/>
+        </p:spPr>
+        <p:txBody>
+          <a:bodyPr wrap="square" rtlCol="0">
+            <a:spAutoFit/>
+          </a:bodyPr>
+          <a:lstStyle/>
+          <a:p>
+            <a:r>
+              <a:rPr lang="en-US" sz="700" dirty="0">
+                <a:solidFill>
+                  <a:schemeClr val="bg1"/>
+                </a:solidFill>
+              </a:rPr>
+              <a:t>20%</a:t>
+            </a:r>
+          </a:p>
+        </p:txBody>
+      </p:sp>
+      <p:sp>
+        <p:nvSpPr>
+          <p:cNvPr id="24" name="TextBox 23">
+            <a:extLst>
+              <a:ext uri="{FF2B5EF4-FFF2-40B4-BE49-F238E27FC236}">
+                <a16:creationId xmlns:a16="http://schemas.microsoft.com/office/drawing/2014/main" id="{8B0400B7-A68A-4AC9-92B9-8AF8857383AC}"/>
+              </a:ext>
+            </a:extLst>
+          </p:cNvPr>
+          <p:cNvSpPr txBox="1"/>
+          <p:nvPr/>
+        </p:nvSpPr>
+        <p:spPr>
+          <a:xfrm>
+            <a:off x="8210550" y="5141101"/>
+            <a:ext cx="425450" cy="200055"/>
+          </a:xfrm>
+          <a:prstGeom prst="rect">
+            <a:avLst/>
+          </a:prstGeom>
+          <a:noFill/>
+        </p:spPr>
+        <p:txBody>
+          <a:bodyPr wrap="square" rtlCol="0">
+            <a:spAutoFit/>
+          </a:bodyPr>
+          <a:lstStyle/>
+          <a:p>
+            <a:r>
+              <a:rPr lang="en-US" sz="700" dirty="0">
+                <a:solidFill>
+                  <a:schemeClr val="bg1"/>
+                </a:solidFill>
+              </a:rPr>
+              <a:t>8.3%</a:t>
+            </a:r>
+          </a:p>
+        </p:txBody>
+      </p:sp>
+      <p:sp>
+        <p:nvSpPr>
+          <p:cNvPr id="25" name="TextBox 24">
+            <a:extLst>
+              <a:ext uri="{FF2B5EF4-FFF2-40B4-BE49-F238E27FC236}">
+                <a16:creationId xmlns:a16="http://schemas.microsoft.com/office/drawing/2014/main" id="{5127F66A-910A-4448-A2EA-26CE649CC9D8}"/>
+              </a:ext>
+            </a:extLst>
+          </p:cNvPr>
+          <p:cNvSpPr txBox="1"/>
+          <p:nvPr/>
+        </p:nvSpPr>
+        <p:spPr>
+          <a:xfrm>
+            <a:off x="9488487" y="5156319"/>
+            <a:ext cx="425450" cy="200055"/>
+          </a:xfrm>
+          <a:prstGeom prst="rect">
+            <a:avLst/>
+          </a:prstGeom>
+          <a:noFill/>
+        </p:spPr>
+        <p:txBody>
+          <a:bodyPr wrap="square" rtlCol="0">
+            <a:spAutoFit/>
+          </a:bodyPr>
+          <a:lstStyle/>
+          <a:p>
+            <a:r>
+              <a:rPr lang="en-US" sz="700" dirty="0">
+                <a:solidFill>
+                  <a:schemeClr val="bg1"/>
+                </a:solidFill>
+              </a:rPr>
+              <a:t>25%</a:t>
+            </a:r>
+          </a:p>
+        </p:txBody>
+      </p:sp>
+      <p:sp>
+        <p:nvSpPr>
+          <p:cNvPr id="26" name="TextBox 25">
+            <a:extLst>
+              <a:ext uri="{FF2B5EF4-FFF2-40B4-BE49-F238E27FC236}">
+                <a16:creationId xmlns:a16="http://schemas.microsoft.com/office/drawing/2014/main" id="{D96C5F70-D286-4C6A-9D02-E05882CE15C2}"/>
+              </a:ext>
+            </a:extLst>
+          </p:cNvPr>
+          <p:cNvSpPr txBox="1"/>
+          <p:nvPr/>
+        </p:nvSpPr>
+        <p:spPr>
+          <a:xfrm>
+            <a:off x="10129837" y="5186437"/>
+            <a:ext cx="425450" cy="200055"/>
+          </a:xfrm>
+          <a:prstGeom prst="rect">
+            <a:avLst/>
+          </a:prstGeom>
+          <a:noFill/>
+        </p:spPr>
+        <p:txBody>
+          <a:bodyPr wrap="square" rtlCol="0">
+            <a:spAutoFit/>
+          </a:bodyPr>
+          <a:lstStyle/>
+          <a:p>
+            <a:r>
+              <a:rPr lang="en-US" sz="700" dirty="0">
+                <a:solidFill>
+                  <a:schemeClr val="bg1"/>
+                </a:solidFill>
+              </a:rPr>
+              <a:t>11.1%</a:t>
+            </a:r>
+          </a:p>
+        </p:txBody>
+      </p:sp>
+      <p:sp>
+        <p:nvSpPr>
+          <p:cNvPr id="28" name="TextBox 27">
+            <a:extLst>
+              <a:ext uri="{FF2B5EF4-FFF2-40B4-BE49-F238E27FC236}">
+                <a16:creationId xmlns:a16="http://schemas.microsoft.com/office/drawing/2014/main" id="{D4D9E6E3-512D-4591-A2F5-8D6209677936}"/>
+              </a:ext>
+            </a:extLst>
+          </p:cNvPr>
+          <p:cNvSpPr txBox="1"/>
+          <p:nvPr/>
+        </p:nvSpPr>
+        <p:spPr>
+          <a:xfrm>
+            <a:off x="10799762" y="5134480"/>
+            <a:ext cx="425450" cy="200055"/>
+          </a:xfrm>
+          <a:prstGeom prst="rect">
+            <a:avLst/>
+          </a:prstGeom>
+          <a:noFill/>
+        </p:spPr>
+        <p:txBody>
+          <a:bodyPr wrap="square" rtlCol="0">
+            <a:spAutoFit/>
+          </a:bodyPr>
+          <a:lstStyle/>
+          <a:p>
+            <a:r>
+              <a:rPr lang="en-US" sz="700" dirty="0">
+                <a:solidFill>
+                  <a:schemeClr val="bg1"/>
+                </a:solidFill>
+              </a:rPr>
+              <a:t>23.1%</a:t>
+            </a:r>
+          </a:p>
+        </p:txBody>
+      </p:sp>
+      <p:cxnSp>
+        <p:nvCxnSpPr>
+          <p:cNvPr id="30" name="Straight Arrow Connector 29">
+            <a:extLst>
+              <a:ext uri="{FF2B5EF4-FFF2-40B4-BE49-F238E27FC236}">
+                <a16:creationId xmlns:a16="http://schemas.microsoft.com/office/drawing/2014/main" id="{D63A1FAE-DBCF-4AF4-9932-D75CC7C00D9B}"/>
+              </a:ext>
+            </a:extLst>
+          </p:cNvPr>
+          <p:cNvCxnSpPr>
+            <a:cxnSpLocks/>
+            <a:stCxn id="31" idx="3"/>
+          </p:cNvCxnSpPr>
+          <p:nvPr/>
+        </p:nvCxnSpPr>
+        <p:spPr>
+          <a:xfrm flipH="1">
+            <a:off x="4305300" y="2504452"/>
+            <a:ext cx="1345902" cy="2372393"/>
+          </a:xfrm>
+          <a:prstGeom prst="straightConnector1">
+            <a:avLst/>
+          </a:prstGeom>
+          <a:ln>
+            <a:tailEnd type="triangle"/>
+          </a:ln>
+        </p:spPr>
+        <p:style>
+          <a:lnRef idx="1">
+            <a:schemeClr val="accent1"/>
+          </a:lnRef>
+          <a:fillRef idx="0">
+            <a:schemeClr val="accent1"/>
+          </a:fillRef>
+          <a:effectRef idx="0">
+            <a:schemeClr val="accent1"/>
+          </a:effectRef>
+          <a:fontRef idx="minor">
+            <a:schemeClr val="tx1"/>
+          </a:fontRef>
+        </p:style>
+      </p:cxnSp>
+      <p:sp>
+        <p:nvSpPr>
+          <p:cNvPr id="31" name="Oval 30">
+            <a:extLst>
+              <a:ext uri="{FF2B5EF4-FFF2-40B4-BE49-F238E27FC236}">
+                <a16:creationId xmlns:a16="http://schemas.microsoft.com/office/drawing/2014/main" id="{551DFE40-E4C8-4DB2-8245-65DF7AEC8445}"/>
+              </a:ext>
+            </a:extLst>
+          </p:cNvPr>
+          <p:cNvSpPr/>
+          <p:nvPr/>
+        </p:nvSpPr>
+        <p:spPr>
+          <a:xfrm>
+            <a:off x="5311775" y="1593881"/>
+            <a:ext cx="2317750" cy="1066800"/>
+          </a:xfrm>
+          <a:prstGeom prst="ellipse">
+            <a:avLst/>
+          </a:prstGeom>
+        </p:spPr>
+        <p:style>
+          <a:lnRef idx="2">
+            <a:schemeClr val="accent1">
+              <a:shade val="50000"/>
+            </a:schemeClr>
+          </a:lnRef>
+          <a:fillRef idx="1">
+            <a:schemeClr val="accent1"/>
+          </a:fillRef>
+          <a:effectRef idx="0">
+            <a:schemeClr val="accent1"/>
+          </a:effectRef>
+          <a:fontRef idx="minor">
+            <a:schemeClr val="lt1"/>
+          </a:fontRef>
+        </p:style>
+        <p:txBody>
+          <a:bodyPr rtlCol="0" anchor="ctr"/>
+          <a:lstStyle/>
+          <a:p>
+            <a:pPr algn="ctr"/>
+            <a:r>
+              <a:rPr lang="en-US" sz="1200" dirty="0"/>
+              <a:t>What’s happening between 4-5 years causing people to stay?</a:t>
             </a:r>
           </a:p>
         </p:txBody>
@@ -11058,7 +14246,7 @@
     </p:spTree>
     <p:extLst>
       <p:ext uri="{BB962C8B-B14F-4D97-AF65-F5344CB8AC3E}">
-        <p14:creationId xmlns:p14="http://schemas.microsoft.com/office/powerpoint/2010/main" val="3440744934"/>
+        <p14:creationId xmlns:p14="http://schemas.microsoft.com/office/powerpoint/2010/main" val="4820809"/>
       </p:ext>
     </p:extLst>
   </p:cSld>
@@ -11085,58 +14273,192 @@
           <a:chExt cx="0" cy="0"/>
         </a:xfrm>
       </p:grpSpPr>
-      <p:sp>
-        <p:nvSpPr>
-          <p:cNvPr id="2" name="Title 1">
+      <p:pic>
+        <p:nvPicPr>
+          <p:cNvPr id="5" name="Picture 4">
             <a:extLst>
               <a:ext uri="{FF2B5EF4-FFF2-40B4-BE49-F238E27FC236}">
-                <a16:creationId xmlns:a16="http://schemas.microsoft.com/office/drawing/2014/main" id="{E1832BE2-B24E-4D87-82AE-E0A24F19B9CA}"/>
+                <a16:creationId xmlns:a16="http://schemas.microsoft.com/office/drawing/2014/main" id="{B67E359C-9986-478B-8986-EEF0B4605A7F}"/>
               </a:ext>
             </a:extLst>
           </p:cNvPr>
-          <p:cNvSpPr>
-            <a:spLocks noGrp="1"/>
-          </p:cNvSpPr>
-          <p:nvPr>
-            <p:ph type="title"/>
-          </p:nvPr>
-        </p:nvSpPr>
-        <p:spPr/>
-        <p:txBody>
-          <a:bodyPr/>
-          <a:lstStyle/>
-          <a:p>
-            <a:r>
-              <a:rPr lang="en-US" dirty="0"/>
-              <a:t>Conclusion</a:t>
-            </a:r>
-          </a:p>
-        </p:txBody>
-      </p:sp>
-      <p:sp>
-        <p:nvSpPr>
-          <p:cNvPr id="3" name="Content Placeholder 2">
+          <p:cNvPicPr>
+            <a:picLocks noChangeAspect="1"/>
+          </p:cNvPicPr>
+          <p:nvPr/>
+        </p:nvPicPr>
+        <p:blipFill>
+          <a:blip r:embed="rId2"/>
+          <a:stretch>
+            <a:fillRect/>
+          </a:stretch>
+        </p:blipFill>
+        <p:spPr>
+          <a:xfrm>
+            <a:off x="0" y="514349"/>
+            <a:ext cx="12192000" cy="5505450"/>
+          </a:xfrm>
+          <a:prstGeom prst="rect">
+            <a:avLst/>
+          </a:prstGeom>
+        </p:spPr>
+      </p:pic>
+      <p:cxnSp>
+        <p:nvCxnSpPr>
+          <p:cNvPr id="7" name="Straight Connector 6">
             <a:extLst>
               <a:ext uri="{FF2B5EF4-FFF2-40B4-BE49-F238E27FC236}">
-                <a16:creationId xmlns:a16="http://schemas.microsoft.com/office/drawing/2014/main" id="{A4FA69BC-815E-47B8-8300-270A52A235E3}"/>
+                <a16:creationId xmlns:a16="http://schemas.microsoft.com/office/drawing/2014/main" id="{77200E15-31CA-4107-BDE7-3EBF8D367937}"/>
               </a:ext>
             </a:extLst>
           </p:cNvPr>
-          <p:cNvSpPr>
-            <a:spLocks noGrp="1"/>
-          </p:cNvSpPr>
-          <p:nvPr>
-            <p:ph idx="1"/>
-          </p:nvPr>
-        </p:nvSpPr>
-        <p:spPr/>
-        <p:txBody>
-          <a:bodyPr/>
+          <p:cNvCxnSpPr/>
+          <p:nvPr/>
+        </p:nvCxnSpPr>
+        <p:spPr>
+          <a:xfrm>
+            <a:off x="241300" y="3092450"/>
+            <a:ext cx="11417300" cy="0"/>
+          </a:xfrm>
+          <a:prstGeom prst="line">
+            <a:avLst/>
+          </a:prstGeom>
+        </p:spPr>
+        <p:style>
+          <a:lnRef idx="1">
+            <a:schemeClr val="dk1"/>
+          </a:lnRef>
+          <a:fillRef idx="0">
+            <a:schemeClr val="dk1"/>
+          </a:fillRef>
+          <a:effectRef idx="0">
+            <a:schemeClr val="dk1"/>
+          </a:effectRef>
+          <a:fontRef idx="minor">
+            <a:schemeClr val="tx1"/>
+          </a:fontRef>
+        </p:style>
+      </p:cxnSp>
+      <p:cxnSp>
+        <p:nvCxnSpPr>
+          <p:cNvPr id="9" name="Straight Connector 8">
+            <a:extLst>
+              <a:ext uri="{FF2B5EF4-FFF2-40B4-BE49-F238E27FC236}">
+                <a16:creationId xmlns:a16="http://schemas.microsoft.com/office/drawing/2014/main" id="{589EB81D-88B6-44E8-9512-DFE8B6AD802A}"/>
+              </a:ext>
+            </a:extLst>
+          </p:cNvPr>
+          <p:cNvCxnSpPr/>
+          <p:nvPr/>
+        </p:nvCxnSpPr>
+        <p:spPr>
+          <a:xfrm>
+            <a:off x="5937250" y="704850"/>
+            <a:ext cx="0" cy="5073650"/>
+          </a:xfrm>
+          <a:prstGeom prst="line">
+            <a:avLst/>
+          </a:prstGeom>
+        </p:spPr>
+        <p:style>
+          <a:lnRef idx="1">
+            <a:schemeClr val="dk1"/>
+          </a:lnRef>
+          <a:fillRef idx="0">
+            <a:schemeClr val="dk1"/>
+          </a:fillRef>
+          <a:effectRef idx="0">
+            <a:schemeClr val="dk1"/>
+          </a:effectRef>
+          <a:fontRef idx="minor">
+            <a:schemeClr val="tx1"/>
+          </a:fontRef>
+        </p:style>
+      </p:cxnSp>
+      <p:cxnSp>
+        <p:nvCxnSpPr>
+          <p:cNvPr id="11" name="Straight Arrow Connector 10">
+            <a:extLst>
+              <a:ext uri="{FF2B5EF4-FFF2-40B4-BE49-F238E27FC236}">
+                <a16:creationId xmlns:a16="http://schemas.microsoft.com/office/drawing/2014/main" id="{6D9CE9A3-09F6-40AD-B34D-ABD0E296B00B}"/>
+              </a:ext>
+            </a:extLst>
+          </p:cNvPr>
+          <p:cNvCxnSpPr/>
+          <p:nvPr/>
+        </p:nvCxnSpPr>
+        <p:spPr>
+          <a:xfrm flipV="1">
+            <a:off x="5029200" y="4851400"/>
+            <a:ext cx="1295400" cy="558800"/>
+          </a:xfrm>
+          <a:prstGeom prst="straightConnector1">
+            <a:avLst/>
+          </a:prstGeom>
+          <a:ln>
+            <a:tailEnd type="triangle"/>
+          </a:ln>
+        </p:spPr>
+        <p:style>
+          <a:lnRef idx="2">
+            <a:schemeClr val="accent4"/>
+          </a:lnRef>
+          <a:fillRef idx="0">
+            <a:schemeClr val="accent4"/>
+          </a:fillRef>
+          <a:effectRef idx="1">
+            <a:schemeClr val="accent4"/>
+          </a:effectRef>
+          <a:fontRef idx="minor">
+            <a:schemeClr val="tx1"/>
+          </a:fontRef>
+        </p:style>
+      </p:cxnSp>
+      <p:sp>
+        <p:nvSpPr>
+          <p:cNvPr id="12" name="Oval 11">
+            <a:extLst>
+              <a:ext uri="{FF2B5EF4-FFF2-40B4-BE49-F238E27FC236}">
+                <a16:creationId xmlns:a16="http://schemas.microsoft.com/office/drawing/2014/main" id="{52081FD4-62F7-4B49-B028-FCB2DCD2E8CA}"/>
+              </a:ext>
+            </a:extLst>
+          </p:cNvPr>
+          <p:cNvSpPr/>
+          <p:nvPr/>
+        </p:nvSpPr>
+        <p:spPr>
+          <a:xfrm>
+            <a:off x="3860800" y="5086350"/>
+            <a:ext cx="1149348" cy="736561"/>
+          </a:xfrm>
+          <a:prstGeom prst="ellipse">
+            <a:avLst/>
+          </a:prstGeom>
+        </p:spPr>
+        <p:style>
+          <a:lnRef idx="2">
+            <a:schemeClr val="accent4">
+              <a:shade val="50000"/>
+            </a:schemeClr>
+          </a:lnRef>
+          <a:fillRef idx="1">
+            <a:schemeClr val="accent4"/>
+          </a:fillRef>
+          <a:effectRef idx="0">
+            <a:schemeClr val="accent4"/>
+          </a:effectRef>
+          <a:fontRef idx="minor">
+            <a:schemeClr val="lt1"/>
+          </a:fontRef>
+        </p:style>
+        <p:txBody>
+          <a:bodyPr rtlCol="0" anchor="ctr"/>
           <a:lstStyle/>
           <a:p>
-            <a:r>
-              <a:rPr lang="en-US" dirty="0"/>
-              <a:t>From graphs, reiterate the variables we’ve chosen and the trends we find most interesting.</a:t>
+            <a:pPr algn="ctr"/>
+            <a:r>
+              <a:rPr lang="en-US" sz="900" dirty="0"/>
+              <a:t>Most attrition cases as expected. </a:t>
             </a:r>
           </a:p>
         </p:txBody>
@@ -11144,7 +14466,7 @@
     </p:spTree>
     <p:extLst>
       <p:ext uri="{BB962C8B-B14F-4D97-AF65-F5344CB8AC3E}">
-        <p14:creationId xmlns:p14="http://schemas.microsoft.com/office/powerpoint/2010/main" val="1279829978"/>
+        <p14:creationId xmlns:p14="http://schemas.microsoft.com/office/powerpoint/2010/main" val="1259232416"/>
       </p:ext>
     </p:extLst>
   </p:cSld>

--- a/case_study_02_presentation.pptx
+++ b/case_study_02_presentation.pptx
@@ -22,26 +22,19 @@
     <p:sldId id="296" r:id="rId16"/>
     <p:sldId id="276" r:id="rId17"/>
     <p:sldId id="284" r:id="rId18"/>
-    <p:sldId id="285" r:id="rId19"/>
-    <p:sldId id="281" r:id="rId20"/>
-    <p:sldId id="283" r:id="rId21"/>
-    <p:sldId id="280" r:id="rId22"/>
-    <p:sldId id="282" r:id="rId23"/>
-    <p:sldId id="278" r:id="rId24"/>
-    <p:sldId id="267" r:id="rId25"/>
-    <p:sldId id="269" r:id="rId26"/>
-    <p:sldId id="256" r:id="rId27"/>
-    <p:sldId id="257" r:id="rId28"/>
-    <p:sldId id="270" r:id="rId29"/>
-    <p:sldId id="271" r:id="rId30"/>
-    <p:sldId id="272" r:id="rId31"/>
-    <p:sldId id="273" r:id="rId32"/>
-    <p:sldId id="274" r:id="rId33"/>
-    <p:sldId id="259" r:id="rId34"/>
-    <p:sldId id="260" r:id="rId35"/>
-    <p:sldId id="261" r:id="rId36"/>
-    <p:sldId id="262" r:id="rId37"/>
-    <p:sldId id="263" r:id="rId38"/>
+    <p:sldId id="297" r:id="rId19"/>
+    <p:sldId id="285" r:id="rId20"/>
+    <p:sldId id="299" r:id="rId21"/>
+    <p:sldId id="298" r:id="rId22"/>
+    <p:sldId id="281" r:id="rId23"/>
+    <p:sldId id="283" r:id="rId24"/>
+    <p:sldId id="280" r:id="rId25"/>
+    <p:sldId id="282" r:id="rId26"/>
+    <p:sldId id="278" r:id="rId27"/>
+    <p:sldId id="262" r:id="rId28"/>
+    <p:sldId id="267" r:id="rId29"/>
+    <p:sldId id="263" r:id="rId30"/>
+    <p:sldId id="269" r:id="rId31"/>
   </p:sldIdLst>
   <p:sldSz cx="12192000" cy="6858000"/>
   <p:notesSz cx="6858000" cy="9144000"/>
@@ -166,34 +159,23 @@
           <p14:sldIdLst>
             <p14:sldId id="276"/>
             <p14:sldId id="284"/>
+            <p14:sldId id="297"/>
             <p14:sldId id="285"/>
+            <p14:sldId id="299"/>
+            <p14:sldId id="298"/>
             <p14:sldId id="281"/>
             <p14:sldId id="283"/>
             <p14:sldId id="280"/>
             <p14:sldId id="282"/>
             <p14:sldId id="278"/>
+            <p14:sldId id="262"/>
             <p14:sldId id="267"/>
+            <p14:sldId id="263"/>
           </p14:sldIdLst>
         </p14:section>
         <p14:section name="Conclusion" id="{CC523660-F8A3-4597-8458-66C8365C0AE2}">
           <p14:sldIdLst>
             <p14:sldId id="269"/>
-          </p14:sldIdLst>
-        </p14:section>
-        <p14:section name="PLOTS" id="{DEADCFA1-F558-47F7-A383-774B4A1ACCF7}">
-          <p14:sldIdLst>
-            <p14:sldId id="256"/>
-            <p14:sldId id="257"/>
-            <p14:sldId id="270"/>
-            <p14:sldId id="271"/>
-            <p14:sldId id="272"/>
-            <p14:sldId id="273"/>
-            <p14:sldId id="274"/>
-            <p14:sldId id="259"/>
-            <p14:sldId id="260"/>
-            <p14:sldId id="261"/>
-            <p14:sldId id="262"/>
-            <p14:sldId id="263"/>
           </p14:sldIdLst>
         </p14:section>
       </p14:sectionLst>
@@ -8422,6 +8404,55 @@
             </a:r>
             <a:endParaRPr lang="en-US" sz="1400" dirty="0"/>
           </a:p>
+          <a:p>
+            <a:r>
+              <a:rPr lang="en-US" dirty="0"/>
+              <a:t>Top 3 </a:t>
+            </a:r>
+            <a:r>
+              <a:rPr lang="en-US" dirty="0" err="1"/>
+              <a:t>attritbutes</a:t>
+            </a:r>
+            <a:r>
+              <a:rPr lang="en-US" dirty="0"/>
+              <a:t>:</a:t>
+            </a:r>
+          </a:p>
+          <a:p>
+            <a:pPr marL="800100" lvl="1" indent="-342900">
+              <a:buAutoNum type="arabicPeriod"/>
+            </a:pPr>
+            <a:r>
+              <a:rPr lang="en-US" sz="1400" dirty="0"/>
+              <a:t>1. Job Role</a:t>
+            </a:r>
+          </a:p>
+          <a:p>
+            <a:pPr marL="800100" lvl="1" indent="-342900">
+              <a:buFont typeface="+mj-lt"/>
+              <a:buAutoNum type="arabicPeriod"/>
+            </a:pPr>
+            <a:r>
+              <a:rPr lang="en-US" sz="1400" dirty="0"/>
+              <a:t>2. Stock Option Level</a:t>
+            </a:r>
+          </a:p>
+          <a:p>
+            <a:pPr marL="800100" lvl="1" indent="-342900">
+              <a:buFont typeface="+mj-lt"/>
+              <a:buAutoNum type="arabicPeriod"/>
+            </a:pPr>
+            <a:r>
+              <a:rPr lang="en-US" sz="1400" dirty="0"/>
+              <a:t>3. Environment Satisfaction</a:t>
+            </a:r>
+          </a:p>
+          <a:p>
+            <a:pPr marL="457200" lvl="1" indent="0">
+              <a:buNone/>
+            </a:pPr>
+            <a:endParaRPr lang="en-US" sz="1400" dirty="0"/>
+          </a:p>
         </p:txBody>
       </p:sp>
       <p:pic>
@@ -8446,7 +8477,7 @@
         </p:blipFill>
         <p:spPr>
           <a:xfrm>
-            <a:off x="6091916" y="2682471"/>
+            <a:off x="6091442" y="2669771"/>
             <a:ext cx="5451627" cy="3393637"/>
           </a:xfrm>
           <a:prstGeom prst="rect">
@@ -8981,6 +9012,555 @@
 </file>
 
 <file path=ppt/slides/slide18.xml><?xml version="1.0" encoding="utf-8"?>
+<p:sld xmlns:a="http://schemas.openxmlformats.org/drawingml/2006/main" xmlns:r="http://schemas.openxmlformats.org/officeDocument/2006/relationships" xmlns:p="http://schemas.openxmlformats.org/presentationml/2006/main">
+  <p:cSld>
+    <p:bg>
+      <p:bgPr>
+        <a:blipFill rotWithShape="1">
+          <a:blip r:embed="rId2">
+            <a:duotone>
+              <a:schemeClr val="bg2">
+                <a:shade val="69000"/>
+                <a:hueMod val="108000"/>
+                <a:satMod val="164000"/>
+                <a:lumMod val="74000"/>
+              </a:schemeClr>
+              <a:schemeClr val="bg2">
+                <a:tint val="96000"/>
+                <a:hueMod val="88000"/>
+                <a:satMod val="140000"/>
+                <a:lumMod val="132000"/>
+              </a:schemeClr>
+            </a:duotone>
+            <a:extLst/>
+          </a:blip>
+          <a:stretch/>
+        </a:blipFill>
+        <a:effectLst/>
+      </p:bgPr>
+    </p:bg>
+    <p:spTree>
+      <p:nvGrpSpPr>
+        <p:cNvPr id="1" name=""/>
+        <p:cNvGrpSpPr/>
+        <p:nvPr/>
+      </p:nvGrpSpPr>
+      <p:grpSpPr>
+        <a:xfrm>
+          <a:off x="0" y="0"/>
+          <a:ext cx="0" cy="0"/>
+          <a:chOff x="0" y="0"/>
+          <a:chExt cx="0" cy="0"/>
+        </a:xfrm>
+      </p:grpSpPr>
+      <p:pic>
+        <p:nvPicPr>
+          <p:cNvPr id="9" name="Picture 8">
+            <a:extLst>
+              <a:ext uri="{FF2B5EF4-FFF2-40B4-BE49-F238E27FC236}">
+                <a16:creationId xmlns:a16="http://schemas.microsoft.com/office/drawing/2014/main" id="{C9ECDD5C-152A-4CC7-8333-0F367B3A62EA}"/>
+              </a:ext>
+              <a:ext uri="{C183D7F6-B498-43B3-948B-1728B52AA6E4}">
+                <adec:decorative xmlns:adec="http://schemas.microsoft.com/office/drawing/2017/decorative" val="1"/>
+              </a:ext>
+            </a:extLst>
+          </p:cNvPr>
+          <p:cNvPicPr>
+            <a:picLocks noGrp="1" noRot="1" noChangeAspect="1" noMove="1" noResize="1" noEditPoints="1" noAdjustHandles="1" noChangeArrowheads="1" noChangeShapeType="1" noCrop="1"/>
+          </p:cNvPicPr>
+          <p:nvPr>
+            <p:extLst>
+              <p:ext uri="{386F3935-93C4-4BCD-93E2-E3B085C9AB24}">
+                <p16:designElem xmlns:p16="http://schemas.microsoft.com/office/powerpoint/2015/main" val="1"/>
+              </p:ext>
+            </p:extLst>
+          </p:nvPr>
+        </p:nvPicPr>
+        <p:blipFill rotWithShape="1">
+          <a:blip r:embed="rId3">
+            <a:extLst>
+              <a:ext uri="{28A0092B-C50C-407E-A947-70E740481C1C}">
+                <a14:useLocalDpi xmlns:a14="http://schemas.microsoft.com/office/drawing/2010/main" val="0"/>
+              </a:ext>
+            </a:extLst>
+          </a:blip>
+          <a:srcRect l="3613"/>
+          <a:stretch/>
+        </p:blipFill>
+        <p:spPr>
+          <a:xfrm>
+            <a:off x="0" y="2669685"/>
+            <a:ext cx="4037012" cy="4188315"/>
+          </a:xfrm>
+          <a:prstGeom prst="rect">
+            <a:avLst/>
+          </a:prstGeom>
+        </p:spPr>
+      </p:pic>
+      <p:pic>
+        <p:nvPicPr>
+          <p:cNvPr id="11" name="Picture 10">
+            <a:extLst>
+              <a:ext uri="{FF2B5EF4-FFF2-40B4-BE49-F238E27FC236}">
+                <a16:creationId xmlns:a16="http://schemas.microsoft.com/office/drawing/2014/main" id="{7F5C92A3-369B-43F3-BDCE-E560B1B0EC89}"/>
+              </a:ext>
+              <a:ext uri="{C183D7F6-B498-43B3-948B-1728B52AA6E4}">
+                <adec:decorative xmlns:adec="http://schemas.microsoft.com/office/drawing/2017/decorative" val="1"/>
+              </a:ext>
+            </a:extLst>
+          </p:cNvPr>
+          <p:cNvPicPr>
+            <a:picLocks noGrp="1" noRot="1" noChangeAspect="1" noMove="1" noResize="1" noEditPoints="1" noAdjustHandles="1" noChangeArrowheads="1" noChangeShapeType="1" noCrop="1"/>
+          </p:cNvPicPr>
+          <p:nvPr>
+            <p:extLst>
+              <p:ext uri="{386F3935-93C4-4BCD-93E2-E3B085C9AB24}">
+                <p16:designElem xmlns:p16="http://schemas.microsoft.com/office/powerpoint/2015/main" val="1"/>
+              </p:ext>
+            </p:extLst>
+          </p:nvPr>
+        </p:nvPicPr>
+        <p:blipFill rotWithShape="1">
+          <a:blip r:embed="rId4">
+            <a:extLst>
+              <a:ext uri="{28A0092B-C50C-407E-A947-70E740481C1C}">
+                <a14:useLocalDpi xmlns:a14="http://schemas.microsoft.com/office/drawing/2010/main" val="0"/>
+              </a:ext>
+            </a:extLst>
+          </a:blip>
+          <a:srcRect l="35640"/>
+          <a:stretch/>
+        </p:blipFill>
+        <p:spPr>
+          <a:xfrm>
+            <a:off x="0" y="2892347"/>
+            <a:ext cx="1522412" cy="2365453"/>
+          </a:xfrm>
+          <a:prstGeom prst="rect">
+            <a:avLst/>
+          </a:prstGeom>
+        </p:spPr>
+      </p:pic>
+      <p:sp>
+        <p:nvSpPr>
+          <p:cNvPr id="13" name="Oval 12">
+            <a:extLst>
+              <a:ext uri="{FF2B5EF4-FFF2-40B4-BE49-F238E27FC236}">
+                <a16:creationId xmlns:a16="http://schemas.microsoft.com/office/drawing/2014/main" id="{AEBE9F1A-B38D-446E-83AE-14B17CE77FF2}"/>
+              </a:ext>
+              <a:ext uri="{C183D7F6-B498-43B3-948B-1728B52AA6E4}">
+                <adec:decorative xmlns:adec="http://schemas.microsoft.com/office/drawing/2017/decorative" val="1"/>
+              </a:ext>
+            </a:extLst>
+          </p:cNvPr>
+          <p:cNvSpPr>
+            <a:spLocks noGrp="1" noRot="1" noChangeAspect="1" noMove="1" noResize="1" noEditPoints="1" noAdjustHandles="1" noChangeArrowheads="1" noChangeShapeType="1" noTextEdit="1"/>
+          </p:cNvSpPr>
+          <p:nvPr>
+            <p:extLst>
+              <p:ext uri="{386F3935-93C4-4BCD-93E2-E3B085C9AB24}">
+                <p16:designElem xmlns:p16="http://schemas.microsoft.com/office/powerpoint/2015/main" val="1"/>
+              </p:ext>
+            </p:extLst>
+          </p:nvPr>
+        </p:nvSpPr>
+        <p:spPr>
+          <a:xfrm>
+            <a:off x="8609012" y="1676400"/>
+            <a:ext cx="2819400" cy="2819400"/>
+          </a:xfrm>
+          <a:prstGeom prst="ellipse">
+            <a:avLst/>
+          </a:prstGeom>
+          <a:gradFill flip="none" rotWithShape="1">
+            <a:gsLst>
+              <a:gs pos="0">
+                <a:schemeClr val="bg2">
+                  <a:lumMod val="60000"/>
+                  <a:lumOff val="40000"/>
+                  <a:alpha val="7000"/>
+                </a:schemeClr>
+              </a:gs>
+              <a:gs pos="69000">
+                <a:schemeClr val="bg2">
+                  <a:lumMod val="60000"/>
+                  <a:lumOff val="40000"/>
+                  <a:alpha val="0"/>
+                </a:schemeClr>
+              </a:gs>
+              <a:gs pos="36000">
+                <a:schemeClr val="bg2">
+                  <a:lumMod val="60000"/>
+                  <a:lumOff val="40000"/>
+                  <a:alpha val="6000"/>
+                </a:schemeClr>
+              </a:gs>
+            </a:gsLst>
+            <a:path path="circle">
+              <a:fillToRect l="50000" t="50000" r="50000" b="50000"/>
+            </a:path>
+            <a:tileRect/>
+          </a:gradFill>
+          <a:ln>
+            <a:noFill/>
+          </a:ln>
+          <a:effectLst/>
+        </p:spPr>
+        <p:style>
+          <a:lnRef idx="1">
+            <a:schemeClr val="accent1"/>
+          </a:lnRef>
+          <a:fillRef idx="3">
+            <a:schemeClr val="accent1"/>
+          </a:fillRef>
+          <a:effectRef idx="2">
+            <a:schemeClr val="accent1"/>
+          </a:effectRef>
+          <a:fontRef idx="minor">
+            <a:schemeClr val="lt1"/>
+          </a:fontRef>
+        </p:style>
+      </p:sp>
+      <p:pic>
+        <p:nvPicPr>
+          <p:cNvPr id="15" name="Picture 14">
+            <a:extLst>
+              <a:ext uri="{FF2B5EF4-FFF2-40B4-BE49-F238E27FC236}">
+                <a16:creationId xmlns:a16="http://schemas.microsoft.com/office/drawing/2014/main" id="{915B5014-A7EC-4BA6-9C83-8840CF81DB28}"/>
+              </a:ext>
+              <a:ext uri="{C183D7F6-B498-43B3-948B-1728B52AA6E4}">
+                <adec:decorative xmlns:adec="http://schemas.microsoft.com/office/drawing/2017/decorative" val="1"/>
+              </a:ext>
+            </a:extLst>
+          </p:cNvPr>
+          <p:cNvPicPr>
+            <a:picLocks noGrp="1" noRot="1" noChangeAspect="1" noMove="1" noResize="1" noEditPoints="1" noAdjustHandles="1" noChangeArrowheads="1" noChangeShapeType="1" noCrop="1"/>
+          </p:cNvPicPr>
+          <p:nvPr>
+            <p:extLst>
+              <p:ext uri="{386F3935-93C4-4BCD-93E2-E3B085C9AB24}">
+                <p16:designElem xmlns:p16="http://schemas.microsoft.com/office/powerpoint/2015/main" val="1"/>
+              </p:ext>
+            </p:extLst>
+          </p:nvPr>
+        </p:nvPicPr>
+        <p:blipFill rotWithShape="1">
+          <a:blip r:embed="rId5">
+            <a:extLst>
+              <a:ext uri="{28A0092B-C50C-407E-A947-70E740481C1C}">
+                <a14:useLocalDpi xmlns:a14="http://schemas.microsoft.com/office/drawing/2010/main" val="0"/>
+              </a:ext>
+            </a:extLst>
+          </a:blip>
+          <a:srcRect t="28813"/>
+          <a:stretch/>
+        </p:blipFill>
+        <p:spPr>
+          <a:xfrm>
+            <a:off x="7999412" y="0"/>
+            <a:ext cx="1603387" cy="1141407"/>
+          </a:xfrm>
+          <a:prstGeom prst="rect">
+            <a:avLst/>
+          </a:prstGeom>
+        </p:spPr>
+      </p:pic>
+      <p:pic>
+        <p:nvPicPr>
+          <p:cNvPr id="17" name="Picture 16">
+            <a:extLst>
+              <a:ext uri="{FF2B5EF4-FFF2-40B4-BE49-F238E27FC236}">
+                <a16:creationId xmlns:a16="http://schemas.microsoft.com/office/drawing/2014/main" id="{022C43AB-86D7-420D-8AD7-DC0A15FDD0AF}"/>
+              </a:ext>
+              <a:ext uri="{C183D7F6-B498-43B3-948B-1728B52AA6E4}">
+                <adec:decorative xmlns:adec="http://schemas.microsoft.com/office/drawing/2017/decorative" val="1"/>
+              </a:ext>
+            </a:extLst>
+          </p:cNvPr>
+          <p:cNvPicPr>
+            <a:picLocks noGrp="1" noRot="1" noChangeAspect="1" noMove="1" noResize="1" noEditPoints="1" noAdjustHandles="1" noChangeArrowheads="1" noChangeShapeType="1" noCrop="1"/>
+          </p:cNvPicPr>
+          <p:nvPr>
+            <p:extLst>
+              <p:ext uri="{386F3935-93C4-4BCD-93E2-E3B085C9AB24}">
+                <p16:designElem xmlns:p16="http://schemas.microsoft.com/office/powerpoint/2015/main" val="1"/>
+              </p:ext>
+            </p:extLst>
+          </p:nvPr>
+        </p:nvPicPr>
+        <p:blipFill rotWithShape="1">
+          <a:blip r:embed="rId6">
+            <a:extLst>
+              <a:ext uri="{28A0092B-C50C-407E-A947-70E740481C1C}">
+                <a14:useLocalDpi xmlns:a14="http://schemas.microsoft.com/office/drawing/2010/main" val="0"/>
+              </a:ext>
+            </a:extLst>
+          </a:blip>
+          <a:srcRect b="23320"/>
+          <a:stretch/>
+        </p:blipFill>
+        <p:spPr>
+          <a:xfrm>
+            <a:off x="8605878" y="6096000"/>
+            <a:ext cx="993734" cy="762000"/>
+          </a:xfrm>
+          <a:prstGeom prst="rect">
+            <a:avLst/>
+          </a:prstGeom>
+        </p:spPr>
+      </p:pic>
+      <p:sp>
+        <p:nvSpPr>
+          <p:cNvPr id="19" name="Rectangle 18">
+            <a:extLst>
+              <a:ext uri="{FF2B5EF4-FFF2-40B4-BE49-F238E27FC236}">
+                <a16:creationId xmlns:a16="http://schemas.microsoft.com/office/drawing/2014/main" id="{5E3EB826-A471-488F-9E8A-D65528A3C0CA}"/>
+              </a:ext>
+              <a:ext uri="{C183D7F6-B498-43B3-948B-1728B52AA6E4}">
+                <adec:decorative xmlns:adec="http://schemas.microsoft.com/office/drawing/2017/decorative" val="1"/>
+              </a:ext>
+            </a:extLst>
+          </p:cNvPr>
+          <p:cNvSpPr>
+            <a:spLocks noGrp="1" noRot="1" noChangeAspect="1" noMove="1" noResize="1" noEditPoints="1" noAdjustHandles="1" noChangeArrowheads="1" noChangeShapeType="1" noTextEdit="1"/>
+          </p:cNvSpPr>
+          <p:nvPr>
+            <p:extLst>
+              <p:ext uri="{386F3935-93C4-4BCD-93E2-E3B085C9AB24}">
+                <p16:designElem xmlns:p16="http://schemas.microsoft.com/office/powerpoint/2015/main" val="1"/>
+              </p:ext>
+            </p:extLst>
+          </p:nvPr>
+        </p:nvSpPr>
+        <p:spPr>
+          <a:xfrm>
+            <a:off x="10437812" y="0"/>
+            <a:ext cx="685800" cy="1143000"/>
+          </a:xfrm>
+          <a:prstGeom prst="rect">
+            <a:avLst/>
+          </a:prstGeom>
+          <a:solidFill>
+            <a:schemeClr val="accent1"/>
+          </a:solidFill>
+          <a:ln>
+            <a:noFill/>
+          </a:ln>
+        </p:spPr>
+        <p:style>
+          <a:lnRef idx="1">
+            <a:schemeClr val="accent1"/>
+          </a:lnRef>
+          <a:fillRef idx="3">
+            <a:schemeClr val="accent1"/>
+          </a:fillRef>
+          <a:effectRef idx="2">
+            <a:schemeClr val="accent1"/>
+          </a:effectRef>
+          <a:fontRef idx="minor">
+            <a:schemeClr val="lt1"/>
+          </a:fontRef>
+        </p:style>
+      </p:sp>
+      <p:sp>
+        <p:nvSpPr>
+          <p:cNvPr id="21" name="Rectangle 20">
+            <a:extLst>
+              <a:ext uri="{FF2B5EF4-FFF2-40B4-BE49-F238E27FC236}">
+                <a16:creationId xmlns:a16="http://schemas.microsoft.com/office/drawing/2014/main" id="{DFB3CEA1-88D9-42FB-88ED-1E9807FE6596}"/>
+              </a:ext>
+              <a:ext uri="{C183D7F6-B498-43B3-948B-1728B52AA6E4}">
+                <adec:decorative xmlns:adec="http://schemas.microsoft.com/office/drawing/2017/decorative" val="1"/>
+              </a:ext>
+            </a:extLst>
+          </p:cNvPr>
+          <p:cNvSpPr>
+            <a:spLocks noGrp="1" noRot="1" noChangeAspect="1" noMove="1" noResize="1" noEditPoints="1" noAdjustHandles="1" noChangeArrowheads="1" noChangeShapeType="1" noTextEdit="1"/>
+          </p:cNvSpPr>
+          <p:nvPr>
+            <p:extLst>
+              <p:ext uri="{386F3935-93C4-4BCD-93E2-E3B085C9AB24}">
+                <p16:designElem xmlns:p16="http://schemas.microsoft.com/office/powerpoint/2015/main" val="1"/>
+              </p:ext>
+            </p:extLst>
+          </p:nvPr>
+        </p:nvSpPr>
+        <p:spPr>
+          <a:xfrm>
+            <a:off x="477012" y="480060"/>
+            <a:ext cx="11237976" cy="5897880"/>
+          </a:xfrm>
+          <a:prstGeom prst="rect">
+            <a:avLst/>
+          </a:prstGeom>
+          <a:solidFill>
+            <a:srgbClr val="FFFFFF"/>
+          </a:solidFill>
+          <a:ln>
+            <a:noFill/>
+          </a:ln>
+        </p:spPr>
+        <p:style>
+          <a:lnRef idx="2">
+            <a:schemeClr val="accent1">
+              <a:shade val="50000"/>
+            </a:schemeClr>
+          </a:lnRef>
+          <a:fillRef idx="1">
+            <a:schemeClr val="accent1"/>
+          </a:fillRef>
+          <a:effectRef idx="0">
+            <a:schemeClr val="accent1"/>
+          </a:effectRef>
+          <a:fontRef idx="minor">
+            <a:schemeClr val="lt1"/>
+          </a:fontRef>
+        </p:style>
+        <p:txBody>
+          <a:bodyPr rtlCol="0" anchor="ctr"/>
+          <a:lstStyle/>
+          <a:p>
+            <a:pPr algn="ctr"/>
+            <a:endParaRPr lang="en-US" dirty="0"/>
+          </a:p>
+        </p:txBody>
+      </p:sp>
+      <p:pic>
+        <p:nvPicPr>
+          <p:cNvPr id="4" name="Picture 3">
+            <a:extLst>
+              <a:ext uri="{FF2B5EF4-FFF2-40B4-BE49-F238E27FC236}">
+                <a16:creationId xmlns:a16="http://schemas.microsoft.com/office/drawing/2014/main" id="{EEA345E4-C857-476B-A8BE-415B2CACAC87}"/>
+              </a:ext>
+            </a:extLst>
+          </p:cNvPr>
+          <p:cNvPicPr>
+            <a:picLocks noChangeAspect="1"/>
+          </p:cNvPicPr>
+          <p:nvPr/>
+        </p:nvPicPr>
+        <p:blipFill>
+          <a:blip r:embed="rId7"/>
+          <a:stretch>
+            <a:fillRect/>
+          </a:stretch>
+        </p:blipFill>
+        <p:spPr>
+          <a:xfrm>
+            <a:off x="3895429" y="643467"/>
+            <a:ext cx="4401141" cy="5571066"/>
+          </a:xfrm>
+          <a:prstGeom prst="rect">
+            <a:avLst/>
+          </a:prstGeom>
+        </p:spPr>
+      </p:pic>
+      <p:sp>
+        <p:nvSpPr>
+          <p:cNvPr id="23" name="Rectangle 22">
+            <a:extLst>
+              <a:ext uri="{FF2B5EF4-FFF2-40B4-BE49-F238E27FC236}">
+                <a16:creationId xmlns:a16="http://schemas.microsoft.com/office/drawing/2014/main" id="{9A6C928E-4252-4F33-8C34-E50A12A3170B}"/>
+              </a:ext>
+              <a:ext uri="{C183D7F6-B498-43B3-948B-1728B52AA6E4}">
+                <adec:decorative xmlns:adec="http://schemas.microsoft.com/office/drawing/2017/decorative" val="1"/>
+              </a:ext>
+            </a:extLst>
+          </p:cNvPr>
+          <p:cNvSpPr>
+            <a:spLocks noGrp="1" noRot="1" noChangeAspect="1" noMove="1" noResize="1" noEditPoints="1" noAdjustHandles="1" noChangeArrowheads="1" noChangeShapeType="1" noTextEdit="1"/>
+          </p:cNvSpPr>
+          <p:nvPr>
+            <p:extLst>
+              <p:ext uri="{386F3935-93C4-4BCD-93E2-E3B085C9AB24}">
+                <p16:designElem xmlns:p16="http://schemas.microsoft.com/office/powerpoint/2015/main" val="1"/>
+              </p:ext>
+            </p:extLst>
+          </p:nvPr>
+        </p:nvSpPr>
+        <p:spPr>
+          <a:xfrm>
+            <a:off x="10437812" y="0"/>
+            <a:ext cx="685800" cy="1143000"/>
+          </a:xfrm>
+          <a:prstGeom prst="rect">
+            <a:avLst/>
+          </a:prstGeom>
+          <a:solidFill>
+            <a:schemeClr val="accent1"/>
+          </a:solidFill>
+          <a:ln>
+            <a:noFill/>
+          </a:ln>
+        </p:spPr>
+        <p:style>
+          <a:lnRef idx="1">
+            <a:schemeClr val="accent1"/>
+          </a:lnRef>
+          <a:fillRef idx="3">
+            <a:schemeClr val="accent1"/>
+          </a:fillRef>
+          <a:effectRef idx="2">
+            <a:schemeClr val="accent1"/>
+          </a:effectRef>
+          <a:fontRef idx="minor">
+            <a:schemeClr val="lt1"/>
+          </a:fontRef>
+        </p:style>
+      </p:sp>
+      <p:sp>
+        <p:nvSpPr>
+          <p:cNvPr id="5" name="TextBox 4">
+            <a:extLst>
+              <a:ext uri="{FF2B5EF4-FFF2-40B4-BE49-F238E27FC236}">
+                <a16:creationId xmlns:a16="http://schemas.microsoft.com/office/drawing/2014/main" id="{46D369FA-074A-4B95-A58F-FF6ED736F9AA}"/>
+              </a:ext>
+            </a:extLst>
+          </p:cNvPr>
+          <p:cNvSpPr txBox="1"/>
+          <p:nvPr/>
+        </p:nvSpPr>
+        <p:spPr>
+          <a:xfrm>
+            <a:off x="1384300" y="2444750"/>
+            <a:ext cx="1993900" cy="923330"/>
+          </a:xfrm>
+          <a:prstGeom prst="rect">
+            <a:avLst/>
+          </a:prstGeom>
+          <a:noFill/>
+        </p:spPr>
+        <p:txBody>
+          <a:bodyPr wrap="square" rtlCol="0">
+            <a:spAutoFit/>
+          </a:bodyPr>
+          <a:lstStyle/>
+          <a:p>
+            <a:r>
+              <a:rPr lang="en-US" dirty="0">
+                <a:solidFill>
+                  <a:schemeClr val="bg1"/>
+                </a:solidFill>
+              </a:rPr>
+              <a:t>Normality and independence met! </a:t>
+            </a:r>
+          </a:p>
+        </p:txBody>
+      </p:sp>
+    </p:spTree>
+    <p:extLst>
+      <p:ext uri="{BB962C8B-B14F-4D97-AF65-F5344CB8AC3E}">
+        <p14:creationId xmlns:p14="http://schemas.microsoft.com/office/powerpoint/2010/main" val="732379654"/>
+      </p:ext>
+    </p:extLst>
+  </p:cSld>
+  <p:clrMapOvr>
+    <a:masterClrMapping/>
+  </p:clrMapOvr>
+</p:sld>
+</file>
+
+<file path=ppt/slides/slide19.xml><?xml version="1.0" encoding="utf-8"?>
 <p:sld xmlns:a="http://schemas.openxmlformats.org/drawingml/2006/main" xmlns:r="http://schemas.openxmlformats.org/officeDocument/2006/relationships" xmlns:p="http://schemas.openxmlformats.org/presentationml/2006/main">
   <p:cSld>
     <p:spTree>
@@ -9664,737 +10244,54 @@
           </a:p>
         </p:txBody>
       </p:sp>
+      <p:sp>
+        <p:nvSpPr>
+          <p:cNvPr id="20" name="Title 1">
+            <a:extLst>
+              <a:ext uri="{FF2B5EF4-FFF2-40B4-BE49-F238E27FC236}">
+                <a16:creationId xmlns:a16="http://schemas.microsoft.com/office/drawing/2014/main" id="{971375ED-4AE7-4918-AC76-1010F581CAE8}"/>
+              </a:ext>
+            </a:extLst>
+          </p:cNvPr>
+          <p:cNvSpPr>
+            <a:spLocks noGrp="1"/>
+          </p:cNvSpPr>
+          <p:nvPr>
+            <p:ph type="title"/>
+          </p:nvPr>
+        </p:nvSpPr>
+        <p:spPr>
+          <a:xfrm>
+            <a:off x="440757" y="240303"/>
+            <a:ext cx="9142770" cy="589849"/>
+          </a:xfrm>
+        </p:spPr>
+        <p:txBody>
+          <a:bodyPr>
+            <a:normAutofit/>
+          </a:bodyPr>
+          <a:lstStyle/>
+          <a:p>
+            <a:pPr>
+              <a:lnSpc>
+                <a:spcPct val="90000"/>
+              </a:lnSpc>
+            </a:pPr>
+            <a:r>
+              <a:rPr lang="en-US" sz="3300" dirty="0">
+                <a:solidFill>
+                  <a:srgbClr val="EBEBEB"/>
+                </a:solidFill>
+              </a:rPr>
+              <a:t>What does Job Role show us?</a:t>
+            </a:r>
+          </a:p>
+        </p:txBody>
+      </p:sp>
     </p:spTree>
     <p:extLst>
       <p:ext uri="{BB962C8B-B14F-4D97-AF65-F5344CB8AC3E}">
         <p14:creationId xmlns:p14="http://schemas.microsoft.com/office/powerpoint/2010/main" val="2511278651"/>
-      </p:ext>
-    </p:extLst>
-  </p:cSld>
-  <p:clrMapOvr>
-    <a:masterClrMapping/>
-  </p:clrMapOvr>
-</p:sld>
-</file>
-
-<file path=ppt/slides/slide19.xml><?xml version="1.0" encoding="utf-8"?>
-<p:sld xmlns:a="http://schemas.openxmlformats.org/drawingml/2006/main" xmlns:r="http://schemas.openxmlformats.org/officeDocument/2006/relationships" xmlns:p="http://schemas.openxmlformats.org/presentationml/2006/main">
-  <p:cSld>
-    <p:spTree>
-      <p:nvGrpSpPr>
-        <p:cNvPr id="1" name=""/>
-        <p:cNvGrpSpPr/>
-        <p:nvPr/>
-      </p:nvGrpSpPr>
-      <p:grpSpPr>
-        <a:xfrm>
-          <a:off x="0" y="0"/>
-          <a:ext cx="0" cy="0"/>
-          <a:chOff x="0" y="0"/>
-          <a:chExt cx="0" cy="0"/>
-        </a:xfrm>
-      </p:grpSpPr>
-      <p:pic>
-        <p:nvPicPr>
-          <p:cNvPr id="7" name="Picture 6">
-            <a:extLst>
-              <a:ext uri="{FF2B5EF4-FFF2-40B4-BE49-F238E27FC236}">
-                <a16:creationId xmlns:a16="http://schemas.microsoft.com/office/drawing/2014/main" id="{C9B14F72-C47B-49CA-9E56-4DE1C3565762}"/>
-              </a:ext>
-            </a:extLst>
-          </p:cNvPr>
-          <p:cNvPicPr>
-            <a:picLocks noChangeAspect="1"/>
-          </p:cNvPicPr>
-          <p:nvPr/>
-        </p:nvPicPr>
-        <p:blipFill>
-          <a:blip r:embed="rId2"/>
-          <a:stretch>
-            <a:fillRect/>
-          </a:stretch>
-        </p:blipFill>
-        <p:spPr>
-          <a:xfrm>
-            <a:off x="0" y="358775"/>
-            <a:ext cx="12192000" cy="5505450"/>
-          </a:xfrm>
-          <a:prstGeom prst="rect">
-            <a:avLst/>
-          </a:prstGeom>
-        </p:spPr>
-      </p:pic>
-      <p:pic>
-        <p:nvPicPr>
-          <p:cNvPr id="9" name="Picture 8">
-            <a:extLst>
-              <a:ext uri="{FF2B5EF4-FFF2-40B4-BE49-F238E27FC236}">
-                <a16:creationId xmlns:a16="http://schemas.microsoft.com/office/drawing/2014/main" id="{7D65780A-E5FB-4605-B243-0664EAEF5D90}"/>
-              </a:ext>
-            </a:extLst>
-          </p:cNvPr>
-          <p:cNvPicPr>
-            <a:picLocks noChangeAspect="1"/>
-          </p:cNvPicPr>
-          <p:nvPr/>
-        </p:nvPicPr>
-        <p:blipFill>
-          <a:blip r:embed="rId3"/>
-          <a:stretch>
-            <a:fillRect/>
-          </a:stretch>
-        </p:blipFill>
-        <p:spPr>
-          <a:xfrm>
-            <a:off x="3033712" y="5991225"/>
-            <a:ext cx="5705475" cy="590550"/>
-          </a:xfrm>
-          <a:prstGeom prst="rect">
-            <a:avLst/>
-          </a:prstGeom>
-        </p:spPr>
-      </p:pic>
-      <p:sp>
-        <p:nvSpPr>
-          <p:cNvPr id="10" name="TextBox 9">
-            <a:extLst>
-              <a:ext uri="{FF2B5EF4-FFF2-40B4-BE49-F238E27FC236}">
-                <a16:creationId xmlns:a16="http://schemas.microsoft.com/office/drawing/2014/main" id="{9FD6920C-3CF7-4380-807F-DF234F11F2C8}"/>
-              </a:ext>
-            </a:extLst>
-          </p:cNvPr>
-          <p:cNvSpPr txBox="1"/>
-          <p:nvPr/>
-        </p:nvSpPr>
-        <p:spPr>
-          <a:xfrm>
-            <a:off x="1098550" y="4044950"/>
-            <a:ext cx="425450" cy="200055"/>
-          </a:xfrm>
-          <a:prstGeom prst="rect">
-            <a:avLst/>
-          </a:prstGeom>
-          <a:noFill/>
-        </p:spPr>
-        <p:txBody>
-          <a:bodyPr wrap="square" rtlCol="0">
-            <a:spAutoFit/>
-          </a:bodyPr>
-          <a:lstStyle/>
-          <a:p>
-            <a:r>
-              <a:rPr lang="en-US" sz="700" dirty="0">
-                <a:solidFill>
-                  <a:schemeClr val="bg1"/>
-                </a:solidFill>
-              </a:rPr>
-              <a:t>18.9%</a:t>
-            </a:r>
-          </a:p>
-        </p:txBody>
-      </p:sp>
-      <p:sp>
-        <p:nvSpPr>
-          <p:cNvPr id="13" name="TextBox 12">
-            <a:extLst>
-              <a:ext uri="{FF2B5EF4-FFF2-40B4-BE49-F238E27FC236}">
-                <a16:creationId xmlns:a16="http://schemas.microsoft.com/office/drawing/2014/main" id="{137F2322-26FB-49AC-AAE1-D287FE985D91}"/>
-              </a:ext>
-            </a:extLst>
-          </p:cNvPr>
-          <p:cNvSpPr txBox="1"/>
-          <p:nvPr/>
-        </p:nvSpPr>
-        <p:spPr>
-          <a:xfrm>
-            <a:off x="1739900" y="4686300"/>
-            <a:ext cx="425450" cy="200055"/>
-          </a:xfrm>
-          <a:prstGeom prst="rect">
-            <a:avLst/>
-          </a:prstGeom>
-          <a:noFill/>
-        </p:spPr>
-        <p:txBody>
-          <a:bodyPr wrap="square" rtlCol="0">
-            <a:spAutoFit/>
-          </a:bodyPr>
-          <a:lstStyle/>
-          <a:p>
-            <a:r>
-              <a:rPr lang="en-US" sz="700" dirty="0">
-                <a:solidFill>
-                  <a:schemeClr val="bg1"/>
-                </a:solidFill>
-              </a:rPr>
-              <a:t>13.7%</a:t>
-            </a:r>
-          </a:p>
-        </p:txBody>
-      </p:sp>
-      <p:sp>
-        <p:nvSpPr>
-          <p:cNvPr id="14" name="TextBox 13">
-            <a:extLst>
-              <a:ext uri="{FF2B5EF4-FFF2-40B4-BE49-F238E27FC236}">
-                <a16:creationId xmlns:a16="http://schemas.microsoft.com/office/drawing/2014/main" id="{9A40765F-B0DA-42E2-8F4F-E010719321A6}"/>
-              </a:ext>
-            </a:extLst>
-          </p:cNvPr>
-          <p:cNvSpPr txBox="1"/>
-          <p:nvPr/>
-        </p:nvSpPr>
-        <p:spPr>
-          <a:xfrm>
-            <a:off x="2381250" y="4886355"/>
-            <a:ext cx="425450" cy="200055"/>
-          </a:xfrm>
-          <a:prstGeom prst="rect">
-            <a:avLst/>
-          </a:prstGeom>
-          <a:noFill/>
-        </p:spPr>
-        <p:txBody>
-          <a:bodyPr wrap="square" rtlCol="0">
-            <a:spAutoFit/>
-          </a:bodyPr>
-          <a:lstStyle/>
-          <a:p>
-            <a:r>
-              <a:rPr lang="en-US" sz="700" dirty="0">
-                <a:solidFill>
-                  <a:schemeClr val="bg1"/>
-                </a:solidFill>
-              </a:rPr>
-              <a:t>17.0%</a:t>
-            </a:r>
-          </a:p>
-        </p:txBody>
-      </p:sp>
-      <p:sp>
-        <p:nvSpPr>
-          <p:cNvPr id="15" name="TextBox 14">
-            <a:extLst>
-              <a:ext uri="{FF2B5EF4-FFF2-40B4-BE49-F238E27FC236}">
-                <a16:creationId xmlns:a16="http://schemas.microsoft.com/office/drawing/2014/main" id="{2D1D5608-F976-483F-8713-D355C66F9F32}"/>
-              </a:ext>
-            </a:extLst>
-          </p:cNvPr>
-          <p:cNvSpPr txBox="1"/>
-          <p:nvPr/>
-        </p:nvSpPr>
-        <p:spPr>
-          <a:xfrm>
-            <a:off x="3022600" y="5056292"/>
-            <a:ext cx="425450" cy="200055"/>
-          </a:xfrm>
-          <a:prstGeom prst="rect">
-            <a:avLst/>
-          </a:prstGeom>
-          <a:noFill/>
-        </p:spPr>
-        <p:txBody>
-          <a:bodyPr wrap="square" rtlCol="0">
-            <a:spAutoFit/>
-          </a:bodyPr>
-          <a:lstStyle/>
-          <a:p>
-            <a:r>
-              <a:rPr lang="en-US" sz="700" dirty="0">
-                <a:solidFill>
-                  <a:schemeClr val="bg1"/>
-                </a:solidFill>
-              </a:rPr>
-              <a:t>17.3%</a:t>
-            </a:r>
-          </a:p>
-        </p:txBody>
-      </p:sp>
-      <p:sp>
-        <p:nvSpPr>
-          <p:cNvPr id="16" name="TextBox 15">
-            <a:extLst>
-              <a:ext uri="{FF2B5EF4-FFF2-40B4-BE49-F238E27FC236}">
-                <a16:creationId xmlns:a16="http://schemas.microsoft.com/office/drawing/2014/main" id="{8738B6E4-9072-4F0D-8305-2C21543E90DE}"/>
-              </a:ext>
-            </a:extLst>
-          </p:cNvPr>
-          <p:cNvSpPr txBox="1"/>
-          <p:nvPr/>
-        </p:nvSpPr>
-        <p:spPr>
-          <a:xfrm>
-            <a:off x="3663950" y="5146914"/>
-            <a:ext cx="425450" cy="200055"/>
-          </a:xfrm>
-          <a:prstGeom prst="rect">
-            <a:avLst/>
-          </a:prstGeom>
-          <a:noFill/>
-        </p:spPr>
-        <p:txBody>
-          <a:bodyPr wrap="square" rtlCol="0">
-            <a:spAutoFit/>
-          </a:bodyPr>
-          <a:lstStyle/>
-          <a:p>
-            <a:r>
-              <a:rPr lang="en-US" sz="700" dirty="0">
-                <a:solidFill>
-                  <a:schemeClr val="bg1"/>
-                </a:solidFill>
-              </a:rPr>
-              <a:t>8.2%</a:t>
-            </a:r>
-          </a:p>
-        </p:txBody>
-      </p:sp>
-      <p:sp>
-        <p:nvSpPr>
-          <p:cNvPr id="17" name="TextBox 16">
-            <a:extLst>
-              <a:ext uri="{FF2B5EF4-FFF2-40B4-BE49-F238E27FC236}">
-                <a16:creationId xmlns:a16="http://schemas.microsoft.com/office/drawing/2014/main" id="{F86F6E7F-E50B-4ABF-9268-B9372E99DC8A}"/>
-              </a:ext>
-            </a:extLst>
-          </p:cNvPr>
-          <p:cNvSpPr txBox="1"/>
-          <p:nvPr/>
-        </p:nvSpPr>
-        <p:spPr>
-          <a:xfrm>
-            <a:off x="4305300" y="5134483"/>
-            <a:ext cx="425450" cy="200055"/>
-          </a:xfrm>
-          <a:prstGeom prst="rect">
-            <a:avLst/>
-          </a:prstGeom>
-          <a:noFill/>
-        </p:spPr>
-        <p:txBody>
-          <a:bodyPr wrap="square" rtlCol="0">
-            <a:spAutoFit/>
-          </a:bodyPr>
-          <a:lstStyle/>
-          <a:p>
-            <a:r>
-              <a:rPr lang="en-US" sz="700" dirty="0">
-                <a:solidFill>
-                  <a:schemeClr val="bg1"/>
-                </a:solidFill>
-              </a:rPr>
-              <a:t>4.4%</a:t>
-            </a:r>
-          </a:p>
-        </p:txBody>
-      </p:sp>
-      <p:sp>
-        <p:nvSpPr>
-          <p:cNvPr id="18" name="TextBox 17">
-            <a:extLst>
-              <a:ext uri="{FF2B5EF4-FFF2-40B4-BE49-F238E27FC236}">
-                <a16:creationId xmlns:a16="http://schemas.microsoft.com/office/drawing/2014/main" id="{B57CD49B-497C-475E-B1DC-5F2CB64A12F1}"/>
-              </a:ext>
-            </a:extLst>
-          </p:cNvPr>
-          <p:cNvSpPr txBox="1"/>
-          <p:nvPr/>
-        </p:nvSpPr>
-        <p:spPr>
-          <a:xfrm>
-            <a:off x="4975225" y="5086410"/>
-            <a:ext cx="425450" cy="200055"/>
-          </a:xfrm>
-          <a:prstGeom prst="rect">
-            <a:avLst/>
-          </a:prstGeom>
-          <a:noFill/>
-        </p:spPr>
-        <p:txBody>
-          <a:bodyPr wrap="square" rtlCol="0">
-            <a:spAutoFit/>
-          </a:bodyPr>
-          <a:lstStyle/>
-          <a:p>
-            <a:r>
-              <a:rPr lang="en-US" sz="700" dirty="0">
-                <a:solidFill>
-                  <a:schemeClr val="bg1"/>
-                </a:solidFill>
-              </a:rPr>
-              <a:t>18.8%</a:t>
-            </a:r>
-          </a:p>
-        </p:txBody>
-      </p:sp>
-      <p:sp>
-        <p:nvSpPr>
-          <p:cNvPr id="19" name="TextBox 18">
-            <a:extLst>
-              <a:ext uri="{FF2B5EF4-FFF2-40B4-BE49-F238E27FC236}">
-                <a16:creationId xmlns:a16="http://schemas.microsoft.com/office/drawing/2014/main" id="{21E6618D-1A10-4A93-A639-277B17392CAE}"/>
-              </a:ext>
-            </a:extLst>
-          </p:cNvPr>
-          <p:cNvSpPr txBox="1"/>
-          <p:nvPr/>
-        </p:nvSpPr>
-        <p:spPr>
-          <a:xfrm>
-            <a:off x="5616575" y="4986382"/>
-            <a:ext cx="425450" cy="200055"/>
-          </a:xfrm>
-          <a:prstGeom prst="rect">
-            <a:avLst/>
-          </a:prstGeom>
-          <a:noFill/>
-        </p:spPr>
-        <p:txBody>
-          <a:bodyPr wrap="square" rtlCol="0">
-            <a:spAutoFit/>
-          </a:bodyPr>
-          <a:lstStyle/>
-          <a:p>
-            <a:r>
-              <a:rPr lang="en-US" sz="700" dirty="0">
-                <a:solidFill>
-                  <a:schemeClr val="bg1"/>
-                </a:solidFill>
-              </a:rPr>
-              <a:t>21.1%</a:t>
-            </a:r>
-          </a:p>
-        </p:txBody>
-      </p:sp>
-      <p:sp>
-        <p:nvSpPr>
-          <p:cNvPr id="22" name="TextBox 21">
-            <a:extLst>
-              <a:ext uri="{FF2B5EF4-FFF2-40B4-BE49-F238E27FC236}">
-                <a16:creationId xmlns:a16="http://schemas.microsoft.com/office/drawing/2014/main" id="{257DB29A-53ED-46D9-874F-6223E4FEA1FC}"/>
-              </a:ext>
-            </a:extLst>
-          </p:cNvPr>
-          <p:cNvSpPr txBox="1"/>
-          <p:nvPr/>
-        </p:nvSpPr>
-        <p:spPr>
-          <a:xfrm>
-            <a:off x="6892925" y="5134480"/>
-            <a:ext cx="425450" cy="200055"/>
-          </a:xfrm>
-          <a:prstGeom prst="rect">
-            <a:avLst/>
-          </a:prstGeom>
-          <a:noFill/>
-        </p:spPr>
-        <p:txBody>
-          <a:bodyPr wrap="square" rtlCol="0">
-            <a:spAutoFit/>
-          </a:bodyPr>
-          <a:lstStyle/>
-          <a:p>
-            <a:r>
-              <a:rPr lang="en-US" sz="700" dirty="0">
-                <a:solidFill>
-                  <a:schemeClr val="bg1"/>
-                </a:solidFill>
-              </a:rPr>
-              <a:t>23.5%</a:t>
-            </a:r>
-          </a:p>
-        </p:txBody>
-      </p:sp>
-      <p:sp>
-        <p:nvSpPr>
-          <p:cNvPr id="23" name="TextBox 22">
-            <a:extLst>
-              <a:ext uri="{FF2B5EF4-FFF2-40B4-BE49-F238E27FC236}">
-                <a16:creationId xmlns:a16="http://schemas.microsoft.com/office/drawing/2014/main" id="{E9ED0706-E81B-48C8-A2CB-030F6CAF3954}"/>
-              </a:ext>
-            </a:extLst>
-          </p:cNvPr>
-          <p:cNvSpPr txBox="1"/>
-          <p:nvPr/>
-        </p:nvSpPr>
-        <p:spPr>
-          <a:xfrm>
-            <a:off x="7540625" y="5146914"/>
-            <a:ext cx="425450" cy="200055"/>
-          </a:xfrm>
-          <a:prstGeom prst="rect">
-            <a:avLst/>
-          </a:prstGeom>
-          <a:noFill/>
-        </p:spPr>
-        <p:txBody>
-          <a:bodyPr wrap="square" rtlCol="0">
-            <a:spAutoFit/>
-          </a:bodyPr>
-          <a:lstStyle/>
-          <a:p>
-            <a:r>
-              <a:rPr lang="en-US" sz="700" dirty="0">
-                <a:solidFill>
-                  <a:schemeClr val="bg1"/>
-                </a:solidFill>
-              </a:rPr>
-              <a:t>20%</a:t>
-            </a:r>
-          </a:p>
-        </p:txBody>
-      </p:sp>
-      <p:sp>
-        <p:nvSpPr>
-          <p:cNvPr id="24" name="TextBox 23">
-            <a:extLst>
-              <a:ext uri="{FF2B5EF4-FFF2-40B4-BE49-F238E27FC236}">
-                <a16:creationId xmlns:a16="http://schemas.microsoft.com/office/drawing/2014/main" id="{8B0400B7-A68A-4AC9-92B9-8AF8857383AC}"/>
-              </a:ext>
-            </a:extLst>
-          </p:cNvPr>
-          <p:cNvSpPr txBox="1"/>
-          <p:nvPr/>
-        </p:nvSpPr>
-        <p:spPr>
-          <a:xfrm>
-            <a:off x="8210550" y="5141101"/>
-            <a:ext cx="425450" cy="200055"/>
-          </a:xfrm>
-          <a:prstGeom prst="rect">
-            <a:avLst/>
-          </a:prstGeom>
-          <a:noFill/>
-        </p:spPr>
-        <p:txBody>
-          <a:bodyPr wrap="square" rtlCol="0">
-            <a:spAutoFit/>
-          </a:bodyPr>
-          <a:lstStyle/>
-          <a:p>
-            <a:r>
-              <a:rPr lang="en-US" sz="700" dirty="0">
-                <a:solidFill>
-                  <a:schemeClr val="bg1"/>
-                </a:solidFill>
-              </a:rPr>
-              <a:t>8.3%</a:t>
-            </a:r>
-          </a:p>
-        </p:txBody>
-      </p:sp>
-      <p:sp>
-        <p:nvSpPr>
-          <p:cNvPr id="25" name="TextBox 24">
-            <a:extLst>
-              <a:ext uri="{FF2B5EF4-FFF2-40B4-BE49-F238E27FC236}">
-                <a16:creationId xmlns:a16="http://schemas.microsoft.com/office/drawing/2014/main" id="{5127F66A-910A-4448-A2EA-26CE649CC9D8}"/>
-              </a:ext>
-            </a:extLst>
-          </p:cNvPr>
-          <p:cNvSpPr txBox="1"/>
-          <p:nvPr/>
-        </p:nvSpPr>
-        <p:spPr>
-          <a:xfrm>
-            <a:off x="9488487" y="5156319"/>
-            <a:ext cx="425450" cy="200055"/>
-          </a:xfrm>
-          <a:prstGeom prst="rect">
-            <a:avLst/>
-          </a:prstGeom>
-          <a:noFill/>
-        </p:spPr>
-        <p:txBody>
-          <a:bodyPr wrap="square" rtlCol="0">
-            <a:spAutoFit/>
-          </a:bodyPr>
-          <a:lstStyle/>
-          <a:p>
-            <a:r>
-              <a:rPr lang="en-US" sz="700" dirty="0">
-                <a:solidFill>
-                  <a:schemeClr val="bg1"/>
-                </a:solidFill>
-              </a:rPr>
-              <a:t>25%</a:t>
-            </a:r>
-          </a:p>
-        </p:txBody>
-      </p:sp>
-      <p:sp>
-        <p:nvSpPr>
-          <p:cNvPr id="26" name="TextBox 25">
-            <a:extLst>
-              <a:ext uri="{FF2B5EF4-FFF2-40B4-BE49-F238E27FC236}">
-                <a16:creationId xmlns:a16="http://schemas.microsoft.com/office/drawing/2014/main" id="{D96C5F70-D286-4C6A-9D02-E05882CE15C2}"/>
-              </a:ext>
-            </a:extLst>
-          </p:cNvPr>
-          <p:cNvSpPr txBox="1"/>
-          <p:nvPr/>
-        </p:nvSpPr>
-        <p:spPr>
-          <a:xfrm>
-            <a:off x="10129837" y="5186437"/>
-            <a:ext cx="425450" cy="200055"/>
-          </a:xfrm>
-          <a:prstGeom prst="rect">
-            <a:avLst/>
-          </a:prstGeom>
-          <a:noFill/>
-        </p:spPr>
-        <p:txBody>
-          <a:bodyPr wrap="square" rtlCol="0">
-            <a:spAutoFit/>
-          </a:bodyPr>
-          <a:lstStyle/>
-          <a:p>
-            <a:r>
-              <a:rPr lang="en-US" sz="700" dirty="0">
-                <a:solidFill>
-                  <a:schemeClr val="bg1"/>
-                </a:solidFill>
-              </a:rPr>
-              <a:t>11.1%</a:t>
-            </a:r>
-          </a:p>
-        </p:txBody>
-      </p:sp>
-      <p:sp>
-        <p:nvSpPr>
-          <p:cNvPr id="28" name="TextBox 27">
-            <a:extLst>
-              <a:ext uri="{FF2B5EF4-FFF2-40B4-BE49-F238E27FC236}">
-                <a16:creationId xmlns:a16="http://schemas.microsoft.com/office/drawing/2014/main" id="{D4D9E6E3-512D-4591-A2F5-8D6209677936}"/>
-              </a:ext>
-            </a:extLst>
-          </p:cNvPr>
-          <p:cNvSpPr txBox="1"/>
-          <p:nvPr/>
-        </p:nvSpPr>
-        <p:spPr>
-          <a:xfrm>
-            <a:off x="10799762" y="5134480"/>
-            <a:ext cx="425450" cy="200055"/>
-          </a:xfrm>
-          <a:prstGeom prst="rect">
-            <a:avLst/>
-          </a:prstGeom>
-          <a:noFill/>
-        </p:spPr>
-        <p:txBody>
-          <a:bodyPr wrap="square" rtlCol="0">
-            <a:spAutoFit/>
-          </a:bodyPr>
-          <a:lstStyle/>
-          <a:p>
-            <a:r>
-              <a:rPr lang="en-US" sz="700" dirty="0">
-                <a:solidFill>
-                  <a:schemeClr val="bg1"/>
-                </a:solidFill>
-              </a:rPr>
-              <a:t>23.1%</a:t>
-            </a:r>
-          </a:p>
-        </p:txBody>
-      </p:sp>
-      <p:cxnSp>
-        <p:nvCxnSpPr>
-          <p:cNvPr id="30" name="Straight Arrow Connector 29">
-            <a:extLst>
-              <a:ext uri="{FF2B5EF4-FFF2-40B4-BE49-F238E27FC236}">
-                <a16:creationId xmlns:a16="http://schemas.microsoft.com/office/drawing/2014/main" id="{D63A1FAE-DBCF-4AF4-9932-D75CC7C00D9B}"/>
-              </a:ext>
-            </a:extLst>
-          </p:cNvPr>
-          <p:cNvCxnSpPr>
-            <a:cxnSpLocks/>
-            <a:stCxn id="31" idx="3"/>
-          </p:cNvCxnSpPr>
-          <p:nvPr/>
-        </p:nvCxnSpPr>
-        <p:spPr>
-          <a:xfrm flipH="1">
-            <a:off x="4305300" y="2504452"/>
-            <a:ext cx="1345902" cy="2372393"/>
-          </a:xfrm>
-          <a:prstGeom prst="straightConnector1">
-            <a:avLst/>
-          </a:prstGeom>
-          <a:ln>
-            <a:tailEnd type="triangle"/>
-          </a:ln>
-        </p:spPr>
-        <p:style>
-          <a:lnRef idx="1">
-            <a:schemeClr val="accent1"/>
-          </a:lnRef>
-          <a:fillRef idx="0">
-            <a:schemeClr val="accent1"/>
-          </a:fillRef>
-          <a:effectRef idx="0">
-            <a:schemeClr val="accent1"/>
-          </a:effectRef>
-          <a:fontRef idx="minor">
-            <a:schemeClr val="tx1"/>
-          </a:fontRef>
-        </p:style>
-      </p:cxnSp>
-      <p:sp>
-        <p:nvSpPr>
-          <p:cNvPr id="31" name="Oval 30">
-            <a:extLst>
-              <a:ext uri="{FF2B5EF4-FFF2-40B4-BE49-F238E27FC236}">
-                <a16:creationId xmlns:a16="http://schemas.microsoft.com/office/drawing/2014/main" id="{551DFE40-E4C8-4DB2-8245-65DF7AEC8445}"/>
-              </a:ext>
-            </a:extLst>
-          </p:cNvPr>
-          <p:cNvSpPr/>
-          <p:nvPr/>
-        </p:nvSpPr>
-        <p:spPr>
-          <a:xfrm>
-            <a:off x="5311775" y="1593881"/>
-            <a:ext cx="2317750" cy="1066800"/>
-          </a:xfrm>
-          <a:prstGeom prst="ellipse">
-            <a:avLst/>
-          </a:prstGeom>
-        </p:spPr>
-        <p:style>
-          <a:lnRef idx="2">
-            <a:schemeClr val="accent1">
-              <a:shade val="50000"/>
-            </a:schemeClr>
-          </a:lnRef>
-          <a:fillRef idx="1">
-            <a:schemeClr val="accent1"/>
-          </a:fillRef>
-          <a:effectRef idx="0">
-            <a:schemeClr val="accent1"/>
-          </a:effectRef>
-          <a:fontRef idx="minor">
-            <a:schemeClr val="lt1"/>
-          </a:fontRef>
-        </p:style>
-        <p:txBody>
-          <a:bodyPr rtlCol="0" anchor="ctr"/>
-          <a:lstStyle/>
-          <a:p>
-            <a:pPr algn="ctr"/>
-            <a:r>
-              <a:rPr lang="en-US" sz="1200" dirty="0"/>
-              <a:t>What’s happening between 4-5 years causing people to stay?</a:t>
-            </a:r>
-          </a:p>
-        </p:txBody>
-      </p:sp>
-    </p:spTree>
-    <p:extLst>
-      <p:ext uri="{BB962C8B-B14F-4D97-AF65-F5344CB8AC3E}">
-        <p14:creationId xmlns:p14="http://schemas.microsoft.com/office/powerpoint/2010/main" val="4820809"/>
       </p:ext>
     </p:extLst>
   </p:cSld>
@@ -10515,6 +10412,31 @@
 <file path=ppt/slides/slide20.xml><?xml version="1.0" encoding="utf-8"?>
 <p:sld xmlns:a="http://schemas.openxmlformats.org/drawingml/2006/main" xmlns:r="http://schemas.openxmlformats.org/officeDocument/2006/relationships" xmlns:p="http://schemas.openxmlformats.org/presentationml/2006/main">
   <p:cSld>
+    <p:bg>
+      <p:bgPr>
+        <a:blipFill rotWithShape="1">
+          <a:blip r:embed="rId2">
+            <a:duotone>
+              <a:schemeClr val="bg2">
+                <a:shade val="69000"/>
+                <a:hueMod val="108000"/>
+                <a:satMod val="164000"/>
+                <a:lumMod val="74000"/>
+              </a:schemeClr>
+              <a:schemeClr val="bg2">
+                <a:tint val="96000"/>
+                <a:hueMod val="88000"/>
+                <a:satMod val="140000"/>
+                <a:lumMod val="132000"/>
+              </a:schemeClr>
+            </a:duotone>
+            <a:extLst/>
+          </a:blip>
+          <a:stretch/>
+        </a:blipFill>
+        <a:effectLst/>
+      </p:bgPr>
+    </p:bg>
     <p:spTree>
       <p:nvGrpSpPr>
         <p:cNvPr id="1" name=""/>
@@ -10531,10 +10453,435 @@
       </p:grpSpPr>
       <p:pic>
         <p:nvPicPr>
+          <p:cNvPr id="9" name="Picture 8">
+            <a:extLst>
+              <a:ext uri="{FF2B5EF4-FFF2-40B4-BE49-F238E27FC236}">
+                <a16:creationId xmlns:a16="http://schemas.microsoft.com/office/drawing/2014/main" id="{C9ECDD5C-152A-4CC7-8333-0F367B3A62EA}"/>
+              </a:ext>
+              <a:ext uri="{C183D7F6-B498-43B3-948B-1728B52AA6E4}">
+                <adec:decorative xmlns:adec="http://schemas.microsoft.com/office/drawing/2017/decorative" val="1"/>
+              </a:ext>
+            </a:extLst>
+          </p:cNvPr>
+          <p:cNvPicPr>
+            <a:picLocks noGrp="1" noRot="1" noChangeAspect="1" noMove="1" noResize="1" noEditPoints="1" noAdjustHandles="1" noChangeArrowheads="1" noChangeShapeType="1" noCrop="1"/>
+          </p:cNvPicPr>
+          <p:nvPr>
+            <p:extLst>
+              <p:ext uri="{386F3935-93C4-4BCD-93E2-E3B085C9AB24}">
+                <p16:designElem xmlns:p16="http://schemas.microsoft.com/office/powerpoint/2015/main" val="1"/>
+              </p:ext>
+            </p:extLst>
+          </p:nvPr>
+        </p:nvPicPr>
+        <p:blipFill rotWithShape="1">
+          <a:blip r:embed="rId3">
+            <a:extLst>
+              <a:ext uri="{28A0092B-C50C-407E-A947-70E740481C1C}">
+                <a14:useLocalDpi xmlns:a14="http://schemas.microsoft.com/office/drawing/2010/main" val="0"/>
+              </a:ext>
+            </a:extLst>
+          </a:blip>
+          <a:srcRect l="3613"/>
+          <a:stretch/>
+        </p:blipFill>
+        <p:spPr>
+          <a:xfrm>
+            <a:off x="0" y="2669685"/>
+            <a:ext cx="4037012" cy="4188315"/>
+          </a:xfrm>
+          <a:prstGeom prst="rect">
+            <a:avLst/>
+          </a:prstGeom>
+        </p:spPr>
+      </p:pic>
+      <p:pic>
+        <p:nvPicPr>
+          <p:cNvPr id="11" name="Picture 10">
+            <a:extLst>
+              <a:ext uri="{FF2B5EF4-FFF2-40B4-BE49-F238E27FC236}">
+                <a16:creationId xmlns:a16="http://schemas.microsoft.com/office/drawing/2014/main" id="{7F5C92A3-369B-43F3-BDCE-E560B1B0EC89}"/>
+              </a:ext>
+              <a:ext uri="{C183D7F6-B498-43B3-948B-1728B52AA6E4}">
+                <adec:decorative xmlns:adec="http://schemas.microsoft.com/office/drawing/2017/decorative" val="1"/>
+              </a:ext>
+            </a:extLst>
+          </p:cNvPr>
+          <p:cNvPicPr>
+            <a:picLocks noGrp="1" noRot="1" noChangeAspect="1" noMove="1" noResize="1" noEditPoints="1" noAdjustHandles="1" noChangeArrowheads="1" noChangeShapeType="1" noCrop="1"/>
+          </p:cNvPicPr>
+          <p:nvPr>
+            <p:extLst>
+              <p:ext uri="{386F3935-93C4-4BCD-93E2-E3B085C9AB24}">
+                <p16:designElem xmlns:p16="http://schemas.microsoft.com/office/powerpoint/2015/main" val="1"/>
+              </p:ext>
+            </p:extLst>
+          </p:nvPr>
+        </p:nvPicPr>
+        <p:blipFill rotWithShape="1">
+          <a:blip r:embed="rId4">
+            <a:extLst>
+              <a:ext uri="{28A0092B-C50C-407E-A947-70E740481C1C}">
+                <a14:useLocalDpi xmlns:a14="http://schemas.microsoft.com/office/drawing/2010/main" val="0"/>
+              </a:ext>
+            </a:extLst>
+          </a:blip>
+          <a:srcRect l="35640"/>
+          <a:stretch/>
+        </p:blipFill>
+        <p:spPr>
+          <a:xfrm>
+            <a:off x="0" y="2892347"/>
+            <a:ext cx="1522412" cy="2365453"/>
+          </a:xfrm>
+          <a:prstGeom prst="rect">
+            <a:avLst/>
+          </a:prstGeom>
+        </p:spPr>
+      </p:pic>
+      <p:sp>
+        <p:nvSpPr>
+          <p:cNvPr id="13" name="Oval 12">
+            <a:extLst>
+              <a:ext uri="{FF2B5EF4-FFF2-40B4-BE49-F238E27FC236}">
+                <a16:creationId xmlns:a16="http://schemas.microsoft.com/office/drawing/2014/main" id="{AEBE9F1A-B38D-446E-83AE-14B17CE77FF2}"/>
+              </a:ext>
+              <a:ext uri="{C183D7F6-B498-43B3-948B-1728B52AA6E4}">
+                <adec:decorative xmlns:adec="http://schemas.microsoft.com/office/drawing/2017/decorative" val="1"/>
+              </a:ext>
+            </a:extLst>
+          </p:cNvPr>
+          <p:cNvSpPr>
+            <a:spLocks noGrp="1" noRot="1" noChangeAspect="1" noMove="1" noResize="1" noEditPoints="1" noAdjustHandles="1" noChangeArrowheads="1" noChangeShapeType="1" noTextEdit="1"/>
+          </p:cNvSpPr>
+          <p:nvPr>
+            <p:extLst>
+              <p:ext uri="{386F3935-93C4-4BCD-93E2-E3B085C9AB24}">
+                <p16:designElem xmlns:p16="http://schemas.microsoft.com/office/powerpoint/2015/main" val="1"/>
+              </p:ext>
+            </p:extLst>
+          </p:nvPr>
+        </p:nvSpPr>
+        <p:spPr>
+          <a:xfrm>
+            <a:off x="8609012" y="1676400"/>
+            <a:ext cx="2819400" cy="2819400"/>
+          </a:xfrm>
+          <a:prstGeom prst="ellipse">
+            <a:avLst/>
+          </a:prstGeom>
+          <a:gradFill flip="none" rotWithShape="1">
+            <a:gsLst>
+              <a:gs pos="0">
+                <a:schemeClr val="bg2">
+                  <a:lumMod val="60000"/>
+                  <a:lumOff val="40000"/>
+                  <a:alpha val="7000"/>
+                </a:schemeClr>
+              </a:gs>
+              <a:gs pos="69000">
+                <a:schemeClr val="bg2">
+                  <a:lumMod val="60000"/>
+                  <a:lumOff val="40000"/>
+                  <a:alpha val="0"/>
+                </a:schemeClr>
+              </a:gs>
+              <a:gs pos="36000">
+                <a:schemeClr val="bg2">
+                  <a:lumMod val="60000"/>
+                  <a:lumOff val="40000"/>
+                  <a:alpha val="6000"/>
+                </a:schemeClr>
+              </a:gs>
+            </a:gsLst>
+            <a:path path="circle">
+              <a:fillToRect l="50000" t="50000" r="50000" b="50000"/>
+            </a:path>
+            <a:tileRect/>
+          </a:gradFill>
+          <a:ln>
+            <a:noFill/>
+          </a:ln>
+          <a:effectLst/>
+        </p:spPr>
+        <p:style>
+          <a:lnRef idx="1">
+            <a:schemeClr val="accent1"/>
+          </a:lnRef>
+          <a:fillRef idx="3">
+            <a:schemeClr val="accent1"/>
+          </a:fillRef>
+          <a:effectRef idx="2">
+            <a:schemeClr val="accent1"/>
+          </a:effectRef>
+          <a:fontRef idx="minor">
+            <a:schemeClr val="lt1"/>
+          </a:fontRef>
+        </p:style>
+      </p:sp>
+      <p:pic>
+        <p:nvPicPr>
+          <p:cNvPr id="15" name="Picture 14">
+            <a:extLst>
+              <a:ext uri="{FF2B5EF4-FFF2-40B4-BE49-F238E27FC236}">
+                <a16:creationId xmlns:a16="http://schemas.microsoft.com/office/drawing/2014/main" id="{915B5014-A7EC-4BA6-9C83-8840CF81DB28}"/>
+              </a:ext>
+              <a:ext uri="{C183D7F6-B498-43B3-948B-1728B52AA6E4}">
+                <adec:decorative xmlns:adec="http://schemas.microsoft.com/office/drawing/2017/decorative" val="1"/>
+              </a:ext>
+            </a:extLst>
+          </p:cNvPr>
+          <p:cNvPicPr>
+            <a:picLocks noGrp="1" noRot="1" noChangeAspect="1" noMove="1" noResize="1" noEditPoints="1" noAdjustHandles="1" noChangeArrowheads="1" noChangeShapeType="1" noCrop="1"/>
+          </p:cNvPicPr>
+          <p:nvPr>
+            <p:extLst>
+              <p:ext uri="{386F3935-93C4-4BCD-93E2-E3B085C9AB24}">
+                <p16:designElem xmlns:p16="http://schemas.microsoft.com/office/powerpoint/2015/main" val="1"/>
+              </p:ext>
+            </p:extLst>
+          </p:nvPr>
+        </p:nvPicPr>
+        <p:blipFill rotWithShape="1">
+          <a:blip r:embed="rId5">
+            <a:extLst>
+              <a:ext uri="{28A0092B-C50C-407E-A947-70E740481C1C}">
+                <a14:useLocalDpi xmlns:a14="http://schemas.microsoft.com/office/drawing/2010/main" val="0"/>
+              </a:ext>
+            </a:extLst>
+          </a:blip>
+          <a:srcRect t="28813"/>
+          <a:stretch/>
+        </p:blipFill>
+        <p:spPr>
+          <a:xfrm>
+            <a:off x="7999412" y="0"/>
+            <a:ext cx="1603387" cy="1141407"/>
+          </a:xfrm>
+          <a:prstGeom prst="rect">
+            <a:avLst/>
+          </a:prstGeom>
+        </p:spPr>
+      </p:pic>
+      <p:pic>
+        <p:nvPicPr>
+          <p:cNvPr id="17" name="Picture 16">
+            <a:extLst>
+              <a:ext uri="{FF2B5EF4-FFF2-40B4-BE49-F238E27FC236}">
+                <a16:creationId xmlns:a16="http://schemas.microsoft.com/office/drawing/2014/main" id="{022C43AB-86D7-420D-8AD7-DC0A15FDD0AF}"/>
+              </a:ext>
+              <a:ext uri="{C183D7F6-B498-43B3-948B-1728B52AA6E4}">
+                <adec:decorative xmlns:adec="http://schemas.microsoft.com/office/drawing/2017/decorative" val="1"/>
+              </a:ext>
+            </a:extLst>
+          </p:cNvPr>
+          <p:cNvPicPr>
+            <a:picLocks noGrp="1" noRot="1" noChangeAspect="1" noMove="1" noResize="1" noEditPoints="1" noAdjustHandles="1" noChangeArrowheads="1" noChangeShapeType="1" noCrop="1"/>
+          </p:cNvPicPr>
+          <p:nvPr>
+            <p:extLst>
+              <p:ext uri="{386F3935-93C4-4BCD-93E2-E3B085C9AB24}">
+                <p16:designElem xmlns:p16="http://schemas.microsoft.com/office/powerpoint/2015/main" val="1"/>
+              </p:ext>
+            </p:extLst>
+          </p:nvPr>
+        </p:nvPicPr>
+        <p:blipFill rotWithShape="1">
+          <a:blip r:embed="rId6">
+            <a:extLst>
+              <a:ext uri="{28A0092B-C50C-407E-A947-70E740481C1C}">
+                <a14:useLocalDpi xmlns:a14="http://schemas.microsoft.com/office/drawing/2010/main" val="0"/>
+              </a:ext>
+            </a:extLst>
+          </a:blip>
+          <a:srcRect b="23320"/>
+          <a:stretch/>
+        </p:blipFill>
+        <p:spPr>
+          <a:xfrm>
+            <a:off x="8605878" y="6096000"/>
+            <a:ext cx="993734" cy="762000"/>
+          </a:xfrm>
+          <a:prstGeom prst="rect">
+            <a:avLst/>
+          </a:prstGeom>
+        </p:spPr>
+      </p:pic>
+      <p:sp>
+        <p:nvSpPr>
+          <p:cNvPr id="19" name="Rectangle 18">
+            <a:extLst>
+              <a:ext uri="{FF2B5EF4-FFF2-40B4-BE49-F238E27FC236}">
+                <a16:creationId xmlns:a16="http://schemas.microsoft.com/office/drawing/2014/main" id="{5E3EB826-A471-488F-9E8A-D65528A3C0CA}"/>
+              </a:ext>
+              <a:ext uri="{C183D7F6-B498-43B3-948B-1728B52AA6E4}">
+                <adec:decorative xmlns:adec="http://schemas.microsoft.com/office/drawing/2017/decorative" val="1"/>
+              </a:ext>
+            </a:extLst>
+          </p:cNvPr>
+          <p:cNvSpPr>
+            <a:spLocks noGrp="1" noRot="1" noChangeAspect="1" noMove="1" noResize="1" noEditPoints="1" noAdjustHandles="1" noChangeArrowheads="1" noChangeShapeType="1" noTextEdit="1"/>
+          </p:cNvSpPr>
+          <p:nvPr>
+            <p:extLst>
+              <p:ext uri="{386F3935-93C4-4BCD-93E2-E3B085C9AB24}">
+                <p16:designElem xmlns:p16="http://schemas.microsoft.com/office/powerpoint/2015/main" val="1"/>
+              </p:ext>
+            </p:extLst>
+          </p:nvPr>
+        </p:nvSpPr>
+        <p:spPr>
+          <a:xfrm>
+            <a:off x="10437812" y="0"/>
+            <a:ext cx="685800" cy="1143000"/>
+          </a:xfrm>
+          <a:prstGeom prst="rect">
+            <a:avLst/>
+          </a:prstGeom>
+          <a:solidFill>
+            <a:schemeClr val="accent1"/>
+          </a:solidFill>
+          <a:ln>
+            <a:noFill/>
+          </a:ln>
+        </p:spPr>
+        <p:style>
+          <a:lnRef idx="1">
+            <a:schemeClr val="accent1"/>
+          </a:lnRef>
+          <a:fillRef idx="3">
+            <a:schemeClr val="accent1"/>
+          </a:fillRef>
+          <a:effectRef idx="2">
+            <a:schemeClr val="accent1"/>
+          </a:effectRef>
+          <a:fontRef idx="minor">
+            <a:schemeClr val="lt1"/>
+          </a:fontRef>
+        </p:style>
+      </p:sp>
+      <p:sp>
+        <p:nvSpPr>
+          <p:cNvPr id="21" name="Rectangle 20">
+            <a:extLst>
+              <a:ext uri="{FF2B5EF4-FFF2-40B4-BE49-F238E27FC236}">
+                <a16:creationId xmlns:a16="http://schemas.microsoft.com/office/drawing/2014/main" id="{DFB3CEA1-88D9-42FB-88ED-1E9807FE6596}"/>
+              </a:ext>
+              <a:ext uri="{C183D7F6-B498-43B3-948B-1728B52AA6E4}">
+                <adec:decorative xmlns:adec="http://schemas.microsoft.com/office/drawing/2017/decorative" val="1"/>
+              </a:ext>
+            </a:extLst>
+          </p:cNvPr>
+          <p:cNvSpPr>
+            <a:spLocks noGrp="1" noRot="1" noChangeAspect="1" noMove="1" noResize="1" noEditPoints="1" noAdjustHandles="1" noChangeArrowheads="1" noChangeShapeType="1" noTextEdit="1"/>
+          </p:cNvSpPr>
+          <p:nvPr>
+            <p:extLst>
+              <p:ext uri="{386F3935-93C4-4BCD-93E2-E3B085C9AB24}">
+                <p16:designElem xmlns:p16="http://schemas.microsoft.com/office/powerpoint/2015/main" val="1"/>
+              </p:ext>
+            </p:extLst>
+          </p:nvPr>
+        </p:nvSpPr>
+        <p:spPr>
+          <a:xfrm>
+            <a:off x="477012" y="480060"/>
+            <a:ext cx="11237976" cy="5897880"/>
+          </a:xfrm>
+          <a:prstGeom prst="rect">
+            <a:avLst/>
+          </a:prstGeom>
+          <a:solidFill>
+            <a:srgbClr val="FFFFFF"/>
+          </a:solidFill>
+          <a:ln>
+            <a:noFill/>
+          </a:ln>
+        </p:spPr>
+        <p:style>
+          <a:lnRef idx="2">
+            <a:schemeClr val="accent1">
+              <a:shade val="50000"/>
+            </a:schemeClr>
+          </a:lnRef>
+          <a:fillRef idx="1">
+            <a:schemeClr val="accent1"/>
+          </a:fillRef>
+          <a:effectRef idx="0">
+            <a:schemeClr val="accent1"/>
+          </a:effectRef>
+          <a:fontRef idx="minor">
+            <a:schemeClr val="lt1"/>
+          </a:fontRef>
+        </p:style>
+        <p:txBody>
+          <a:bodyPr rtlCol="0" anchor="ctr"/>
+          <a:lstStyle/>
+          <a:p>
+            <a:pPr algn="ctr"/>
+            <a:endParaRPr lang="en-US" dirty="0"/>
+          </a:p>
+        </p:txBody>
+      </p:sp>
+      <p:sp>
+        <p:nvSpPr>
+          <p:cNvPr id="23" name="Rectangle 22">
+            <a:extLst>
+              <a:ext uri="{FF2B5EF4-FFF2-40B4-BE49-F238E27FC236}">
+                <a16:creationId xmlns:a16="http://schemas.microsoft.com/office/drawing/2014/main" id="{9A6C928E-4252-4F33-8C34-E50A12A3170B}"/>
+              </a:ext>
+              <a:ext uri="{C183D7F6-B498-43B3-948B-1728B52AA6E4}">
+                <adec:decorative xmlns:adec="http://schemas.microsoft.com/office/drawing/2017/decorative" val="1"/>
+              </a:ext>
+            </a:extLst>
+          </p:cNvPr>
+          <p:cNvSpPr>
+            <a:spLocks noGrp="1" noRot="1" noChangeAspect="1" noMove="1" noResize="1" noEditPoints="1" noAdjustHandles="1" noChangeArrowheads="1" noChangeShapeType="1" noTextEdit="1"/>
+          </p:cNvSpPr>
+          <p:nvPr>
+            <p:extLst>
+              <p:ext uri="{386F3935-93C4-4BCD-93E2-E3B085C9AB24}">
+                <p16:designElem xmlns:p16="http://schemas.microsoft.com/office/powerpoint/2015/main" val="1"/>
+              </p:ext>
+            </p:extLst>
+          </p:nvPr>
+        </p:nvSpPr>
+        <p:spPr>
+          <a:xfrm>
+            <a:off x="10437812" y="0"/>
+            <a:ext cx="685800" cy="1143000"/>
+          </a:xfrm>
+          <a:prstGeom prst="rect">
+            <a:avLst/>
+          </a:prstGeom>
+          <a:solidFill>
+            <a:schemeClr val="accent1"/>
+          </a:solidFill>
+          <a:ln>
+            <a:noFill/>
+          </a:ln>
+        </p:spPr>
+        <p:style>
+          <a:lnRef idx="1">
+            <a:schemeClr val="accent1"/>
+          </a:lnRef>
+          <a:fillRef idx="3">
+            <a:schemeClr val="accent1"/>
+          </a:fillRef>
+          <a:effectRef idx="2">
+            <a:schemeClr val="accent1"/>
+          </a:effectRef>
+          <a:fontRef idx="minor">
+            <a:schemeClr val="lt1"/>
+          </a:fontRef>
+        </p:style>
+      </p:sp>
+      <p:pic>
+        <p:nvPicPr>
           <p:cNvPr id="5" name="Picture 4">
             <a:extLst>
               <a:ext uri="{FF2B5EF4-FFF2-40B4-BE49-F238E27FC236}">
-                <a16:creationId xmlns:a16="http://schemas.microsoft.com/office/drawing/2014/main" id="{B67E359C-9986-478B-8986-EEF0B4605A7F}"/>
+                <a16:creationId xmlns:a16="http://schemas.microsoft.com/office/drawing/2014/main" id="{E1709029-E66C-4032-994F-BA66F0DACC35}"/>
               </a:ext>
             </a:extLst>
           </p:cNvPr>
@@ -10544,138 +10891,260 @@
           <p:nvPr/>
         </p:nvPicPr>
         <p:blipFill>
-          <a:blip r:embed="rId2"/>
+          <a:blip r:embed="rId7"/>
           <a:stretch>
             <a:fillRect/>
           </a:stretch>
         </p:blipFill>
         <p:spPr>
           <a:xfrm>
-            <a:off x="0" y="514349"/>
-            <a:ext cx="12192000" cy="5505450"/>
+            <a:off x="3838459" y="571353"/>
+            <a:ext cx="4515082" cy="5715294"/>
           </a:xfrm>
           <a:prstGeom prst="rect">
             <a:avLst/>
           </a:prstGeom>
         </p:spPr>
       </p:pic>
+      <p:pic>
+        <p:nvPicPr>
+          <p:cNvPr id="6" name="Picture 5">
+            <a:extLst>
+              <a:ext uri="{FF2B5EF4-FFF2-40B4-BE49-F238E27FC236}">
+                <a16:creationId xmlns:a16="http://schemas.microsoft.com/office/drawing/2014/main" id="{967D39C0-AD09-4573-95AF-10409A54EFAE}"/>
+              </a:ext>
+            </a:extLst>
+          </p:cNvPr>
+          <p:cNvPicPr>
+            <a:picLocks noChangeAspect="1"/>
+          </p:cNvPicPr>
+          <p:nvPr/>
+        </p:nvPicPr>
+        <p:blipFill>
+          <a:blip r:embed="rId8"/>
+          <a:stretch>
+            <a:fillRect/>
+          </a:stretch>
+        </p:blipFill>
+        <p:spPr>
+          <a:xfrm>
+            <a:off x="7932737" y="2051997"/>
+            <a:ext cx="2847975" cy="571500"/>
+          </a:xfrm>
+          <a:prstGeom prst="rect">
+            <a:avLst/>
+          </a:prstGeom>
+        </p:spPr>
+      </p:pic>
+      <p:sp>
+        <p:nvSpPr>
+          <p:cNvPr id="16" name="TextBox 15">
+            <a:extLst>
+              <a:ext uri="{FF2B5EF4-FFF2-40B4-BE49-F238E27FC236}">
+                <a16:creationId xmlns:a16="http://schemas.microsoft.com/office/drawing/2014/main" id="{14A022FB-E0EF-4900-8B68-BA2A7901C057}"/>
+              </a:ext>
+            </a:extLst>
+          </p:cNvPr>
+          <p:cNvSpPr txBox="1"/>
+          <p:nvPr/>
+        </p:nvSpPr>
+        <p:spPr>
+          <a:xfrm>
+            <a:off x="4615921" y="4405273"/>
+            <a:ext cx="698500" cy="276999"/>
+          </a:xfrm>
+          <a:prstGeom prst="rect">
+            <a:avLst/>
+          </a:prstGeom>
+          <a:noFill/>
+        </p:spPr>
+        <p:txBody>
+          <a:bodyPr wrap="square" rtlCol="0">
+            <a:spAutoFit/>
+          </a:bodyPr>
+          <a:lstStyle/>
+          <a:p>
+            <a:r>
+              <a:rPr lang="en-US" sz="1200" dirty="0">
+                <a:solidFill>
+                  <a:schemeClr val="bg1"/>
+                </a:solidFill>
+              </a:rPr>
+              <a:t>25.4%</a:t>
+            </a:r>
+          </a:p>
+        </p:txBody>
+      </p:sp>
+      <p:sp>
+        <p:nvSpPr>
+          <p:cNvPr id="18" name="TextBox 17">
+            <a:extLst>
+              <a:ext uri="{FF2B5EF4-FFF2-40B4-BE49-F238E27FC236}">
+                <a16:creationId xmlns:a16="http://schemas.microsoft.com/office/drawing/2014/main" id="{DDC804F4-9686-4289-8527-F776BDFC70AD}"/>
+              </a:ext>
+            </a:extLst>
+          </p:cNvPr>
+          <p:cNvSpPr txBox="1"/>
+          <p:nvPr/>
+        </p:nvSpPr>
+        <p:spPr>
+          <a:xfrm>
+            <a:off x="5496776" y="4709014"/>
+            <a:ext cx="698500" cy="276999"/>
+          </a:xfrm>
+          <a:prstGeom prst="rect">
+            <a:avLst/>
+          </a:prstGeom>
+          <a:noFill/>
+        </p:spPr>
+        <p:txBody>
+          <a:bodyPr wrap="square" rtlCol="0">
+            <a:spAutoFit/>
+          </a:bodyPr>
+          <a:lstStyle/>
+          <a:p>
+            <a:r>
+              <a:rPr lang="en-US" sz="1200" dirty="0">
+                <a:solidFill>
+                  <a:schemeClr val="bg1"/>
+                </a:solidFill>
+              </a:rPr>
+              <a:t>15.0%</a:t>
+            </a:r>
+          </a:p>
+        </p:txBody>
+      </p:sp>
+      <p:sp>
+        <p:nvSpPr>
+          <p:cNvPr id="20" name="TextBox 19">
+            <a:extLst>
+              <a:ext uri="{FF2B5EF4-FFF2-40B4-BE49-F238E27FC236}">
+                <a16:creationId xmlns:a16="http://schemas.microsoft.com/office/drawing/2014/main" id="{7313BDE1-57EF-4787-B64C-6803405B7302}"/>
+              </a:ext>
+            </a:extLst>
+          </p:cNvPr>
+          <p:cNvSpPr txBox="1"/>
+          <p:nvPr/>
+        </p:nvSpPr>
+        <p:spPr>
+          <a:xfrm>
+            <a:off x="6323038" y="4543772"/>
+            <a:ext cx="698500" cy="276999"/>
+          </a:xfrm>
+          <a:prstGeom prst="rect">
+            <a:avLst/>
+          </a:prstGeom>
+          <a:noFill/>
+        </p:spPr>
+        <p:txBody>
+          <a:bodyPr wrap="square" rtlCol="0">
+            <a:spAutoFit/>
+          </a:bodyPr>
+          <a:lstStyle/>
+          <a:p>
+            <a:r>
+              <a:rPr lang="en-US" sz="1200" dirty="0">
+                <a:solidFill>
+                  <a:schemeClr val="bg1"/>
+                </a:solidFill>
+              </a:rPr>
+              <a:t>13.7%</a:t>
+            </a:r>
+          </a:p>
+        </p:txBody>
+      </p:sp>
+      <p:sp>
+        <p:nvSpPr>
+          <p:cNvPr id="22" name="TextBox 21">
+            <a:extLst>
+              <a:ext uri="{FF2B5EF4-FFF2-40B4-BE49-F238E27FC236}">
+                <a16:creationId xmlns:a16="http://schemas.microsoft.com/office/drawing/2014/main" id="{657AFA4A-61E8-40E0-BBB9-5374423D0476}"/>
+              </a:ext>
+            </a:extLst>
+          </p:cNvPr>
+          <p:cNvSpPr txBox="1"/>
+          <p:nvPr/>
+        </p:nvSpPr>
+        <p:spPr>
+          <a:xfrm>
+            <a:off x="7200925" y="4570514"/>
+            <a:ext cx="698500" cy="276999"/>
+          </a:xfrm>
+          <a:prstGeom prst="rect">
+            <a:avLst/>
+          </a:prstGeom>
+          <a:noFill/>
+        </p:spPr>
+        <p:txBody>
+          <a:bodyPr wrap="square" rtlCol="0">
+            <a:spAutoFit/>
+          </a:bodyPr>
+          <a:lstStyle/>
+          <a:p>
+            <a:r>
+              <a:rPr lang="en-US" sz="1200" dirty="0">
+                <a:solidFill>
+                  <a:schemeClr val="bg1"/>
+                </a:solidFill>
+              </a:rPr>
+              <a:t>13.5%</a:t>
+            </a:r>
+          </a:p>
+        </p:txBody>
+      </p:sp>
       <p:cxnSp>
         <p:nvCxnSpPr>
-          <p:cNvPr id="7" name="Straight Connector 6">
-            <a:extLst>
-              <a:ext uri="{FF2B5EF4-FFF2-40B4-BE49-F238E27FC236}">
-                <a16:creationId xmlns:a16="http://schemas.microsoft.com/office/drawing/2014/main" id="{77200E15-31CA-4107-BDE7-3EBF8D367937}"/>
-              </a:ext>
-            </a:extLst>
-          </p:cNvPr>
-          <p:cNvCxnSpPr/>
+          <p:cNvPr id="27" name="Straight Arrow Connector 26">
+            <a:extLst>
+              <a:ext uri="{FF2B5EF4-FFF2-40B4-BE49-F238E27FC236}">
+                <a16:creationId xmlns:a16="http://schemas.microsoft.com/office/drawing/2014/main" id="{37B1CF20-9120-4466-96CB-7A20DFBB447F}"/>
+              </a:ext>
+            </a:extLst>
+          </p:cNvPr>
+          <p:cNvCxnSpPr>
+            <a:cxnSpLocks/>
+            <a:stCxn id="28" idx="5"/>
+          </p:cNvCxnSpPr>
           <p:nvPr/>
         </p:nvCxnSpPr>
         <p:spPr>
           <a:xfrm>
-            <a:off x="241300" y="3092450"/>
-            <a:ext cx="11417300" cy="0"/>
-          </a:xfrm>
-          <a:prstGeom prst="line">
+            <a:off x="3425672" y="2890085"/>
+            <a:ext cx="1440506" cy="1446965"/>
+          </a:xfrm>
+          <a:prstGeom prst="straightConnector1">
             <a:avLst/>
           </a:prstGeom>
+          <a:ln>
+            <a:solidFill>
+              <a:schemeClr val="accent4">
+                <a:lumMod val="50000"/>
+              </a:schemeClr>
+            </a:solidFill>
+            <a:tailEnd type="triangle"/>
+          </a:ln>
         </p:spPr>
         <p:style>
           <a:lnRef idx="1">
-            <a:schemeClr val="dk1"/>
+            <a:schemeClr val="accent1"/>
           </a:lnRef>
           <a:fillRef idx="0">
-            <a:schemeClr val="dk1"/>
+            <a:schemeClr val="accent1"/>
           </a:fillRef>
           <a:effectRef idx="0">
-            <a:schemeClr val="dk1"/>
+            <a:schemeClr val="accent1"/>
           </a:effectRef>
           <a:fontRef idx="minor">
             <a:schemeClr val="tx1"/>
           </a:fontRef>
         </p:style>
       </p:cxnSp>
-      <p:cxnSp>
-        <p:nvCxnSpPr>
-          <p:cNvPr id="9" name="Straight Connector 8">
-            <a:extLst>
-              <a:ext uri="{FF2B5EF4-FFF2-40B4-BE49-F238E27FC236}">
-                <a16:creationId xmlns:a16="http://schemas.microsoft.com/office/drawing/2014/main" id="{589EB81D-88B6-44E8-9512-DFE8B6AD802A}"/>
-              </a:ext>
-            </a:extLst>
-          </p:cNvPr>
-          <p:cNvCxnSpPr/>
-          <p:nvPr/>
-        </p:nvCxnSpPr>
-        <p:spPr>
-          <a:xfrm>
-            <a:off x="5937250" y="704850"/>
-            <a:ext cx="0" cy="5073650"/>
-          </a:xfrm>
-          <a:prstGeom prst="line">
-            <a:avLst/>
-          </a:prstGeom>
-        </p:spPr>
-        <p:style>
-          <a:lnRef idx="1">
-            <a:schemeClr val="dk1"/>
-          </a:lnRef>
-          <a:fillRef idx="0">
-            <a:schemeClr val="dk1"/>
-          </a:fillRef>
-          <a:effectRef idx="0">
-            <a:schemeClr val="dk1"/>
-          </a:effectRef>
-          <a:fontRef idx="minor">
-            <a:schemeClr val="tx1"/>
-          </a:fontRef>
-        </p:style>
-      </p:cxnSp>
-      <p:cxnSp>
-        <p:nvCxnSpPr>
-          <p:cNvPr id="11" name="Straight Arrow Connector 10">
-            <a:extLst>
-              <a:ext uri="{FF2B5EF4-FFF2-40B4-BE49-F238E27FC236}">
-                <a16:creationId xmlns:a16="http://schemas.microsoft.com/office/drawing/2014/main" id="{6D9CE9A3-09F6-40AD-B34D-ABD0E296B00B}"/>
-              </a:ext>
-            </a:extLst>
-          </p:cNvPr>
-          <p:cNvCxnSpPr/>
-          <p:nvPr/>
-        </p:nvCxnSpPr>
-        <p:spPr>
-          <a:xfrm flipV="1">
-            <a:off x="5029200" y="4851400"/>
-            <a:ext cx="1295400" cy="558800"/>
-          </a:xfrm>
-          <a:prstGeom prst="straightConnector1">
-            <a:avLst/>
-          </a:prstGeom>
-          <a:ln>
-            <a:tailEnd type="triangle"/>
-          </a:ln>
-        </p:spPr>
-        <p:style>
-          <a:lnRef idx="2">
-            <a:schemeClr val="accent4"/>
-          </a:lnRef>
-          <a:fillRef idx="0">
-            <a:schemeClr val="accent4"/>
-          </a:fillRef>
-          <a:effectRef idx="1">
-            <a:schemeClr val="accent4"/>
-          </a:effectRef>
-          <a:fontRef idx="minor">
-            <a:schemeClr val="tx1"/>
-          </a:fontRef>
-        </p:style>
-      </p:cxnSp>
-      <p:sp>
-        <p:nvSpPr>
-          <p:cNvPr id="12" name="Oval 11">
-            <a:extLst>
-              <a:ext uri="{FF2B5EF4-FFF2-40B4-BE49-F238E27FC236}">
-                <a16:creationId xmlns:a16="http://schemas.microsoft.com/office/drawing/2014/main" id="{52081FD4-62F7-4B49-B028-FCB2DCD2E8CA}"/>
+      <p:sp>
+        <p:nvSpPr>
+          <p:cNvPr id="28" name="Oval 27">
+            <a:extLst>
+              <a:ext uri="{FF2B5EF4-FFF2-40B4-BE49-F238E27FC236}">
+                <a16:creationId xmlns:a16="http://schemas.microsoft.com/office/drawing/2014/main" id="{7017C395-4A27-4008-8F94-E15BA734D2D3}"/>
               </a:ext>
             </a:extLst>
           </p:cNvPr>
@@ -10684,8 +11153,8 @@
         </p:nvSpPr>
         <p:spPr>
           <a:xfrm>
-            <a:off x="3860800" y="5086350"/>
-            <a:ext cx="1149348" cy="736561"/>
+            <a:off x="2137922" y="1843617"/>
+            <a:ext cx="1508693" cy="1226014"/>
           </a:xfrm>
           <a:prstGeom prst="ellipse">
             <a:avLst/>
@@ -10713,8 +11182,56 @@
           <a:p>
             <a:pPr algn="ctr"/>
             <a:r>
-              <a:rPr lang="en-US" sz="900" dirty="0"/>
-              <a:t>Most attrition cases as expected. </a:t>
+              <a:rPr lang="en-US" sz="1100" dirty="0">
+                <a:solidFill>
+                  <a:schemeClr val="tx1"/>
+                </a:solidFill>
+              </a:rPr>
+              <a:t>~ 1 in 4 people leave when environment Satisfaction is low</a:t>
+            </a:r>
+          </a:p>
+        </p:txBody>
+      </p:sp>
+      <p:sp>
+        <p:nvSpPr>
+          <p:cNvPr id="29" name="Title 1">
+            <a:extLst>
+              <a:ext uri="{FF2B5EF4-FFF2-40B4-BE49-F238E27FC236}">
+                <a16:creationId xmlns:a16="http://schemas.microsoft.com/office/drawing/2014/main" id="{AEE2AE80-FD61-4288-8A46-9BE496E51225}"/>
+              </a:ext>
+            </a:extLst>
+          </p:cNvPr>
+          <p:cNvSpPr>
+            <a:spLocks noGrp="1"/>
+          </p:cNvSpPr>
+          <p:nvPr>
+            <p:ph type="title"/>
+          </p:nvPr>
+        </p:nvSpPr>
+        <p:spPr>
+          <a:xfrm>
+            <a:off x="393786" y="117356"/>
+            <a:ext cx="9142770" cy="589849"/>
+          </a:xfrm>
+        </p:spPr>
+        <p:txBody>
+          <a:bodyPr>
+            <a:normAutofit/>
+          </a:bodyPr>
+          <a:lstStyle/>
+          <a:p>
+            <a:pPr>
+              <a:lnSpc>
+                <a:spcPct val="90000"/>
+              </a:lnSpc>
+            </a:pPr>
+            <a:r>
+              <a:rPr lang="en-US" sz="2400" dirty="0">
+                <a:solidFill>
+                  <a:srgbClr val="EBEBEB"/>
+                </a:solidFill>
+              </a:rPr>
+              <a:t>What does Environment Satisfaction show us?</a:t>
             </a:r>
           </a:p>
         </p:txBody>
@@ -10722,7 +11239,7 @@
     </p:spTree>
     <p:extLst>
       <p:ext uri="{BB962C8B-B14F-4D97-AF65-F5344CB8AC3E}">
-        <p14:creationId xmlns:p14="http://schemas.microsoft.com/office/powerpoint/2010/main" val="1259232416"/>
+        <p14:creationId xmlns:p14="http://schemas.microsoft.com/office/powerpoint/2010/main" val="2975216316"/>
       </p:ext>
     </p:extLst>
   </p:cSld>
@@ -10776,10 +11293,10 @@
       </p:grpSpPr>
       <p:pic>
         <p:nvPicPr>
-          <p:cNvPr id="10" name="Picture 9">
-            <a:extLst>
-              <a:ext uri="{FF2B5EF4-FFF2-40B4-BE49-F238E27FC236}">
-                <a16:creationId xmlns:a16="http://schemas.microsoft.com/office/drawing/2014/main" id="{412E3267-7ABE-412B-8580-47EC0D1F61FE}"/>
+          <p:cNvPr id="9" name="Picture 8">
+            <a:extLst>
+              <a:ext uri="{FF2B5EF4-FFF2-40B4-BE49-F238E27FC236}">
+                <a16:creationId xmlns:a16="http://schemas.microsoft.com/office/drawing/2014/main" id="{C9ECDD5C-152A-4CC7-8333-0F367B3A62EA}"/>
               </a:ext>
               <a:ext uri="{C183D7F6-B498-43B3-948B-1728B52AA6E4}">
                 <adec:decorative xmlns:adec="http://schemas.microsoft.com/office/drawing/2017/decorative" val="1"/>
@@ -10820,10 +11337,10 @@
       </p:pic>
       <p:pic>
         <p:nvPicPr>
-          <p:cNvPr id="12" name="Picture 11">
-            <a:extLst>
-              <a:ext uri="{FF2B5EF4-FFF2-40B4-BE49-F238E27FC236}">
-                <a16:creationId xmlns:a16="http://schemas.microsoft.com/office/drawing/2014/main" id="{20B62C5A-2250-4380-AB23-DB87446CCED0}"/>
+          <p:cNvPr id="11" name="Picture 10">
+            <a:extLst>
+              <a:ext uri="{FF2B5EF4-FFF2-40B4-BE49-F238E27FC236}">
+                <a16:creationId xmlns:a16="http://schemas.microsoft.com/office/drawing/2014/main" id="{7F5C92A3-369B-43F3-BDCE-E560B1B0EC89}"/>
               </a:ext>
               <a:ext uri="{C183D7F6-B498-43B3-948B-1728B52AA6E4}">
                 <adec:decorative xmlns:adec="http://schemas.microsoft.com/office/drawing/2017/decorative" val="1"/>
@@ -10864,10 +11381,10 @@
       </p:pic>
       <p:sp>
         <p:nvSpPr>
-          <p:cNvPr id="14" name="Oval 13">
-            <a:extLst>
-              <a:ext uri="{FF2B5EF4-FFF2-40B4-BE49-F238E27FC236}">
-                <a16:creationId xmlns:a16="http://schemas.microsoft.com/office/drawing/2014/main" id="{D42CF425-7213-4F89-B0FF-4C2BDDD9C680}"/>
+          <p:cNvPr id="13" name="Oval 12">
+            <a:extLst>
+              <a:ext uri="{FF2B5EF4-FFF2-40B4-BE49-F238E27FC236}">
+                <a16:creationId xmlns:a16="http://schemas.microsoft.com/office/drawing/2014/main" id="{AEBE9F1A-B38D-446E-83AE-14B17CE77FF2}"/>
               </a:ext>
               <a:ext uri="{C183D7F6-B498-43B3-948B-1728B52AA6E4}">
                 <adec:decorative xmlns:adec="http://schemas.microsoft.com/office/drawing/2017/decorative" val="1"/>
@@ -10944,10 +11461,10 @@
       </p:sp>
       <p:pic>
         <p:nvPicPr>
-          <p:cNvPr id="16" name="Picture 15">
-            <a:extLst>
-              <a:ext uri="{FF2B5EF4-FFF2-40B4-BE49-F238E27FC236}">
-                <a16:creationId xmlns:a16="http://schemas.microsoft.com/office/drawing/2014/main" id="{D35DA97D-88F8-4249-B650-4FC9FD50A382}"/>
+          <p:cNvPr id="15" name="Picture 14">
+            <a:extLst>
+              <a:ext uri="{FF2B5EF4-FFF2-40B4-BE49-F238E27FC236}">
+                <a16:creationId xmlns:a16="http://schemas.microsoft.com/office/drawing/2014/main" id="{915B5014-A7EC-4BA6-9C83-8840CF81DB28}"/>
               </a:ext>
               <a:ext uri="{C183D7F6-B498-43B3-948B-1728B52AA6E4}">
                 <adec:decorative xmlns:adec="http://schemas.microsoft.com/office/drawing/2017/decorative" val="1"/>
@@ -10988,10 +11505,10 @@
       </p:pic>
       <p:pic>
         <p:nvPicPr>
-          <p:cNvPr id="18" name="Picture 17">
-            <a:extLst>
-              <a:ext uri="{FF2B5EF4-FFF2-40B4-BE49-F238E27FC236}">
-                <a16:creationId xmlns:a16="http://schemas.microsoft.com/office/drawing/2014/main" id="{43F38673-6E30-4BAE-AC67-0B283EBF4291}"/>
+          <p:cNvPr id="17" name="Picture 16">
+            <a:extLst>
+              <a:ext uri="{FF2B5EF4-FFF2-40B4-BE49-F238E27FC236}">
+                <a16:creationId xmlns:a16="http://schemas.microsoft.com/office/drawing/2014/main" id="{022C43AB-86D7-420D-8AD7-DC0A15FDD0AF}"/>
               </a:ext>
               <a:ext uri="{C183D7F6-B498-43B3-948B-1728B52AA6E4}">
                 <adec:decorative xmlns:adec="http://schemas.microsoft.com/office/drawing/2017/decorative" val="1"/>
@@ -11032,10 +11549,10 @@
       </p:pic>
       <p:sp>
         <p:nvSpPr>
-          <p:cNvPr id="20" name="Rectangle 19">
-            <a:extLst>
-              <a:ext uri="{FF2B5EF4-FFF2-40B4-BE49-F238E27FC236}">
-                <a16:creationId xmlns:a16="http://schemas.microsoft.com/office/drawing/2014/main" id="{202A25CB-1ED1-4C87-AB49-8D3BC684D1CE}"/>
+          <p:cNvPr id="19" name="Rectangle 18">
+            <a:extLst>
+              <a:ext uri="{FF2B5EF4-FFF2-40B4-BE49-F238E27FC236}">
+                <a16:creationId xmlns:a16="http://schemas.microsoft.com/office/drawing/2014/main" id="{5E3EB826-A471-488F-9E8A-D65528A3C0CA}"/>
               </a:ext>
               <a:ext uri="{C183D7F6-B498-43B3-948B-1728B52AA6E4}">
                 <adec:decorative xmlns:adec="http://schemas.microsoft.com/office/drawing/2017/decorative" val="1"/>
@@ -11083,12 +11600,75 @@
           </a:fontRef>
         </p:style>
       </p:sp>
+      <p:sp>
+        <p:nvSpPr>
+          <p:cNvPr id="21" name="Rectangle 20">
+            <a:extLst>
+              <a:ext uri="{FF2B5EF4-FFF2-40B4-BE49-F238E27FC236}">
+                <a16:creationId xmlns:a16="http://schemas.microsoft.com/office/drawing/2014/main" id="{DFB3CEA1-88D9-42FB-88ED-1E9807FE6596}"/>
+              </a:ext>
+              <a:ext uri="{C183D7F6-B498-43B3-948B-1728B52AA6E4}">
+                <adec:decorative xmlns:adec="http://schemas.microsoft.com/office/drawing/2017/decorative" val="1"/>
+              </a:ext>
+            </a:extLst>
+          </p:cNvPr>
+          <p:cNvSpPr>
+            <a:spLocks noGrp="1" noRot="1" noChangeAspect="1" noMove="1" noResize="1" noEditPoints="1" noAdjustHandles="1" noChangeArrowheads="1" noChangeShapeType="1" noTextEdit="1"/>
+          </p:cNvSpPr>
+          <p:nvPr>
+            <p:extLst>
+              <p:ext uri="{386F3935-93C4-4BCD-93E2-E3B085C9AB24}">
+                <p16:designElem xmlns:p16="http://schemas.microsoft.com/office/powerpoint/2015/main" val="1"/>
+              </p:ext>
+            </p:extLst>
+          </p:nvPr>
+        </p:nvSpPr>
+        <p:spPr>
+          <a:xfrm>
+            <a:off x="477012" y="480060"/>
+            <a:ext cx="11237976" cy="5897880"/>
+          </a:xfrm>
+          <a:prstGeom prst="rect">
+            <a:avLst/>
+          </a:prstGeom>
+          <a:solidFill>
+            <a:srgbClr val="FFFFFF"/>
+          </a:solidFill>
+          <a:ln>
+            <a:noFill/>
+          </a:ln>
+        </p:spPr>
+        <p:style>
+          <a:lnRef idx="2">
+            <a:schemeClr val="accent1">
+              <a:shade val="50000"/>
+            </a:schemeClr>
+          </a:lnRef>
+          <a:fillRef idx="1">
+            <a:schemeClr val="accent1"/>
+          </a:fillRef>
+          <a:effectRef idx="0">
+            <a:schemeClr val="accent1"/>
+          </a:effectRef>
+          <a:fontRef idx="minor">
+            <a:schemeClr val="lt1"/>
+          </a:fontRef>
+        </p:style>
+        <p:txBody>
+          <a:bodyPr rtlCol="0" anchor="ctr"/>
+          <a:lstStyle/>
+          <a:p>
+            <a:pPr algn="ctr"/>
+            <a:endParaRPr lang="en-US" dirty="0"/>
+          </a:p>
+        </p:txBody>
+      </p:sp>
       <p:pic>
         <p:nvPicPr>
-          <p:cNvPr id="21" name="Picture 20">
-            <a:extLst>
-              <a:ext uri="{FF2B5EF4-FFF2-40B4-BE49-F238E27FC236}">
-                <a16:creationId xmlns:a16="http://schemas.microsoft.com/office/drawing/2014/main" id="{4C5AE542-5EB8-434B-9FD3-BA993B83F9CC}"/>
+          <p:cNvPr id="4" name="Picture 3">
+            <a:extLst>
+              <a:ext uri="{FF2B5EF4-FFF2-40B4-BE49-F238E27FC236}">
+                <a16:creationId xmlns:a16="http://schemas.microsoft.com/office/drawing/2014/main" id="{F43194B9-1796-4361-B378-9DA1CC49C683}"/>
               </a:ext>
             </a:extLst>
           </p:cNvPr>
@@ -11105,47 +11685,316 @@
         </p:blipFill>
         <p:spPr>
           <a:xfrm>
-            <a:off x="367616" y="855768"/>
-            <a:ext cx="11604667" cy="5240232"/>
+            <a:off x="3895429" y="643467"/>
+            <a:ext cx="4401141" cy="5571066"/>
           </a:xfrm>
           <a:prstGeom prst="rect">
             <a:avLst/>
           </a:prstGeom>
-          <a:ln w="38100" cap="sq">
-            <a:solidFill>
-              <a:srgbClr val="000000"/>
-            </a:solidFill>
-            <a:prstDash val="solid"/>
-            <a:miter lim="800000"/>
+        </p:spPr>
+      </p:pic>
+      <p:sp>
+        <p:nvSpPr>
+          <p:cNvPr id="23" name="Rectangle 22">
+            <a:extLst>
+              <a:ext uri="{FF2B5EF4-FFF2-40B4-BE49-F238E27FC236}">
+                <a16:creationId xmlns:a16="http://schemas.microsoft.com/office/drawing/2014/main" id="{9A6C928E-4252-4F33-8C34-E50A12A3170B}"/>
+              </a:ext>
+              <a:ext uri="{C183D7F6-B498-43B3-948B-1728B52AA6E4}">
+                <adec:decorative xmlns:adec="http://schemas.microsoft.com/office/drawing/2017/decorative" val="1"/>
+              </a:ext>
+            </a:extLst>
+          </p:cNvPr>
+          <p:cNvSpPr>
+            <a:spLocks noGrp="1" noRot="1" noChangeAspect="1" noMove="1" noResize="1" noEditPoints="1" noAdjustHandles="1" noChangeArrowheads="1" noChangeShapeType="1" noTextEdit="1"/>
+          </p:cNvSpPr>
+          <p:nvPr>
+            <p:extLst>
+              <p:ext uri="{386F3935-93C4-4BCD-93E2-E3B085C9AB24}">
+                <p16:designElem xmlns:p16="http://schemas.microsoft.com/office/powerpoint/2015/main" val="1"/>
+              </p:ext>
+            </p:extLst>
+          </p:nvPr>
+        </p:nvSpPr>
+        <p:spPr>
+          <a:xfrm>
+            <a:off x="10437812" y="0"/>
+            <a:ext cx="685800" cy="1143000"/>
+          </a:xfrm>
+          <a:prstGeom prst="rect">
+            <a:avLst/>
+          </a:prstGeom>
+          <a:solidFill>
+            <a:schemeClr val="accent1"/>
+          </a:solidFill>
+          <a:ln>
+            <a:noFill/>
           </a:ln>
-          <a:effectLst>
-            <a:outerShdw blurRad="50800" dist="38100" dir="2700000" algn="tl" rotWithShape="0">
-              <a:srgbClr val="000000">
-                <a:alpha val="43000"/>
-              </a:srgbClr>
-            </a:outerShdw>
-          </a:effectLst>
+        </p:spPr>
+        <p:style>
+          <a:lnRef idx="1">
+            <a:schemeClr val="accent1"/>
+          </a:lnRef>
+          <a:fillRef idx="3">
+            <a:schemeClr val="accent1"/>
+          </a:fillRef>
+          <a:effectRef idx="2">
+            <a:schemeClr val="accent1"/>
+          </a:effectRef>
+          <a:fontRef idx="minor">
+            <a:schemeClr val="lt1"/>
+          </a:fontRef>
+        </p:style>
+      </p:sp>
+      <p:pic>
+        <p:nvPicPr>
+          <p:cNvPr id="5" name="Picture 4">
+            <a:extLst>
+              <a:ext uri="{FF2B5EF4-FFF2-40B4-BE49-F238E27FC236}">
+                <a16:creationId xmlns:a16="http://schemas.microsoft.com/office/drawing/2014/main" id="{0D6D9404-F561-4317-87F1-CC710E534584}"/>
+              </a:ext>
+            </a:extLst>
+          </p:cNvPr>
+          <p:cNvPicPr>
+            <a:picLocks noChangeAspect="1"/>
+          </p:cNvPicPr>
+          <p:nvPr/>
+        </p:nvPicPr>
+        <p:blipFill>
+          <a:blip r:embed="rId8"/>
+          <a:stretch>
+            <a:fillRect/>
+          </a:stretch>
+        </p:blipFill>
+        <p:spPr>
+          <a:xfrm>
+            <a:off x="8064520" y="2042472"/>
+            <a:ext cx="2076450" cy="590550"/>
+          </a:xfrm>
+          <a:prstGeom prst="rect">
+            <a:avLst/>
+          </a:prstGeom>
         </p:spPr>
       </p:pic>
+      <p:sp>
+        <p:nvSpPr>
+          <p:cNvPr id="14" name="TextBox 13">
+            <a:extLst>
+              <a:ext uri="{FF2B5EF4-FFF2-40B4-BE49-F238E27FC236}">
+                <a16:creationId xmlns:a16="http://schemas.microsoft.com/office/drawing/2014/main" id="{66F635BC-50CF-4906-B834-A2B17BADFC21}"/>
+              </a:ext>
+            </a:extLst>
+          </p:cNvPr>
+          <p:cNvSpPr txBox="1"/>
+          <p:nvPr/>
+        </p:nvSpPr>
+        <p:spPr>
+          <a:xfrm>
+            <a:off x="5549371" y="4963054"/>
+            <a:ext cx="698500" cy="276999"/>
+          </a:xfrm>
+          <a:prstGeom prst="rect">
+            <a:avLst/>
+          </a:prstGeom>
+          <a:noFill/>
+        </p:spPr>
+        <p:txBody>
+          <a:bodyPr wrap="square" rtlCol="0">
+            <a:spAutoFit/>
+          </a:bodyPr>
+          <a:lstStyle/>
+          <a:p>
+            <a:r>
+              <a:rPr lang="en-US" sz="1200" dirty="0">
+                <a:solidFill>
+                  <a:schemeClr val="bg1"/>
+                </a:solidFill>
+              </a:rPr>
+              <a:t>9.4%</a:t>
+            </a:r>
+          </a:p>
+        </p:txBody>
+      </p:sp>
+      <p:sp>
+        <p:nvSpPr>
+          <p:cNvPr id="16" name="TextBox 15">
+            <a:extLst>
+              <a:ext uri="{FF2B5EF4-FFF2-40B4-BE49-F238E27FC236}">
+                <a16:creationId xmlns:a16="http://schemas.microsoft.com/office/drawing/2014/main" id="{EDADBE28-B504-46E0-8503-6EEDDEE8AF35}"/>
+              </a:ext>
+            </a:extLst>
+          </p:cNvPr>
+          <p:cNvSpPr txBox="1"/>
+          <p:nvPr/>
+        </p:nvSpPr>
+        <p:spPr>
+          <a:xfrm>
+            <a:off x="4698471" y="4132223"/>
+            <a:ext cx="698500" cy="276999"/>
+          </a:xfrm>
+          <a:prstGeom prst="rect">
+            <a:avLst/>
+          </a:prstGeom>
+          <a:noFill/>
+        </p:spPr>
+        <p:txBody>
+          <a:bodyPr wrap="square" rtlCol="0">
+            <a:spAutoFit/>
+          </a:bodyPr>
+          <a:lstStyle/>
+          <a:p>
+            <a:r>
+              <a:rPr lang="en-US" sz="1200" dirty="0">
+                <a:solidFill>
+                  <a:schemeClr val="bg1"/>
+                </a:solidFill>
+              </a:rPr>
+              <a:t>24.4%</a:t>
+            </a:r>
+          </a:p>
+        </p:txBody>
+      </p:sp>
+      <p:sp>
+        <p:nvSpPr>
+          <p:cNvPr id="18" name="TextBox 17">
+            <a:extLst>
+              <a:ext uri="{FF2B5EF4-FFF2-40B4-BE49-F238E27FC236}">
+                <a16:creationId xmlns:a16="http://schemas.microsoft.com/office/drawing/2014/main" id="{88C467B4-7F0B-42F5-B6B9-55A8C66A2640}"/>
+              </a:ext>
+            </a:extLst>
+          </p:cNvPr>
+          <p:cNvSpPr txBox="1"/>
+          <p:nvPr/>
+        </p:nvSpPr>
+        <p:spPr>
+          <a:xfrm>
+            <a:off x="6395864" y="5331456"/>
+            <a:ext cx="698500" cy="276999"/>
+          </a:xfrm>
+          <a:prstGeom prst="rect">
+            <a:avLst/>
+          </a:prstGeom>
+          <a:noFill/>
+        </p:spPr>
+        <p:txBody>
+          <a:bodyPr wrap="square" rtlCol="0">
+            <a:spAutoFit/>
+          </a:bodyPr>
+          <a:lstStyle/>
+          <a:p>
+            <a:r>
+              <a:rPr lang="en-US" sz="1200" dirty="0">
+                <a:solidFill>
+                  <a:schemeClr val="bg1"/>
+                </a:solidFill>
+              </a:rPr>
+              <a:t>7.6%</a:t>
+            </a:r>
+          </a:p>
+        </p:txBody>
+      </p:sp>
+      <p:sp>
+        <p:nvSpPr>
+          <p:cNvPr id="20" name="TextBox 19">
+            <a:extLst>
+              <a:ext uri="{FF2B5EF4-FFF2-40B4-BE49-F238E27FC236}">
+                <a16:creationId xmlns:a16="http://schemas.microsoft.com/office/drawing/2014/main" id="{CEFBE2D8-2231-433B-9A37-305E268B7386}"/>
+              </a:ext>
+            </a:extLst>
+          </p:cNvPr>
+          <p:cNvSpPr txBox="1"/>
+          <p:nvPr/>
+        </p:nvSpPr>
+        <p:spPr>
+          <a:xfrm>
+            <a:off x="7222126" y="5331456"/>
+            <a:ext cx="698500" cy="276999"/>
+          </a:xfrm>
+          <a:prstGeom prst="rect">
+            <a:avLst/>
+          </a:prstGeom>
+          <a:noFill/>
+        </p:spPr>
+        <p:txBody>
+          <a:bodyPr wrap="square" rtlCol="0">
+            <a:spAutoFit/>
+          </a:bodyPr>
+          <a:lstStyle/>
+          <a:p>
+            <a:r>
+              <a:rPr lang="en-US" sz="1200" dirty="0">
+                <a:solidFill>
+                  <a:schemeClr val="bg1"/>
+                </a:solidFill>
+              </a:rPr>
+              <a:t>17.6%</a:t>
+            </a:r>
+          </a:p>
+        </p:txBody>
+      </p:sp>
+      <p:sp>
+        <p:nvSpPr>
+          <p:cNvPr id="22" name="Title 1">
+            <a:extLst>
+              <a:ext uri="{FF2B5EF4-FFF2-40B4-BE49-F238E27FC236}">
+                <a16:creationId xmlns:a16="http://schemas.microsoft.com/office/drawing/2014/main" id="{3622B542-CCED-4CD8-88D6-B06331C6B4B5}"/>
+              </a:ext>
+            </a:extLst>
+          </p:cNvPr>
+          <p:cNvSpPr>
+            <a:spLocks noGrp="1"/>
+          </p:cNvSpPr>
+          <p:nvPr>
+            <p:ph type="title"/>
+          </p:nvPr>
+        </p:nvSpPr>
+        <p:spPr>
+          <a:xfrm>
+            <a:off x="393786" y="117356"/>
+            <a:ext cx="9142770" cy="589849"/>
+          </a:xfrm>
+        </p:spPr>
+        <p:txBody>
+          <a:bodyPr>
+            <a:normAutofit/>
+          </a:bodyPr>
+          <a:lstStyle/>
+          <a:p>
+            <a:pPr>
+              <a:lnSpc>
+                <a:spcPct val="90000"/>
+              </a:lnSpc>
+            </a:pPr>
+            <a:r>
+              <a:rPr lang="en-US" sz="2400" dirty="0">
+                <a:solidFill>
+                  <a:srgbClr val="EBEBEB"/>
+                </a:solidFill>
+              </a:rPr>
+              <a:t>What does Stock Option Level show us?</a:t>
+            </a:r>
+          </a:p>
+        </p:txBody>
+      </p:sp>
       <p:cxnSp>
         <p:nvCxnSpPr>
-          <p:cNvPr id="24" name="Straight Arrow Connector 23">
-            <a:extLst>
-              <a:ext uri="{FF2B5EF4-FFF2-40B4-BE49-F238E27FC236}">
-                <a16:creationId xmlns:a16="http://schemas.microsoft.com/office/drawing/2014/main" id="{421D85BD-6A2E-49A6-9011-DC5E5EA9B3FE}"/>
+          <p:cNvPr id="30" name="Straight Arrow Connector 29">
+            <a:extLst>
+              <a:ext uri="{FF2B5EF4-FFF2-40B4-BE49-F238E27FC236}">
+                <a16:creationId xmlns:a16="http://schemas.microsoft.com/office/drawing/2014/main" id="{3BA52417-6188-49A8-ABCB-7305C51A5264}"/>
               </a:ext>
             </a:extLst>
           </p:cNvPr>
           <p:cNvCxnSpPr>
             <a:cxnSpLocks/>
-            <a:stCxn id="27" idx="4"/>
+            <a:stCxn id="31" idx="4"/>
           </p:cNvCxnSpPr>
           <p:nvPr/>
         </p:nvCxnSpPr>
         <p:spPr>
           <a:xfrm flipH="1">
-            <a:off x="4565651" y="2480732"/>
-            <a:ext cx="1076442" cy="2942168"/>
+            <a:off x="5080884" y="2633022"/>
+            <a:ext cx="1292186" cy="1418278"/>
           </a:xfrm>
           <a:prstGeom prst="straightConnector1">
             <a:avLst/>
@@ -11171,10 +12020,10 @@
       </p:cxnSp>
       <p:sp>
         <p:nvSpPr>
-          <p:cNvPr id="27" name="Oval 26">
-            <a:extLst>
-              <a:ext uri="{FF2B5EF4-FFF2-40B4-BE49-F238E27FC236}">
-                <a16:creationId xmlns:a16="http://schemas.microsoft.com/office/drawing/2014/main" id="{F2918E3B-DCDC-4A39-B413-D7D632DB568E}"/>
+          <p:cNvPr id="31" name="Oval 30">
+            <a:extLst>
+              <a:ext uri="{FF2B5EF4-FFF2-40B4-BE49-F238E27FC236}">
+                <a16:creationId xmlns:a16="http://schemas.microsoft.com/office/drawing/2014/main" id="{2B74B223-498F-4E03-A044-EEC642FC4212}"/>
               </a:ext>
             </a:extLst>
           </p:cNvPr>
@@ -11183,7 +12032,7 @@
         </p:nvSpPr>
         <p:spPr>
           <a:xfrm>
-            <a:off x="4864335" y="1549400"/>
+            <a:off x="5595312" y="1701690"/>
             <a:ext cx="1555515" cy="931332"/>
           </a:xfrm>
           <a:prstGeom prst="ellipse">
@@ -11214,33 +12063,33 @@
             <a:r>
               <a:rPr lang="en-US" sz="1000" dirty="0">
                 <a:solidFill>
-                  <a:schemeClr val="bg1"/>
+                  <a:schemeClr val="tx1"/>
                 </a:solidFill>
               </a:rPr>
-              <a:t>Manager’s and Research Directors only in upper class</a:t>
+              <a:t>More likely to leave if Stock Option is at ends.</a:t>
             </a:r>
           </a:p>
         </p:txBody>
       </p:sp>
       <p:cxnSp>
         <p:nvCxnSpPr>
-          <p:cNvPr id="67" name="Straight Arrow Connector 66">
-            <a:extLst>
-              <a:ext uri="{FF2B5EF4-FFF2-40B4-BE49-F238E27FC236}">
-                <a16:creationId xmlns:a16="http://schemas.microsoft.com/office/drawing/2014/main" id="{CA9C0CCC-922C-4F7B-9CDE-3FE66A71E4C3}"/>
+          <p:cNvPr id="32" name="Straight Arrow Connector 31">
+            <a:extLst>
+              <a:ext uri="{FF2B5EF4-FFF2-40B4-BE49-F238E27FC236}">
+                <a16:creationId xmlns:a16="http://schemas.microsoft.com/office/drawing/2014/main" id="{01787901-DC2B-45B8-8C40-20EE8ADFD025}"/>
               </a:ext>
             </a:extLst>
           </p:cNvPr>
           <p:cNvCxnSpPr>
             <a:cxnSpLocks/>
-            <a:stCxn id="27" idx="4"/>
+            <a:stCxn id="31" idx="4"/>
           </p:cNvCxnSpPr>
           <p:nvPr/>
         </p:nvCxnSpPr>
         <p:spPr>
           <a:xfrm>
-            <a:off x="5642093" y="2480732"/>
-            <a:ext cx="1488957" cy="2669118"/>
+            <a:off x="6373070" y="2633022"/>
+            <a:ext cx="1031030" cy="2698434"/>
           </a:xfrm>
           <a:prstGeom prst="straightConnector1">
             <a:avLst/>
@@ -11267,7 +12116,7 @@
     </p:spTree>
     <p:extLst>
       <p:ext uri="{BB962C8B-B14F-4D97-AF65-F5344CB8AC3E}">
-        <p14:creationId xmlns:p14="http://schemas.microsoft.com/office/powerpoint/2010/main" val="3787231778"/>
+        <p14:creationId xmlns:p14="http://schemas.microsoft.com/office/powerpoint/2010/main" val="1045956147"/>
       </p:ext>
     </p:extLst>
   </p:cSld>
@@ -11278,6 +12127,1041 @@
 </file>
 
 <file path=ppt/slides/slide22.xml><?xml version="1.0" encoding="utf-8"?>
+<p:sld xmlns:a="http://schemas.openxmlformats.org/drawingml/2006/main" xmlns:r="http://schemas.openxmlformats.org/officeDocument/2006/relationships" xmlns:p="http://schemas.openxmlformats.org/presentationml/2006/main">
+  <p:cSld>
+    <p:spTree>
+      <p:nvGrpSpPr>
+        <p:cNvPr id="1" name=""/>
+        <p:cNvGrpSpPr/>
+        <p:nvPr/>
+      </p:nvGrpSpPr>
+      <p:grpSpPr>
+        <a:xfrm>
+          <a:off x="0" y="0"/>
+          <a:ext cx="0" cy="0"/>
+          <a:chOff x="0" y="0"/>
+          <a:chExt cx="0" cy="0"/>
+        </a:xfrm>
+      </p:grpSpPr>
+      <p:pic>
+        <p:nvPicPr>
+          <p:cNvPr id="7" name="Picture 6">
+            <a:extLst>
+              <a:ext uri="{FF2B5EF4-FFF2-40B4-BE49-F238E27FC236}">
+                <a16:creationId xmlns:a16="http://schemas.microsoft.com/office/drawing/2014/main" id="{C9B14F72-C47B-49CA-9E56-4DE1C3565762}"/>
+              </a:ext>
+            </a:extLst>
+          </p:cNvPr>
+          <p:cNvPicPr>
+            <a:picLocks noChangeAspect="1"/>
+          </p:cNvPicPr>
+          <p:nvPr/>
+        </p:nvPicPr>
+        <p:blipFill>
+          <a:blip r:embed="rId2"/>
+          <a:stretch>
+            <a:fillRect/>
+          </a:stretch>
+        </p:blipFill>
+        <p:spPr>
+          <a:xfrm>
+            <a:off x="0" y="536575"/>
+            <a:ext cx="12192000" cy="5505450"/>
+          </a:xfrm>
+          <a:prstGeom prst="rect">
+            <a:avLst/>
+          </a:prstGeom>
+        </p:spPr>
+      </p:pic>
+      <p:pic>
+        <p:nvPicPr>
+          <p:cNvPr id="9" name="Picture 8">
+            <a:extLst>
+              <a:ext uri="{FF2B5EF4-FFF2-40B4-BE49-F238E27FC236}">
+                <a16:creationId xmlns:a16="http://schemas.microsoft.com/office/drawing/2014/main" id="{7D65780A-E5FB-4605-B243-0664EAEF5D90}"/>
+              </a:ext>
+            </a:extLst>
+          </p:cNvPr>
+          <p:cNvPicPr>
+            <a:picLocks noChangeAspect="1"/>
+          </p:cNvPicPr>
+          <p:nvPr/>
+        </p:nvPicPr>
+        <p:blipFill>
+          <a:blip r:embed="rId3"/>
+          <a:stretch>
+            <a:fillRect/>
+          </a:stretch>
+        </p:blipFill>
+        <p:spPr>
+          <a:xfrm>
+            <a:off x="3022600" y="6121863"/>
+            <a:ext cx="5705475" cy="590550"/>
+          </a:xfrm>
+          <a:prstGeom prst="rect">
+            <a:avLst/>
+          </a:prstGeom>
+        </p:spPr>
+      </p:pic>
+      <p:sp>
+        <p:nvSpPr>
+          <p:cNvPr id="10" name="TextBox 9">
+            <a:extLst>
+              <a:ext uri="{FF2B5EF4-FFF2-40B4-BE49-F238E27FC236}">
+                <a16:creationId xmlns:a16="http://schemas.microsoft.com/office/drawing/2014/main" id="{9FD6920C-3CF7-4380-807F-DF234F11F2C8}"/>
+              </a:ext>
+            </a:extLst>
+          </p:cNvPr>
+          <p:cNvSpPr txBox="1"/>
+          <p:nvPr/>
+        </p:nvSpPr>
+        <p:spPr>
+          <a:xfrm>
+            <a:off x="1098550" y="4044950"/>
+            <a:ext cx="425450" cy="200055"/>
+          </a:xfrm>
+          <a:prstGeom prst="rect">
+            <a:avLst/>
+          </a:prstGeom>
+          <a:noFill/>
+        </p:spPr>
+        <p:txBody>
+          <a:bodyPr wrap="square" rtlCol="0">
+            <a:spAutoFit/>
+          </a:bodyPr>
+          <a:lstStyle/>
+          <a:p>
+            <a:r>
+              <a:rPr lang="en-US" sz="700" dirty="0">
+                <a:solidFill>
+                  <a:schemeClr val="bg1"/>
+                </a:solidFill>
+              </a:rPr>
+              <a:t>18.9%</a:t>
+            </a:r>
+          </a:p>
+        </p:txBody>
+      </p:sp>
+      <p:sp>
+        <p:nvSpPr>
+          <p:cNvPr id="13" name="TextBox 12">
+            <a:extLst>
+              <a:ext uri="{FF2B5EF4-FFF2-40B4-BE49-F238E27FC236}">
+                <a16:creationId xmlns:a16="http://schemas.microsoft.com/office/drawing/2014/main" id="{137F2322-26FB-49AC-AAE1-D287FE985D91}"/>
+              </a:ext>
+            </a:extLst>
+          </p:cNvPr>
+          <p:cNvSpPr txBox="1"/>
+          <p:nvPr/>
+        </p:nvSpPr>
+        <p:spPr>
+          <a:xfrm>
+            <a:off x="1739900" y="4686300"/>
+            <a:ext cx="425450" cy="200055"/>
+          </a:xfrm>
+          <a:prstGeom prst="rect">
+            <a:avLst/>
+          </a:prstGeom>
+          <a:noFill/>
+        </p:spPr>
+        <p:txBody>
+          <a:bodyPr wrap="square" rtlCol="0">
+            <a:spAutoFit/>
+          </a:bodyPr>
+          <a:lstStyle/>
+          <a:p>
+            <a:r>
+              <a:rPr lang="en-US" sz="700" dirty="0">
+                <a:solidFill>
+                  <a:schemeClr val="bg1"/>
+                </a:solidFill>
+              </a:rPr>
+              <a:t>13.7%</a:t>
+            </a:r>
+          </a:p>
+        </p:txBody>
+      </p:sp>
+      <p:sp>
+        <p:nvSpPr>
+          <p:cNvPr id="14" name="TextBox 13">
+            <a:extLst>
+              <a:ext uri="{FF2B5EF4-FFF2-40B4-BE49-F238E27FC236}">
+                <a16:creationId xmlns:a16="http://schemas.microsoft.com/office/drawing/2014/main" id="{9A40765F-B0DA-42E2-8F4F-E010719321A6}"/>
+              </a:ext>
+            </a:extLst>
+          </p:cNvPr>
+          <p:cNvSpPr txBox="1"/>
+          <p:nvPr/>
+        </p:nvSpPr>
+        <p:spPr>
+          <a:xfrm>
+            <a:off x="2381250" y="4886355"/>
+            <a:ext cx="425450" cy="200055"/>
+          </a:xfrm>
+          <a:prstGeom prst="rect">
+            <a:avLst/>
+          </a:prstGeom>
+          <a:noFill/>
+        </p:spPr>
+        <p:txBody>
+          <a:bodyPr wrap="square" rtlCol="0">
+            <a:spAutoFit/>
+          </a:bodyPr>
+          <a:lstStyle/>
+          <a:p>
+            <a:r>
+              <a:rPr lang="en-US" sz="700" dirty="0">
+                <a:solidFill>
+                  <a:schemeClr val="bg1"/>
+                </a:solidFill>
+              </a:rPr>
+              <a:t>17.0%</a:t>
+            </a:r>
+          </a:p>
+        </p:txBody>
+      </p:sp>
+      <p:sp>
+        <p:nvSpPr>
+          <p:cNvPr id="15" name="TextBox 14">
+            <a:extLst>
+              <a:ext uri="{FF2B5EF4-FFF2-40B4-BE49-F238E27FC236}">
+                <a16:creationId xmlns:a16="http://schemas.microsoft.com/office/drawing/2014/main" id="{2D1D5608-F976-483F-8713-D355C66F9F32}"/>
+              </a:ext>
+            </a:extLst>
+          </p:cNvPr>
+          <p:cNvSpPr txBox="1"/>
+          <p:nvPr/>
+        </p:nvSpPr>
+        <p:spPr>
+          <a:xfrm>
+            <a:off x="3022600" y="5056292"/>
+            <a:ext cx="425450" cy="200055"/>
+          </a:xfrm>
+          <a:prstGeom prst="rect">
+            <a:avLst/>
+          </a:prstGeom>
+          <a:noFill/>
+        </p:spPr>
+        <p:txBody>
+          <a:bodyPr wrap="square" rtlCol="0">
+            <a:spAutoFit/>
+          </a:bodyPr>
+          <a:lstStyle/>
+          <a:p>
+            <a:r>
+              <a:rPr lang="en-US" sz="700" dirty="0">
+                <a:solidFill>
+                  <a:schemeClr val="bg1"/>
+                </a:solidFill>
+              </a:rPr>
+              <a:t>17.3%</a:t>
+            </a:r>
+          </a:p>
+        </p:txBody>
+      </p:sp>
+      <p:sp>
+        <p:nvSpPr>
+          <p:cNvPr id="16" name="TextBox 15">
+            <a:extLst>
+              <a:ext uri="{FF2B5EF4-FFF2-40B4-BE49-F238E27FC236}">
+                <a16:creationId xmlns:a16="http://schemas.microsoft.com/office/drawing/2014/main" id="{8738B6E4-9072-4F0D-8305-2C21543E90DE}"/>
+              </a:ext>
+            </a:extLst>
+          </p:cNvPr>
+          <p:cNvSpPr txBox="1"/>
+          <p:nvPr/>
+        </p:nvSpPr>
+        <p:spPr>
+          <a:xfrm>
+            <a:off x="3663950" y="5146914"/>
+            <a:ext cx="425450" cy="200055"/>
+          </a:xfrm>
+          <a:prstGeom prst="rect">
+            <a:avLst/>
+          </a:prstGeom>
+          <a:noFill/>
+        </p:spPr>
+        <p:txBody>
+          <a:bodyPr wrap="square" rtlCol="0">
+            <a:spAutoFit/>
+          </a:bodyPr>
+          <a:lstStyle/>
+          <a:p>
+            <a:r>
+              <a:rPr lang="en-US" sz="700" dirty="0">
+                <a:solidFill>
+                  <a:schemeClr val="bg1"/>
+                </a:solidFill>
+              </a:rPr>
+              <a:t>8.2%</a:t>
+            </a:r>
+          </a:p>
+        </p:txBody>
+      </p:sp>
+      <p:sp>
+        <p:nvSpPr>
+          <p:cNvPr id="17" name="TextBox 16">
+            <a:extLst>
+              <a:ext uri="{FF2B5EF4-FFF2-40B4-BE49-F238E27FC236}">
+                <a16:creationId xmlns:a16="http://schemas.microsoft.com/office/drawing/2014/main" id="{F86F6E7F-E50B-4ABF-9268-B9372E99DC8A}"/>
+              </a:ext>
+            </a:extLst>
+          </p:cNvPr>
+          <p:cNvSpPr txBox="1"/>
+          <p:nvPr/>
+        </p:nvSpPr>
+        <p:spPr>
+          <a:xfrm>
+            <a:off x="4305300" y="5134483"/>
+            <a:ext cx="425450" cy="200055"/>
+          </a:xfrm>
+          <a:prstGeom prst="rect">
+            <a:avLst/>
+          </a:prstGeom>
+          <a:noFill/>
+        </p:spPr>
+        <p:txBody>
+          <a:bodyPr wrap="square" rtlCol="0">
+            <a:spAutoFit/>
+          </a:bodyPr>
+          <a:lstStyle/>
+          <a:p>
+            <a:r>
+              <a:rPr lang="en-US" sz="700" dirty="0">
+                <a:solidFill>
+                  <a:schemeClr val="bg1"/>
+                </a:solidFill>
+              </a:rPr>
+              <a:t>4.4%</a:t>
+            </a:r>
+          </a:p>
+        </p:txBody>
+      </p:sp>
+      <p:sp>
+        <p:nvSpPr>
+          <p:cNvPr id="18" name="TextBox 17">
+            <a:extLst>
+              <a:ext uri="{FF2B5EF4-FFF2-40B4-BE49-F238E27FC236}">
+                <a16:creationId xmlns:a16="http://schemas.microsoft.com/office/drawing/2014/main" id="{B57CD49B-497C-475E-B1DC-5F2CB64A12F1}"/>
+              </a:ext>
+            </a:extLst>
+          </p:cNvPr>
+          <p:cNvSpPr txBox="1"/>
+          <p:nvPr/>
+        </p:nvSpPr>
+        <p:spPr>
+          <a:xfrm>
+            <a:off x="4975225" y="5086410"/>
+            <a:ext cx="425450" cy="200055"/>
+          </a:xfrm>
+          <a:prstGeom prst="rect">
+            <a:avLst/>
+          </a:prstGeom>
+          <a:noFill/>
+        </p:spPr>
+        <p:txBody>
+          <a:bodyPr wrap="square" rtlCol="0">
+            <a:spAutoFit/>
+          </a:bodyPr>
+          <a:lstStyle/>
+          <a:p>
+            <a:r>
+              <a:rPr lang="en-US" sz="700" dirty="0">
+                <a:solidFill>
+                  <a:schemeClr val="bg1"/>
+                </a:solidFill>
+              </a:rPr>
+              <a:t>18.8%</a:t>
+            </a:r>
+          </a:p>
+        </p:txBody>
+      </p:sp>
+      <p:sp>
+        <p:nvSpPr>
+          <p:cNvPr id="19" name="TextBox 18">
+            <a:extLst>
+              <a:ext uri="{FF2B5EF4-FFF2-40B4-BE49-F238E27FC236}">
+                <a16:creationId xmlns:a16="http://schemas.microsoft.com/office/drawing/2014/main" id="{21E6618D-1A10-4A93-A639-277B17392CAE}"/>
+              </a:ext>
+            </a:extLst>
+          </p:cNvPr>
+          <p:cNvSpPr txBox="1"/>
+          <p:nvPr/>
+        </p:nvSpPr>
+        <p:spPr>
+          <a:xfrm>
+            <a:off x="5616575" y="4986382"/>
+            <a:ext cx="425450" cy="200055"/>
+          </a:xfrm>
+          <a:prstGeom prst="rect">
+            <a:avLst/>
+          </a:prstGeom>
+          <a:noFill/>
+        </p:spPr>
+        <p:txBody>
+          <a:bodyPr wrap="square" rtlCol="0">
+            <a:spAutoFit/>
+          </a:bodyPr>
+          <a:lstStyle/>
+          <a:p>
+            <a:r>
+              <a:rPr lang="en-US" sz="700" dirty="0">
+                <a:solidFill>
+                  <a:schemeClr val="bg1"/>
+                </a:solidFill>
+              </a:rPr>
+              <a:t>21.1%</a:t>
+            </a:r>
+          </a:p>
+        </p:txBody>
+      </p:sp>
+      <p:sp>
+        <p:nvSpPr>
+          <p:cNvPr id="22" name="TextBox 21">
+            <a:extLst>
+              <a:ext uri="{FF2B5EF4-FFF2-40B4-BE49-F238E27FC236}">
+                <a16:creationId xmlns:a16="http://schemas.microsoft.com/office/drawing/2014/main" id="{257DB29A-53ED-46D9-874F-6223E4FEA1FC}"/>
+              </a:ext>
+            </a:extLst>
+          </p:cNvPr>
+          <p:cNvSpPr txBox="1"/>
+          <p:nvPr/>
+        </p:nvSpPr>
+        <p:spPr>
+          <a:xfrm>
+            <a:off x="6892925" y="5134480"/>
+            <a:ext cx="425450" cy="200055"/>
+          </a:xfrm>
+          <a:prstGeom prst="rect">
+            <a:avLst/>
+          </a:prstGeom>
+          <a:noFill/>
+        </p:spPr>
+        <p:txBody>
+          <a:bodyPr wrap="square" rtlCol="0">
+            <a:spAutoFit/>
+          </a:bodyPr>
+          <a:lstStyle/>
+          <a:p>
+            <a:r>
+              <a:rPr lang="en-US" sz="700" dirty="0">
+                <a:solidFill>
+                  <a:schemeClr val="bg1"/>
+                </a:solidFill>
+              </a:rPr>
+              <a:t>23.5%</a:t>
+            </a:r>
+          </a:p>
+        </p:txBody>
+      </p:sp>
+      <p:sp>
+        <p:nvSpPr>
+          <p:cNvPr id="23" name="TextBox 22">
+            <a:extLst>
+              <a:ext uri="{FF2B5EF4-FFF2-40B4-BE49-F238E27FC236}">
+                <a16:creationId xmlns:a16="http://schemas.microsoft.com/office/drawing/2014/main" id="{E9ED0706-E81B-48C8-A2CB-030F6CAF3954}"/>
+              </a:ext>
+            </a:extLst>
+          </p:cNvPr>
+          <p:cNvSpPr txBox="1"/>
+          <p:nvPr/>
+        </p:nvSpPr>
+        <p:spPr>
+          <a:xfrm>
+            <a:off x="7540625" y="5146914"/>
+            <a:ext cx="425450" cy="200055"/>
+          </a:xfrm>
+          <a:prstGeom prst="rect">
+            <a:avLst/>
+          </a:prstGeom>
+          <a:noFill/>
+        </p:spPr>
+        <p:txBody>
+          <a:bodyPr wrap="square" rtlCol="0">
+            <a:spAutoFit/>
+          </a:bodyPr>
+          <a:lstStyle/>
+          <a:p>
+            <a:r>
+              <a:rPr lang="en-US" sz="700" dirty="0">
+                <a:solidFill>
+                  <a:schemeClr val="bg1"/>
+                </a:solidFill>
+              </a:rPr>
+              <a:t>20%</a:t>
+            </a:r>
+          </a:p>
+        </p:txBody>
+      </p:sp>
+      <p:sp>
+        <p:nvSpPr>
+          <p:cNvPr id="24" name="TextBox 23">
+            <a:extLst>
+              <a:ext uri="{FF2B5EF4-FFF2-40B4-BE49-F238E27FC236}">
+                <a16:creationId xmlns:a16="http://schemas.microsoft.com/office/drawing/2014/main" id="{8B0400B7-A68A-4AC9-92B9-8AF8857383AC}"/>
+              </a:ext>
+            </a:extLst>
+          </p:cNvPr>
+          <p:cNvSpPr txBox="1"/>
+          <p:nvPr/>
+        </p:nvSpPr>
+        <p:spPr>
+          <a:xfrm>
+            <a:off x="8210550" y="5141101"/>
+            <a:ext cx="425450" cy="200055"/>
+          </a:xfrm>
+          <a:prstGeom prst="rect">
+            <a:avLst/>
+          </a:prstGeom>
+          <a:noFill/>
+        </p:spPr>
+        <p:txBody>
+          <a:bodyPr wrap="square" rtlCol="0">
+            <a:spAutoFit/>
+          </a:bodyPr>
+          <a:lstStyle/>
+          <a:p>
+            <a:r>
+              <a:rPr lang="en-US" sz="700" dirty="0">
+                <a:solidFill>
+                  <a:schemeClr val="bg1"/>
+                </a:solidFill>
+              </a:rPr>
+              <a:t>8.3%</a:t>
+            </a:r>
+          </a:p>
+        </p:txBody>
+      </p:sp>
+      <p:sp>
+        <p:nvSpPr>
+          <p:cNvPr id="25" name="TextBox 24">
+            <a:extLst>
+              <a:ext uri="{FF2B5EF4-FFF2-40B4-BE49-F238E27FC236}">
+                <a16:creationId xmlns:a16="http://schemas.microsoft.com/office/drawing/2014/main" id="{5127F66A-910A-4448-A2EA-26CE649CC9D8}"/>
+              </a:ext>
+            </a:extLst>
+          </p:cNvPr>
+          <p:cNvSpPr txBox="1"/>
+          <p:nvPr/>
+        </p:nvSpPr>
+        <p:spPr>
+          <a:xfrm>
+            <a:off x="9488487" y="5156319"/>
+            <a:ext cx="425450" cy="200055"/>
+          </a:xfrm>
+          <a:prstGeom prst="rect">
+            <a:avLst/>
+          </a:prstGeom>
+          <a:noFill/>
+        </p:spPr>
+        <p:txBody>
+          <a:bodyPr wrap="square" rtlCol="0">
+            <a:spAutoFit/>
+          </a:bodyPr>
+          <a:lstStyle/>
+          <a:p>
+            <a:r>
+              <a:rPr lang="en-US" sz="700" dirty="0">
+                <a:solidFill>
+                  <a:schemeClr val="bg1"/>
+                </a:solidFill>
+              </a:rPr>
+              <a:t>25%</a:t>
+            </a:r>
+          </a:p>
+        </p:txBody>
+      </p:sp>
+      <p:sp>
+        <p:nvSpPr>
+          <p:cNvPr id="26" name="TextBox 25">
+            <a:extLst>
+              <a:ext uri="{FF2B5EF4-FFF2-40B4-BE49-F238E27FC236}">
+                <a16:creationId xmlns:a16="http://schemas.microsoft.com/office/drawing/2014/main" id="{D96C5F70-D286-4C6A-9D02-E05882CE15C2}"/>
+              </a:ext>
+            </a:extLst>
+          </p:cNvPr>
+          <p:cNvSpPr txBox="1"/>
+          <p:nvPr/>
+        </p:nvSpPr>
+        <p:spPr>
+          <a:xfrm>
+            <a:off x="10129837" y="5186437"/>
+            <a:ext cx="425450" cy="200055"/>
+          </a:xfrm>
+          <a:prstGeom prst="rect">
+            <a:avLst/>
+          </a:prstGeom>
+          <a:noFill/>
+        </p:spPr>
+        <p:txBody>
+          <a:bodyPr wrap="square" rtlCol="0">
+            <a:spAutoFit/>
+          </a:bodyPr>
+          <a:lstStyle/>
+          <a:p>
+            <a:r>
+              <a:rPr lang="en-US" sz="700" dirty="0">
+                <a:solidFill>
+                  <a:schemeClr val="bg1"/>
+                </a:solidFill>
+              </a:rPr>
+              <a:t>11.1%</a:t>
+            </a:r>
+          </a:p>
+        </p:txBody>
+      </p:sp>
+      <p:sp>
+        <p:nvSpPr>
+          <p:cNvPr id="28" name="TextBox 27">
+            <a:extLst>
+              <a:ext uri="{FF2B5EF4-FFF2-40B4-BE49-F238E27FC236}">
+                <a16:creationId xmlns:a16="http://schemas.microsoft.com/office/drawing/2014/main" id="{D4D9E6E3-512D-4591-A2F5-8D6209677936}"/>
+              </a:ext>
+            </a:extLst>
+          </p:cNvPr>
+          <p:cNvSpPr txBox="1"/>
+          <p:nvPr/>
+        </p:nvSpPr>
+        <p:spPr>
+          <a:xfrm>
+            <a:off x="10799762" y="5134480"/>
+            <a:ext cx="425450" cy="200055"/>
+          </a:xfrm>
+          <a:prstGeom prst="rect">
+            <a:avLst/>
+          </a:prstGeom>
+          <a:noFill/>
+        </p:spPr>
+        <p:txBody>
+          <a:bodyPr wrap="square" rtlCol="0">
+            <a:spAutoFit/>
+          </a:bodyPr>
+          <a:lstStyle/>
+          <a:p>
+            <a:r>
+              <a:rPr lang="en-US" sz="700" dirty="0">
+                <a:solidFill>
+                  <a:schemeClr val="bg1"/>
+                </a:solidFill>
+              </a:rPr>
+              <a:t>23.1%</a:t>
+            </a:r>
+          </a:p>
+        </p:txBody>
+      </p:sp>
+      <p:cxnSp>
+        <p:nvCxnSpPr>
+          <p:cNvPr id="30" name="Straight Arrow Connector 29">
+            <a:extLst>
+              <a:ext uri="{FF2B5EF4-FFF2-40B4-BE49-F238E27FC236}">
+                <a16:creationId xmlns:a16="http://schemas.microsoft.com/office/drawing/2014/main" id="{D63A1FAE-DBCF-4AF4-9932-D75CC7C00D9B}"/>
+              </a:ext>
+            </a:extLst>
+          </p:cNvPr>
+          <p:cNvCxnSpPr>
+            <a:cxnSpLocks/>
+            <a:stCxn id="31" idx="3"/>
+          </p:cNvCxnSpPr>
+          <p:nvPr/>
+        </p:nvCxnSpPr>
+        <p:spPr>
+          <a:xfrm flipH="1">
+            <a:off x="4305300" y="2504452"/>
+            <a:ext cx="1345902" cy="2372393"/>
+          </a:xfrm>
+          <a:prstGeom prst="straightConnector1">
+            <a:avLst/>
+          </a:prstGeom>
+          <a:ln>
+            <a:tailEnd type="triangle"/>
+          </a:ln>
+        </p:spPr>
+        <p:style>
+          <a:lnRef idx="1">
+            <a:schemeClr val="accent4"/>
+          </a:lnRef>
+          <a:fillRef idx="0">
+            <a:schemeClr val="accent4"/>
+          </a:fillRef>
+          <a:effectRef idx="0">
+            <a:schemeClr val="accent4"/>
+          </a:effectRef>
+          <a:fontRef idx="minor">
+            <a:schemeClr val="tx1"/>
+          </a:fontRef>
+        </p:style>
+      </p:cxnSp>
+      <p:sp>
+        <p:nvSpPr>
+          <p:cNvPr id="31" name="Oval 30">
+            <a:extLst>
+              <a:ext uri="{FF2B5EF4-FFF2-40B4-BE49-F238E27FC236}">
+                <a16:creationId xmlns:a16="http://schemas.microsoft.com/office/drawing/2014/main" id="{551DFE40-E4C8-4DB2-8245-65DF7AEC8445}"/>
+              </a:ext>
+            </a:extLst>
+          </p:cNvPr>
+          <p:cNvSpPr/>
+          <p:nvPr/>
+        </p:nvSpPr>
+        <p:spPr>
+          <a:xfrm>
+            <a:off x="5311775" y="1593881"/>
+            <a:ext cx="2317750" cy="1066800"/>
+          </a:xfrm>
+          <a:prstGeom prst="ellipse">
+            <a:avLst/>
+          </a:prstGeom>
+        </p:spPr>
+        <p:style>
+          <a:lnRef idx="2">
+            <a:schemeClr val="accent4">
+              <a:shade val="50000"/>
+            </a:schemeClr>
+          </a:lnRef>
+          <a:fillRef idx="1">
+            <a:schemeClr val="accent4"/>
+          </a:fillRef>
+          <a:effectRef idx="0">
+            <a:schemeClr val="accent4"/>
+          </a:effectRef>
+          <a:fontRef idx="minor">
+            <a:schemeClr val="lt1"/>
+          </a:fontRef>
+        </p:style>
+        <p:txBody>
+          <a:bodyPr rtlCol="0" anchor="ctr"/>
+          <a:lstStyle/>
+          <a:p>
+            <a:pPr algn="ctr"/>
+            <a:r>
+              <a:rPr lang="en-US" sz="1200" dirty="0"/>
+              <a:t>What’s happening between 4-5 years causing people to stay?</a:t>
+            </a:r>
+          </a:p>
+        </p:txBody>
+      </p:sp>
+      <p:sp>
+        <p:nvSpPr>
+          <p:cNvPr id="21" name="Title 1">
+            <a:extLst>
+              <a:ext uri="{FF2B5EF4-FFF2-40B4-BE49-F238E27FC236}">
+                <a16:creationId xmlns:a16="http://schemas.microsoft.com/office/drawing/2014/main" id="{E23C7786-3C72-4F34-A5AD-66B28F8D9D44}"/>
+              </a:ext>
+            </a:extLst>
+          </p:cNvPr>
+          <p:cNvSpPr>
+            <a:spLocks noGrp="1"/>
+          </p:cNvSpPr>
+          <p:nvPr>
+            <p:ph type="title"/>
+          </p:nvPr>
+        </p:nvSpPr>
+        <p:spPr>
+          <a:xfrm>
+            <a:off x="393786" y="117356"/>
+            <a:ext cx="9142770" cy="589849"/>
+          </a:xfrm>
+        </p:spPr>
+        <p:txBody>
+          <a:bodyPr>
+            <a:normAutofit/>
+          </a:bodyPr>
+          <a:lstStyle/>
+          <a:p>
+            <a:pPr>
+              <a:lnSpc>
+                <a:spcPct val="90000"/>
+              </a:lnSpc>
+            </a:pPr>
+            <a:r>
+              <a:rPr lang="en-US" sz="2400" dirty="0">
+                <a:solidFill>
+                  <a:srgbClr val="EBEBEB"/>
+                </a:solidFill>
+              </a:rPr>
+              <a:t>What does Years Since Last Promotion show us?</a:t>
+            </a:r>
+          </a:p>
+        </p:txBody>
+      </p:sp>
+    </p:spTree>
+    <p:extLst>
+      <p:ext uri="{BB962C8B-B14F-4D97-AF65-F5344CB8AC3E}">
+        <p14:creationId xmlns:p14="http://schemas.microsoft.com/office/powerpoint/2010/main" val="4820809"/>
+      </p:ext>
+    </p:extLst>
+  </p:cSld>
+  <p:clrMapOvr>
+    <a:masterClrMapping/>
+  </p:clrMapOvr>
+</p:sld>
+</file>
+
+<file path=ppt/slides/slide23.xml><?xml version="1.0" encoding="utf-8"?>
+<p:sld xmlns:a="http://schemas.openxmlformats.org/drawingml/2006/main" xmlns:r="http://schemas.openxmlformats.org/officeDocument/2006/relationships" xmlns:p="http://schemas.openxmlformats.org/presentationml/2006/main">
+  <p:cSld>
+    <p:spTree>
+      <p:nvGrpSpPr>
+        <p:cNvPr id="1" name=""/>
+        <p:cNvGrpSpPr/>
+        <p:nvPr/>
+      </p:nvGrpSpPr>
+      <p:grpSpPr>
+        <a:xfrm>
+          <a:off x="0" y="0"/>
+          <a:ext cx="0" cy="0"/>
+          <a:chOff x="0" y="0"/>
+          <a:chExt cx="0" cy="0"/>
+        </a:xfrm>
+      </p:grpSpPr>
+      <p:pic>
+        <p:nvPicPr>
+          <p:cNvPr id="5" name="Picture 4">
+            <a:extLst>
+              <a:ext uri="{FF2B5EF4-FFF2-40B4-BE49-F238E27FC236}">
+                <a16:creationId xmlns:a16="http://schemas.microsoft.com/office/drawing/2014/main" id="{B67E359C-9986-478B-8986-EEF0B4605A7F}"/>
+              </a:ext>
+            </a:extLst>
+          </p:cNvPr>
+          <p:cNvPicPr>
+            <a:picLocks noChangeAspect="1"/>
+          </p:cNvPicPr>
+          <p:nvPr/>
+        </p:nvPicPr>
+        <p:blipFill>
+          <a:blip r:embed="rId2"/>
+          <a:stretch>
+            <a:fillRect/>
+          </a:stretch>
+        </p:blipFill>
+        <p:spPr>
+          <a:xfrm>
+            <a:off x="0" y="514349"/>
+            <a:ext cx="12192000" cy="5505450"/>
+          </a:xfrm>
+          <a:prstGeom prst="rect">
+            <a:avLst/>
+          </a:prstGeom>
+        </p:spPr>
+      </p:pic>
+      <p:cxnSp>
+        <p:nvCxnSpPr>
+          <p:cNvPr id="7" name="Straight Connector 6">
+            <a:extLst>
+              <a:ext uri="{FF2B5EF4-FFF2-40B4-BE49-F238E27FC236}">
+                <a16:creationId xmlns:a16="http://schemas.microsoft.com/office/drawing/2014/main" id="{77200E15-31CA-4107-BDE7-3EBF8D367937}"/>
+              </a:ext>
+            </a:extLst>
+          </p:cNvPr>
+          <p:cNvCxnSpPr/>
+          <p:nvPr/>
+        </p:nvCxnSpPr>
+        <p:spPr>
+          <a:xfrm>
+            <a:off x="241300" y="3092450"/>
+            <a:ext cx="11417300" cy="0"/>
+          </a:xfrm>
+          <a:prstGeom prst="line">
+            <a:avLst/>
+          </a:prstGeom>
+        </p:spPr>
+        <p:style>
+          <a:lnRef idx="1">
+            <a:schemeClr val="dk1"/>
+          </a:lnRef>
+          <a:fillRef idx="0">
+            <a:schemeClr val="dk1"/>
+          </a:fillRef>
+          <a:effectRef idx="0">
+            <a:schemeClr val="dk1"/>
+          </a:effectRef>
+          <a:fontRef idx="minor">
+            <a:schemeClr val="tx1"/>
+          </a:fontRef>
+        </p:style>
+      </p:cxnSp>
+      <p:cxnSp>
+        <p:nvCxnSpPr>
+          <p:cNvPr id="9" name="Straight Connector 8">
+            <a:extLst>
+              <a:ext uri="{FF2B5EF4-FFF2-40B4-BE49-F238E27FC236}">
+                <a16:creationId xmlns:a16="http://schemas.microsoft.com/office/drawing/2014/main" id="{589EB81D-88B6-44E8-9512-DFE8B6AD802A}"/>
+              </a:ext>
+            </a:extLst>
+          </p:cNvPr>
+          <p:cNvCxnSpPr/>
+          <p:nvPr/>
+        </p:nvCxnSpPr>
+        <p:spPr>
+          <a:xfrm>
+            <a:off x="5937250" y="704850"/>
+            <a:ext cx="0" cy="5073650"/>
+          </a:xfrm>
+          <a:prstGeom prst="line">
+            <a:avLst/>
+          </a:prstGeom>
+        </p:spPr>
+        <p:style>
+          <a:lnRef idx="1">
+            <a:schemeClr val="dk1"/>
+          </a:lnRef>
+          <a:fillRef idx="0">
+            <a:schemeClr val="dk1"/>
+          </a:fillRef>
+          <a:effectRef idx="0">
+            <a:schemeClr val="dk1"/>
+          </a:effectRef>
+          <a:fontRef idx="minor">
+            <a:schemeClr val="tx1"/>
+          </a:fontRef>
+        </p:style>
+      </p:cxnSp>
+      <p:cxnSp>
+        <p:nvCxnSpPr>
+          <p:cNvPr id="11" name="Straight Arrow Connector 10">
+            <a:extLst>
+              <a:ext uri="{FF2B5EF4-FFF2-40B4-BE49-F238E27FC236}">
+                <a16:creationId xmlns:a16="http://schemas.microsoft.com/office/drawing/2014/main" id="{6D9CE9A3-09F6-40AD-B34D-ABD0E296B00B}"/>
+              </a:ext>
+            </a:extLst>
+          </p:cNvPr>
+          <p:cNvCxnSpPr/>
+          <p:nvPr/>
+        </p:nvCxnSpPr>
+        <p:spPr>
+          <a:xfrm flipV="1">
+            <a:off x="5029200" y="4851400"/>
+            <a:ext cx="1295400" cy="558800"/>
+          </a:xfrm>
+          <a:prstGeom prst="straightConnector1">
+            <a:avLst/>
+          </a:prstGeom>
+          <a:ln>
+            <a:tailEnd type="triangle"/>
+          </a:ln>
+        </p:spPr>
+        <p:style>
+          <a:lnRef idx="2">
+            <a:schemeClr val="accent4"/>
+          </a:lnRef>
+          <a:fillRef idx="0">
+            <a:schemeClr val="accent4"/>
+          </a:fillRef>
+          <a:effectRef idx="1">
+            <a:schemeClr val="accent4"/>
+          </a:effectRef>
+          <a:fontRef idx="minor">
+            <a:schemeClr val="tx1"/>
+          </a:fontRef>
+        </p:style>
+      </p:cxnSp>
+      <p:sp>
+        <p:nvSpPr>
+          <p:cNvPr id="12" name="Oval 11">
+            <a:extLst>
+              <a:ext uri="{FF2B5EF4-FFF2-40B4-BE49-F238E27FC236}">
+                <a16:creationId xmlns:a16="http://schemas.microsoft.com/office/drawing/2014/main" id="{52081FD4-62F7-4B49-B028-FCB2DCD2E8CA}"/>
+              </a:ext>
+            </a:extLst>
+          </p:cNvPr>
+          <p:cNvSpPr/>
+          <p:nvPr/>
+        </p:nvSpPr>
+        <p:spPr>
+          <a:xfrm>
+            <a:off x="3860800" y="5086350"/>
+            <a:ext cx="1149348" cy="736561"/>
+          </a:xfrm>
+          <a:prstGeom prst="ellipse">
+            <a:avLst/>
+          </a:prstGeom>
+        </p:spPr>
+        <p:style>
+          <a:lnRef idx="2">
+            <a:schemeClr val="accent4">
+              <a:shade val="50000"/>
+            </a:schemeClr>
+          </a:lnRef>
+          <a:fillRef idx="1">
+            <a:schemeClr val="accent4"/>
+          </a:fillRef>
+          <a:effectRef idx="0">
+            <a:schemeClr val="accent4"/>
+          </a:effectRef>
+          <a:fontRef idx="minor">
+            <a:schemeClr val="lt1"/>
+          </a:fontRef>
+        </p:style>
+        <p:txBody>
+          <a:bodyPr rtlCol="0" anchor="ctr"/>
+          <a:lstStyle/>
+          <a:p>
+            <a:pPr algn="ctr"/>
+            <a:r>
+              <a:rPr lang="en-US" sz="900" dirty="0"/>
+              <a:t>Most attrition cases as expected. </a:t>
+            </a:r>
+          </a:p>
+        </p:txBody>
+      </p:sp>
+      <p:sp>
+        <p:nvSpPr>
+          <p:cNvPr id="8" name="Title 1">
+            <a:extLst>
+              <a:ext uri="{FF2B5EF4-FFF2-40B4-BE49-F238E27FC236}">
+                <a16:creationId xmlns:a16="http://schemas.microsoft.com/office/drawing/2014/main" id="{606AB47E-3174-47A3-9C9D-2C355FE83B69}"/>
+              </a:ext>
+            </a:extLst>
+          </p:cNvPr>
+          <p:cNvSpPr>
+            <a:spLocks noGrp="1"/>
+          </p:cNvSpPr>
+          <p:nvPr>
+            <p:ph type="title"/>
+          </p:nvPr>
+        </p:nvSpPr>
+        <p:spPr>
+          <a:xfrm>
+            <a:off x="393786" y="117356"/>
+            <a:ext cx="9142770" cy="589849"/>
+          </a:xfrm>
+        </p:spPr>
+        <p:txBody>
+          <a:bodyPr>
+            <a:normAutofit fontScale="90000"/>
+          </a:bodyPr>
+          <a:lstStyle/>
+          <a:p>
+            <a:pPr>
+              <a:lnSpc>
+                <a:spcPct val="90000"/>
+              </a:lnSpc>
+            </a:pPr>
+            <a:r>
+              <a:rPr lang="en-US" sz="2400" dirty="0">
+                <a:solidFill>
+                  <a:srgbClr val="EBEBEB"/>
+                </a:solidFill>
+              </a:rPr>
+              <a:t>What does age related to the number of companies show us?</a:t>
+            </a:r>
+          </a:p>
+        </p:txBody>
+      </p:sp>
+    </p:spTree>
+    <p:extLst>
+      <p:ext uri="{BB962C8B-B14F-4D97-AF65-F5344CB8AC3E}">
+        <p14:creationId xmlns:p14="http://schemas.microsoft.com/office/powerpoint/2010/main" val="1259232416"/>
+      </p:ext>
+    </p:extLst>
+  </p:cSld>
+  <p:clrMapOvr>
+    <a:masterClrMapping/>
+  </p:clrMapOvr>
+</p:sld>
+</file>
+
+<file path=ppt/slides/slide24.xml><?xml version="1.0" encoding="utf-8"?>
 <p:sld xmlns:a="http://schemas.openxmlformats.org/drawingml/2006/main" xmlns:r="http://schemas.openxmlformats.org/officeDocument/2006/relationships" xmlns:p="http://schemas.openxmlformats.org/presentationml/2006/main">
   <p:cSld>
     <p:bg>
@@ -11324,7 +13208,7 @@
           <p:cNvPr id="10" name="Picture 9">
             <a:extLst>
               <a:ext uri="{FF2B5EF4-FFF2-40B4-BE49-F238E27FC236}">
-                <a16:creationId xmlns:a16="http://schemas.microsoft.com/office/drawing/2014/main" id="{C9ECDD5C-152A-4CC7-8333-0F367B3A62EA}"/>
+                <a16:creationId xmlns:a16="http://schemas.microsoft.com/office/drawing/2014/main" id="{412E3267-7ABE-412B-8580-47EC0D1F61FE}"/>
               </a:ext>
               <a:ext uri="{C183D7F6-B498-43B3-948B-1728B52AA6E4}">
                 <adec:decorative xmlns:adec="http://schemas.microsoft.com/office/drawing/2017/decorative" val="1"/>
@@ -11368,7 +13252,7 @@
           <p:cNvPr id="12" name="Picture 11">
             <a:extLst>
               <a:ext uri="{FF2B5EF4-FFF2-40B4-BE49-F238E27FC236}">
-                <a16:creationId xmlns:a16="http://schemas.microsoft.com/office/drawing/2014/main" id="{7F5C92A3-369B-43F3-BDCE-E560B1B0EC89}"/>
+                <a16:creationId xmlns:a16="http://schemas.microsoft.com/office/drawing/2014/main" id="{20B62C5A-2250-4380-AB23-DB87446CCED0}"/>
               </a:ext>
               <a:ext uri="{C183D7F6-B498-43B3-948B-1728B52AA6E4}">
                 <adec:decorative xmlns:adec="http://schemas.microsoft.com/office/drawing/2017/decorative" val="1"/>
@@ -11412,7 +13296,7 @@
           <p:cNvPr id="14" name="Oval 13">
             <a:extLst>
               <a:ext uri="{FF2B5EF4-FFF2-40B4-BE49-F238E27FC236}">
-                <a16:creationId xmlns:a16="http://schemas.microsoft.com/office/drawing/2014/main" id="{AEBE9F1A-B38D-446E-83AE-14B17CE77FF2}"/>
+                <a16:creationId xmlns:a16="http://schemas.microsoft.com/office/drawing/2014/main" id="{D42CF425-7213-4F89-B0FF-4C2BDDD9C680}"/>
               </a:ext>
               <a:ext uri="{C183D7F6-B498-43B3-948B-1728B52AA6E4}">
                 <adec:decorative xmlns:adec="http://schemas.microsoft.com/office/drawing/2017/decorative" val="1"/>
@@ -11492,6 +13376,595 @@
           <p:cNvPr id="16" name="Picture 15">
             <a:extLst>
               <a:ext uri="{FF2B5EF4-FFF2-40B4-BE49-F238E27FC236}">
+                <a16:creationId xmlns:a16="http://schemas.microsoft.com/office/drawing/2014/main" id="{D35DA97D-88F8-4249-B650-4FC9FD50A382}"/>
+              </a:ext>
+              <a:ext uri="{C183D7F6-B498-43B3-948B-1728B52AA6E4}">
+                <adec:decorative xmlns:adec="http://schemas.microsoft.com/office/drawing/2017/decorative" val="1"/>
+              </a:ext>
+            </a:extLst>
+          </p:cNvPr>
+          <p:cNvPicPr>
+            <a:picLocks noGrp="1" noRot="1" noChangeAspect="1" noMove="1" noResize="1" noEditPoints="1" noAdjustHandles="1" noChangeArrowheads="1" noChangeShapeType="1" noCrop="1"/>
+          </p:cNvPicPr>
+          <p:nvPr>
+            <p:extLst>
+              <p:ext uri="{386F3935-93C4-4BCD-93E2-E3B085C9AB24}">
+                <p16:designElem xmlns:p16="http://schemas.microsoft.com/office/powerpoint/2015/main" val="1"/>
+              </p:ext>
+            </p:extLst>
+          </p:nvPr>
+        </p:nvPicPr>
+        <p:blipFill rotWithShape="1">
+          <a:blip r:embed="rId5">
+            <a:extLst>
+              <a:ext uri="{28A0092B-C50C-407E-A947-70E740481C1C}">
+                <a14:useLocalDpi xmlns:a14="http://schemas.microsoft.com/office/drawing/2010/main" val="0"/>
+              </a:ext>
+            </a:extLst>
+          </a:blip>
+          <a:srcRect t="28813"/>
+          <a:stretch/>
+        </p:blipFill>
+        <p:spPr>
+          <a:xfrm>
+            <a:off x="7999412" y="0"/>
+            <a:ext cx="1603387" cy="1141407"/>
+          </a:xfrm>
+          <a:prstGeom prst="rect">
+            <a:avLst/>
+          </a:prstGeom>
+        </p:spPr>
+      </p:pic>
+      <p:pic>
+        <p:nvPicPr>
+          <p:cNvPr id="18" name="Picture 17">
+            <a:extLst>
+              <a:ext uri="{FF2B5EF4-FFF2-40B4-BE49-F238E27FC236}">
+                <a16:creationId xmlns:a16="http://schemas.microsoft.com/office/drawing/2014/main" id="{43F38673-6E30-4BAE-AC67-0B283EBF4291}"/>
+              </a:ext>
+              <a:ext uri="{C183D7F6-B498-43B3-948B-1728B52AA6E4}">
+                <adec:decorative xmlns:adec="http://schemas.microsoft.com/office/drawing/2017/decorative" val="1"/>
+              </a:ext>
+            </a:extLst>
+          </p:cNvPr>
+          <p:cNvPicPr>
+            <a:picLocks noGrp="1" noRot="1" noChangeAspect="1" noMove="1" noResize="1" noEditPoints="1" noAdjustHandles="1" noChangeArrowheads="1" noChangeShapeType="1" noCrop="1"/>
+          </p:cNvPicPr>
+          <p:nvPr>
+            <p:extLst>
+              <p:ext uri="{386F3935-93C4-4BCD-93E2-E3B085C9AB24}">
+                <p16:designElem xmlns:p16="http://schemas.microsoft.com/office/powerpoint/2015/main" val="1"/>
+              </p:ext>
+            </p:extLst>
+          </p:nvPr>
+        </p:nvPicPr>
+        <p:blipFill rotWithShape="1">
+          <a:blip r:embed="rId6">
+            <a:extLst>
+              <a:ext uri="{28A0092B-C50C-407E-A947-70E740481C1C}">
+                <a14:useLocalDpi xmlns:a14="http://schemas.microsoft.com/office/drawing/2010/main" val="0"/>
+              </a:ext>
+            </a:extLst>
+          </a:blip>
+          <a:srcRect b="23320"/>
+          <a:stretch/>
+        </p:blipFill>
+        <p:spPr>
+          <a:xfrm>
+            <a:off x="8605878" y="6096000"/>
+            <a:ext cx="993734" cy="762000"/>
+          </a:xfrm>
+          <a:prstGeom prst="rect">
+            <a:avLst/>
+          </a:prstGeom>
+        </p:spPr>
+      </p:pic>
+      <p:sp>
+        <p:nvSpPr>
+          <p:cNvPr id="20" name="Rectangle 19">
+            <a:extLst>
+              <a:ext uri="{FF2B5EF4-FFF2-40B4-BE49-F238E27FC236}">
+                <a16:creationId xmlns:a16="http://schemas.microsoft.com/office/drawing/2014/main" id="{202A25CB-1ED1-4C87-AB49-8D3BC684D1CE}"/>
+              </a:ext>
+              <a:ext uri="{C183D7F6-B498-43B3-948B-1728B52AA6E4}">
+                <adec:decorative xmlns:adec="http://schemas.microsoft.com/office/drawing/2017/decorative" val="1"/>
+              </a:ext>
+            </a:extLst>
+          </p:cNvPr>
+          <p:cNvSpPr>
+            <a:spLocks noGrp="1" noRot="1" noChangeAspect="1" noMove="1" noResize="1" noEditPoints="1" noAdjustHandles="1" noChangeArrowheads="1" noChangeShapeType="1" noTextEdit="1"/>
+          </p:cNvSpPr>
+          <p:nvPr>
+            <p:extLst>
+              <p:ext uri="{386F3935-93C4-4BCD-93E2-E3B085C9AB24}">
+                <p16:designElem xmlns:p16="http://schemas.microsoft.com/office/powerpoint/2015/main" val="1"/>
+              </p:ext>
+            </p:extLst>
+          </p:nvPr>
+        </p:nvSpPr>
+        <p:spPr>
+          <a:xfrm>
+            <a:off x="10437812" y="0"/>
+            <a:ext cx="685800" cy="1143000"/>
+          </a:xfrm>
+          <a:prstGeom prst="rect">
+            <a:avLst/>
+          </a:prstGeom>
+          <a:solidFill>
+            <a:schemeClr val="accent1"/>
+          </a:solidFill>
+          <a:ln>
+            <a:noFill/>
+          </a:ln>
+        </p:spPr>
+        <p:style>
+          <a:lnRef idx="1">
+            <a:schemeClr val="accent1"/>
+          </a:lnRef>
+          <a:fillRef idx="3">
+            <a:schemeClr val="accent1"/>
+          </a:fillRef>
+          <a:effectRef idx="2">
+            <a:schemeClr val="accent1"/>
+          </a:effectRef>
+          <a:fontRef idx="minor">
+            <a:schemeClr val="lt1"/>
+          </a:fontRef>
+        </p:style>
+      </p:sp>
+      <p:pic>
+        <p:nvPicPr>
+          <p:cNvPr id="21" name="Picture 20">
+            <a:extLst>
+              <a:ext uri="{FF2B5EF4-FFF2-40B4-BE49-F238E27FC236}">
+                <a16:creationId xmlns:a16="http://schemas.microsoft.com/office/drawing/2014/main" id="{4C5AE542-5EB8-434B-9FD3-BA993B83F9CC}"/>
+              </a:ext>
+            </a:extLst>
+          </p:cNvPr>
+          <p:cNvPicPr>
+            <a:picLocks noChangeAspect="1"/>
+          </p:cNvPicPr>
+          <p:nvPr/>
+        </p:nvPicPr>
+        <p:blipFill>
+          <a:blip r:embed="rId7"/>
+          <a:stretch>
+            <a:fillRect/>
+          </a:stretch>
+        </p:blipFill>
+        <p:spPr>
+          <a:xfrm>
+            <a:off x="367616" y="855768"/>
+            <a:ext cx="11604667" cy="5240232"/>
+          </a:xfrm>
+          <a:prstGeom prst="rect">
+            <a:avLst/>
+          </a:prstGeom>
+          <a:ln w="38100" cap="sq">
+            <a:solidFill>
+              <a:srgbClr val="000000"/>
+            </a:solidFill>
+            <a:prstDash val="solid"/>
+            <a:miter lim="800000"/>
+          </a:ln>
+          <a:effectLst>
+            <a:outerShdw blurRad="50800" dist="38100" dir="2700000" algn="tl" rotWithShape="0">
+              <a:srgbClr val="000000">
+                <a:alpha val="43000"/>
+              </a:srgbClr>
+            </a:outerShdw>
+          </a:effectLst>
+        </p:spPr>
+      </p:pic>
+      <p:cxnSp>
+        <p:nvCxnSpPr>
+          <p:cNvPr id="24" name="Straight Arrow Connector 23">
+            <a:extLst>
+              <a:ext uri="{FF2B5EF4-FFF2-40B4-BE49-F238E27FC236}">
+                <a16:creationId xmlns:a16="http://schemas.microsoft.com/office/drawing/2014/main" id="{421D85BD-6A2E-49A6-9011-DC5E5EA9B3FE}"/>
+              </a:ext>
+            </a:extLst>
+          </p:cNvPr>
+          <p:cNvCxnSpPr>
+            <a:cxnSpLocks/>
+            <a:stCxn id="27" idx="4"/>
+          </p:cNvCxnSpPr>
+          <p:nvPr/>
+        </p:nvCxnSpPr>
+        <p:spPr>
+          <a:xfrm flipH="1">
+            <a:off x="4565651" y="2480732"/>
+            <a:ext cx="1076442" cy="2942168"/>
+          </a:xfrm>
+          <a:prstGeom prst="straightConnector1">
+            <a:avLst/>
+          </a:prstGeom>
+          <a:ln>
+            <a:tailEnd type="triangle"/>
+          </a:ln>
+        </p:spPr>
+        <p:style>
+          <a:lnRef idx="1">
+            <a:schemeClr val="accent4"/>
+          </a:lnRef>
+          <a:fillRef idx="0">
+            <a:schemeClr val="accent4"/>
+          </a:fillRef>
+          <a:effectRef idx="0">
+            <a:schemeClr val="accent4"/>
+          </a:effectRef>
+          <a:fontRef idx="minor">
+            <a:schemeClr val="tx1"/>
+          </a:fontRef>
+        </p:style>
+      </p:cxnSp>
+      <p:sp>
+        <p:nvSpPr>
+          <p:cNvPr id="27" name="Oval 26">
+            <a:extLst>
+              <a:ext uri="{FF2B5EF4-FFF2-40B4-BE49-F238E27FC236}">
+                <a16:creationId xmlns:a16="http://schemas.microsoft.com/office/drawing/2014/main" id="{F2918E3B-DCDC-4A39-B413-D7D632DB568E}"/>
+              </a:ext>
+            </a:extLst>
+          </p:cNvPr>
+          <p:cNvSpPr/>
+          <p:nvPr/>
+        </p:nvSpPr>
+        <p:spPr>
+          <a:xfrm>
+            <a:off x="4864335" y="1549400"/>
+            <a:ext cx="1555515" cy="931332"/>
+          </a:xfrm>
+          <a:prstGeom prst="ellipse">
+            <a:avLst/>
+          </a:prstGeom>
+        </p:spPr>
+        <p:style>
+          <a:lnRef idx="2">
+            <a:schemeClr val="accent4">
+              <a:shade val="50000"/>
+            </a:schemeClr>
+          </a:lnRef>
+          <a:fillRef idx="1">
+            <a:schemeClr val="accent4"/>
+          </a:fillRef>
+          <a:effectRef idx="0">
+            <a:schemeClr val="accent4"/>
+          </a:effectRef>
+          <a:fontRef idx="minor">
+            <a:schemeClr val="lt1"/>
+          </a:fontRef>
+        </p:style>
+        <p:txBody>
+          <a:bodyPr rtlCol="0" anchor="ctr"/>
+          <a:lstStyle/>
+          <a:p>
+            <a:pPr algn="ctr"/>
+            <a:r>
+              <a:rPr lang="en-US" sz="1000" dirty="0">
+                <a:solidFill>
+                  <a:schemeClr val="tx1"/>
+                </a:solidFill>
+              </a:rPr>
+              <a:t>Manager’s and Research Directors only in upper class</a:t>
+            </a:r>
+          </a:p>
+        </p:txBody>
+      </p:sp>
+      <p:cxnSp>
+        <p:nvCxnSpPr>
+          <p:cNvPr id="67" name="Straight Arrow Connector 66">
+            <a:extLst>
+              <a:ext uri="{FF2B5EF4-FFF2-40B4-BE49-F238E27FC236}">
+                <a16:creationId xmlns:a16="http://schemas.microsoft.com/office/drawing/2014/main" id="{CA9C0CCC-922C-4F7B-9CDE-3FE66A71E4C3}"/>
+              </a:ext>
+            </a:extLst>
+          </p:cNvPr>
+          <p:cNvCxnSpPr>
+            <a:cxnSpLocks/>
+            <a:stCxn id="27" idx="4"/>
+          </p:cNvCxnSpPr>
+          <p:nvPr/>
+        </p:nvCxnSpPr>
+        <p:spPr>
+          <a:xfrm>
+            <a:off x="5642093" y="2480732"/>
+            <a:ext cx="1488957" cy="2669118"/>
+          </a:xfrm>
+          <a:prstGeom prst="straightConnector1">
+            <a:avLst/>
+          </a:prstGeom>
+          <a:ln>
+            <a:tailEnd type="triangle"/>
+          </a:ln>
+        </p:spPr>
+        <p:style>
+          <a:lnRef idx="1">
+            <a:schemeClr val="accent4"/>
+          </a:lnRef>
+          <a:fillRef idx="0">
+            <a:schemeClr val="accent4"/>
+          </a:fillRef>
+          <a:effectRef idx="0">
+            <a:schemeClr val="accent4"/>
+          </a:effectRef>
+          <a:fontRef idx="minor">
+            <a:schemeClr val="tx1"/>
+          </a:fontRef>
+        </p:style>
+      </p:cxnSp>
+      <p:sp>
+        <p:nvSpPr>
+          <p:cNvPr id="17" name="Title 1">
+            <a:extLst>
+              <a:ext uri="{FF2B5EF4-FFF2-40B4-BE49-F238E27FC236}">
+                <a16:creationId xmlns:a16="http://schemas.microsoft.com/office/drawing/2014/main" id="{CF8A1486-97A5-401B-B9E6-607BBDB09673}"/>
+              </a:ext>
+            </a:extLst>
+          </p:cNvPr>
+          <p:cNvSpPr>
+            <a:spLocks noGrp="1"/>
+          </p:cNvSpPr>
+          <p:nvPr>
+            <p:ph type="title"/>
+          </p:nvPr>
+        </p:nvSpPr>
+        <p:spPr>
+          <a:xfrm>
+            <a:off x="367616" y="214028"/>
+            <a:ext cx="9142770" cy="589849"/>
+          </a:xfrm>
+        </p:spPr>
+        <p:txBody>
+          <a:bodyPr>
+            <a:normAutofit/>
+          </a:bodyPr>
+          <a:lstStyle/>
+          <a:p>
+            <a:pPr>
+              <a:lnSpc>
+                <a:spcPct val="90000"/>
+              </a:lnSpc>
+            </a:pPr>
+            <a:r>
+              <a:rPr lang="en-US" sz="2400" dirty="0">
+                <a:solidFill>
+                  <a:srgbClr val="EBEBEB"/>
+                </a:solidFill>
+              </a:rPr>
+              <a:t>What does income group by Job Role show us?</a:t>
+            </a:r>
+          </a:p>
+        </p:txBody>
+      </p:sp>
+    </p:spTree>
+    <p:extLst>
+      <p:ext uri="{BB962C8B-B14F-4D97-AF65-F5344CB8AC3E}">
+        <p14:creationId xmlns:p14="http://schemas.microsoft.com/office/powerpoint/2010/main" val="3787231778"/>
+      </p:ext>
+    </p:extLst>
+  </p:cSld>
+  <p:clrMapOvr>
+    <a:masterClrMapping/>
+  </p:clrMapOvr>
+</p:sld>
+</file>
+
+<file path=ppt/slides/slide25.xml><?xml version="1.0" encoding="utf-8"?>
+<p:sld xmlns:a="http://schemas.openxmlformats.org/drawingml/2006/main" xmlns:r="http://schemas.openxmlformats.org/officeDocument/2006/relationships" xmlns:p="http://schemas.openxmlformats.org/presentationml/2006/main">
+  <p:cSld>
+    <p:bg>
+      <p:bgPr>
+        <a:blipFill rotWithShape="1">
+          <a:blip r:embed="rId2">
+            <a:duotone>
+              <a:schemeClr val="bg2">
+                <a:shade val="69000"/>
+                <a:hueMod val="108000"/>
+                <a:satMod val="164000"/>
+                <a:lumMod val="74000"/>
+              </a:schemeClr>
+              <a:schemeClr val="bg2">
+                <a:tint val="96000"/>
+                <a:hueMod val="88000"/>
+                <a:satMod val="140000"/>
+                <a:lumMod val="132000"/>
+              </a:schemeClr>
+            </a:duotone>
+            <a:extLst/>
+          </a:blip>
+          <a:stretch/>
+        </a:blipFill>
+        <a:effectLst/>
+      </p:bgPr>
+    </p:bg>
+    <p:spTree>
+      <p:nvGrpSpPr>
+        <p:cNvPr id="1" name=""/>
+        <p:cNvGrpSpPr/>
+        <p:nvPr/>
+      </p:nvGrpSpPr>
+      <p:grpSpPr>
+        <a:xfrm>
+          <a:off x="0" y="0"/>
+          <a:ext cx="0" cy="0"/>
+          <a:chOff x="0" y="0"/>
+          <a:chExt cx="0" cy="0"/>
+        </a:xfrm>
+      </p:grpSpPr>
+      <p:pic>
+        <p:nvPicPr>
+          <p:cNvPr id="10" name="Picture 9">
+            <a:extLst>
+              <a:ext uri="{FF2B5EF4-FFF2-40B4-BE49-F238E27FC236}">
+                <a16:creationId xmlns:a16="http://schemas.microsoft.com/office/drawing/2014/main" id="{C9ECDD5C-152A-4CC7-8333-0F367B3A62EA}"/>
+              </a:ext>
+              <a:ext uri="{C183D7F6-B498-43B3-948B-1728B52AA6E4}">
+                <adec:decorative xmlns:adec="http://schemas.microsoft.com/office/drawing/2017/decorative" val="1"/>
+              </a:ext>
+            </a:extLst>
+          </p:cNvPr>
+          <p:cNvPicPr>
+            <a:picLocks noGrp="1" noRot="1" noChangeAspect="1" noMove="1" noResize="1" noEditPoints="1" noAdjustHandles="1" noChangeArrowheads="1" noChangeShapeType="1" noCrop="1"/>
+          </p:cNvPicPr>
+          <p:nvPr>
+            <p:extLst>
+              <p:ext uri="{386F3935-93C4-4BCD-93E2-E3B085C9AB24}">
+                <p16:designElem xmlns:p16="http://schemas.microsoft.com/office/powerpoint/2015/main" val="1"/>
+              </p:ext>
+            </p:extLst>
+          </p:nvPr>
+        </p:nvPicPr>
+        <p:blipFill rotWithShape="1">
+          <a:blip r:embed="rId3">
+            <a:extLst>
+              <a:ext uri="{28A0092B-C50C-407E-A947-70E740481C1C}">
+                <a14:useLocalDpi xmlns:a14="http://schemas.microsoft.com/office/drawing/2010/main" val="0"/>
+              </a:ext>
+            </a:extLst>
+          </a:blip>
+          <a:srcRect l="3613"/>
+          <a:stretch/>
+        </p:blipFill>
+        <p:spPr>
+          <a:xfrm>
+            <a:off x="0" y="2669685"/>
+            <a:ext cx="4037012" cy="4188315"/>
+          </a:xfrm>
+          <a:prstGeom prst="rect">
+            <a:avLst/>
+          </a:prstGeom>
+        </p:spPr>
+      </p:pic>
+      <p:pic>
+        <p:nvPicPr>
+          <p:cNvPr id="12" name="Picture 11">
+            <a:extLst>
+              <a:ext uri="{FF2B5EF4-FFF2-40B4-BE49-F238E27FC236}">
+                <a16:creationId xmlns:a16="http://schemas.microsoft.com/office/drawing/2014/main" id="{7F5C92A3-369B-43F3-BDCE-E560B1B0EC89}"/>
+              </a:ext>
+              <a:ext uri="{C183D7F6-B498-43B3-948B-1728B52AA6E4}">
+                <adec:decorative xmlns:adec="http://schemas.microsoft.com/office/drawing/2017/decorative" val="1"/>
+              </a:ext>
+            </a:extLst>
+          </p:cNvPr>
+          <p:cNvPicPr>
+            <a:picLocks noGrp="1" noRot="1" noChangeAspect="1" noMove="1" noResize="1" noEditPoints="1" noAdjustHandles="1" noChangeArrowheads="1" noChangeShapeType="1" noCrop="1"/>
+          </p:cNvPicPr>
+          <p:nvPr>
+            <p:extLst>
+              <p:ext uri="{386F3935-93C4-4BCD-93E2-E3B085C9AB24}">
+                <p16:designElem xmlns:p16="http://schemas.microsoft.com/office/powerpoint/2015/main" val="1"/>
+              </p:ext>
+            </p:extLst>
+          </p:nvPr>
+        </p:nvPicPr>
+        <p:blipFill rotWithShape="1">
+          <a:blip r:embed="rId4">
+            <a:extLst>
+              <a:ext uri="{28A0092B-C50C-407E-A947-70E740481C1C}">
+                <a14:useLocalDpi xmlns:a14="http://schemas.microsoft.com/office/drawing/2010/main" val="0"/>
+              </a:ext>
+            </a:extLst>
+          </a:blip>
+          <a:srcRect l="35640"/>
+          <a:stretch/>
+        </p:blipFill>
+        <p:spPr>
+          <a:xfrm>
+            <a:off x="0" y="2892347"/>
+            <a:ext cx="1522412" cy="2365453"/>
+          </a:xfrm>
+          <a:prstGeom prst="rect">
+            <a:avLst/>
+          </a:prstGeom>
+        </p:spPr>
+      </p:pic>
+      <p:sp>
+        <p:nvSpPr>
+          <p:cNvPr id="14" name="Oval 13">
+            <a:extLst>
+              <a:ext uri="{FF2B5EF4-FFF2-40B4-BE49-F238E27FC236}">
+                <a16:creationId xmlns:a16="http://schemas.microsoft.com/office/drawing/2014/main" id="{AEBE9F1A-B38D-446E-83AE-14B17CE77FF2}"/>
+              </a:ext>
+              <a:ext uri="{C183D7F6-B498-43B3-948B-1728B52AA6E4}">
+                <adec:decorative xmlns:adec="http://schemas.microsoft.com/office/drawing/2017/decorative" val="1"/>
+              </a:ext>
+            </a:extLst>
+          </p:cNvPr>
+          <p:cNvSpPr>
+            <a:spLocks noGrp="1" noRot="1" noChangeAspect="1" noMove="1" noResize="1" noEditPoints="1" noAdjustHandles="1" noChangeArrowheads="1" noChangeShapeType="1" noTextEdit="1"/>
+          </p:cNvSpPr>
+          <p:nvPr>
+            <p:extLst>
+              <p:ext uri="{386F3935-93C4-4BCD-93E2-E3B085C9AB24}">
+                <p16:designElem xmlns:p16="http://schemas.microsoft.com/office/powerpoint/2015/main" val="1"/>
+              </p:ext>
+            </p:extLst>
+          </p:nvPr>
+        </p:nvSpPr>
+        <p:spPr>
+          <a:xfrm>
+            <a:off x="8609012" y="1676400"/>
+            <a:ext cx="2819400" cy="2819400"/>
+          </a:xfrm>
+          <a:prstGeom prst="ellipse">
+            <a:avLst/>
+          </a:prstGeom>
+          <a:gradFill flip="none" rotWithShape="1">
+            <a:gsLst>
+              <a:gs pos="0">
+                <a:schemeClr val="bg2">
+                  <a:lumMod val="60000"/>
+                  <a:lumOff val="40000"/>
+                  <a:alpha val="7000"/>
+                </a:schemeClr>
+              </a:gs>
+              <a:gs pos="69000">
+                <a:schemeClr val="bg2">
+                  <a:lumMod val="60000"/>
+                  <a:lumOff val="40000"/>
+                  <a:alpha val="0"/>
+                </a:schemeClr>
+              </a:gs>
+              <a:gs pos="36000">
+                <a:schemeClr val="bg2">
+                  <a:lumMod val="60000"/>
+                  <a:lumOff val="40000"/>
+                  <a:alpha val="6000"/>
+                </a:schemeClr>
+              </a:gs>
+            </a:gsLst>
+            <a:path path="circle">
+              <a:fillToRect l="50000" t="50000" r="50000" b="50000"/>
+            </a:path>
+            <a:tileRect/>
+          </a:gradFill>
+          <a:ln>
+            <a:noFill/>
+          </a:ln>
+          <a:effectLst/>
+        </p:spPr>
+        <p:style>
+          <a:lnRef idx="1">
+            <a:schemeClr val="accent1"/>
+          </a:lnRef>
+          <a:fillRef idx="3">
+            <a:schemeClr val="accent1"/>
+          </a:fillRef>
+          <a:effectRef idx="2">
+            <a:schemeClr val="accent1"/>
+          </a:effectRef>
+          <a:fontRef idx="minor">
+            <a:schemeClr val="lt1"/>
+          </a:fontRef>
+        </p:style>
+      </p:sp>
+      <p:pic>
+        <p:nvPicPr>
+          <p:cNvPr id="16" name="Picture 15">
+            <a:extLst>
+              <a:ext uri="{FF2B5EF4-FFF2-40B4-BE49-F238E27FC236}">
                 <a16:creationId xmlns:a16="http://schemas.microsoft.com/office/drawing/2014/main" id="{915B5014-A7EC-4BA6-9C83-8840CF81DB28}"/>
               </a:ext>
               <a:ext uri="{C183D7F6-B498-43B3-948B-1728B52AA6E4}">
@@ -11791,8 +14264,8 @@
         </p:nvCxnSpPr>
         <p:spPr>
           <a:xfrm>
-            <a:off x="4603751" y="2978150"/>
-            <a:ext cx="151682" cy="2214880"/>
+            <a:off x="4568825" y="3105150"/>
+            <a:ext cx="186608" cy="2087880"/>
           </a:xfrm>
           <a:prstGeom prst="straightConnector1">
             <a:avLst/>
@@ -11830,8 +14303,8 @@
         </p:nvSpPr>
         <p:spPr>
           <a:xfrm>
-            <a:off x="3460750" y="1587500"/>
-            <a:ext cx="2286001" cy="1390650"/>
+            <a:off x="3219450" y="1428750"/>
+            <a:ext cx="2698750" cy="1676400"/>
           </a:xfrm>
           <a:prstGeom prst="ellipse">
             <a:avLst/>
@@ -11859,45 +14332,45 @@
           <a:p>
             <a:pPr algn="ctr"/>
             <a:r>
-              <a:rPr lang="en-US" sz="1000" dirty="0">
+              <a:rPr lang="en-US" sz="1050" dirty="0">
                 <a:solidFill>
-                  <a:schemeClr val="bg1"/>
+                  <a:schemeClr val="tx1"/>
                 </a:solidFill>
               </a:rPr>
-              <a:t>“Bad” – (31.3%)</a:t>
+              <a:t>“Bad” – (31.3% Turnover)</a:t>
             </a:r>
           </a:p>
           <a:p>
             <a:pPr algn="ctr"/>
             <a:r>
-              <a:rPr lang="en-US" sz="1000" dirty="0">
+              <a:rPr lang="en-US" sz="1050" dirty="0">
                 <a:solidFill>
-                  <a:schemeClr val="bg1"/>
+                  <a:schemeClr val="tx1"/>
                 </a:solidFill>
               </a:rPr>
-              <a:t>“Good” – (16.9%)</a:t>
+              <a:t>“Good” – (16.9% Turnover)</a:t>
             </a:r>
           </a:p>
           <a:p>
             <a:pPr algn="ctr"/>
             <a:r>
-              <a:rPr lang="en-US" sz="1000" dirty="0">
+              <a:rPr lang="en-US" sz="1050" dirty="0">
                 <a:solidFill>
-                  <a:schemeClr val="bg1"/>
+                  <a:schemeClr val="tx1"/>
                 </a:solidFill>
               </a:rPr>
-              <a:t>“Better”-(14.2%)</a:t>
+              <a:t>“Better”-(14.2% Turnover)</a:t>
             </a:r>
           </a:p>
           <a:p>
             <a:pPr algn="ctr"/>
             <a:r>
-              <a:rPr lang="en-US" sz="1000" dirty="0">
+              <a:rPr lang="en-US" sz="1050" dirty="0">
                 <a:solidFill>
-                  <a:schemeClr val="bg1"/>
+                  <a:schemeClr val="tx1"/>
                 </a:solidFill>
               </a:rPr>
-              <a:t>“Bad” – (17.6%)</a:t>
+              <a:t>“Best” – (17.6% Turnover)</a:t>
             </a:r>
           </a:p>
         </p:txBody>
@@ -11919,8 +14392,8 @@
         </p:nvCxnSpPr>
         <p:spPr>
           <a:xfrm>
-            <a:off x="4603751" y="2978150"/>
-            <a:ext cx="1777999" cy="1790700"/>
+            <a:off x="4568825" y="3105150"/>
+            <a:ext cx="1812925" cy="1663700"/>
           </a:xfrm>
           <a:prstGeom prst="straightConnector1">
             <a:avLst/>
@@ -11961,8 +14434,8 @@
         </p:nvCxnSpPr>
         <p:spPr>
           <a:xfrm flipH="1">
-            <a:off x="2609851" y="2978150"/>
-            <a:ext cx="1993900" cy="1892300"/>
+            <a:off x="2609851" y="3105150"/>
+            <a:ext cx="1958974" cy="1765300"/>
           </a:xfrm>
           <a:prstGeom prst="straightConnector1">
             <a:avLst/>
@@ -12003,8 +14476,8 @@
         </p:nvCxnSpPr>
         <p:spPr>
           <a:xfrm>
-            <a:off x="4603751" y="2978150"/>
-            <a:ext cx="4813299" cy="1517650"/>
+            <a:off x="4568825" y="3105150"/>
+            <a:ext cx="4848225" cy="1390650"/>
           </a:xfrm>
           <a:prstGeom prst="straightConnector1">
             <a:avLst/>
@@ -12028,42 +14501,12 @@
           </a:fontRef>
         </p:style>
       </p:cxnSp>
-    </p:spTree>
-    <p:extLst>
-      <p:ext uri="{BB962C8B-B14F-4D97-AF65-F5344CB8AC3E}">
-        <p14:creationId xmlns:p14="http://schemas.microsoft.com/office/powerpoint/2010/main" val="4191996210"/>
-      </p:ext>
-    </p:extLst>
-  </p:cSld>
-  <p:clrMapOvr>
-    <a:masterClrMapping/>
-  </p:clrMapOvr>
-</p:sld>
-</file>
-
-<file path=ppt/slides/slide23.xml><?xml version="1.0" encoding="utf-8"?>
-<p:sld xmlns:a="http://schemas.openxmlformats.org/drawingml/2006/main" xmlns:r="http://schemas.openxmlformats.org/officeDocument/2006/relationships" xmlns:p="http://schemas.openxmlformats.org/presentationml/2006/main">
-  <p:cSld>
-    <p:spTree>
-      <p:nvGrpSpPr>
-        <p:cNvPr id="1" name=""/>
-        <p:cNvGrpSpPr/>
-        <p:nvPr/>
-      </p:nvGrpSpPr>
-      <p:grpSpPr>
-        <a:xfrm>
-          <a:off x="0" y="0"/>
-          <a:ext cx="0" cy="0"/>
-          <a:chOff x="0" y="0"/>
-          <a:chExt cx="0" cy="0"/>
-        </a:xfrm>
-      </p:grpSpPr>
       <p:pic>
         <p:nvPicPr>
-          <p:cNvPr id="7" name="Picture 6">
-            <a:extLst>
-              <a:ext uri="{FF2B5EF4-FFF2-40B4-BE49-F238E27FC236}">
-                <a16:creationId xmlns:a16="http://schemas.microsoft.com/office/drawing/2014/main" id="{157F5ECC-56EC-4829-A53B-763D1FD3E81B}"/>
+          <p:cNvPr id="27" name="Picture 26">
+            <a:extLst>
+              <a:ext uri="{FF2B5EF4-FFF2-40B4-BE49-F238E27FC236}">
+                <a16:creationId xmlns:a16="http://schemas.microsoft.com/office/drawing/2014/main" id="{87E71669-D55B-4466-8338-5F0C3B684A97}"/>
               </a:ext>
             </a:extLst>
           </p:cNvPr>
@@ -12073,371 +14516,69 @@
           <p:nvPr/>
         </p:nvPicPr>
         <p:blipFill>
-          <a:blip r:embed="rId2"/>
+          <a:blip r:embed="rId8"/>
           <a:stretch>
             <a:fillRect/>
           </a:stretch>
         </p:blipFill>
         <p:spPr>
           <a:xfrm>
-            <a:off x="837760" y="797203"/>
-            <a:ext cx="4770841" cy="5483726"/>
+            <a:off x="9314688" y="3665537"/>
+            <a:ext cx="2400300" cy="542925"/>
           </a:xfrm>
           <a:prstGeom prst="rect">
             <a:avLst/>
           </a:prstGeom>
         </p:spPr>
       </p:pic>
-      <p:pic>
-        <p:nvPicPr>
-          <p:cNvPr id="13" name="Picture 12">
-            <a:extLst>
-              <a:ext uri="{FF2B5EF4-FFF2-40B4-BE49-F238E27FC236}">
-                <a16:creationId xmlns:a16="http://schemas.microsoft.com/office/drawing/2014/main" id="{0A24CA11-4A02-4644-A62F-256DE7E90136}"/>
-              </a:ext>
-            </a:extLst>
-          </p:cNvPr>
-          <p:cNvPicPr>
-            <a:picLocks noChangeAspect="1"/>
-          </p:cNvPicPr>
-          <p:nvPr/>
-        </p:nvPicPr>
-        <p:blipFill>
-          <a:blip r:embed="rId3"/>
-          <a:stretch>
-            <a:fillRect/>
-          </a:stretch>
-        </p:blipFill>
-        <p:spPr>
-          <a:xfrm>
-            <a:off x="6023934" y="1621133"/>
-            <a:ext cx="3958265" cy="4549730"/>
-          </a:xfrm>
-          <a:prstGeom prst="rect">
-            <a:avLst/>
-          </a:prstGeom>
-        </p:spPr>
-      </p:pic>
+      <p:sp>
+        <p:nvSpPr>
+          <p:cNvPr id="31" name="Title 1">
+            <a:extLst>
+              <a:ext uri="{FF2B5EF4-FFF2-40B4-BE49-F238E27FC236}">
+                <a16:creationId xmlns:a16="http://schemas.microsoft.com/office/drawing/2014/main" id="{4A4A42E4-7872-4A78-BF19-087EB5FCE276}"/>
+              </a:ext>
+            </a:extLst>
+          </p:cNvPr>
+          <p:cNvSpPr>
+            <a:spLocks noGrp="1"/>
+          </p:cNvSpPr>
+          <p:nvPr>
+            <p:ph type="title"/>
+          </p:nvPr>
+        </p:nvSpPr>
+        <p:spPr>
+          <a:xfrm>
+            <a:off x="273050" y="112807"/>
+            <a:ext cx="9740900" cy="570692"/>
+          </a:xfrm>
+        </p:spPr>
+        <p:txBody>
+          <a:bodyPr>
+            <a:noAutofit/>
+          </a:bodyPr>
+          <a:lstStyle/>
+          <a:p>
+            <a:pPr>
+              <a:lnSpc>
+                <a:spcPct val="90000"/>
+              </a:lnSpc>
+            </a:pPr>
+            <a:r>
+              <a:rPr lang="en-US" sz="2000" dirty="0">
+                <a:solidFill>
+                  <a:srgbClr val="EBEBEB"/>
+                </a:solidFill>
+              </a:rPr>
+              <a:t>What does income Years Since Last Promotion by Work Life Balance show us?</a:t>
+            </a:r>
+          </a:p>
+        </p:txBody>
+      </p:sp>
     </p:spTree>
     <p:extLst>
       <p:ext uri="{BB962C8B-B14F-4D97-AF65-F5344CB8AC3E}">
-        <p14:creationId xmlns:p14="http://schemas.microsoft.com/office/powerpoint/2010/main" val="1319832048"/>
-      </p:ext>
-    </p:extLst>
-  </p:cSld>
-  <p:clrMapOvr>
-    <a:masterClrMapping/>
-  </p:clrMapOvr>
-</p:sld>
-</file>
-
-<file path=ppt/slides/slide24.xml><?xml version="1.0" encoding="utf-8"?>
-<p:sld xmlns:a="http://schemas.openxmlformats.org/drawingml/2006/main" xmlns:r="http://schemas.openxmlformats.org/officeDocument/2006/relationships" xmlns:p="http://schemas.openxmlformats.org/presentationml/2006/main">
-  <p:cSld>
-    <p:spTree>
-      <p:nvGrpSpPr>
-        <p:cNvPr id="1" name=""/>
-        <p:cNvGrpSpPr/>
-        <p:nvPr/>
-      </p:nvGrpSpPr>
-      <p:grpSpPr>
-        <a:xfrm>
-          <a:off x="0" y="0"/>
-          <a:ext cx="0" cy="0"/>
-          <a:chOff x="0" y="0"/>
-          <a:chExt cx="0" cy="0"/>
-        </a:xfrm>
-      </p:grpSpPr>
-      <p:sp>
-        <p:nvSpPr>
-          <p:cNvPr id="4" name="TextBox 3">
-            <a:extLst>
-              <a:ext uri="{FF2B5EF4-FFF2-40B4-BE49-F238E27FC236}">
-                <a16:creationId xmlns:a16="http://schemas.microsoft.com/office/drawing/2014/main" id="{DC4E2D60-2CF0-4F20-8AAF-A234BD6C85C5}"/>
-              </a:ext>
-            </a:extLst>
-          </p:cNvPr>
-          <p:cNvSpPr txBox="1"/>
-          <p:nvPr/>
-        </p:nvSpPr>
-        <p:spPr>
-          <a:xfrm>
-            <a:off x="647700" y="1149712"/>
-            <a:ext cx="10896600" cy="369332"/>
-          </a:xfrm>
-          <a:prstGeom prst="rect">
-            <a:avLst/>
-          </a:prstGeom>
-          <a:noFill/>
-        </p:spPr>
-        <p:txBody>
-          <a:bodyPr wrap="square" rtlCol="0">
-            <a:spAutoFit/>
-          </a:bodyPr>
-          <a:lstStyle/>
-          <a:p>
-            <a:r>
-              <a:rPr lang="en-US" dirty="0"/>
-              <a:t>Highest Attrition Rates – Man or Woman?</a:t>
-            </a:r>
-          </a:p>
-        </p:txBody>
-      </p:sp>
-      <p:sp>
-        <p:nvSpPr>
-          <p:cNvPr id="6" name="TextBox 5">
-            <a:extLst>
-              <a:ext uri="{FF2B5EF4-FFF2-40B4-BE49-F238E27FC236}">
-                <a16:creationId xmlns:a16="http://schemas.microsoft.com/office/drawing/2014/main" id="{9962BC75-AAFC-41B1-A95E-508B1775E584}"/>
-              </a:ext>
-            </a:extLst>
-          </p:cNvPr>
-          <p:cNvSpPr txBox="1"/>
-          <p:nvPr/>
-        </p:nvSpPr>
-        <p:spPr>
-          <a:xfrm>
-            <a:off x="647700" y="5537200"/>
-            <a:ext cx="10896600" cy="369332"/>
-          </a:xfrm>
-          <a:prstGeom prst="rect">
-            <a:avLst/>
-          </a:prstGeom>
-          <a:noFill/>
-        </p:spPr>
-        <p:txBody>
-          <a:bodyPr wrap="square" rtlCol="0">
-            <a:spAutoFit/>
-          </a:bodyPr>
-          <a:lstStyle/>
-          <a:p>
-            <a:r>
-              <a:rPr lang="en-US" dirty="0"/>
-              <a:t>There were many paths traveled that led us to this conclusion.  These are the paths we took…</a:t>
-            </a:r>
-          </a:p>
-        </p:txBody>
-      </p:sp>
-      <p:pic>
-        <p:nvPicPr>
-          <p:cNvPr id="5" name="Picture 4">
-            <a:extLst>
-              <a:ext uri="{FF2B5EF4-FFF2-40B4-BE49-F238E27FC236}">
-                <a16:creationId xmlns:a16="http://schemas.microsoft.com/office/drawing/2014/main" id="{10FC8C96-EE96-4F67-917C-C6E289554ED4}"/>
-              </a:ext>
-            </a:extLst>
-          </p:cNvPr>
-          <p:cNvPicPr>
-            <a:picLocks noChangeAspect="1"/>
-          </p:cNvPicPr>
-          <p:nvPr/>
-        </p:nvPicPr>
-        <p:blipFill>
-          <a:blip r:embed="rId2"/>
-          <a:stretch>
-            <a:fillRect/>
-          </a:stretch>
-        </p:blipFill>
-        <p:spPr>
-          <a:xfrm>
-            <a:off x="6511847" y="1772257"/>
-            <a:ext cx="3041806" cy="3511730"/>
-          </a:xfrm>
-          <a:prstGeom prst="rect">
-            <a:avLst/>
-          </a:prstGeom>
-        </p:spPr>
-      </p:pic>
-      <p:pic>
-        <p:nvPicPr>
-          <p:cNvPr id="7" name="Picture 6">
-            <a:extLst>
-              <a:ext uri="{FF2B5EF4-FFF2-40B4-BE49-F238E27FC236}">
-                <a16:creationId xmlns:a16="http://schemas.microsoft.com/office/drawing/2014/main" id="{407E4395-FFCF-46C2-987C-75F0B2DB2419}"/>
-              </a:ext>
-            </a:extLst>
-          </p:cNvPr>
-          <p:cNvPicPr>
-            <a:picLocks noChangeAspect="1"/>
-          </p:cNvPicPr>
-          <p:nvPr/>
-        </p:nvPicPr>
-        <p:blipFill>
-          <a:blip r:embed="rId3"/>
-          <a:stretch>
-            <a:fillRect/>
-          </a:stretch>
-        </p:blipFill>
-        <p:spPr>
-          <a:xfrm>
-            <a:off x="2638347" y="1772257"/>
-            <a:ext cx="3041806" cy="3511730"/>
-          </a:xfrm>
-          <a:prstGeom prst="rect">
-            <a:avLst/>
-          </a:prstGeom>
-        </p:spPr>
-      </p:pic>
-      <p:sp>
-        <p:nvSpPr>
-          <p:cNvPr id="8" name="TextBox 7">
-            <a:extLst>
-              <a:ext uri="{FF2B5EF4-FFF2-40B4-BE49-F238E27FC236}">
-                <a16:creationId xmlns:a16="http://schemas.microsoft.com/office/drawing/2014/main" id="{2BAA4D92-15B4-4787-9234-D781A60DE2D1}"/>
-              </a:ext>
-            </a:extLst>
-          </p:cNvPr>
-          <p:cNvSpPr txBox="1"/>
-          <p:nvPr/>
-        </p:nvSpPr>
-        <p:spPr>
-          <a:xfrm>
-            <a:off x="495300" y="1772257"/>
-            <a:ext cx="1720850" cy="1200329"/>
-          </a:xfrm>
-          <a:prstGeom prst="rect">
-            <a:avLst/>
-          </a:prstGeom>
-          <a:noFill/>
-        </p:spPr>
-        <p:txBody>
-          <a:bodyPr wrap="square" rtlCol="0">
-            <a:spAutoFit/>
-          </a:bodyPr>
-          <a:lstStyle/>
-          <a:p>
-            <a:r>
-              <a:rPr lang="en-US" dirty="0"/>
-              <a:t>* ~ 15% women leaving the company.</a:t>
-            </a:r>
-          </a:p>
-        </p:txBody>
-      </p:sp>
-      <p:sp>
-        <p:nvSpPr>
-          <p:cNvPr id="9" name="TextBox 8">
-            <a:extLst>
-              <a:ext uri="{FF2B5EF4-FFF2-40B4-BE49-F238E27FC236}">
-                <a16:creationId xmlns:a16="http://schemas.microsoft.com/office/drawing/2014/main" id="{13D0463F-E7BB-48D7-AA37-540D22BB2896}"/>
-              </a:ext>
-            </a:extLst>
-          </p:cNvPr>
-          <p:cNvSpPr txBox="1"/>
-          <p:nvPr/>
-        </p:nvSpPr>
-        <p:spPr>
-          <a:xfrm>
-            <a:off x="9975850" y="1727628"/>
-            <a:ext cx="1720850" cy="923330"/>
-          </a:xfrm>
-          <a:prstGeom prst="rect">
-            <a:avLst/>
-          </a:prstGeom>
-          <a:noFill/>
-        </p:spPr>
-        <p:txBody>
-          <a:bodyPr wrap="square" rtlCol="0">
-            <a:spAutoFit/>
-          </a:bodyPr>
-          <a:lstStyle/>
-          <a:p>
-            <a:r>
-              <a:rPr lang="en-US" dirty="0"/>
-              <a:t>* ~ 17% men leaving the company.</a:t>
-            </a:r>
-          </a:p>
-        </p:txBody>
-      </p:sp>
-    </p:spTree>
-    <p:extLst>
-      <p:ext uri="{BB962C8B-B14F-4D97-AF65-F5344CB8AC3E}">
-        <p14:creationId xmlns:p14="http://schemas.microsoft.com/office/powerpoint/2010/main" val="3440744934"/>
-      </p:ext>
-    </p:extLst>
-  </p:cSld>
-  <p:clrMapOvr>
-    <a:masterClrMapping/>
-  </p:clrMapOvr>
-</p:sld>
-</file>
-
-<file path=ppt/slides/slide25.xml><?xml version="1.0" encoding="utf-8"?>
-<p:sld xmlns:a="http://schemas.openxmlformats.org/drawingml/2006/main" xmlns:r="http://schemas.openxmlformats.org/officeDocument/2006/relationships" xmlns:p="http://schemas.openxmlformats.org/presentationml/2006/main">
-  <p:cSld>
-    <p:spTree>
-      <p:nvGrpSpPr>
-        <p:cNvPr id="1" name=""/>
-        <p:cNvGrpSpPr/>
-        <p:nvPr/>
-      </p:nvGrpSpPr>
-      <p:grpSpPr>
-        <a:xfrm>
-          <a:off x="0" y="0"/>
-          <a:ext cx="0" cy="0"/>
-          <a:chOff x="0" y="0"/>
-          <a:chExt cx="0" cy="0"/>
-        </a:xfrm>
-      </p:grpSpPr>
-      <p:sp>
-        <p:nvSpPr>
-          <p:cNvPr id="2" name="Title 1">
-            <a:extLst>
-              <a:ext uri="{FF2B5EF4-FFF2-40B4-BE49-F238E27FC236}">
-                <a16:creationId xmlns:a16="http://schemas.microsoft.com/office/drawing/2014/main" id="{E1832BE2-B24E-4D87-82AE-E0A24F19B9CA}"/>
-              </a:ext>
-            </a:extLst>
-          </p:cNvPr>
-          <p:cNvSpPr>
-            <a:spLocks noGrp="1"/>
-          </p:cNvSpPr>
-          <p:nvPr>
-            <p:ph type="title"/>
-          </p:nvPr>
-        </p:nvSpPr>
-        <p:spPr/>
-        <p:txBody>
-          <a:bodyPr/>
-          <a:lstStyle/>
-          <a:p>
-            <a:r>
-              <a:rPr lang="en-US" dirty="0"/>
-              <a:t>Conclusion</a:t>
-            </a:r>
-          </a:p>
-        </p:txBody>
-      </p:sp>
-      <p:sp>
-        <p:nvSpPr>
-          <p:cNvPr id="3" name="Content Placeholder 2">
-            <a:extLst>
-              <a:ext uri="{FF2B5EF4-FFF2-40B4-BE49-F238E27FC236}">
-                <a16:creationId xmlns:a16="http://schemas.microsoft.com/office/drawing/2014/main" id="{A4FA69BC-815E-47B8-8300-270A52A235E3}"/>
-              </a:ext>
-            </a:extLst>
-          </p:cNvPr>
-          <p:cNvSpPr>
-            <a:spLocks noGrp="1"/>
-          </p:cNvSpPr>
-          <p:nvPr>
-            <p:ph idx="1"/>
-          </p:nvPr>
-        </p:nvSpPr>
-        <p:spPr/>
-        <p:txBody>
-          <a:bodyPr/>
-          <a:lstStyle/>
-          <a:p>
-            <a:r>
-              <a:rPr lang="en-US" dirty="0"/>
-              <a:t>From graphs, reiterate the variables we’ve chosen and the trends we find most interesting.</a:t>
-            </a:r>
-          </a:p>
-        </p:txBody>
-      </p:sp>
-    </p:spTree>
-    <p:extLst>
-      <p:ext uri="{BB962C8B-B14F-4D97-AF65-F5344CB8AC3E}">
-        <p14:creationId xmlns:p14="http://schemas.microsoft.com/office/powerpoint/2010/main" val="1279829978"/>
+        <p14:creationId xmlns:p14="http://schemas.microsoft.com/office/powerpoint/2010/main" val="4191996210"/>
       </p:ext>
     </p:extLst>
   </p:cSld>
@@ -12464,12 +14605,137 @@
           <a:chExt cx="0" cy="0"/>
         </a:xfrm>
       </p:grpSpPr>
-      <p:sp>
-        <p:nvSpPr>
-          <p:cNvPr id="2" name="Title 1">
-            <a:extLst>
-              <a:ext uri="{FF2B5EF4-FFF2-40B4-BE49-F238E27FC236}">
-                <a16:creationId xmlns:a16="http://schemas.microsoft.com/office/drawing/2014/main" id="{6F3EDFA2-3009-4284-AE03-FFF227999411}"/>
+      <p:pic>
+        <p:nvPicPr>
+          <p:cNvPr id="7" name="Picture 6">
+            <a:extLst>
+              <a:ext uri="{FF2B5EF4-FFF2-40B4-BE49-F238E27FC236}">
+                <a16:creationId xmlns:a16="http://schemas.microsoft.com/office/drawing/2014/main" id="{157F5ECC-56EC-4829-A53B-763D1FD3E81B}"/>
+              </a:ext>
+            </a:extLst>
+          </p:cNvPr>
+          <p:cNvPicPr>
+            <a:picLocks noChangeAspect="1"/>
+          </p:cNvPicPr>
+          <p:nvPr/>
+        </p:nvPicPr>
+        <p:blipFill>
+          <a:blip r:embed="rId2"/>
+          <a:stretch>
+            <a:fillRect/>
+          </a:stretch>
+        </p:blipFill>
+        <p:spPr>
+          <a:xfrm>
+            <a:off x="3313705" y="687137"/>
+            <a:ext cx="4770841" cy="5483726"/>
+          </a:xfrm>
+          <a:prstGeom prst="rect">
+            <a:avLst/>
+          </a:prstGeom>
+        </p:spPr>
+      </p:pic>
+      <p:sp>
+        <p:nvSpPr>
+          <p:cNvPr id="9" name="Oval 8">
+            <a:extLst>
+              <a:ext uri="{FF2B5EF4-FFF2-40B4-BE49-F238E27FC236}">
+                <a16:creationId xmlns:a16="http://schemas.microsoft.com/office/drawing/2014/main" id="{876D8E18-2A0A-46EC-A3AC-28F153406A14}"/>
+              </a:ext>
+            </a:extLst>
+          </p:cNvPr>
+          <p:cNvSpPr/>
+          <p:nvPr/>
+        </p:nvSpPr>
+        <p:spPr>
+          <a:xfrm>
+            <a:off x="614955" y="1162050"/>
+            <a:ext cx="2102845" cy="933450"/>
+          </a:xfrm>
+          <a:prstGeom prst="ellipse">
+            <a:avLst/>
+          </a:prstGeom>
+        </p:spPr>
+        <p:style>
+          <a:lnRef idx="2">
+            <a:schemeClr val="accent4">
+              <a:shade val="50000"/>
+            </a:schemeClr>
+          </a:lnRef>
+          <a:fillRef idx="1">
+            <a:schemeClr val="accent4"/>
+          </a:fillRef>
+          <a:effectRef idx="0">
+            <a:schemeClr val="accent4"/>
+          </a:effectRef>
+          <a:fontRef idx="minor">
+            <a:schemeClr val="lt1"/>
+          </a:fontRef>
+        </p:style>
+        <p:txBody>
+          <a:bodyPr rtlCol="0" anchor="ctr"/>
+          <a:lstStyle/>
+          <a:p>
+            <a:pPr algn="ctr"/>
+            <a:r>
+              <a:rPr lang="en-US" sz="1050" dirty="0">
+                <a:solidFill>
+                  <a:schemeClr val="tx1"/>
+                </a:solidFill>
+              </a:rPr>
+              <a:t>Most turnover from level 1s with similar income.</a:t>
+            </a:r>
+          </a:p>
+        </p:txBody>
+      </p:sp>
+      <p:cxnSp>
+        <p:nvCxnSpPr>
+          <p:cNvPr id="10" name="Straight Arrow Connector 9">
+            <a:extLst>
+              <a:ext uri="{FF2B5EF4-FFF2-40B4-BE49-F238E27FC236}">
+                <a16:creationId xmlns:a16="http://schemas.microsoft.com/office/drawing/2014/main" id="{0A581E70-51E3-41E9-926C-3E5C924C9084}"/>
+              </a:ext>
+            </a:extLst>
+          </p:cNvPr>
+          <p:cNvCxnSpPr>
+            <a:cxnSpLocks/>
+            <a:stCxn id="9" idx="4"/>
+          </p:cNvCxnSpPr>
+          <p:nvPr/>
+        </p:nvCxnSpPr>
+        <p:spPr>
+          <a:xfrm>
+            <a:off x="1666378" y="2095500"/>
+            <a:ext cx="2511922" cy="1073150"/>
+          </a:xfrm>
+          <a:prstGeom prst="straightConnector1">
+            <a:avLst/>
+          </a:prstGeom>
+          <a:ln>
+            <a:tailEnd type="triangle"/>
+          </a:ln>
+        </p:spPr>
+        <p:style>
+          <a:lnRef idx="1">
+            <a:schemeClr val="accent4"/>
+          </a:lnRef>
+          <a:fillRef idx="0">
+            <a:schemeClr val="accent4"/>
+          </a:fillRef>
+          <a:effectRef idx="0">
+            <a:schemeClr val="accent4"/>
+          </a:effectRef>
+          <a:fontRef idx="minor">
+            <a:schemeClr val="tx1"/>
+          </a:fontRef>
+        </p:style>
+      </p:cxnSp>
+      <p:sp>
+        <p:nvSpPr>
+          <p:cNvPr id="12" name="Title 1">
+            <a:extLst>
+              <a:ext uri="{FF2B5EF4-FFF2-40B4-BE49-F238E27FC236}">
+                <a16:creationId xmlns:a16="http://schemas.microsoft.com/office/drawing/2014/main" id="{22FFF085-97D5-445B-A38C-229CB3FD0733}"/>
               </a:ext>
             </a:extLst>
           </p:cNvPr>
@@ -12477,63 +14743,33 @@
             <a:spLocks noGrp="1"/>
           </p:cNvSpPr>
           <p:nvPr>
-            <p:ph type="ctrTitle"/>
-          </p:nvPr>
-        </p:nvSpPr>
-        <p:spPr/>
-        <p:txBody>
-          <a:bodyPr/>
+            <p:ph type="title"/>
+          </p:nvPr>
+        </p:nvSpPr>
+        <p:spPr>
+          <a:xfrm>
+            <a:off x="3148605" y="256410"/>
+            <a:ext cx="5385795" cy="570692"/>
+          </a:xfrm>
+        </p:spPr>
+        <p:txBody>
+          <a:bodyPr>
+            <a:noAutofit/>
+          </a:bodyPr>
           <a:lstStyle/>
           <a:p>
-            <a:r>
-              <a:rPr lang="en-US" dirty="0"/>
-              <a:t>Imported data</a:t>
-            </a:r>
-          </a:p>
-        </p:txBody>
-      </p:sp>
-      <p:sp>
-        <p:nvSpPr>
-          <p:cNvPr id="3" name="Subtitle 2">
-            <a:extLst>
-              <a:ext uri="{FF2B5EF4-FFF2-40B4-BE49-F238E27FC236}">
-                <a16:creationId xmlns:a16="http://schemas.microsoft.com/office/drawing/2014/main" id="{C79B5F8E-EF01-4CAB-B44C-EEA14ED6DEB9}"/>
-              </a:ext>
-            </a:extLst>
-          </p:cNvPr>
-          <p:cNvSpPr>
-            <a:spLocks noGrp="1"/>
-          </p:cNvSpPr>
-          <p:nvPr>
-            <p:ph type="subTitle" idx="1"/>
-          </p:nvPr>
-        </p:nvSpPr>
-        <p:spPr/>
-        <p:txBody>
-          <a:bodyPr/>
-          <a:lstStyle/>
-          <a:p>
-            <a:r>
-              <a:rPr lang="en-US" dirty="0"/>
-              <a:t>library(</a:t>
-            </a:r>
-            <a:r>
-              <a:rPr lang="en-US" dirty="0" err="1"/>
-              <a:t>openxlsx</a:t>
-            </a:r>
-            <a:r>
-              <a:rPr lang="en-US" dirty="0"/>
-              <a:t>)</a:t>
-            </a:r>
-          </a:p>
-          <a:p>
-            <a:r>
-              <a:rPr lang="en-US" dirty="0" err="1"/>
-              <a:t>attritionData</a:t>
-            </a:r>
-            <a:r>
-              <a:rPr lang="en-US" dirty="0"/>
-              <a:t> &lt;- read.xlsx("CaseStudy2-data.xlsx")</a:t>
+            <a:pPr>
+              <a:lnSpc>
+                <a:spcPct val="90000"/>
+              </a:lnSpc>
+            </a:pPr>
+            <a:r>
+              <a:rPr lang="en-US" sz="2000" dirty="0">
+                <a:solidFill>
+                  <a:srgbClr val="EBEBEB"/>
+                </a:solidFill>
+              </a:rPr>
+              <a:t>Job Level by Monthly Income Heat Map</a:t>
             </a:r>
           </a:p>
         </p:txBody>
@@ -12541,7 +14777,7 @@
     </p:spTree>
     <p:extLst>
       <p:ext uri="{BB962C8B-B14F-4D97-AF65-F5344CB8AC3E}">
-        <p14:creationId xmlns:p14="http://schemas.microsoft.com/office/powerpoint/2010/main" val="1951453925"/>
+        <p14:creationId xmlns:p14="http://schemas.microsoft.com/office/powerpoint/2010/main" val="1319832048"/>
       </p:ext>
     </p:extLst>
   </p:cSld>
@@ -12568,1477 +14804,178 @@
           <a:chExt cx="0" cy="0"/>
         </a:xfrm>
       </p:grpSpPr>
-      <p:sp>
-        <p:nvSpPr>
-          <p:cNvPr id="2" name="Title 1">
-            <a:extLst>
-              <a:ext uri="{FF2B5EF4-FFF2-40B4-BE49-F238E27FC236}">
-                <a16:creationId xmlns:a16="http://schemas.microsoft.com/office/drawing/2014/main" id="{1700EF96-D0BC-4A91-983C-813B13359FA5}"/>
-              </a:ext>
-            </a:extLst>
-          </p:cNvPr>
-          <p:cNvSpPr>
-            <a:spLocks noGrp="1"/>
-          </p:cNvSpPr>
-          <p:nvPr>
-            <p:ph type="title"/>
-          </p:nvPr>
-        </p:nvSpPr>
-        <p:spPr/>
-        <p:txBody>
-          <a:bodyPr/>
-          <a:lstStyle/>
-          <a:p>
-            <a:r>
-              <a:rPr lang="en-US" dirty="0"/>
-              <a:t>Inspected Data</a:t>
-            </a:r>
-          </a:p>
-        </p:txBody>
-      </p:sp>
-      <p:sp>
-        <p:nvSpPr>
-          <p:cNvPr id="6" name="Rectangle 2">
-            <a:extLst>
-              <a:ext uri="{FF2B5EF4-FFF2-40B4-BE49-F238E27FC236}">
-                <a16:creationId xmlns:a16="http://schemas.microsoft.com/office/drawing/2014/main" id="{37ED1D22-0F4E-4AA1-8713-8B09CC1F07BB}"/>
-              </a:ext>
-            </a:extLst>
-          </p:cNvPr>
-          <p:cNvSpPr>
-            <a:spLocks noGrp="1" noChangeArrowheads="1"/>
-          </p:cNvSpPr>
-          <p:nvPr>
-            <p:ph idx="1"/>
-          </p:nvPr>
-        </p:nvSpPr>
-        <p:spPr bwMode="auto">
-          <a:xfrm>
-            <a:off x="963693" y="1562100"/>
-            <a:ext cx="8771632" cy="1231106"/>
+      <p:pic>
+        <p:nvPicPr>
+          <p:cNvPr id="4" name="Picture 3">
+            <a:extLst>
+              <a:ext uri="{FF2B5EF4-FFF2-40B4-BE49-F238E27FC236}">
+                <a16:creationId xmlns:a16="http://schemas.microsoft.com/office/drawing/2014/main" id="{FE6BA3DE-3323-4E23-AB43-AC5712DFFCC7}"/>
+              </a:ext>
+            </a:extLst>
+          </p:cNvPr>
+          <p:cNvPicPr>
+            <a:picLocks noChangeAspect="1"/>
+          </p:cNvPicPr>
+          <p:nvPr/>
+        </p:nvPicPr>
+        <p:blipFill>
+          <a:blip r:embed="rId2"/>
+          <a:stretch>
+            <a:fillRect/>
+          </a:stretch>
+        </p:blipFill>
+        <p:spPr>
+          <a:xfrm>
+            <a:off x="359551" y="355600"/>
+            <a:ext cx="11092371" cy="6401272"/>
           </a:xfrm>
           <a:prstGeom prst="rect">
             <a:avLst/>
           </a:prstGeom>
-          <a:solidFill>
-            <a:srgbClr val="FFFFFF"/>
-          </a:solidFill>
+        </p:spPr>
+      </p:pic>
+      <p:cxnSp>
+        <p:nvCxnSpPr>
+          <p:cNvPr id="6" name="Straight Arrow Connector 5">
+            <a:extLst>
+              <a:ext uri="{FF2B5EF4-FFF2-40B4-BE49-F238E27FC236}">
+                <a16:creationId xmlns:a16="http://schemas.microsoft.com/office/drawing/2014/main" id="{5664B49D-412E-4479-B091-C44E01A21392}"/>
+              </a:ext>
+            </a:extLst>
+          </p:cNvPr>
+          <p:cNvCxnSpPr>
+            <a:cxnSpLocks/>
+          </p:cNvCxnSpPr>
+          <p:nvPr/>
+        </p:nvCxnSpPr>
+        <p:spPr>
+          <a:xfrm>
+            <a:off x="1866900" y="2000250"/>
+            <a:ext cx="2813050" cy="1301750"/>
+          </a:xfrm>
+          <a:prstGeom prst="straightConnector1">
+            <a:avLst/>
+          </a:prstGeom>
           <a:ln>
-            <a:noFill/>
+            <a:tailEnd type="triangle"/>
           </a:ln>
-          <a:effectLst/>
-          <a:extLst>
-            <a:ext uri="{91240B29-F687-4F45-9708-019B960494DF}">
-              <a14:hiddenLine xmlns:a14="http://schemas.microsoft.com/office/drawing/2010/main" w="9525">
+        </p:spPr>
+        <p:style>
+          <a:lnRef idx="1">
+            <a:schemeClr val="accent4"/>
+          </a:lnRef>
+          <a:fillRef idx="0">
+            <a:schemeClr val="accent4"/>
+          </a:fillRef>
+          <a:effectRef idx="0">
+            <a:schemeClr val="accent4"/>
+          </a:effectRef>
+          <a:fontRef idx="minor">
+            <a:schemeClr val="tx1"/>
+          </a:fontRef>
+        </p:style>
+      </p:cxnSp>
+      <p:sp>
+        <p:nvSpPr>
+          <p:cNvPr id="5" name="Oval 4">
+            <a:extLst>
+              <a:ext uri="{FF2B5EF4-FFF2-40B4-BE49-F238E27FC236}">
+                <a16:creationId xmlns:a16="http://schemas.microsoft.com/office/drawing/2014/main" id="{AE258DEA-7817-41B9-9568-EEED9DB9DEA8}"/>
+              </a:ext>
+            </a:extLst>
+          </p:cNvPr>
+          <p:cNvSpPr/>
+          <p:nvPr/>
+        </p:nvSpPr>
+        <p:spPr>
+          <a:xfrm>
+            <a:off x="805504" y="1173254"/>
+            <a:ext cx="1702105" cy="1400530"/>
+          </a:xfrm>
+          <a:prstGeom prst="ellipse">
+            <a:avLst/>
+          </a:prstGeom>
+        </p:spPr>
+        <p:style>
+          <a:lnRef idx="2">
+            <a:schemeClr val="accent4">
+              <a:shade val="50000"/>
+            </a:schemeClr>
+          </a:lnRef>
+          <a:fillRef idx="1">
+            <a:schemeClr val="accent4"/>
+          </a:fillRef>
+          <a:effectRef idx="0">
+            <a:schemeClr val="accent4"/>
+          </a:effectRef>
+          <a:fontRef idx="minor">
+            <a:schemeClr val="lt1"/>
+          </a:fontRef>
+        </p:style>
+        <p:txBody>
+          <a:bodyPr rtlCol="0" anchor="ctr"/>
+          <a:lstStyle/>
+          <a:p>
+            <a:pPr algn="ctr"/>
+            <a:r>
+              <a:rPr lang="en-US" sz="1100" dirty="0">
                 <a:solidFill>
                   <a:schemeClr val="tx1"/>
                 </a:solidFill>
-                <a:miter lim="800000"/>
-                <a:headEnd/>
-                <a:tailEnd/>
-              </a14:hiddenLine>
-            </a:ext>
-            <a:ext uri="{AF507438-7753-43E0-B8FC-AC1667EBCBE1}">
-              <a14:hiddenEffects xmlns:a14="http://schemas.microsoft.com/office/drawing/2010/main">
-                <a:effectLst>
-                  <a:outerShdw dist="35921" dir="2700000" algn="ctr" rotWithShape="0">
-                    <a:schemeClr val="bg2"/>
-                  </a:outerShdw>
-                </a:effectLst>
-              </a14:hiddenEffects>
-            </a:ext>
-          </a:extLst>
-        </p:spPr>
-        <p:txBody>
-          <a:bodyPr vert="horz" wrap="none" lIns="0" tIns="0" rIns="0" bIns="0" numCol="1" anchor="ctr" anchorCtr="0" compatLnSpc="1">
-            <a:prstTxWarp prst="textNoShape">
-              <a:avLst/>
-            </a:prstTxWarp>
-            <a:spAutoFit/>
+              </a:rPr>
+              <a:t>Makes you think what jobs are within 1 mile that people~30 are leaving?</a:t>
+            </a:r>
+          </a:p>
+        </p:txBody>
+      </p:sp>
+      <p:sp>
+        <p:nvSpPr>
+          <p:cNvPr id="7" name="Title 1">
+            <a:extLst>
+              <a:ext uri="{FF2B5EF4-FFF2-40B4-BE49-F238E27FC236}">
+                <a16:creationId xmlns:a16="http://schemas.microsoft.com/office/drawing/2014/main" id="{366FBC10-40DF-4CFF-84ED-E066669652A7}"/>
+              </a:ext>
+            </a:extLst>
+          </p:cNvPr>
+          <p:cNvSpPr>
+            <a:spLocks noGrp="1"/>
+          </p:cNvSpPr>
+          <p:nvPr>
+            <p:ph type="title"/>
+          </p:nvPr>
+        </p:nvSpPr>
+        <p:spPr>
+          <a:xfrm>
+            <a:off x="3305175" y="38909"/>
+            <a:ext cx="5385795" cy="570692"/>
+          </a:xfrm>
+        </p:spPr>
+        <p:txBody>
+          <a:bodyPr>
+            <a:noAutofit/>
           </a:bodyPr>
           <a:lstStyle/>
           <a:p>
-            <a:pPr marR="0" lvl="0" algn="l" defTabSz="914400" rtl="0" eaLnBrk="0" fontAlgn="base" latinLnBrk="0" hangingPunct="0">
-              <a:lnSpc>
-                <a:spcPct val="100000"/>
-              </a:lnSpc>
-              <a:spcBef>
-                <a:spcPct val="0"/>
-              </a:spcBef>
-              <a:spcAft>
-                <a:spcPct val="0"/>
-              </a:spcAft>
-              <a:buClrTx/>
-              <a:buSzTx/>
-              <a:buFont typeface="Wingdings" panose="05000000000000000000" pitchFamily="2" charset="2"/>
-              <a:buChar char="Ø"/>
-              <a:tabLst/>
-            </a:pPr>
-            <a:r>
-              <a:rPr kumimoji="0" lang="en-US" altLang="en-US" sz="1000" b="0" i="0" u="none" strike="noStrike" cap="none" normalizeH="0" baseline="0" dirty="0">
-                <a:ln>
-                  <a:noFill/>
-                </a:ln>
-                <a:solidFill>
-                  <a:srgbClr val="0000FF"/>
-                </a:solidFill>
-                <a:effectLst/>
-                <a:latin typeface="Lucida Console" panose="020B0609040504020204" pitchFamily="49" charset="0"/>
-              </a:rPr>
-              <a:t>names(</a:t>
-            </a:r>
-            <a:r>
-              <a:rPr kumimoji="0" lang="en-US" altLang="en-US" sz="1000" b="0" i="0" u="none" strike="noStrike" cap="none" normalizeH="0" baseline="0" dirty="0" err="1">
-                <a:ln>
-                  <a:noFill/>
-                </a:ln>
-                <a:solidFill>
-                  <a:srgbClr val="0000FF"/>
-                </a:solidFill>
-                <a:effectLst/>
-                <a:latin typeface="Lucida Console" panose="020B0609040504020204" pitchFamily="49" charset="0"/>
-              </a:rPr>
-              <a:t>attritionData</a:t>
-            </a:r>
-            <a:r>
-              <a:rPr kumimoji="0" lang="en-US" altLang="en-US" sz="1000" b="0" i="0" u="none" strike="noStrike" cap="none" normalizeH="0" baseline="0" dirty="0">
-                <a:ln>
-                  <a:noFill/>
-                </a:ln>
-                <a:solidFill>
-                  <a:srgbClr val="0000FF"/>
-                </a:solidFill>
-                <a:effectLst/>
-                <a:latin typeface="Lucida Console" panose="020B0609040504020204" pitchFamily="49" charset="0"/>
-              </a:rPr>
-              <a:t>) </a:t>
-            </a:r>
-          </a:p>
-          <a:p>
-            <a:pPr marR="0" lvl="0" algn="l" defTabSz="914400" rtl="0" eaLnBrk="0" fontAlgn="base" latinLnBrk="0" hangingPunct="0">
-              <a:lnSpc>
-                <a:spcPct val="100000"/>
-              </a:lnSpc>
-              <a:spcBef>
-                <a:spcPct val="0"/>
-              </a:spcBef>
-              <a:spcAft>
-                <a:spcPct val="0"/>
-              </a:spcAft>
-              <a:buClrTx/>
-              <a:buSzTx/>
-              <a:buFont typeface="Wingdings" panose="05000000000000000000" pitchFamily="2" charset="2"/>
-              <a:buChar char="Ø"/>
-              <a:tabLst/>
-            </a:pPr>
-            <a:r>
-              <a:rPr kumimoji="0" lang="en-US" altLang="en-US" sz="1000" b="0" i="0" u="none" strike="noStrike" cap="none" normalizeH="0" baseline="0" dirty="0">
-                <a:ln>
-                  <a:noFill/>
-                </a:ln>
-                <a:solidFill>
-                  <a:srgbClr val="000000"/>
-                </a:solidFill>
-                <a:effectLst/>
-                <a:latin typeface="Lucida Console" panose="020B0609040504020204" pitchFamily="49" charset="0"/>
-              </a:rPr>
-              <a:t>[1] "Age" "Attrition" "</a:t>
-            </a:r>
-            <a:r>
-              <a:rPr kumimoji="0" lang="en-US" altLang="en-US" sz="1000" b="0" i="0" u="none" strike="noStrike" cap="none" normalizeH="0" baseline="0" dirty="0" err="1">
-                <a:ln>
-                  <a:noFill/>
-                </a:ln>
-                <a:solidFill>
-                  <a:srgbClr val="000000"/>
-                </a:solidFill>
-                <a:effectLst/>
-                <a:latin typeface="Lucida Console" panose="020B0609040504020204" pitchFamily="49" charset="0"/>
-              </a:rPr>
-              <a:t>BusinessTravel</a:t>
-            </a:r>
-            <a:r>
-              <a:rPr kumimoji="0" lang="en-US" altLang="en-US" sz="1000" b="0" i="0" u="none" strike="noStrike" cap="none" normalizeH="0" baseline="0" dirty="0">
-                <a:ln>
-                  <a:noFill/>
-                </a:ln>
-                <a:solidFill>
-                  <a:srgbClr val="000000"/>
-                </a:solidFill>
-                <a:effectLst/>
-                <a:latin typeface="Lucida Console" panose="020B0609040504020204" pitchFamily="49" charset="0"/>
-              </a:rPr>
-              <a:t>" "</a:t>
-            </a:r>
-            <a:r>
-              <a:rPr kumimoji="0" lang="en-US" altLang="en-US" sz="1000" b="0" i="0" u="none" strike="noStrike" cap="none" normalizeH="0" baseline="0" dirty="0" err="1">
-                <a:ln>
-                  <a:noFill/>
-                </a:ln>
-                <a:solidFill>
-                  <a:srgbClr val="000000"/>
-                </a:solidFill>
-                <a:effectLst/>
-                <a:latin typeface="Lucida Console" panose="020B0609040504020204" pitchFamily="49" charset="0"/>
-              </a:rPr>
-              <a:t>DailyRate</a:t>
-            </a:r>
-            <a:r>
-              <a:rPr kumimoji="0" lang="en-US" altLang="en-US" sz="1000" b="0" i="0" u="none" strike="noStrike" cap="none" normalizeH="0" baseline="0" dirty="0">
-                <a:ln>
-                  <a:noFill/>
-                </a:ln>
-                <a:solidFill>
-                  <a:srgbClr val="000000"/>
-                </a:solidFill>
-                <a:effectLst/>
-                <a:latin typeface="Lucida Console" panose="020B0609040504020204" pitchFamily="49" charset="0"/>
-              </a:rPr>
-              <a:t>" "Department" </a:t>
-            </a:r>
-          </a:p>
-          <a:p>
-            <a:pPr marR="0" lvl="0" algn="l" defTabSz="914400" rtl="0" eaLnBrk="0" fontAlgn="base" latinLnBrk="0" hangingPunct="0">
-              <a:lnSpc>
-                <a:spcPct val="100000"/>
-              </a:lnSpc>
-              <a:spcBef>
-                <a:spcPct val="0"/>
-              </a:spcBef>
-              <a:spcAft>
-                <a:spcPct val="0"/>
-              </a:spcAft>
-              <a:buClrTx/>
-              <a:buSzTx/>
-              <a:buFont typeface="Wingdings" panose="05000000000000000000" pitchFamily="2" charset="2"/>
-              <a:buChar char="Ø"/>
-              <a:tabLst/>
-            </a:pPr>
-            <a:r>
-              <a:rPr kumimoji="0" lang="en-US" altLang="en-US" sz="1000" b="0" i="0" u="none" strike="noStrike" cap="none" normalizeH="0" baseline="0" dirty="0">
-                <a:ln>
-                  <a:noFill/>
-                </a:ln>
-                <a:solidFill>
-                  <a:srgbClr val="000000"/>
-                </a:solidFill>
-                <a:effectLst/>
-                <a:latin typeface="Lucida Console" panose="020B0609040504020204" pitchFamily="49" charset="0"/>
-              </a:rPr>
-              <a:t>[6] "</a:t>
-            </a:r>
-            <a:r>
-              <a:rPr kumimoji="0" lang="en-US" altLang="en-US" sz="1000" b="0" i="0" u="none" strike="noStrike" cap="none" normalizeH="0" baseline="0" dirty="0" err="1">
-                <a:ln>
-                  <a:noFill/>
-                </a:ln>
-                <a:solidFill>
-                  <a:srgbClr val="000000"/>
-                </a:solidFill>
-                <a:effectLst/>
-                <a:latin typeface="Lucida Console" panose="020B0609040504020204" pitchFamily="49" charset="0"/>
-              </a:rPr>
-              <a:t>DistanceFromHome</a:t>
-            </a:r>
-            <a:r>
-              <a:rPr kumimoji="0" lang="en-US" altLang="en-US" sz="1000" b="0" i="0" u="none" strike="noStrike" cap="none" normalizeH="0" baseline="0" dirty="0">
-                <a:ln>
-                  <a:noFill/>
-                </a:ln>
-                <a:solidFill>
-                  <a:srgbClr val="000000"/>
-                </a:solidFill>
-                <a:effectLst/>
-                <a:latin typeface="Lucida Console" panose="020B0609040504020204" pitchFamily="49" charset="0"/>
-              </a:rPr>
-              <a:t>" "Education" "</a:t>
-            </a:r>
-            <a:r>
-              <a:rPr kumimoji="0" lang="en-US" altLang="en-US" sz="1000" b="0" i="0" u="none" strike="noStrike" cap="none" normalizeH="0" baseline="0" dirty="0" err="1">
-                <a:ln>
-                  <a:noFill/>
-                </a:ln>
-                <a:solidFill>
-                  <a:srgbClr val="000000"/>
-                </a:solidFill>
-                <a:effectLst/>
-                <a:latin typeface="Lucida Console" panose="020B0609040504020204" pitchFamily="49" charset="0"/>
-              </a:rPr>
-              <a:t>EducationField</a:t>
-            </a:r>
-            <a:r>
-              <a:rPr kumimoji="0" lang="en-US" altLang="en-US" sz="1000" b="0" i="0" u="none" strike="noStrike" cap="none" normalizeH="0" baseline="0" dirty="0">
-                <a:ln>
-                  <a:noFill/>
-                </a:ln>
-                <a:solidFill>
-                  <a:srgbClr val="000000"/>
-                </a:solidFill>
-                <a:effectLst/>
-                <a:latin typeface="Lucida Console" panose="020B0609040504020204" pitchFamily="49" charset="0"/>
-              </a:rPr>
-              <a:t>" "</a:t>
-            </a:r>
-            <a:r>
-              <a:rPr kumimoji="0" lang="en-US" altLang="en-US" sz="1000" b="0" i="0" u="none" strike="noStrike" cap="none" normalizeH="0" baseline="0" dirty="0" err="1">
-                <a:ln>
-                  <a:noFill/>
-                </a:ln>
-                <a:solidFill>
-                  <a:srgbClr val="000000"/>
-                </a:solidFill>
-                <a:effectLst/>
-                <a:latin typeface="Lucida Console" panose="020B0609040504020204" pitchFamily="49" charset="0"/>
-              </a:rPr>
-              <a:t>EmployeeCount</a:t>
-            </a:r>
-            <a:r>
-              <a:rPr kumimoji="0" lang="en-US" altLang="en-US" sz="1000" b="0" i="0" u="none" strike="noStrike" cap="none" normalizeH="0" baseline="0" dirty="0">
-                <a:ln>
-                  <a:noFill/>
-                </a:ln>
-                <a:solidFill>
-                  <a:srgbClr val="000000"/>
-                </a:solidFill>
-                <a:effectLst/>
-                <a:latin typeface="Lucida Console" panose="020B0609040504020204" pitchFamily="49" charset="0"/>
-              </a:rPr>
-              <a:t>" "</a:t>
-            </a:r>
-            <a:r>
-              <a:rPr kumimoji="0" lang="en-US" altLang="en-US" sz="1000" b="0" i="0" u="none" strike="noStrike" cap="none" normalizeH="0" baseline="0" dirty="0" err="1">
-                <a:ln>
-                  <a:noFill/>
-                </a:ln>
-                <a:solidFill>
-                  <a:srgbClr val="000000"/>
-                </a:solidFill>
-                <a:effectLst/>
-                <a:latin typeface="Lucida Console" panose="020B0609040504020204" pitchFamily="49" charset="0"/>
-              </a:rPr>
-              <a:t>EmployeeNumber</a:t>
-            </a:r>
-            <a:r>
-              <a:rPr kumimoji="0" lang="en-US" altLang="en-US" sz="1000" b="0" i="0" u="none" strike="noStrike" cap="none" normalizeH="0" baseline="0" dirty="0">
-                <a:ln>
-                  <a:noFill/>
-                </a:ln>
-                <a:solidFill>
-                  <a:srgbClr val="000000"/>
-                </a:solidFill>
-                <a:effectLst/>
-                <a:latin typeface="Lucida Console" panose="020B0609040504020204" pitchFamily="49" charset="0"/>
-              </a:rPr>
-              <a:t>" </a:t>
-            </a:r>
-          </a:p>
-          <a:p>
-            <a:pPr marR="0" lvl="0" algn="l" defTabSz="914400" rtl="0" eaLnBrk="0" fontAlgn="base" latinLnBrk="0" hangingPunct="0">
-              <a:lnSpc>
-                <a:spcPct val="100000"/>
-              </a:lnSpc>
-              <a:spcBef>
-                <a:spcPct val="0"/>
-              </a:spcBef>
-              <a:spcAft>
-                <a:spcPct val="0"/>
-              </a:spcAft>
-              <a:buClrTx/>
-              <a:buSzTx/>
-              <a:buFont typeface="Wingdings" panose="05000000000000000000" pitchFamily="2" charset="2"/>
-              <a:buChar char="Ø"/>
-              <a:tabLst/>
-            </a:pPr>
-            <a:r>
-              <a:rPr kumimoji="0" lang="en-US" altLang="en-US" sz="1000" b="0" i="0" u="none" strike="noStrike" cap="none" normalizeH="0" baseline="0" dirty="0">
-                <a:ln>
-                  <a:noFill/>
-                </a:ln>
-                <a:solidFill>
-                  <a:srgbClr val="000000"/>
-                </a:solidFill>
-                <a:effectLst/>
-                <a:latin typeface="Lucida Console" panose="020B0609040504020204" pitchFamily="49" charset="0"/>
-              </a:rPr>
-              <a:t>[11] "</a:t>
-            </a:r>
-            <a:r>
-              <a:rPr kumimoji="0" lang="en-US" altLang="en-US" sz="1000" b="0" i="0" u="none" strike="noStrike" cap="none" normalizeH="0" baseline="0" dirty="0" err="1">
-                <a:ln>
-                  <a:noFill/>
-                </a:ln>
-                <a:solidFill>
-                  <a:srgbClr val="000000"/>
-                </a:solidFill>
-                <a:effectLst/>
-                <a:latin typeface="Lucida Console" panose="020B0609040504020204" pitchFamily="49" charset="0"/>
-              </a:rPr>
-              <a:t>EnvironmentSatisfaction</a:t>
-            </a:r>
-            <a:r>
-              <a:rPr kumimoji="0" lang="en-US" altLang="en-US" sz="1000" b="0" i="0" u="none" strike="noStrike" cap="none" normalizeH="0" baseline="0" dirty="0">
-                <a:ln>
-                  <a:noFill/>
-                </a:ln>
-                <a:solidFill>
-                  <a:srgbClr val="000000"/>
-                </a:solidFill>
-                <a:effectLst/>
-                <a:latin typeface="Lucida Console" panose="020B0609040504020204" pitchFamily="49" charset="0"/>
-              </a:rPr>
-              <a:t>" "Gender" "</a:t>
-            </a:r>
-            <a:r>
-              <a:rPr kumimoji="0" lang="en-US" altLang="en-US" sz="1000" b="0" i="0" u="none" strike="noStrike" cap="none" normalizeH="0" baseline="0" dirty="0" err="1">
-                <a:ln>
-                  <a:noFill/>
-                </a:ln>
-                <a:solidFill>
-                  <a:srgbClr val="000000"/>
-                </a:solidFill>
-                <a:effectLst/>
-                <a:latin typeface="Lucida Console" panose="020B0609040504020204" pitchFamily="49" charset="0"/>
-              </a:rPr>
-              <a:t>HourlyRate</a:t>
-            </a:r>
-            <a:r>
-              <a:rPr kumimoji="0" lang="en-US" altLang="en-US" sz="1000" b="0" i="0" u="none" strike="noStrike" cap="none" normalizeH="0" baseline="0" dirty="0">
-                <a:ln>
-                  <a:noFill/>
-                </a:ln>
-                <a:solidFill>
-                  <a:srgbClr val="000000"/>
-                </a:solidFill>
-                <a:effectLst/>
-                <a:latin typeface="Lucida Console" panose="020B0609040504020204" pitchFamily="49" charset="0"/>
-              </a:rPr>
-              <a:t>" "</a:t>
-            </a:r>
-            <a:r>
-              <a:rPr kumimoji="0" lang="en-US" altLang="en-US" sz="1000" b="0" i="0" u="none" strike="noStrike" cap="none" normalizeH="0" baseline="0" dirty="0" err="1">
-                <a:ln>
-                  <a:noFill/>
-                </a:ln>
-                <a:solidFill>
-                  <a:srgbClr val="000000"/>
-                </a:solidFill>
-                <a:effectLst/>
-                <a:latin typeface="Lucida Console" panose="020B0609040504020204" pitchFamily="49" charset="0"/>
-              </a:rPr>
-              <a:t>JobInvolvement</a:t>
-            </a:r>
-            <a:r>
-              <a:rPr kumimoji="0" lang="en-US" altLang="en-US" sz="1000" b="0" i="0" u="none" strike="noStrike" cap="none" normalizeH="0" baseline="0" dirty="0">
-                <a:ln>
-                  <a:noFill/>
-                </a:ln>
-                <a:solidFill>
-                  <a:srgbClr val="000000"/>
-                </a:solidFill>
-                <a:effectLst/>
-                <a:latin typeface="Lucida Console" panose="020B0609040504020204" pitchFamily="49" charset="0"/>
-              </a:rPr>
-              <a:t>" "</a:t>
-            </a:r>
-            <a:r>
-              <a:rPr kumimoji="0" lang="en-US" altLang="en-US" sz="1000" b="0" i="0" u="none" strike="noStrike" cap="none" normalizeH="0" baseline="0" dirty="0" err="1">
-                <a:ln>
-                  <a:noFill/>
-                </a:ln>
-                <a:solidFill>
-                  <a:srgbClr val="000000"/>
-                </a:solidFill>
-                <a:effectLst/>
-                <a:latin typeface="Lucida Console" panose="020B0609040504020204" pitchFamily="49" charset="0"/>
-              </a:rPr>
-              <a:t>JobLevel</a:t>
-            </a:r>
-            <a:r>
-              <a:rPr kumimoji="0" lang="en-US" altLang="en-US" sz="1000" b="0" i="0" u="none" strike="noStrike" cap="none" normalizeH="0" baseline="0" dirty="0">
-                <a:ln>
-                  <a:noFill/>
-                </a:ln>
-                <a:solidFill>
-                  <a:srgbClr val="000000"/>
-                </a:solidFill>
-                <a:effectLst/>
-                <a:latin typeface="Lucida Console" panose="020B0609040504020204" pitchFamily="49" charset="0"/>
-              </a:rPr>
-              <a:t>" </a:t>
-            </a:r>
-          </a:p>
-          <a:p>
-            <a:pPr marR="0" lvl="0" algn="l" defTabSz="914400" rtl="0" eaLnBrk="0" fontAlgn="base" latinLnBrk="0" hangingPunct="0">
-              <a:lnSpc>
-                <a:spcPct val="100000"/>
-              </a:lnSpc>
-              <a:spcBef>
-                <a:spcPct val="0"/>
-              </a:spcBef>
-              <a:spcAft>
-                <a:spcPct val="0"/>
-              </a:spcAft>
-              <a:buClrTx/>
-              <a:buSzTx/>
-              <a:buFont typeface="Wingdings" panose="05000000000000000000" pitchFamily="2" charset="2"/>
-              <a:buChar char="Ø"/>
-              <a:tabLst/>
-            </a:pPr>
-            <a:r>
-              <a:rPr kumimoji="0" lang="en-US" altLang="en-US" sz="1000" b="0" i="0" u="none" strike="noStrike" cap="none" normalizeH="0" baseline="0" dirty="0">
-                <a:ln>
-                  <a:noFill/>
-                </a:ln>
-                <a:solidFill>
-                  <a:srgbClr val="000000"/>
-                </a:solidFill>
-                <a:effectLst/>
-                <a:latin typeface="Lucida Console" panose="020B0609040504020204" pitchFamily="49" charset="0"/>
-              </a:rPr>
-              <a:t>[16] "</a:t>
-            </a:r>
-            <a:r>
-              <a:rPr kumimoji="0" lang="en-US" altLang="en-US" sz="1000" b="0" i="0" u="none" strike="noStrike" cap="none" normalizeH="0" baseline="0" dirty="0" err="1">
-                <a:ln>
-                  <a:noFill/>
-                </a:ln>
-                <a:solidFill>
-                  <a:srgbClr val="000000"/>
-                </a:solidFill>
-                <a:effectLst/>
-                <a:latin typeface="Lucida Console" panose="020B0609040504020204" pitchFamily="49" charset="0"/>
-              </a:rPr>
-              <a:t>JobRole</a:t>
-            </a:r>
-            <a:r>
-              <a:rPr kumimoji="0" lang="en-US" altLang="en-US" sz="1000" b="0" i="0" u="none" strike="noStrike" cap="none" normalizeH="0" baseline="0" dirty="0">
-                <a:ln>
-                  <a:noFill/>
-                </a:ln>
-                <a:solidFill>
-                  <a:srgbClr val="000000"/>
-                </a:solidFill>
-                <a:effectLst/>
-                <a:latin typeface="Lucida Console" panose="020B0609040504020204" pitchFamily="49" charset="0"/>
-              </a:rPr>
-              <a:t>" "</a:t>
-            </a:r>
-            <a:r>
-              <a:rPr kumimoji="0" lang="en-US" altLang="en-US" sz="1000" b="0" i="0" u="none" strike="noStrike" cap="none" normalizeH="0" baseline="0" dirty="0" err="1">
-                <a:ln>
-                  <a:noFill/>
-                </a:ln>
-                <a:solidFill>
-                  <a:srgbClr val="000000"/>
-                </a:solidFill>
-                <a:effectLst/>
-                <a:latin typeface="Lucida Console" panose="020B0609040504020204" pitchFamily="49" charset="0"/>
-              </a:rPr>
-              <a:t>JobSatisfaction</a:t>
-            </a:r>
-            <a:r>
-              <a:rPr kumimoji="0" lang="en-US" altLang="en-US" sz="1000" b="0" i="0" u="none" strike="noStrike" cap="none" normalizeH="0" baseline="0" dirty="0">
-                <a:ln>
-                  <a:noFill/>
-                </a:ln>
-                <a:solidFill>
-                  <a:srgbClr val="000000"/>
-                </a:solidFill>
-                <a:effectLst/>
-                <a:latin typeface="Lucida Console" panose="020B0609040504020204" pitchFamily="49" charset="0"/>
-              </a:rPr>
-              <a:t>" "</a:t>
-            </a:r>
-            <a:r>
-              <a:rPr kumimoji="0" lang="en-US" altLang="en-US" sz="1000" b="0" i="0" u="none" strike="noStrike" cap="none" normalizeH="0" baseline="0" dirty="0" err="1">
-                <a:ln>
-                  <a:noFill/>
-                </a:ln>
-                <a:solidFill>
-                  <a:srgbClr val="000000"/>
-                </a:solidFill>
-                <a:effectLst/>
-                <a:latin typeface="Lucida Console" panose="020B0609040504020204" pitchFamily="49" charset="0"/>
-              </a:rPr>
-              <a:t>MaritalStatus</a:t>
-            </a:r>
-            <a:r>
-              <a:rPr kumimoji="0" lang="en-US" altLang="en-US" sz="1000" b="0" i="0" u="none" strike="noStrike" cap="none" normalizeH="0" baseline="0" dirty="0">
-                <a:ln>
-                  <a:noFill/>
-                </a:ln>
-                <a:solidFill>
-                  <a:srgbClr val="000000"/>
-                </a:solidFill>
-                <a:effectLst/>
-                <a:latin typeface="Lucida Console" panose="020B0609040504020204" pitchFamily="49" charset="0"/>
-              </a:rPr>
-              <a:t>" "</a:t>
-            </a:r>
-            <a:r>
-              <a:rPr kumimoji="0" lang="en-US" altLang="en-US" sz="1000" b="0" i="0" u="none" strike="noStrike" cap="none" normalizeH="0" baseline="0" dirty="0" err="1">
-                <a:ln>
-                  <a:noFill/>
-                </a:ln>
-                <a:solidFill>
-                  <a:srgbClr val="000000"/>
-                </a:solidFill>
-                <a:effectLst/>
-                <a:latin typeface="Lucida Console" panose="020B0609040504020204" pitchFamily="49" charset="0"/>
-              </a:rPr>
-              <a:t>MonthlyIncome</a:t>
-            </a:r>
-            <a:r>
-              <a:rPr kumimoji="0" lang="en-US" altLang="en-US" sz="1000" b="0" i="0" u="none" strike="noStrike" cap="none" normalizeH="0" baseline="0" dirty="0">
-                <a:ln>
-                  <a:noFill/>
-                </a:ln>
-                <a:solidFill>
-                  <a:srgbClr val="000000"/>
-                </a:solidFill>
-                <a:effectLst/>
-                <a:latin typeface="Lucida Console" panose="020B0609040504020204" pitchFamily="49" charset="0"/>
-              </a:rPr>
-              <a:t>" "</a:t>
-            </a:r>
-            <a:r>
-              <a:rPr kumimoji="0" lang="en-US" altLang="en-US" sz="1000" b="0" i="0" u="none" strike="noStrike" cap="none" normalizeH="0" baseline="0" dirty="0" err="1">
-                <a:ln>
-                  <a:noFill/>
-                </a:ln>
-                <a:solidFill>
-                  <a:srgbClr val="000000"/>
-                </a:solidFill>
-                <a:effectLst/>
-                <a:latin typeface="Lucida Console" panose="020B0609040504020204" pitchFamily="49" charset="0"/>
-              </a:rPr>
-              <a:t>MonthlyRate</a:t>
-            </a:r>
-            <a:r>
-              <a:rPr kumimoji="0" lang="en-US" altLang="en-US" sz="1000" b="0" i="0" u="none" strike="noStrike" cap="none" normalizeH="0" baseline="0" dirty="0">
-                <a:ln>
-                  <a:noFill/>
-                </a:ln>
-                <a:solidFill>
-                  <a:srgbClr val="000000"/>
-                </a:solidFill>
-                <a:effectLst/>
-                <a:latin typeface="Lucida Console" panose="020B0609040504020204" pitchFamily="49" charset="0"/>
-              </a:rPr>
-              <a:t>" </a:t>
-            </a:r>
-          </a:p>
-          <a:p>
-            <a:pPr marR="0" lvl="0" algn="l" defTabSz="914400" rtl="0" eaLnBrk="0" fontAlgn="base" latinLnBrk="0" hangingPunct="0">
-              <a:lnSpc>
-                <a:spcPct val="100000"/>
-              </a:lnSpc>
-              <a:spcBef>
-                <a:spcPct val="0"/>
-              </a:spcBef>
-              <a:spcAft>
-                <a:spcPct val="0"/>
-              </a:spcAft>
-              <a:buClrTx/>
-              <a:buSzTx/>
-              <a:buFont typeface="Wingdings" panose="05000000000000000000" pitchFamily="2" charset="2"/>
-              <a:buChar char="Ø"/>
-              <a:tabLst/>
-            </a:pPr>
-            <a:r>
-              <a:rPr kumimoji="0" lang="en-US" altLang="en-US" sz="1000" b="0" i="0" u="none" strike="noStrike" cap="none" normalizeH="0" baseline="0" dirty="0">
-                <a:ln>
-                  <a:noFill/>
-                </a:ln>
-                <a:solidFill>
-                  <a:srgbClr val="000000"/>
-                </a:solidFill>
-                <a:effectLst/>
-                <a:latin typeface="Lucida Console" panose="020B0609040504020204" pitchFamily="49" charset="0"/>
-              </a:rPr>
-              <a:t>[21] "</a:t>
-            </a:r>
-            <a:r>
-              <a:rPr kumimoji="0" lang="en-US" altLang="en-US" sz="1000" b="0" i="0" u="none" strike="noStrike" cap="none" normalizeH="0" baseline="0" dirty="0" err="1">
-                <a:ln>
-                  <a:noFill/>
-                </a:ln>
-                <a:solidFill>
-                  <a:srgbClr val="000000"/>
-                </a:solidFill>
-                <a:effectLst/>
-                <a:latin typeface="Lucida Console" panose="020B0609040504020204" pitchFamily="49" charset="0"/>
-              </a:rPr>
-              <a:t>NumCompaniesWorked</a:t>
-            </a:r>
-            <a:r>
-              <a:rPr kumimoji="0" lang="en-US" altLang="en-US" sz="1000" b="0" i="0" u="none" strike="noStrike" cap="none" normalizeH="0" baseline="0" dirty="0">
-                <a:ln>
-                  <a:noFill/>
-                </a:ln>
-                <a:solidFill>
-                  <a:srgbClr val="000000"/>
-                </a:solidFill>
-                <a:effectLst/>
-                <a:latin typeface="Lucida Console" panose="020B0609040504020204" pitchFamily="49" charset="0"/>
-              </a:rPr>
-              <a:t>" "Over18" "</a:t>
-            </a:r>
-            <a:r>
-              <a:rPr kumimoji="0" lang="en-US" altLang="en-US" sz="1000" b="0" i="0" u="none" strike="noStrike" cap="none" normalizeH="0" baseline="0" dirty="0" err="1">
-                <a:ln>
-                  <a:noFill/>
-                </a:ln>
-                <a:solidFill>
-                  <a:srgbClr val="000000"/>
-                </a:solidFill>
-                <a:effectLst/>
-                <a:latin typeface="Lucida Console" panose="020B0609040504020204" pitchFamily="49" charset="0"/>
-              </a:rPr>
-              <a:t>OverTime</a:t>
-            </a:r>
-            <a:r>
-              <a:rPr kumimoji="0" lang="en-US" altLang="en-US" sz="1000" b="0" i="0" u="none" strike="noStrike" cap="none" normalizeH="0" baseline="0" dirty="0">
-                <a:ln>
-                  <a:noFill/>
-                </a:ln>
-                <a:solidFill>
-                  <a:srgbClr val="000000"/>
-                </a:solidFill>
-                <a:effectLst/>
-                <a:latin typeface="Lucida Console" panose="020B0609040504020204" pitchFamily="49" charset="0"/>
-              </a:rPr>
-              <a:t>" "</a:t>
-            </a:r>
-            <a:r>
-              <a:rPr kumimoji="0" lang="en-US" altLang="en-US" sz="1000" b="0" i="0" u="none" strike="noStrike" cap="none" normalizeH="0" baseline="0" dirty="0" err="1">
-                <a:ln>
-                  <a:noFill/>
-                </a:ln>
-                <a:solidFill>
-                  <a:srgbClr val="000000"/>
-                </a:solidFill>
-                <a:effectLst/>
-                <a:latin typeface="Lucida Console" panose="020B0609040504020204" pitchFamily="49" charset="0"/>
-              </a:rPr>
-              <a:t>PercentSalaryHike</a:t>
-            </a:r>
-            <a:r>
-              <a:rPr kumimoji="0" lang="en-US" altLang="en-US" sz="1000" b="0" i="0" u="none" strike="noStrike" cap="none" normalizeH="0" baseline="0" dirty="0">
-                <a:ln>
-                  <a:noFill/>
-                </a:ln>
-                <a:solidFill>
-                  <a:srgbClr val="000000"/>
-                </a:solidFill>
-                <a:effectLst/>
-                <a:latin typeface="Lucida Console" panose="020B0609040504020204" pitchFamily="49" charset="0"/>
-              </a:rPr>
-              <a:t>" "</a:t>
-            </a:r>
-            <a:r>
-              <a:rPr kumimoji="0" lang="en-US" altLang="en-US" sz="1000" b="0" i="0" u="none" strike="noStrike" cap="none" normalizeH="0" baseline="0" dirty="0" err="1">
-                <a:ln>
-                  <a:noFill/>
-                </a:ln>
-                <a:solidFill>
-                  <a:srgbClr val="000000"/>
-                </a:solidFill>
-                <a:effectLst/>
-                <a:latin typeface="Lucida Console" panose="020B0609040504020204" pitchFamily="49" charset="0"/>
-              </a:rPr>
-              <a:t>PerformanceRating</a:t>
-            </a:r>
-            <a:r>
-              <a:rPr kumimoji="0" lang="en-US" altLang="en-US" sz="1000" b="0" i="0" u="none" strike="noStrike" cap="none" normalizeH="0" baseline="0" dirty="0">
-                <a:ln>
-                  <a:noFill/>
-                </a:ln>
-                <a:solidFill>
-                  <a:srgbClr val="000000"/>
-                </a:solidFill>
-                <a:effectLst/>
-                <a:latin typeface="Lucida Console" panose="020B0609040504020204" pitchFamily="49" charset="0"/>
-              </a:rPr>
-              <a:t>" </a:t>
-            </a:r>
-          </a:p>
-          <a:p>
-            <a:pPr marR="0" lvl="0" algn="l" defTabSz="914400" rtl="0" eaLnBrk="0" fontAlgn="base" latinLnBrk="0" hangingPunct="0">
-              <a:lnSpc>
-                <a:spcPct val="100000"/>
-              </a:lnSpc>
-              <a:spcBef>
-                <a:spcPct val="0"/>
-              </a:spcBef>
-              <a:spcAft>
-                <a:spcPct val="0"/>
-              </a:spcAft>
-              <a:buClrTx/>
-              <a:buSzTx/>
-              <a:buFont typeface="Wingdings" panose="05000000000000000000" pitchFamily="2" charset="2"/>
-              <a:buChar char="Ø"/>
-              <a:tabLst/>
-            </a:pPr>
-            <a:r>
-              <a:rPr kumimoji="0" lang="en-US" altLang="en-US" sz="1000" b="0" i="0" u="none" strike="noStrike" cap="none" normalizeH="0" baseline="0" dirty="0">
-                <a:ln>
-                  <a:noFill/>
-                </a:ln>
-                <a:solidFill>
-                  <a:srgbClr val="000000"/>
-                </a:solidFill>
-                <a:effectLst/>
-                <a:latin typeface="Lucida Console" panose="020B0609040504020204" pitchFamily="49" charset="0"/>
-              </a:rPr>
-              <a:t>[26] "</a:t>
-            </a:r>
-            <a:r>
-              <a:rPr kumimoji="0" lang="en-US" altLang="en-US" sz="1000" b="0" i="0" u="none" strike="noStrike" cap="none" normalizeH="0" baseline="0" dirty="0" err="1">
-                <a:ln>
-                  <a:noFill/>
-                </a:ln>
-                <a:solidFill>
-                  <a:srgbClr val="000000"/>
-                </a:solidFill>
-                <a:effectLst/>
-                <a:latin typeface="Lucida Console" panose="020B0609040504020204" pitchFamily="49" charset="0"/>
-              </a:rPr>
-              <a:t>RelationshipSatisfaction</a:t>
-            </a:r>
-            <a:r>
-              <a:rPr kumimoji="0" lang="en-US" altLang="en-US" sz="1000" b="0" i="0" u="none" strike="noStrike" cap="none" normalizeH="0" baseline="0" dirty="0">
-                <a:ln>
-                  <a:noFill/>
-                </a:ln>
-                <a:solidFill>
-                  <a:srgbClr val="000000"/>
-                </a:solidFill>
-                <a:effectLst/>
-                <a:latin typeface="Lucida Console" panose="020B0609040504020204" pitchFamily="49" charset="0"/>
-              </a:rPr>
-              <a:t>" "</a:t>
-            </a:r>
-            <a:r>
-              <a:rPr kumimoji="0" lang="en-US" altLang="en-US" sz="1000" b="0" i="0" u="none" strike="noStrike" cap="none" normalizeH="0" baseline="0" dirty="0" err="1">
-                <a:ln>
-                  <a:noFill/>
-                </a:ln>
-                <a:solidFill>
-                  <a:srgbClr val="000000"/>
-                </a:solidFill>
-                <a:effectLst/>
-                <a:latin typeface="Lucida Console" panose="020B0609040504020204" pitchFamily="49" charset="0"/>
-              </a:rPr>
-              <a:t>StandardHours</a:t>
-            </a:r>
-            <a:r>
-              <a:rPr kumimoji="0" lang="en-US" altLang="en-US" sz="1000" b="0" i="0" u="none" strike="noStrike" cap="none" normalizeH="0" baseline="0" dirty="0">
-                <a:ln>
-                  <a:noFill/>
-                </a:ln>
-                <a:solidFill>
-                  <a:srgbClr val="000000"/>
-                </a:solidFill>
-                <a:effectLst/>
-                <a:latin typeface="Lucida Console" panose="020B0609040504020204" pitchFamily="49" charset="0"/>
-              </a:rPr>
-              <a:t>" "</a:t>
-            </a:r>
-            <a:r>
-              <a:rPr kumimoji="0" lang="en-US" altLang="en-US" sz="1000" b="0" i="0" u="none" strike="noStrike" cap="none" normalizeH="0" baseline="0" dirty="0" err="1">
-                <a:ln>
-                  <a:noFill/>
-                </a:ln>
-                <a:solidFill>
-                  <a:srgbClr val="000000"/>
-                </a:solidFill>
-                <a:effectLst/>
-                <a:latin typeface="Lucida Console" panose="020B0609040504020204" pitchFamily="49" charset="0"/>
-              </a:rPr>
-              <a:t>StockOptionLevel</a:t>
-            </a:r>
-            <a:r>
-              <a:rPr kumimoji="0" lang="en-US" altLang="en-US" sz="1000" b="0" i="0" u="none" strike="noStrike" cap="none" normalizeH="0" baseline="0" dirty="0">
-                <a:ln>
-                  <a:noFill/>
-                </a:ln>
-                <a:solidFill>
-                  <a:srgbClr val="000000"/>
-                </a:solidFill>
-                <a:effectLst/>
-                <a:latin typeface="Lucida Console" panose="020B0609040504020204" pitchFamily="49" charset="0"/>
-              </a:rPr>
-              <a:t>" "</a:t>
-            </a:r>
-            <a:r>
-              <a:rPr kumimoji="0" lang="en-US" altLang="en-US" sz="1000" b="0" i="0" u="none" strike="noStrike" cap="none" normalizeH="0" baseline="0" dirty="0" err="1">
-                <a:ln>
-                  <a:noFill/>
-                </a:ln>
-                <a:solidFill>
-                  <a:srgbClr val="000000"/>
-                </a:solidFill>
-                <a:effectLst/>
-                <a:latin typeface="Lucida Console" panose="020B0609040504020204" pitchFamily="49" charset="0"/>
-              </a:rPr>
-              <a:t>TotalWorkingYears</a:t>
-            </a:r>
-            <a:r>
-              <a:rPr kumimoji="0" lang="en-US" altLang="en-US" sz="1000" b="0" i="0" u="none" strike="noStrike" cap="none" normalizeH="0" baseline="0" dirty="0">
-                <a:ln>
-                  <a:noFill/>
-                </a:ln>
-                <a:solidFill>
-                  <a:srgbClr val="000000"/>
-                </a:solidFill>
-                <a:effectLst/>
-                <a:latin typeface="Lucida Console" panose="020B0609040504020204" pitchFamily="49" charset="0"/>
-              </a:rPr>
-              <a:t>" "</a:t>
-            </a:r>
-            <a:r>
-              <a:rPr kumimoji="0" lang="en-US" altLang="en-US" sz="1000" b="0" i="0" u="none" strike="noStrike" cap="none" normalizeH="0" baseline="0" dirty="0" err="1">
-                <a:ln>
-                  <a:noFill/>
-                </a:ln>
-                <a:solidFill>
-                  <a:srgbClr val="000000"/>
-                </a:solidFill>
-                <a:effectLst/>
-                <a:latin typeface="Lucida Console" panose="020B0609040504020204" pitchFamily="49" charset="0"/>
-              </a:rPr>
-              <a:t>TrainingTimesLastYear</a:t>
-            </a:r>
-            <a:r>
-              <a:rPr kumimoji="0" lang="en-US" altLang="en-US" sz="1000" b="0" i="0" u="none" strike="noStrike" cap="none" normalizeH="0" baseline="0" dirty="0">
-                <a:ln>
-                  <a:noFill/>
-                </a:ln>
-                <a:solidFill>
-                  <a:srgbClr val="000000"/>
-                </a:solidFill>
-                <a:effectLst/>
-                <a:latin typeface="Lucida Console" panose="020B0609040504020204" pitchFamily="49" charset="0"/>
-              </a:rPr>
-              <a:t>" </a:t>
-            </a:r>
-          </a:p>
-          <a:p>
-            <a:pPr marR="0" lvl="0" algn="l" defTabSz="914400" rtl="0" eaLnBrk="0" fontAlgn="base" latinLnBrk="0" hangingPunct="0">
-              <a:lnSpc>
-                <a:spcPct val="100000"/>
-              </a:lnSpc>
-              <a:spcBef>
-                <a:spcPct val="0"/>
-              </a:spcBef>
-              <a:spcAft>
-                <a:spcPct val="0"/>
-              </a:spcAft>
-              <a:buClrTx/>
-              <a:buSzTx/>
-              <a:buFont typeface="Wingdings" panose="05000000000000000000" pitchFamily="2" charset="2"/>
-              <a:buChar char="Ø"/>
-              <a:tabLst/>
-            </a:pPr>
-            <a:r>
-              <a:rPr kumimoji="0" lang="en-US" altLang="en-US" sz="1000" b="0" i="0" u="none" strike="noStrike" cap="none" normalizeH="0" baseline="0" dirty="0">
-                <a:ln>
-                  <a:noFill/>
-                </a:ln>
-                <a:solidFill>
-                  <a:srgbClr val="000000"/>
-                </a:solidFill>
-                <a:effectLst/>
-                <a:latin typeface="Lucida Console" panose="020B0609040504020204" pitchFamily="49" charset="0"/>
-              </a:rPr>
-              <a:t>[31] "</a:t>
-            </a:r>
-            <a:r>
-              <a:rPr kumimoji="0" lang="en-US" altLang="en-US" sz="1000" b="0" i="0" u="none" strike="noStrike" cap="none" normalizeH="0" baseline="0" dirty="0" err="1">
-                <a:ln>
-                  <a:noFill/>
-                </a:ln>
-                <a:solidFill>
-                  <a:srgbClr val="000000"/>
-                </a:solidFill>
-                <a:effectLst/>
-                <a:latin typeface="Lucida Console" panose="020B0609040504020204" pitchFamily="49" charset="0"/>
-              </a:rPr>
-              <a:t>WorkLifeBalance</a:t>
-            </a:r>
-            <a:r>
-              <a:rPr kumimoji="0" lang="en-US" altLang="en-US" sz="1000" b="0" i="0" u="none" strike="noStrike" cap="none" normalizeH="0" baseline="0" dirty="0">
-                <a:ln>
-                  <a:noFill/>
-                </a:ln>
-                <a:solidFill>
-                  <a:srgbClr val="000000"/>
-                </a:solidFill>
-                <a:effectLst/>
-                <a:latin typeface="Lucida Console" panose="020B0609040504020204" pitchFamily="49" charset="0"/>
-              </a:rPr>
-              <a:t>" "</a:t>
-            </a:r>
-            <a:r>
-              <a:rPr kumimoji="0" lang="en-US" altLang="en-US" sz="1000" b="0" i="0" u="none" strike="noStrike" cap="none" normalizeH="0" baseline="0" dirty="0" err="1">
-                <a:ln>
-                  <a:noFill/>
-                </a:ln>
-                <a:solidFill>
-                  <a:srgbClr val="000000"/>
-                </a:solidFill>
-                <a:effectLst/>
-                <a:latin typeface="Lucida Console" panose="020B0609040504020204" pitchFamily="49" charset="0"/>
-              </a:rPr>
-              <a:t>YearsAtCompany</a:t>
-            </a:r>
-            <a:r>
-              <a:rPr kumimoji="0" lang="en-US" altLang="en-US" sz="1000" b="0" i="0" u="none" strike="noStrike" cap="none" normalizeH="0" baseline="0" dirty="0">
-                <a:ln>
-                  <a:noFill/>
-                </a:ln>
-                <a:solidFill>
-                  <a:srgbClr val="000000"/>
-                </a:solidFill>
-                <a:effectLst/>
-                <a:latin typeface="Lucida Console" panose="020B0609040504020204" pitchFamily="49" charset="0"/>
-              </a:rPr>
-              <a:t>" "</a:t>
-            </a:r>
-            <a:r>
-              <a:rPr kumimoji="0" lang="en-US" altLang="en-US" sz="1000" b="0" i="0" u="none" strike="noStrike" cap="none" normalizeH="0" baseline="0" dirty="0" err="1">
-                <a:ln>
-                  <a:noFill/>
-                </a:ln>
-                <a:solidFill>
-                  <a:srgbClr val="000000"/>
-                </a:solidFill>
-                <a:effectLst/>
-                <a:latin typeface="Lucida Console" panose="020B0609040504020204" pitchFamily="49" charset="0"/>
-              </a:rPr>
-              <a:t>YearsInCurrentRole</a:t>
-            </a:r>
-            <a:r>
-              <a:rPr kumimoji="0" lang="en-US" altLang="en-US" sz="1000" b="0" i="0" u="none" strike="noStrike" cap="none" normalizeH="0" baseline="0" dirty="0">
-                <a:ln>
-                  <a:noFill/>
-                </a:ln>
-                <a:solidFill>
-                  <a:srgbClr val="000000"/>
-                </a:solidFill>
-                <a:effectLst/>
-                <a:latin typeface="Lucida Console" panose="020B0609040504020204" pitchFamily="49" charset="0"/>
-              </a:rPr>
-              <a:t>" "</a:t>
-            </a:r>
-            <a:r>
-              <a:rPr kumimoji="0" lang="en-US" altLang="en-US" sz="1000" b="0" i="0" u="none" strike="noStrike" cap="none" normalizeH="0" baseline="0" dirty="0" err="1">
-                <a:ln>
-                  <a:noFill/>
-                </a:ln>
-                <a:solidFill>
-                  <a:srgbClr val="000000"/>
-                </a:solidFill>
-                <a:effectLst/>
-                <a:latin typeface="Lucida Console" panose="020B0609040504020204" pitchFamily="49" charset="0"/>
-              </a:rPr>
-              <a:t>YearsSinceLastPromotion</a:t>
-            </a:r>
-            <a:r>
-              <a:rPr kumimoji="0" lang="en-US" altLang="en-US" sz="1000" b="0" i="0" u="none" strike="noStrike" cap="none" normalizeH="0" baseline="0" dirty="0">
-                <a:ln>
-                  <a:noFill/>
-                </a:ln>
-                <a:solidFill>
-                  <a:srgbClr val="000000"/>
-                </a:solidFill>
-                <a:effectLst/>
-                <a:latin typeface="Lucida Console" panose="020B0609040504020204" pitchFamily="49" charset="0"/>
-              </a:rPr>
-              <a:t>" "</a:t>
-            </a:r>
-            <a:r>
-              <a:rPr kumimoji="0" lang="en-US" altLang="en-US" sz="1000" b="0" i="0" u="none" strike="noStrike" cap="none" normalizeH="0" baseline="0" dirty="0" err="1">
-                <a:ln>
-                  <a:noFill/>
-                </a:ln>
-                <a:solidFill>
-                  <a:srgbClr val="000000"/>
-                </a:solidFill>
-                <a:effectLst/>
-                <a:latin typeface="Lucida Console" panose="020B0609040504020204" pitchFamily="49" charset="0"/>
-              </a:rPr>
-              <a:t>YearsWithCurrManager</a:t>
-            </a:r>
-            <a:r>
-              <a:rPr kumimoji="0" lang="en-US" altLang="en-US" sz="1000" b="0" i="0" u="none" strike="noStrike" cap="none" normalizeH="0" baseline="0" dirty="0">
-                <a:ln>
-                  <a:noFill/>
-                </a:ln>
-                <a:solidFill>
-                  <a:srgbClr val="000000"/>
-                </a:solidFill>
-                <a:effectLst/>
-                <a:latin typeface="Lucida Console" panose="020B0609040504020204" pitchFamily="49" charset="0"/>
-              </a:rPr>
-              <a:t>" </a:t>
-            </a:r>
-            <a:endParaRPr kumimoji="0" lang="en-US" altLang="en-US" sz="1800" b="0" i="0" u="none" strike="noStrike" cap="none" normalizeH="0" baseline="0" dirty="0">
-              <a:ln>
-                <a:noFill/>
-              </a:ln>
-              <a:solidFill>
-                <a:schemeClr val="tx1"/>
-              </a:solidFill>
-              <a:effectLst/>
-              <a:latin typeface="Arial" panose="020B0604020202020204" pitchFamily="34" charset="0"/>
-            </a:endParaRPr>
-          </a:p>
-        </p:txBody>
-      </p:sp>
-      <p:sp>
-        <p:nvSpPr>
-          <p:cNvPr id="4" name="Content Placeholder 2">
-            <a:extLst>
-              <a:ext uri="{FF2B5EF4-FFF2-40B4-BE49-F238E27FC236}">
-                <a16:creationId xmlns:a16="http://schemas.microsoft.com/office/drawing/2014/main" id="{9BAB3DB7-62C2-4A2F-8D61-BC962C8DF26A}"/>
-              </a:ext>
-            </a:extLst>
-          </p:cNvPr>
-          <p:cNvSpPr txBox="1">
-            <a:spLocks/>
-          </p:cNvSpPr>
-          <p:nvPr/>
-        </p:nvSpPr>
-        <p:spPr>
-          <a:xfrm>
-            <a:off x="787400" y="2946399"/>
-            <a:ext cx="10515600" cy="3546476"/>
-          </a:xfrm>
-          <a:prstGeom prst="rect">
-            <a:avLst/>
-          </a:prstGeom>
-        </p:spPr>
-        <p:txBody>
-          <a:bodyPr vert="horz" lIns="91440" tIns="45720" rIns="91440" bIns="45720" rtlCol="0">
-            <a:normAutofit fontScale="47500" lnSpcReduction="20000"/>
-          </a:bodyPr>
-          <a:lstStyle>
-            <a:lvl1pPr marL="228600" indent="-228600" algn="l" defTabSz="914400" rtl="0" eaLnBrk="1" latinLnBrk="0" hangingPunct="1">
+            <a:pPr>
               <a:lnSpc>
                 <a:spcPct val="90000"/>
               </a:lnSpc>
-              <a:spcBef>
-                <a:spcPts val="1000"/>
-              </a:spcBef>
-              <a:buFont typeface="Arial" panose="020B0604020202020204" pitchFamily="34" charset="0"/>
-              <a:buChar char="•"/>
-              <a:defRPr sz="2800" kern="1200">
+            </a:pPr>
+            <a:r>
+              <a:rPr lang="en-US" sz="2000" dirty="0">
                 <a:solidFill>
-                  <a:schemeClr val="tx1"/>
+                  <a:srgbClr val="EBEBEB"/>
                 </a:solidFill>
-                <a:latin typeface="+mn-lt"/>
-                <a:ea typeface="+mn-ea"/>
-                <a:cs typeface="+mn-cs"/>
-              </a:defRPr>
-            </a:lvl1pPr>
-            <a:lvl2pPr marL="685800" indent="-228600" algn="l" defTabSz="914400" rtl="0" eaLnBrk="1" latinLnBrk="0" hangingPunct="1">
-              <a:lnSpc>
-                <a:spcPct val="90000"/>
-              </a:lnSpc>
-              <a:spcBef>
-                <a:spcPts val="500"/>
-              </a:spcBef>
-              <a:buFont typeface="Arial" panose="020B0604020202020204" pitchFamily="34" charset="0"/>
-              <a:buChar char="•"/>
-              <a:defRPr sz="2400" kern="1200">
-                <a:solidFill>
-                  <a:schemeClr val="tx1"/>
-                </a:solidFill>
-                <a:latin typeface="+mn-lt"/>
-                <a:ea typeface="+mn-ea"/>
-                <a:cs typeface="+mn-cs"/>
-              </a:defRPr>
-            </a:lvl2pPr>
-            <a:lvl3pPr marL="1143000" indent="-228600" algn="l" defTabSz="914400" rtl="0" eaLnBrk="1" latinLnBrk="0" hangingPunct="1">
-              <a:lnSpc>
-                <a:spcPct val="90000"/>
-              </a:lnSpc>
-              <a:spcBef>
-                <a:spcPts val="500"/>
-              </a:spcBef>
-              <a:buFont typeface="Arial" panose="020B0604020202020204" pitchFamily="34" charset="0"/>
-              <a:buChar char="•"/>
-              <a:defRPr sz="2000" kern="1200">
-                <a:solidFill>
-                  <a:schemeClr val="tx1"/>
-                </a:solidFill>
-                <a:latin typeface="+mn-lt"/>
-                <a:ea typeface="+mn-ea"/>
-                <a:cs typeface="+mn-cs"/>
-              </a:defRPr>
-            </a:lvl3pPr>
-            <a:lvl4pPr marL="1600200" indent="-228600" algn="l" defTabSz="914400" rtl="0" eaLnBrk="1" latinLnBrk="0" hangingPunct="1">
-              <a:lnSpc>
-                <a:spcPct val="90000"/>
-              </a:lnSpc>
-              <a:spcBef>
-                <a:spcPts val="500"/>
-              </a:spcBef>
-              <a:buFont typeface="Arial" panose="020B0604020202020204" pitchFamily="34" charset="0"/>
-              <a:buChar char="•"/>
-              <a:defRPr sz="1800" kern="1200">
-                <a:solidFill>
-                  <a:schemeClr val="tx1"/>
-                </a:solidFill>
-                <a:latin typeface="+mn-lt"/>
-                <a:ea typeface="+mn-ea"/>
-                <a:cs typeface="+mn-cs"/>
-              </a:defRPr>
-            </a:lvl4pPr>
-            <a:lvl5pPr marL="2057400" indent="-228600" algn="l" defTabSz="914400" rtl="0" eaLnBrk="1" latinLnBrk="0" hangingPunct="1">
-              <a:lnSpc>
-                <a:spcPct val="90000"/>
-              </a:lnSpc>
-              <a:spcBef>
-                <a:spcPts val="500"/>
-              </a:spcBef>
-              <a:buFont typeface="Arial" panose="020B0604020202020204" pitchFamily="34" charset="0"/>
-              <a:buChar char="•"/>
-              <a:defRPr sz="1800" kern="1200">
-                <a:solidFill>
-                  <a:schemeClr val="tx1"/>
-                </a:solidFill>
-                <a:latin typeface="+mn-lt"/>
-                <a:ea typeface="+mn-ea"/>
-                <a:cs typeface="+mn-cs"/>
-              </a:defRPr>
-            </a:lvl5pPr>
-            <a:lvl6pPr marL="2514600" indent="-228600" algn="l" defTabSz="914400" rtl="0" eaLnBrk="1" latinLnBrk="0" hangingPunct="1">
-              <a:lnSpc>
-                <a:spcPct val="90000"/>
-              </a:lnSpc>
-              <a:spcBef>
-                <a:spcPts val="500"/>
-              </a:spcBef>
-              <a:buFont typeface="Arial" panose="020B0604020202020204" pitchFamily="34" charset="0"/>
-              <a:buChar char="•"/>
-              <a:defRPr sz="1800" kern="1200">
-                <a:solidFill>
-                  <a:schemeClr val="tx1"/>
-                </a:solidFill>
-                <a:latin typeface="+mn-lt"/>
-                <a:ea typeface="+mn-ea"/>
-                <a:cs typeface="+mn-cs"/>
-              </a:defRPr>
-            </a:lvl6pPr>
-            <a:lvl7pPr marL="2971800" indent="-228600" algn="l" defTabSz="914400" rtl="0" eaLnBrk="1" latinLnBrk="0" hangingPunct="1">
-              <a:lnSpc>
-                <a:spcPct val="90000"/>
-              </a:lnSpc>
-              <a:spcBef>
-                <a:spcPts val="500"/>
-              </a:spcBef>
-              <a:buFont typeface="Arial" panose="020B0604020202020204" pitchFamily="34" charset="0"/>
-              <a:buChar char="•"/>
-              <a:defRPr sz="1800" kern="1200">
-                <a:solidFill>
-                  <a:schemeClr val="tx1"/>
-                </a:solidFill>
-                <a:latin typeface="+mn-lt"/>
-                <a:ea typeface="+mn-ea"/>
-                <a:cs typeface="+mn-cs"/>
-              </a:defRPr>
-            </a:lvl7pPr>
-            <a:lvl8pPr marL="3429000" indent="-228600" algn="l" defTabSz="914400" rtl="0" eaLnBrk="1" latinLnBrk="0" hangingPunct="1">
-              <a:lnSpc>
-                <a:spcPct val="90000"/>
-              </a:lnSpc>
-              <a:spcBef>
-                <a:spcPts val="500"/>
-              </a:spcBef>
-              <a:buFont typeface="Arial" panose="020B0604020202020204" pitchFamily="34" charset="0"/>
-              <a:buChar char="•"/>
-              <a:defRPr sz="1800" kern="1200">
-                <a:solidFill>
-                  <a:schemeClr val="tx1"/>
-                </a:solidFill>
-                <a:latin typeface="+mn-lt"/>
-                <a:ea typeface="+mn-ea"/>
-                <a:cs typeface="+mn-cs"/>
-              </a:defRPr>
-            </a:lvl8pPr>
-            <a:lvl9pPr marL="3886200" indent="-228600" algn="l" defTabSz="914400" rtl="0" eaLnBrk="1" latinLnBrk="0" hangingPunct="1">
-              <a:lnSpc>
-                <a:spcPct val="90000"/>
-              </a:lnSpc>
-              <a:spcBef>
-                <a:spcPts val="500"/>
-              </a:spcBef>
-              <a:buFont typeface="Arial" panose="020B0604020202020204" pitchFamily="34" charset="0"/>
-              <a:buChar char="•"/>
-              <a:defRPr sz="1800" kern="1200">
-                <a:solidFill>
-                  <a:schemeClr val="tx1"/>
-                </a:solidFill>
-                <a:latin typeface="+mn-lt"/>
-                <a:ea typeface="+mn-ea"/>
-                <a:cs typeface="+mn-cs"/>
-              </a:defRPr>
-            </a:lvl9pPr>
-          </a:lstStyle>
-          <a:p>
-            <a:r>
-              <a:rPr lang="en-US" dirty="0"/>
-              <a:t>Potential Trends related to attrition:</a:t>
-            </a:r>
-          </a:p>
-          <a:p>
-            <a:pPr lvl="1"/>
-            <a:r>
-              <a:rPr lang="en-US" dirty="0"/>
-              <a:t>Age related to Attrition</a:t>
-            </a:r>
-          </a:p>
-          <a:p>
-            <a:pPr lvl="2"/>
-            <a:r>
-              <a:rPr lang="en-US" dirty="0"/>
-              <a:t>People retire, midlife crisis?</a:t>
-            </a:r>
-          </a:p>
-          <a:p>
-            <a:pPr lvl="1"/>
-            <a:r>
-              <a:rPr lang="en-US" dirty="0" err="1"/>
-              <a:t>WorklifeBalance</a:t>
-            </a:r>
-            <a:endParaRPr lang="en-US" dirty="0"/>
-          </a:p>
-          <a:p>
-            <a:pPr lvl="2"/>
-            <a:r>
-              <a:rPr lang="en-US" dirty="0"/>
-              <a:t>People retire, midlife crisis?</a:t>
-            </a:r>
-          </a:p>
-          <a:p>
-            <a:pPr lvl="1"/>
-            <a:r>
-              <a:rPr lang="en-US" dirty="0" err="1"/>
-              <a:t>JobInvolvment</a:t>
-            </a:r>
-            <a:r>
-              <a:rPr lang="en-US" dirty="0"/>
-              <a:t>/</a:t>
-            </a:r>
-            <a:r>
-              <a:rPr lang="en-US" dirty="0" err="1"/>
-              <a:t>JobSatisfaction</a:t>
-            </a:r>
-            <a:endParaRPr lang="en-US" dirty="0"/>
-          </a:p>
-          <a:p>
-            <a:pPr lvl="2"/>
-            <a:r>
-              <a:rPr lang="en-US" dirty="0"/>
-              <a:t>Are people bored? Are they engaged? Too much work?</a:t>
-            </a:r>
-          </a:p>
-          <a:p>
-            <a:pPr lvl="1"/>
-            <a:r>
-              <a:rPr lang="en-US" dirty="0"/>
-              <a:t>Years at company</a:t>
-            </a:r>
-          </a:p>
-          <a:p>
-            <a:pPr lvl="2"/>
-            <a:r>
-              <a:rPr lang="en-US" dirty="0"/>
-              <a:t>Do the longer people work at company deter them more from leaving?</a:t>
-            </a:r>
-          </a:p>
-          <a:p>
-            <a:pPr lvl="1"/>
-            <a:r>
-              <a:rPr lang="en-US" dirty="0"/>
-              <a:t>Job Role</a:t>
-            </a:r>
-          </a:p>
-          <a:p>
-            <a:pPr lvl="2"/>
-            <a:r>
-              <a:rPr lang="en-US" dirty="0"/>
-              <a:t>What jobs have the most people leaving? </a:t>
-            </a:r>
-          </a:p>
-          <a:p>
-            <a:pPr lvl="1"/>
-            <a:r>
-              <a:rPr lang="en-US" dirty="0"/>
-              <a:t>Monthly Income</a:t>
-            </a:r>
-          </a:p>
-          <a:p>
-            <a:pPr lvl="2"/>
-            <a:r>
-              <a:rPr lang="en-US" dirty="0"/>
-              <a:t>Is there an average wage that causes people to leave?</a:t>
-            </a:r>
-          </a:p>
-          <a:p>
-            <a:pPr lvl="1"/>
-            <a:r>
-              <a:rPr lang="en-US" dirty="0"/>
-              <a:t>Gender</a:t>
-            </a:r>
-          </a:p>
-          <a:p>
-            <a:pPr lvl="2"/>
-            <a:r>
-              <a:rPr lang="en-US" dirty="0"/>
-              <a:t>Which gender is leaving more? </a:t>
-            </a:r>
-          </a:p>
-          <a:p>
-            <a:pPr marL="914400" lvl="2" indent="0">
-              <a:buNone/>
-            </a:pPr>
-            <a:endParaRPr lang="en-US" dirty="0"/>
-          </a:p>
-          <a:p>
-            <a:pPr lvl="2"/>
-            <a:endParaRPr lang="en-US" dirty="0"/>
-          </a:p>
-          <a:p>
-            <a:pPr marL="914400" lvl="2" indent="0">
-              <a:buNone/>
-            </a:pPr>
-            <a:endParaRPr lang="en-US" dirty="0"/>
-          </a:p>
-          <a:p>
-            <a:pPr marL="914400" lvl="2" indent="0">
-              <a:buNone/>
-            </a:pPr>
-            <a:r>
-              <a:rPr lang="en-US" dirty="0"/>
-              <a:t> </a:t>
-            </a:r>
-          </a:p>
-          <a:p>
-            <a:pPr marL="914400" lvl="2" indent="0">
-              <a:buNone/>
-            </a:pPr>
-            <a:endParaRPr lang="en-US" dirty="0"/>
+              </a:rPr>
+              <a:t>Age by Distance From Home Heat Map</a:t>
+            </a:r>
           </a:p>
         </p:txBody>
       </p:sp>
     </p:spTree>
     <p:extLst>
       <p:ext uri="{BB962C8B-B14F-4D97-AF65-F5344CB8AC3E}">
-        <p14:creationId xmlns:p14="http://schemas.microsoft.com/office/powerpoint/2010/main" val="2852773575"/>
+        <p14:creationId xmlns:p14="http://schemas.microsoft.com/office/powerpoint/2010/main" val="2096850138"/>
       </p:ext>
     </p:extLst>
   </p:cSld>
@@ -14065,12 +15002,47 @@
           <a:chExt cx="0" cy="0"/>
         </a:xfrm>
       </p:grpSpPr>
+      <p:sp>
+        <p:nvSpPr>
+          <p:cNvPr id="4" name="TextBox 3">
+            <a:extLst>
+              <a:ext uri="{FF2B5EF4-FFF2-40B4-BE49-F238E27FC236}">
+                <a16:creationId xmlns:a16="http://schemas.microsoft.com/office/drawing/2014/main" id="{DC4E2D60-2CF0-4F20-8AAF-A234BD6C85C5}"/>
+              </a:ext>
+            </a:extLst>
+          </p:cNvPr>
+          <p:cNvSpPr txBox="1"/>
+          <p:nvPr/>
+        </p:nvSpPr>
+        <p:spPr>
+          <a:xfrm>
+            <a:off x="647700" y="1149712"/>
+            <a:ext cx="10896600" cy="369332"/>
+          </a:xfrm>
+          <a:prstGeom prst="rect">
+            <a:avLst/>
+          </a:prstGeom>
+          <a:noFill/>
+        </p:spPr>
+        <p:txBody>
+          <a:bodyPr wrap="square" rtlCol="0">
+            <a:spAutoFit/>
+          </a:bodyPr>
+          <a:lstStyle/>
+          <a:p>
+            <a:r>
+              <a:rPr lang="en-US" dirty="0"/>
+              <a:t>Highest Attrition Rates – Man or Woman?</a:t>
+            </a:r>
+          </a:p>
+        </p:txBody>
+      </p:sp>
       <p:pic>
         <p:nvPicPr>
-          <p:cNvPr id="4" name="Picture 3">
-            <a:extLst>
-              <a:ext uri="{FF2B5EF4-FFF2-40B4-BE49-F238E27FC236}">
-                <a16:creationId xmlns:a16="http://schemas.microsoft.com/office/drawing/2014/main" id="{6A0C16AB-AA18-41FA-839F-5D893CE2A644}"/>
+          <p:cNvPr id="5" name="Picture 4">
+            <a:extLst>
+              <a:ext uri="{FF2B5EF4-FFF2-40B4-BE49-F238E27FC236}">
+                <a16:creationId xmlns:a16="http://schemas.microsoft.com/office/drawing/2014/main" id="{10FC8C96-EE96-4F67-917C-C6E289554ED4}"/>
               </a:ext>
             </a:extLst>
           </p:cNvPr>
@@ -14087,18 +15059,234 @@
         </p:blipFill>
         <p:spPr>
           <a:xfrm>
-            <a:off x="164795" y="6174"/>
-            <a:ext cx="11862410" cy="6845652"/>
+            <a:off x="6454697" y="1772257"/>
+            <a:ext cx="3041806" cy="3511730"/>
           </a:xfrm>
           <a:prstGeom prst="rect">
             <a:avLst/>
           </a:prstGeom>
         </p:spPr>
       </p:pic>
+      <p:pic>
+        <p:nvPicPr>
+          <p:cNvPr id="7" name="Picture 6">
+            <a:extLst>
+              <a:ext uri="{FF2B5EF4-FFF2-40B4-BE49-F238E27FC236}">
+                <a16:creationId xmlns:a16="http://schemas.microsoft.com/office/drawing/2014/main" id="{407E4395-FFCF-46C2-987C-75F0B2DB2419}"/>
+              </a:ext>
+            </a:extLst>
+          </p:cNvPr>
+          <p:cNvPicPr>
+            <a:picLocks noChangeAspect="1"/>
+          </p:cNvPicPr>
+          <p:nvPr/>
+        </p:nvPicPr>
+        <p:blipFill>
+          <a:blip r:embed="rId3"/>
+          <a:stretch>
+            <a:fillRect/>
+          </a:stretch>
+        </p:blipFill>
+        <p:spPr>
+          <a:xfrm>
+            <a:off x="2638347" y="1772257"/>
+            <a:ext cx="3041806" cy="3511730"/>
+          </a:xfrm>
+          <a:prstGeom prst="rect">
+            <a:avLst/>
+          </a:prstGeom>
+        </p:spPr>
+      </p:pic>
+      <p:sp>
+        <p:nvSpPr>
+          <p:cNvPr id="8" name="TextBox 7">
+            <a:extLst>
+              <a:ext uri="{FF2B5EF4-FFF2-40B4-BE49-F238E27FC236}">
+                <a16:creationId xmlns:a16="http://schemas.microsoft.com/office/drawing/2014/main" id="{2BAA4D92-15B4-4787-9234-D781A60DE2D1}"/>
+              </a:ext>
+            </a:extLst>
+          </p:cNvPr>
+          <p:cNvSpPr txBox="1"/>
+          <p:nvPr/>
+        </p:nvSpPr>
+        <p:spPr>
+          <a:xfrm>
+            <a:off x="812800" y="2327793"/>
+            <a:ext cx="1720850" cy="1200329"/>
+          </a:xfrm>
+          <a:prstGeom prst="rect">
+            <a:avLst/>
+          </a:prstGeom>
+          <a:noFill/>
+        </p:spPr>
+        <p:txBody>
+          <a:bodyPr wrap="square" rtlCol="0">
+            <a:spAutoFit/>
+          </a:bodyPr>
+          <a:lstStyle/>
+          <a:p>
+            <a:r>
+              <a:rPr lang="en-US" dirty="0"/>
+              <a:t>* ~ 15% women leaving the company.</a:t>
+            </a:r>
+          </a:p>
+        </p:txBody>
+      </p:sp>
+      <p:sp>
+        <p:nvSpPr>
+          <p:cNvPr id="9" name="TextBox 8">
+            <a:extLst>
+              <a:ext uri="{FF2B5EF4-FFF2-40B4-BE49-F238E27FC236}">
+                <a16:creationId xmlns:a16="http://schemas.microsoft.com/office/drawing/2014/main" id="{13D0463F-E7BB-48D7-AA37-540D22BB2896}"/>
+              </a:ext>
+            </a:extLst>
+          </p:cNvPr>
+          <p:cNvSpPr txBox="1"/>
+          <p:nvPr/>
+        </p:nvSpPr>
+        <p:spPr>
+          <a:xfrm>
+            <a:off x="9823450" y="2413428"/>
+            <a:ext cx="1720850" cy="923330"/>
+          </a:xfrm>
+          <a:prstGeom prst="rect">
+            <a:avLst/>
+          </a:prstGeom>
+          <a:noFill/>
+        </p:spPr>
+        <p:txBody>
+          <a:bodyPr wrap="square" rtlCol="0">
+            <a:spAutoFit/>
+          </a:bodyPr>
+          <a:lstStyle/>
+          <a:p>
+            <a:r>
+              <a:rPr lang="en-US" dirty="0"/>
+              <a:t>* ~ 17% men leaving the company.</a:t>
+            </a:r>
+          </a:p>
+        </p:txBody>
+      </p:sp>
+      <p:sp>
+        <p:nvSpPr>
+          <p:cNvPr id="10" name="Title 1">
+            <a:extLst>
+              <a:ext uri="{FF2B5EF4-FFF2-40B4-BE49-F238E27FC236}">
+                <a16:creationId xmlns:a16="http://schemas.microsoft.com/office/drawing/2014/main" id="{B41840D4-8744-4C91-A03A-38459A595A3B}"/>
+              </a:ext>
+            </a:extLst>
+          </p:cNvPr>
+          <p:cNvSpPr txBox="1">
+            <a:spLocks/>
+          </p:cNvSpPr>
+          <p:nvPr/>
+        </p:nvSpPr>
+        <p:spPr>
+          <a:xfrm>
+            <a:off x="3148605" y="256410"/>
+            <a:ext cx="5385795" cy="570692"/>
+          </a:xfrm>
+          <a:prstGeom prst="rect">
+            <a:avLst/>
+          </a:prstGeom>
+        </p:spPr>
+        <p:txBody>
+          <a:bodyPr vert="horz" lIns="91440" tIns="45720" rIns="91440" bIns="45720" rtlCol="0" anchor="b">
+            <a:noAutofit/>
+          </a:bodyPr>
+          <a:lstStyle>
+            <a:lvl1pPr algn="l" defTabSz="457200" rtl="0" eaLnBrk="1" latinLnBrk="0" hangingPunct="1">
+              <a:spcBef>
+                <a:spcPct val="0"/>
+              </a:spcBef>
+              <a:buNone/>
+              <a:defRPr sz="7200" b="0" i="0" kern="1200">
+                <a:solidFill>
+                  <a:schemeClr val="tx2"/>
+                </a:solidFill>
+                <a:latin typeface="+mj-lt"/>
+                <a:ea typeface="+mj-ea"/>
+                <a:cs typeface="+mj-cs"/>
+              </a:defRPr>
+            </a:lvl1pPr>
+            <a:lvl2pPr eaLnBrk="1" hangingPunct="1">
+              <a:defRPr>
+                <a:solidFill>
+                  <a:schemeClr val="tx2"/>
+                </a:solidFill>
+              </a:defRPr>
+            </a:lvl2pPr>
+            <a:lvl3pPr eaLnBrk="1" hangingPunct="1">
+              <a:defRPr>
+                <a:solidFill>
+                  <a:schemeClr val="tx2"/>
+                </a:solidFill>
+              </a:defRPr>
+            </a:lvl3pPr>
+            <a:lvl4pPr eaLnBrk="1" hangingPunct="1">
+              <a:defRPr>
+                <a:solidFill>
+                  <a:schemeClr val="tx2"/>
+                </a:solidFill>
+              </a:defRPr>
+            </a:lvl4pPr>
+            <a:lvl5pPr eaLnBrk="1" hangingPunct="1">
+              <a:defRPr>
+                <a:solidFill>
+                  <a:schemeClr val="tx2"/>
+                </a:solidFill>
+              </a:defRPr>
+            </a:lvl5pPr>
+            <a:lvl6pPr eaLnBrk="1" hangingPunct="1">
+              <a:defRPr>
+                <a:solidFill>
+                  <a:schemeClr val="tx2"/>
+                </a:solidFill>
+              </a:defRPr>
+            </a:lvl6pPr>
+            <a:lvl7pPr eaLnBrk="1" hangingPunct="1">
+              <a:defRPr>
+                <a:solidFill>
+                  <a:schemeClr val="tx2"/>
+                </a:solidFill>
+              </a:defRPr>
+            </a:lvl7pPr>
+            <a:lvl8pPr eaLnBrk="1" hangingPunct="1">
+              <a:defRPr>
+                <a:solidFill>
+                  <a:schemeClr val="tx2"/>
+                </a:solidFill>
+              </a:defRPr>
+            </a:lvl8pPr>
+            <a:lvl9pPr eaLnBrk="1" hangingPunct="1">
+              <a:defRPr>
+                <a:solidFill>
+                  <a:schemeClr val="tx2"/>
+                </a:solidFill>
+              </a:defRPr>
+            </a:lvl9pPr>
+          </a:lstStyle>
+          <a:p>
+            <a:pPr>
+              <a:lnSpc>
+                <a:spcPct val="90000"/>
+              </a:lnSpc>
+            </a:pPr>
+            <a:r>
+              <a:rPr lang="en-US" sz="2400" dirty="0">
+                <a:solidFill>
+                  <a:srgbClr val="EBEBEB"/>
+                </a:solidFill>
+              </a:rPr>
+              <a:t>Quick look at Male vs. Female</a:t>
+            </a:r>
+          </a:p>
+        </p:txBody>
+      </p:sp>
     </p:spTree>
     <p:extLst>
       <p:ext uri="{BB962C8B-B14F-4D97-AF65-F5344CB8AC3E}">
-        <p14:creationId xmlns:p14="http://schemas.microsoft.com/office/powerpoint/2010/main" val="4042849372"/>
+        <p14:creationId xmlns:p14="http://schemas.microsoft.com/office/powerpoint/2010/main" val="3440744934"/>
       </p:ext>
     </p:extLst>
   </p:cSld>
@@ -14125,12 +15313,45 @@
           <a:chExt cx="0" cy="0"/>
         </a:xfrm>
       </p:grpSpPr>
+      <p:sp>
+        <p:nvSpPr>
+          <p:cNvPr id="2" name="Title 1">
+            <a:extLst>
+              <a:ext uri="{FF2B5EF4-FFF2-40B4-BE49-F238E27FC236}">
+                <a16:creationId xmlns:a16="http://schemas.microsoft.com/office/drawing/2014/main" id="{BC104E05-66F4-4230-AB27-EF37DEC9CC84}"/>
+              </a:ext>
+            </a:extLst>
+          </p:cNvPr>
+          <p:cNvSpPr>
+            <a:spLocks noGrp="1"/>
+          </p:cNvSpPr>
+          <p:nvPr>
+            <p:ph type="title"/>
+          </p:nvPr>
+        </p:nvSpPr>
+        <p:spPr>
+          <a:xfrm>
+            <a:off x="677861" y="90768"/>
+            <a:ext cx="9856789" cy="515134"/>
+          </a:xfrm>
+        </p:spPr>
+        <p:txBody>
+          <a:bodyPr/>
+          <a:lstStyle/>
+          <a:p>
+            <a:r>
+              <a:rPr lang="en-US" sz="3200" dirty="0"/>
+              <a:t>Monthly Income by Age Heat Map</a:t>
+            </a:r>
+          </a:p>
+        </p:txBody>
+      </p:sp>
       <p:pic>
         <p:nvPicPr>
-          <p:cNvPr id="5" name="Picture 4">
-            <a:extLst>
-              <a:ext uri="{FF2B5EF4-FFF2-40B4-BE49-F238E27FC236}">
-                <a16:creationId xmlns:a16="http://schemas.microsoft.com/office/drawing/2014/main" id="{13DED279-D6D4-4397-A153-3F5D0C642BE7}"/>
+          <p:cNvPr id="4" name="Picture 3">
+            <a:extLst>
+              <a:ext uri="{FF2B5EF4-FFF2-40B4-BE49-F238E27FC236}">
+                <a16:creationId xmlns:a16="http://schemas.microsoft.com/office/drawing/2014/main" id="{643B26D7-03EC-4442-B1E3-49337396B55D}"/>
               </a:ext>
             </a:extLst>
           </p:cNvPr>
@@ -14147,8 +15368,8 @@
         </p:blipFill>
         <p:spPr>
           <a:xfrm>
-            <a:off x="3054193" y="228435"/>
-            <a:ext cx="6083613" cy="6401129"/>
+            <a:off x="799947" y="605902"/>
+            <a:ext cx="10592105" cy="6112574"/>
           </a:xfrm>
           <a:prstGeom prst="rect">
             <a:avLst/>
@@ -14157,43 +15378,103 @@
       </p:pic>
       <p:sp>
         <p:nvSpPr>
-          <p:cNvPr id="6" name="TextBox 5">
-            <a:extLst>
-              <a:ext uri="{FF2B5EF4-FFF2-40B4-BE49-F238E27FC236}">
-                <a16:creationId xmlns:a16="http://schemas.microsoft.com/office/drawing/2014/main" id="{61C61FA3-85A4-4E0A-A9C0-F361A756102D}"/>
-              </a:ext>
-            </a:extLst>
-          </p:cNvPr>
-          <p:cNvSpPr txBox="1"/>
+          <p:cNvPr id="14" name="Oval 13">
+            <a:extLst>
+              <a:ext uri="{FF2B5EF4-FFF2-40B4-BE49-F238E27FC236}">
+                <a16:creationId xmlns:a16="http://schemas.microsoft.com/office/drawing/2014/main" id="{B59AB5E1-8086-4D08-B3ED-8235A7DB931F}"/>
+              </a:ext>
+            </a:extLst>
+          </p:cNvPr>
+          <p:cNvSpPr/>
           <p:nvPr/>
         </p:nvSpPr>
         <p:spPr>
           <a:xfrm>
-            <a:off x="203200" y="1257300"/>
-            <a:ext cx="2489200" cy="369332"/>
-          </a:xfrm>
-          <a:prstGeom prst="rect">
+            <a:off x="6096000" y="2743200"/>
+            <a:ext cx="1372595" cy="978858"/>
+          </a:xfrm>
+          <a:prstGeom prst="ellipse">
             <a:avLst/>
           </a:prstGeom>
-          <a:noFill/>
-        </p:spPr>
-        <p:txBody>
-          <a:bodyPr wrap="square" rtlCol="0">
-            <a:spAutoFit/>
-          </a:bodyPr>
+        </p:spPr>
+        <p:style>
+          <a:lnRef idx="2">
+            <a:schemeClr val="accent4">
+              <a:shade val="50000"/>
+            </a:schemeClr>
+          </a:lnRef>
+          <a:fillRef idx="1">
+            <a:schemeClr val="accent4"/>
+          </a:fillRef>
+          <a:effectRef idx="0">
+            <a:schemeClr val="accent4"/>
+          </a:effectRef>
+          <a:fontRef idx="minor">
+            <a:schemeClr val="lt1"/>
+          </a:fontRef>
+        </p:style>
+        <p:txBody>
+          <a:bodyPr rtlCol="0" anchor="ctr"/>
           <a:lstStyle/>
           <a:p>
-            <a:r>
-              <a:rPr lang="en-US" dirty="0"/>
-              <a:t>I suspect these are </a:t>
-            </a:r>
-          </a:p>
-        </p:txBody>
-      </p:sp>
+            <a:pPr algn="ctr"/>
+            <a:r>
+              <a:rPr lang="en-US" sz="900" dirty="0">
+                <a:solidFill>
+                  <a:schemeClr val="tx1"/>
+                </a:solidFill>
+              </a:rPr>
+              <a:t>Most people leave ~30 years old making ~2,500/month</a:t>
+            </a:r>
+          </a:p>
+        </p:txBody>
+      </p:sp>
+      <p:cxnSp>
+        <p:nvCxnSpPr>
+          <p:cNvPr id="15" name="Straight Arrow Connector 14">
+            <a:extLst>
+              <a:ext uri="{FF2B5EF4-FFF2-40B4-BE49-F238E27FC236}">
+                <a16:creationId xmlns:a16="http://schemas.microsoft.com/office/drawing/2014/main" id="{3DF4803E-53F2-4D4B-9AD4-24AA2ABCA93E}"/>
+              </a:ext>
+            </a:extLst>
+          </p:cNvPr>
+          <p:cNvCxnSpPr>
+            <a:cxnSpLocks/>
+            <a:stCxn id="14" idx="4"/>
+          </p:cNvCxnSpPr>
+          <p:nvPr/>
+        </p:nvCxnSpPr>
+        <p:spPr>
+          <a:xfrm>
+            <a:off x="6782298" y="3722058"/>
+            <a:ext cx="317002" cy="1751642"/>
+          </a:xfrm>
+          <a:prstGeom prst="straightConnector1">
+            <a:avLst/>
+          </a:prstGeom>
+          <a:ln>
+            <a:tailEnd type="triangle"/>
+          </a:ln>
+        </p:spPr>
+        <p:style>
+          <a:lnRef idx="1">
+            <a:schemeClr val="accent4"/>
+          </a:lnRef>
+          <a:fillRef idx="0">
+            <a:schemeClr val="accent4"/>
+          </a:fillRef>
+          <a:effectRef idx="0">
+            <a:schemeClr val="accent4"/>
+          </a:effectRef>
+          <a:fontRef idx="minor">
+            <a:schemeClr val="tx1"/>
+          </a:fontRef>
+        </p:style>
+      </p:cxnSp>
     </p:spTree>
     <p:extLst>
       <p:ext uri="{BB962C8B-B14F-4D97-AF65-F5344CB8AC3E}">
-        <p14:creationId xmlns:p14="http://schemas.microsoft.com/office/powerpoint/2010/main" val="1021290166"/>
+        <p14:creationId xmlns:p14="http://schemas.microsoft.com/office/powerpoint/2010/main" val="2479916901"/>
       </p:ext>
     </p:extLst>
   </p:cSld>
@@ -14285,12 +15566,8 @@
           </a:p>
           <a:p>
             <a:r>
-              <a:rPr lang="en-US" dirty="0">
-                <a:highlight>
-                  <a:srgbClr val="FFFF00"/>
-                </a:highlight>
-              </a:rPr>
-              <a:t>Responses included 30 meaningful questions, including:</a:t>
+              <a:rPr lang="en-US" dirty="0"/>
+              <a:t>30+ variables were provided, some including:</a:t>
             </a:r>
           </a:p>
           <a:p>
@@ -14385,677 +15662,66 @@
           <a:chExt cx="0" cy="0"/>
         </a:xfrm>
       </p:grpSpPr>
-      <p:pic>
-        <p:nvPicPr>
-          <p:cNvPr id="4" name="Picture 3">
-            <a:extLst>
-              <a:ext uri="{FF2B5EF4-FFF2-40B4-BE49-F238E27FC236}">
-                <a16:creationId xmlns:a16="http://schemas.microsoft.com/office/drawing/2014/main" id="{5CAD30AE-DF50-4242-AEF6-98EFF5823855}"/>
-              </a:ext>
-            </a:extLst>
-          </p:cNvPr>
-          <p:cNvPicPr>
-            <a:picLocks noChangeAspect="1"/>
-          </p:cNvPicPr>
-          <p:nvPr/>
-        </p:nvPicPr>
-        <p:blipFill>
-          <a:blip r:embed="rId2"/>
-          <a:stretch>
-            <a:fillRect/>
-          </a:stretch>
-        </p:blipFill>
-        <p:spPr>
-          <a:xfrm>
-            <a:off x="3054193" y="228435"/>
-            <a:ext cx="6083613" cy="6401129"/>
-          </a:xfrm>
-          <a:prstGeom prst="rect">
-            <a:avLst/>
-          </a:prstGeom>
-        </p:spPr>
-      </p:pic>
+      <p:sp>
+        <p:nvSpPr>
+          <p:cNvPr id="2" name="Title 1">
+            <a:extLst>
+              <a:ext uri="{FF2B5EF4-FFF2-40B4-BE49-F238E27FC236}">
+                <a16:creationId xmlns:a16="http://schemas.microsoft.com/office/drawing/2014/main" id="{E1832BE2-B24E-4D87-82AE-E0A24F19B9CA}"/>
+              </a:ext>
+            </a:extLst>
+          </p:cNvPr>
+          <p:cNvSpPr>
+            <a:spLocks noGrp="1"/>
+          </p:cNvSpPr>
+          <p:nvPr>
+            <p:ph type="title"/>
+          </p:nvPr>
+        </p:nvSpPr>
+        <p:spPr/>
+        <p:txBody>
+          <a:bodyPr/>
+          <a:lstStyle/>
+          <a:p>
+            <a:r>
+              <a:rPr lang="en-US" dirty="0"/>
+              <a:t>Conclusion</a:t>
+            </a:r>
+          </a:p>
+        </p:txBody>
+      </p:sp>
+      <p:sp>
+        <p:nvSpPr>
+          <p:cNvPr id="3" name="Content Placeholder 2">
+            <a:extLst>
+              <a:ext uri="{FF2B5EF4-FFF2-40B4-BE49-F238E27FC236}">
+                <a16:creationId xmlns:a16="http://schemas.microsoft.com/office/drawing/2014/main" id="{A4FA69BC-815E-47B8-8300-270A52A235E3}"/>
+              </a:ext>
+            </a:extLst>
+          </p:cNvPr>
+          <p:cNvSpPr>
+            <a:spLocks noGrp="1"/>
+          </p:cNvSpPr>
+          <p:nvPr>
+            <p:ph idx="1"/>
+          </p:nvPr>
+        </p:nvSpPr>
+        <p:spPr/>
+        <p:txBody>
+          <a:bodyPr/>
+          <a:lstStyle/>
+          <a:p>
+            <a:r>
+              <a:rPr lang="en-US" dirty="0"/>
+              <a:t>From graphs, reiterate the variables we’ve chosen and the trends we find most interesting.</a:t>
+            </a:r>
+          </a:p>
+        </p:txBody>
+      </p:sp>
     </p:spTree>
     <p:extLst>
       <p:ext uri="{BB962C8B-B14F-4D97-AF65-F5344CB8AC3E}">
-        <p14:creationId xmlns:p14="http://schemas.microsoft.com/office/powerpoint/2010/main" val="4098183219"/>
-      </p:ext>
-    </p:extLst>
-  </p:cSld>
-  <p:clrMapOvr>
-    <a:masterClrMapping/>
-  </p:clrMapOvr>
-</p:sld>
-</file>
-
-<file path=ppt/slides/slide31.xml><?xml version="1.0" encoding="utf-8"?>
-<p:sld xmlns:a="http://schemas.openxmlformats.org/drawingml/2006/main" xmlns:r="http://schemas.openxmlformats.org/officeDocument/2006/relationships" xmlns:p="http://schemas.openxmlformats.org/presentationml/2006/main">
-  <p:cSld>
-    <p:spTree>
-      <p:nvGrpSpPr>
-        <p:cNvPr id="1" name=""/>
-        <p:cNvGrpSpPr/>
-        <p:nvPr/>
-      </p:nvGrpSpPr>
-      <p:grpSpPr>
-        <a:xfrm>
-          <a:off x="0" y="0"/>
-          <a:ext cx="0" cy="0"/>
-          <a:chOff x="0" y="0"/>
-          <a:chExt cx="0" cy="0"/>
-        </a:xfrm>
-      </p:grpSpPr>
-      <p:pic>
-        <p:nvPicPr>
-          <p:cNvPr id="4" name="Picture 3">
-            <a:extLst>
-              <a:ext uri="{FF2B5EF4-FFF2-40B4-BE49-F238E27FC236}">
-                <a16:creationId xmlns:a16="http://schemas.microsoft.com/office/drawing/2014/main" id="{BAB2CD9A-BAD6-4B41-8A4D-237F3661CA4E}"/>
-              </a:ext>
-            </a:extLst>
-          </p:cNvPr>
-          <p:cNvPicPr>
-            <a:picLocks noChangeAspect="1"/>
-          </p:cNvPicPr>
-          <p:nvPr/>
-        </p:nvPicPr>
-        <p:blipFill>
-          <a:blip r:embed="rId2"/>
-          <a:stretch>
-            <a:fillRect/>
-          </a:stretch>
-        </p:blipFill>
-        <p:spPr>
-          <a:xfrm>
-            <a:off x="3054193" y="228435"/>
-            <a:ext cx="6083613" cy="6401129"/>
-          </a:xfrm>
-          <a:prstGeom prst="rect">
-            <a:avLst/>
-          </a:prstGeom>
-        </p:spPr>
-      </p:pic>
-    </p:spTree>
-    <p:extLst>
-      <p:ext uri="{BB962C8B-B14F-4D97-AF65-F5344CB8AC3E}">
-        <p14:creationId xmlns:p14="http://schemas.microsoft.com/office/powerpoint/2010/main" val="3761961582"/>
-      </p:ext>
-    </p:extLst>
-  </p:cSld>
-  <p:clrMapOvr>
-    <a:masterClrMapping/>
-  </p:clrMapOvr>
-</p:sld>
-</file>
-
-<file path=ppt/slides/slide32.xml><?xml version="1.0" encoding="utf-8"?>
-<p:sld xmlns:a="http://schemas.openxmlformats.org/drawingml/2006/main" xmlns:r="http://schemas.openxmlformats.org/officeDocument/2006/relationships" xmlns:p="http://schemas.openxmlformats.org/presentationml/2006/main">
-  <p:cSld>
-    <p:spTree>
-      <p:nvGrpSpPr>
-        <p:cNvPr id="1" name=""/>
-        <p:cNvGrpSpPr/>
-        <p:nvPr/>
-      </p:nvGrpSpPr>
-      <p:grpSpPr>
-        <a:xfrm>
-          <a:off x="0" y="0"/>
-          <a:ext cx="0" cy="0"/>
-          <a:chOff x="0" y="0"/>
-          <a:chExt cx="0" cy="0"/>
-        </a:xfrm>
-      </p:grpSpPr>
-      <p:pic>
-        <p:nvPicPr>
-          <p:cNvPr id="4" name="Picture 3">
-            <a:extLst>
-              <a:ext uri="{FF2B5EF4-FFF2-40B4-BE49-F238E27FC236}">
-                <a16:creationId xmlns:a16="http://schemas.microsoft.com/office/drawing/2014/main" id="{F12AEFAC-8EDA-4E29-8AB9-5255FDD6E52C}"/>
-              </a:ext>
-            </a:extLst>
-          </p:cNvPr>
-          <p:cNvPicPr>
-            <a:picLocks noChangeAspect="1"/>
-          </p:cNvPicPr>
-          <p:nvPr/>
-        </p:nvPicPr>
-        <p:blipFill>
-          <a:blip r:embed="rId2"/>
-          <a:stretch>
-            <a:fillRect/>
-          </a:stretch>
-        </p:blipFill>
-        <p:spPr>
-          <a:xfrm>
-            <a:off x="1561867" y="504674"/>
-            <a:ext cx="9068266" cy="5848651"/>
-          </a:xfrm>
-          <a:prstGeom prst="rect">
-            <a:avLst/>
-          </a:prstGeom>
-        </p:spPr>
-      </p:pic>
-    </p:spTree>
-    <p:extLst>
-      <p:ext uri="{BB962C8B-B14F-4D97-AF65-F5344CB8AC3E}">
-        <p14:creationId xmlns:p14="http://schemas.microsoft.com/office/powerpoint/2010/main" val="3442542927"/>
-      </p:ext>
-    </p:extLst>
-  </p:cSld>
-  <p:clrMapOvr>
-    <a:masterClrMapping/>
-  </p:clrMapOvr>
-</p:sld>
-</file>
-
-<file path=ppt/slides/slide33.xml><?xml version="1.0" encoding="utf-8"?>
-<p:sld xmlns:a="http://schemas.openxmlformats.org/drawingml/2006/main" xmlns:r="http://schemas.openxmlformats.org/officeDocument/2006/relationships" xmlns:p="http://schemas.openxmlformats.org/presentationml/2006/main">
-  <p:cSld>
-    <p:spTree>
-      <p:nvGrpSpPr>
-        <p:cNvPr id="1" name=""/>
-        <p:cNvGrpSpPr/>
-        <p:nvPr/>
-      </p:nvGrpSpPr>
-      <p:grpSpPr>
-        <a:xfrm>
-          <a:off x="0" y="0"/>
-          <a:ext cx="0" cy="0"/>
-          <a:chOff x="0" y="0"/>
-          <a:chExt cx="0" cy="0"/>
-        </a:xfrm>
-      </p:grpSpPr>
-      <p:pic>
-        <p:nvPicPr>
-          <p:cNvPr id="4" name="Picture 3">
-            <a:extLst>
-              <a:ext uri="{FF2B5EF4-FFF2-40B4-BE49-F238E27FC236}">
-                <a16:creationId xmlns:a16="http://schemas.microsoft.com/office/drawing/2014/main" id="{623BE546-FBD6-4550-819F-E2E846D5A641}"/>
-              </a:ext>
-            </a:extLst>
-          </p:cNvPr>
-          <p:cNvPicPr>
-            <a:picLocks noChangeAspect="1"/>
-          </p:cNvPicPr>
-          <p:nvPr/>
-        </p:nvPicPr>
-        <p:blipFill>
-          <a:blip r:embed="rId2"/>
-          <a:stretch>
-            <a:fillRect/>
-          </a:stretch>
-        </p:blipFill>
-        <p:spPr>
-          <a:xfrm>
-            <a:off x="0" y="197643"/>
-            <a:ext cx="12192000" cy="6462713"/>
-          </a:xfrm>
-          <a:prstGeom prst="rect">
-            <a:avLst/>
-          </a:prstGeom>
-        </p:spPr>
-      </p:pic>
-    </p:spTree>
-    <p:extLst>
-      <p:ext uri="{BB962C8B-B14F-4D97-AF65-F5344CB8AC3E}">
-        <p14:creationId xmlns:p14="http://schemas.microsoft.com/office/powerpoint/2010/main" val="370104894"/>
-      </p:ext>
-    </p:extLst>
-  </p:cSld>
-  <p:clrMapOvr>
-    <a:masterClrMapping/>
-  </p:clrMapOvr>
-</p:sld>
-</file>
-
-<file path=ppt/slides/slide34.xml><?xml version="1.0" encoding="utf-8"?>
-<p:sld xmlns:a="http://schemas.openxmlformats.org/drawingml/2006/main" xmlns:r="http://schemas.openxmlformats.org/officeDocument/2006/relationships" xmlns:p="http://schemas.openxmlformats.org/presentationml/2006/main">
-  <p:cSld>
-    <p:spTree>
-      <p:nvGrpSpPr>
-        <p:cNvPr id="1" name=""/>
-        <p:cNvGrpSpPr/>
-        <p:nvPr/>
-      </p:nvGrpSpPr>
-      <p:grpSpPr>
-        <a:xfrm>
-          <a:off x="0" y="0"/>
-          <a:ext cx="0" cy="0"/>
-          <a:chOff x="0" y="0"/>
-          <a:chExt cx="0" cy="0"/>
-        </a:xfrm>
-      </p:grpSpPr>
-      <p:pic>
-        <p:nvPicPr>
-          <p:cNvPr id="5" name="Picture 4">
-            <a:extLst>
-              <a:ext uri="{FF2B5EF4-FFF2-40B4-BE49-F238E27FC236}">
-                <a16:creationId xmlns:a16="http://schemas.microsoft.com/office/drawing/2014/main" id="{9B9CAB55-1222-4045-BC09-2994D6A36780}"/>
-              </a:ext>
-            </a:extLst>
-          </p:cNvPr>
-          <p:cNvPicPr>
-            <a:picLocks noChangeAspect="1"/>
-          </p:cNvPicPr>
-          <p:nvPr/>
-        </p:nvPicPr>
-        <p:blipFill>
-          <a:blip r:embed="rId2"/>
-          <a:stretch>
-            <a:fillRect/>
-          </a:stretch>
-        </p:blipFill>
-        <p:spPr>
-          <a:xfrm>
-            <a:off x="2238176" y="422120"/>
-            <a:ext cx="7715647" cy="6013759"/>
-          </a:xfrm>
-          <a:prstGeom prst="rect">
-            <a:avLst/>
-          </a:prstGeom>
-        </p:spPr>
-      </p:pic>
-    </p:spTree>
-    <p:extLst>
-      <p:ext uri="{BB962C8B-B14F-4D97-AF65-F5344CB8AC3E}">
-        <p14:creationId xmlns:p14="http://schemas.microsoft.com/office/powerpoint/2010/main" val="2690206312"/>
-      </p:ext>
-    </p:extLst>
-  </p:cSld>
-  <p:clrMapOvr>
-    <a:masterClrMapping/>
-  </p:clrMapOvr>
-</p:sld>
-</file>
-
-<file path=ppt/slides/slide35.xml><?xml version="1.0" encoding="utf-8"?>
-<p:sld xmlns:a="http://schemas.openxmlformats.org/drawingml/2006/main" xmlns:r="http://schemas.openxmlformats.org/officeDocument/2006/relationships" xmlns:p="http://schemas.openxmlformats.org/presentationml/2006/main">
-  <p:cSld>
-    <p:spTree>
-      <p:nvGrpSpPr>
-        <p:cNvPr id="1" name=""/>
-        <p:cNvGrpSpPr/>
-        <p:nvPr/>
-      </p:nvGrpSpPr>
-      <p:grpSpPr>
-        <a:xfrm>
-          <a:off x="0" y="0"/>
-          <a:ext cx="0" cy="0"/>
-          <a:chOff x="0" y="0"/>
-          <a:chExt cx="0" cy="0"/>
-        </a:xfrm>
-      </p:grpSpPr>
-      <p:sp>
-        <p:nvSpPr>
-          <p:cNvPr id="2" name="Title 1">
-            <a:extLst>
-              <a:ext uri="{FF2B5EF4-FFF2-40B4-BE49-F238E27FC236}">
-                <a16:creationId xmlns:a16="http://schemas.microsoft.com/office/drawing/2014/main" id="{D6968019-7CF3-4B5C-A4FE-4591AFAEECA0}"/>
-              </a:ext>
-            </a:extLst>
-          </p:cNvPr>
-          <p:cNvSpPr>
-            <a:spLocks noGrp="1"/>
-          </p:cNvSpPr>
-          <p:nvPr>
-            <p:ph type="title"/>
-          </p:nvPr>
-        </p:nvSpPr>
-        <p:spPr/>
-        <p:txBody>
-          <a:bodyPr/>
-          <a:lstStyle/>
-          <a:p>
-            <a:endParaRPr lang="en-US"/>
-          </a:p>
-        </p:txBody>
-      </p:sp>
-      <p:sp>
-        <p:nvSpPr>
-          <p:cNvPr id="3" name="Content Placeholder 2">
-            <a:extLst>
-              <a:ext uri="{FF2B5EF4-FFF2-40B4-BE49-F238E27FC236}">
-                <a16:creationId xmlns:a16="http://schemas.microsoft.com/office/drawing/2014/main" id="{218A9DEE-4D7D-4863-8BCF-3531064E46D3}"/>
-              </a:ext>
-            </a:extLst>
-          </p:cNvPr>
-          <p:cNvSpPr>
-            <a:spLocks noGrp="1"/>
-          </p:cNvSpPr>
-          <p:nvPr>
-            <p:ph idx="1"/>
-          </p:nvPr>
-        </p:nvSpPr>
-        <p:spPr/>
-        <p:txBody>
-          <a:bodyPr/>
-          <a:lstStyle/>
-          <a:p>
-            <a:endParaRPr lang="en-US"/>
-          </a:p>
-        </p:txBody>
-      </p:sp>
-      <p:pic>
-        <p:nvPicPr>
-          <p:cNvPr id="4" name="Picture 3">
-            <a:extLst>
-              <a:ext uri="{FF2B5EF4-FFF2-40B4-BE49-F238E27FC236}">
-                <a16:creationId xmlns:a16="http://schemas.microsoft.com/office/drawing/2014/main" id="{C19F6B8D-7033-4C0A-A089-A51551F9E006}"/>
-              </a:ext>
-            </a:extLst>
-          </p:cNvPr>
-          <p:cNvPicPr>
-            <a:picLocks noChangeAspect="1"/>
-          </p:cNvPicPr>
-          <p:nvPr/>
-        </p:nvPicPr>
-        <p:blipFill>
-          <a:blip r:embed="rId2"/>
-          <a:stretch>
-            <a:fillRect/>
-          </a:stretch>
-        </p:blipFill>
-        <p:spPr>
-          <a:xfrm>
-            <a:off x="224062" y="-92075"/>
-            <a:ext cx="11862410" cy="6845652"/>
-          </a:xfrm>
-          <a:prstGeom prst="rect">
-            <a:avLst/>
-          </a:prstGeom>
-        </p:spPr>
-      </p:pic>
-    </p:spTree>
-    <p:extLst>
-      <p:ext uri="{BB962C8B-B14F-4D97-AF65-F5344CB8AC3E}">
-        <p14:creationId xmlns:p14="http://schemas.microsoft.com/office/powerpoint/2010/main" val="1549576465"/>
-      </p:ext>
-    </p:extLst>
-  </p:cSld>
-  <p:clrMapOvr>
-    <a:masterClrMapping/>
-  </p:clrMapOvr>
-</p:sld>
-</file>
-
-<file path=ppt/slides/slide36.xml><?xml version="1.0" encoding="utf-8"?>
-<p:sld xmlns:a="http://schemas.openxmlformats.org/drawingml/2006/main" xmlns:r="http://schemas.openxmlformats.org/officeDocument/2006/relationships" xmlns:p="http://schemas.openxmlformats.org/presentationml/2006/main">
-  <p:cSld>
-    <p:spTree>
-      <p:nvGrpSpPr>
-        <p:cNvPr id="1" name=""/>
-        <p:cNvGrpSpPr/>
-        <p:nvPr/>
-      </p:nvGrpSpPr>
-      <p:grpSpPr>
-        <a:xfrm>
-          <a:off x="0" y="0"/>
-          <a:ext cx="0" cy="0"/>
-          <a:chOff x="0" y="0"/>
-          <a:chExt cx="0" cy="0"/>
-        </a:xfrm>
-      </p:grpSpPr>
-      <p:sp>
-        <p:nvSpPr>
-          <p:cNvPr id="3" name="Content Placeholder 2">
-            <a:extLst>
-              <a:ext uri="{FF2B5EF4-FFF2-40B4-BE49-F238E27FC236}">
-                <a16:creationId xmlns:a16="http://schemas.microsoft.com/office/drawing/2014/main" id="{35FECA7D-3A43-42AF-AF63-ED2F3EC0505F}"/>
-              </a:ext>
-            </a:extLst>
-          </p:cNvPr>
-          <p:cNvSpPr>
-            <a:spLocks noGrp="1"/>
-          </p:cNvSpPr>
-          <p:nvPr>
-            <p:ph idx="1"/>
-          </p:nvPr>
-        </p:nvSpPr>
-        <p:spPr/>
-        <p:txBody>
-          <a:bodyPr/>
-          <a:lstStyle/>
-          <a:p>
-            <a:endParaRPr lang="en-US"/>
-          </a:p>
-        </p:txBody>
-      </p:sp>
-      <p:pic>
-        <p:nvPicPr>
-          <p:cNvPr id="4" name="Picture 3">
-            <a:extLst>
-              <a:ext uri="{FF2B5EF4-FFF2-40B4-BE49-F238E27FC236}">
-                <a16:creationId xmlns:a16="http://schemas.microsoft.com/office/drawing/2014/main" id="{FE6BA3DE-3323-4E23-AB43-AC5712DFFCC7}"/>
-              </a:ext>
-            </a:extLst>
-          </p:cNvPr>
-          <p:cNvPicPr>
-            <a:picLocks noChangeAspect="1"/>
-          </p:cNvPicPr>
-          <p:nvPr/>
-        </p:nvPicPr>
-        <p:blipFill>
-          <a:blip r:embed="rId2"/>
-          <a:stretch>
-            <a:fillRect/>
-          </a:stretch>
-        </p:blipFill>
-        <p:spPr>
-          <a:xfrm>
-            <a:off x="427160" y="179444"/>
-            <a:ext cx="11056512" cy="6380578"/>
-          </a:xfrm>
-          <a:prstGeom prst="rect">
-            <a:avLst/>
-          </a:prstGeom>
-        </p:spPr>
-      </p:pic>
-      <p:cxnSp>
-        <p:nvCxnSpPr>
-          <p:cNvPr id="6" name="Straight Arrow Connector 5">
-            <a:extLst>
-              <a:ext uri="{FF2B5EF4-FFF2-40B4-BE49-F238E27FC236}">
-                <a16:creationId xmlns:a16="http://schemas.microsoft.com/office/drawing/2014/main" id="{5664B49D-412E-4479-B091-C44E01A21392}"/>
-              </a:ext>
-            </a:extLst>
-          </p:cNvPr>
-          <p:cNvCxnSpPr/>
-          <p:nvPr/>
-        </p:nvCxnSpPr>
-        <p:spPr>
-          <a:xfrm>
-            <a:off x="1866900" y="2000250"/>
-            <a:ext cx="2876550" cy="1136650"/>
-          </a:xfrm>
-          <a:prstGeom prst="straightConnector1">
-            <a:avLst/>
-          </a:prstGeom>
-          <a:ln>
-            <a:tailEnd type="triangle"/>
-          </a:ln>
-        </p:spPr>
-        <p:style>
-          <a:lnRef idx="1">
-            <a:schemeClr val="accent4"/>
-          </a:lnRef>
-          <a:fillRef idx="0">
-            <a:schemeClr val="accent4"/>
-          </a:fillRef>
-          <a:effectRef idx="0">
-            <a:schemeClr val="accent4"/>
-          </a:effectRef>
-          <a:fontRef idx="minor">
-            <a:schemeClr val="tx1"/>
-          </a:fontRef>
-        </p:style>
-      </p:cxnSp>
-      <p:sp>
-        <p:nvSpPr>
-          <p:cNvPr id="5" name="Oval 4">
-            <a:extLst>
-              <a:ext uri="{FF2B5EF4-FFF2-40B4-BE49-F238E27FC236}">
-                <a16:creationId xmlns:a16="http://schemas.microsoft.com/office/drawing/2014/main" id="{AE258DEA-7817-41B9-9568-EEED9DB9DEA8}"/>
-              </a:ext>
-            </a:extLst>
-          </p:cNvPr>
-          <p:cNvSpPr/>
-          <p:nvPr/>
-        </p:nvSpPr>
-        <p:spPr>
-          <a:xfrm>
-            <a:off x="634054" y="924662"/>
-            <a:ext cx="1702105" cy="1400530"/>
-          </a:xfrm>
-          <a:prstGeom prst="ellipse">
-            <a:avLst/>
-          </a:prstGeom>
-        </p:spPr>
-        <p:style>
-          <a:lnRef idx="2">
-            <a:schemeClr val="accent4">
-              <a:shade val="50000"/>
-            </a:schemeClr>
-          </a:lnRef>
-          <a:fillRef idx="1">
-            <a:schemeClr val="accent4"/>
-          </a:fillRef>
-          <a:effectRef idx="0">
-            <a:schemeClr val="accent4"/>
-          </a:effectRef>
-          <a:fontRef idx="minor">
-            <a:schemeClr val="lt1"/>
-          </a:fontRef>
-        </p:style>
-        <p:txBody>
-          <a:bodyPr rtlCol="0" anchor="ctr"/>
-          <a:lstStyle/>
-          <a:p>
-            <a:pPr algn="ctr"/>
-            <a:r>
-              <a:rPr lang="en-US" sz="1100" dirty="0">
-                <a:solidFill>
-                  <a:schemeClr val="bg1"/>
-                </a:solidFill>
-              </a:rPr>
-              <a:t>Makes you think what jobs are within 1 mile that people~30 are leaving?</a:t>
-            </a:r>
-          </a:p>
-        </p:txBody>
-      </p:sp>
-    </p:spTree>
-    <p:extLst>
-      <p:ext uri="{BB962C8B-B14F-4D97-AF65-F5344CB8AC3E}">
-        <p14:creationId xmlns:p14="http://schemas.microsoft.com/office/powerpoint/2010/main" val="2096850138"/>
-      </p:ext>
-    </p:extLst>
-  </p:cSld>
-  <p:clrMapOvr>
-    <a:masterClrMapping/>
-  </p:clrMapOvr>
-</p:sld>
-</file>
-
-<file path=ppt/slides/slide37.xml><?xml version="1.0" encoding="utf-8"?>
-<p:sld xmlns:a="http://schemas.openxmlformats.org/drawingml/2006/main" xmlns:r="http://schemas.openxmlformats.org/officeDocument/2006/relationships" xmlns:p="http://schemas.openxmlformats.org/presentationml/2006/main">
-  <p:cSld>
-    <p:spTree>
-      <p:nvGrpSpPr>
-        <p:cNvPr id="1" name=""/>
-        <p:cNvGrpSpPr/>
-        <p:nvPr/>
-      </p:nvGrpSpPr>
-      <p:grpSpPr>
-        <a:xfrm>
-          <a:off x="0" y="0"/>
-          <a:ext cx="0" cy="0"/>
-          <a:chOff x="0" y="0"/>
-          <a:chExt cx="0" cy="0"/>
-        </a:xfrm>
-      </p:grpSpPr>
-      <p:sp>
-        <p:nvSpPr>
-          <p:cNvPr id="2" name="Title 1">
-            <a:extLst>
-              <a:ext uri="{FF2B5EF4-FFF2-40B4-BE49-F238E27FC236}">
-                <a16:creationId xmlns:a16="http://schemas.microsoft.com/office/drawing/2014/main" id="{BC104E05-66F4-4230-AB27-EF37DEC9CC84}"/>
-              </a:ext>
-            </a:extLst>
-          </p:cNvPr>
-          <p:cNvSpPr>
-            <a:spLocks noGrp="1"/>
-          </p:cNvSpPr>
-          <p:nvPr>
-            <p:ph type="title"/>
-          </p:nvPr>
-        </p:nvSpPr>
-        <p:spPr/>
-        <p:txBody>
-          <a:bodyPr/>
-          <a:lstStyle/>
-          <a:p>
-            <a:endParaRPr lang="en-US"/>
-          </a:p>
-        </p:txBody>
-      </p:sp>
-      <p:sp>
-        <p:nvSpPr>
-          <p:cNvPr id="3" name="Content Placeholder 2">
-            <a:extLst>
-              <a:ext uri="{FF2B5EF4-FFF2-40B4-BE49-F238E27FC236}">
-                <a16:creationId xmlns:a16="http://schemas.microsoft.com/office/drawing/2014/main" id="{48C58177-6C18-460E-8F5F-2126E32A3B76}"/>
-              </a:ext>
-            </a:extLst>
-          </p:cNvPr>
-          <p:cNvSpPr>
-            <a:spLocks noGrp="1"/>
-          </p:cNvSpPr>
-          <p:nvPr>
-            <p:ph idx="1"/>
-          </p:nvPr>
-        </p:nvSpPr>
-        <p:spPr/>
-        <p:txBody>
-          <a:bodyPr/>
-          <a:lstStyle/>
-          <a:p>
-            <a:endParaRPr lang="en-US"/>
-          </a:p>
-        </p:txBody>
-      </p:sp>
-      <p:pic>
-        <p:nvPicPr>
-          <p:cNvPr id="4" name="Picture 3">
-            <a:extLst>
-              <a:ext uri="{FF2B5EF4-FFF2-40B4-BE49-F238E27FC236}">
-                <a16:creationId xmlns:a16="http://schemas.microsoft.com/office/drawing/2014/main" id="{643B26D7-03EC-4442-B1E3-49337396B55D}"/>
-              </a:ext>
-            </a:extLst>
-          </p:cNvPr>
-          <p:cNvPicPr>
-            <a:picLocks noChangeAspect="1"/>
-          </p:cNvPicPr>
-          <p:nvPr/>
-        </p:nvPicPr>
-        <p:blipFill>
-          <a:blip r:embed="rId2"/>
-          <a:stretch>
-            <a:fillRect/>
-          </a:stretch>
-        </p:blipFill>
-        <p:spPr>
-          <a:xfrm>
-            <a:off x="164795" y="6174"/>
-            <a:ext cx="11862410" cy="6845652"/>
-          </a:xfrm>
-          <a:prstGeom prst="rect">
-            <a:avLst/>
-          </a:prstGeom>
-        </p:spPr>
-      </p:pic>
-    </p:spTree>
-    <p:extLst>
-      <p:ext uri="{BB962C8B-B14F-4D97-AF65-F5344CB8AC3E}">
-        <p14:creationId xmlns:p14="http://schemas.microsoft.com/office/powerpoint/2010/main" val="2479916901"/>
+        <p14:creationId xmlns:p14="http://schemas.microsoft.com/office/powerpoint/2010/main" val="1279829978"/>
       </p:ext>
     </p:extLst>
   </p:cSld>

--- a/case_study_02_presentation.pptx
+++ b/case_study_02_presentation.pptx
@@ -34,7 +34,14 @@
     <p:sldId id="262" r:id="rId28"/>
     <p:sldId id="267" r:id="rId29"/>
     <p:sldId id="263" r:id="rId30"/>
-    <p:sldId id="269" r:id="rId31"/>
+    <p:sldId id="300" r:id="rId31"/>
+    <p:sldId id="301" r:id="rId32"/>
+    <p:sldId id="302" r:id="rId33"/>
+    <p:sldId id="303" r:id="rId34"/>
+    <p:sldId id="304" r:id="rId35"/>
+    <p:sldId id="305" r:id="rId36"/>
+    <p:sldId id="306" r:id="rId37"/>
+    <p:sldId id="269" r:id="rId38"/>
   </p:sldIdLst>
   <p:sldSz cx="12192000" cy="6858000"/>
   <p:notesSz cx="6858000" cy="9144000"/>
@@ -171,6 +178,13 @@
             <p14:sldId id="262"/>
             <p14:sldId id="267"/>
             <p14:sldId id="263"/>
+            <p14:sldId id="300"/>
+            <p14:sldId id="301"/>
+            <p14:sldId id="302"/>
+            <p14:sldId id="303"/>
+            <p14:sldId id="304"/>
+            <p14:sldId id="305"/>
+            <p14:sldId id="306"/>
           </p14:sldIdLst>
         </p14:section>
         <p14:section name="Conclusion" id="{CC523660-F8A3-4597-8458-66C8365C0AE2}">
@@ -373,7 +387,7 @@
           <a:p>
             <a:fld id="{08B136E0-DE68-48F8-B9E2-21BBDA41EF35}" type="datetimeFigureOut">
               <a:rPr lang="en-US" smtClean="0"/>
-              <a:t>4/15/2019</a:t>
+              <a:t>4/16/2019</a:t>
             </a:fld>
             <a:endParaRPr lang="en-US"/>
           </a:p>
@@ -648,7 +662,7 @@
           <a:p>
             <a:fld id="{08B136E0-DE68-48F8-B9E2-21BBDA41EF35}" type="datetimeFigureOut">
               <a:rPr lang="en-US" smtClean="0"/>
-              <a:t>4/15/2019</a:t>
+              <a:t>4/16/2019</a:t>
             </a:fld>
             <a:endParaRPr lang="en-US"/>
           </a:p>
@@ -842,7 +856,7 @@
           <a:p>
             <a:fld id="{08B136E0-DE68-48F8-B9E2-21BBDA41EF35}" type="datetimeFigureOut">
               <a:rPr lang="en-US" smtClean="0"/>
-              <a:t>4/15/2019</a:t>
+              <a:t>4/16/2019</a:t>
             </a:fld>
             <a:endParaRPr lang="en-US"/>
           </a:p>
@@ -1115,7 +1129,7 @@
           <a:p>
             <a:fld id="{08B136E0-DE68-48F8-B9E2-21BBDA41EF35}" type="datetimeFigureOut">
               <a:rPr lang="en-US" smtClean="0"/>
-              <a:t>4/15/2019</a:t>
+              <a:t>4/16/2019</a:t>
             </a:fld>
             <a:endParaRPr lang="en-US"/>
           </a:p>
@@ -1456,7 +1470,7 @@
           <a:p>
             <a:fld id="{08B136E0-DE68-48F8-B9E2-21BBDA41EF35}" type="datetimeFigureOut">
               <a:rPr lang="en-US" smtClean="0"/>
-              <a:t>4/15/2019</a:t>
+              <a:t>4/16/2019</a:t>
             </a:fld>
             <a:endParaRPr lang="en-US"/>
           </a:p>
@@ -2079,7 +2093,7 @@
           <a:p>
             <a:fld id="{08B136E0-DE68-48F8-B9E2-21BBDA41EF35}" type="datetimeFigureOut">
               <a:rPr lang="en-US" smtClean="0"/>
-              <a:t>4/15/2019</a:t>
+              <a:t>4/16/2019</a:t>
             </a:fld>
             <a:endParaRPr lang="en-US"/>
           </a:p>
@@ -2939,7 +2953,7 @@
           <a:p>
             <a:fld id="{08B136E0-DE68-48F8-B9E2-21BBDA41EF35}" type="datetimeFigureOut">
               <a:rPr lang="en-US" smtClean="0"/>
-              <a:t>4/15/2019</a:t>
+              <a:t>4/16/2019</a:t>
             </a:fld>
             <a:endParaRPr lang="en-US"/>
           </a:p>
@@ -3109,7 +3123,7 @@
           <a:p>
             <a:fld id="{08B136E0-DE68-48F8-B9E2-21BBDA41EF35}" type="datetimeFigureOut">
               <a:rPr lang="en-US" smtClean="0"/>
-              <a:t>4/15/2019</a:t>
+              <a:t>4/16/2019</a:t>
             </a:fld>
             <a:endParaRPr lang="en-US"/>
           </a:p>
@@ -3289,7 +3303,7 @@
           <a:p>
             <a:fld id="{08B136E0-DE68-48F8-B9E2-21BBDA41EF35}" type="datetimeFigureOut">
               <a:rPr lang="en-US" smtClean="0"/>
-              <a:t>4/15/2019</a:t>
+              <a:t>4/16/2019</a:t>
             </a:fld>
             <a:endParaRPr lang="en-US"/>
           </a:p>
@@ -3459,7 +3473,7 @@
           <a:p>
             <a:fld id="{08B136E0-DE68-48F8-B9E2-21BBDA41EF35}" type="datetimeFigureOut">
               <a:rPr lang="en-US" smtClean="0"/>
-              <a:t>4/15/2019</a:t>
+              <a:t>4/16/2019</a:t>
             </a:fld>
             <a:endParaRPr lang="en-US"/>
           </a:p>
@@ -3706,7 +3720,7 @@
           <a:p>
             <a:fld id="{08B136E0-DE68-48F8-B9E2-21BBDA41EF35}" type="datetimeFigureOut">
               <a:rPr lang="en-US" smtClean="0"/>
-              <a:t>4/15/2019</a:t>
+              <a:t>4/16/2019</a:t>
             </a:fld>
             <a:endParaRPr lang="en-US"/>
           </a:p>
@@ -3998,7 +4012,7 @@
           <a:p>
             <a:fld id="{08B136E0-DE68-48F8-B9E2-21BBDA41EF35}" type="datetimeFigureOut">
               <a:rPr lang="en-US" smtClean="0"/>
-              <a:t>4/15/2019</a:t>
+              <a:t>4/16/2019</a:t>
             </a:fld>
             <a:endParaRPr lang="en-US"/>
           </a:p>
@@ -4442,7 +4456,7 @@
           <a:p>
             <a:fld id="{08B136E0-DE68-48F8-B9E2-21BBDA41EF35}" type="datetimeFigureOut">
               <a:rPr lang="en-US" smtClean="0"/>
-              <a:t>4/15/2019</a:t>
+              <a:t>4/16/2019</a:t>
             </a:fld>
             <a:endParaRPr lang="en-US"/>
           </a:p>
@@ -4560,7 +4574,7 @@
           <a:p>
             <a:fld id="{08B136E0-DE68-48F8-B9E2-21BBDA41EF35}" type="datetimeFigureOut">
               <a:rPr lang="en-US" smtClean="0"/>
-              <a:t>4/15/2019</a:t>
+              <a:t>4/16/2019</a:t>
             </a:fld>
             <a:endParaRPr lang="en-US"/>
           </a:p>
@@ -4655,7 +4669,7 @@
           <a:p>
             <a:fld id="{08B136E0-DE68-48F8-B9E2-21BBDA41EF35}" type="datetimeFigureOut">
               <a:rPr lang="en-US" smtClean="0"/>
-              <a:t>4/15/2019</a:t>
+              <a:t>4/16/2019</a:t>
             </a:fld>
             <a:endParaRPr lang="en-US"/>
           </a:p>
@@ -4934,7 +4948,7 @@
           <a:p>
             <a:fld id="{08B136E0-DE68-48F8-B9E2-21BBDA41EF35}" type="datetimeFigureOut">
               <a:rPr lang="en-US" smtClean="0"/>
-              <a:t>4/15/2019</a:t>
+              <a:t>4/16/2019</a:t>
             </a:fld>
             <a:endParaRPr lang="en-US"/>
           </a:p>
@@ -5209,7 +5223,7 @@
           <a:p>
             <a:fld id="{08B136E0-DE68-48F8-B9E2-21BBDA41EF35}" type="datetimeFigureOut">
               <a:rPr lang="en-US" smtClean="0"/>
-              <a:t>4/15/2019</a:t>
+              <a:t>4/16/2019</a:t>
             </a:fld>
             <a:endParaRPr lang="en-US"/>
           </a:p>
@@ -5638,7 +5652,7 @@
           <a:p>
             <a:fld id="{08B136E0-DE68-48F8-B9E2-21BBDA41EF35}" type="datetimeFigureOut">
               <a:rPr lang="en-US" smtClean="0"/>
-              <a:t>4/15/2019</a:t>
+              <a:t>4/16/2019</a:t>
             </a:fld>
             <a:endParaRPr lang="en-US"/>
           </a:p>
@@ -15667,6 +15681,978 @@
           <p:cNvPr id="2" name="Title 1">
             <a:extLst>
               <a:ext uri="{FF2B5EF4-FFF2-40B4-BE49-F238E27FC236}">
+                <a16:creationId xmlns:a16="http://schemas.microsoft.com/office/drawing/2014/main" id="{1F4D6129-A062-4306-82BB-EF5C43018106}"/>
+              </a:ext>
+            </a:extLst>
+          </p:cNvPr>
+          <p:cNvSpPr>
+            <a:spLocks noGrp="1"/>
+          </p:cNvSpPr>
+          <p:nvPr>
+            <p:ph type="title"/>
+          </p:nvPr>
+        </p:nvSpPr>
+        <p:spPr>
+          <a:xfrm>
+            <a:off x="378941" y="452718"/>
+            <a:ext cx="9992497" cy="1400530"/>
+          </a:xfrm>
+        </p:spPr>
+        <p:txBody>
+          <a:bodyPr/>
+          <a:lstStyle/>
+          <a:p>
+            <a:r>
+              <a:rPr lang="en-US" dirty="0"/>
+              <a:t>Finally- A machine learning approach</a:t>
+            </a:r>
+          </a:p>
+        </p:txBody>
+      </p:sp>
+      <p:sp>
+        <p:nvSpPr>
+          <p:cNvPr id="3" name="Content Placeholder 2">
+            <a:extLst>
+              <a:ext uri="{FF2B5EF4-FFF2-40B4-BE49-F238E27FC236}">
+                <a16:creationId xmlns:a16="http://schemas.microsoft.com/office/drawing/2014/main" id="{E32DA1AD-3C55-4606-B0C6-BA526507BCB3}"/>
+              </a:ext>
+            </a:extLst>
+          </p:cNvPr>
+          <p:cNvSpPr>
+            <a:spLocks noGrp="1"/>
+          </p:cNvSpPr>
+          <p:nvPr>
+            <p:ph idx="1"/>
+          </p:nvPr>
+        </p:nvSpPr>
+        <p:spPr/>
+        <p:txBody>
+          <a:bodyPr/>
+          <a:lstStyle/>
+          <a:p>
+            <a:r>
+              <a:rPr lang="en-US" dirty="0"/>
+              <a:t>The output- Attrition is a great “label” for machine learning</a:t>
+            </a:r>
+          </a:p>
+          <a:p>
+            <a:r>
+              <a:rPr lang="en-US" dirty="0"/>
+              <a:t>For a more useful measure, probabilities of the labels are output</a:t>
+            </a:r>
+          </a:p>
+          <a:p>
+            <a:r>
+              <a:rPr lang="en-US" dirty="0"/>
+              <a:t>This model found similar results to the above, with a few changes.</a:t>
+            </a:r>
+          </a:p>
+          <a:p>
+            <a:r>
+              <a:rPr lang="en-US" dirty="0"/>
+              <a:t>The end (legal) model can predict attrition with ~84% accuracy</a:t>
+            </a:r>
+          </a:p>
+        </p:txBody>
+      </p:sp>
+    </p:spTree>
+    <p:extLst>
+      <p:ext uri="{BB962C8B-B14F-4D97-AF65-F5344CB8AC3E}">
+        <p14:creationId xmlns:p14="http://schemas.microsoft.com/office/powerpoint/2010/main" val="622335340"/>
+      </p:ext>
+    </p:extLst>
+  </p:cSld>
+  <p:clrMapOvr>
+    <a:masterClrMapping/>
+  </p:clrMapOvr>
+</p:sld>
+</file>
+
+<file path=ppt/slides/slide31.xml><?xml version="1.0" encoding="utf-8"?>
+<p:sld xmlns:a="http://schemas.openxmlformats.org/drawingml/2006/main" xmlns:r="http://schemas.openxmlformats.org/officeDocument/2006/relationships" xmlns:p="http://schemas.openxmlformats.org/presentationml/2006/main">
+  <p:cSld>
+    <p:spTree>
+      <p:nvGrpSpPr>
+        <p:cNvPr id="1" name=""/>
+        <p:cNvGrpSpPr/>
+        <p:nvPr/>
+      </p:nvGrpSpPr>
+      <p:grpSpPr>
+        <a:xfrm>
+          <a:off x="0" y="0"/>
+          <a:ext cx="0" cy="0"/>
+          <a:chOff x="0" y="0"/>
+          <a:chExt cx="0" cy="0"/>
+        </a:xfrm>
+      </p:grpSpPr>
+      <p:pic>
+        <p:nvPicPr>
+          <p:cNvPr id="5" name="Picture 4">
+            <a:extLst>
+              <a:ext uri="{FF2B5EF4-FFF2-40B4-BE49-F238E27FC236}">
+                <a16:creationId xmlns:a16="http://schemas.microsoft.com/office/drawing/2014/main" id="{E5AF578D-A555-4CD1-8F0A-57ED2523A778}"/>
+              </a:ext>
+            </a:extLst>
+          </p:cNvPr>
+          <p:cNvPicPr>
+            <a:picLocks noChangeAspect="1"/>
+          </p:cNvPicPr>
+          <p:nvPr/>
+        </p:nvPicPr>
+        <p:blipFill>
+          <a:blip r:embed="rId2"/>
+          <a:stretch>
+            <a:fillRect/>
+          </a:stretch>
+        </p:blipFill>
+        <p:spPr>
+          <a:xfrm>
+            <a:off x="5576582" y="1711264"/>
+            <a:ext cx="6281716" cy="4486940"/>
+          </a:xfrm>
+          <a:prstGeom prst="rect">
+            <a:avLst/>
+          </a:prstGeom>
+        </p:spPr>
+      </p:pic>
+      <p:sp>
+        <p:nvSpPr>
+          <p:cNvPr id="2" name="Title 1">
+            <a:extLst>
+              <a:ext uri="{FF2B5EF4-FFF2-40B4-BE49-F238E27FC236}">
+                <a16:creationId xmlns:a16="http://schemas.microsoft.com/office/drawing/2014/main" id="{828FE1B7-8A2B-4559-9665-3E60BA2C3F60}"/>
+              </a:ext>
+            </a:extLst>
+          </p:cNvPr>
+          <p:cNvSpPr>
+            <a:spLocks noGrp="1"/>
+          </p:cNvSpPr>
+          <p:nvPr>
+            <p:ph type="title"/>
+          </p:nvPr>
+        </p:nvSpPr>
+        <p:spPr/>
+        <p:txBody>
+          <a:bodyPr/>
+          <a:lstStyle/>
+          <a:p>
+            <a:r>
+              <a:rPr lang="en-US" dirty="0"/>
+              <a:t>Initial Model</a:t>
+            </a:r>
+          </a:p>
+        </p:txBody>
+      </p:sp>
+      <p:sp>
+        <p:nvSpPr>
+          <p:cNvPr id="3" name="Content Placeholder 2">
+            <a:extLst>
+              <a:ext uri="{FF2B5EF4-FFF2-40B4-BE49-F238E27FC236}">
+                <a16:creationId xmlns:a16="http://schemas.microsoft.com/office/drawing/2014/main" id="{52346CD9-A538-435E-BA37-DFAFBAADAF29}"/>
+              </a:ext>
+            </a:extLst>
+          </p:cNvPr>
+          <p:cNvSpPr>
+            <a:spLocks noGrp="1"/>
+          </p:cNvSpPr>
+          <p:nvPr>
+            <p:ph idx="1"/>
+          </p:nvPr>
+        </p:nvSpPr>
+        <p:spPr>
+          <a:xfrm>
+            <a:off x="333703" y="2002723"/>
+            <a:ext cx="5242880" cy="4195481"/>
+          </a:xfrm>
+        </p:spPr>
+        <p:txBody>
+          <a:bodyPr/>
+          <a:lstStyle/>
+          <a:p>
+            <a:r>
+              <a:rPr lang="en-US" dirty="0"/>
+              <a:t>Accuracy hovered around ~84.5%</a:t>
+            </a:r>
+          </a:p>
+          <a:p>
+            <a:r>
+              <a:rPr lang="en-US" dirty="0"/>
+              <a:t>All factors are considered up front</a:t>
+            </a:r>
+          </a:p>
+          <a:p>
+            <a:r>
+              <a:rPr lang="en-US" dirty="0"/>
+              <a:t>No significant “learning curve”</a:t>
+            </a:r>
+          </a:p>
+        </p:txBody>
+      </p:sp>
+    </p:spTree>
+    <p:extLst>
+      <p:ext uri="{BB962C8B-B14F-4D97-AF65-F5344CB8AC3E}">
+        <p14:creationId xmlns:p14="http://schemas.microsoft.com/office/powerpoint/2010/main" val="769008155"/>
+      </p:ext>
+    </p:extLst>
+  </p:cSld>
+  <p:clrMapOvr>
+    <a:masterClrMapping/>
+  </p:clrMapOvr>
+</p:sld>
+</file>
+
+<file path=ppt/slides/slide32.xml><?xml version="1.0" encoding="utf-8"?>
+<p:sld xmlns:a="http://schemas.openxmlformats.org/drawingml/2006/main" xmlns:r="http://schemas.openxmlformats.org/officeDocument/2006/relationships" xmlns:p="http://schemas.openxmlformats.org/presentationml/2006/main">
+  <p:cSld>
+    <p:spTree>
+      <p:nvGrpSpPr>
+        <p:cNvPr id="1" name=""/>
+        <p:cNvGrpSpPr/>
+        <p:nvPr/>
+      </p:nvGrpSpPr>
+      <p:grpSpPr>
+        <a:xfrm>
+          <a:off x="0" y="0"/>
+          <a:ext cx="0" cy="0"/>
+          <a:chOff x="0" y="0"/>
+          <a:chExt cx="0" cy="0"/>
+        </a:xfrm>
+      </p:grpSpPr>
+      <p:sp>
+        <p:nvSpPr>
+          <p:cNvPr id="2" name="Title 1">
+            <a:extLst>
+              <a:ext uri="{FF2B5EF4-FFF2-40B4-BE49-F238E27FC236}">
+                <a16:creationId xmlns:a16="http://schemas.microsoft.com/office/drawing/2014/main" id="{828FE1B7-8A2B-4559-9665-3E60BA2C3F60}"/>
+              </a:ext>
+            </a:extLst>
+          </p:cNvPr>
+          <p:cNvSpPr>
+            <a:spLocks noGrp="1"/>
+          </p:cNvSpPr>
+          <p:nvPr>
+            <p:ph type="title"/>
+          </p:nvPr>
+        </p:nvSpPr>
+        <p:spPr/>
+        <p:txBody>
+          <a:bodyPr/>
+          <a:lstStyle/>
+          <a:p>
+            <a:r>
+              <a:rPr lang="en-US" dirty="0"/>
+              <a:t>Initial Model – Significant Features</a:t>
+            </a:r>
+          </a:p>
+        </p:txBody>
+      </p:sp>
+      <p:sp>
+        <p:nvSpPr>
+          <p:cNvPr id="3" name="Content Placeholder 2">
+            <a:extLst>
+              <a:ext uri="{FF2B5EF4-FFF2-40B4-BE49-F238E27FC236}">
+                <a16:creationId xmlns:a16="http://schemas.microsoft.com/office/drawing/2014/main" id="{52346CD9-A538-435E-BA37-DFAFBAADAF29}"/>
+              </a:ext>
+            </a:extLst>
+          </p:cNvPr>
+          <p:cNvSpPr>
+            <a:spLocks noGrp="1"/>
+          </p:cNvSpPr>
+          <p:nvPr>
+            <p:ph idx="1"/>
+          </p:nvPr>
+        </p:nvSpPr>
+        <p:spPr>
+          <a:xfrm>
+            <a:off x="333703" y="2002723"/>
+            <a:ext cx="5242880" cy="4195481"/>
+          </a:xfrm>
+        </p:spPr>
+        <p:txBody>
+          <a:bodyPr/>
+          <a:lstStyle/>
+          <a:p>
+            <a:r>
+              <a:rPr lang="en-US" dirty="0" err="1"/>
+              <a:t>Information.gain</a:t>
+            </a:r>
+            <a:r>
+              <a:rPr lang="en-US" dirty="0"/>
+              <a:t> measures the ability of a variable to be used to make a decision on data…</a:t>
+            </a:r>
+          </a:p>
+          <a:p>
+            <a:r>
+              <a:rPr lang="en-US" dirty="0"/>
+              <a:t>Used to build decision trees, but gives us a decent measure of what is important</a:t>
+            </a:r>
+          </a:p>
+          <a:p>
+            <a:r>
+              <a:rPr lang="en-US" dirty="0"/>
+              <a:t>Overtime, Job Role, Job Level top 3 indicators</a:t>
+            </a:r>
+          </a:p>
+          <a:p>
+            <a:r>
+              <a:rPr lang="en-US" dirty="0"/>
+              <a:t>Chi-squared reinforces the </a:t>
+            </a:r>
+            <a:r>
+              <a:rPr lang="en-US" dirty="0" err="1"/>
+              <a:t>information.gain</a:t>
+            </a:r>
+            <a:r>
+              <a:rPr lang="en-US" dirty="0"/>
+              <a:t> measure</a:t>
+            </a:r>
+          </a:p>
+        </p:txBody>
+      </p:sp>
+      <p:pic>
+        <p:nvPicPr>
+          <p:cNvPr id="1026" name="Picture 2">
+            <a:extLst>
+              <a:ext uri="{FF2B5EF4-FFF2-40B4-BE49-F238E27FC236}">
+                <a16:creationId xmlns:a16="http://schemas.microsoft.com/office/drawing/2014/main" id="{01B9B78B-5377-4152-8B33-6F95D81ADAEA}"/>
+              </a:ext>
+            </a:extLst>
+          </p:cNvPr>
+          <p:cNvPicPr>
+            <a:picLocks noChangeAspect="1" noChangeArrowheads="1"/>
+          </p:cNvPicPr>
+          <p:nvPr/>
+        </p:nvPicPr>
+        <p:blipFill>
+          <a:blip r:embed="rId2">
+            <a:extLst>
+              <a:ext uri="{28A0092B-C50C-407E-A947-70E740481C1C}">
+                <a14:useLocalDpi xmlns:a14="http://schemas.microsoft.com/office/drawing/2010/main" val="0"/>
+              </a:ext>
+            </a:extLst>
+          </a:blip>
+          <a:srcRect/>
+          <a:stretch>
+            <a:fillRect/>
+          </a:stretch>
+        </p:blipFill>
+        <p:spPr bwMode="auto">
+          <a:xfrm>
+            <a:off x="5647678" y="1152983"/>
+            <a:ext cx="6400800" cy="4572000"/>
+          </a:xfrm>
+          <a:prstGeom prst="rect">
+            <a:avLst/>
+          </a:prstGeom>
+          <a:noFill/>
+          <a:extLst>
+            <a:ext uri="{909E8E84-426E-40DD-AFC4-6F175D3DCCD1}">
+              <a14:hiddenFill xmlns:a14="http://schemas.microsoft.com/office/drawing/2010/main">
+                <a:solidFill>
+                  <a:srgbClr val="FFFFFF"/>
+                </a:solidFill>
+              </a14:hiddenFill>
+            </a:ext>
+          </a:extLst>
+        </p:spPr>
+      </p:pic>
+    </p:spTree>
+    <p:extLst>
+      <p:ext uri="{BB962C8B-B14F-4D97-AF65-F5344CB8AC3E}">
+        <p14:creationId xmlns:p14="http://schemas.microsoft.com/office/powerpoint/2010/main" val="1029623956"/>
+      </p:ext>
+    </p:extLst>
+  </p:cSld>
+  <p:clrMapOvr>
+    <a:masterClrMapping/>
+  </p:clrMapOvr>
+</p:sld>
+</file>
+
+<file path=ppt/slides/slide33.xml><?xml version="1.0" encoding="utf-8"?>
+<p:sld xmlns:a="http://schemas.openxmlformats.org/drawingml/2006/main" xmlns:r="http://schemas.openxmlformats.org/officeDocument/2006/relationships" xmlns:p="http://schemas.openxmlformats.org/presentationml/2006/main">
+  <p:cSld>
+    <p:spTree>
+      <p:nvGrpSpPr>
+        <p:cNvPr id="1" name=""/>
+        <p:cNvGrpSpPr/>
+        <p:nvPr/>
+      </p:nvGrpSpPr>
+      <p:grpSpPr>
+        <a:xfrm>
+          <a:off x="0" y="0"/>
+          <a:ext cx="0" cy="0"/>
+          <a:chOff x="0" y="0"/>
+          <a:chExt cx="0" cy="0"/>
+        </a:xfrm>
+      </p:grpSpPr>
+      <p:sp>
+        <p:nvSpPr>
+          <p:cNvPr id="2" name="Title 1">
+            <a:extLst>
+              <a:ext uri="{FF2B5EF4-FFF2-40B4-BE49-F238E27FC236}">
+                <a16:creationId xmlns:a16="http://schemas.microsoft.com/office/drawing/2014/main" id="{828FE1B7-8A2B-4559-9665-3E60BA2C3F60}"/>
+              </a:ext>
+            </a:extLst>
+          </p:cNvPr>
+          <p:cNvSpPr>
+            <a:spLocks noGrp="1"/>
+          </p:cNvSpPr>
+          <p:nvPr>
+            <p:ph type="title"/>
+          </p:nvPr>
+        </p:nvSpPr>
+        <p:spPr/>
+        <p:txBody>
+          <a:bodyPr/>
+          <a:lstStyle/>
+          <a:p>
+            <a:r>
+              <a:rPr lang="en-US" dirty="0"/>
+              <a:t>Reduced Model</a:t>
+            </a:r>
+          </a:p>
+        </p:txBody>
+      </p:sp>
+      <p:sp>
+        <p:nvSpPr>
+          <p:cNvPr id="3" name="Content Placeholder 2">
+            <a:extLst>
+              <a:ext uri="{FF2B5EF4-FFF2-40B4-BE49-F238E27FC236}">
+                <a16:creationId xmlns:a16="http://schemas.microsoft.com/office/drawing/2014/main" id="{52346CD9-A538-435E-BA37-DFAFBAADAF29}"/>
+              </a:ext>
+            </a:extLst>
+          </p:cNvPr>
+          <p:cNvSpPr>
+            <a:spLocks noGrp="1"/>
+          </p:cNvSpPr>
+          <p:nvPr>
+            <p:ph idx="1"/>
+          </p:nvPr>
+        </p:nvSpPr>
+        <p:spPr>
+          <a:xfrm>
+            <a:off x="333703" y="2002723"/>
+            <a:ext cx="5242880" cy="4195481"/>
+          </a:xfrm>
+        </p:spPr>
+        <p:txBody>
+          <a:bodyPr/>
+          <a:lstStyle/>
+          <a:p>
+            <a:r>
+              <a:rPr lang="en-US" dirty="0"/>
+              <a:t>Illegal discriminators removed</a:t>
+            </a:r>
+          </a:p>
+          <a:p>
+            <a:pPr lvl="1"/>
+            <a:r>
+              <a:rPr lang="en-US" dirty="0"/>
+              <a:t>Gender, Age, Marital Status</a:t>
+            </a:r>
+          </a:p>
+          <a:p>
+            <a:r>
+              <a:rPr lang="en-US" dirty="0"/>
+              <a:t>Accuracy hovered around ~82%</a:t>
+            </a:r>
+          </a:p>
+          <a:p>
+            <a:r>
+              <a:rPr lang="en-US" dirty="0"/>
+              <a:t>Fewer factors means lower accuracy</a:t>
+            </a:r>
+          </a:p>
+          <a:p>
+            <a:r>
+              <a:rPr lang="en-US" dirty="0"/>
+              <a:t>However, no lawsuits!</a:t>
+            </a:r>
+          </a:p>
+        </p:txBody>
+      </p:sp>
+      <p:pic>
+        <p:nvPicPr>
+          <p:cNvPr id="2050" name="Picture 2">
+            <a:extLst>
+              <a:ext uri="{FF2B5EF4-FFF2-40B4-BE49-F238E27FC236}">
+                <a16:creationId xmlns:a16="http://schemas.microsoft.com/office/drawing/2014/main" id="{45C8D068-0C83-4BD5-98E8-117E40F97C7F}"/>
+              </a:ext>
+            </a:extLst>
+          </p:cNvPr>
+          <p:cNvPicPr>
+            <a:picLocks noChangeAspect="1" noChangeArrowheads="1"/>
+          </p:cNvPicPr>
+          <p:nvPr/>
+        </p:nvPicPr>
+        <p:blipFill>
+          <a:blip r:embed="rId2">
+            <a:extLst>
+              <a:ext uri="{28A0092B-C50C-407E-A947-70E740481C1C}">
+                <a14:useLocalDpi xmlns:a14="http://schemas.microsoft.com/office/drawing/2010/main" val="0"/>
+              </a:ext>
+            </a:extLst>
+          </a:blip>
+          <a:srcRect/>
+          <a:stretch>
+            <a:fillRect/>
+          </a:stretch>
+        </p:blipFill>
+        <p:spPr bwMode="auto">
+          <a:xfrm>
+            <a:off x="5739340" y="1143000"/>
+            <a:ext cx="6400800" cy="4572000"/>
+          </a:xfrm>
+          <a:prstGeom prst="rect">
+            <a:avLst/>
+          </a:prstGeom>
+          <a:noFill/>
+          <a:extLst>
+            <a:ext uri="{909E8E84-426E-40DD-AFC4-6F175D3DCCD1}">
+              <a14:hiddenFill xmlns:a14="http://schemas.microsoft.com/office/drawing/2010/main">
+                <a:solidFill>
+                  <a:srgbClr val="FFFFFF"/>
+                </a:solidFill>
+              </a14:hiddenFill>
+            </a:ext>
+          </a:extLst>
+        </p:spPr>
+      </p:pic>
+    </p:spTree>
+    <p:extLst>
+      <p:ext uri="{BB962C8B-B14F-4D97-AF65-F5344CB8AC3E}">
+        <p14:creationId xmlns:p14="http://schemas.microsoft.com/office/powerpoint/2010/main" val="1059364484"/>
+      </p:ext>
+    </p:extLst>
+  </p:cSld>
+  <p:clrMapOvr>
+    <a:masterClrMapping/>
+  </p:clrMapOvr>
+</p:sld>
+</file>
+
+<file path=ppt/slides/slide34.xml><?xml version="1.0" encoding="utf-8"?>
+<p:sld xmlns:a="http://schemas.openxmlformats.org/drawingml/2006/main" xmlns:r="http://schemas.openxmlformats.org/officeDocument/2006/relationships" xmlns:p="http://schemas.openxmlformats.org/presentationml/2006/main">
+  <p:cSld>
+    <p:spTree>
+      <p:nvGrpSpPr>
+        <p:cNvPr id="1" name=""/>
+        <p:cNvGrpSpPr/>
+        <p:nvPr/>
+      </p:nvGrpSpPr>
+      <p:grpSpPr>
+        <a:xfrm>
+          <a:off x="0" y="0"/>
+          <a:ext cx="0" cy="0"/>
+          <a:chOff x="0" y="0"/>
+          <a:chExt cx="0" cy="0"/>
+        </a:xfrm>
+      </p:grpSpPr>
+      <p:sp>
+        <p:nvSpPr>
+          <p:cNvPr id="2" name="Title 1">
+            <a:extLst>
+              <a:ext uri="{FF2B5EF4-FFF2-40B4-BE49-F238E27FC236}">
+                <a16:creationId xmlns:a16="http://schemas.microsoft.com/office/drawing/2014/main" id="{828FE1B7-8A2B-4559-9665-3E60BA2C3F60}"/>
+              </a:ext>
+            </a:extLst>
+          </p:cNvPr>
+          <p:cNvSpPr>
+            <a:spLocks noGrp="1"/>
+          </p:cNvSpPr>
+          <p:nvPr>
+            <p:ph type="title"/>
+          </p:nvPr>
+        </p:nvSpPr>
+        <p:spPr>
+          <a:xfrm>
+            <a:off x="561439" y="230776"/>
+            <a:ext cx="10030288" cy="1400530"/>
+          </a:xfrm>
+        </p:spPr>
+        <p:txBody>
+          <a:bodyPr/>
+          <a:lstStyle/>
+          <a:p>
+            <a:r>
+              <a:rPr lang="en-US" dirty="0"/>
+              <a:t>Reduced Model – Significant Features</a:t>
+            </a:r>
+          </a:p>
+        </p:txBody>
+      </p:sp>
+      <p:sp>
+        <p:nvSpPr>
+          <p:cNvPr id="3" name="Content Placeholder 2">
+            <a:extLst>
+              <a:ext uri="{FF2B5EF4-FFF2-40B4-BE49-F238E27FC236}">
+                <a16:creationId xmlns:a16="http://schemas.microsoft.com/office/drawing/2014/main" id="{52346CD9-A538-435E-BA37-DFAFBAADAF29}"/>
+              </a:ext>
+            </a:extLst>
+          </p:cNvPr>
+          <p:cNvSpPr>
+            <a:spLocks noGrp="1"/>
+          </p:cNvSpPr>
+          <p:nvPr>
+            <p:ph idx="1"/>
+          </p:nvPr>
+        </p:nvSpPr>
+        <p:spPr>
+          <a:xfrm>
+            <a:off x="333703" y="2002723"/>
+            <a:ext cx="5242880" cy="4195481"/>
+          </a:xfrm>
+        </p:spPr>
+        <p:txBody>
+          <a:bodyPr/>
+          <a:lstStyle/>
+          <a:p>
+            <a:r>
+              <a:rPr lang="en-US" dirty="0"/>
+              <a:t>Overtime, Job Role, Job Level Top 3</a:t>
+            </a:r>
+          </a:p>
+          <a:p>
+            <a:pPr marL="0" indent="0">
+              <a:buNone/>
+            </a:pPr>
+            <a:endParaRPr lang="en-US" dirty="0"/>
+          </a:p>
+        </p:txBody>
+      </p:sp>
+      <p:pic>
+        <p:nvPicPr>
+          <p:cNvPr id="1026" name="Picture 2">
+            <a:extLst>
+              <a:ext uri="{FF2B5EF4-FFF2-40B4-BE49-F238E27FC236}">
+                <a16:creationId xmlns:a16="http://schemas.microsoft.com/office/drawing/2014/main" id="{01B9B78B-5377-4152-8B33-6F95D81ADAEA}"/>
+              </a:ext>
+            </a:extLst>
+          </p:cNvPr>
+          <p:cNvPicPr>
+            <a:picLocks noChangeAspect="1" noChangeArrowheads="1"/>
+          </p:cNvPicPr>
+          <p:nvPr/>
+        </p:nvPicPr>
+        <p:blipFill>
+          <a:blip r:embed="rId2">
+            <a:extLst>
+              <a:ext uri="{28A0092B-C50C-407E-A947-70E740481C1C}">
+                <a14:useLocalDpi xmlns:a14="http://schemas.microsoft.com/office/drawing/2010/main" val="0"/>
+              </a:ext>
+            </a:extLst>
+          </a:blip>
+          <a:srcRect/>
+          <a:stretch>
+            <a:fillRect/>
+          </a:stretch>
+        </p:blipFill>
+        <p:spPr bwMode="auto">
+          <a:xfrm>
+            <a:off x="5647678" y="1152983"/>
+            <a:ext cx="6400800" cy="4572000"/>
+          </a:xfrm>
+          <a:prstGeom prst="rect">
+            <a:avLst/>
+          </a:prstGeom>
+          <a:noFill/>
+          <a:extLst>
+            <a:ext uri="{909E8E84-426E-40DD-AFC4-6F175D3DCCD1}">
+              <a14:hiddenFill xmlns:a14="http://schemas.microsoft.com/office/drawing/2010/main">
+                <a:solidFill>
+                  <a:srgbClr val="FFFFFF"/>
+                </a:solidFill>
+              </a14:hiddenFill>
+            </a:ext>
+          </a:extLst>
+        </p:spPr>
+      </p:pic>
+    </p:spTree>
+    <p:extLst>
+      <p:ext uri="{BB962C8B-B14F-4D97-AF65-F5344CB8AC3E}">
+        <p14:creationId xmlns:p14="http://schemas.microsoft.com/office/powerpoint/2010/main" val="1718878852"/>
+      </p:ext>
+    </p:extLst>
+  </p:cSld>
+  <p:clrMapOvr>
+    <a:masterClrMapping/>
+  </p:clrMapOvr>
+</p:sld>
+</file>
+
+<file path=ppt/slides/slide35.xml><?xml version="1.0" encoding="utf-8"?>
+<p:sld xmlns:a="http://schemas.openxmlformats.org/drawingml/2006/main" xmlns:r="http://schemas.openxmlformats.org/officeDocument/2006/relationships" xmlns:p="http://schemas.openxmlformats.org/presentationml/2006/main">
+  <p:cSld>
+    <p:spTree>
+      <p:nvGrpSpPr>
+        <p:cNvPr id="1" name=""/>
+        <p:cNvGrpSpPr/>
+        <p:nvPr/>
+      </p:nvGrpSpPr>
+      <p:grpSpPr>
+        <a:xfrm>
+          <a:off x="0" y="0"/>
+          <a:ext cx="0" cy="0"/>
+          <a:chOff x="0" y="0"/>
+          <a:chExt cx="0" cy="0"/>
+        </a:xfrm>
+      </p:grpSpPr>
+      <p:sp>
+        <p:nvSpPr>
+          <p:cNvPr id="2" name="Title 1">
+            <a:extLst>
+              <a:ext uri="{FF2B5EF4-FFF2-40B4-BE49-F238E27FC236}">
+                <a16:creationId xmlns:a16="http://schemas.microsoft.com/office/drawing/2014/main" id="{7CF40EF8-74CE-4DC5-86EF-C46C083D7AC3}"/>
+              </a:ext>
+            </a:extLst>
+          </p:cNvPr>
+          <p:cNvSpPr>
+            <a:spLocks noGrp="1"/>
+          </p:cNvSpPr>
+          <p:nvPr>
+            <p:ph type="title"/>
+          </p:nvPr>
+        </p:nvSpPr>
+        <p:spPr/>
+        <p:txBody>
+          <a:bodyPr/>
+          <a:lstStyle/>
+          <a:p>
+            <a:r>
+              <a:rPr lang="en-US" dirty="0"/>
+              <a:t>Why does it matter?</a:t>
+            </a:r>
+          </a:p>
+        </p:txBody>
+      </p:sp>
+      <p:sp>
+        <p:nvSpPr>
+          <p:cNvPr id="3" name="Content Placeholder 2">
+            <a:extLst>
+              <a:ext uri="{FF2B5EF4-FFF2-40B4-BE49-F238E27FC236}">
+                <a16:creationId xmlns:a16="http://schemas.microsoft.com/office/drawing/2014/main" id="{21BBDF00-CD61-4D76-A6C8-84AE11A71EB0}"/>
+              </a:ext>
+            </a:extLst>
+          </p:cNvPr>
+          <p:cNvSpPr>
+            <a:spLocks noGrp="1"/>
+          </p:cNvSpPr>
+          <p:nvPr>
+            <p:ph idx="1"/>
+          </p:nvPr>
+        </p:nvSpPr>
+        <p:spPr/>
+        <p:txBody>
+          <a:bodyPr/>
+          <a:lstStyle/>
+          <a:p>
+            <a:r>
+              <a:rPr lang="en-US" dirty="0"/>
+              <a:t>Applicants and current employees can be screened before action!</a:t>
+            </a:r>
+          </a:p>
+          <a:p>
+            <a:r>
+              <a:rPr lang="en-US" dirty="0"/>
+              <a:t>Would you promote an employee you determined is likely to quit?</a:t>
+            </a:r>
+          </a:p>
+          <a:p>
+            <a:r>
+              <a:rPr lang="en-US" dirty="0"/>
+              <a:t>Would you hire an employee that is not likely to stay?</a:t>
+            </a:r>
+          </a:p>
+          <a:p>
+            <a:r>
+              <a:rPr lang="en-US" dirty="0"/>
+              <a:t>We can model retention rate, given questions!</a:t>
+            </a:r>
+          </a:p>
+        </p:txBody>
+      </p:sp>
+    </p:spTree>
+    <p:extLst>
+      <p:ext uri="{BB962C8B-B14F-4D97-AF65-F5344CB8AC3E}">
+        <p14:creationId xmlns:p14="http://schemas.microsoft.com/office/powerpoint/2010/main" val="553990375"/>
+      </p:ext>
+    </p:extLst>
+  </p:cSld>
+  <p:clrMapOvr>
+    <a:masterClrMapping/>
+  </p:clrMapOvr>
+</p:sld>
+</file>
+
+<file path=ppt/slides/slide36.xml><?xml version="1.0" encoding="utf-8"?>
+<p:sld xmlns:a="http://schemas.openxmlformats.org/drawingml/2006/main" xmlns:r="http://schemas.openxmlformats.org/officeDocument/2006/relationships" xmlns:p="http://schemas.openxmlformats.org/presentationml/2006/main">
+  <p:cSld>
+    <p:spTree>
+      <p:nvGrpSpPr>
+        <p:cNvPr id="1" name=""/>
+        <p:cNvGrpSpPr/>
+        <p:nvPr/>
+      </p:nvGrpSpPr>
+      <p:grpSpPr>
+        <a:xfrm>
+          <a:off x="0" y="0"/>
+          <a:ext cx="0" cy="0"/>
+          <a:chOff x="0" y="0"/>
+          <a:chExt cx="0" cy="0"/>
+        </a:xfrm>
+      </p:grpSpPr>
+      <p:sp>
+        <p:nvSpPr>
+          <p:cNvPr id="2" name="Title 1">
+            <a:extLst>
+              <a:ext uri="{FF2B5EF4-FFF2-40B4-BE49-F238E27FC236}">
+                <a16:creationId xmlns:a16="http://schemas.microsoft.com/office/drawing/2014/main" id="{F605ED45-8F46-419F-9A5B-4DCD53D5B9E3}"/>
+              </a:ext>
+            </a:extLst>
+          </p:cNvPr>
+          <p:cNvSpPr>
+            <a:spLocks noGrp="1"/>
+          </p:cNvSpPr>
+          <p:nvPr>
+            <p:ph type="title"/>
+          </p:nvPr>
+        </p:nvSpPr>
+        <p:spPr/>
+        <p:txBody>
+          <a:bodyPr/>
+          <a:lstStyle/>
+          <a:p>
+            <a:r>
+              <a:rPr lang="en-US" dirty="0"/>
+              <a:t>Why does it matter?</a:t>
+            </a:r>
+          </a:p>
+        </p:txBody>
+      </p:sp>
+      <p:sp>
+        <p:nvSpPr>
+          <p:cNvPr id="3" name="Content Placeholder 2">
+            <a:extLst>
+              <a:ext uri="{FF2B5EF4-FFF2-40B4-BE49-F238E27FC236}">
+                <a16:creationId xmlns:a16="http://schemas.microsoft.com/office/drawing/2014/main" id="{5D8640A0-11FF-47A4-97B3-F49185650694}"/>
+              </a:ext>
+            </a:extLst>
+          </p:cNvPr>
+          <p:cNvSpPr>
+            <a:spLocks noGrp="1"/>
+          </p:cNvSpPr>
+          <p:nvPr>
+            <p:ph idx="1"/>
+          </p:nvPr>
+        </p:nvSpPr>
+        <p:spPr/>
+        <p:txBody>
+          <a:bodyPr/>
+          <a:lstStyle/>
+          <a:p>
+            <a:r>
+              <a:rPr lang="en-US" dirty="0"/>
+              <a:t>The model produces probabilities of retention, given answers:</a:t>
+            </a:r>
+          </a:p>
+          <a:p>
+            <a:endParaRPr lang="en-US" dirty="0"/>
+          </a:p>
+          <a:p>
+            <a:endParaRPr lang="en-US" dirty="0"/>
+          </a:p>
+          <a:p>
+            <a:endParaRPr lang="en-US" dirty="0"/>
+          </a:p>
+          <a:p>
+            <a:endParaRPr lang="en-US" dirty="0"/>
+          </a:p>
+          <a:p>
+            <a:endParaRPr lang="en-US" dirty="0"/>
+          </a:p>
+          <a:p>
+            <a:endParaRPr lang="en-US" dirty="0"/>
+          </a:p>
+          <a:p>
+            <a:endParaRPr lang="en-US" dirty="0"/>
+          </a:p>
+          <a:p>
+            <a:r>
+              <a:rPr lang="en-US" dirty="0"/>
+              <a:t>These questions could be a part of employee feedback, or the job application process, saving money!</a:t>
+            </a:r>
+          </a:p>
+          <a:p>
+            <a:endParaRPr lang="en-US" dirty="0"/>
+          </a:p>
+        </p:txBody>
+      </p:sp>
+      <p:pic>
+        <p:nvPicPr>
+          <p:cNvPr id="4" name="Picture 3">
+            <a:extLst>
+              <a:ext uri="{FF2B5EF4-FFF2-40B4-BE49-F238E27FC236}">
+                <a16:creationId xmlns:a16="http://schemas.microsoft.com/office/drawing/2014/main" id="{FE17C5FE-BBC9-48B0-BEC4-25E5C96062E4}"/>
+              </a:ext>
+            </a:extLst>
+          </p:cNvPr>
+          <p:cNvPicPr>
+            <a:picLocks noChangeAspect="1"/>
+          </p:cNvPicPr>
+          <p:nvPr/>
+        </p:nvPicPr>
+        <p:blipFill>
+          <a:blip r:embed="rId2"/>
+          <a:stretch>
+            <a:fillRect/>
+          </a:stretch>
+        </p:blipFill>
+        <p:spPr>
+          <a:xfrm>
+            <a:off x="1933206" y="2587100"/>
+            <a:ext cx="6252006" cy="2825765"/>
+          </a:xfrm>
+          <a:prstGeom prst="rect">
+            <a:avLst/>
+          </a:prstGeom>
+        </p:spPr>
+      </p:pic>
+    </p:spTree>
+    <p:extLst>
+      <p:ext uri="{BB962C8B-B14F-4D97-AF65-F5344CB8AC3E}">
+        <p14:creationId xmlns:p14="http://schemas.microsoft.com/office/powerpoint/2010/main" val="2902394015"/>
+      </p:ext>
+    </p:extLst>
+  </p:cSld>
+  <p:clrMapOvr>
+    <a:masterClrMapping/>
+  </p:clrMapOvr>
+</p:sld>
+</file>
+
+<file path=ppt/slides/slide37.xml><?xml version="1.0" encoding="utf-8"?>
+<p:sld xmlns:a="http://schemas.openxmlformats.org/drawingml/2006/main" xmlns:r="http://schemas.openxmlformats.org/officeDocument/2006/relationships" xmlns:p="http://schemas.openxmlformats.org/presentationml/2006/main">
+  <p:cSld>
+    <p:spTree>
+      <p:nvGrpSpPr>
+        <p:cNvPr id="1" name=""/>
+        <p:cNvGrpSpPr/>
+        <p:nvPr/>
+      </p:nvGrpSpPr>
+      <p:grpSpPr>
+        <a:xfrm>
+          <a:off x="0" y="0"/>
+          <a:ext cx="0" cy="0"/>
+          <a:chOff x="0" y="0"/>
+          <a:chExt cx="0" cy="0"/>
+        </a:xfrm>
+      </p:grpSpPr>
+      <p:sp>
+        <p:nvSpPr>
+          <p:cNvPr id="2" name="Title 1">
+            <a:extLst>
+              <a:ext uri="{FF2B5EF4-FFF2-40B4-BE49-F238E27FC236}">
                 <a16:creationId xmlns:a16="http://schemas.microsoft.com/office/drawing/2014/main" id="{E1832BE2-B24E-4D87-82AE-E0A24F19B9CA}"/>
               </a:ext>
             </a:extLst>

--- a/case_study_02_presentation.pptx
+++ b/case_study_02_presentation.pptx
@@ -23,25 +23,26 @@
     <p:sldId id="276" r:id="rId17"/>
     <p:sldId id="284" r:id="rId18"/>
     <p:sldId id="297" r:id="rId19"/>
-    <p:sldId id="285" r:id="rId20"/>
-    <p:sldId id="299" r:id="rId21"/>
-    <p:sldId id="298" r:id="rId22"/>
-    <p:sldId id="281" r:id="rId23"/>
-    <p:sldId id="283" r:id="rId24"/>
-    <p:sldId id="280" r:id="rId25"/>
-    <p:sldId id="282" r:id="rId26"/>
-    <p:sldId id="278" r:id="rId27"/>
-    <p:sldId id="262" r:id="rId28"/>
-    <p:sldId id="267" r:id="rId29"/>
-    <p:sldId id="263" r:id="rId30"/>
-    <p:sldId id="300" r:id="rId31"/>
-    <p:sldId id="301" r:id="rId32"/>
-    <p:sldId id="302" r:id="rId33"/>
-    <p:sldId id="303" r:id="rId34"/>
-    <p:sldId id="304" r:id="rId35"/>
-    <p:sldId id="305" r:id="rId36"/>
-    <p:sldId id="306" r:id="rId37"/>
-    <p:sldId id="269" r:id="rId38"/>
+    <p:sldId id="307" r:id="rId20"/>
+    <p:sldId id="308" r:id="rId21"/>
+    <p:sldId id="299" r:id="rId22"/>
+    <p:sldId id="298" r:id="rId23"/>
+    <p:sldId id="281" r:id="rId24"/>
+    <p:sldId id="283" r:id="rId25"/>
+    <p:sldId id="309" r:id="rId26"/>
+    <p:sldId id="282" r:id="rId27"/>
+    <p:sldId id="278" r:id="rId28"/>
+    <p:sldId id="262" r:id="rId29"/>
+    <p:sldId id="267" r:id="rId30"/>
+    <p:sldId id="263" r:id="rId31"/>
+    <p:sldId id="300" r:id="rId32"/>
+    <p:sldId id="301" r:id="rId33"/>
+    <p:sldId id="302" r:id="rId34"/>
+    <p:sldId id="303" r:id="rId35"/>
+    <p:sldId id="304" r:id="rId36"/>
+    <p:sldId id="305" r:id="rId37"/>
+    <p:sldId id="306" r:id="rId38"/>
+    <p:sldId id="269" r:id="rId39"/>
   </p:sldIdLst>
   <p:sldSz cx="12192000" cy="6858000"/>
   <p:notesSz cx="6858000" cy="9144000"/>
@@ -167,12 +168,13 @@
             <p14:sldId id="276"/>
             <p14:sldId id="284"/>
             <p14:sldId id="297"/>
-            <p14:sldId id="285"/>
+            <p14:sldId id="307"/>
+            <p14:sldId id="308"/>
             <p14:sldId id="299"/>
             <p14:sldId id="298"/>
             <p14:sldId id="281"/>
             <p14:sldId id="283"/>
-            <p14:sldId id="280"/>
+            <p14:sldId id="309"/>
             <p14:sldId id="282"/>
             <p14:sldId id="278"/>
             <p14:sldId id="262"/>
@@ -387,7 +389,7 @@
           <a:p>
             <a:fld id="{08B136E0-DE68-48F8-B9E2-21BBDA41EF35}" type="datetimeFigureOut">
               <a:rPr lang="en-US" smtClean="0"/>
-              <a:t>4/16/2019</a:t>
+              <a:t>4/15/2019</a:t>
             </a:fld>
             <a:endParaRPr lang="en-US"/>
           </a:p>
@@ -662,7 +664,7 @@
           <a:p>
             <a:fld id="{08B136E0-DE68-48F8-B9E2-21BBDA41EF35}" type="datetimeFigureOut">
               <a:rPr lang="en-US" smtClean="0"/>
-              <a:t>4/16/2019</a:t>
+              <a:t>4/15/2019</a:t>
             </a:fld>
             <a:endParaRPr lang="en-US"/>
           </a:p>
@@ -856,7 +858,7 @@
           <a:p>
             <a:fld id="{08B136E0-DE68-48F8-B9E2-21BBDA41EF35}" type="datetimeFigureOut">
               <a:rPr lang="en-US" smtClean="0"/>
-              <a:t>4/16/2019</a:t>
+              <a:t>4/15/2019</a:t>
             </a:fld>
             <a:endParaRPr lang="en-US"/>
           </a:p>
@@ -1129,7 +1131,7 @@
           <a:p>
             <a:fld id="{08B136E0-DE68-48F8-B9E2-21BBDA41EF35}" type="datetimeFigureOut">
               <a:rPr lang="en-US" smtClean="0"/>
-              <a:t>4/16/2019</a:t>
+              <a:t>4/15/2019</a:t>
             </a:fld>
             <a:endParaRPr lang="en-US"/>
           </a:p>
@@ -1470,7 +1472,7 @@
           <a:p>
             <a:fld id="{08B136E0-DE68-48F8-B9E2-21BBDA41EF35}" type="datetimeFigureOut">
               <a:rPr lang="en-US" smtClean="0"/>
-              <a:t>4/16/2019</a:t>
+              <a:t>4/15/2019</a:t>
             </a:fld>
             <a:endParaRPr lang="en-US"/>
           </a:p>
@@ -2093,7 +2095,7 @@
           <a:p>
             <a:fld id="{08B136E0-DE68-48F8-B9E2-21BBDA41EF35}" type="datetimeFigureOut">
               <a:rPr lang="en-US" smtClean="0"/>
-              <a:t>4/16/2019</a:t>
+              <a:t>4/15/2019</a:t>
             </a:fld>
             <a:endParaRPr lang="en-US"/>
           </a:p>
@@ -2953,7 +2955,7 @@
           <a:p>
             <a:fld id="{08B136E0-DE68-48F8-B9E2-21BBDA41EF35}" type="datetimeFigureOut">
               <a:rPr lang="en-US" smtClean="0"/>
-              <a:t>4/16/2019</a:t>
+              <a:t>4/15/2019</a:t>
             </a:fld>
             <a:endParaRPr lang="en-US"/>
           </a:p>
@@ -3123,7 +3125,7 @@
           <a:p>
             <a:fld id="{08B136E0-DE68-48F8-B9E2-21BBDA41EF35}" type="datetimeFigureOut">
               <a:rPr lang="en-US" smtClean="0"/>
-              <a:t>4/16/2019</a:t>
+              <a:t>4/15/2019</a:t>
             </a:fld>
             <a:endParaRPr lang="en-US"/>
           </a:p>
@@ -3303,7 +3305,7 @@
           <a:p>
             <a:fld id="{08B136E0-DE68-48F8-B9E2-21BBDA41EF35}" type="datetimeFigureOut">
               <a:rPr lang="en-US" smtClean="0"/>
-              <a:t>4/16/2019</a:t>
+              <a:t>4/15/2019</a:t>
             </a:fld>
             <a:endParaRPr lang="en-US"/>
           </a:p>
@@ -3473,7 +3475,7 @@
           <a:p>
             <a:fld id="{08B136E0-DE68-48F8-B9E2-21BBDA41EF35}" type="datetimeFigureOut">
               <a:rPr lang="en-US" smtClean="0"/>
-              <a:t>4/16/2019</a:t>
+              <a:t>4/15/2019</a:t>
             </a:fld>
             <a:endParaRPr lang="en-US"/>
           </a:p>
@@ -3720,7 +3722,7 @@
           <a:p>
             <a:fld id="{08B136E0-DE68-48F8-B9E2-21BBDA41EF35}" type="datetimeFigureOut">
               <a:rPr lang="en-US" smtClean="0"/>
-              <a:t>4/16/2019</a:t>
+              <a:t>4/15/2019</a:t>
             </a:fld>
             <a:endParaRPr lang="en-US"/>
           </a:p>
@@ -4012,7 +4014,7 @@
           <a:p>
             <a:fld id="{08B136E0-DE68-48F8-B9E2-21BBDA41EF35}" type="datetimeFigureOut">
               <a:rPr lang="en-US" smtClean="0"/>
-              <a:t>4/16/2019</a:t>
+              <a:t>4/15/2019</a:t>
             </a:fld>
             <a:endParaRPr lang="en-US"/>
           </a:p>
@@ -4456,7 +4458,7 @@
           <a:p>
             <a:fld id="{08B136E0-DE68-48F8-B9E2-21BBDA41EF35}" type="datetimeFigureOut">
               <a:rPr lang="en-US" smtClean="0"/>
-              <a:t>4/16/2019</a:t>
+              <a:t>4/15/2019</a:t>
             </a:fld>
             <a:endParaRPr lang="en-US"/>
           </a:p>
@@ -4574,7 +4576,7 @@
           <a:p>
             <a:fld id="{08B136E0-DE68-48F8-B9E2-21BBDA41EF35}" type="datetimeFigureOut">
               <a:rPr lang="en-US" smtClean="0"/>
-              <a:t>4/16/2019</a:t>
+              <a:t>4/15/2019</a:t>
             </a:fld>
             <a:endParaRPr lang="en-US"/>
           </a:p>
@@ -4669,7 +4671,7 @@
           <a:p>
             <a:fld id="{08B136E0-DE68-48F8-B9E2-21BBDA41EF35}" type="datetimeFigureOut">
               <a:rPr lang="en-US" smtClean="0"/>
-              <a:t>4/16/2019</a:t>
+              <a:t>4/15/2019</a:t>
             </a:fld>
             <a:endParaRPr lang="en-US"/>
           </a:p>
@@ -4948,7 +4950,7 @@
           <a:p>
             <a:fld id="{08B136E0-DE68-48F8-B9E2-21BBDA41EF35}" type="datetimeFigureOut">
               <a:rPr lang="en-US" smtClean="0"/>
-              <a:t>4/16/2019</a:t>
+              <a:t>4/15/2019</a:t>
             </a:fld>
             <a:endParaRPr lang="en-US"/>
           </a:p>
@@ -5223,7 +5225,7 @@
           <a:p>
             <a:fld id="{08B136E0-DE68-48F8-B9E2-21BBDA41EF35}" type="datetimeFigureOut">
               <a:rPr lang="en-US" smtClean="0"/>
-              <a:t>4/16/2019</a:t>
+              <a:t>4/15/2019</a:t>
             </a:fld>
             <a:endParaRPr lang="en-US"/>
           </a:p>
@@ -5652,7 +5654,7 @@
           <a:p>
             <a:fld id="{08B136E0-DE68-48F8-B9E2-21BBDA41EF35}" type="datetimeFigureOut">
               <a:rPr lang="en-US" smtClean="0"/>
-              <a:t>4/16/2019</a:t>
+              <a:t>4/15/2019</a:t>
             </a:fld>
             <a:endParaRPr lang="en-US"/>
           </a:p>
@@ -10302,10 +10304,229 @@
           </a:p>
         </p:txBody>
       </p:sp>
+      <p:sp>
+        <p:nvSpPr>
+          <p:cNvPr id="21" name="Oval 20">
+            <a:extLst>
+              <a:ext uri="{FF2B5EF4-FFF2-40B4-BE49-F238E27FC236}">
+                <a16:creationId xmlns:a16="http://schemas.microsoft.com/office/drawing/2014/main" id="{14DED2ED-F8B6-4AB6-ACE9-47DFC35D85E4}"/>
+              </a:ext>
+            </a:extLst>
+          </p:cNvPr>
+          <p:cNvSpPr/>
+          <p:nvPr/>
+        </p:nvSpPr>
+        <p:spPr>
+          <a:xfrm>
+            <a:off x="4119282" y="1011841"/>
+            <a:ext cx="1508693" cy="1226014"/>
+          </a:xfrm>
+          <a:prstGeom prst="ellipse">
+            <a:avLst/>
+          </a:prstGeom>
+        </p:spPr>
+        <p:style>
+          <a:lnRef idx="2">
+            <a:schemeClr val="accent4">
+              <a:shade val="50000"/>
+            </a:schemeClr>
+          </a:lnRef>
+          <a:fillRef idx="1">
+            <a:schemeClr val="accent4"/>
+          </a:fillRef>
+          <a:effectRef idx="0">
+            <a:schemeClr val="accent4"/>
+          </a:effectRef>
+          <a:fontRef idx="minor">
+            <a:schemeClr val="lt1"/>
+          </a:fontRef>
+        </p:style>
+        <p:txBody>
+          <a:bodyPr rtlCol="0" anchor="ctr"/>
+          <a:lstStyle/>
+          <a:p>
+            <a:pPr algn="ctr"/>
+            <a:r>
+              <a:rPr lang="en-US" sz="1400" dirty="0"/>
+              <a:t>70% of ALL attrition </a:t>
+            </a:r>
+          </a:p>
+        </p:txBody>
+      </p:sp>
+      <p:cxnSp>
+        <p:nvCxnSpPr>
+          <p:cNvPr id="37" name="Connector: Elbow 36">
+            <a:extLst>
+              <a:ext uri="{FF2B5EF4-FFF2-40B4-BE49-F238E27FC236}">
+                <a16:creationId xmlns:a16="http://schemas.microsoft.com/office/drawing/2014/main" id="{D6A0B710-B0CD-44F3-B373-ED506DCD070F}"/>
+              </a:ext>
+            </a:extLst>
+          </p:cNvPr>
+          <p:cNvCxnSpPr/>
+          <p:nvPr/>
+        </p:nvCxnSpPr>
+        <p:spPr>
+          <a:xfrm flipV="1">
+            <a:off x="2593407" y="1847850"/>
+            <a:ext cx="16443" cy="11707"/>
+          </a:xfrm>
+          <a:prstGeom prst="bentConnector3">
+            <a:avLst/>
+          </a:prstGeom>
+          <a:ln>
+            <a:tailEnd type="triangle"/>
+          </a:ln>
+        </p:spPr>
+        <p:style>
+          <a:lnRef idx="1">
+            <a:schemeClr val="accent1"/>
+          </a:lnRef>
+          <a:fillRef idx="0">
+            <a:schemeClr val="accent1"/>
+          </a:fillRef>
+          <a:effectRef idx="0">
+            <a:schemeClr val="accent1"/>
+          </a:effectRef>
+          <a:fontRef idx="minor">
+            <a:schemeClr val="tx1"/>
+          </a:fontRef>
+        </p:style>
+      </p:cxnSp>
+      <p:cxnSp>
+        <p:nvCxnSpPr>
+          <p:cNvPr id="39" name="Connector: Elbow 38">
+            <a:extLst>
+              <a:ext uri="{FF2B5EF4-FFF2-40B4-BE49-F238E27FC236}">
+                <a16:creationId xmlns:a16="http://schemas.microsoft.com/office/drawing/2014/main" id="{B4B56A91-754F-411E-A39E-4A34CF32D633}"/>
+              </a:ext>
+            </a:extLst>
+          </p:cNvPr>
+          <p:cNvCxnSpPr>
+            <a:cxnSpLocks/>
+          </p:cNvCxnSpPr>
+          <p:nvPr/>
+        </p:nvCxnSpPr>
+        <p:spPr>
+          <a:xfrm rot="16200000" flipH="1">
+            <a:off x="6355496" y="266526"/>
+            <a:ext cx="2647960" cy="4528111"/>
+          </a:xfrm>
+          <a:prstGeom prst="bentConnector3">
+            <a:avLst>
+              <a:gd name="adj1" fmla="val -1026"/>
+            </a:avLst>
+          </a:prstGeom>
+          <a:ln>
+            <a:tailEnd type="triangle"/>
+          </a:ln>
+        </p:spPr>
+        <p:style>
+          <a:lnRef idx="1">
+            <a:schemeClr val="accent3"/>
+          </a:lnRef>
+          <a:fillRef idx="0">
+            <a:schemeClr val="accent3"/>
+          </a:fillRef>
+          <a:effectRef idx="0">
+            <a:schemeClr val="accent3"/>
+          </a:effectRef>
+          <a:fontRef idx="minor">
+            <a:schemeClr val="tx1"/>
+          </a:fontRef>
+        </p:style>
+      </p:cxnSp>
+      <p:cxnSp>
+        <p:nvCxnSpPr>
+          <p:cNvPr id="45" name="Connector: Elbow 44">
+            <a:extLst>
+              <a:ext uri="{FF2B5EF4-FFF2-40B4-BE49-F238E27FC236}">
+                <a16:creationId xmlns:a16="http://schemas.microsoft.com/office/drawing/2014/main" id="{4944004D-A17A-428B-A1C5-FB4A4AC6847C}"/>
+              </a:ext>
+            </a:extLst>
+          </p:cNvPr>
+          <p:cNvCxnSpPr>
+            <a:cxnSpLocks/>
+          </p:cNvCxnSpPr>
+          <p:nvPr/>
+        </p:nvCxnSpPr>
+        <p:spPr>
+          <a:xfrm rot="16200000" flipH="1">
+            <a:off x="5701880" y="896541"/>
+            <a:ext cx="2786459" cy="3376154"/>
+          </a:xfrm>
+          <a:prstGeom prst="bentConnector4">
+            <a:avLst>
+              <a:gd name="adj1" fmla="val -228"/>
+              <a:gd name="adj2" fmla="val 99541"/>
+            </a:avLst>
+          </a:prstGeom>
+          <a:ln>
+            <a:tailEnd type="triangle"/>
+          </a:ln>
+        </p:spPr>
+        <p:style>
+          <a:lnRef idx="1">
+            <a:schemeClr val="accent3"/>
+          </a:lnRef>
+          <a:fillRef idx="0">
+            <a:schemeClr val="accent3"/>
+          </a:fillRef>
+          <a:effectRef idx="0">
+            <a:schemeClr val="accent3"/>
+          </a:effectRef>
+          <a:fontRef idx="minor">
+            <a:schemeClr val="tx1"/>
+          </a:fontRef>
+        </p:style>
+      </p:cxnSp>
+      <p:cxnSp>
+        <p:nvCxnSpPr>
+          <p:cNvPr id="48" name="Connector: Elbow 47">
+            <a:extLst>
+              <a:ext uri="{FF2B5EF4-FFF2-40B4-BE49-F238E27FC236}">
+                <a16:creationId xmlns:a16="http://schemas.microsoft.com/office/drawing/2014/main" id="{AF7505A0-6D53-4FFB-8072-3FC32595EDEE}"/>
+              </a:ext>
+            </a:extLst>
+          </p:cNvPr>
+          <p:cNvCxnSpPr>
+            <a:cxnSpLocks/>
+            <a:endCxn id="9" idx="0"/>
+          </p:cNvCxnSpPr>
+          <p:nvPr/>
+        </p:nvCxnSpPr>
+        <p:spPr>
+          <a:xfrm rot="5400000">
+            <a:off x="2070926" y="2402082"/>
+            <a:ext cx="2907099" cy="1163635"/>
+          </a:xfrm>
+          <a:prstGeom prst="bentConnector3">
+            <a:avLst>
+              <a:gd name="adj1" fmla="val 853"/>
+            </a:avLst>
+          </a:prstGeom>
+          <a:ln>
+            <a:tailEnd type="triangle"/>
+          </a:ln>
+        </p:spPr>
+        <p:style>
+          <a:lnRef idx="1">
+            <a:schemeClr val="accent3"/>
+          </a:lnRef>
+          <a:fillRef idx="0">
+            <a:schemeClr val="accent3"/>
+          </a:fillRef>
+          <a:effectRef idx="0">
+            <a:schemeClr val="accent3"/>
+          </a:effectRef>
+          <a:fontRef idx="minor">
+            <a:schemeClr val="tx1"/>
+          </a:fontRef>
+        </p:style>
+      </p:cxnSp>
     </p:spTree>
     <p:extLst>
       <p:ext uri="{BB962C8B-B14F-4D97-AF65-F5344CB8AC3E}">
-        <p14:creationId xmlns:p14="http://schemas.microsoft.com/office/powerpoint/2010/main" val="2511278651"/>
+        <p14:creationId xmlns:p14="http://schemas.microsoft.com/office/powerpoint/2010/main" val="1470074450"/>
       </p:ext>
     </p:extLst>
   </p:cSld>
@@ -10426,31 +10647,6 @@
 <file path=ppt/slides/slide20.xml><?xml version="1.0" encoding="utf-8"?>
 <p:sld xmlns:a="http://schemas.openxmlformats.org/drawingml/2006/main" xmlns:r="http://schemas.openxmlformats.org/officeDocument/2006/relationships" xmlns:p="http://schemas.openxmlformats.org/presentationml/2006/main">
   <p:cSld>
-    <p:bg>
-      <p:bgPr>
-        <a:blipFill rotWithShape="1">
-          <a:blip r:embed="rId2">
-            <a:duotone>
-              <a:schemeClr val="bg2">
-                <a:shade val="69000"/>
-                <a:hueMod val="108000"/>
-                <a:satMod val="164000"/>
-                <a:lumMod val="74000"/>
-              </a:schemeClr>
-              <a:schemeClr val="bg2">
-                <a:tint val="96000"/>
-                <a:hueMod val="88000"/>
-                <a:satMod val="140000"/>
-                <a:lumMod val="132000"/>
-              </a:schemeClr>
-            </a:duotone>
-            <a:extLst/>
-          </a:blip>
-          <a:stretch/>
-        </a:blipFill>
-        <a:effectLst/>
-      </p:bgPr>
-    </p:bg>
     <p:spTree>
       <p:nvGrpSpPr>
         <p:cNvPr id="1" name=""/>
@@ -10467,435 +10663,10 @@
       </p:grpSpPr>
       <p:pic>
         <p:nvPicPr>
-          <p:cNvPr id="9" name="Picture 8">
-            <a:extLst>
-              <a:ext uri="{FF2B5EF4-FFF2-40B4-BE49-F238E27FC236}">
-                <a16:creationId xmlns:a16="http://schemas.microsoft.com/office/drawing/2014/main" id="{C9ECDD5C-152A-4CC7-8333-0F367B3A62EA}"/>
-              </a:ext>
-              <a:ext uri="{C183D7F6-B498-43B3-948B-1728B52AA6E4}">
-                <adec:decorative xmlns:adec="http://schemas.microsoft.com/office/drawing/2017/decorative" val="1"/>
-              </a:ext>
-            </a:extLst>
-          </p:cNvPr>
-          <p:cNvPicPr>
-            <a:picLocks noGrp="1" noRot="1" noChangeAspect="1" noMove="1" noResize="1" noEditPoints="1" noAdjustHandles="1" noChangeArrowheads="1" noChangeShapeType="1" noCrop="1"/>
-          </p:cNvPicPr>
-          <p:nvPr>
-            <p:extLst>
-              <p:ext uri="{386F3935-93C4-4BCD-93E2-E3B085C9AB24}">
-                <p16:designElem xmlns:p16="http://schemas.microsoft.com/office/powerpoint/2015/main" val="1"/>
-              </p:ext>
-            </p:extLst>
-          </p:nvPr>
-        </p:nvPicPr>
-        <p:blipFill rotWithShape="1">
-          <a:blip r:embed="rId3">
-            <a:extLst>
-              <a:ext uri="{28A0092B-C50C-407E-A947-70E740481C1C}">
-                <a14:useLocalDpi xmlns:a14="http://schemas.microsoft.com/office/drawing/2010/main" val="0"/>
-              </a:ext>
-            </a:extLst>
-          </a:blip>
-          <a:srcRect l="3613"/>
-          <a:stretch/>
-        </p:blipFill>
-        <p:spPr>
-          <a:xfrm>
-            <a:off x="0" y="2669685"/>
-            <a:ext cx="4037012" cy="4188315"/>
-          </a:xfrm>
-          <a:prstGeom prst="rect">
-            <a:avLst/>
-          </a:prstGeom>
-        </p:spPr>
-      </p:pic>
-      <p:pic>
-        <p:nvPicPr>
-          <p:cNvPr id="11" name="Picture 10">
-            <a:extLst>
-              <a:ext uri="{FF2B5EF4-FFF2-40B4-BE49-F238E27FC236}">
-                <a16:creationId xmlns:a16="http://schemas.microsoft.com/office/drawing/2014/main" id="{7F5C92A3-369B-43F3-BDCE-E560B1B0EC89}"/>
-              </a:ext>
-              <a:ext uri="{C183D7F6-B498-43B3-948B-1728B52AA6E4}">
-                <adec:decorative xmlns:adec="http://schemas.microsoft.com/office/drawing/2017/decorative" val="1"/>
-              </a:ext>
-            </a:extLst>
-          </p:cNvPr>
-          <p:cNvPicPr>
-            <a:picLocks noGrp="1" noRot="1" noChangeAspect="1" noMove="1" noResize="1" noEditPoints="1" noAdjustHandles="1" noChangeArrowheads="1" noChangeShapeType="1" noCrop="1"/>
-          </p:cNvPicPr>
-          <p:nvPr>
-            <p:extLst>
-              <p:ext uri="{386F3935-93C4-4BCD-93E2-E3B085C9AB24}">
-                <p16:designElem xmlns:p16="http://schemas.microsoft.com/office/powerpoint/2015/main" val="1"/>
-              </p:ext>
-            </p:extLst>
-          </p:nvPr>
-        </p:nvPicPr>
-        <p:blipFill rotWithShape="1">
-          <a:blip r:embed="rId4">
-            <a:extLst>
-              <a:ext uri="{28A0092B-C50C-407E-A947-70E740481C1C}">
-                <a14:useLocalDpi xmlns:a14="http://schemas.microsoft.com/office/drawing/2010/main" val="0"/>
-              </a:ext>
-            </a:extLst>
-          </a:blip>
-          <a:srcRect l="35640"/>
-          <a:stretch/>
-        </p:blipFill>
-        <p:spPr>
-          <a:xfrm>
-            <a:off x="0" y="2892347"/>
-            <a:ext cx="1522412" cy="2365453"/>
-          </a:xfrm>
-          <a:prstGeom prst="rect">
-            <a:avLst/>
-          </a:prstGeom>
-        </p:spPr>
-      </p:pic>
-      <p:sp>
-        <p:nvSpPr>
-          <p:cNvPr id="13" name="Oval 12">
-            <a:extLst>
-              <a:ext uri="{FF2B5EF4-FFF2-40B4-BE49-F238E27FC236}">
-                <a16:creationId xmlns:a16="http://schemas.microsoft.com/office/drawing/2014/main" id="{AEBE9F1A-B38D-446E-83AE-14B17CE77FF2}"/>
-              </a:ext>
-              <a:ext uri="{C183D7F6-B498-43B3-948B-1728B52AA6E4}">
-                <adec:decorative xmlns:adec="http://schemas.microsoft.com/office/drawing/2017/decorative" val="1"/>
-              </a:ext>
-            </a:extLst>
-          </p:cNvPr>
-          <p:cNvSpPr>
-            <a:spLocks noGrp="1" noRot="1" noChangeAspect="1" noMove="1" noResize="1" noEditPoints="1" noAdjustHandles="1" noChangeArrowheads="1" noChangeShapeType="1" noTextEdit="1"/>
-          </p:cNvSpPr>
-          <p:nvPr>
-            <p:extLst>
-              <p:ext uri="{386F3935-93C4-4BCD-93E2-E3B085C9AB24}">
-                <p16:designElem xmlns:p16="http://schemas.microsoft.com/office/powerpoint/2015/main" val="1"/>
-              </p:ext>
-            </p:extLst>
-          </p:nvPr>
-        </p:nvSpPr>
-        <p:spPr>
-          <a:xfrm>
-            <a:off x="8609012" y="1676400"/>
-            <a:ext cx="2819400" cy="2819400"/>
-          </a:xfrm>
-          <a:prstGeom prst="ellipse">
-            <a:avLst/>
-          </a:prstGeom>
-          <a:gradFill flip="none" rotWithShape="1">
-            <a:gsLst>
-              <a:gs pos="0">
-                <a:schemeClr val="bg2">
-                  <a:lumMod val="60000"/>
-                  <a:lumOff val="40000"/>
-                  <a:alpha val="7000"/>
-                </a:schemeClr>
-              </a:gs>
-              <a:gs pos="69000">
-                <a:schemeClr val="bg2">
-                  <a:lumMod val="60000"/>
-                  <a:lumOff val="40000"/>
-                  <a:alpha val="0"/>
-                </a:schemeClr>
-              </a:gs>
-              <a:gs pos="36000">
-                <a:schemeClr val="bg2">
-                  <a:lumMod val="60000"/>
-                  <a:lumOff val="40000"/>
-                  <a:alpha val="6000"/>
-                </a:schemeClr>
-              </a:gs>
-            </a:gsLst>
-            <a:path path="circle">
-              <a:fillToRect l="50000" t="50000" r="50000" b="50000"/>
-            </a:path>
-            <a:tileRect/>
-          </a:gradFill>
-          <a:ln>
-            <a:noFill/>
-          </a:ln>
-          <a:effectLst/>
-        </p:spPr>
-        <p:style>
-          <a:lnRef idx="1">
-            <a:schemeClr val="accent1"/>
-          </a:lnRef>
-          <a:fillRef idx="3">
-            <a:schemeClr val="accent1"/>
-          </a:fillRef>
-          <a:effectRef idx="2">
-            <a:schemeClr val="accent1"/>
-          </a:effectRef>
-          <a:fontRef idx="minor">
-            <a:schemeClr val="lt1"/>
-          </a:fontRef>
-        </p:style>
-      </p:sp>
-      <p:pic>
-        <p:nvPicPr>
-          <p:cNvPr id="15" name="Picture 14">
-            <a:extLst>
-              <a:ext uri="{FF2B5EF4-FFF2-40B4-BE49-F238E27FC236}">
-                <a16:creationId xmlns:a16="http://schemas.microsoft.com/office/drawing/2014/main" id="{915B5014-A7EC-4BA6-9C83-8840CF81DB28}"/>
-              </a:ext>
-              <a:ext uri="{C183D7F6-B498-43B3-948B-1728B52AA6E4}">
-                <adec:decorative xmlns:adec="http://schemas.microsoft.com/office/drawing/2017/decorative" val="1"/>
-              </a:ext>
-            </a:extLst>
-          </p:cNvPr>
-          <p:cNvPicPr>
-            <a:picLocks noGrp="1" noRot="1" noChangeAspect="1" noMove="1" noResize="1" noEditPoints="1" noAdjustHandles="1" noChangeArrowheads="1" noChangeShapeType="1" noCrop="1"/>
-          </p:cNvPicPr>
-          <p:nvPr>
-            <p:extLst>
-              <p:ext uri="{386F3935-93C4-4BCD-93E2-E3B085C9AB24}">
-                <p16:designElem xmlns:p16="http://schemas.microsoft.com/office/powerpoint/2015/main" val="1"/>
-              </p:ext>
-            </p:extLst>
-          </p:nvPr>
-        </p:nvPicPr>
-        <p:blipFill rotWithShape="1">
-          <a:blip r:embed="rId5">
-            <a:extLst>
-              <a:ext uri="{28A0092B-C50C-407E-A947-70E740481C1C}">
-                <a14:useLocalDpi xmlns:a14="http://schemas.microsoft.com/office/drawing/2010/main" val="0"/>
-              </a:ext>
-            </a:extLst>
-          </a:blip>
-          <a:srcRect t="28813"/>
-          <a:stretch/>
-        </p:blipFill>
-        <p:spPr>
-          <a:xfrm>
-            <a:off x="7999412" y="0"/>
-            <a:ext cx="1603387" cy="1141407"/>
-          </a:xfrm>
-          <a:prstGeom prst="rect">
-            <a:avLst/>
-          </a:prstGeom>
-        </p:spPr>
-      </p:pic>
-      <p:pic>
-        <p:nvPicPr>
-          <p:cNvPr id="17" name="Picture 16">
-            <a:extLst>
-              <a:ext uri="{FF2B5EF4-FFF2-40B4-BE49-F238E27FC236}">
-                <a16:creationId xmlns:a16="http://schemas.microsoft.com/office/drawing/2014/main" id="{022C43AB-86D7-420D-8AD7-DC0A15FDD0AF}"/>
-              </a:ext>
-              <a:ext uri="{C183D7F6-B498-43B3-948B-1728B52AA6E4}">
-                <adec:decorative xmlns:adec="http://schemas.microsoft.com/office/drawing/2017/decorative" val="1"/>
-              </a:ext>
-            </a:extLst>
-          </p:cNvPr>
-          <p:cNvPicPr>
-            <a:picLocks noGrp="1" noRot="1" noChangeAspect="1" noMove="1" noResize="1" noEditPoints="1" noAdjustHandles="1" noChangeArrowheads="1" noChangeShapeType="1" noCrop="1"/>
-          </p:cNvPicPr>
-          <p:nvPr>
-            <p:extLst>
-              <p:ext uri="{386F3935-93C4-4BCD-93E2-E3B085C9AB24}">
-                <p16:designElem xmlns:p16="http://schemas.microsoft.com/office/powerpoint/2015/main" val="1"/>
-              </p:ext>
-            </p:extLst>
-          </p:nvPr>
-        </p:nvPicPr>
-        <p:blipFill rotWithShape="1">
-          <a:blip r:embed="rId6">
-            <a:extLst>
-              <a:ext uri="{28A0092B-C50C-407E-A947-70E740481C1C}">
-                <a14:useLocalDpi xmlns:a14="http://schemas.microsoft.com/office/drawing/2010/main" val="0"/>
-              </a:ext>
-            </a:extLst>
-          </a:blip>
-          <a:srcRect b="23320"/>
-          <a:stretch/>
-        </p:blipFill>
-        <p:spPr>
-          <a:xfrm>
-            <a:off x="8605878" y="6096000"/>
-            <a:ext cx="993734" cy="762000"/>
-          </a:xfrm>
-          <a:prstGeom prst="rect">
-            <a:avLst/>
-          </a:prstGeom>
-        </p:spPr>
-      </p:pic>
-      <p:sp>
-        <p:nvSpPr>
-          <p:cNvPr id="19" name="Rectangle 18">
-            <a:extLst>
-              <a:ext uri="{FF2B5EF4-FFF2-40B4-BE49-F238E27FC236}">
-                <a16:creationId xmlns:a16="http://schemas.microsoft.com/office/drawing/2014/main" id="{5E3EB826-A471-488F-9E8A-D65528A3C0CA}"/>
-              </a:ext>
-              <a:ext uri="{C183D7F6-B498-43B3-948B-1728B52AA6E4}">
-                <adec:decorative xmlns:adec="http://schemas.microsoft.com/office/drawing/2017/decorative" val="1"/>
-              </a:ext>
-            </a:extLst>
-          </p:cNvPr>
-          <p:cNvSpPr>
-            <a:spLocks noGrp="1" noRot="1" noChangeAspect="1" noMove="1" noResize="1" noEditPoints="1" noAdjustHandles="1" noChangeArrowheads="1" noChangeShapeType="1" noTextEdit="1"/>
-          </p:cNvSpPr>
-          <p:nvPr>
-            <p:extLst>
-              <p:ext uri="{386F3935-93C4-4BCD-93E2-E3B085C9AB24}">
-                <p16:designElem xmlns:p16="http://schemas.microsoft.com/office/powerpoint/2015/main" val="1"/>
-              </p:ext>
-            </p:extLst>
-          </p:nvPr>
-        </p:nvSpPr>
-        <p:spPr>
-          <a:xfrm>
-            <a:off x="10437812" y="0"/>
-            <a:ext cx="685800" cy="1143000"/>
-          </a:xfrm>
-          <a:prstGeom prst="rect">
-            <a:avLst/>
-          </a:prstGeom>
-          <a:solidFill>
-            <a:schemeClr val="accent1"/>
-          </a:solidFill>
-          <a:ln>
-            <a:noFill/>
-          </a:ln>
-        </p:spPr>
-        <p:style>
-          <a:lnRef idx="1">
-            <a:schemeClr val="accent1"/>
-          </a:lnRef>
-          <a:fillRef idx="3">
-            <a:schemeClr val="accent1"/>
-          </a:fillRef>
-          <a:effectRef idx="2">
-            <a:schemeClr val="accent1"/>
-          </a:effectRef>
-          <a:fontRef idx="minor">
-            <a:schemeClr val="lt1"/>
-          </a:fontRef>
-        </p:style>
-      </p:sp>
-      <p:sp>
-        <p:nvSpPr>
-          <p:cNvPr id="21" name="Rectangle 20">
-            <a:extLst>
-              <a:ext uri="{FF2B5EF4-FFF2-40B4-BE49-F238E27FC236}">
-                <a16:creationId xmlns:a16="http://schemas.microsoft.com/office/drawing/2014/main" id="{DFB3CEA1-88D9-42FB-88ED-1E9807FE6596}"/>
-              </a:ext>
-              <a:ext uri="{C183D7F6-B498-43B3-948B-1728B52AA6E4}">
-                <adec:decorative xmlns:adec="http://schemas.microsoft.com/office/drawing/2017/decorative" val="1"/>
-              </a:ext>
-            </a:extLst>
-          </p:cNvPr>
-          <p:cNvSpPr>
-            <a:spLocks noGrp="1" noRot="1" noChangeAspect="1" noMove="1" noResize="1" noEditPoints="1" noAdjustHandles="1" noChangeArrowheads="1" noChangeShapeType="1" noTextEdit="1"/>
-          </p:cNvSpPr>
-          <p:nvPr>
-            <p:extLst>
-              <p:ext uri="{386F3935-93C4-4BCD-93E2-E3B085C9AB24}">
-                <p16:designElem xmlns:p16="http://schemas.microsoft.com/office/powerpoint/2015/main" val="1"/>
-              </p:ext>
-            </p:extLst>
-          </p:nvPr>
-        </p:nvSpPr>
-        <p:spPr>
-          <a:xfrm>
-            <a:off x="477012" y="480060"/>
-            <a:ext cx="11237976" cy="5897880"/>
-          </a:xfrm>
-          <a:prstGeom prst="rect">
-            <a:avLst/>
-          </a:prstGeom>
-          <a:solidFill>
-            <a:srgbClr val="FFFFFF"/>
-          </a:solidFill>
-          <a:ln>
-            <a:noFill/>
-          </a:ln>
-        </p:spPr>
-        <p:style>
-          <a:lnRef idx="2">
-            <a:schemeClr val="accent1">
-              <a:shade val="50000"/>
-            </a:schemeClr>
-          </a:lnRef>
-          <a:fillRef idx="1">
-            <a:schemeClr val="accent1"/>
-          </a:fillRef>
-          <a:effectRef idx="0">
-            <a:schemeClr val="accent1"/>
-          </a:effectRef>
-          <a:fontRef idx="minor">
-            <a:schemeClr val="lt1"/>
-          </a:fontRef>
-        </p:style>
-        <p:txBody>
-          <a:bodyPr rtlCol="0" anchor="ctr"/>
-          <a:lstStyle/>
-          <a:p>
-            <a:pPr algn="ctr"/>
-            <a:endParaRPr lang="en-US" dirty="0"/>
-          </a:p>
-        </p:txBody>
-      </p:sp>
-      <p:sp>
-        <p:nvSpPr>
-          <p:cNvPr id="23" name="Rectangle 22">
-            <a:extLst>
-              <a:ext uri="{FF2B5EF4-FFF2-40B4-BE49-F238E27FC236}">
-                <a16:creationId xmlns:a16="http://schemas.microsoft.com/office/drawing/2014/main" id="{9A6C928E-4252-4F33-8C34-E50A12A3170B}"/>
-              </a:ext>
-              <a:ext uri="{C183D7F6-B498-43B3-948B-1728B52AA6E4}">
-                <adec:decorative xmlns:adec="http://schemas.microsoft.com/office/drawing/2017/decorative" val="1"/>
-              </a:ext>
-            </a:extLst>
-          </p:cNvPr>
-          <p:cNvSpPr>
-            <a:spLocks noGrp="1" noRot="1" noChangeAspect="1" noMove="1" noResize="1" noEditPoints="1" noAdjustHandles="1" noChangeArrowheads="1" noChangeShapeType="1" noTextEdit="1"/>
-          </p:cNvSpPr>
-          <p:nvPr>
-            <p:extLst>
-              <p:ext uri="{386F3935-93C4-4BCD-93E2-E3B085C9AB24}">
-                <p16:designElem xmlns:p16="http://schemas.microsoft.com/office/powerpoint/2015/main" val="1"/>
-              </p:ext>
-            </p:extLst>
-          </p:nvPr>
-        </p:nvSpPr>
-        <p:spPr>
-          <a:xfrm>
-            <a:off x="10437812" y="0"/>
-            <a:ext cx="685800" cy="1143000"/>
-          </a:xfrm>
-          <a:prstGeom prst="rect">
-            <a:avLst/>
-          </a:prstGeom>
-          <a:solidFill>
-            <a:schemeClr val="accent1"/>
-          </a:solidFill>
-          <a:ln>
-            <a:noFill/>
-          </a:ln>
-        </p:spPr>
-        <p:style>
-          <a:lnRef idx="1">
-            <a:schemeClr val="accent1"/>
-          </a:lnRef>
-          <a:fillRef idx="3">
-            <a:schemeClr val="accent1"/>
-          </a:fillRef>
-          <a:effectRef idx="2">
-            <a:schemeClr val="accent1"/>
-          </a:effectRef>
-          <a:fontRef idx="minor">
-            <a:schemeClr val="lt1"/>
-          </a:fontRef>
-        </p:style>
-      </p:sp>
-      <p:pic>
-        <p:nvPicPr>
-          <p:cNvPr id="5" name="Picture 4">
-            <a:extLst>
-              <a:ext uri="{FF2B5EF4-FFF2-40B4-BE49-F238E27FC236}">
-                <a16:creationId xmlns:a16="http://schemas.microsoft.com/office/drawing/2014/main" id="{E1709029-E66C-4032-994F-BA66F0DACC35}"/>
+          <p:cNvPr id="21" name="Picture 20">
+            <a:extLst>
+              <a:ext uri="{FF2B5EF4-FFF2-40B4-BE49-F238E27FC236}">
+                <a16:creationId xmlns:a16="http://schemas.microsoft.com/office/drawing/2014/main" id="{4C5AE542-5EB8-434B-9FD3-BA993B83F9CC}"/>
               </a:ext>
             </a:extLst>
           </p:cNvPr>
@@ -10905,248 +10676,71 @@
           <p:nvPr/>
         </p:nvPicPr>
         <p:blipFill>
-          <a:blip r:embed="rId7"/>
+          <a:blip r:embed="rId2"/>
           <a:stretch>
             <a:fillRect/>
           </a:stretch>
         </p:blipFill>
         <p:spPr>
           <a:xfrm>
-            <a:off x="3838459" y="571353"/>
-            <a:ext cx="4515082" cy="5715294"/>
+            <a:off x="367616" y="855768"/>
+            <a:ext cx="11604667" cy="5240232"/>
           </a:xfrm>
           <a:prstGeom prst="rect">
             <a:avLst/>
           </a:prstGeom>
+          <a:ln w="38100" cap="sq">
+            <a:solidFill>
+              <a:srgbClr val="000000"/>
+            </a:solidFill>
+            <a:prstDash val="solid"/>
+            <a:miter lim="800000"/>
+          </a:ln>
+          <a:effectLst>
+            <a:outerShdw blurRad="50800" dist="38100" dir="2700000" algn="tl" rotWithShape="0">
+              <a:srgbClr val="000000">
+                <a:alpha val="43000"/>
+              </a:srgbClr>
+            </a:outerShdw>
+          </a:effectLst>
         </p:spPr>
       </p:pic>
-      <p:pic>
-        <p:nvPicPr>
-          <p:cNvPr id="6" name="Picture 5">
-            <a:extLst>
-              <a:ext uri="{FF2B5EF4-FFF2-40B4-BE49-F238E27FC236}">
-                <a16:creationId xmlns:a16="http://schemas.microsoft.com/office/drawing/2014/main" id="{967D39C0-AD09-4573-95AF-10409A54EFAE}"/>
-              </a:ext>
-            </a:extLst>
-          </p:cNvPr>
-          <p:cNvPicPr>
-            <a:picLocks noChangeAspect="1"/>
-          </p:cNvPicPr>
-          <p:nvPr/>
-        </p:nvPicPr>
-        <p:blipFill>
-          <a:blip r:embed="rId8"/>
-          <a:stretch>
-            <a:fillRect/>
-          </a:stretch>
-        </p:blipFill>
-        <p:spPr>
-          <a:xfrm>
-            <a:off x="7932737" y="2051997"/>
-            <a:ext cx="2847975" cy="571500"/>
-          </a:xfrm>
-          <a:prstGeom prst="rect">
-            <a:avLst/>
-          </a:prstGeom>
-        </p:spPr>
-      </p:pic>
-      <p:sp>
-        <p:nvSpPr>
-          <p:cNvPr id="16" name="TextBox 15">
-            <a:extLst>
-              <a:ext uri="{FF2B5EF4-FFF2-40B4-BE49-F238E27FC236}">
-                <a16:creationId xmlns:a16="http://schemas.microsoft.com/office/drawing/2014/main" id="{14A022FB-E0EF-4900-8B68-BA2A7901C057}"/>
-              </a:ext>
-            </a:extLst>
-          </p:cNvPr>
-          <p:cNvSpPr txBox="1"/>
-          <p:nvPr/>
-        </p:nvSpPr>
-        <p:spPr>
-          <a:xfrm>
-            <a:off x="4615921" y="4405273"/>
-            <a:ext cx="698500" cy="276999"/>
-          </a:xfrm>
-          <a:prstGeom prst="rect">
-            <a:avLst/>
-          </a:prstGeom>
-          <a:noFill/>
-        </p:spPr>
-        <p:txBody>
-          <a:bodyPr wrap="square" rtlCol="0">
-            <a:spAutoFit/>
-          </a:bodyPr>
-          <a:lstStyle/>
-          <a:p>
-            <a:r>
-              <a:rPr lang="en-US" sz="1200" dirty="0">
-                <a:solidFill>
-                  <a:schemeClr val="bg1"/>
-                </a:solidFill>
-              </a:rPr>
-              <a:t>25.4%</a:t>
-            </a:r>
-          </a:p>
-        </p:txBody>
-      </p:sp>
-      <p:sp>
-        <p:nvSpPr>
-          <p:cNvPr id="18" name="TextBox 17">
-            <a:extLst>
-              <a:ext uri="{FF2B5EF4-FFF2-40B4-BE49-F238E27FC236}">
-                <a16:creationId xmlns:a16="http://schemas.microsoft.com/office/drawing/2014/main" id="{DDC804F4-9686-4289-8527-F776BDFC70AD}"/>
-              </a:ext>
-            </a:extLst>
-          </p:cNvPr>
-          <p:cNvSpPr txBox="1"/>
-          <p:nvPr/>
-        </p:nvSpPr>
-        <p:spPr>
-          <a:xfrm>
-            <a:off x="5496776" y="4709014"/>
-            <a:ext cx="698500" cy="276999"/>
-          </a:xfrm>
-          <a:prstGeom prst="rect">
-            <a:avLst/>
-          </a:prstGeom>
-          <a:noFill/>
-        </p:spPr>
-        <p:txBody>
-          <a:bodyPr wrap="square" rtlCol="0">
-            <a:spAutoFit/>
-          </a:bodyPr>
-          <a:lstStyle/>
-          <a:p>
-            <a:r>
-              <a:rPr lang="en-US" sz="1200" dirty="0">
-                <a:solidFill>
-                  <a:schemeClr val="bg1"/>
-                </a:solidFill>
-              </a:rPr>
-              <a:t>15.0%</a:t>
-            </a:r>
-          </a:p>
-        </p:txBody>
-      </p:sp>
-      <p:sp>
-        <p:nvSpPr>
-          <p:cNvPr id="20" name="TextBox 19">
-            <a:extLst>
-              <a:ext uri="{FF2B5EF4-FFF2-40B4-BE49-F238E27FC236}">
-                <a16:creationId xmlns:a16="http://schemas.microsoft.com/office/drawing/2014/main" id="{7313BDE1-57EF-4787-B64C-6803405B7302}"/>
-              </a:ext>
-            </a:extLst>
-          </p:cNvPr>
-          <p:cNvSpPr txBox="1"/>
-          <p:nvPr/>
-        </p:nvSpPr>
-        <p:spPr>
-          <a:xfrm>
-            <a:off x="6323038" y="4543772"/>
-            <a:ext cx="698500" cy="276999"/>
-          </a:xfrm>
-          <a:prstGeom prst="rect">
-            <a:avLst/>
-          </a:prstGeom>
-          <a:noFill/>
-        </p:spPr>
-        <p:txBody>
-          <a:bodyPr wrap="square" rtlCol="0">
-            <a:spAutoFit/>
-          </a:bodyPr>
-          <a:lstStyle/>
-          <a:p>
-            <a:r>
-              <a:rPr lang="en-US" sz="1200" dirty="0">
-                <a:solidFill>
-                  <a:schemeClr val="bg1"/>
-                </a:solidFill>
-              </a:rPr>
-              <a:t>13.7%</a:t>
-            </a:r>
-          </a:p>
-        </p:txBody>
-      </p:sp>
-      <p:sp>
-        <p:nvSpPr>
-          <p:cNvPr id="22" name="TextBox 21">
-            <a:extLst>
-              <a:ext uri="{FF2B5EF4-FFF2-40B4-BE49-F238E27FC236}">
-                <a16:creationId xmlns:a16="http://schemas.microsoft.com/office/drawing/2014/main" id="{657AFA4A-61E8-40E0-BBB9-5374423D0476}"/>
-              </a:ext>
-            </a:extLst>
-          </p:cNvPr>
-          <p:cNvSpPr txBox="1"/>
-          <p:nvPr/>
-        </p:nvSpPr>
-        <p:spPr>
-          <a:xfrm>
-            <a:off x="7200925" y="4570514"/>
-            <a:ext cx="698500" cy="276999"/>
-          </a:xfrm>
-          <a:prstGeom prst="rect">
-            <a:avLst/>
-          </a:prstGeom>
-          <a:noFill/>
-        </p:spPr>
-        <p:txBody>
-          <a:bodyPr wrap="square" rtlCol="0">
-            <a:spAutoFit/>
-          </a:bodyPr>
-          <a:lstStyle/>
-          <a:p>
-            <a:r>
-              <a:rPr lang="en-US" sz="1200" dirty="0">
-                <a:solidFill>
-                  <a:schemeClr val="bg1"/>
-                </a:solidFill>
-              </a:rPr>
-              <a:t>13.5%</a:t>
-            </a:r>
-          </a:p>
-        </p:txBody>
-      </p:sp>
       <p:cxnSp>
         <p:nvCxnSpPr>
-          <p:cNvPr id="27" name="Straight Arrow Connector 26">
-            <a:extLst>
-              <a:ext uri="{FF2B5EF4-FFF2-40B4-BE49-F238E27FC236}">
-                <a16:creationId xmlns:a16="http://schemas.microsoft.com/office/drawing/2014/main" id="{37B1CF20-9120-4466-96CB-7A20DFBB447F}"/>
+          <p:cNvPr id="24" name="Straight Arrow Connector 23">
+            <a:extLst>
+              <a:ext uri="{FF2B5EF4-FFF2-40B4-BE49-F238E27FC236}">
+                <a16:creationId xmlns:a16="http://schemas.microsoft.com/office/drawing/2014/main" id="{421D85BD-6A2E-49A6-9011-DC5E5EA9B3FE}"/>
               </a:ext>
             </a:extLst>
           </p:cNvPr>
           <p:cNvCxnSpPr>
             <a:cxnSpLocks/>
-            <a:stCxn id="28" idx="5"/>
+            <a:stCxn id="27" idx="4"/>
           </p:cNvCxnSpPr>
           <p:nvPr/>
         </p:nvCxnSpPr>
         <p:spPr>
-          <a:xfrm>
-            <a:off x="3425672" y="2890085"/>
-            <a:ext cx="1440506" cy="1446965"/>
+          <a:xfrm flipH="1">
+            <a:off x="4565651" y="2480732"/>
+            <a:ext cx="1076442" cy="2942168"/>
           </a:xfrm>
           <a:prstGeom prst="straightConnector1">
             <a:avLst/>
           </a:prstGeom>
           <a:ln>
-            <a:solidFill>
-              <a:schemeClr val="accent4">
-                <a:lumMod val="50000"/>
-              </a:schemeClr>
-            </a:solidFill>
             <a:tailEnd type="triangle"/>
           </a:ln>
         </p:spPr>
         <p:style>
           <a:lnRef idx="1">
-            <a:schemeClr val="accent1"/>
+            <a:schemeClr val="accent4"/>
           </a:lnRef>
           <a:fillRef idx="0">
-            <a:schemeClr val="accent1"/>
+            <a:schemeClr val="accent4"/>
           </a:fillRef>
           <a:effectRef idx="0">
-            <a:schemeClr val="accent1"/>
+            <a:schemeClr val="accent4"/>
           </a:effectRef>
           <a:fontRef idx="minor">
             <a:schemeClr val="tx1"/>
@@ -11155,10 +10749,10 @@
       </p:cxnSp>
       <p:sp>
         <p:nvSpPr>
-          <p:cNvPr id="28" name="Oval 27">
-            <a:extLst>
-              <a:ext uri="{FF2B5EF4-FFF2-40B4-BE49-F238E27FC236}">
-                <a16:creationId xmlns:a16="http://schemas.microsoft.com/office/drawing/2014/main" id="{7017C395-4A27-4008-8F94-E15BA734D2D3}"/>
+          <p:cNvPr id="27" name="Oval 26">
+            <a:extLst>
+              <a:ext uri="{FF2B5EF4-FFF2-40B4-BE49-F238E27FC236}">
+                <a16:creationId xmlns:a16="http://schemas.microsoft.com/office/drawing/2014/main" id="{F2918E3B-DCDC-4A39-B413-D7D632DB568E}"/>
               </a:ext>
             </a:extLst>
           </p:cNvPr>
@@ -11167,8 +10761,8 @@
         </p:nvSpPr>
         <p:spPr>
           <a:xfrm>
-            <a:off x="2137922" y="1843617"/>
-            <a:ext cx="1508693" cy="1226014"/>
+            <a:off x="4864335" y="1549400"/>
+            <a:ext cx="1555515" cy="931332"/>
           </a:xfrm>
           <a:prstGeom prst="ellipse">
             <a:avLst/>
@@ -11196,22 +10790,64 @@
           <a:p>
             <a:pPr algn="ctr"/>
             <a:r>
-              <a:rPr lang="en-US" sz="1100" dirty="0">
+              <a:rPr lang="en-US" sz="1000" dirty="0">
                 <a:solidFill>
                   <a:schemeClr val="tx1"/>
                 </a:solidFill>
               </a:rPr>
-              <a:t>~ 1 in 4 people leave when environment Satisfaction is low</a:t>
-            </a:r>
-          </a:p>
-        </p:txBody>
-      </p:sp>
-      <p:sp>
-        <p:nvSpPr>
-          <p:cNvPr id="29" name="Title 1">
-            <a:extLst>
-              <a:ext uri="{FF2B5EF4-FFF2-40B4-BE49-F238E27FC236}">
-                <a16:creationId xmlns:a16="http://schemas.microsoft.com/office/drawing/2014/main" id="{AEE2AE80-FD61-4288-8A46-9BE496E51225}"/>
+              <a:t>Manager’s and Research Directors only in upper class</a:t>
+            </a:r>
+          </a:p>
+        </p:txBody>
+      </p:sp>
+      <p:cxnSp>
+        <p:nvCxnSpPr>
+          <p:cNvPr id="67" name="Straight Arrow Connector 66">
+            <a:extLst>
+              <a:ext uri="{FF2B5EF4-FFF2-40B4-BE49-F238E27FC236}">
+                <a16:creationId xmlns:a16="http://schemas.microsoft.com/office/drawing/2014/main" id="{CA9C0CCC-922C-4F7B-9CDE-3FE66A71E4C3}"/>
+              </a:ext>
+            </a:extLst>
+          </p:cNvPr>
+          <p:cNvCxnSpPr>
+            <a:cxnSpLocks/>
+            <a:stCxn id="27" idx="4"/>
+          </p:cNvCxnSpPr>
+          <p:nvPr/>
+        </p:nvCxnSpPr>
+        <p:spPr>
+          <a:xfrm>
+            <a:off x="5642093" y="2480732"/>
+            <a:ext cx="1488957" cy="2669118"/>
+          </a:xfrm>
+          <a:prstGeom prst="straightConnector1">
+            <a:avLst/>
+          </a:prstGeom>
+          <a:ln>
+            <a:tailEnd type="triangle"/>
+          </a:ln>
+        </p:spPr>
+        <p:style>
+          <a:lnRef idx="1">
+            <a:schemeClr val="accent4"/>
+          </a:lnRef>
+          <a:fillRef idx="0">
+            <a:schemeClr val="accent4"/>
+          </a:fillRef>
+          <a:effectRef idx="0">
+            <a:schemeClr val="accent4"/>
+          </a:effectRef>
+          <a:fontRef idx="minor">
+            <a:schemeClr val="tx1"/>
+          </a:fontRef>
+        </p:style>
+      </p:cxnSp>
+      <p:sp>
+        <p:nvSpPr>
+          <p:cNvPr id="17" name="Title 1">
+            <a:extLst>
+              <a:ext uri="{FF2B5EF4-FFF2-40B4-BE49-F238E27FC236}">
+                <a16:creationId xmlns:a16="http://schemas.microsoft.com/office/drawing/2014/main" id="{CF8A1486-97A5-401B-B9E6-607BBDB09673}"/>
               </a:ext>
             </a:extLst>
           </p:cNvPr>
@@ -11224,7 +10860,7 @@
         </p:nvSpPr>
         <p:spPr>
           <a:xfrm>
-            <a:off x="393786" y="117356"/>
+            <a:off x="367616" y="214028"/>
             <a:ext cx="9142770" cy="589849"/>
           </a:xfrm>
         </p:spPr>
@@ -11245,7 +10881,326 @@
                   <a:srgbClr val="EBEBEB"/>
                 </a:solidFill>
               </a:rPr>
-              <a:t>What does Environment Satisfaction show us?</a:t>
+              <a:t>What does Income Group by Job Role show us?</a:t>
+            </a:r>
+          </a:p>
+        </p:txBody>
+      </p:sp>
+      <p:sp>
+        <p:nvSpPr>
+          <p:cNvPr id="2" name="TextBox 1">
+            <a:extLst>
+              <a:ext uri="{FF2B5EF4-FFF2-40B4-BE49-F238E27FC236}">
+                <a16:creationId xmlns:a16="http://schemas.microsoft.com/office/drawing/2014/main" id="{BBA0EC04-57C6-4105-9623-656C694FED9B}"/>
+              </a:ext>
+            </a:extLst>
+          </p:cNvPr>
+          <p:cNvSpPr txBox="1"/>
+          <p:nvPr/>
+        </p:nvSpPr>
+        <p:spPr>
+          <a:xfrm>
+            <a:off x="4553942" y="852519"/>
+            <a:ext cx="3080040" cy="200055"/>
+          </a:xfrm>
+          <a:prstGeom prst="rect">
+            <a:avLst/>
+          </a:prstGeom>
+          <a:solidFill>
+            <a:schemeClr val="tx1"/>
+          </a:solidFill>
+        </p:spPr>
+        <p:txBody>
+          <a:bodyPr wrap="square" rtlCol="0">
+            <a:spAutoFit/>
+          </a:bodyPr>
+          <a:lstStyle/>
+          <a:p>
+            <a:pPr algn="r"/>
+            <a:r>
+              <a:rPr lang="en-US" sz="700" b="1" dirty="0">
+                <a:solidFill>
+                  <a:schemeClr val="bg1"/>
+                </a:solidFill>
+              </a:rPr>
+              <a:t>Yearly Income Class Attrition Histogram by Job Role Plot</a:t>
+            </a:r>
+          </a:p>
+        </p:txBody>
+      </p:sp>
+      <p:sp>
+        <p:nvSpPr>
+          <p:cNvPr id="3" name="TextBox 2">
+            <a:extLst>
+              <a:ext uri="{FF2B5EF4-FFF2-40B4-BE49-F238E27FC236}">
+                <a16:creationId xmlns:a16="http://schemas.microsoft.com/office/drawing/2014/main" id="{D35A0B21-C8AA-41AE-AEE9-AB40A4C17DE5}"/>
+              </a:ext>
+            </a:extLst>
+          </p:cNvPr>
+          <p:cNvSpPr txBox="1"/>
+          <p:nvPr/>
+        </p:nvSpPr>
+        <p:spPr>
+          <a:xfrm>
+            <a:off x="3423817" y="1492161"/>
+            <a:ext cx="1345195" cy="630942"/>
+          </a:xfrm>
+          <a:prstGeom prst="rect">
+            <a:avLst/>
+          </a:prstGeom>
+          <a:solidFill>
+            <a:schemeClr val="tx1"/>
+          </a:solidFill>
+        </p:spPr>
+        <p:txBody>
+          <a:bodyPr wrap="square" rtlCol="0">
+            <a:spAutoFit/>
+          </a:bodyPr>
+          <a:lstStyle/>
+          <a:p>
+            <a:pPr algn="ctr"/>
+            <a:r>
+              <a:rPr lang="en-US" sz="700" u="sng" dirty="0">
+                <a:solidFill>
+                  <a:schemeClr val="bg1"/>
+                </a:solidFill>
+              </a:rPr>
+              <a:t>Income Class Turnover %</a:t>
+            </a:r>
+          </a:p>
+          <a:p>
+            <a:r>
+              <a:rPr lang="en-US" sz="700" dirty="0">
+                <a:solidFill>
+                  <a:schemeClr val="bg1"/>
+                </a:solidFill>
+              </a:rPr>
+              <a:t>Lower:		29.3%</a:t>
+            </a:r>
+          </a:p>
+          <a:p>
+            <a:r>
+              <a:rPr lang="en-US" sz="700" dirty="0">
+                <a:solidFill>
+                  <a:schemeClr val="bg1"/>
+                </a:solidFill>
+              </a:rPr>
+              <a:t>Lower-Middle: 	14.2%</a:t>
+            </a:r>
+          </a:p>
+          <a:p>
+            <a:r>
+              <a:rPr lang="en-US" sz="700" dirty="0">
+                <a:solidFill>
+                  <a:schemeClr val="bg1"/>
+                </a:solidFill>
+              </a:rPr>
+              <a:t>Upper-Middle: 	10.6%</a:t>
+            </a:r>
+          </a:p>
+          <a:p>
+            <a:r>
+              <a:rPr lang="en-US" sz="700" dirty="0">
+                <a:solidFill>
+                  <a:schemeClr val="bg1"/>
+                </a:solidFill>
+              </a:rPr>
+              <a:t>Upper: 		10.3%</a:t>
+            </a:r>
+          </a:p>
+        </p:txBody>
+      </p:sp>
+      <p:sp>
+        <p:nvSpPr>
+          <p:cNvPr id="23" name="TextBox 22">
+            <a:extLst>
+              <a:ext uri="{FF2B5EF4-FFF2-40B4-BE49-F238E27FC236}">
+                <a16:creationId xmlns:a16="http://schemas.microsoft.com/office/drawing/2014/main" id="{EDB1C462-0D20-43E2-9776-1773ED0F885F}"/>
+              </a:ext>
+            </a:extLst>
+          </p:cNvPr>
+          <p:cNvSpPr txBox="1"/>
+          <p:nvPr/>
+        </p:nvSpPr>
+        <p:spPr>
+          <a:xfrm>
+            <a:off x="10520704" y="5116377"/>
+            <a:ext cx="489898" cy="200055"/>
+          </a:xfrm>
+          <a:prstGeom prst="rect">
+            <a:avLst/>
+          </a:prstGeom>
+          <a:noFill/>
+        </p:spPr>
+        <p:txBody>
+          <a:bodyPr wrap="square" rtlCol="0">
+            <a:spAutoFit/>
+          </a:bodyPr>
+          <a:lstStyle/>
+          <a:p>
+            <a:r>
+              <a:rPr lang="en-US" sz="700" dirty="0">
+                <a:solidFill>
+                  <a:schemeClr val="bg1"/>
+                </a:solidFill>
+              </a:rPr>
+              <a:t>29.4%</a:t>
+            </a:r>
+          </a:p>
+        </p:txBody>
+      </p:sp>
+      <p:sp>
+        <p:nvSpPr>
+          <p:cNvPr id="25" name="TextBox 24">
+            <a:extLst>
+              <a:ext uri="{FF2B5EF4-FFF2-40B4-BE49-F238E27FC236}">
+                <a16:creationId xmlns:a16="http://schemas.microsoft.com/office/drawing/2014/main" id="{D5AB0B32-2A75-4435-B154-F9D4C0D8D6F1}"/>
+              </a:ext>
+            </a:extLst>
+          </p:cNvPr>
+          <p:cNvSpPr txBox="1"/>
+          <p:nvPr/>
+        </p:nvSpPr>
+        <p:spPr>
+          <a:xfrm>
+            <a:off x="10251346" y="5081572"/>
+            <a:ext cx="553673" cy="200055"/>
+          </a:xfrm>
+          <a:prstGeom prst="rect">
+            <a:avLst/>
+          </a:prstGeom>
+          <a:noFill/>
+        </p:spPr>
+        <p:txBody>
+          <a:bodyPr wrap="square" rtlCol="0">
+            <a:spAutoFit/>
+          </a:bodyPr>
+          <a:lstStyle/>
+          <a:p>
+            <a:r>
+              <a:rPr lang="en-US" sz="700" dirty="0">
+                <a:solidFill>
+                  <a:schemeClr val="bg1"/>
+                </a:solidFill>
+              </a:rPr>
+              <a:t>43.8%</a:t>
+            </a:r>
+          </a:p>
+        </p:txBody>
+      </p:sp>
+      <p:sp>
+        <p:nvSpPr>
+          <p:cNvPr id="26" name="TextBox 25">
+            <a:extLst>
+              <a:ext uri="{FF2B5EF4-FFF2-40B4-BE49-F238E27FC236}">
+                <a16:creationId xmlns:a16="http://schemas.microsoft.com/office/drawing/2014/main" id="{A0EA211E-15FF-48F9-ADE2-3B617CE739F2}"/>
+              </a:ext>
+            </a:extLst>
+          </p:cNvPr>
+          <p:cNvSpPr txBox="1"/>
+          <p:nvPr/>
+        </p:nvSpPr>
+        <p:spPr>
+          <a:xfrm>
+            <a:off x="1002246" y="5132416"/>
+            <a:ext cx="461395" cy="200055"/>
+          </a:xfrm>
+          <a:prstGeom prst="rect">
+            <a:avLst/>
+          </a:prstGeom>
+          <a:noFill/>
+        </p:spPr>
+        <p:txBody>
+          <a:bodyPr wrap="square" rtlCol="0">
+            <a:spAutoFit/>
+          </a:bodyPr>
+          <a:lstStyle/>
+          <a:p>
+            <a:r>
+              <a:rPr lang="en-US" sz="700" dirty="0">
+                <a:solidFill>
+                  <a:schemeClr val="bg1"/>
+                </a:solidFill>
+              </a:rPr>
+              <a:t>5%</a:t>
+            </a:r>
+          </a:p>
+        </p:txBody>
+      </p:sp>
+      <p:sp>
+        <p:nvSpPr>
+          <p:cNvPr id="28" name="TextBox 27">
+            <a:extLst>
+              <a:ext uri="{FF2B5EF4-FFF2-40B4-BE49-F238E27FC236}">
+                <a16:creationId xmlns:a16="http://schemas.microsoft.com/office/drawing/2014/main" id="{812E578D-D1E4-482B-8450-1D7258290E61}"/>
+              </a:ext>
+            </a:extLst>
+          </p:cNvPr>
+          <p:cNvSpPr txBox="1"/>
+          <p:nvPr/>
+        </p:nvSpPr>
+        <p:spPr>
+          <a:xfrm>
+            <a:off x="1463641" y="5109636"/>
+            <a:ext cx="461395" cy="200055"/>
+          </a:xfrm>
+          <a:prstGeom prst="rect">
+            <a:avLst/>
+          </a:prstGeom>
+          <a:noFill/>
+        </p:spPr>
+        <p:txBody>
+          <a:bodyPr wrap="square" rtlCol="0">
+            <a:spAutoFit/>
+          </a:bodyPr>
+          <a:lstStyle/>
+          <a:p>
+            <a:r>
+              <a:rPr lang="en-US" sz="700" dirty="0">
+                <a:solidFill>
+                  <a:schemeClr val="bg1"/>
+                </a:solidFill>
+              </a:rPr>
+              <a:t>11.1%</a:t>
+            </a:r>
+          </a:p>
+        </p:txBody>
+      </p:sp>
+      <p:sp>
+        <p:nvSpPr>
+          <p:cNvPr id="29" name="TextBox 28">
+            <a:extLst>
+              <a:ext uri="{FF2B5EF4-FFF2-40B4-BE49-F238E27FC236}">
+                <a16:creationId xmlns:a16="http://schemas.microsoft.com/office/drawing/2014/main" id="{D7B9D55F-91AB-4048-B043-6AD72D9BF0F0}"/>
+              </a:ext>
+            </a:extLst>
+          </p:cNvPr>
+          <p:cNvSpPr txBox="1"/>
+          <p:nvPr/>
+        </p:nvSpPr>
+        <p:spPr>
+          <a:xfrm>
+            <a:off x="1218291" y="5125783"/>
+            <a:ext cx="461395" cy="200055"/>
+          </a:xfrm>
+          <a:prstGeom prst="rect">
+            <a:avLst/>
+          </a:prstGeom>
+          <a:noFill/>
+        </p:spPr>
+        <p:txBody>
+          <a:bodyPr wrap="square" rtlCol="0">
+            <a:spAutoFit/>
+          </a:bodyPr>
+          <a:lstStyle/>
+          <a:p>
+            <a:r>
+              <a:rPr lang="en-US" sz="700" dirty="0">
+                <a:solidFill>
+                  <a:schemeClr val="bg1"/>
+                </a:solidFill>
+              </a:rPr>
+              <a:t>4.5%</a:t>
             </a:r>
           </a:p>
         </p:txBody>
@@ -11253,7 +11208,7 @@
     </p:spTree>
     <p:extLst>
       <p:ext uri="{BB962C8B-B14F-4D97-AF65-F5344CB8AC3E}">
-        <p14:creationId xmlns:p14="http://schemas.microsoft.com/office/powerpoint/2010/main" val="2975216316"/>
+        <p14:creationId xmlns:p14="http://schemas.microsoft.com/office/powerpoint/2010/main" val="7262382"/>
       </p:ext>
     </p:extLst>
   </p:cSld>
@@ -11677,6 +11632,846 @@
           </a:p>
         </p:txBody>
       </p:sp>
+      <p:sp>
+        <p:nvSpPr>
+          <p:cNvPr id="23" name="Rectangle 22">
+            <a:extLst>
+              <a:ext uri="{FF2B5EF4-FFF2-40B4-BE49-F238E27FC236}">
+                <a16:creationId xmlns:a16="http://schemas.microsoft.com/office/drawing/2014/main" id="{9A6C928E-4252-4F33-8C34-E50A12A3170B}"/>
+              </a:ext>
+              <a:ext uri="{C183D7F6-B498-43B3-948B-1728B52AA6E4}">
+                <adec:decorative xmlns:adec="http://schemas.microsoft.com/office/drawing/2017/decorative" val="1"/>
+              </a:ext>
+            </a:extLst>
+          </p:cNvPr>
+          <p:cNvSpPr>
+            <a:spLocks noGrp="1" noRot="1" noChangeAspect="1" noMove="1" noResize="1" noEditPoints="1" noAdjustHandles="1" noChangeArrowheads="1" noChangeShapeType="1" noTextEdit="1"/>
+          </p:cNvSpPr>
+          <p:nvPr>
+            <p:extLst>
+              <p:ext uri="{386F3935-93C4-4BCD-93E2-E3B085C9AB24}">
+                <p16:designElem xmlns:p16="http://schemas.microsoft.com/office/powerpoint/2015/main" val="1"/>
+              </p:ext>
+            </p:extLst>
+          </p:nvPr>
+        </p:nvSpPr>
+        <p:spPr>
+          <a:xfrm>
+            <a:off x="10437812" y="0"/>
+            <a:ext cx="685800" cy="1143000"/>
+          </a:xfrm>
+          <a:prstGeom prst="rect">
+            <a:avLst/>
+          </a:prstGeom>
+          <a:solidFill>
+            <a:schemeClr val="accent1"/>
+          </a:solidFill>
+          <a:ln>
+            <a:noFill/>
+          </a:ln>
+        </p:spPr>
+        <p:style>
+          <a:lnRef idx="1">
+            <a:schemeClr val="accent1"/>
+          </a:lnRef>
+          <a:fillRef idx="3">
+            <a:schemeClr val="accent1"/>
+          </a:fillRef>
+          <a:effectRef idx="2">
+            <a:schemeClr val="accent1"/>
+          </a:effectRef>
+          <a:fontRef idx="minor">
+            <a:schemeClr val="lt1"/>
+          </a:fontRef>
+        </p:style>
+      </p:sp>
+      <p:pic>
+        <p:nvPicPr>
+          <p:cNvPr id="5" name="Picture 4">
+            <a:extLst>
+              <a:ext uri="{FF2B5EF4-FFF2-40B4-BE49-F238E27FC236}">
+                <a16:creationId xmlns:a16="http://schemas.microsoft.com/office/drawing/2014/main" id="{E1709029-E66C-4032-994F-BA66F0DACC35}"/>
+              </a:ext>
+            </a:extLst>
+          </p:cNvPr>
+          <p:cNvPicPr>
+            <a:picLocks noChangeAspect="1"/>
+          </p:cNvPicPr>
+          <p:nvPr/>
+        </p:nvPicPr>
+        <p:blipFill>
+          <a:blip r:embed="rId7"/>
+          <a:stretch>
+            <a:fillRect/>
+          </a:stretch>
+        </p:blipFill>
+        <p:spPr>
+          <a:xfrm>
+            <a:off x="3838459" y="571353"/>
+            <a:ext cx="4515082" cy="5715294"/>
+          </a:xfrm>
+          <a:prstGeom prst="rect">
+            <a:avLst/>
+          </a:prstGeom>
+        </p:spPr>
+      </p:pic>
+      <p:pic>
+        <p:nvPicPr>
+          <p:cNvPr id="6" name="Picture 5">
+            <a:extLst>
+              <a:ext uri="{FF2B5EF4-FFF2-40B4-BE49-F238E27FC236}">
+                <a16:creationId xmlns:a16="http://schemas.microsoft.com/office/drawing/2014/main" id="{967D39C0-AD09-4573-95AF-10409A54EFAE}"/>
+              </a:ext>
+            </a:extLst>
+          </p:cNvPr>
+          <p:cNvPicPr>
+            <a:picLocks noChangeAspect="1"/>
+          </p:cNvPicPr>
+          <p:nvPr/>
+        </p:nvPicPr>
+        <p:blipFill>
+          <a:blip r:embed="rId8"/>
+          <a:stretch>
+            <a:fillRect/>
+          </a:stretch>
+        </p:blipFill>
+        <p:spPr>
+          <a:xfrm>
+            <a:off x="7932737" y="2051997"/>
+            <a:ext cx="2847975" cy="571500"/>
+          </a:xfrm>
+          <a:prstGeom prst="rect">
+            <a:avLst/>
+          </a:prstGeom>
+        </p:spPr>
+      </p:pic>
+      <p:sp>
+        <p:nvSpPr>
+          <p:cNvPr id="16" name="TextBox 15">
+            <a:extLst>
+              <a:ext uri="{FF2B5EF4-FFF2-40B4-BE49-F238E27FC236}">
+                <a16:creationId xmlns:a16="http://schemas.microsoft.com/office/drawing/2014/main" id="{14A022FB-E0EF-4900-8B68-BA2A7901C057}"/>
+              </a:ext>
+            </a:extLst>
+          </p:cNvPr>
+          <p:cNvSpPr txBox="1"/>
+          <p:nvPr/>
+        </p:nvSpPr>
+        <p:spPr>
+          <a:xfrm>
+            <a:off x="4615921" y="4405273"/>
+            <a:ext cx="698500" cy="276999"/>
+          </a:xfrm>
+          <a:prstGeom prst="rect">
+            <a:avLst/>
+          </a:prstGeom>
+          <a:noFill/>
+        </p:spPr>
+        <p:txBody>
+          <a:bodyPr wrap="square" rtlCol="0">
+            <a:spAutoFit/>
+          </a:bodyPr>
+          <a:lstStyle/>
+          <a:p>
+            <a:r>
+              <a:rPr lang="en-US" sz="1200" dirty="0">
+                <a:solidFill>
+                  <a:schemeClr val="bg1"/>
+                </a:solidFill>
+              </a:rPr>
+              <a:t>25.4%</a:t>
+            </a:r>
+          </a:p>
+        </p:txBody>
+      </p:sp>
+      <p:sp>
+        <p:nvSpPr>
+          <p:cNvPr id="18" name="TextBox 17">
+            <a:extLst>
+              <a:ext uri="{FF2B5EF4-FFF2-40B4-BE49-F238E27FC236}">
+                <a16:creationId xmlns:a16="http://schemas.microsoft.com/office/drawing/2014/main" id="{DDC804F4-9686-4289-8527-F776BDFC70AD}"/>
+              </a:ext>
+            </a:extLst>
+          </p:cNvPr>
+          <p:cNvSpPr txBox="1"/>
+          <p:nvPr/>
+        </p:nvSpPr>
+        <p:spPr>
+          <a:xfrm>
+            <a:off x="5496776" y="4709014"/>
+            <a:ext cx="698500" cy="276999"/>
+          </a:xfrm>
+          <a:prstGeom prst="rect">
+            <a:avLst/>
+          </a:prstGeom>
+          <a:noFill/>
+        </p:spPr>
+        <p:txBody>
+          <a:bodyPr wrap="square" rtlCol="0">
+            <a:spAutoFit/>
+          </a:bodyPr>
+          <a:lstStyle/>
+          <a:p>
+            <a:r>
+              <a:rPr lang="en-US" sz="1200" dirty="0">
+                <a:solidFill>
+                  <a:schemeClr val="bg1"/>
+                </a:solidFill>
+              </a:rPr>
+              <a:t>15.0%</a:t>
+            </a:r>
+          </a:p>
+        </p:txBody>
+      </p:sp>
+      <p:sp>
+        <p:nvSpPr>
+          <p:cNvPr id="20" name="TextBox 19">
+            <a:extLst>
+              <a:ext uri="{FF2B5EF4-FFF2-40B4-BE49-F238E27FC236}">
+                <a16:creationId xmlns:a16="http://schemas.microsoft.com/office/drawing/2014/main" id="{7313BDE1-57EF-4787-B64C-6803405B7302}"/>
+              </a:ext>
+            </a:extLst>
+          </p:cNvPr>
+          <p:cNvSpPr txBox="1"/>
+          <p:nvPr/>
+        </p:nvSpPr>
+        <p:spPr>
+          <a:xfrm>
+            <a:off x="6323038" y="4543772"/>
+            <a:ext cx="698500" cy="276999"/>
+          </a:xfrm>
+          <a:prstGeom prst="rect">
+            <a:avLst/>
+          </a:prstGeom>
+          <a:noFill/>
+        </p:spPr>
+        <p:txBody>
+          <a:bodyPr wrap="square" rtlCol="0">
+            <a:spAutoFit/>
+          </a:bodyPr>
+          <a:lstStyle/>
+          <a:p>
+            <a:r>
+              <a:rPr lang="en-US" sz="1200" dirty="0">
+                <a:solidFill>
+                  <a:schemeClr val="bg1"/>
+                </a:solidFill>
+              </a:rPr>
+              <a:t>13.7%</a:t>
+            </a:r>
+          </a:p>
+        </p:txBody>
+      </p:sp>
+      <p:sp>
+        <p:nvSpPr>
+          <p:cNvPr id="22" name="TextBox 21">
+            <a:extLst>
+              <a:ext uri="{FF2B5EF4-FFF2-40B4-BE49-F238E27FC236}">
+                <a16:creationId xmlns:a16="http://schemas.microsoft.com/office/drawing/2014/main" id="{657AFA4A-61E8-40E0-BBB9-5374423D0476}"/>
+              </a:ext>
+            </a:extLst>
+          </p:cNvPr>
+          <p:cNvSpPr txBox="1"/>
+          <p:nvPr/>
+        </p:nvSpPr>
+        <p:spPr>
+          <a:xfrm>
+            <a:off x="7200925" y="4570514"/>
+            <a:ext cx="698500" cy="276999"/>
+          </a:xfrm>
+          <a:prstGeom prst="rect">
+            <a:avLst/>
+          </a:prstGeom>
+          <a:noFill/>
+        </p:spPr>
+        <p:txBody>
+          <a:bodyPr wrap="square" rtlCol="0">
+            <a:spAutoFit/>
+          </a:bodyPr>
+          <a:lstStyle/>
+          <a:p>
+            <a:r>
+              <a:rPr lang="en-US" sz="1200" dirty="0">
+                <a:solidFill>
+                  <a:schemeClr val="bg1"/>
+                </a:solidFill>
+              </a:rPr>
+              <a:t>13.5%</a:t>
+            </a:r>
+          </a:p>
+        </p:txBody>
+      </p:sp>
+      <p:cxnSp>
+        <p:nvCxnSpPr>
+          <p:cNvPr id="27" name="Straight Arrow Connector 26">
+            <a:extLst>
+              <a:ext uri="{FF2B5EF4-FFF2-40B4-BE49-F238E27FC236}">
+                <a16:creationId xmlns:a16="http://schemas.microsoft.com/office/drawing/2014/main" id="{37B1CF20-9120-4466-96CB-7A20DFBB447F}"/>
+              </a:ext>
+            </a:extLst>
+          </p:cNvPr>
+          <p:cNvCxnSpPr>
+            <a:cxnSpLocks/>
+            <a:stCxn id="28" idx="5"/>
+          </p:cNvCxnSpPr>
+          <p:nvPr/>
+        </p:nvCxnSpPr>
+        <p:spPr>
+          <a:xfrm>
+            <a:off x="3425672" y="2890085"/>
+            <a:ext cx="1440506" cy="1446965"/>
+          </a:xfrm>
+          <a:prstGeom prst="straightConnector1">
+            <a:avLst/>
+          </a:prstGeom>
+          <a:ln>
+            <a:solidFill>
+              <a:schemeClr val="accent4">
+                <a:lumMod val="50000"/>
+              </a:schemeClr>
+            </a:solidFill>
+            <a:tailEnd type="triangle"/>
+          </a:ln>
+        </p:spPr>
+        <p:style>
+          <a:lnRef idx="1">
+            <a:schemeClr val="accent1"/>
+          </a:lnRef>
+          <a:fillRef idx="0">
+            <a:schemeClr val="accent1"/>
+          </a:fillRef>
+          <a:effectRef idx="0">
+            <a:schemeClr val="accent1"/>
+          </a:effectRef>
+          <a:fontRef idx="minor">
+            <a:schemeClr val="tx1"/>
+          </a:fontRef>
+        </p:style>
+      </p:cxnSp>
+      <p:sp>
+        <p:nvSpPr>
+          <p:cNvPr id="28" name="Oval 27">
+            <a:extLst>
+              <a:ext uri="{FF2B5EF4-FFF2-40B4-BE49-F238E27FC236}">
+                <a16:creationId xmlns:a16="http://schemas.microsoft.com/office/drawing/2014/main" id="{7017C395-4A27-4008-8F94-E15BA734D2D3}"/>
+              </a:ext>
+            </a:extLst>
+          </p:cNvPr>
+          <p:cNvSpPr/>
+          <p:nvPr/>
+        </p:nvSpPr>
+        <p:spPr>
+          <a:xfrm>
+            <a:off x="2137922" y="1843617"/>
+            <a:ext cx="1508693" cy="1226014"/>
+          </a:xfrm>
+          <a:prstGeom prst="ellipse">
+            <a:avLst/>
+          </a:prstGeom>
+        </p:spPr>
+        <p:style>
+          <a:lnRef idx="2">
+            <a:schemeClr val="accent4">
+              <a:shade val="50000"/>
+            </a:schemeClr>
+          </a:lnRef>
+          <a:fillRef idx="1">
+            <a:schemeClr val="accent4"/>
+          </a:fillRef>
+          <a:effectRef idx="0">
+            <a:schemeClr val="accent4"/>
+          </a:effectRef>
+          <a:fontRef idx="minor">
+            <a:schemeClr val="lt1"/>
+          </a:fontRef>
+        </p:style>
+        <p:txBody>
+          <a:bodyPr rtlCol="0" anchor="ctr"/>
+          <a:lstStyle/>
+          <a:p>
+            <a:pPr algn="ctr"/>
+            <a:r>
+              <a:rPr lang="en-US" sz="1100" dirty="0">
+                <a:solidFill>
+                  <a:schemeClr val="tx1"/>
+                </a:solidFill>
+              </a:rPr>
+              <a:t>~ 1 in 4 people leave when environment Satisfaction is low</a:t>
+            </a:r>
+          </a:p>
+        </p:txBody>
+      </p:sp>
+      <p:sp>
+        <p:nvSpPr>
+          <p:cNvPr id="29" name="Title 1">
+            <a:extLst>
+              <a:ext uri="{FF2B5EF4-FFF2-40B4-BE49-F238E27FC236}">
+                <a16:creationId xmlns:a16="http://schemas.microsoft.com/office/drawing/2014/main" id="{AEE2AE80-FD61-4288-8A46-9BE496E51225}"/>
+              </a:ext>
+            </a:extLst>
+          </p:cNvPr>
+          <p:cNvSpPr>
+            <a:spLocks noGrp="1"/>
+          </p:cNvSpPr>
+          <p:nvPr>
+            <p:ph type="title"/>
+          </p:nvPr>
+        </p:nvSpPr>
+        <p:spPr>
+          <a:xfrm>
+            <a:off x="393786" y="117356"/>
+            <a:ext cx="9142770" cy="589849"/>
+          </a:xfrm>
+        </p:spPr>
+        <p:txBody>
+          <a:bodyPr>
+            <a:normAutofit/>
+          </a:bodyPr>
+          <a:lstStyle/>
+          <a:p>
+            <a:pPr>
+              <a:lnSpc>
+                <a:spcPct val="90000"/>
+              </a:lnSpc>
+            </a:pPr>
+            <a:r>
+              <a:rPr lang="en-US" sz="2400" dirty="0">
+                <a:solidFill>
+                  <a:srgbClr val="EBEBEB"/>
+                </a:solidFill>
+              </a:rPr>
+              <a:t>What does Environment Satisfaction show us?</a:t>
+            </a:r>
+          </a:p>
+        </p:txBody>
+      </p:sp>
+    </p:spTree>
+    <p:extLst>
+      <p:ext uri="{BB962C8B-B14F-4D97-AF65-F5344CB8AC3E}">
+        <p14:creationId xmlns:p14="http://schemas.microsoft.com/office/powerpoint/2010/main" val="2975216316"/>
+      </p:ext>
+    </p:extLst>
+  </p:cSld>
+  <p:clrMapOvr>
+    <a:masterClrMapping/>
+  </p:clrMapOvr>
+</p:sld>
+</file>
+
+<file path=ppt/slides/slide22.xml><?xml version="1.0" encoding="utf-8"?>
+<p:sld xmlns:a="http://schemas.openxmlformats.org/drawingml/2006/main" xmlns:r="http://schemas.openxmlformats.org/officeDocument/2006/relationships" xmlns:p="http://schemas.openxmlformats.org/presentationml/2006/main">
+  <p:cSld>
+    <p:bg>
+      <p:bgPr>
+        <a:blipFill rotWithShape="1">
+          <a:blip r:embed="rId2">
+            <a:duotone>
+              <a:schemeClr val="bg2">
+                <a:shade val="69000"/>
+                <a:hueMod val="108000"/>
+                <a:satMod val="164000"/>
+                <a:lumMod val="74000"/>
+              </a:schemeClr>
+              <a:schemeClr val="bg2">
+                <a:tint val="96000"/>
+                <a:hueMod val="88000"/>
+                <a:satMod val="140000"/>
+                <a:lumMod val="132000"/>
+              </a:schemeClr>
+            </a:duotone>
+            <a:extLst/>
+          </a:blip>
+          <a:stretch/>
+        </a:blipFill>
+        <a:effectLst/>
+      </p:bgPr>
+    </p:bg>
+    <p:spTree>
+      <p:nvGrpSpPr>
+        <p:cNvPr id="1" name=""/>
+        <p:cNvGrpSpPr/>
+        <p:nvPr/>
+      </p:nvGrpSpPr>
+      <p:grpSpPr>
+        <a:xfrm>
+          <a:off x="0" y="0"/>
+          <a:ext cx="0" cy="0"/>
+          <a:chOff x="0" y="0"/>
+          <a:chExt cx="0" cy="0"/>
+        </a:xfrm>
+      </p:grpSpPr>
+      <p:pic>
+        <p:nvPicPr>
+          <p:cNvPr id="9" name="Picture 8">
+            <a:extLst>
+              <a:ext uri="{FF2B5EF4-FFF2-40B4-BE49-F238E27FC236}">
+                <a16:creationId xmlns:a16="http://schemas.microsoft.com/office/drawing/2014/main" id="{C9ECDD5C-152A-4CC7-8333-0F367B3A62EA}"/>
+              </a:ext>
+              <a:ext uri="{C183D7F6-B498-43B3-948B-1728B52AA6E4}">
+                <adec:decorative xmlns:adec="http://schemas.microsoft.com/office/drawing/2017/decorative" val="1"/>
+              </a:ext>
+            </a:extLst>
+          </p:cNvPr>
+          <p:cNvPicPr>
+            <a:picLocks noGrp="1" noRot="1" noChangeAspect="1" noMove="1" noResize="1" noEditPoints="1" noAdjustHandles="1" noChangeArrowheads="1" noChangeShapeType="1" noCrop="1"/>
+          </p:cNvPicPr>
+          <p:nvPr>
+            <p:extLst>
+              <p:ext uri="{386F3935-93C4-4BCD-93E2-E3B085C9AB24}">
+                <p16:designElem xmlns:p16="http://schemas.microsoft.com/office/powerpoint/2015/main" val="1"/>
+              </p:ext>
+            </p:extLst>
+          </p:nvPr>
+        </p:nvPicPr>
+        <p:blipFill rotWithShape="1">
+          <a:blip r:embed="rId3">
+            <a:extLst>
+              <a:ext uri="{28A0092B-C50C-407E-A947-70E740481C1C}">
+                <a14:useLocalDpi xmlns:a14="http://schemas.microsoft.com/office/drawing/2010/main" val="0"/>
+              </a:ext>
+            </a:extLst>
+          </a:blip>
+          <a:srcRect l="3613"/>
+          <a:stretch/>
+        </p:blipFill>
+        <p:spPr>
+          <a:xfrm>
+            <a:off x="0" y="2669685"/>
+            <a:ext cx="4037012" cy="4188315"/>
+          </a:xfrm>
+          <a:prstGeom prst="rect">
+            <a:avLst/>
+          </a:prstGeom>
+        </p:spPr>
+      </p:pic>
+      <p:pic>
+        <p:nvPicPr>
+          <p:cNvPr id="11" name="Picture 10">
+            <a:extLst>
+              <a:ext uri="{FF2B5EF4-FFF2-40B4-BE49-F238E27FC236}">
+                <a16:creationId xmlns:a16="http://schemas.microsoft.com/office/drawing/2014/main" id="{7F5C92A3-369B-43F3-BDCE-E560B1B0EC89}"/>
+              </a:ext>
+              <a:ext uri="{C183D7F6-B498-43B3-948B-1728B52AA6E4}">
+                <adec:decorative xmlns:adec="http://schemas.microsoft.com/office/drawing/2017/decorative" val="1"/>
+              </a:ext>
+            </a:extLst>
+          </p:cNvPr>
+          <p:cNvPicPr>
+            <a:picLocks noGrp="1" noRot="1" noChangeAspect="1" noMove="1" noResize="1" noEditPoints="1" noAdjustHandles="1" noChangeArrowheads="1" noChangeShapeType="1" noCrop="1"/>
+          </p:cNvPicPr>
+          <p:nvPr>
+            <p:extLst>
+              <p:ext uri="{386F3935-93C4-4BCD-93E2-E3B085C9AB24}">
+                <p16:designElem xmlns:p16="http://schemas.microsoft.com/office/powerpoint/2015/main" val="1"/>
+              </p:ext>
+            </p:extLst>
+          </p:nvPr>
+        </p:nvPicPr>
+        <p:blipFill rotWithShape="1">
+          <a:blip r:embed="rId4">
+            <a:extLst>
+              <a:ext uri="{28A0092B-C50C-407E-A947-70E740481C1C}">
+                <a14:useLocalDpi xmlns:a14="http://schemas.microsoft.com/office/drawing/2010/main" val="0"/>
+              </a:ext>
+            </a:extLst>
+          </a:blip>
+          <a:srcRect l="35640"/>
+          <a:stretch/>
+        </p:blipFill>
+        <p:spPr>
+          <a:xfrm>
+            <a:off x="0" y="2892347"/>
+            <a:ext cx="1522412" cy="2365453"/>
+          </a:xfrm>
+          <a:prstGeom prst="rect">
+            <a:avLst/>
+          </a:prstGeom>
+        </p:spPr>
+      </p:pic>
+      <p:sp>
+        <p:nvSpPr>
+          <p:cNvPr id="13" name="Oval 12">
+            <a:extLst>
+              <a:ext uri="{FF2B5EF4-FFF2-40B4-BE49-F238E27FC236}">
+                <a16:creationId xmlns:a16="http://schemas.microsoft.com/office/drawing/2014/main" id="{AEBE9F1A-B38D-446E-83AE-14B17CE77FF2}"/>
+              </a:ext>
+              <a:ext uri="{C183D7F6-B498-43B3-948B-1728B52AA6E4}">
+                <adec:decorative xmlns:adec="http://schemas.microsoft.com/office/drawing/2017/decorative" val="1"/>
+              </a:ext>
+            </a:extLst>
+          </p:cNvPr>
+          <p:cNvSpPr>
+            <a:spLocks noGrp="1" noRot="1" noChangeAspect="1" noMove="1" noResize="1" noEditPoints="1" noAdjustHandles="1" noChangeArrowheads="1" noChangeShapeType="1" noTextEdit="1"/>
+          </p:cNvSpPr>
+          <p:nvPr>
+            <p:extLst>
+              <p:ext uri="{386F3935-93C4-4BCD-93E2-E3B085C9AB24}">
+                <p16:designElem xmlns:p16="http://schemas.microsoft.com/office/powerpoint/2015/main" val="1"/>
+              </p:ext>
+            </p:extLst>
+          </p:nvPr>
+        </p:nvSpPr>
+        <p:spPr>
+          <a:xfrm>
+            <a:off x="8609012" y="1676400"/>
+            <a:ext cx="2819400" cy="2819400"/>
+          </a:xfrm>
+          <a:prstGeom prst="ellipse">
+            <a:avLst/>
+          </a:prstGeom>
+          <a:gradFill flip="none" rotWithShape="1">
+            <a:gsLst>
+              <a:gs pos="0">
+                <a:schemeClr val="bg2">
+                  <a:lumMod val="60000"/>
+                  <a:lumOff val="40000"/>
+                  <a:alpha val="7000"/>
+                </a:schemeClr>
+              </a:gs>
+              <a:gs pos="69000">
+                <a:schemeClr val="bg2">
+                  <a:lumMod val="60000"/>
+                  <a:lumOff val="40000"/>
+                  <a:alpha val="0"/>
+                </a:schemeClr>
+              </a:gs>
+              <a:gs pos="36000">
+                <a:schemeClr val="bg2">
+                  <a:lumMod val="60000"/>
+                  <a:lumOff val="40000"/>
+                  <a:alpha val="6000"/>
+                </a:schemeClr>
+              </a:gs>
+            </a:gsLst>
+            <a:path path="circle">
+              <a:fillToRect l="50000" t="50000" r="50000" b="50000"/>
+            </a:path>
+            <a:tileRect/>
+          </a:gradFill>
+          <a:ln>
+            <a:noFill/>
+          </a:ln>
+          <a:effectLst/>
+        </p:spPr>
+        <p:style>
+          <a:lnRef idx="1">
+            <a:schemeClr val="accent1"/>
+          </a:lnRef>
+          <a:fillRef idx="3">
+            <a:schemeClr val="accent1"/>
+          </a:fillRef>
+          <a:effectRef idx="2">
+            <a:schemeClr val="accent1"/>
+          </a:effectRef>
+          <a:fontRef idx="minor">
+            <a:schemeClr val="lt1"/>
+          </a:fontRef>
+        </p:style>
+      </p:sp>
+      <p:pic>
+        <p:nvPicPr>
+          <p:cNvPr id="15" name="Picture 14">
+            <a:extLst>
+              <a:ext uri="{FF2B5EF4-FFF2-40B4-BE49-F238E27FC236}">
+                <a16:creationId xmlns:a16="http://schemas.microsoft.com/office/drawing/2014/main" id="{915B5014-A7EC-4BA6-9C83-8840CF81DB28}"/>
+              </a:ext>
+              <a:ext uri="{C183D7F6-B498-43B3-948B-1728B52AA6E4}">
+                <adec:decorative xmlns:adec="http://schemas.microsoft.com/office/drawing/2017/decorative" val="1"/>
+              </a:ext>
+            </a:extLst>
+          </p:cNvPr>
+          <p:cNvPicPr>
+            <a:picLocks noGrp="1" noRot="1" noChangeAspect="1" noMove="1" noResize="1" noEditPoints="1" noAdjustHandles="1" noChangeArrowheads="1" noChangeShapeType="1" noCrop="1"/>
+          </p:cNvPicPr>
+          <p:nvPr>
+            <p:extLst>
+              <p:ext uri="{386F3935-93C4-4BCD-93E2-E3B085C9AB24}">
+                <p16:designElem xmlns:p16="http://schemas.microsoft.com/office/powerpoint/2015/main" val="1"/>
+              </p:ext>
+            </p:extLst>
+          </p:nvPr>
+        </p:nvPicPr>
+        <p:blipFill rotWithShape="1">
+          <a:blip r:embed="rId5">
+            <a:extLst>
+              <a:ext uri="{28A0092B-C50C-407E-A947-70E740481C1C}">
+                <a14:useLocalDpi xmlns:a14="http://schemas.microsoft.com/office/drawing/2010/main" val="0"/>
+              </a:ext>
+            </a:extLst>
+          </a:blip>
+          <a:srcRect t="28813"/>
+          <a:stretch/>
+        </p:blipFill>
+        <p:spPr>
+          <a:xfrm>
+            <a:off x="7999412" y="0"/>
+            <a:ext cx="1603387" cy="1141407"/>
+          </a:xfrm>
+          <a:prstGeom prst="rect">
+            <a:avLst/>
+          </a:prstGeom>
+        </p:spPr>
+      </p:pic>
+      <p:pic>
+        <p:nvPicPr>
+          <p:cNvPr id="17" name="Picture 16">
+            <a:extLst>
+              <a:ext uri="{FF2B5EF4-FFF2-40B4-BE49-F238E27FC236}">
+                <a16:creationId xmlns:a16="http://schemas.microsoft.com/office/drawing/2014/main" id="{022C43AB-86D7-420D-8AD7-DC0A15FDD0AF}"/>
+              </a:ext>
+              <a:ext uri="{C183D7F6-B498-43B3-948B-1728B52AA6E4}">
+                <adec:decorative xmlns:adec="http://schemas.microsoft.com/office/drawing/2017/decorative" val="1"/>
+              </a:ext>
+            </a:extLst>
+          </p:cNvPr>
+          <p:cNvPicPr>
+            <a:picLocks noGrp="1" noRot="1" noChangeAspect="1" noMove="1" noResize="1" noEditPoints="1" noAdjustHandles="1" noChangeArrowheads="1" noChangeShapeType="1" noCrop="1"/>
+          </p:cNvPicPr>
+          <p:nvPr>
+            <p:extLst>
+              <p:ext uri="{386F3935-93C4-4BCD-93E2-E3B085C9AB24}">
+                <p16:designElem xmlns:p16="http://schemas.microsoft.com/office/powerpoint/2015/main" val="1"/>
+              </p:ext>
+            </p:extLst>
+          </p:nvPr>
+        </p:nvPicPr>
+        <p:blipFill rotWithShape="1">
+          <a:blip r:embed="rId6">
+            <a:extLst>
+              <a:ext uri="{28A0092B-C50C-407E-A947-70E740481C1C}">
+                <a14:useLocalDpi xmlns:a14="http://schemas.microsoft.com/office/drawing/2010/main" val="0"/>
+              </a:ext>
+            </a:extLst>
+          </a:blip>
+          <a:srcRect b="23320"/>
+          <a:stretch/>
+        </p:blipFill>
+        <p:spPr>
+          <a:xfrm>
+            <a:off x="8605878" y="6096000"/>
+            <a:ext cx="993734" cy="762000"/>
+          </a:xfrm>
+          <a:prstGeom prst="rect">
+            <a:avLst/>
+          </a:prstGeom>
+        </p:spPr>
+      </p:pic>
+      <p:sp>
+        <p:nvSpPr>
+          <p:cNvPr id="19" name="Rectangle 18">
+            <a:extLst>
+              <a:ext uri="{FF2B5EF4-FFF2-40B4-BE49-F238E27FC236}">
+                <a16:creationId xmlns:a16="http://schemas.microsoft.com/office/drawing/2014/main" id="{5E3EB826-A471-488F-9E8A-D65528A3C0CA}"/>
+              </a:ext>
+              <a:ext uri="{C183D7F6-B498-43B3-948B-1728B52AA6E4}">
+                <adec:decorative xmlns:adec="http://schemas.microsoft.com/office/drawing/2017/decorative" val="1"/>
+              </a:ext>
+            </a:extLst>
+          </p:cNvPr>
+          <p:cNvSpPr>
+            <a:spLocks noGrp="1" noRot="1" noChangeAspect="1" noMove="1" noResize="1" noEditPoints="1" noAdjustHandles="1" noChangeArrowheads="1" noChangeShapeType="1" noTextEdit="1"/>
+          </p:cNvSpPr>
+          <p:nvPr>
+            <p:extLst>
+              <p:ext uri="{386F3935-93C4-4BCD-93E2-E3B085C9AB24}">
+                <p16:designElem xmlns:p16="http://schemas.microsoft.com/office/powerpoint/2015/main" val="1"/>
+              </p:ext>
+            </p:extLst>
+          </p:nvPr>
+        </p:nvSpPr>
+        <p:spPr>
+          <a:xfrm>
+            <a:off x="10437812" y="0"/>
+            <a:ext cx="685800" cy="1143000"/>
+          </a:xfrm>
+          <a:prstGeom prst="rect">
+            <a:avLst/>
+          </a:prstGeom>
+          <a:solidFill>
+            <a:schemeClr val="accent1"/>
+          </a:solidFill>
+          <a:ln>
+            <a:noFill/>
+          </a:ln>
+        </p:spPr>
+        <p:style>
+          <a:lnRef idx="1">
+            <a:schemeClr val="accent1"/>
+          </a:lnRef>
+          <a:fillRef idx="3">
+            <a:schemeClr val="accent1"/>
+          </a:fillRef>
+          <a:effectRef idx="2">
+            <a:schemeClr val="accent1"/>
+          </a:effectRef>
+          <a:fontRef idx="minor">
+            <a:schemeClr val="lt1"/>
+          </a:fontRef>
+        </p:style>
+      </p:sp>
+      <p:sp>
+        <p:nvSpPr>
+          <p:cNvPr id="21" name="Rectangle 20">
+            <a:extLst>
+              <a:ext uri="{FF2B5EF4-FFF2-40B4-BE49-F238E27FC236}">
+                <a16:creationId xmlns:a16="http://schemas.microsoft.com/office/drawing/2014/main" id="{DFB3CEA1-88D9-42FB-88ED-1E9807FE6596}"/>
+              </a:ext>
+              <a:ext uri="{C183D7F6-B498-43B3-948B-1728B52AA6E4}">
+                <adec:decorative xmlns:adec="http://schemas.microsoft.com/office/drawing/2017/decorative" val="1"/>
+              </a:ext>
+            </a:extLst>
+          </p:cNvPr>
+          <p:cNvSpPr>
+            <a:spLocks noGrp="1" noRot="1" noChangeAspect="1" noMove="1" noResize="1" noEditPoints="1" noAdjustHandles="1" noChangeArrowheads="1" noChangeShapeType="1" noTextEdit="1"/>
+          </p:cNvSpPr>
+          <p:nvPr>
+            <p:extLst>
+              <p:ext uri="{386F3935-93C4-4BCD-93E2-E3B085C9AB24}">
+                <p16:designElem xmlns:p16="http://schemas.microsoft.com/office/powerpoint/2015/main" val="1"/>
+              </p:ext>
+            </p:extLst>
+          </p:nvPr>
+        </p:nvSpPr>
+        <p:spPr>
+          <a:xfrm>
+            <a:off x="477012" y="480060"/>
+            <a:ext cx="11237976" cy="5897880"/>
+          </a:xfrm>
+          <a:prstGeom prst="rect">
+            <a:avLst/>
+          </a:prstGeom>
+          <a:solidFill>
+            <a:srgbClr val="FFFFFF"/>
+          </a:solidFill>
+          <a:ln>
+            <a:noFill/>
+          </a:ln>
+        </p:spPr>
+        <p:style>
+          <a:lnRef idx="2">
+            <a:schemeClr val="accent1">
+              <a:shade val="50000"/>
+            </a:schemeClr>
+          </a:lnRef>
+          <a:fillRef idx="1">
+            <a:schemeClr val="accent1"/>
+          </a:fillRef>
+          <a:effectRef idx="0">
+            <a:schemeClr val="accent1"/>
+          </a:effectRef>
+          <a:fontRef idx="minor">
+            <a:schemeClr val="lt1"/>
+          </a:fontRef>
+        </p:style>
+        <p:txBody>
+          <a:bodyPr rtlCol="0" anchor="ctr"/>
+          <a:lstStyle/>
+          <a:p>
+            <a:pPr algn="ctr"/>
+            <a:endParaRPr lang="en-US" dirty="0"/>
+          </a:p>
+        </p:txBody>
+      </p:sp>
       <p:pic>
         <p:nvPicPr>
           <p:cNvPr id="4" name="Picture 3">
@@ -12140,7 +12935,7 @@
 </p:sld>
 </file>
 
-<file path=ppt/slides/slide22.xml><?xml version="1.0" encoding="utf-8"?>
+<file path=ppt/slides/slide23.xml><?xml version="1.0" encoding="utf-8"?>
 <p:sld xmlns:a="http://schemas.openxmlformats.org/drawingml/2006/main" xmlns:r="http://schemas.openxmlformats.org/officeDocument/2006/relationships" xmlns:p="http://schemas.openxmlformats.org/presentationml/2006/main">
   <p:cSld>
     <p:spTree>
@@ -12911,7 +13706,7 @@
 </p:sld>
 </file>
 
-<file path=ppt/slides/slide23.xml><?xml version="1.0" encoding="utf-8"?>
+<file path=ppt/slides/slide24.xml><?xml version="1.0" encoding="utf-8"?>
 <p:sld xmlns:a="http://schemas.openxmlformats.org/drawingml/2006/main" xmlns:r="http://schemas.openxmlformats.org/officeDocument/2006/relationships" xmlns:p="http://schemas.openxmlformats.org/presentationml/2006/main">
   <p:cSld>
     <p:spTree>
@@ -13175,7 +13970,581 @@
 </p:sld>
 </file>
 
-<file path=ppt/slides/slide24.xml><?xml version="1.0" encoding="utf-8"?>
+<file path=ppt/slides/slide25.xml><?xml version="1.0" encoding="utf-8"?>
+<p:sld xmlns:a="http://schemas.openxmlformats.org/drawingml/2006/main" xmlns:r="http://schemas.openxmlformats.org/officeDocument/2006/relationships" xmlns:p="http://schemas.openxmlformats.org/presentationml/2006/main">
+  <p:cSld>
+    <p:spTree>
+      <p:nvGrpSpPr>
+        <p:cNvPr id="1" name=""/>
+        <p:cNvGrpSpPr/>
+        <p:nvPr/>
+      </p:nvGrpSpPr>
+      <p:grpSpPr>
+        <a:xfrm>
+          <a:off x="0" y="0"/>
+          <a:ext cx="0" cy="0"/>
+          <a:chOff x="0" y="0"/>
+          <a:chExt cx="0" cy="0"/>
+        </a:xfrm>
+      </p:grpSpPr>
+      <p:pic>
+        <p:nvPicPr>
+          <p:cNvPr id="21" name="Picture 20">
+            <a:extLst>
+              <a:ext uri="{FF2B5EF4-FFF2-40B4-BE49-F238E27FC236}">
+                <a16:creationId xmlns:a16="http://schemas.microsoft.com/office/drawing/2014/main" id="{4C5AE542-5EB8-434B-9FD3-BA993B83F9CC}"/>
+              </a:ext>
+            </a:extLst>
+          </p:cNvPr>
+          <p:cNvPicPr>
+            <a:picLocks noChangeAspect="1"/>
+          </p:cNvPicPr>
+          <p:nvPr/>
+        </p:nvPicPr>
+        <p:blipFill>
+          <a:blip r:embed="rId2"/>
+          <a:stretch>
+            <a:fillRect/>
+          </a:stretch>
+        </p:blipFill>
+        <p:spPr>
+          <a:xfrm>
+            <a:off x="367616" y="855768"/>
+            <a:ext cx="11604667" cy="5240232"/>
+          </a:xfrm>
+          <a:prstGeom prst="rect">
+            <a:avLst/>
+          </a:prstGeom>
+          <a:ln w="38100" cap="sq">
+            <a:solidFill>
+              <a:srgbClr val="000000"/>
+            </a:solidFill>
+            <a:prstDash val="solid"/>
+            <a:miter lim="800000"/>
+          </a:ln>
+          <a:effectLst>
+            <a:outerShdw blurRad="50800" dist="38100" dir="2700000" algn="tl" rotWithShape="0">
+              <a:srgbClr val="000000">
+                <a:alpha val="43000"/>
+              </a:srgbClr>
+            </a:outerShdw>
+          </a:effectLst>
+        </p:spPr>
+      </p:pic>
+      <p:cxnSp>
+        <p:nvCxnSpPr>
+          <p:cNvPr id="24" name="Straight Arrow Connector 23">
+            <a:extLst>
+              <a:ext uri="{FF2B5EF4-FFF2-40B4-BE49-F238E27FC236}">
+                <a16:creationId xmlns:a16="http://schemas.microsoft.com/office/drawing/2014/main" id="{421D85BD-6A2E-49A6-9011-DC5E5EA9B3FE}"/>
+              </a:ext>
+            </a:extLst>
+          </p:cNvPr>
+          <p:cNvCxnSpPr>
+            <a:cxnSpLocks/>
+            <a:stCxn id="27" idx="4"/>
+          </p:cNvCxnSpPr>
+          <p:nvPr/>
+        </p:nvCxnSpPr>
+        <p:spPr>
+          <a:xfrm flipH="1">
+            <a:off x="4565651" y="2480732"/>
+            <a:ext cx="1076442" cy="2942168"/>
+          </a:xfrm>
+          <a:prstGeom prst="straightConnector1">
+            <a:avLst/>
+          </a:prstGeom>
+          <a:ln>
+            <a:tailEnd type="triangle"/>
+          </a:ln>
+        </p:spPr>
+        <p:style>
+          <a:lnRef idx="1">
+            <a:schemeClr val="accent4"/>
+          </a:lnRef>
+          <a:fillRef idx="0">
+            <a:schemeClr val="accent4"/>
+          </a:fillRef>
+          <a:effectRef idx="0">
+            <a:schemeClr val="accent4"/>
+          </a:effectRef>
+          <a:fontRef idx="minor">
+            <a:schemeClr val="tx1"/>
+          </a:fontRef>
+        </p:style>
+      </p:cxnSp>
+      <p:sp>
+        <p:nvSpPr>
+          <p:cNvPr id="27" name="Oval 26">
+            <a:extLst>
+              <a:ext uri="{FF2B5EF4-FFF2-40B4-BE49-F238E27FC236}">
+                <a16:creationId xmlns:a16="http://schemas.microsoft.com/office/drawing/2014/main" id="{F2918E3B-DCDC-4A39-B413-D7D632DB568E}"/>
+              </a:ext>
+            </a:extLst>
+          </p:cNvPr>
+          <p:cNvSpPr/>
+          <p:nvPr/>
+        </p:nvSpPr>
+        <p:spPr>
+          <a:xfrm>
+            <a:off x="4864335" y="1549400"/>
+            <a:ext cx="1555515" cy="931332"/>
+          </a:xfrm>
+          <a:prstGeom prst="ellipse">
+            <a:avLst/>
+          </a:prstGeom>
+        </p:spPr>
+        <p:style>
+          <a:lnRef idx="2">
+            <a:schemeClr val="accent4">
+              <a:shade val="50000"/>
+            </a:schemeClr>
+          </a:lnRef>
+          <a:fillRef idx="1">
+            <a:schemeClr val="accent4"/>
+          </a:fillRef>
+          <a:effectRef idx="0">
+            <a:schemeClr val="accent4"/>
+          </a:effectRef>
+          <a:fontRef idx="minor">
+            <a:schemeClr val="lt1"/>
+          </a:fontRef>
+        </p:style>
+        <p:txBody>
+          <a:bodyPr rtlCol="0" anchor="ctr"/>
+          <a:lstStyle/>
+          <a:p>
+            <a:pPr algn="ctr"/>
+            <a:r>
+              <a:rPr lang="en-US" sz="1000" dirty="0">
+                <a:solidFill>
+                  <a:schemeClr val="tx1"/>
+                </a:solidFill>
+              </a:rPr>
+              <a:t>Manager’s and Research Directors only in upper class</a:t>
+            </a:r>
+          </a:p>
+        </p:txBody>
+      </p:sp>
+      <p:cxnSp>
+        <p:nvCxnSpPr>
+          <p:cNvPr id="67" name="Straight Arrow Connector 66">
+            <a:extLst>
+              <a:ext uri="{FF2B5EF4-FFF2-40B4-BE49-F238E27FC236}">
+                <a16:creationId xmlns:a16="http://schemas.microsoft.com/office/drawing/2014/main" id="{CA9C0CCC-922C-4F7B-9CDE-3FE66A71E4C3}"/>
+              </a:ext>
+            </a:extLst>
+          </p:cNvPr>
+          <p:cNvCxnSpPr>
+            <a:cxnSpLocks/>
+            <a:stCxn id="27" idx="4"/>
+          </p:cNvCxnSpPr>
+          <p:nvPr/>
+        </p:nvCxnSpPr>
+        <p:spPr>
+          <a:xfrm>
+            <a:off x="5642093" y="2480732"/>
+            <a:ext cx="1488957" cy="2669118"/>
+          </a:xfrm>
+          <a:prstGeom prst="straightConnector1">
+            <a:avLst/>
+          </a:prstGeom>
+          <a:ln>
+            <a:tailEnd type="triangle"/>
+          </a:ln>
+        </p:spPr>
+        <p:style>
+          <a:lnRef idx="1">
+            <a:schemeClr val="accent4"/>
+          </a:lnRef>
+          <a:fillRef idx="0">
+            <a:schemeClr val="accent4"/>
+          </a:fillRef>
+          <a:effectRef idx="0">
+            <a:schemeClr val="accent4"/>
+          </a:effectRef>
+          <a:fontRef idx="minor">
+            <a:schemeClr val="tx1"/>
+          </a:fontRef>
+        </p:style>
+      </p:cxnSp>
+      <p:sp>
+        <p:nvSpPr>
+          <p:cNvPr id="17" name="Title 1">
+            <a:extLst>
+              <a:ext uri="{FF2B5EF4-FFF2-40B4-BE49-F238E27FC236}">
+                <a16:creationId xmlns:a16="http://schemas.microsoft.com/office/drawing/2014/main" id="{CF8A1486-97A5-401B-B9E6-607BBDB09673}"/>
+              </a:ext>
+            </a:extLst>
+          </p:cNvPr>
+          <p:cNvSpPr>
+            <a:spLocks noGrp="1"/>
+          </p:cNvSpPr>
+          <p:nvPr>
+            <p:ph type="title"/>
+          </p:nvPr>
+        </p:nvSpPr>
+        <p:spPr>
+          <a:xfrm>
+            <a:off x="367616" y="214028"/>
+            <a:ext cx="9142770" cy="589849"/>
+          </a:xfrm>
+        </p:spPr>
+        <p:txBody>
+          <a:bodyPr>
+            <a:normAutofit/>
+          </a:bodyPr>
+          <a:lstStyle/>
+          <a:p>
+            <a:pPr>
+              <a:lnSpc>
+                <a:spcPct val="90000"/>
+              </a:lnSpc>
+            </a:pPr>
+            <a:r>
+              <a:rPr lang="en-US" sz="2400" dirty="0">
+                <a:solidFill>
+                  <a:srgbClr val="EBEBEB"/>
+                </a:solidFill>
+              </a:rPr>
+              <a:t>What does Income Group by Job Role show us?</a:t>
+            </a:r>
+          </a:p>
+        </p:txBody>
+      </p:sp>
+      <p:sp>
+        <p:nvSpPr>
+          <p:cNvPr id="2" name="TextBox 1">
+            <a:extLst>
+              <a:ext uri="{FF2B5EF4-FFF2-40B4-BE49-F238E27FC236}">
+                <a16:creationId xmlns:a16="http://schemas.microsoft.com/office/drawing/2014/main" id="{BBA0EC04-57C6-4105-9623-656C694FED9B}"/>
+              </a:ext>
+            </a:extLst>
+          </p:cNvPr>
+          <p:cNvSpPr txBox="1"/>
+          <p:nvPr/>
+        </p:nvSpPr>
+        <p:spPr>
+          <a:xfrm>
+            <a:off x="4553942" y="852519"/>
+            <a:ext cx="3080040" cy="200055"/>
+          </a:xfrm>
+          <a:prstGeom prst="rect">
+            <a:avLst/>
+          </a:prstGeom>
+          <a:solidFill>
+            <a:schemeClr val="tx1"/>
+          </a:solidFill>
+        </p:spPr>
+        <p:txBody>
+          <a:bodyPr wrap="square" rtlCol="0">
+            <a:spAutoFit/>
+          </a:bodyPr>
+          <a:lstStyle/>
+          <a:p>
+            <a:pPr algn="r"/>
+            <a:r>
+              <a:rPr lang="en-US" sz="700" b="1" dirty="0">
+                <a:solidFill>
+                  <a:schemeClr val="bg1"/>
+                </a:solidFill>
+              </a:rPr>
+              <a:t>Yearly Income Class Attrition Histogram by Job Role Plot</a:t>
+            </a:r>
+          </a:p>
+        </p:txBody>
+      </p:sp>
+      <p:sp>
+        <p:nvSpPr>
+          <p:cNvPr id="3" name="TextBox 2">
+            <a:extLst>
+              <a:ext uri="{FF2B5EF4-FFF2-40B4-BE49-F238E27FC236}">
+                <a16:creationId xmlns:a16="http://schemas.microsoft.com/office/drawing/2014/main" id="{D35A0B21-C8AA-41AE-AEE9-AB40A4C17DE5}"/>
+              </a:ext>
+            </a:extLst>
+          </p:cNvPr>
+          <p:cNvSpPr txBox="1"/>
+          <p:nvPr/>
+        </p:nvSpPr>
+        <p:spPr>
+          <a:xfrm>
+            <a:off x="3423817" y="1492161"/>
+            <a:ext cx="1345195" cy="630942"/>
+          </a:xfrm>
+          <a:prstGeom prst="rect">
+            <a:avLst/>
+          </a:prstGeom>
+          <a:solidFill>
+            <a:schemeClr val="tx1"/>
+          </a:solidFill>
+        </p:spPr>
+        <p:txBody>
+          <a:bodyPr wrap="square" rtlCol="0">
+            <a:spAutoFit/>
+          </a:bodyPr>
+          <a:lstStyle/>
+          <a:p>
+            <a:pPr algn="ctr"/>
+            <a:r>
+              <a:rPr lang="en-US" sz="700" u="sng" dirty="0">
+                <a:solidFill>
+                  <a:schemeClr val="bg1"/>
+                </a:solidFill>
+              </a:rPr>
+              <a:t>Income Class Turnover %</a:t>
+            </a:r>
+          </a:p>
+          <a:p>
+            <a:r>
+              <a:rPr lang="en-US" sz="700" dirty="0">
+                <a:solidFill>
+                  <a:schemeClr val="bg1"/>
+                </a:solidFill>
+              </a:rPr>
+              <a:t>Lower:		29.3%</a:t>
+            </a:r>
+          </a:p>
+          <a:p>
+            <a:r>
+              <a:rPr lang="en-US" sz="700" dirty="0">
+                <a:solidFill>
+                  <a:schemeClr val="bg1"/>
+                </a:solidFill>
+              </a:rPr>
+              <a:t>Lower-Middle: 	14.2%</a:t>
+            </a:r>
+          </a:p>
+          <a:p>
+            <a:r>
+              <a:rPr lang="en-US" sz="700" dirty="0">
+                <a:solidFill>
+                  <a:schemeClr val="bg1"/>
+                </a:solidFill>
+              </a:rPr>
+              <a:t>Upper-Middle: 	10.6%</a:t>
+            </a:r>
+          </a:p>
+          <a:p>
+            <a:r>
+              <a:rPr lang="en-US" sz="700" dirty="0">
+                <a:solidFill>
+                  <a:schemeClr val="bg1"/>
+                </a:solidFill>
+              </a:rPr>
+              <a:t>Upper: 		10.3%</a:t>
+            </a:r>
+          </a:p>
+        </p:txBody>
+      </p:sp>
+      <p:sp>
+        <p:nvSpPr>
+          <p:cNvPr id="23" name="TextBox 22">
+            <a:extLst>
+              <a:ext uri="{FF2B5EF4-FFF2-40B4-BE49-F238E27FC236}">
+                <a16:creationId xmlns:a16="http://schemas.microsoft.com/office/drawing/2014/main" id="{EDB1C462-0D20-43E2-9776-1773ED0F885F}"/>
+              </a:ext>
+            </a:extLst>
+          </p:cNvPr>
+          <p:cNvSpPr txBox="1"/>
+          <p:nvPr/>
+        </p:nvSpPr>
+        <p:spPr>
+          <a:xfrm>
+            <a:off x="10520704" y="5116377"/>
+            <a:ext cx="489898" cy="200055"/>
+          </a:xfrm>
+          <a:prstGeom prst="rect">
+            <a:avLst/>
+          </a:prstGeom>
+          <a:noFill/>
+        </p:spPr>
+        <p:txBody>
+          <a:bodyPr wrap="square" rtlCol="0">
+            <a:spAutoFit/>
+          </a:bodyPr>
+          <a:lstStyle/>
+          <a:p>
+            <a:r>
+              <a:rPr lang="en-US" sz="700" dirty="0">
+                <a:solidFill>
+                  <a:schemeClr val="bg1"/>
+                </a:solidFill>
+              </a:rPr>
+              <a:t>29.4%</a:t>
+            </a:r>
+          </a:p>
+        </p:txBody>
+      </p:sp>
+      <p:sp>
+        <p:nvSpPr>
+          <p:cNvPr id="25" name="TextBox 24">
+            <a:extLst>
+              <a:ext uri="{FF2B5EF4-FFF2-40B4-BE49-F238E27FC236}">
+                <a16:creationId xmlns:a16="http://schemas.microsoft.com/office/drawing/2014/main" id="{D5AB0B32-2A75-4435-B154-F9D4C0D8D6F1}"/>
+              </a:ext>
+            </a:extLst>
+          </p:cNvPr>
+          <p:cNvSpPr txBox="1"/>
+          <p:nvPr/>
+        </p:nvSpPr>
+        <p:spPr>
+          <a:xfrm>
+            <a:off x="10251346" y="5081572"/>
+            <a:ext cx="553673" cy="200055"/>
+          </a:xfrm>
+          <a:prstGeom prst="rect">
+            <a:avLst/>
+          </a:prstGeom>
+          <a:noFill/>
+        </p:spPr>
+        <p:txBody>
+          <a:bodyPr wrap="square" rtlCol="0">
+            <a:spAutoFit/>
+          </a:bodyPr>
+          <a:lstStyle/>
+          <a:p>
+            <a:r>
+              <a:rPr lang="en-US" sz="700" dirty="0">
+                <a:solidFill>
+                  <a:schemeClr val="bg1"/>
+                </a:solidFill>
+              </a:rPr>
+              <a:t>43.8%</a:t>
+            </a:r>
+          </a:p>
+        </p:txBody>
+      </p:sp>
+      <p:sp>
+        <p:nvSpPr>
+          <p:cNvPr id="26" name="TextBox 25">
+            <a:extLst>
+              <a:ext uri="{FF2B5EF4-FFF2-40B4-BE49-F238E27FC236}">
+                <a16:creationId xmlns:a16="http://schemas.microsoft.com/office/drawing/2014/main" id="{A0EA211E-15FF-48F9-ADE2-3B617CE739F2}"/>
+              </a:ext>
+            </a:extLst>
+          </p:cNvPr>
+          <p:cNvSpPr txBox="1"/>
+          <p:nvPr/>
+        </p:nvSpPr>
+        <p:spPr>
+          <a:xfrm>
+            <a:off x="1002246" y="5132416"/>
+            <a:ext cx="461395" cy="200055"/>
+          </a:xfrm>
+          <a:prstGeom prst="rect">
+            <a:avLst/>
+          </a:prstGeom>
+          <a:noFill/>
+        </p:spPr>
+        <p:txBody>
+          <a:bodyPr wrap="square" rtlCol="0">
+            <a:spAutoFit/>
+          </a:bodyPr>
+          <a:lstStyle/>
+          <a:p>
+            <a:r>
+              <a:rPr lang="en-US" sz="700" dirty="0">
+                <a:solidFill>
+                  <a:schemeClr val="bg1"/>
+                </a:solidFill>
+              </a:rPr>
+              <a:t>5%</a:t>
+            </a:r>
+          </a:p>
+        </p:txBody>
+      </p:sp>
+      <p:sp>
+        <p:nvSpPr>
+          <p:cNvPr id="28" name="TextBox 27">
+            <a:extLst>
+              <a:ext uri="{FF2B5EF4-FFF2-40B4-BE49-F238E27FC236}">
+                <a16:creationId xmlns:a16="http://schemas.microsoft.com/office/drawing/2014/main" id="{812E578D-D1E4-482B-8450-1D7258290E61}"/>
+              </a:ext>
+            </a:extLst>
+          </p:cNvPr>
+          <p:cNvSpPr txBox="1"/>
+          <p:nvPr/>
+        </p:nvSpPr>
+        <p:spPr>
+          <a:xfrm>
+            <a:off x="1463641" y="5109636"/>
+            <a:ext cx="461395" cy="200055"/>
+          </a:xfrm>
+          <a:prstGeom prst="rect">
+            <a:avLst/>
+          </a:prstGeom>
+          <a:noFill/>
+        </p:spPr>
+        <p:txBody>
+          <a:bodyPr wrap="square" rtlCol="0">
+            <a:spAutoFit/>
+          </a:bodyPr>
+          <a:lstStyle/>
+          <a:p>
+            <a:r>
+              <a:rPr lang="en-US" sz="700" dirty="0">
+                <a:solidFill>
+                  <a:schemeClr val="bg1"/>
+                </a:solidFill>
+              </a:rPr>
+              <a:t>11.1%</a:t>
+            </a:r>
+          </a:p>
+        </p:txBody>
+      </p:sp>
+      <p:sp>
+        <p:nvSpPr>
+          <p:cNvPr id="29" name="TextBox 28">
+            <a:extLst>
+              <a:ext uri="{FF2B5EF4-FFF2-40B4-BE49-F238E27FC236}">
+                <a16:creationId xmlns:a16="http://schemas.microsoft.com/office/drawing/2014/main" id="{D7B9D55F-91AB-4048-B043-6AD72D9BF0F0}"/>
+              </a:ext>
+            </a:extLst>
+          </p:cNvPr>
+          <p:cNvSpPr txBox="1"/>
+          <p:nvPr/>
+        </p:nvSpPr>
+        <p:spPr>
+          <a:xfrm>
+            <a:off x="1218291" y="5125783"/>
+            <a:ext cx="461395" cy="200055"/>
+          </a:xfrm>
+          <a:prstGeom prst="rect">
+            <a:avLst/>
+          </a:prstGeom>
+          <a:noFill/>
+        </p:spPr>
+        <p:txBody>
+          <a:bodyPr wrap="square" rtlCol="0">
+            <a:spAutoFit/>
+          </a:bodyPr>
+          <a:lstStyle/>
+          <a:p>
+            <a:r>
+              <a:rPr lang="en-US" sz="700" dirty="0">
+                <a:solidFill>
+                  <a:schemeClr val="bg1"/>
+                </a:solidFill>
+              </a:rPr>
+              <a:t>4.5%</a:t>
+            </a:r>
+          </a:p>
+        </p:txBody>
+      </p:sp>
+    </p:spTree>
+    <p:extLst>
+      <p:ext uri="{BB962C8B-B14F-4D97-AF65-F5344CB8AC3E}">
+        <p14:creationId xmlns:p14="http://schemas.microsoft.com/office/powerpoint/2010/main" val="1383853226"/>
+      </p:ext>
+    </p:extLst>
+  </p:cSld>
+  <p:clrMapOvr>
+    <a:masterClrMapping/>
+  </p:clrMapOvr>
+</p:sld>
+</file>
+
+<file path=ppt/slides/slide26.xml><?xml version="1.0" encoding="utf-8"?>
 <p:sld xmlns:a="http://schemas.openxmlformats.org/drawingml/2006/main" xmlns:r="http://schemas.openxmlformats.org/officeDocument/2006/relationships" xmlns:p="http://schemas.openxmlformats.org/presentationml/2006/main">
   <p:cSld>
     <p:bg>
@@ -13222,7 +14591,7 @@
           <p:cNvPr id="10" name="Picture 9">
             <a:extLst>
               <a:ext uri="{FF2B5EF4-FFF2-40B4-BE49-F238E27FC236}">
-                <a16:creationId xmlns:a16="http://schemas.microsoft.com/office/drawing/2014/main" id="{412E3267-7ABE-412B-8580-47EC0D1F61FE}"/>
+                <a16:creationId xmlns:a16="http://schemas.microsoft.com/office/drawing/2014/main" id="{C9ECDD5C-152A-4CC7-8333-0F367B3A62EA}"/>
               </a:ext>
               <a:ext uri="{C183D7F6-B498-43B3-948B-1728B52AA6E4}">
                 <adec:decorative xmlns:adec="http://schemas.microsoft.com/office/drawing/2017/decorative" val="1"/>
@@ -13266,7 +14635,7 @@
           <p:cNvPr id="12" name="Picture 11">
             <a:extLst>
               <a:ext uri="{FF2B5EF4-FFF2-40B4-BE49-F238E27FC236}">
-                <a16:creationId xmlns:a16="http://schemas.microsoft.com/office/drawing/2014/main" id="{20B62C5A-2250-4380-AB23-DB87446CCED0}"/>
+                <a16:creationId xmlns:a16="http://schemas.microsoft.com/office/drawing/2014/main" id="{7F5C92A3-369B-43F3-BDCE-E560B1B0EC89}"/>
               </a:ext>
               <a:ext uri="{C183D7F6-B498-43B3-948B-1728B52AA6E4}">
                 <adec:decorative xmlns:adec="http://schemas.microsoft.com/office/drawing/2017/decorative" val="1"/>
@@ -13310,7 +14679,7 @@
           <p:cNvPr id="14" name="Oval 13">
             <a:extLst>
               <a:ext uri="{FF2B5EF4-FFF2-40B4-BE49-F238E27FC236}">
-                <a16:creationId xmlns:a16="http://schemas.microsoft.com/office/drawing/2014/main" id="{D42CF425-7213-4F89-B0FF-4C2BDDD9C680}"/>
+                <a16:creationId xmlns:a16="http://schemas.microsoft.com/office/drawing/2014/main" id="{AEBE9F1A-B38D-446E-83AE-14B17CE77FF2}"/>
               </a:ext>
               <a:ext uri="{C183D7F6-B498-43B3-948B-1728B52AA6E4}">
                 <adec:decorative xmlns:adec="http://schemas.microsoft.com/office/drawing/2017/decorative" val="1"/>
@@ -13390,595 +14759,6 @@
           <p:cNvPr id="16" name="Picture 15">
             <a:extLst>
               <a:ext uri="{FF2B5EF4-FFF2-40B4-BE49-F238E27FC236}">
-                <a16:creationId xmlns:a16="http://schemas.microsoft.com/office/drawing/2014/main" id="{D35DA97D-88F8-4249-B650-4FC9FD50A382}"/>
-              </a:ext>
-              <a:ext uri="{C183D7F6-B498-43B3-948B-1728B52AA6E4}">
-                <adec:decorative xmlns:adec="http://schemas.microsoft.com/office/drawing/2017/decorative" val="1"/>
-              </a:ext>
-            </a:extLst>
-          </p:cNvPr>
-          <p:cNvPicPr>
-            <a:picLocks noGrp="1" noRot="1" noChangeAspect="1" noMove="1" noResize="1" noEditPoints="1" noAdjustHandles="1" noChangeArrowheads="1" noChangeShapeType="1" noCrop="1"/>
-          </p:cNvPicPr>
-          <p:nvPr>
-            <p:extLst>
-              <p:ext uri="{386F3935-93C4-4BCD-93E2-E3B085C9AB24}">
-                <p16:designElem xmlns:p16="http://schemas.microsoft.com/office/powerpoint/2015/main" val="1"/>
-              </p:ext>
-            </p:extLst>
-          </p:nvPr>
-        </p:nvPicPr>
-        <p:blipFill rotWithShape="1">
-          <a:blip r:embed="rId5">
-            <a:extLst>
-              <a:ext uri="{28A0092B-C50C-407E-A947-70E740481C1C}">
-                <a14:useLocalDpi xmlns:a14="http://schemas.microsoft.com/office/drawing/2010/main" val="0"/>
-              </a:ext>
-            </a:extLst>
-          </a:blip>
-          <a:srcRect t="28813"/>
-          <a:stretch/>
-        </p:blipFill>
-        <p:spPr>
-          <a:xfrm>
-            <a:off x="7999412" y="0"/>
-            <a:ext cx="1603387" cy="1141407"/>
-          </a:xfrm>
-          <a:prstGeom prst="rect">
-            <a:avLst/>
-          </a:prstGeom>
-        </p:spPr>
-      </p:pic>
-      <p:pic>
-        <p:nvPicPr>
-          <p:cNvPr id="18" name="Picture 17">
-            <a:extLst>
-              <a:ext uri="{FF2B5EF4-FFF2-40B4-BE49-F238E27FC236}">
-                <a16:creationId xmlns:a16="http://schemas.microsoft.com/office/drawing/2014/main" id="{43F38673-6E30-4BAE-AC67-0B283EBF4291}"/>
-              </a:ext>
-              <a:ext uri="{C183D7F6-B498-43B3-948B-1728B52AA6E4}">
-                <adec:decorative xmlns:adec="http://schemas.microsoft.com/office/drawing/2017/decorative" val="1"/>
-              </a:ext>
-            </a:extLst>
-          </p:cNvPr>
-          <p:cNvPicPr>
-            <a:picLocks noGrp="1" noRot="1" noChangeAspect="1" noMove="1" noResize="1" noEditPoints="1" noAdjustHandles="1" noChangeArrowheads="1" noChangeShapeType="1" noCrop="1"/>
-          </p:cNvPicPr>
-          <p:nvPr>
-            <p:extLst>
-              <p:ext uri="{386F3935-93C4-4BCD-93E2-E3B085C9AB24}">
-                <p16:designElem xmlns:p16="http://schemas.microsoft.com/office/powerpoint/2015/main" val="1"/>
-              </p:ext>
-            </p:extLst>
-          </p:nvPr>
-        </p:nvPicPr>
-        <p:blipFill rotWithShape="1">
-          <a:blip r:embed="rId6">
-            <a:extLst>
-              <a:ext uri="{28A0092B-C50C-407E-A947-70E740481C1C}">
-                <a14:useLocalDpi xmlns:a14="http://schemas.microsoft.com/office/drawing/2010/main" val="0"/>
-              </a:ext>
-            </a:extLst>
-          </a:blip>
-          <a:srcRect b="23320"/>
-          <a:stretch/>
-        </p:blipFill>
-        <p:spPr>
-          <a:xfrm>
-            <a:off x="8605878" y="6096000"/>
-            <a:ext cx="993734" cy="762000"/>
-          </a:xfrm>
-          <a:prstGeom prst="rect">
-            <a:avLst/>
-          </a:prstGeom>
-        </p:spPr>
-      </p:pic>
-      <p:sp>
-        <p:nvSpPr>
-          <p:cNvPr id="20" name="Rectangle 19">
-            <a:extLst>
-              <a:ext uri="{FF2B5EF4-FFF2-40B4-BE49-F238E27FC236}">
-                <a16:creationId xmlns:a16="http://schemas.microsoft.com/office/drawing/2014/main" id="{202A25CB-1ED1-4C87-AB49-8D3BC684D1CE}"/>
-              </a:ext>
-              <a:ext uri="{C183D7F6-B498-43B3-948B-1728B52AA6E4}">
-                <adec:decorative xmlns:adec="http://schemas.microsoft.com/office/drawing/2017/decorative" val="1"/>
-              </a:ext>
-            </a:extLst>
-          </p:cNvPr>
-          <p:cNvSpPr>
-            <a:spLocks noGrp="1" noRot="1" noChangeAspect="1" noMove="1" noResize="1" noEditPoints="1" noAdjustHandles="1" noChangeArrowheads="1" noChangeShapeType="1" noTextEdit="1"/>
-          </p:cNvSpPr>
-          <p:nvPr>
-            <p:extLst>
-              <p:ext uri="{386F3935-93C4-4BCD-93E2-E3B085C9AB24}">
-                <p16:designElem xmlns:p16="http://schemas.microsoft.com/office/powerpoint/2015/main" val="1"/>
-              </p:ext>
-            </p:extLst>
-          </p:nvPr>
-        </p:nvSpPr>
-        <p:spPr>
-          <a:xfrm>
-            <a:off x="10437812" y="0"/>
-            <a:ext cx="685800" cy="1143000"/>
-          </a:xfrm>
-          <a:prstGeom prst="rect">
-            <a:avLst/>
-          </a:prstGeom>
-          <a:solidFill>
-            <a:schemeClr val="accent1"/>
-          </a:solidFill>
-          <a:ln>
-            <a:noFill/>
-          </a:ln>
-        </p:spPr>
-        <p:style>
-          <a:lnRef idx="1">
-            <a:schemeClr val="accent1"/>
-          </a:lnRef>
-          <a:fillRef idx="3">
-            <a:schemeClr val="accent1"/>
-          </a:fillRef>
-          <a:effectRef idx="2">
-            <a:schemeClr val="accent1"/>
-          </a:effectRef>
-          <a:fontRef idx="minor">
-            <a:schemeClr val="lt1"/>
-          </a:fontRef>
-        </p:style>
-      </p:sp>
-      <p:pic>
-        <p:nvPicPr>
-          <p:cNvPr id="21" name="Picture 20">
-            <a:extLst>
-              <a:ext uri="{FF2B5EF4-FFF2-40B4-BE49-F238E27FC236}">
-                <a16:creationId xmlns:a16="http://schemas.microsoft.com/office/drawing/2014/main" id="{4C5AE542-5EB8-434B-9FD3-BA993B83F9CC}"/>
-              </a:ext>
-            </a:extLst>
-          </p:cNvPr>
-          <p:cNvPicPr>
-            <a:picLocks noChangeAspect="1"/>
-          </p:cNvPicPr>
-          <p:nvPr/>
-        </p:nvPicPr>
-        <p:blipFill>
-          <a:blip r:embed="rId7"/>
-          <a:stretch>
-            <a:fillRect/>
-          </a:stretch>
-        </p:blipFill>
-        <p:spPr>
-          <a:xfrm>
-            <a:off x="367616" y="855768"/>
-            <a:ext cx="11604667" cy="5240232"/>
-          </a:xfrm>
-          <a:prstGeom prst="rect">
-            <a:avLst/>
-          </a:prstGeom>
-          <a:ln w="38100" cap="sq">
-            <a:solidFill>
-              <a:srgbClr val="000000"/>
-            </a:solidFill>
-            <a:prstDash val="solid"/>
-            <a:miter lim="800000"/>
-          </a:ln>
-          <a:effectLst>
-            <a:outerShdw blurRad="50800" dist="38100" dir="2700000" algn="tl" rotWithShape="0">
-              <a:srgbClr val="000000">
-                <a:alpha val="43000"/>
-              </a:srgbClr>
-            </a:outerShdw>
-          </a:effectLst>
-        </p:spPr>
-      </p:pic>
-      <p:cxnSp>
-        <p:nvCxnSpPr>
-          <p:cNvPr id="24" name="Straight Arrow Connector 23">
-            <a:extLst>
-              <a:ext uri="{FF2B5EF4-FFF2-40B4-BE49-F238E27FC236}">
-                <a16:creationId xmlns:a16="http://schemas.microsoft.com/office/drawing/2014/main" id="{421D85BD-6A2E-49A6-9011-DC5E5EA9B3FE}"/>
-              </a:ext>
-            </a:extLst>
-          </p:cNvPr>
-          <p:cNvCxnSpPr>
-            <a:cxnSpLocks/>
-            <a:stCxn id="27" idx="4"/>
-          </p:cNvCxnSpPr>
-          <p:nvPr/>
-        </p:nvCxnSpPr>
-        <p:spPr>
-          <a:xfrm flipH="1">
-            <a:off x="4565651" y="2480732"/>
-            <a:ext cx="1076442" cy="2942168"/>
-          </a:xfrm>
-          <a:prstGeom prst="straightConnector1">
-            <a:avLst/>
-          </a:prstGeom>
-          <a:ln>
-            <a:tailEnd type="triangle"/>
-          </a:ln>
-        </p:spPr>
-        <p:style>
-          <a:lnRef idx="1">
-            <a:schemeClr val="accent4"/>
-          </a:lnRef>
-          <a:fillRef idx="0">
-            <a:schemeClr val="accent4"/>
-          </a:fillRef>
-          <a:effectRef idx="0">
-            <a:schemeClr val="accent4"/>
-          </a:effectRef>
-          <a:fontRef idx="minor">
-            <a:schemeClr val="tx1"/>
-          </a:fontRef>
-        </p:style>
-      </p:cxnSp>
-      <p:sp>
-        <p:nvSpPr>
-          <p:cNvPr id="27" name="Oval 26">
-            <a:extLst>
-              <a:ext uri="{FF2B5EF4-FFF2-40B4-BE49-F238E27FC236}">
-                <a16:creationId xmlns:a16="http://schemas.microsoft.com/office/drawing/2014/main" id="{F2918E3B-DCDC-4A39-B413-D7D632DB568E}"/>
-              </a:ext>
-            </a:extLst>
-          </p:cNvPr>
-          <p:cNvSpPr/>
-          <p:nvPr/>
-        </p:nvSpPr>
-        <p:spPr>
-          <a:xfrm>
-            <a:off x="4864335" y="1549400"/>
-            <a:ext cx="1555515" cy="931332"/>
-          </a:xfrm>
-          <a:prstGeom prst="ellipse">
-            <a:avLst/>
-          </a:prstGeom>
-        </p:spPr>
-        <p:style>
-          <a:lnRef idx="2">
-            <a:schemeClr val="accent4">
-              <a:shade val="50000"/>
-            </a:schemeClr>
-          </a:lnRef>
-          <a:fillRef idx="1">
-            <a:schemeClr val="accent4"/>
-          </a:fillRef>
-          <a:effectRef idx="0">
-            <a:schemeClr val="accent4"/>
-          </a:effectRef>
-          <a:fontRef idx="minor">
-            <a:schemeClr val="lt1"/>
-          </a:fontRef>
-        </p:style>
-        <p:txBody>
-          <a:bodyPr rtlCol="0" anchor="ctr"/>
-          <a:lstStyle/>
-          <a:p>
-            <a:pPr algn="ctr"/>
-            <a:r>
-              <a:rPr lang="en-US" sz="1000" dirty="0">
-                <a:solidFill>
-                  <a:schemeClr val="tx1"/>
-                </a:solidFill>
-              </a:rPr>
-              <a:t>Manager’s and Research Directors only in upper class</a:t>
-            </a:r>
-          </a:p>
-        </p:txBody>
-      </p:sp>
-      <p:cxnSp>
-        <p:nvCxnSpPr>
-          <p:cNvPr id="67" name="Straight Arrow Connector 66">
-            <a:extLst>
-              <a:ext uri="{FF2B5EF4-FFF2-40B4-BE49-F238E27FC236}">
-                <a16:creationId xmlns:a16="http://schemas.microsoft.com/office/drawing/2014/main" id="{CA9C0CCC-922C-4F7B-9CDE-3FE66A71E4C3}"/>
-              </a:ext>
-            </a:extLst>
-          </p:cNvPr>
-          <p:cNvCxnSpPr>
-            <a:cxnSpLocks/>
-            <a:stCxn id="27" idx="4"/>
-          </p:cNvCxnSpPr>
-          <p:nvPr/>
-        </p:nvCxnSpPr>
-        <p:spPr>
-          <a:xfrm>
-            <a:off x="5642093" y="2480732"/>
-            <a:ext cx="1488957" cy="2669118"/>
-          </a:xfrm>
-          <a:prstGeom prst="straightConnector1">
-            <a:avLst/>
-          </a:prstGeom>
-          <a:ln>
-            <a:tailEnd type="triangle"/>
-          </a:ln>
-        </p:spPr>
-        <p:style>
-          <a:lnRef idx="1">
-            <a:schemeClr val="accent4"/>
-          </a:lnRef>
-          <a:fillRef idx="0">
-            <a:schemeClr val="accent4"/>
-          </a:fillRef>
-          <a:effectRef idx="0">
-            <a:schemeClr val="accent4"/>
-          </a:effectRef>
-          <a:fontRef idx="minor">
-            <a:schemeClr val="tx1"/>
-          </a:fontRef>
-        </p:style>
-      </p:cxnSp>
-      <p:sp>
-        <p:nvSpPr>
-          <p:cNvPr id="17" name="Title 1">
-            <a:extLst>
-              <a:ext uri="{FF2B5EF4-FFF2-40B4-BE49-F238E27FC236}">
-                <a16:creationId xmlns:a16="http://schemas.microsoft.com/office/drawing/2014/main" id="{CF8A1486-97A5-401B-B9E6-607BBDB09673}"/>
-              </a:ext>
-            </a:extLst>
-          </p:cNvPr>
-          <p:cNvSpPr>
-            <a:spLocks noGrp="1"/>
-          </p:cNvSpPr>
-          <p:nvPr>
-            <p:ph type="title"/>
-          </p:nvPr>
-        </p:nvSpPr>
-        <p:spPr>
-          <a:xfrm>
-            <a:off x="367616" y="214028"/>
-            <a:ext cx="9142770" cy="589849"/>
-          </a:xfrm>
-        </p:spPr>
-        <p:txBody>
-          <a:bodyPr>
-            <a:normAutofit/>
-          </a:bodyPr>
-          <a:lstStyle/>
-          <a:p>
-            <a:pPr>
-              <a:lnSpc>
-                <a:spcPct val="90000"/>
-              </a:lnSpc>
-            </a:pPr>
-            <a:r>
-              <a:rPr lang="en-US" sz="2400" dirty="0">
-                <a:solidFill>
-                  <a:srgbClr val="EBEBEB"/>
-                </a:solidFill>
-              </a:rPr>
-              <a:t>What does income group by Job Role show us?</a:t>
-            </a:r>
-          </a:p>
-        </p:txBody>
-      </p:sp>
-    </p:spTree>
-    <p:extLst>
-      <p:ext uri="{BB962C8B-B14F-4D97-AF65-F5344CB8AC3E}">
-        <p14:creationId xmlns:p14="http://schemas.microsoft.com/office/powerpoint/2010/main" val="3787231778"/>
-      </p:ext>
-    </p:extLst>
-  </p:cSld>
-  <p:clrMapOvr>
-    <a:masterClrMapping/>
-  </p:clrMapOvr>
-</p:sld>
-</file>
-
-<file path=ppt/slides/slide25.xml><?xml version="1.0" encoding="utf-8"?>
-<p:sld xmlns:a="http://schemas.openxmlformats.org/drawingml/2006/main" xmlns:r="http://schemas.openxmlformats.org/officeDocument/2006/relationships" xmlns:p="http://schemas.openxmlformats.org/presentationml/2006/main">
-  <p:cSld>
-    <p:bg>
-      <p:bgPr>
-        <a:blipFill rotWithShape="1">
-          <a:blip r:embed="rId2">
-            <a:duotone>
-              <a:schemeClr val="bg2">
-                <a:shade val="69000"/>
-                <a:hueMod val="108000"/>
-                <a:satMod val="164000"/>
-                <a:lumMod val="74000"/>
-              </a:schemeClr>
-              <a:schemeClr val="bg2">
-                <a:tint val="96000"/>
-                <a:hueMod val="88000"/>
-                <a:satMod val="140000"/>
-                <a:lumMod val="132000"/>
-              </a:schemeClr>
-            </a:duotone>
-            <a:extLst/>
-          </a:blip>
-          <a:stretch/>
-        </a:blipFill>
-        <a:effectLst/>
-      </p:bgPr>
-    </p:bg>
-    <p:spTree>
-      <p:nvGrpSpPr>
-        <p:cNvPr id="1" name=""/>
-        <p:cNvGrpSpPr/>
-        <p:nvPr/>
-      </p:nvGrpSpPr>
-      <p:grpSpPr>
-        <a:xfrm>
-          <a:off x="0" y="0"/>
-          <a:ext cx="0" cy="0"/>
-          <a:chOff x="0" y="0"/>
-          <a:chExt cx="0" cy="0"/>
-        </a:xfrm>
-      </p:grpSpPr>
-      <p:pic>
-        <p:nvPicPr>
-          <p:cNvPr id="10" name="Picture 9">
-            <a:extLst>
-              <a:ext uri="{FF2B5EF4-FFF2-40B4-BE49-F238E27FC236}">
-                <a16:creationId xmlns:a16="http://schemas.microsoft.com/office/drawing/2014/main" id="{C9ECDD5C-152A-4CC7-8333-0F367B3A62EA}"/>
-              </a:ext>
-              <a:ext uri="{C183D7F6-B498-43B3-948B-1728B52AA6E4}">
-                <adec:decorative xmlns:adec="http://schemas.microsoft.com/office/drawing/2017/decorative" val="1"/>
-              </a:ext>
-            </a:extLst>
-          </p:cNvPr>
-          <p:cNvPicPr>
-            <a:picLocks noGrp="1" noRot="1" noChangeAspect="1" noMove="1" noResize="1" noEditPoints="1" noAdjustHandles="1" noChangeArrowheads="1" noChangeShapeType="1" noCrop="1"/>
-          </p:cNvPicPr>
-          <p:nvPr>
-            <p:extLst>
-              <p:ext uri="{386F3935-93C4-4BCD-93E2-E3B085C9AB24}">
-                <p16:designElem xmlns:p16="http://schemas.microsoft.com/office/powerpoint/2015/main" val="1"/>
-              </p:ext>
-            </p:extLst>
-          </p:nvPr>
-        </p:nvPicPr>
-        <p:blipFill rotWithShape="1">
-          <a:blip r:embed="rId3">
-            <a:extLst>
-              <a:ext uri="{28A0092B-C50C-407E-A947-70E740481C1C}">
-                <a14:useLocalDpi xmlns:a14="http://schemas.microsoft.com/office/drawing/2010/main" val="0"/>
-              </a:ext>
-            </a:extLst>
-          </a:blip>
-          <a:srcRect l="3613"/>
-          <a:stretch/>
-        </p:blipFill>
-        <p:spPr>
-          <a:xfrm>
-            <a:off x="0" y="2669685"/>
-            <a:ext cx="4037012" cy="4188315"/>
-          </a:xfrm>
-          <a:prstGeom prst="rect">
-            <a:avLst/>
-          </a:prstGeom>
-        </p:spPr>
-      </p:pic>
-      <p:pic>
-        <p:nvPicPr>
-          <p:cNvPr id="12" name="Picture 11">
-            <a:extLst>
-              <a:ext uri="{FF2B5EF4-FFF2-40B4-BE49-F238E27FC236}">
-                <a16:creationId xmlns:a16="http://schemas.microsoft.com/office/drawing/2014/main" id="{7F5C92A3-369B-43F3-BDCE-E560B1B0EC89}"/>
-              </a:ext>
-              <a:ext uri="{C183D7F6-B498-43B3-948B-1728B52AA6E4}">
-                <adec:decorative xmlns:adec="http://schemas.microsoft.com/office/drawing/2017/decorative" val="1"/>
-              </a:ext>
-            </a:extLst>
-          </p:cNvPr>
-          <p:cNvPicPr>
-            <a:picLocks noGrp="1" noRot="1" noChangeAspect="1" noMove="1" noResize="1" noEditPoints="1" noAdjustHandles="1" noChangeArrowheads="1" noChangeShapeType="1" noCrop="1"/>
-          </p:cNvPicPr>
-          <p:nvPr>
-            <p:extLst>
-              <p:ext uri="{386F3935-93C4-4BCD-93E2-E3B085C9AB24}">
-                <p16:designElem xmlns:p16="http://schemas.microsoft.com/office/powerpoint/2015/main" val="1"/>
-              </p:ext>
-            </p:extLst>
-          </p:nvPr>
-        </p:nvPicPr>
-        <p:blipFill rotWithShape="1">
-          <a:blip r:embed="rId4">
-            <a:extLst>
-              <a:ext uri="{28A0092B-C50C-407E-A947-70E740481C1C}">
-                <a14:useLocalDpi xmlns:a14="http://schemas.microsoft.com/office/drawing/2010/main" val="0"/>
-              </a:ext>
-            </a:extLst>
-          </a:blip>
-          <a:srcRect l="35640"/>
-          <a:stretch/>
-        </p:blipFill>
-        <p:spPr>
-          <a:xfrm>
-            <a:off x="0" y="2892347"/>
-            <a:ext cx="1522412" cy="2365453"/>
-          </a:xfrm>
-          <a:prstGeom prst="rect">
-            <a:avLst/>
-          </a:prstGeom>
-        </p:spPr>
-      </p:pic>
-      <p:sp>
-        <p:nvSpPr>
-          <p:cNvPr id="14" name="Oval 13">
-            <a:extLst>
-              <a:ext uri="{FF2B5EF4-FFF2-40B4-BE49-F238E27FC236}">
-                <a16:creationId xmlns:a16="http://schemas.microsoft.com/office/drawing/2014/main" id="{AEBE9F1A-B38D-446E-83AE-14B17CE77FF2}"/>
-              </a:ext>
-              <a:ext uri="{C183D7F6-B498-43B3-948B-1728B52AA6E4}">
-                <adec:decorative xmlns:adec="http://schemas.microsoft.com/office/drawing/2017/decorative" val="1"/>
-              </a:ext>
-            </a:extLst>
-          </p:cNvPr>
-          <p:cNvSpPr>
-            <a:spLocks noGrp="1" noRot="1" noChangeAspect="1" noMove="1" noResize="1" noEditPoints="1" noAdjustHandles="1" noChangeArrowheads="1" noChangeShapeType="1" noTextEdit="1"/>
-          </p:cNvSpPr>
-          <p:nvPr>
-            <p:extLst>
-              <p:ext uri="{386F3935-93C4-4BCD-93E2-E3B085C9AB24}">
-                <p16:designElem xmlns:p16="http://schemas.microsoft.com/office/powerpoint/2015/main" val="1"/>
-              </p:ext>
-            </p:extLst>
-          </p:nvPr>
-        </p:nvSpPr>
-        <p:spPr>
-          <a:xfrm>
-            <a:off x="8609012" y="1676400"/>
-            <a:ext cx="2819400" cy="2819400"/>
-          </a:xfrm>
-          <a:prstGeom prst="ellipse">
-            <a:avLst/>
-          </a:prstGeom>
-          <a:gradFill flip="none" rotWithShape="1">
-            <a:gsLst>
-              <a:gs pos="0">
-                <a:schemeClr val="bg2">
-                  <a:lumMod val="60000"/>
-                  <a:lumOff val="40000"/>
-                  <a:alpha val="7000"/>
-                </a:schemeClr>
-              </a:gs>
-              <a:gs pos="69000">
-                <a:schemeClr val="bg2">
-                  <a:lumMod val="60000"/>
-                  <a:lumOff val="40000"/>
-                  <a:alpha val="0"/>
-                </a:schemeClr>
-              </a:gs>
-              <a:gs pos="36000">
-                <a:schemeClr val="bg2">
-                  <a:lumMod val="60000"/>
-                  <a:lumOff val="40000"/>
-                  <a:alpha val="6000"/>
-                </a:schemeClr>
-              </a:gs>
-            </a:gsLst>
-            <a:path path="circle">
-              <a:fillToRect l="50000" t="50000" r="50000" b="50000"/>
-            </a:path>
-            <a:tileRect/>
-          </a:gradFill>
-          <a:ln>
-            <a:noFill/>
-          </a:ln>
-          <a:effectLst/>
-        </p:spPr>
-        <p:style>
-          <a:lnRef idx="1">
-            <a:schemeClr val="accent1"/>
-          </a:lnRef>
-          <a:fillRef idx="3">
-            <a:schemeClr val="accent1"/>
-          </a:fillRef>
-          <a:effectRef idx="2">
-            <a:schemeClr val="accent1"/>
-          </a:effectRef>
-          <a:fontRef idx="minor">
-            <a:schemeClr val="lt1"/>
-          </a:fontRef>
-        </p:style>
-      </p:sp>
-      <p:pic>
-        <p:nvPicPr>
-          <p:cNvPr id="16" name="Picture 15">
-            <a:extLst>
-              <a:ext uri="{FF2B5EF4-FFF2-40B4-BE49-F238E27FC236}">
                 <a16:creationId xmlns:a16="http://schemas.microsoft.com/office/drawing/2014/main" id="{915B5014-A7EC-4BA6-9C83-8840CF81DB28}"/>
               </a:ext>
               <a:ext uri="{C183D7F6-B498-43B3-948B-1728B52AA6E4}">
@@ -14593,205 +15373,6 @@
     <p:extLst>
       <p:ext uri="{BB962C8B-B14F-4D97-AF65-F5344CB8AC3E}">
         <p14:creationId xmlns:p14="http://schemas.microsoft.com/office/powerpoint/2010/main" val="4191996210"/>
-      </p:ext>
-    </p:extLst>
-  </p:cSld>
-  <p:clrMapOvr>
-    <a:masterClrMapping/>
-  </p:clrMapOvr>
-</p:sld>
-</file>
-
-<file path=ppt/slides/slide26.xml><?xml version="1.0" encoding="utf-8"?>
-<p:sld xmlns:a="http://schemas.openxmlformats.org/drawingml/2006/main" xmlns:r="http://schemas.openxmlformats.org/officeDocument/2006/relationships" xmlns:p="http://schemas.openxmlformats.org/presentationml/2006/main">
-  <p:cSld>
-    <p:spTree>
-      <p:nvGrpSpPr>
-        <p:cNvPr id="1" name=""/>
-        <p:cNvGrpSpPr/>
-        <p:nvPr/>
-      </p:nvGrpSpPr>
-      <p:grpSpPr>
-        <a:xfrm>
-          <a:off x="0" y="0"/>
-          <a:ext cx="0" cy="0"/>
-          <a:chOff x="0" y="0"/>
-          <a:chExt cx="0" cy="0"/>
-        </a:xfrm>
-      </p:grpSpPr>
-      <p:pic>
-        <p:nvPicPr>
-          <p:cNvPr id="7" name="Picture 6">
-            <a:extLst>
-              <a:ext uri="{FF2B5EF4-FFF2-40B4-BE49-F238E27FC236}">
-                <a16:creationId xmlns:a16="http://schemas.microsoft.com/office/drawing/2014/main" id="{157F5ECC-56EC-4829-A53B-763D1FD3E81B}"/>
-              </a:ext>
-            </a:extLst>
-          </p:cNvPr>
-          <p:cNvPicPr>
-            <a:picLocks noChangeAspect="1"/>
-          </p:cNvPicPr>
-          <p:nvPr/>
-        </p:nvPicPr>
-        <p:blipFill>
-          <a:blip r:embed="rId2"/>
-          <a:stretch>
-            <a:fillRect/>
-          </a:stretch>
-        </p:blipFill>
-        <p:spPr>
-          <a:xfrm>
-            <a:off x="3313705" y="687137"/>
-            <a:ext cx="4770841" cy="5483726"/>
-          </a:xfrm>
-          <a:prstGeom prst="rect">
-            <a:avLst/>
-          </a:prstGeom>
-        </p:spPr>
-      </p:pic>
-      <p:sp>
-        <p:nvSpPr>
-          <p:cNvPr id="9" name="Oval 8">
-            <a:extLst>
-              <a:ext uri="{FF2B5EF4-FFF2-40B4-BE49-F238E27FC236}">
-                <a16:creationId xmlns:a16="http://schemas.microsoft.com/office/drawing/2014/main" id="{876D8E18-2A0A-46EC-A3AC-28F153406A14}"/>
-              </a:ext>
-            </a:extLst>
-          </p:cNvPr>
-          <p:cNvSpPr/>
-          <p:nvPr/>
-        </p:nvSpPr>
-        <p:spPr>
-          <a:xfrm>
-            <a:off x="614955" y="1162050"/>
-            <a:ext cx="2102845" cy="933450"/>
-          </a:xfrm>
-          <a:prstGeom prst="ellipse">
-            <a:avLst/>
-          </a:prstGeom>
-        </p:spPr>
-        <p:style>
-          <a:lnRef idx="2">
-            <a:schemeClr val="accent4">
-              <a:shade val="50000"/>
-            </a:schemeClr>
-          </a:lnRef>
-          <a:fillRef idx="1">
-            <a:schemeClr val="accent4"/>
-          </a:fillRef>
-          <a:effectRef idx="0">
-            <a:schemeClr val="accent4"/>
-          </a:effectRef>
-          <a:fontRef idx="minor">
-            <a:schemeClr val="lt1"/>
-          </a:fontRef>
-        </p:style>
-        <p:txBody>
-          <a:bodyPr rtlCol="0" anchor="ctr"/>
-          <a:lstStyle/>
-          <a:p>
-            <a:pPr algn="ctr"/>
-            <a:r>
-              <a:rPr lang="en-US" sz="1050" dirty="0">
-                <a:solidFill>
-                  <a:schemeClr val="tx1"/>
-                </a:solidFill>
-              </a:rPr>
-              <a:t>Most turnover from level 1s with similar income.</a:t>
-            </a:r>
-          </a:p>
-        </p:txBody>
-      </p:sp>
-      <p:cxnSp>
-        <p:nvCxnSpPr>
-          <p:cNvPr id="10" name="Straight Arrow Connector 9">
-            <a:extLst>
-              <a:ext uri="{FF2B5EF4-FFF2-40B4-BE49-F238E27FC236}">
-                <a16:creationId xmlns:a16="http://schemas.microsoft.com/office/drawing/2014/main" id="{0A581E70-51E3-41E9-926C-3E5C924C9084}"/>
-              </a:ext>
-            </a:extLst>
-          </p:cNvPr>
-          <p:cNvCxnSpPr>
-            <a:cxnSpLocks/>
-            <a:stCxn id="9" idx="4"/>
-          </p:cNvCxnSpPr>
-          <p:nvPr/>
-        </p:nvCxnSpPr>
-        <p:spPr>
-          <a:xfrm>
-            <a:off x="1666378" y="2095500"/>
-            <a:ext cx="2511922" cy="1073150"/>
-          </a:xfrm>
-          <a:prstGeom prst="straightConnector1">
-            <a:avLst/>
-          </a:prstGeom>
-          <a:ln>
-            <a:tailEnd type="triangle"/>
-          </a:ln>
-        </p:spPr>
-        <p:style>
-          <a:lnRef idx="1">
-            <a:schemeClr val="accent4"/>
-          </a:lnRef>
-          <a:fillRef idx="0">
-            <a:schemeClr val="accent4"/>
-          </a:fillRef>
-          <a:effectRef idx="0">
-            <a:schemeClr val="accent4"/>
-          </a:effectRef>
-          <a:fontRef idx="minor">
-            <a:schemeClr val="tx1"/>
-          </a:fontRef>
-        </p:style>
-      </p:cxnSp>
-      <p:sp>
-        <p:nvSpPr>
-          <p:cNvPr id="12" name="Title 1">
-            <a:extLst>
-              <a:ext uri="{FF2B5EF4-FFF2-40B4-BE49-F238E27FC236}">
-                <a16:creationId xmlns:a16="http://schemas.microsoft.com/office/drawing/2014/main" id="{22FFF085-97D5-445B-A38C-229CB3FD0733}"/>
-              </a:ext>
-            </a:extLst>
-          </p:cNvPr>
-          <p:cNvSpPr>
-            <a:spLocks noGrp="1"/>
-          </p:cNvSpPr>
-          <p:nvPr>
-            <p:ph type="title"/>
-          </p:nvPr>
-        </p:nvSpPr>
-        <p:spPr>
-          <a:xfrm>
-            <a:off x="3148605" y="256410"/>
-            <a:ext cx="5385795" cy="570692"/>
-          </a:xfrm>
-        </p:spPr>
-        <p:txBody>
-          <a:bodyPr>
-            <a:noAutofit/>
-          </a:bodyPr>
-          <a:lstStyle/>
-          <a:p>
-            <a:pPr>
-              <a:lnSpc>
-                <a:spcPct val="90000"/>
-              </a:lnSpc>
-            </a:pPr>
-            <a:r>
-              <a:rPr lang="en-US" sz="2000" dirty="0">
-                <a:solidFill>
-                  <a:srgbClr val="EBEBEB"/>
-                </a:solidFill>
-              </a:rPr>
-              <a:t>Job Level by Monthly Income Heat Map</a:t>
-            </a:r>
-          </a:p>
-        </p:txBody>
-      </p:sp>
-    </p:spTree>
-    <p:extLst>
-      <p:ext uri="{BB962C8B-B14F-4D97-AF65-F5344CB8AC3E}">
-        <p14:creationId xmlns:p14="http://schemas.microsoft.com/office/powerpoint/2010/main" val="1319832048"/>
       </p:ext>
     </p:extLst>
   </p:cSld>
@@ -14820,10 +15401,10 @@
       </p:grpSpPr>
       <p:pic>
         <p:nvPicPr>
-          <p:cNvPr id="4" name="Picture 3">
-            <a:extLst>
-              <a:ext uri="{FF2B5EF4-FFF2-40B4-BE49-F238E27FC236}">
-                <a16:creationId xmlns:a16="http://schemas.microsoft.com/office/drawing/2014/main" id="{FE6BA3DE-3323-4E23-AB43-AC5712DFFCC7}"/>
+          <p:cNvPr id="7" name="Picture 6">
+            <a:extLst>
+              <a:ext uri="{FF2B5EF4-FFF2-40B4-BE49-F238E27FC236}">
+                <a16:creationId xmlns:a16="http://schemas.microsoft.com/office/drawing/2014/main" id="{157F5ECC-56EC-4829-A53B-763D1FD3E81B}"/>
               </a:ext>
             </a:extLst>
           </p:cNvPr>
@@ -14840,61 +15421,20 @@
         </p:blipFill>
         <p:spPr>
           <a:xfrm>
-            <a:off x="359551" y="355600"/>
-            <a:ext cx="11092371" cy="6401272"/>
+            <a:off x="3313705" y="687137"/>
+            <a:ext cx="4770841" cy="5483726"/>
           </a:xfrm>
           <a:prstGeom prst="rect">
             <a:avLst/>
           </a:prstGeom>
         </p:spPr>
       </p:pic>
-      <p:cxnSp>
-        <p:nvCxnSpPr>
-          <p:cNvPr id="6" name="Straight Arrow Connector 5">
-            <a:extLst>
-              <a:ext uri="{FF2B5EF4-FFF2-40B4-BE49-F238E27FC236}">
-                <a16:creationId xmlns:a16="http://schemas.microsoft.com/office/drawing/2014/main" id="{5664B49D-412E-4479-B091-C44E01A21392}"/>
-              </a:ext>
-            </a:extLst>
-          </p:cNvPr>
-          <p:cNvCxnSpPr>
-            <a:cxnSpLocks/>
-          </p:cNvCxnSpPr>
-          <p:nvPr/>
-        </p:nvCxnSpPr>
-        <p:spPr>
-          <a:xfrm>
-            <a:off x="1866900" y="2000250"/>
-            <a:ext cx="2813050" cy="1301750"/>
-          </a:xfrm>
-          <a:prstGeom prst="straightConnector1">
-            <a:avLst/>
-          </a:prstGeom>
-          <a:ln>
-            <a:tailEnd type="triangle"/>
-          </a:ln>
-        </p:spPr>
-        <p:style>
-          <a:lnRef idx="1">
-            <a:schemeClr val="accent4"/>
-          </a:lnRef>
-          <a:fillRef idx="0">
-            <a:schemeClr val="accent4"/>
-          </a:fillRef>
-          <a:effectRef idx="0">
-            <a:schemeClr val="accent4"/>
-          </a:effectRef>
-          <a:fontRef idx="minor">
-            <a:schemeClr val="tx1"/>
-          </a:fontRef>
-        </p:style>
-      </p:cxnSp>
-      <p:sp>
-        <p:nvSpPr>
-          <p:cNvPr id="5" name="Oval 4">
-            <a:extLst>
-              <a:ext uri="{FF2B5EF4-FFF2-40B4-BE49-F238E27FC236}">
-                <a16:creationId xmlns:a16="http://schemas.microsoft.com/office/drawing/2014/main" id="{AE258DEA-7817-41B9-9568-EEED9DB9DEA8}"/>
+      <p:sp>
+        <p:nvSpPr>
+          <p:cNvPr id="9" name="Oval 8">
+            <a:extLst>
+              <a:ext uri="{FF2B5EF4-FFF2-40B4-BE49-F238E27FC236}">
+                <a16:creationId xmlns:a16="http://schemas.microsoft.com/office/drawing/2014/main" id="{876D8E18-2A0A-46EC-A3AC-28F153406A14}"/>
               </a:ext>
             </a:extLst>
           </p:cNvPr>
@@ -14903,8 +15443,8 @@
         </p:nvSpPr>
         <p:spPr>
           <a:xfrm>
-            <a:off x="805504" y="1173254"/>
-            <a:ext cx="1702105" cy="1400530"/>
+            <a:off x="614955" y="1162050"/>
+            <a:ext cx="2102845" cy="933450"/>
           </a:xfrm>
           <a:prstGeom prst="ellipse">
             <a:avLst/>
@@ -14932,6 +15472,246 @@
           <a:p>
             <a:pPr algn="ctr"/>
             <a:r>
+              <a:rPr lang="en-US" sz="1050" dirty="0">
+                <a:solidFill>
+                  <a:schemeClr val="tx1"/>
+                </a:solidFill>
+              </a:rPr>
+              <a:t>Most turnover from level 1s with similar income.</a:t>
+            </a:r>
+          </a:p>
+        </p:txBody>
+      </p:sp>
+      <p:cxnSp>
+        <p:nvCxnSpPr>
+          <p:cNvPr id="10" name="Straight Arrow Connector 9">
+            <a:extLst>
+              <a:ext uri="{FF2B5EF4-FFF2-40B4-BE49-F238E27FC236}">
+                <a16:creationId xmlns:a16="http://schemas.microsoft.com/office/drawing/2014/main" id="{0A581E70-51E3-41E9-926C-3E5C924C9084}"/>
+              </a:ext>
+            </a:extLst>
+          </p:cNvPr>
+          <p:cNvCxnSpPr>
+            <a:cxnSpLocks/>
+            <a:stCxn id="9" idx="4"/>
+          </p:cNvCxnSpPr>
+          <p:nvPr/>
+        </p:nvCxnSpPr>
+        <p:spPr>
+          <a:xfrm>
+            <a:off x="1666378" y="2095500"/>
+            <a:ext cx="2511922" cy="1073150"/>
+          </a:xfrm>
+          <a:prstGeom prst="straightConnector1">
+            <a:avLst/>
+          </a:prstGeom>
+          <a:ln>
+            <a:tailEnd type="triangle"/>
+          </a:ln>
+        </p:spPr>
+        <p:style>
+          <a:lnRef idx="1">
+            <a:schemeClr val="accent4"/>
+          </a:lnRef>
+          <a:fillRef idx="0">
+            <a:schemeClr val="accent4"/>
+          </a:fillRef>
+          <a:effectRef idx="0">
+            <a:schemeClr val="accent4"/>
+          </a:effectRef>
+          <a:fontRef idx="minor">
+            <a:schemeClr val="tx1"/>
+          </a:fontRef>
+        </p:style>
+      </p:cxnSp>
+      <p:sp>
+        <p:nvSpPr>
+          <p:cNvPr id="12" name="Title 1">
+            <a:extLst>
+              <a:ext uri="{FF2B5EF4-FFF2-40B4-BE49-F238E27FC236}">
+                <a16:creationId xmlns:a16="http://schemas.microsoft.com/office/drawing/2014/main" id="{22FFF085-97D5-445B-A38C-229CB3FD0733}"/>
+              </a:ext>
+            </a:extLst>
+          </p:cNvPr>
+          <p:cNvSpPr>
+            <a:spLocks noGrp="1"/>
+          </p:cNvSpPr>
+          <p:nvPr>
+            <p:ph type="title"/>
+          </p:nvPr>
+        </p:nvSpPr>
+        <p:spPr>
+          <a:xfrm>
+            <a:off x="3148605" y="256410"/>
+            <a:ext cx="5385795" cy="570692"/>
+          </a:xfrm>
+        </p:spPr>
+        <p:txBody>
+          <a:bodyPr>
+            <a:noAutofit/>
+          </a:bodyPr>
+          <a:lstStyle/>
+          <a:p>
+            <a:pPr>
+              <a:lnSpc>
+                <a:spcPct val="90000"/>
+              </a:lnSpc>
+            </a:pPr>
+            <a:r>
+              <a:rPr lang="en-US" sz="2000" dirty="0">
+                <a:solidFill>
+                  <a:srgbClr val="EBEBEB"/>
+                </a:solidFill>
+              </a:rPr>
+              <a:t>Job Level by Monthly Income Heat Map</a:t>
+            </a:r>
+          </a:p>
+        </p:txBody>
+      </p:sp>
+    </p:spTree>
+    <p:extLst>
+      <p:ext uri="{BB962C8B-B14F-4D97-AF65-F5344CB8AC3E}">
+        <p14:creationId xmlns:p14="http://schemas.microsoft.com/office/powerpoint/2010/main" val="1319832048"/>
+      </p:ext>
+    </p:extLst>
+  </p:cSld>
+  <p:clrMapOvr>
+    <a:masterClrMapping/>
+  </p:clrMapOvr>
+</p:sld>
+</file>
+
+<file path=ppt/slides/slide28.xml><?xml version="1.0" encoding="utf-8"?>
+<p:sld xmlns:a="http://schemas.openxmlformats.org/drawingml/2006/main" xmlns:r="http://schemas.openxmlformats.org/officeDocument/2006/relationships" xmlns:p="http://schemas.openxmlformats.org/presentationml/2006/main">
+  <p:cSld>
+    <p:spTree>
+      <p:nvGrpSpPr>
+        <p:cNvPr id="1" name=""/>
+        <p:cNvGrpSpPr/>
+        <p:nvPr/>
+      </p:nvGrpSpPr>
+      <p:grpSpPr>
+        <a:xfrm>
+          <a:off x="0" y="0"/>
+          <a:ext cx="0" cy="0"/>
+          <a:chOff x="0" y="0"/>
+          <a:chExt cx="0" cy="0"/>
+        </a:xfrm>
+      </p:grpSpPr>
+      <p:pic>
+        <p:nvPicPr>
+          <p:cNvPr id="4" name="Picture 3">
+            <a:extLst>
+              <a:ext uri="{FF2B5EF4-FFF2-40B4-BE49-F238E27FC236}">
+                <a16:creationId xmlns:a16="http://schemas.microsoft.com/office/drawing/2014/main" id="{FE6BA3DE-3323-4E23-AB43-AC5712DFFCC7}"/>
+              </a:ext>
+            </a:extLst>
+          </p:cNvPr>
+          <p:cNvPicPr>
+            <a:picLocks noChangeAspect="1"/>
+          </p:cNvPicPr>
+          <p:nvPr/>
+        </p:nvPicPr>
+        <p:blipFill>
+          <a:blip r:embed="rId2"/>
+          <a:stretch>
+            <a:fillRect/>
+          </a:stretch>
+        </p:blipFill>
+        <p:spPr>
+          <a:xfrm>
+            <a:off x="359551" y="355600"/>
+            <a:ext cx="11092371" cy="6401272"/>
+          </a:xfrm>
+          <a:prstGeom prst="rect">
+            <a:avLst/>
+          </a:prstGeom>
+        </p:spPr>
+      </p:pic>
+      <p:cxnSp>
+        <p:nvCxnSpPr>
+          <p:cNvPr id="6" name="Straight Arrow Connector 5">
+            <a:extLst>
+              <a:ext uri="{FF2B5EF4-FFF2-40B4-BE49-F238E27FC236}">
+                <a16:creationId xmlns:a16="http://schemas.microsoft.com/office/drawing/2014/main" id="{5664B49D-412E-4479-B091-C44E01A21392}"/>
+              </a:ext>
+            </a:extLst>
+          </p:cNvPr>
+          <p:cNvCxnSpPr>
+            <a:cxnSpLocks/>
+          </p:cNvCxnSpPr>
+          <p:nvPr/>
+        </p:nvCxnSpPr>
+        <p:spPr>
+          <a:xfrm>
+            <a:off x="1866900" y="2000250"/>
+            <a:ext cx="2813050" cy="1301750"/>
+          </a:xfrm>
+          <a:prstGeom prst="straightConnector1">
+            <a:avLst/>
+          </a:prstGeom>
+          <a:ln>
+            <a:tailEnd type="triangle"/>
+          </a:ln>
+        </p:spPr>
+        <p:style>
+          <a:lnRef idx="1">
+            <a:schemeClr val="accent4"/>
+          </a:lnRef>
+          <a:fillRef idx="0">
+            <a:schemeClr val="accent4"/>
+          </a:fillRef>
+          <a:effectRef idx="0">
+            <a:schemeClr val="accent4"/>
+          </a:effectRef>
+          <a:fontRef idx="minor">
+            <a:schemeClr val="tx1"/>
+          </a:fontRef>
+        </p:style>
+      </p:cxnSp>
+      <p:sp>
+        <p:nvSpPr>
+          <p:cNvPr id="5" name="Oval 4">
+            <a:extLst>
+              <a:ext uri="{FF2B5EF4-FFF2-40B4-BE49-F238E27FC236}">
+                <a16:creationId xmlns:a16="http://schemas.microsoft.com/office/drawing/2014/main" id="{AE258DEA-7817-41B9-9568-EEED9DB9DEA8}"/>
+              </a:ext>
+            </a:extLst>
+          </p:cNvPr>
+          <p:cNvSpPr/>
+          <p:nvPr/>
+        </p:nvSpPr>
+        <p:spPr>
+          <a:xfrm>
+            <a:off x="805504" y="1173254"/>
+            <a:ext cx="1702105" cy="1400530"/>
+          </a:xfrm>
+          <a:prstGeom prst="ellipse">
+            <a:avLst/>
+          </a:prstGeom>
+        </p:spPr>
+        <p:style>
+          <a:lnRef idx="2">
+            <a:schemeClr val="accent4">
+              <a:shade val="50000"/>
+            </a:schemeClr>
+          </a:lnRef>
+          <a:fillRef idx="1">
+            <a:schemeClr val="accent4"/>
+          </a:fillRef>
+          <a:effectRef idx="0">
+            <a:schemeClr val="accent4"/>
+          </a:effectRef>
+          <a:fontRef idx="minor">
+            <a:schemeClr val="lt1"/>
+          </a:fontRef>
+        </p:style>
+        <p:txBody>
+          <a:bodyPr rtlCol="0" anchor="ctr"/>
+          <a:lstStyle/>
+          <a:p>
+            <a:pPr algn="ctr"/>
+            <a:r>
               <a:rPr lang="en-US" sz="1100" dirty="0">
                 <a:solidFill>
                   <a:schemeClr val="tx1"/>
@@ -14999,7 +15779,7 @@
 </p:sld>
 </file>
 
-<file path=ppt/slides/slide28.xml><?xml version="1.0" encoding="utf-8"?>
+<file path=ppt/slides/slide29.xml><?xml version="1.0" encoding="utf-8"?>
 <p:sld xmlns:a="http://schemas.openxmlformats.org/drawingml/2006/main" xmlns:r="http://schemas.openxmlformats.org/officeDocument/2006/relationships" xmlns:p="http://schemas.openxmlformats.org/presentationml/2006/main">
   <p:cSld>
     <p:spTree>
@@ -15310,194 +16090,6 @@
 </p:sld>
 </file>
 
-<file path=ppt/slides/slide29.xml><?xml version="1.0" encoding="utf-8"?>
-<p:sld xmlns:a="http://schemas.openxmlformats.org/drawingml/2006/main" xmlns:r="http://schemas.openxmlformats.org/officeDocument/2006/relationships" xmlns:p="http://schemas.openxmlformats.org/presentationml/2006/main">
-  <p:cSld>
-    <p:spTree>
-      <p:nvGrpSpPr>
-        <p:cNvPr id="1" name=""/>
-        <p:cNvGrpSpPr/>
-        <p:nvPr/>
-      </p:nvGrpSpPr>
-      <p:grpSpPr>
-        <a:xfrm>
-          <a:off x="0" y="0"/>
-          <a:ext cx="0" cy="0"/>
-          <a:chOff x="0" y="0"/>
-          <a:chExt cx="0" cy="0"/>
-        </a:xfrm>
-      </p:grpSpPr>
-      <p:sp>
-        <p:nvSpPr>
-          <p:cNvPr id="2" name="Title 1">
-            <a:extLst>
-              <a:ext uri="{FF2B5EF4-FFF2-40B4-BE49-F238E27FC236}">
-                <a16:creationId xmlns:a16="http://schemas.microsoft.com/office/drawing/2014/main" id="{BC104E05-66F4-4230-AB27-EF37DEC9CC84}"/>
-              </a:ext>
-            </a:extLst>
-          </p:cNvPr>
-          <p:cNvSpPr>
-            <a:spLocks noGrp="1"/>
-          </p:cNvSpPr>
-          <p:nvPr>
-            <p:ph type="title"/>
-          </p:nvPr>
-        </p:nvSpPr>
-        <p:spPr>
-          <a:xfrm>
-            <a:off x="677861" y="90768"/>
-            <a:ext cx="9856789" cy="515134"/>
-          </a:xfrm>
-        </p:spPr>
-        <p:txBody>
-          <a:bodyPr/>
-          <a:lstStyle/>
-          <a:p>
-            <a:r>
-              <a:rPr lang="en-US" sz="3200" dirty="0"/>
-              <a:t>Monthly Income by Age Heat Map</a:t>
-            </a:r>
-          </a:p>
-        </p:txBody>
-      </p:sp>
-      <p:pic>
-        <p:nvPicPr>
-          <p:cNvPr id="4" name="Picture 3">
-            <a:extLst>
-              <a:ext uri="{FF2B5EF4-FFF2-40B4-BE49-F238E27FC236}">
-                <a16:creationId xmlns:a16="http://schemas.microsoft.com/office/drawing/2014/main" id="{643B26D7-03EC-4442-B1E3-49337396B55D}"/>
-              </a:ext>
-            </a:extLst>
-          </p:cNvPr>
-          <p:cNvPicPr>
-            <a:picLocks noChangeAspect="1"/>
-          </p:cNvPicPr>
-          <p:nvPr/>
-        </p:nvPicPr>
-        <p:blipFill>
-          <a:blip r:embed="rId2"/>
-          <a:stretch>
-            <a:fillRect/>
-          </a:stretch>
-        </p:blipFill>
-        <p:spPr>
-          <a:xfrm>
-            <a:off x="799947" y="605902"/>
-            <a:ext cx="10592105" cy="6112574"/>
-          </a:xfrm>
-          <a:prstGeom prst="rect">
-            <a:avLst/>
-          </a:prstGeom>
-        </p:spPr>
-      </p:pic>
-      <p:sp>
-        <p:nvSpPr>
-          <p:cNvPr id="14" name="Oval 13">
-            <a:extLst>
-              <a:ext uri="{FF2B5EF4-FFF2-40B4-BE49-F238E27FC236}">
-                <a16:creationId xmlns:a16="http://schemas.microsoft.com/office/drawing/2014/main" id="{B59AB5E1-8086-4D08-B3ED-8235A7DB931F}"/>
-              </a:ext>
-            </a:extLst>
-          </p:cNvPr>
-          <p:cNvSpPr/>
-          <p:nvPr/>
-        </p:nvSpPr>
-        <p:spPr>
-          <a:xfrm>
-            <a:off x="6096000" y="2743200"/>
-            <a:ext cx="1372595" cy="978858"/>
-          </a:xfrm>
-          <a:prstGeom prst="ellipse">
-            <a:avLst/>
-          </a:prstGeom>
-        </p:spPr>
-        <p:style>
-          <a:lnRef idx="2">
-            <a:schemeClr val="accent4">
-              <a:shade val="50000"/>
-            </a:schemeClr>
-          </a:lnRef>
-          <a:fillRef idx="1">
-            <a:schemeClr val="accent4"/>
-          </a:fillRef>
-          <a:effectRef idx="0">
-            <a:schemeClr val="accent4"/>
-          </a:effectRef>
-          <a:fontRef idx="minor">
-            <a:schemeClr val="lt1"/>
-          </a:fontRef>
-        </p:style>
-        <p:txBody>
-          <a:bodyPr rtlCol="0" anchor="ctr"/>
-          <a:lstStyle/>
-          <a:p>
-            <a:pPr algn="ctr"/>
-            <a:r>
-              <a:rPr lang="en-US" sz="900" dirty="0">
-                <a:solidFill>
-                  <a:schemeClr val="tx1"/>
-                </a:solidFill>
-              </a:rPr>
-              <a:t>Most people leave ~30 years old making ~2,500/month</a:t>
-            </a:r>
-          </a:p>
-        </p:txBody>
-      </p:sp>
-      <p:cxnSp>
-        <p:nvCxnSpPr>
-          <p:cNvPr id="15" name="Straight Arrow Connector 14">
-            <a:extLst>
-              <a:ext uri="{FF2B5EF4-FFF2-40B4-BE49-F238E27FC236}">
-                <a16:creationId xmlns:a16="http://schemas.microsoft.com/office/drawing/2014/main" id="{3DF4803E-53F2-4D4B-9AD4-24AA2ABCA93E}"/>
-              </a:ext>
-            </a:extLst>
-          </p:cNvPr>
-          <p:cNvCxnSpPr>
-            <a:cxnSpLocks/>
-            <a:stCxn id="14" idx="4"/>
-          </p:cNvCxnSpPr>
-          <p:nvPr/>
-        </p:nvCxnSpPr>
-        <p:spPr>
-          <a:xfrm>
-            <a:off x="6782298" y="3722058"/>
-            <a:ext cx="317002" cy="1751642"/>
-          </a:xfrm>
-          <a:prstGeom prst="straightConnector1">
-            <a:avLst/>
-          </a:prstGeom>
-          <a:ln>
-            <a:tailEnd type="triangle"/>
-          </a:ln>
-        </p:spPr>
-        <p:style>
-          <a:lnRef idx="1">
-            <a:schemeClr val="accent4"/>
-          </a:lnRef>
-          <a:fillRef idx="0">
-            <a:schemeClr val="accent4"/>
-          </a:fillRef>
-          <a:effectRef idx="0">
-            <a:schemeClr val="accent4"/>
-          </a:effectRef>
-          <a:fontRef idx="minor">
-            <a:schemeClr val="tx1"/>
-          </a:fontRef>
-        </p:style>
-      </p:cxnSp>
-    </p:spTree>
-    <p:extLst>
-      <p:ext uri="{BB962C8B-B14F-4D97-AF65-F5344CB8AC3E}">
-        <p14:creationId xmlns:p14="http://schemas.microsoft.com/office/powerpoint/2010/main" val="2479916901"/>
-      </p:ext>
-    </p:extLst>
-  </p:cSld>
-  <p:clrMapOvr>
-    <a:masterClrMapping/>
-  </p:clrMapOvr>
-</p:sld>
-</file>
-
 <file path=ppt/slides/slide3.xml><?xml version="1.0" encoding="utf-8"?>
 <p:sld xmlns:a="http://schemas.openxmlformats.org/drawingml/2006/main" xmlns:r="http://schemas.openxmlformats.org/officeDocument/2006/relationships" xmlns:p="http://schemas.openxmlformats.org/presentationml/2006/main">
   <p:cSld>
@@ -15681,7 +16273,7 @@
           <p:cNvPr id="2" name="Title 1">
             <a:extLst>
               <a:ext uri="{FF2B5EF4-FFF2-40B4-BE49-F238E27FC236}">
-                <a16:creationId xmlns:a16="http://schemas.microsoft.com/office/drawing/2014/main" id="{1F4D6129-A062-4306-82BB-EF5C43018106}"/>
+                <a16:creationId xmlns:a16="http://schemas.microsoft.com/office/drawing/2014/main" id="{BC104E05-66F4-4230-AB27-EF37DEC9CC84}"/>
               </a:ext>
             </a:extLst>
           </p:cNvPr>
@@ -15694,8 +16286,8 @@
         </p:nvSpPr>
         <p:spPr>
           <a:xfrm>
-            <a:off x="378941" y="452718"/>
-            <a:ext cx="9992497" cy="1400530"/>
+            <a:off x="677861" y="90768"/>
+            <a:ext cx="9856789" cy="515134"/>
           </a:xfrm>
         </p:spPr>
         <p:txBody>
@@ -15703,62 +16295,141 @@
           <a:lstStyle/>
           <a:p>
             <a:r>
-              <a:rPr lang="en-US" dirty="0"/>
-              <a:t>Finally- A machine learning approach</a:t>
-            </a:r>
-          </a:p>
-        </p:txBody>
-      </p:sp>
-      <p:sp>
-        <p:nvSpPr>
-          <p:cNvPr id="3" name="Content Placeholder 2">
-            <a:extLst>
-              <a:ext uri="{FF2B5EF4-FFF2-40B4-BE49-F238E27FC236}">
-                <a16:creationId xmlns:a16="http://schemas.microsoft.com/office/drawing/2014/main" id="{E32DA1AD-3C55-4606-B0C6-BA526507BCB3}"/>
-              </a:ext>
-            </a:extLst>
-          </p:cNvPr>
-          <p:cNvSpPr>
-            <a:spLocks noGrp="1"/>
-          </p:cNvSpPr>
-          <p:nvPr>
-            <p:ph idx="1"/>
-          </p:nvPr>
-        </p:nvSpPr>
-        <p:spPr/>
-        <p:txBody>
-          <a:bodyPr/>
+              <a:rPr lang="en-US" sz="3200" dirty="0"/>
+              <a:t>Monthly Income by Age Heat Map</a:t>
+            </a:r>
+          </a:p>
+        </p:txBody>
+      </p:sp>
+      <p:pic>
+        <p:nvPicPr>
+          <p:cNvPr id="4" name="Picture 3">
+            <a:extLst>
+              <a:ext uri="{FF2B5EF4-FFF2-40B4-BE49-F238E27FC236}">
+                <a16:creationId xmlns:a16="http://schemas.microsoft.com/office/drawing/2014/main" id="{643B26D7-03EC-4442-B1E3-49337396B55D}"/>
+              </a:ext>
+            </a:extLst>
+          </p:cNvPr>
+          <p:cNvPicPr>
+            <a:picLocks noChangeAspect="1"/>
+          </p:cNvPicPr>
+          <p:nvPr/>
+        </p:nvPicPr>
+        <p:blipFill>
+          <a:blip r:embed="rId2"/>
+          <a:stretch>
+            <a:fillRect/>
+          </a:stretch>
+        </p:blipFill>
+        <p:spPr>
+          <a:xfrm>
+            <a:off x="799947" y="605902"/>
+            <a:ext cx="10592105" cy="6112574"/>
+          </a:xfrm>
+          <a:prstGeom prst="rect">
+            <a:avLst/>
+          </a:prstGeom>
+        </p:spPr>
+      </p:pic>
+      <p:sp>
+        <p:nvSpPr>
+          <p:cNvPr id="14" name="Oval 13">
+            <a:extLst>
+              <a:ext uri="{FF2B5EF4-FFF2-40B4-BE49-F238E27FC236}">
+                <a16:creationId xmlns:a16="http://schemas.microsoft.com/office/drawing/2014/main" id="{B59AB5E1-8086-4D08-B3ED-8235A7DB931F}"/>
+              </a:ext>
+            </a:extLst>
+          </p:cNvPr>
+          <p:cNvSpPr/>
+          <p:nvPr/>
+        </p:nvSpPr>
+        <p:spPr>
+          <a:xfrm>
+            <a:off x="6096000" y="2743200"/>
+            <a:ext cx="1372595" cy="978858"/>
+          </a:xfrm>
+          <a:prstGeom prst="ellipse">
+            <a:avLst/>
+          </a:prstGeom>
+        </p:spPr>
+        <p:style>
+          <a:lnRef idx="2">
+            <a:schemeClr val="accent4">
+              <a:shade val="50000"/>
+            </a:schemeClr>
+          </a:lnRef>
+          <a:fillRef idx="1">
+            <a:schemeClr val="accent4"/>
+          </a:fillRef>
+          <a:effectRef idx="0">
+            <a:schemeClr val="accent4"/>
+          </a:effectRef>
+          <a:fontRef idx="minor">
+            <a:schemeClr val="lt1"/>
+          </a:fontRef>
+        </p:style>
+        <p:txBody>
+          <a:bodyPr rtlCol="0" anchor="ctr"/>
           <a:lstStyle/>
           <a:p>
-            <a:r>
-              <a:rPr lang="en-US" dirty="0"/>
-              <a:t>The output- Attrition is a great “label” for machine learning</a:t>
-            </a:r>
-          </a:p>
-          <a:p>
-            <a:r>
-              <a:rPr lang="en-US" dirty="0"/>
-              <a:t>For a more useful measure, probabilities of the labels are output</a:t>
-            </a:r>
-          </a:p>
-          <a:p>
-            <a:r>
-              <a:rPr lang="en-US" dirty="0"/>
-              <a:t>This model found similar results to the above, with a few changes.</a:t>
-            </a:r>
-          </a:p>
-          <a:p>
-            <a:r>
-              <a:rPr lang="en-US" dirty="0"/>
-              <a:t>The end (legal) model can predict attrition with ~84% accuracy</a:t>
-            </a:r>
-          </a:p>
-        </p:txBody>
-      </p:sp>
+            <a:pPr algn="ctr"/>
+            <a:r>
+              <a:rPr lang="en-US" sz="900" dirty="0">
+                <a:solidFill>
+                  <a:schemeClr val="tx1"/>
+                </a:solidFill>
+              </a:rPr>
+              <a:t>Most people leave ~30 years old making ~2,500/month</a:t>
+            </a:r>
+          </a:p>
+        </p:txBody>
+      </p:sp>
+      <p:cxnSp>
+        <p:nvCxnSpPr>
+          <p:cNvPr id="15" name="Straight Arrow Connector 14">
+            <a:extLst>
+              <a:ext uri="{FF2B5EF4-FFF2-40B4-BE49-F238E27FC236}">
+                <a16:creationId xmlns:a16="http://schemas.microsoft.com/office/drawing/2014/main" id="{3DF4803E-53F2-4D4B-9AD4-24AA2ABCA93E}"/>
+              </a:ext>
+            </a:extLst>
+          </p:cNvPr>
+          <p:cNvCxnSpPr>
+            <a:cxnSpLocks/>
+            <a:stCxn id="14" idx="4"/>
+          </p:cNvCxnSpPr>
+          <p:nvPr/>
+        </p:nvCxnSpPr>
+        <p:spPr>
+          <a:xfrm>
+            <a:off x="6782298" y="3722058"/>
+            <a:ext cx="317002" cy="1751642"/>
+          </a:xfrm>
+          <a:prstGeom prst="straightConnector1">
+            <a:avLst/>
+          </a:prstGeom>
+          <a:ln>
+            <a:tailEnd type="triangle"/>
+          </a:ln>
+        </p:spPr>
+        <p:style>
+          <a:lnRef idx="1">
+            <a:schemeClr val="accent4"/>
+          </a:lnRef>
+          <a:fillRef idx="0">
+            <a:schemeClr val="accent4"/>
+          </a:fillRef>
+          <a:effectRef idx="0">
+            <a:schemeClr val="accent4"/>
+          </a:effectRef>
+          <a:fontRef idx="minor">
+            <a:schemeClr val="tx1"/>
+          </a:fontRef>
+        </p:style>
+      </p:cxnSp>
     </p:spTree>
     <p:extLst>
       <p:ext uri="{BB962C8B-B14F-4D97-AF65-F5344CB8AC3E}">
-        <p14:creationId xmlns:p14="http://schemas.microsoft.com/office/powerpoint/2010/main" val="622335340"/>
+        <p14:creationId xmlns:p14="http://schemas.microsoft.com/office/powerpoint/2010/main" val="2479916901"/>
       </p:ext>
     </p:extLst>
   </p:cSld>
@@ -15785,42 +16456,12 @@
           <a:chExt cx="0" cy="0"/>
         </a:xfrm>
       </p:grpSpPr>
-      <p:pic>
-        <p:nvPicPr>
-          <p:cNvPr id="5" name="Picture 4">
-            <a:extLst>
-              <a:ext uri="{FF2B5EF4-FFF2-40B4-BE49-F238E27FC236}">
-                <a16:creationId xmlns:a16="http://schemas.microsoft.com/office/drawing/2014/main" id="{E5AF578D-A555-4CD1-8F0A-57ED2523A778}"/>
-              </a:ext>
-            </a:extLst>
-          </p:cNvPr>
-          <p:cNvPicPr>
-            <a:picLocks noChangeAspect="1"/>
-          </p:cNvPicPr>
-          <p:nvPr/>
-        </p:nvPicPr>
-        <p:blipFill>
-          <a:blip r:embed="rId2"/>
-          <a:stretch>
-            <a:fillRect/>
-          </a:stretch>
-        </p:blipFill>
-        <p:spPr>
-          <a:xfrm>
-            <a:off x="5576582" y="1711264"/>
-            <a:ext cx="6281716" cy="4486940"/>
-          </a:xfrm>
-          <a:prstGeom prst="rect">
-            <a:avLst/>
-          </a:prstGeom>
-        </p:spPr>
-      </p:pic>
       <p:sp>
         <p:nvSpPr>
           <p:cNvPr id="2" name="Title 1">
             <a:extLst>
               <a:ext uri="{FF2B5EF4-FFF2-40B4-BE49-F238E27FC236}">
-                <a16:creationId xmlns:a16="http://schemas.microsoft.com/office/drawing/2014/main" id="{828FE1B7-8A2B-4559-9665-3E60BA2C3F60}"/>
+                <a16:creationId xmlns:a16="http://schemas.microsoft.com/office/drawing/2014/main" id="{1F4D6129-A062-4306-82BB-EF5C43018106}"/>
               </a:ext>
             </a:extLst>
           </p:cNvPr>
@@ -15831,14 +16472,19 @@
             <p:ph type="title"/>
           </p:nvPr>
         </p:nvSpPr>
-        <p:spPr/>
+        <p:spPr>
+          <a:xfrm>
+            <a:off x="378941" y="452718"/>
+            <a:ext cx="9992497" cy="1400530"/>
+          </a:xfrm>
+        </p:spPr>
         <p:txBody>
           <a:bodyPr/>
           <a:lstStyle/>
           <a:p>
             <a:r>
               <a:rPr lang="en-US" dirty="0"/>
-              <a:t>Initial Model</a:t>
+              <a:t>Finally- A machine learning approach</a:t>
             </a:r>
           </a:p>
         </p:txBody>
@@ -15848,7 +16494,7 @@
           <p:cNvPr id="3" name="Content Placeholder 2">
             <a:extLst>
               <a:ext uri="{FF2B5EF4-FFF2-40B4-BE49-F238E27FC236}">
-                <a16:creationId xmlns:a16="http://schemas.microsoft.com/office/drawing/2014/main" id="{52346CD9-A538-435E-BA37-DFAFBAADAF29}"/>
+                <a16:creationId xmlns:a16="http://schemas.microsoft.com/office/drawing/2014/main" id="{E32DA1AD-3C55-4606-B0C6-BA526507BCB3}"/>
               </a:ext>
             </a:extLst>
           </p:cNvPr>
@@ -15859,31 +16505,32 @@
             <p:ph idx="1"/>
           </p:nvPr>
         </p:nvSpPr>
-        <p:spPr>
-          <a:xfrm>
-            <a:off x="333703" y="2002723"/>
-            <a:ext cx="5242880" cy="4195481"/>
-          </a:xfrm>
-        </p:spPr>
+        <p:spPr/>
         <p:txBody>
           <a:bodyPr/>
           <a:lstStyle/>
           <a:p>
             <a:r>
               <a:rPr lang="en-US" dirty="0"/>
-              <a:t>Accuracy hovered around ~84.5%</a:t>
+              <a:t>The output- Attrition is a great “label” for machine learning</a:t>
             </a:r>
           </a:p>
           <a:p>
             <a:r>
               <a:rPr lang="en-US" dirty="0"/>
-              <a:t>All factors are considered up front</a:t>
+              <a:t>For a more useful measure, probabilities of the labels are output</a:t>
             </a:r>
           </a:p>
           <a:p>
             <a:r>
               <a:rPr lang="en-US" dirty="0"/>
-              <a:t>No significant “learning curve”</a:t>
+              <a:t>This model found similar results to the above, with a few changes.</a:t>
+            </a:r>
+          </a:p>
+          <a:p>
+            <a:r>
+              <a:rPr lang="en-US" dirty="0"/>
+              <a:t>The end (legal) model can predict attrition with ~84% accuracy</a:t>
             </a:r>
           </a:p>
         </p:txBody>
@@ -15891,7 +16538,7 @@
     </p:spTree>
     <p:extLst>
       <p:ext uri="{BB962C8B-B14F-4D97-AF65-F5344CB8AC3E}">
-        <p14:creationId xmlns:p14="http://schemas.microsoft.com/office/powerpoint/2010/main" val="769008155"/>
+        <p14:creationId xmlns:p14="http://schemas.microsoft.com/office/powerpoint/2010/main" val="622335340"/>
       </p:ext>
     </p:extLst>
   </p:cSld>
@@ -15918,148 +16565,113 @@
           <a:chExt cx="0" cy="0"/>
         </a:xfrm>
       </p:grpSpPr>
-      <p:sp>
-        <p:nvSpPr>
-          <p:cNvPr id="2" name="Title 1">
-            <a:extLst>
-              <a:ext uri="{FF2B5EF4-FFF2-40B4-BE49-F238E27FC236}">
-                <a16:creationId xmlns:a16="http://schemas.microsoft.com/office/drawing/2014/main" id="{828FE1B7-8A2B-4559-9665-3E60BA2C3F60}"/>
-              </a:ext>
-            </a:extLst>
-          </p:cNvPr>
-          <p:cNvSpPr>
-            <a:spLocks noGrp="1"/>
-          </p:cNvSpPr>
-          <p:nvPr>
-            <p:ph type="title"/>
-          </p:nvPr>
-        </p:nvSpPr>
-        <p:spPr/>
-        <p:txBody>
-          <a:bodyPr/>
-          <a:lstStyle/>
-          <a:p>
-            <a:r>
-              <a:rPr lang="en-US" dirty="0"/>
-              <a:t>Initial Model – Significant Features</a:t>
-            </a:r>
-          </a:p>
-        </p:txBody>
-      </p:sp>
-      <p:sp>
-        <p:nvSpPr>
-          <p:cNvPr id="3" name="Content Placeholder 2">
-            <a:extLst>
-              <a:ext uri="{FF2B5EF4-FFF2-40B4-BE49-F238E27FC236}">
-                <a16:creationId xmlns:a16="http://schemas.microsoft.com/office/drawing/2014/main" id="{52346CD9-A538-435E-BA37-DFAFBAADAF29}"/>
-              </a:ext>
-            </a:extLst>
-          </p:cNvPr>
-          <p:cNvSpPr>
-            <a:spLocks noGrp="1"/>
-          </p:cNvSpPr>
-          <p:nvPr>
-            <p:ph idx="1"/>
-          </p:nvPr>
-        </p:nvSpPr>
-        <p:spPr>
-          <a:xfrm>
-            <a:off x="333703" y="2002723"/>
-            <a:ext cx="5242880" cy="4195481"/>
-          </a:xfrm>
-        </p:spPr>
-        <p:txBody>
-          <a:bodyPr/>
-          <a:lstStyle/>
-          <a:p>
-            <a:r>
-              <a:rPr lang="en-US" dirty="0" err="1"/>
-              <a:t>Information.gain</a:t>
-            </a:r>
-            <a:r>
-              <a:rPr lang="en-US" dirty="0"/>
-              <a:t> measures the ability of a variable to be used to make a decision on data…</a:t>
-            </a:r>
-          </a:p>
-          <a:p>
-            <a:r>
-              <a:rPr lang="en-US" dirty="0"/>
-              <a:t>Used to build decision trees, but gives us a decent measure of what is important</a:t>
-            </a:r>
-          </a:p>
-          <a:p>
-            <a:r>
-              <a:rPr lang="en-US" dirty="0"/>
-              <a:t>Overtime, Job Role, Job Level top 3 indicators</a:t>
-            </a:r>
-          </a:p>
-          <a:p>
-            <a:r>
-              <a:rPr lang="en-US" dirty="0"/>
-              <a:t>Chi-squared reinforces the </a:t>
-            </a:r>
-            <a:r>
-              <a:rPr lang="en-US" dirty="0" err="1"/>
-              <a:t>information.gain</a:t>
-            </a:r>
-            <a:r>
-              <a:rPr lang="en-US" dirty="0"/>
-              <a:t> measure</a:t>
-            </a:r>
-          </a:p>
-        </p:txBody>
-      </p:sp>
       <p:pic>
         <p:nvPicPr>
-          <p:cNvPr id="1026" name="Picture 2">
-            <a:extLst>
-              <a:ext uri="{FF2B5EF4-FFF2-40B4-BE49-F238E27FC236}">
-                <a16:creationId xmlns:a16="http://schemas.microsoft.com/office/drawing/2014/main" id="{01B9B78B-5377-4152-8B33-6F95D81ADAEA}"/>
+          <p:cNvPr id="5" name="Picture 4">
+            <a:extLst>
+              <a:ext uri="{FF2B5EF4-FFF2-40B4-BE49-F238E27FC236}">
+                <a16:creationId xmlns:a16="http://schemas.microsoft.com/office/drawing/2014/main" id="{E5AF578D-A555-4CD1-8F0A-57ED2523A778}"/>
               </a:ext>
             </a:extLst>
           </p:cNvPr>
           <p:cNvPicPr>
-            <a:picLocks noChangeAspect="1" noChangeArrowheads="1"/>
+            <a:picLocks noChangeAspect="1"/>
           </p:cNvPicPr>
           <p:nvPr/>
         </p:nvPicPr>
         <p:blipFill>
-          <a:blip r:embed="rId2">
-            <a:extLst>
-              <a:ext uri="{28A0092B-C50C-407E-A947-70E740481C1C}">
-                <a14:useLocalDpi xmlns:a14="http://schemas.microsoft.com/office/drawing/2010/main" val="0"/>
-              </a:ext>
-            </a:extLst>
-          </a:blip>
-          <a:srcRect/>
+          <a:blip r:embed="rId2"/>
           <a:stretch>
             <a:fillRect/>
           </a:stretch>
         </p:blipFill>
-        <p:spPr bwMode="auto">
-          <a:xfrm>
-            <a:off x="5647678" y="1152983"/>
-            <a:ext cx="6400800" cy="4572000"/>
+        <p:spPr>
+          <a:xfrm>
+            <a:off x="5576582" y="1711264"/>
+            <a:ext cx="6281716" cy="4486940"/>
           </a:xfrm>
           <a:prstGeom prst="rect">
             <a:avLst/>
           </a:prstGeom>
-          <a:noFill/>
-          <a:extLst>
-            <a:ext uri="{909E8E84-426E-40DD-AFC4-6F175D3DCCD1}">
-              <a14:hiddenFill xmlns:a14="http://schemas.microsoft.com/office/drawing/2010/main">
-                <a:solidFill>
-                  <a:srgbClr val="FFFFFF"/>
-                </a:solidFill>
-              </a14:hiddenFill>
-            </a:ext>
-          </a:extLst>
         </p:spPr>
       </p:pic>
+      <p:sp>
+        <p:nvSpPr>
+          <p:cNvPr id="2" name="Title 1">
+            <a:extLst>
+              <a:ext uri="{FF2B5EF4-FFF2-40B4-BE49-F238E27FC236}">
+                <a16:creationId xmlns:a16="http://schemas.microsoft.com/office/drawing/2014/main" id="{828FE1B7-8A2B-4559-9665-3E60BA2C3F60}"/>
+              </a:ext>
+            </a:extLst>
+          </p:cNvPr>
+          <p:cNvSpPr>
+            <a:spLocks noGrp="1"/>
+          </p:cNvSpPr>
+          <p:nvPr>
+            <p:ph type="title"/>
+          </p:nvPr>
+        </p:nvSpPr>
+        <p:spPr/>
+        <p:txBody>
+          <a:bodyPr/>
+          <a:lstStyle/>
+          <a:p>
+            <a:r>
+              <a:rPr lang="en-US" dirty="0"/>
+              <a:t>Initial Model</a:t>
+            </a:r>
+          </a:p>
+        </p:txBody>
+      </p:sp>
+      <p:sp>
+        <p:nvSpPr>
+          <p:cNvPr id="3" name="Content Placeholder 2">
+            <a:extLst>
+              <a:ext uri="{FF2B5EF4-FFF2-40B4-BE49-F238E27FC236}">
+                <a16:creationId xmlns:a16="http://schemas.microsoft.com/office/drawing/2014/main" id="{52346CD9-A538-435E-BA37-DFAFBAADAF29}"/>
+              </a:ext>
+            </a:extLst>
+          </p:cNvPr>
+          <p:cNvSpPr>
+            <a:spLocks noGrp="1"/>
+          </p:cNvSpPr>
+          <p:nvPr>
+            <p:ph idx="1"/>
+          </p:nvPr>
+        </p:nvSpPr>
+        <p:spPr>
+          <a:xfrm>
+            <a:off x="333703" y="2002723"/>
+            <a:ext cx="5242880" cy="4195481"/>
+          </a:xfrm>
+        </p:spPr>
+        <p:txBody>
+          <a:bodyPr/>
+          <a:lstStyle/>
+          <a:p>
+            <a:r>
+              <a:rPr lang="en-US" dirty="0"/>
+              <a:t>Accuracy hovered around ~84.5%</a:t>
+            </a:r>
+          </a:p>
+          <a:p>
+            <a:r>
+              <a:rPr lang="en-US" dirty="0"/>
+              <a:t>All factors are considered up front</a:t>
+            </a:r>
+          </a:p>
+          <a:p>
+            <a:r>
+              <a:rPr lang="en-US" dirty="0"/>
+              <a:t>No significant “learning curve”</a:t>
+            </a:r>
+          </a:p>
+        </p:txBody>
+      </p:sp>
     </p:spTree>
     <p:extLst>
       <p:ext uri="{BB962C8B-B14F-4D97-AF65-F5344CB8AC3E}">
-        <p14:creationId xmlns:p14="http://schemas.microsoft.com/office/powerpoint/2010/main" val="1029623956"/>
+        <p14:creationId xmlns:p14="http://schemas.microsoft.com/office/powerpoint/2010/main" val="769008155"/>
       </p:ext>
     </p:extLst>
   </p:cSld>
@@ -16109,7 +16721,7 @@
           <a:p>
             <a:r>
               <a:rPr lang="en-US" dirty="0"/>
-              <a:t>Reduced Model</a:t>
+              <a:t>Initial Model – Significant Features</a:t>
             </a:r>
           </a:p>
         </p:txBody>
@@ -16141,43 +16753,48 @@
           <a:lstStyle/>
           <a:p>
             <a:r>
+              <a:rPr lang="en-US" dirty="0" err="1"/>
+              <a:t>Information.gain</a:t>
+            </a:r>
+            <a:r>
               <a:rPr lang="en-US" dirty="0"/>
-              <a:t>Illegal discriminators removed</a:t>
-            </a:r>
-          </a:p>
-          <a:p>
-            <a:pPr lvl="1"/>
+              <a:t> measures the ability of a variable to be used to make a decision on data…</a:t>
+            </a:r>
+          </a:p>
+          <a:p>
             <a:r>
               <a:rPr lang="en-US" dirty="0"/>
-              <a:t>Gender, Age, Marital Status</a:t>
+              <a:t>Used to build decision trees, but gives us a decent measure of what is important</a:t>
             </a:r>
           </a:p>
           <a:p>
             <a:r>
               <a:rPr lang="en-US" dirty="0"/>
-              <a:t>Accuracy hovered around ~82%</a:t>
+              <a:t>Overtime, Job Role, Job Level top 3 indicators</a:t>
             </a:r>
           </a:p>
           <a:p>
             <a:r>
               <a:rPr lang="en-US" dirty="0"/>
-              <a:t>Fewer factors means lower accuracy</a:t>
-            </a:r>
-          </a:p>
-          <a:p>
+              <a:t>Chi-squared reinforces the </a:t>
+            </a:r>
+            <a:r>
+              <a:rPr lang="en-US" dirty="0" err="1"/>
+              <a:t>information.gain</a:t>
+            </a:r>
             <a:r>
               <a:rPr lang="en-US" dirty="0"/>
-              <a:t>However, no lawsuits!</a:t>
+              <a:t> measure</a:t>
             </a:r>
           </a:p>
         </p:txBody>
       </p:sp>
       <p:pic>
         <p:nvPicPr>
-          <p:cNvPr id="2050" name="Picture 2">
-            <a:extLst>
-              <a:ext uri="{FF2B5EF4-FFF2-40B4-BE49-F238E27FC236}">
-                <a16:creationId xmlns:a16="http://schemas.microsoft.com/office/drawing/2014/main" id="{45C8D068-0C83-4BD5-98E8-117E40F97C7F}"/>
+          <p:cNvPr id="1026" name="Picture 2">
+            <a:extLst>
+              <a:ext uri="{FF2B5EF4-FFF2-40B4-BE49-F238E27FC236}">
+                <a16:creationId xmlns:a16="http://schemas.microsoft.com/office/drawing/2014/main" id="{01B9B78B-5377-4152-8B33-6F95D81ADAEA}"/>
               </a:ext>
             </a:extLst>
           </p:cNvPr>
@@ -16201,7 +16818,7 @@
         </p:blipFill>
         <p:spPr bwMode="auto">
           <a:xfrm>
-            <a:off x="5739340" y="1143000"/>
+            <a:off x="5647678" y="1152983"/>
             <a:ext cx="6400800" cy="4572000"/>
           </a:xfrm>
           <a:prstGeom prst="rect">
@@ -16222,7 +16839,7 @@
     </p:spTree>
     <p:extLst>
       <p:ext uri="{BB962C8B-B14F-4D97-AF65-F5344CB8AC3E}">
-        <p14:creationId xmlns:p14="http://schemas.microsoft.com/office/powerpoint/2010/main" val="1059364484"/>
+        <p14:creationId xmlns:p14="http://schemas.microsoft.com/office/powerpoint/2010/main" val="1029623956"/>
       </p:ext>
     </p:extLst>
   </p:cSld>
@@ -16265,19 +16882,14 @@
             <p:ph type="title"/>
           </p:nvPr>
         </p:nvSpPr>
-        <p:spPr>
-          <a:xfrm>
-            <a:off x="561439" y="230776"/>
-            <a:ext cx="10030288" cy="1400530"/>
-          </a:xfrm>
-        </p:spPr>
+        <p:spPr/>
         <p:txBody>
           <a:bodyPr/>
           <a:lstStyle/>
           <a:p>
             <a:r>
               <a:rPr lang="en-US" dirty="0"/>
-              <a:t>Reduced Model – Significant Features</a:t>
+              <a:t>Reduced Model</a:t>
             </a:r>
           </a:p>
         </p:txBody>
@@ -16310,23 +16922,42 @@
           <a:p>
             <a:r>
               <a:rPr lang="en-US" dirty="0"/>
-              <a:t>Overtime, Job Role, Job Level Top 3</a:t>
-            </a:r>
-          </a:p>
-          <a:p>
-            <a:pPr marL="0" indent="0">
-              <a:buNone/>
-            </a:pPr>
-            <a:endParaRPr lang="en-US" dirty="0"/>
+              <a:t>Illegal discriminators removed</a:t>
+            </a:r>
+          </a:p>
+          <a:p>
+            <a:pPr lvl="1"/>
+            <a:r>
+              <a:rPr lang="en-US" dirty="0"/>
+              <a:t>Gender, Age, Marital Status</a:t>
+            </a:r>
+          </a:p>
+          <a:p>
+            <a:r>
+              <a:rPr lang="en-US" dirty="0"/>
+              <a:t>Accuracy hovered around ~82%</a:t>
+            </a:r>
+          </a:p>
+          <a:p>
+            <a:r>
+              <a:rPr lang="en-US" dirty="0"/>
+              <a:t>Fewer factors means lower accuracy</a:t>
+            </a:r>
+          </a:p>
+          <a:p>
+            <a:r>
+              <a:rPr lang="en-US" dirty="0"/>
+              <a:t>However, no lawsuits!</a:t>
+            </a:r>
           </a:p>
         </p:txBody>
       </p:sp>
       <p:pic>
         <p:nvPicPr>
-          <p:cNvPr id="1026" name="Picture 2">
-            <a:extLst>
-              <a:ext uri="{FF2B5EF4-FFF2-40B4-BE49-F238E27FC236}">
-                <a16:creationId xmlns:a16="http://schemas.microsoft.com/office/drawing/2014/main" id="{01B9B78B-5377-4152-8B33-6F95D81ADAEA}"/>
+          <p:cNvPr id="2050" name="Picture 2">
+            <a:extLst>
+              <a:ext uri="{FF2B5EF4-FFF2-40B4-BE49-F238E27FC236}">
+                <a16:creationId xmlns:a16="http://schemas.microsoft.com/office/drawing/2014/main" id="{45C8D068-0C83-4BD5-98E8-117E40F97C7F}"/>
               </a:ext>
             </a:extLst>
           </p:cNvPr>
@@ -16350,7 +16981,7 @@
         </p:blipFill>
         <p:spPr bwMode="auto">
           <a:xfrm>
-            <a:off x="5647678" y="1152983"/>
+            <a:off x="5739340" y="1143000"/>
             <a:ext cx="6400800" cy="4572000"/>
           </a:xfrm>
           <a:prstGeom prst="rect">
@@ -16371,7 +17002,7 @@
     </p:spTree>
     <p:extLst>
       <p:ext uri="{BB962C8B-B14F-4D97-AF65-F5344CB8AC3E}">
-        <p14:creationId xmlns:p14="http://schemas.microsoft.com/office/powerpoint/2010/main" val="1718878852"/>
+        <p14:creationId xmlns:p14="http://schemas.microsoft.com/office/powerpoint/2010/main" val="1059364484"/>
       </p:ext>
     </p:extLst>
   </p:cSld>
@@ -16403,7 +17034,7 @@
           <p:cNvPr id="2" name="Title 1">
             <a:extLst>
               <a:ext uri="{FF2B5EF4-FFF2-40B4-BE49-F238E27FC236}">
-                <a16:creationId xmlns:a16="http://schemas.microsoft.com/office/drawing/2014/main" id="{7CF40EF8-74CE-4DC5-86EF-C46C083D7AC3}"/>
+                <a16:creationId xmlns:a16="http://schemas.microsoft.com/office/drawing/2014/main" id="{828FE1B7-8A2B-4559-9665-3E60BA2C3F60}"/>
               </a:ext>
             </a:extLst>
           </p:cNvPr>
@@ -16414,14 +17045,19 @@
             <p:ph type="title"/>
           </p:nvPr>
         </p:nvSpPr>
-        <p:spPr/>
+        <p:spPr>
+          <a:xfrm>
+            <a:off x="561439" y="230776"/>
+            <a:ext cx="10030288" cy="1400530"/>
+          </a:xfrm>
+        </p:spPr>
         <p:txBody>
           <a:bodyPr/>
           <a:lstStyle/>
           <a:p>
             <a:r>
               <a:rPr lang="en-US" dirty="0"/>
-              <a:t>Why does it matter?</a:t>
+              <a:t>Reduced Model – Significant Features</a:t>
             </a:r>
           </a:p>
         </p:txBody>
@@ -16431,7 +17067,7 @@
           <p:cNvPr id="3" name="Content Placeholder 2">
             <a:extLst>
               <a:ext uri="{FF2B5EF4-FFF2-40B4-BE49-F238E27FC236}">
-                <a16:creationId xmlns:a16="http://schemas.microsoft.com/office/drawing/2014/main" id="{21BBDF00-CD61-4D76-A6C8-84AE11A71EB0}"/>
+                <a16:creationId xmlns:a16="http://schemas.microsoft.com/office/drawing/2014/main" id="{52346CD9-A538-435E-BA37-DFAFBAADAF29}"/>
               </a:ext>
             </a:extLst>
           </p:cNvPr>
@@ -16442,40 +17078,80 @@
             <p:ph idx="1"/>
           </p:nvPr>
         </p:nvSpPr>
-        <p:spPr/>
+        <p:spPr>
+          <a:xfrm>
+            <a:off x="333703" y="2002723"/>
+            <a:ext cx="5242880" cy="4195481"/>
+          </a:xfrm>
+        </p:spPr>
         <p:txBody>
           <a:bodyPr/>
           <a:lstStyle/>
           <a:p>
             <a:r>
               <a:rPr lang="en-US" dirty="0"/>
-              <a:t>Applicants and current employees can be screened before action!</a:t>
-            </a:r>
-          </a:p>
-          <a:p>
-            <a:r>
-              <a:rPr lang="en-US" dirty="0"/>
-              <a:t>Would you promote an employee you determined is likely to quit?</a:t>
-            </a:r>
-          </a:p>
-          <a:p>
-            <a:r>
-              <a:rPr lang="en-US" dirty="0"/>
-              <a:t>Would you hire an employee that is not likely to stay?</a:t>
-            </a:r>
-          </a:p>
-          <a:p>
-            <a:r>
-              <a:rPr lang="en-US" dirty="0"/>
-              <a:t>We can model retention rate, given questions!</a:t>
-            </a:r>
-          </a:p>
-        </p:txBody>
-      </p:sp>
+              <a:t>Overtime, Job Role, Job Level Top 3</a:t>
+            </a:r>
+          </a:p>
+          <a:p>
+            <a:pPr marL="0" indent="0">
+              <a:buNone/>
+            </a:pPr>
+            <a:endParaRPr lang="en-US" dirty="0"/>
+          </a:p>
+        </p:txBody>
+      </p:sp>
+      <p:pic>
+        <p:nvPicPr>
+          <p:cNvPr id="1026" name="Picture 2">
+            <a:extLst>
+              <a:ext uri="{FF2B5EF4-FFF2-40B4-BE49-F238E27FC236}">
+                <a16:creationId xmlns:a16="http://schemas.microsoft.com/office/drawing/2014/main" id="{01B9B78B-5377-4152-8B33-6F95D81ADAEA}"/>
+              </a:ext>
+            </a:extLst>
+          </p:cNvPr>
+          <p:cNvPicPr>
+            <a:picLocks noChangeAspect="1" noChangeArrowheads="1"/>
+          </p:cNvPicPr>
+          <p:nvPr/>
+        </p:nvPicPr>
+        <p:blipFill>
+          <a:blip r:embed="rId2">
+            <a:extLst>
+              <a:ext uri="{28A0092B-C50C-407E-A947-70E740481C1C}">
+                <a14:useLocalDpi xmlns:a14="http://schemas.microsoft.com/office/drawing/2010/main" val="0"/>
+              </a:ext>
+            </a:extLst>
+          </a:blip>
+          <a:srcRect/>
+          <a:stretch>
+            <a:fillRect/>
+          </a:stretch>
+        </p:blipFill>
+        <p:spPr bwMode="auto">
+          <a:xfrm>
+            <a:off x="5647678" y="1152983"/>
+            <a:ext cx="6400800" cy="4572000"/>
+          </a:xfrm>
+          <a:prstGeom prst="rect">
+            <a:avLst/>
+          </a:prstGeom>
+          <a:noFill/>
+          <a:extLst>
+            <a:ext uri="{909E8E84-426E-40DD-AFC4-6F175D3DCCD1}">
+              <a14:hiddenFill xmlns:a14="http://schemas.microsoft.com/office/drawing/2010/main">
+                <a:solidFill>
+                  <a:srgbClr val="FFFFFF"/>
+                </a:solidFill>
+              </a14:hiddenFill>
+            </a:ext>
+          </a:extLst>
+        </p:spPr>
+      </p:pic>
     </p:spTree>
     <p:extLst>
       <p:ext uri="{BB962C8B-B14F-4D97-AF65-F5344CB8AC3E}">
-        <p14:creationId xmlns:p14="http://schemas.microsoft.com/office/powerpoint/2010/main" val="553990375"/>
+        <p14:creationId xmlns:p14="http://schemas.microsoft.com/office/powerpoint/2010/main" val="1718878852"/>
       </p:ext>
     </p:extLst>
   </p:cSld>
@@ -16507,6 +17183,110 @@
           <p:cNvPr id="2" name="Title 1">
             <a:extLst>
               <a:ext uri="{FF2B5EF4-FFF2-40B4-BE49-F238E27FC236}">
+                <a16:creationId xmlns:a16="http://schemas.microsoft.com/office/drawing/2014/main" id="{7CF40EF8-74CE-4DC5-86EF-C46C083D7AC3}"/>
+              </a:ext>
+            </a:extLst>
+          </p:cNvPr>
+          <p:cNvSpPr>
+            <a:spLocks noGrp="1"/>
+          </p:cNvSpPr>
+          <p:nvPr>
+            <p:ph type="title"/>
+          </p:nvPr>
+        </p:nvSpPr>
+        <p:spPr/>
+        <p:txBody>
+          <a:bodyPr/>
+          <a:lstStyle/>
+          <a:p>
+            <a:r>
+              <a:rPr lang="en-US" dirty="0"/>
+              <a:t>Why does it matter?</a:t>
+            </a:r>
+          </a:p>
+        </p:txBody>
+      </p:sp>
+      <p:sp>
+        <p:nvSpPr>
+          <p:cNvPr id="3" name="Content Placeholder 2">
+            <a:extLst>
+              <a:ext uri="{FF2B5EF4-FFF2-40B4-BE49-F238E27FC236}">
+                <a16:creationId xmlns:a16="http://schemas.microsoft.com/office/drawing/2014/main" id="{21BBDF00-CD61-4D76-A6C8-84AE11A71EB0}"/>
+              </a:ext>
+            </a:extLst>
+          </p:cNvPr>
+          <p:cNvSpPr>
+            <a:spLocks noGrp="1"/>
+          </p:cNvSpPr>
+          <p:nvPr>
+            <p:ph idx="1"/>
+          </p:nvPr>
+        </p:nvSpPr>
+        <p:spPr/>
+        <p:txBody>
+          <a:bodyPr/>
+          <a:lstStyle/>
+          <a:p>
+            <a:r>
+              <a:rPr lang="en-US" dirty="0"/>
+              <a:t>Applicants and current employees can be screened before action!</a:t>
+            </a:r>
+          </a:p>
+          <a:p>
+            <a:r>
+              <a:rPr lang="en-US" dirty="0"/>
+              <a:t>Would you promote an employee you determined is likely to quit?</a:t>
+            </a:r>
+          </a:p>
+          <a:p>
+            <a:r>
+              <a:rPr lang="en-US" dirty="0"/>
+              <a:t>Would you hire an employee that is not likely to stay?</a:t>
+            </a:r>
+          </a:p>
+          <a:p>
+            <a:r>
+              <a:rPr lang="en-US" dirty="0"/>
+              <a:t>We can model retention rate, given questions!</a:t>
+            </a:r>
+          </a:p>
+        </p:txBody>
+      </p:sp>
+    </p:spTree>
+    <p:extLst>
+      <p:ext uri="{BB962C8B-B14F-4D97-AF65-F5344CB8AC3E}">
+        <p14:creationId xmlns:p14="http://schemas.microsoft.com/office/powerpoint/2010/main" val="553990375"/>
+      </p:ext>
+    </p:extLst>
+  </p:cSld>
+  <p:clrMapOvr>
+    <a:masterClrMapping/>
+  </p:clrMapOvr>
+</p:sld>
+</file>
+
+<file path=ppt/slides/slide37.xml><?xml version="1.0" encoding="utf-8"?>
+<p:sld xmlns:a="http://schemas.openxmlformats.org/drawingml/2006/main" xmlns:r="http://schemas.openxmlformats.org/officeDocument/2006/relationships" xmlns:p="http://schemas.openxmlformats.org/presentationml/2006/main">
+  <p:cSld>
+    <p:spTree>
+      <p:nvGrpSpPr>
+        <p:cNvPr id="1" name=""/>
+        <p:cNvGrpSpPr/>
+        <p:nvPr/>
+      </p:nvGrpSpPr>
+      <p:grpSpPr>
+        <a:xfrm>
+          <a:off x="0" y="0"/>
+          <a:ext cx="0" cy="0"/>
+          <a:chOff x="0" y="0"/>
+          <a:chExt cx="0" cy="0"/>
+        </a:xfrm>
+      </p:grpSpPr>
+      <p:sp>
+        <p:nvSpPr>
+          <p:cNvPr id="2" name="Title 1">
+            <a:extLst>
+              <a:ext uri="{FF2B5EF4-FFF2-40B4-BE49-F238E27FC236}">
                 <a16:creationId xmlns:a16="http://schemas.microsoft.com/office/drawing/2014/main" id="{F605ED45-8F46-419F-9A5B-4DCD53D5B9E3}"/>
               </a:ext>
             </a:extLst>
@@ -16631,7 +17411,7 @@
 </p:sld>
 </file>
 
-<file path=ppt/slides/slide37.xml><?xml version="1.0" encoding="utf-8"?>
+<file path=ppt/slides/slide38.xml><?xml version="1.0" encoding="utf-8"?>
 <p:sld xmlns:a="http://schemas.openxmlformats.org/drawingml/2006/main" xmlns:r="http://schemas.openxmlformats.org/officeDocument/2006/relationships" xmlns:p="http://schemas.openxmlformats.org/presentationml/2006/main">
   <p:cSld>
     <p:spTree>

--- a/case_study_02_presentation.pptx
+++ b/case_study_02_presentation.pptx
@@ -43,9 +43,10 @@
     <p:sldId id="305" r:id="rId37"/>
     <p:sldId id="306" r:id="rId38"/>
     <p:sldId id="269" r:id="rId39"/>
+    <p:sldId id="310" r:id="rId40"/>
   </p:sldIdLst>
   <p:sldSz cx="12192000" cy="6858000"/>
-  <p:notesSz cx="6858000" cy="9144000"/>
+  <p:notesSz cx="7315200" cy="9601200"/>
   <p:defaultTextStyle>
     <a:defPPr>
       <a:defRPr lang="en-US"/>
@@ -142,60 +143,6 @@
     </a:lvl9pPr>
   </p:defaultTextStyle>
   <p:extLst>
-    <p:ext uri="{521415D9-36F7-43E2-AB2F-B90AF26B5E84}">
-      <p14:sectionLst xmlns:p14="http://schemas.microsoft.com/office/powerpoint/2010/main">
-        <p14:section name="Introduction" id="{2F6788D6-CC27-40E0-AD76-A1D398242723}">
-          <p14:sldIdLst>
-            <p14:sldId id="264"/>
-            <p14:sldId id="275"/>
-            <p14:sldId id="265"/>
-            <p14:sldId id="266"/>
-            <p14:sldId id="286"/>
-            <p14:sldId id="287"/>
-            <p14:sldId id="288"/>
-            <p14:sldId id="289"/>
-            <p14:sldId id="290"/>
-            <p14:sldId id="291"/>
-            <p14:sldId id="292"/>
-            <p14:sldId id="293"/>
-            <p14:sldId id="294"/>
-            <p14:sldId id="295"/>
-            <p14:sldId id="296"/>
-          </p14:sldIdLst>
-        </p14:section>
-        <p14:section name="Story" id="{0D082006-2A04-495E-9CE1-8FEA757F5F91}">
-          <p14:sldIdLst>
-            <p14:sldId id="276"/>
-            <p14:sldId id="284"/>
-            <p14:sldId id="297"/>
-            <p14:sldId id="307"/>
-            <p14:sldId id="308"/>
-            <p14:sldId id="299"/>
-            <p14:sldId id="298"/>
-            <p14:sldId id="281"/>
-            <p14:sldId id="283"/>
-            <p14:sldId id="309"/>
-            <p14:sldId id="282"/>
-            <p14:sldId id="278"/>
-            <p14:sldId id="262"/>
-            <p14:sldId id="267"/>
-            <p14:sldId id="263"/>
-            <p14:sldId id="300"/>
-            <p14:sldId id="301"/>
-            <p14:sldId id="302"/>
-            <p14:sldId id="303"/>
-            <p14:sldId id="304"/>
-            <p14:sldId id="305"/>
-            <p14:sldId id="306"/>
-          </p14:sldIdLst>
-        </p14:section>
-        <p14:section name="Conclusion" id="{CC523660-F8A3-4597-8458-66C8365C0AE2}">
-          <p14:sldIdLst>
-            <p14:sldId id="269"/>
-          </p14:sldIdLst>
-        </p14:section>
-      </p14:sectionLst>
-    </p:ext>
     <p:ext uri="{EFAFB233-063F-42B5-8137-9DF3F51BA10A}">
       <p15:sldGuideLst xmlns:p15="http://schemas.microsoft.com/office/powerpoint/2012/main"/>
     </p:ext>
@@ -389,7 +336,7 @@
           <a:p>
             <a:fld id="{08B136E0-DE68-48F8-B9E2-21BBDA41EF35}" type="datetimeFigureOut">
               <a:rPr lang="en-US" smtClean="0"/>
-              <a:t>4/15/2019</a:t>
+              <a:t>4/16/2019</a:t>
             </a:fld>
             <a:endParaRPr lang="en-US"/>
           </a:p>
@@ -664,7 +611,7 @@
           <a:p>
             <a:fld id="{08B136E0-DE68-48F8-B9E2-21BBDA41EF35}" type="datetimeFigureOut">
               <a:rPr lang="en-US" smtClean="0"/>
-              <a:t>4/15/2019</a:t>
+              <a:t>4/16/2019</a:t>
             </a:fld>
             <a:endParaRPr lang="en-US"/>
           </a:p>
@@ -858,7 +805,7 @@
           <a:p>
             <a:fld id="{08B136E0-DE68-48F8-B9E2-21BBDA41EF35}" type="datetimeFigureOut">
               <a:rPr lang="en-US" smtClean="0"/>
-              <a:t>4/15/2019</a:t>
+              <a:t>4/16/2019</a:t>
             </a:fld>
             <a:endParaRPr lang="en-US"/>
           </a:p>
@@ -1131,7 +1078,7 @@
           <a:p>
             <a:fld id="{08B136E0-DE68-48F8-B9E2-21BBDA41EF35}" type="datetimeFigureOut">
               <a:rPr lang="en-US" smtClean="0"/>
-              <a:t>4/15/2019</a:t>
+              <a:t>4/16/2019</a:t>
             </a:fld>
             <a:endParaRPr lang="en-US"/>
           </a:p>
@@ -1472,7 +1419,7 @@
           <a:p>
             <a:fld id="{08B136E0-DE68-48F8-B9E2-21BBDA41EF35}" type="datetimeFigureOut">
               <a:rPr lang="en-US" smtClean="0"/>
-              <a:t>4/15/2019</a:t>
+              <a:t>4/16/2019</a:t>
             </a:fld>
             <a:endParaRPr lang="en-US"/>
           </a:p>
@@ -2095,7 +2042,7 @@
           <a:p>
             <a:fld id="{08B136E0-DE68-48F8-B9E2-21BBDA41EF35}" type="datetimeFigureOut">
               <a:rPr lang="en-US" smtClean="0"/>
-              <a:t>4/15/2019</a:t>
+              <a:t>4/16/2019</a:t>
             </a:fld>
             <a:endParaRPr lang="en-US"/>
           </a:p>
@@ -2955,7 +2902,7 @@
           <a:p>
             <a:fld id="{08B136E0-DE68-48F8-B9E2-21BBDA41EF35}" type="datetimeFigureOut">
               <a:rPr lang="en-US" smtClean="0"/>
-              <a:t>4/15/2019</a:t>
+              <a:t>4/16/2019</a:t>
             </a:fld>
             <a:endParaRPr lang="en-US"/>
           </a:p>
@@ -3125,7 +3072,7 @@
           <a:p>
             <a:fld id="{08B136E0-DE68-48F8-B9E2-21BBDA41EF35}" type="datetimeFigureOut">
               <a:rPr lang="en-US" smtClean="0"/>
-              <a:t>4/15/2019</a:t>
+              <a:t>4/16/2019</a:t>
             </a:fld>
             <a:endParaRPr lang="en-US"/>
           </a:p>
@@ -3305,7 +3252,7 @@
           <a:p>
             <a:fld id="{08B136E0-DE68-48F8-B9E2-21BBDA41EF35}" type="datetimeFigureOut">
               <a:rPr lang="en-US" smtClean="0"/>
-              <a:t>4/15/2019</a:t>
+              <a:t>4/16/2019</a:t>
             </a:fld>
             <a:endParaRPr lang="en-US"/>
           </a:p>
@@ -3475,7 +3422,7 @@
           <a:p>
             <a:fld id="{08B136E0-DE68-48F8-B9E2-21BBDA41EF35}" type="datetimeFigureOut">
               <a:rPr lang="en-US" smtClean="0"/>
-              <a:t>4/15/2019</a:t>
+              <a:t>4/16/2019</a:t>
             </a:fld>
             <a:endParaRPr lang="en-US"/>
           </a:p>
@@ -3722,7 +3669,7 @@
           <a:p>
             <a:fld id="{08B136E0-DE68-48F8-B9E2-21BBDA41EF35}" type="datetimeFigureOut">
               <a:rPr lang="en-US" smtClean="0"/>
-              <a:t>4/15/2019</a:t>
+              <a:t>4/16/2019</a:t>
             </a:fld>
             <a:endParaRPr lang="en-US"/>
           </a:p>
@@ -4014,7 +3961,7 @@
           <a:p>
             <a:fld id="{08B136E0-DE68-48F8-B9E2-21BBDA41EF35}" type="datetimeFigureOut">
               <a:rPr lang="en-US" smtClean="0"/>
-              <a:t>4/15/2019</a:t>
+              <a:t>4/16/2019</a:t>
             </a:fld>
             <a:endParaRPr lang="en-US"/>
           </a:p>
@@ -4458,7 +4405,7 @@
           <a:p>
             <a:fld id="{08B136E0-DE68-48F8-B9E2-21BBDA41EF35}" type="datetimeFigureOut">
               <a:rPr lang="en-US" smtClean="0"/>
-              <a:t>4/15/2019</a:t>
+              <a:t>4/16/2019</a:t>
             </a:fld>
             <a:endParaRPr lang="en-US"/>
           </a:p>
@@ -4576,7 +4523,7 @@
           <a:p>
             <a:fld id="{08B136E0-DE68-48F8-B9E2-21BBDA41EF35}" type="datetimeFigureOut">
               <a:rPr lang="en-US" smtClean="0"/>
-              <a:t>4/15/2019</a:t>
+              <a:t>4/16/2019</a:t>
             </a:fld>
             <a:endParaRPr lang="en-US"/>
           </a:p>
@@ -4671,7 +4618,7 @@
           <a:p>
             <a:fld id="{08B136E0-DE68-48F8-B9E2-21BBDA41EF35}" type="datetimeFigureOut">
               <a:rPr lang="en-US" smtClean="0"/>
-              <a:t>4/15/2019</a:t>
+              <a:t>4/16/2019</a:t>
             </a:fld>
             <a:endParaRPr lang="en-US"/>
           </a:p>
@@ -4950,7 +4897,7 @@
           <a:p>
             <a:fld id="{08B136E0-DE68-48F8-B9E2-21BBDA41EF35}" type="datetimeFigureOut">
               <a:rPr lang="en-US" smtClean="0"/>
-              <a:t>4/15/2019</a:t>
+              <a:t>4/16/2019</a:t>
             </a:fld>
             <a:endParaRPr lang="en-US"/>
           </a:p>
@@ -5225,7 +5172,7 @@
           <a:p>
             <a:fld id="{08B136E0-DE68-48F8-B9E2-21BBDA41EF35}" type="datetimeFigureOut">
               <a:rPr lang="en-US" smtClean="0"/>
-              <a:t>4/15/2019</a:t>
+              <a:t>4/16/2019</a:t>
             </a:fld>
             <a:endParaRPr lang="en-US"/>
           </a:p>
@@ -5654,7 +5601,7 @@
           <a:p>
             <a:fld id="{08B136E0-DE68-48F8-B9E2-21BBDA41EF35}" type="datetimeFigureOut">
               <a:rPr lang="en-US" smtClean="0"/>
-              <a:t>4/15/2019</a:t>
+              <a:t>4/16/2019</a:t>
             </a:fld>
             <a:endParaRPr lang="en-US"/>
           </a:p>
@@ -16530,7 +16477,7 @@
           <a:p>
             <a:r>
               <a:rPr lang="en-US" dirty="0"/>
-              <a:t>The end (legal) model can predict attrition with ~84% accuracy</a:t>
+              <a:t>The end (legal) model can predict attrition with ~82% accuracy</a:t>
             </a:r>
           </a:p>
         </p:txBody>
@@ -17479,8 +17426,38 @@
           <a:p>
             <a:r>
               <a:rPr lang="en-US" dirty="0"/>
-              <a:t>From graphs, reiterate the variables we’ve chosen and the trends we find most interesting.</a:t>
-            </a:r>
+              <a:t>The three largest contributors to Attrition are:</a:t>
+            </a:r>
+          </a:p>
+          <a:p>
+            <a:pPr lvl="1"/>
+            <a:r>
+              <a:rPr lang="en-US" dirty="0"/>
+              <a:t>Overtime – 30.5% with vs 10.4% without</a:t>
+            </a:r>
+          </a:p>
+          <a:p>
+            <a:pPr lvl="1"/>
+            <a:r>
+              <a:rPr lang="en-US" dirty="0"/>
+              <a:t>Job Role as discussed above</a:t>
+            </a:r>
+          </a:p>
+          <a:p>
+            <a:pPr lvl="1"/>
+            <a:r>
+              <a:rPr lang="en-US" dirty="0"/>
+              <a:t>Marital Status – Single people 25.5% likely to leave, 10% and 12.5% for divorced and married</a:t>
+            </a:r>
+          </a:p>
+          <a:p>
+            <a:r>
+              <a:rPr lang="en-US" dirty="0"/>
+              <a:t>Remember that not all factors can be legally controlled for in the hiring/retention process.</a:t>
+            </a:r>
+          </a:p>
+          <a:p>
+            <a:endParaRPr lang="en-US" dirty="0"/>
           </a:p>
         </p:txBody>
       </p:sp>
@@ -17488,6 +17465,160 @@
     <p:extLst>
       <p:ext uri="{BB962C8B-B14F-4D97-AF65-F5344CB8AC3E}">
         <p14:creationId xmlns:p14="http://schemas.microsoft.com/office/powerpoint/2010/main" val="1279829978"/>
+      </p:ext>
+    </p:extLst>
+  </p:cSld>
+  <p:clrMapOvr>
+    <a:masterClrMapping/>
+  </p:clrMapOvr>
+</p:sld>
+</file>
+
+<file path=ppt/slides/slide39.xml><?xml version="1.0" encoding="utf-8"?>
+<p:sld xmlns:a="http://schemas.openxmlformats.org/drawingml/2006/main" xmlns:r="http://schemas.openxmlformats.org/officeDocument/2006/relationships" xmlns:p="http://schemas.openxmlformats.org/presentationml/2006/main">
+  <p:cSld>
+    <p:spTree>
+      <p:nvGrpSpPr>
+        <p:cNvPr id="1" name=""/>
+        <p:cNvGrpSpPr/>
+        <p:nvPr/>
+      </p:nvGrpSpPr>
+      <p:grpSpPr>
+        <a:xfrm>
+          <a:off x="0" y="0"/>
+          <a:ext cx="0" cy="0"/>
+          <a:chOff x="0" y="0"/>
+          <a:chExt cx="0" cy="0"/>
+        </a:xfrm>
+      </p:grpSpPr>
+      <p:sp>
+        <p:nvSpPr>
+          <p:cNvPr id="2" name="Title 1">
+            <a:extLst>
+              <a:ext uri="{FF2B5EF4-FFF2-40B4-BE49-F238E27FC236}">
+                <a16:creationId xmlns:a16="http://schemas.microsoft.com/office/drawing/2014/main" id="{E1832BE2-B24E-4D87-82AE-E0A24F19B9CA}"/>
+              </a:ext>
+            </a:extLst>
+          </p:cNvPr>
+          <p:cNvSpPr>
+            <a:spLocks noGrp="1"/>
+          </p:cNvSpPr>
+          <p:nvPr>
+            <p:ph type="title"/>
+          </p:nvPr>
+        </p:nvSpPr>
+        <p:spPr/>
+        <p:txBody>
+          <a:bodyPr/>
+          <a:lstStyle/>
+          <a:p>
+            <a:r>
+              <a:rPr lang="en-US" dirty="0"/>
+              <a:t>Conclusion</a:t>
+            </a:r>
+          </a:p>
+        </p:txBody>
+      </p:sp>
+      <p:sp>
+        <p:nvSpPr>
+          <p:cNvPr id="3" name="Content Placeholder 2">
+            <a:extLst>
+              <a:ext uri="{FF2B5EF4-FFF2-40B4-BE49-F238E27FC236}">
+                <a16:creationId xmlns:a16="http://schemas.microsoft.com/office/drawing/2014/main" id="{A4FA69BC-815E-47B8-8300-270A52A235E3}"/>
+              </a:ext>
+            </a:extLst>
+          </p:cNvPr>
+          <p:cNvSpPr>
+            <a:spLocks noGrp="1"/>
+          </p:cNvSpPr>
+          <p:nvPr>
+            <p:ph idx="1"/>
+          </p:nvPr>
+        </p:nvSpPr>
+        <p:spPr>
+          <a:xfrm>
+            <a:off x="1103312" y="2052918"/>
+            <a:ext cx="9168152" cy="4195481"/>
+          </a:xfrm>
+        </p:spPr>
+        <p:txBody>
+          <a:bodyPr/>
+          <a:lstStyle/>
+          <a:p>
+            <a:r>
+              <a:rPr lang="en-US" dirty="0"/>
+              <a:t>How can we curb the attrition rate? Our top three suggestions:</a:t>
+            </a:r>
+          </a:p>
+          <a:p>
+            <a:pPr lvl="1"/>
+            <a:r>
+              <a:rPr lang="en-US" dirty="0"/>
+              <a:t>Hire more people! This reduces overtime, which reduces turnover.</a:t>
+            </a:r>
+          </a:p>
+          <a:p>
+            <a:pPr lvl="1"/>
+            <a:r>
+              <a:rPr lang="en-US" dirty="0"/>
+              <a:t>Tackle specific problems within high attrition job categories</a:t>
+            </a:r>
+          </a:p>
+          <a:p>
+            <a:pPr lvl="2"/>
+            <a:r>
+              <a:rPr lang="en-US" dirty="0"/>
+              <a:t>Could salespeople distribute travel better?</a:t>
+            </a:r>
+          </a:p>
+          <a:p>
+            <a:pPr lvl="2"/>
+            <a:r>
+              <a:rPr lang="en-US" dirty="0"/>
+              <a:t>Overtime again!</a:t>
+            </a:r>
+          </a:p>
+          <a:p>
+            <a:pPr lvl="2"/>
+            <a:r>
+              <a:rPr lang="en-US" dirty="0"/>
+              <a:t>Larger stock options?</a:t>
+            </a:r>
+          </a:p>
+          <a:p>
+            <a:pPr lvl="2"/>
+            <a:r>
+              <a:rPr lang="en-US" dirty="0"/>
+              <a:t>Raise Environmental Satisfaction (Lighting, ergonomics)</a:t>
+            </a:r>
+          </a:p>
+          <a:p>
+            <a:pPr lvl="1"/>
+            <a:r>
+              <a:rPr lang="en-US" dirty="0"/>
+              <a:t>Develop a “Culture of Inclusiveness”, to make single people feel wanted.</a:t>
+            </a:r>
+          </a:p>
+          <a:p>
+            <a:pPr lvl="2"/>
+            <a:r>
+              <a:rPr lang="en-US" dirty="0"/>
+              <a:t>Hard to incentivize singleness, but creating friendliness and friendship in the workplace should (anecdotally!) reduce attrition.</a:t>
+            </a:r>
+          </a:p>
+          <a:p>
+            <a:pPr lvl="1"/>
+            <a:endParaRPr lang="en-US" dirty="0"/>
+          </a:p>
+          <a:p>
+            <a:endParaRPr lang="en-US" dirty="0"/>
+          </a:p>
+        </p:txBody>
+      </p:sp>
+    </p:spTree>
+    <p:extLst>
+      <p:ext uri="{BB962C8B-B14F-4D97-AF65-F5344CB8AC3E}">
+        <p14:creationId xmlns:p14="http://schemas.microsoft.com/office/powerpoint/2010/main" val="860258407"/>
       </p:ext>
     </p:extLst>
   </p:cSld>

--- a/case_study_02_presentation.pptx
+++ b/case_study_02_presentation.pptx
@@ -42,8 +42,9 @@
     <p:sldId id="304" r:id="rId36"/>
     <p:sldId id="305" r:id="rId37"/>
     <p:sldId id="306" r:id="rId38"/>
-    <p:sldId id="269" r:id="rId39"/>
-    <p:sldId id="310" r:id="rId40"/>
+    <p:sldId id="311" r:id="rId39"/>
+    <p:sldId id="269" r:id="rId40"/>
+    <p:sldId id="310" r:id="rId41"/>
   </p:sldIdLst>
   <p:sldSz cx="12192000" cy="6858000"/>
   <p:notesSz cx="7315200" cy="9601200"/>
@@ -17380,7 +17381,7 @@
           <p:cNvPr id="2" name="Title 1">
             <a:extLst>
               <a:ext uri="{FF2B5EF4-FFF2-40B4-BE49-F238E27FC236}">
-                <a16:creationId xmlns:a16="http://schemas.microsoft.com/office/drawing/2014/main" id="{E1832BE2-B24E-4D87-82AE-E0A24F19B9CA}"/>
+                <a16:creationId xmlns:a16="http://schemas.microsoft.com/office/drawing/2014/main" id="{01041D39-B418-4B8B-ABC1-7D80FDB5FB32}"/>
               </a:ext>
             </a:extLst>
           </p:cNvPr>
@@ -17398,7 +17399,7 @@
           <a:p>
             <a:r>
               <a:rPr lang="en-US" dirty="0"/>
-              <a:t>Conclusion</a:t>
+              <a:t>Study Process</a:t>
             </a:r>
           </a:p>
         </p:txBody>
@@ -17408,7 +17409,7 @@
           <p:cNvPr id="3" name="Content Placeholder 2">
             <a:extLst>
               <a:ext uri="{FF2B5EF4-FFF2-40B4-BE49-F238E27FC236}">
-                <a16:creationId xmlns:a16="http://schemas.microsoft.com/office/drawing/2014/main" id="{A4FA69BC-815E-47B8-8300-270A52A235E3}"/>
+                <a16:creationId xmlns:a16="http://schemas.microsoft.com/office/drawing/2014/main" id="{1FEF42A9-C88B-4335-8B9D-25C5A1299431}"/>
               </a:ext>
             </a:extLst>
           </p:cNvPr>
@@ -17426,45 +17427,36 @@
           <a:p>
             <a:r>
               <a:rPr lang="en-US" dirty="0"/>
-              <a:t>The three largest contributors to Attrition are:</a:t>
+              <a:t>Three models were compared, with similar findings:</a:t>
             </a:r>
           </a:p>
           <a:p>
             <a:pPr lvl="1"/>
             <a:r>
               <a:rPr lang="en-US" dirty="0"/>
-              <a:t>Overtime – 30.5% with vs 10.4% without</a:t>
+              <a:t>Logistic Regression</a:t>
             </a:r>
           </a:p>
           <a:p>
             <a:pPr lvl="1"/>
             <a:r>
               <a:rPr lang="en-US" dirty="0"/>
-              <a:t>Job Role as discussed above</a:t>
+              <a:t>Stepwise Selected Multiple Linear Regression</a:t>
             </a:r>
           </a:p>
           <a:p>
             <a:pPr lvl="1"/>
             <a:r>
               <a:rPr lang="en-US" dirty="0"/>
-              <a:t>Marital Status – Single people 25.5% likely to leave, 10% and 12.5% for divorced and married</a:t>
-            </a:r>
-          </a:p>
-          <a:p>
-            <a:r>
-              <a:rPr lang="en-US" dirty="0"/>
-              <a:t>Remember that not all factors can be legally controlled for in the hiring/retention process.</a:t>
-            </a:r>
-          </a:p>
-          <a:p>
-            <a:endParaRPr lang="en-US" dirty="0"/>
+              <a:t>Support Vector Machine</a:t>
+            </a:r>
           </a:p>
         </p:txBody>
       </p:sp>
     </p:spTree>
     <p:extLst>
       <p:ext uri="{BB962C8B-B14F-4D97-AF65-F5344CB8AC3E}">
-        <p14:creationId xmlns:p14="http://schemas.microsoft.com/office/powerpoint/2010/main" val="1279829978"/>
+        <p14:creationId xmlns:p14="http://schemas.microsoft.com/office/powerpoint/2010/main" val="3267699612"/>
       </p:ext>
     </p:extLst>
   </p:cSld>
@@ -17535,80 +17527,42 @@
             <p:ph idx="1"/>
           </p:nvPr>
         </p:nvSpPr>
-        <p:spPr>
-          <a:xfrm>
-            <a:off x="1103312" y="2052918"/>
-            <a:ext cx="9168152" cy="4195481"/>
-          </a:xfrm>
-        </p:spPr>
+        <p:spPr/>
         <p:txBody>
           <a:bodyPr/>
           <a:lstStyle/>
           <a:p>
             <a:r>
               <a:rPr lang="en-US" dirty="0"/>
-              <a:t>How can we curb the attrition rate? Our top three suggestions:</a:t>
+              <a:t>The three largest contributors to Attrition are:</a:t>
             </a:r>
           </a:p>
           <a:p>
             <a:pPr lvl="1"/>
             <a:r>
               <a:rPr lang="en-US" dirty="0"/>
-              <a:t>Hire more people! This reduces overtime, which reduces turnover.</a:t>
+              <a:t>Overtime – 30.5% with vs 10.4% without</a:t>
             </a:r>
           </a:p>
           <a:p>
             <a:pPr lvl="1"/>
             <a:r>
               <a:rPr lang="en-US" dirty="0"/>
-              <a:t>Tackle specific problems within high attrition job categories</a:t>
-            </a:r>
-          </a:p>
-          <a:p>
-            <a:pPr lvl="2"/>
+              <a:t>Job Role as discussed above</a:t>
+            </a:r>
+          </a:p>
+          <a:p>
+            <a:pPr lvl="1"/>
             <a:r>
               <a:rPr lang="en-US" dirty="0"/>
-              <a:t>Could salespeople distribute travel better?</a:t>
-            </a:r>
-          </a:p>
-          <a:p>
-            <a:pPr lvl="2"/>
+              <a:t>Marital Status – Single people 25.5% likely to leave, 10% and 12.5% for divorced and married</a:t>
+            </a:r>
+          </a:p>
+          <a:p>
             <a:r>
               <a:rPr lang="en-US" dirty="0"/>
-              <a:t>Overtime again!</a:t>
-            </a:r>
-          </a:p>
-          <a:p>
-            <a:pPr lvl="2"/>
-            <a:r>
-              <a:rPr lang="en-US" dirty="0"/>
-              <a:t>Larger stock options?</a:t>
-            </a:r>
-          </a:p>
-          <a:p>
-            <a:pPr lvl="2"/>
-            <a:r>
-              <a:rPr lang="en-US" dirty="0"/>
-              <a:t>Raise Environmental Satisfaction (Lighting, ergonomics)</a:t>
-            </a:r>
-          </a:p>
-          <a:p>
-            <a:pPr lvl="1"/>
-            <a:r>
-              <a:rPr lang="en-US" dirty="0"/>
-              <a:t>Develop a “Culture of Inclusiveness”, to make single people feel wanted.</a:t>
-            </a:r>
-          </a:p>
-          <a:p>
-            <a:pPr lvl="2"/>
-            <a:r>
-              <a:rPr lang="en-US" dirty="0"/>
-              <a:t>Hard to incentivize singleness, but creating friendliness and friendship in the workplace should (anecdotally!) reduce attrition.</a:t>
-            </a:r>
-          </a:p>
-          <a:p>
-            <a:pPr lvl="1"/>
-            <a:endParaRPr lang="en-US" dirty="0"/>
+              <a:t>Remember that not all factors can be legally controlled for in the hiring/retention process.</a:t>
+            </a:r>
           </a:p>
           <a:p>
             <a:endParaRPr lang="en-US" dirty="0"/>
@@ -17618,7 +17572,7 @@
     </p:spTree>
     <p:extLst>
       <p:ext uri="{BB962C8B-B14F-4D97-AF65-F5344CB8AC3E}">
-        <p14:creationId xmlns:p14="http://schemas.microsoft.com/office/powerpoint/2010/main" val="860258407"/>
+        <p14:creationId xmlns:p14="http://schemas.microsoft.com/office/powerpoint/2010/main" val="1279829978"/>
       </p:ext>
     </p:extLst>
   </p:cSld>
@@ -17726,6 +17680,160 @@
     <p:extLst>
       <p:ext uri="{BB962C8B-B14F-4D97-AF65-F5344CB8AC3E}">
         <p14:creationId xmlns:p14="http://schemas.microsoft.com/office/powerpoint/2010/main" val="3466138596"/>
+      </p:ext>
+    </p:extLst>
+  </p:cSld>
+  <p:clrMapOvr>
+    <a:masterClrMapping/>
+  </p:clrMapOvr>
+</p:sld>
+</file>
+
+<file path=ppt/slides/slide40.xml><?xml version="1.0" encoding="utf-8"?>
+<p:sld xmlns:a="http://schemas.openxmlformats.org/drawingml/2006/main" xmlns:r="http://schemas.openxmlformats.org/officeDocument/2006/relationships" xmlns:p="http://schemas.openxmlformats.org/presentationml/2006/main">
+  <p:cSld>
+    <p:spTree>
+      <p:nvGrpSpPr>
+        <p:cNvPr id="1" name=""/>
+        <p:cNvGrpSpPr/>
+        <p:nvPr/>
+      </p:nvGrpSpPr>
+      <p:grpSpPr>
+        <a:xfrm>
+          <a:off x="0" y="0"/>
+          <a:ext cx="0" cy="0"/>
+          <a:chOff x="0" y="0"/>
+          <a:chExt cx="0" cy="0"/>
+        </a:xfrm>
+      </p:grpSpPr>
+      <p:sp>
+        <p:nvSpPr>
+          <p:cNvPr id="2" name="Title 1">
+            <a:extLst>
+              <a:ext uri="{FF2B5EF4-FFF2-40B4-BE49-F238E27FC236}">
+                <a16:creationId xmlns:a16="http://schemas.microsoft.com/office/drawing/2014/main" id="{E1832BE2-B24E-4D87-82AE-E0A24F19B9CA}"/>
+              </a:ext>
+            </a:extLst>
+          </p:cNvPr>
+          <p:cNvSpPr>
+            <a:spLocks noGrp="1"/>
+          </p:cNvSpPr>
+          <p:nvPr>
+            <p:ph type="title"/>
+          </p:nvPr>
+        </p:nvSpPr>
+        <p:spPr/>
+        <p:txBody>
+          <a:bodyPr/>
+          <a:lstStyle/>
+          <a:p>
+            <a:r>
+              <a:rPr lang="en-US" dirty="0"/>
+              <a:t>Conclusion</a:t>
+            </a:r>
+          </a:p>
+        </p:txBody>
+      </p:sp>
+      <p:sp>
+        <p:nvSpPr>
+          <p:cNvPr id="3" name="Content Placeholder 2">
+            <a:extLst>
+              <a:ext uri="{FF2B5EF4-FFF2-40B4-BE49-F238E27FC236}">
+                <a16:creationId xmlns:a16="http://schemas.microsoft.com/office/drawing/2014/main" id="{A4FA69BC-815E-47B8-8300-270A52A235E3}"/>
+              </a:ext>
+            </a:extLst>
+          </p:cNvPr>
+          <p:cNvSpPr>
+            <a:spLocks noGrp="1"/>
+          </p:cNvSpPr>
+          <p:nvPr>
+            <p:ph idx="1"/>
+          </p:nvPr>
+        </p:nvSpPr>
+        <p:spPr>
+          <a:xfrm>
+            <a:off x="1103312" y="2052918"/>
+            <a:ext cx="9168152" cy="4195481"/>
+          </a:xfrm>
+        </p:spPr>
+        <p:txBody>
+          <a:bodyPr/>
+          <a:lstStyle/>
+          <a:p>
+            <a:r>
+              <a:rPr lang="en-US" dirty="0"/>
+              <a:t>How can we curb the attrition rate? Our top three suggestions:</a:t>
+            </a:r>
+          </a:p>
+          <a:p>
+            <a:pPr lvl="1"/>
+            <a:r>
+              <a:rPr lang="en-US" dirty="0"/>
+              <a:t>Hire more people! This reduces overtime, which reduces turnover.</a:t>
+            </a:r>
+          </a:p>
+          <a:p>
+            <a:pPr lvl="1"/>
+            <a:r>
+              <a:rPr lang="en-US" dirty="0"/>
+              <a:t>Tackle specific problems within high attrition job categories</a:t>
+            </a:r>
+          </a:p>
+          <a:p>
+            <a:pPr lvl="2"/>
+            <a:r>
+              <a:rPr lang="en-US" dirty="0"/>
+              <a:t>Could salespeople distribute travel better?</a:t>
+            </a:r>
+          </a:p>
+          <a:p>
+            <a:pPr lvl="2"/>
+            <a:r>
+              <a:rPr lang="en-US" dirty="0"/>
+              <a:t>Overtime again!</a:t>
+            </a:r>
+          </a:p>
+          <a:p>
+            <a:pPr lvl="2"/>
+            <a:r>
+              <a:rPr lang="en-US" dirty="0"/>
+              <a:t>Larger stock options?</a:t>
+            </a:r>
+          </a:p>
+          <a:p>
+            <a:pPr lvl="2"/>
+            <a:r>
+              <a:rPr lang="en-US" dirty="0"/>
+              <a:t>Raise Environmental Satisfaction (Lighting, ergonomics)</a:t>
+            </a:r>
+          </a:p>
+          <a:p>
+            <a:pPr lvl="1"/>
+            <a:r>
+              <a:rPr lang="en-US" dirty="0"/>
+              <a:t>Develop a “Culture of Inclusiveness”, to make single people feel wanted.</a:t>
+            </a:r>
+          </a:p>
+          <a:p>
+            <a:pPr lvl="2"/>
+            <a:r>
+              <a:rPr lang="en-US" dirty="0"/>
+              <a:t>Hard to incentivize singleness, but creating friendliness and friendship in the workplace should (anecdotally!) reduce attrition.</a:t>
+            </a:r>
+          </a:p>
+          <a:p>
+            <a:pPr lvl="1"/>
+            <a:endParaRPr lang="en-US" dirty="0"/>
+          </a:p>
+          <a:p>
+            <a:endParaRPr lang="en-US" dirty="0"/>
+          </a:p>
+        </p:txBody>
+      </p:sp>
+    </p:spTree>
+    <p:extLst>
+      <p:ext uri="{BB962C8B-B14F-4D97-AF65-F5344CB8AC3E}">
+        <p14:creationId xmlns:p14="http://schemas.microsoft.com/office/powerpoint/2010/main" val="860258407"/>
       </p:ext>
     </p:extLst>
   </p:cSld>

--- a/case_study_02_presentation.pptx
+++ b/case_study_02_presentation.pptx
@@ -17028,8 +17028,8 @@
         </p:nvSpPr>
         <p:spPr>
           <a:xfrm>
-            <a:off x="333703" y="2002723"/>
-            <a:ext cx="5242880" cy="4195481"/>
+            <a:off x="333702" y="2002723"/>
+            <a:ext cx="5457497" cy="4195481"/>
           </a:xfrm>
         </p:spPr>
         <p:txBody>
@@ -17038,7 +17038,46 @@
           <a:p>
             <a:r>
               <a:rPr lang="en-US" dirty="0"/>
-              <a:t>Overtime, Job Role, Job Level Top 3</a:t>
+              <a:t>After removing the features we can’t discriminate by, the top 3 change!</a:t>
+            </a:r>
+          </a:p>
+          <a:p>
+            <a:r>
+              <a:rPr lang="en-US" dirty="0"/>
+              <a:t>Top three predictors:</a:t>
+            </a:r>
+          </a:p>
+          <a:p>
+            <a:pPr lvl="1"/>
+            <a:r>
+              <a:rPr lang="en-US" dirty="0"/>
+              <a:t>Overtime</a:t>
+            </a:r>
+          </a:p>
+          <a:p>
+            <a:pPr lvl="1"/>
+            <a:r>
+              <a:rPr lang="en-US" dirty="0"/>
+              <a:t>Total Working Years</a:t>
+            </a:r>
+          </a:p>
+          <a:p>
+            <a:pPr lvl="1"/>
+            <a:r>
+              <a:rPr lang="en-US" dirty="0"/>
+              <a:t>Years at Company</a:t>
+            </a:r>
+          </a:p>
+          <a:p>
+            <a:r>
+              <a:rPr lang="en-US" dirty="0"/>
+              <a:t>Monthly Income is higher than Job Role</a:t>
+            </a:r>
+          </a:p>
+          <a:p>
+            <a:r>
+              <a:rPr lang="en-US" dirty="0"/>
+              <a:t>Years w/ Manager is higher than Job Level and stock options!</a:t>
             </a:r>
           </a:p>
           <a:p>
@@ -17051,10 +17090,10 @@
       </p:sp>
       <p:pic>
         <p:nvPicPr>
-          <p:cNvPr id="1026" name="Picture 2">
-            <a:extLst>
-              <a:ext uri="{FF2B5EF4-FFF2-40B4-BE49-F238E27FC236}">
-                <a16:creationId xmlns:a16="http://schemas.microsoft.com/office/drawing/2014/main" id="{01B9B78B-5377-4152-8B33-6F95D81ADAEA}"/>
+          <p:cNvPr id="4" name="Picture 2">
+            <a:extLst>
+              <a:ext uri="{FF2B5EF4-FFF2-40B4-BE49-F238E27FC236}">
+                <a16:creationId xmlns:a16="http://schemas.microsoft.com/office/drawing/2014/main" id="{F73A51DD-7C60-4ECB-8173-32C9A8C2487B}"/>
               </a:ext>
             </a:extLst>
           </p:cNvPr>
@@ -17078,7 +17117,7 @@
         </p:blipFill>
         <p:spPr bwMode="auto">
           <a:xfrm>
-            <a:off x="5647678" y="1152983"/>
+            <a:off x="5791200" y="1258410"/>
             <a:ext cx="6400800" cy="4572000"/>
           </a:xfrm>
           <a:prstGeom prst="rect">
